--- a/aina-getting-started.pptx
+++ b/aina-getting-started.pptx
@@ -5,7 +5,7 @@
     <p:sldMasterId id="2147483648" r:id="rId1"/>
   </p:sldMasterIdLst>
   <p:notesMasterIdLst>
-    <p:notesMasterId r:id="rId12"/>
+    <p:notesMasterId r:id="rId14"/>
   </p:notesMasterIdLst>
   <p:sldIdLst>
     <p:sldId id="256" r:id="rId2"/>
@@ -13,11 +13,13 @@
     <p:sldId id="393" r:id="rId4"/>
     <p:sldId id="332" r:id="rId5"/>
     <p:sldId id="411" r:id="rId6"/>
-    <p:sldId id="426" r:id="rId7"/>
-    <p:sldId id="431" r:id="rId8"/>
-    <p:sldId id="338" r:id="rId9"/>
-    <p:sldId id="336" r:id="rId10"/>
-    <p:sldId id="432" r:id="rId11"/>
+    <p:sldId id="434" r:id="rId7"/>
+    <p:sldId id="435" r:id="rId8"/>
+    <p:sldId id="426" r:id="rId9"/>
+    <p:sldId id="431" r:id="rId10"/>
+    <p:sldId id="338" r:id="rId11"/>
+    <p:sldId id="336" r:id="rId12"/>
+    <p:sldId id="432" r:id="rId13"/>
   </p:sldIdLst>
   <p:sldSz cx="12192000" cy="6858000"/>
   <p:notesSz cx="6858000" cy="9144000"/>
@@ -2476,7 +2478,7 @@
           <a:p>
             <a:fld id="{3BB66621-ADCC-4EF8-8003-B9D3E881DCD2}" type="slidenum">
               <a:rPr lang="en-US" smtClean="0"/>
-              <a:t>8</a:t>
+              <a:t>10</a:t>
             </a:fld>
             <a:endParaRPr lang="en-US"/>
           </a:p>
@@ -5552,191 +5554,6 @@
           <p:nvPr/>
         </p:nvPicPr>
         <p:blipFill rotWithShape="1">
-          <a:blip r:embed="rId2">
-            <a:extLst>
-              <a:ext uri="{28A0092B-C50C-407E-A947-70E740481C1C}">
-                <a14:useLocalDpi xmlns:a14="http://schemas.microsoft.com/office/drawing/2010/main" val="0"/>
-              </a:ext>
-            </a:extLst>
-          </a:blip>
-          <a:srcRect l="50728" t="56371"/>
-          <a:stretch/>
-        </p:blipFill>
-        <p:spPr>
-          <a:xfrm>
-            <a:off x="8136460" y="2210765"/>
-            <a:ext cx="4055539" cy="4647236"/>
-          </a:xfrm>
-          <a:prstGeom prst="rect">
-            <a:avLst/>
-          </a:prstGeom>
-        </p:spPr>
-      </p:pic>
-      <p:pic>
-        <p:nvPicPr>
-          <p:cNvPr id="4" name="Picture 3"/>
-          <p:cNvPicPr>
-            <a:picLocks noChangeAspect="1"/>
-          </p:cNvPicPr>
-          <p:nvPr/>
-        </p:nvPicPr>
-        <p:blipFill>
-          <a:blip r:embed="rId3">
-            <a:extLst>
-              <a:ext uri="{28A0092B-C50C-407E-A947-70E740481C1C}">
-                <a14:useLocalDpi xmlns:a14="http://schemas.microsoft.com/office/drawing/2010/main" val="0"/>
-              </a:ext>
-            </a:extLst>
-          </a:blip>
-          <a:stretch>
-            <a:fillRect/>
-          </a:stretch>
-        </p:blipFill>
-        <p:spPr>
-          <a:xfrm>
-            <a:off x="-538496" y="-2482770"/>
-            <a:ext cx="10171472" cy="7459883"/>
-          </a:xfrm>
-          <a:prstGeom prst="rect">
-            <a:avLst/>
-          </a:prstGeom>
-        </p:spPr>
-      </p:pic>
-      <p:sp>
-        <p:nvSpPr>
-          <p:cNvPr id="11" name="TextBox 10"/>
-          <p:cNvSpPr txBox="1"/>
-          <p:nvPr/>
-        </p:nvSpPr>
-        <p:spPr>
-          <a:xfrm>
-            <a:off x="324091" y="1687545"/>
-            <a:ext cx="7986531" cy="2369880"/>
-          </a:xfrm>
-          <a:prstGeom prst="rect">
-            <a:avLst/>
-          </a:prstGeom>
-          <a:noFill/>
-        </p:spPr>
-        <p:txBody>
-          <a:bodyPr wrap="square" rtlCol="0">
-            <a:spAutoFit/>
-          </a:bodyPr>
-          <a:lstStyle/>
-          <a:p>
-            <a:r>
-              <a:rPr lang="en-US" sz="3600" b="1" dirty="0">
-                <a:solidFill>
-                  <a:srgbClr val="707070"/>
-                </a:solidFill>
-                <a:latin typeface="Pragmatica" panose="020B0403040502020204" pitchFamily="34" charset="0"/>
-              </a:rPr>
-              <a:t>THANK YOU</a:t>
-            </a:r>
-          </a:p>
-          <a:p>
-            <a:endParaRPr lang="en-US" sz="2800" b="1" dirty="0">
-              <a:solidFill>
-                <a:srgbClr val="707070"/>
-              </a:solidFill>
-              <a:latin typeface="Pragmatica" panose="020B0403040502020204" pitchFamily="34" charset="0"/>
-            </a:endParaRPr>
-          </a:p>
-          <a:p>
-            <a:r>
-              <a:rPr lang="en-US" sz="2800" b="1" dirty="0">
-                <a:solidFill>
-                  <a:srgbClr val="707070"/>
-                </a:solidFill>
-                <a:latin typeface="Pragmatica" panose="020B0403040502020204" pitchFamily="34" charset="0"/>
-                <a:hlinkClick r:id="rId4"/>
-              </a:rPr>
-              <a:t>george@stringfestanalytics.com</a:t>
-            </a:r>
-            <a:endParaRPr lang="en-US" sz="2800" b="1" dirty="0">
-              <a:solidFill>
-                <a:srgbClr val="707070"/>
-              </a:solidFill>
-              <a:latin typeface="Pragmatica" panose="020B0403040502020204" pitchFamily="34" charset="0"/>
-            </a:endParaRPr>
-          </a:p>
-          <a:p>
-            <a:r>
-              <a:rPr lang="en-US" sz="2800" b="1" dirty="0">
-                <a:solidFill>
-                  <a:srgbClr val="707070"/>
-                </a:solidFill>
-                <a:latin typeface="Pragmatica" panose="020B0403040502020204" pitchFamily="34" charset="0"/>
-                <a:hlinkClick r:id="rId5"/>
-              </a:rPr>
-              <a:t>linkedin.com/in/gjmount</a:t>
-            </a:r>
-            <a:endParaRPr lang="en-US" sz="2800" b="1" dirty="0">
-              <a:solidFill>
-                <a:srgbClr val="707070"/>
-              </a:solidFill>
-              <a:latin typeface="Pragmatica" panose="020B0403040502020204" pitchFamily="34" charset="0"/>
-            </a:endParaRPr>
-          </a:p>
-          <a:p>
-            <a:r>
-              <a:rPr lang="en-US" sz="2800" b="1" dirty="0">
-                <a:solidFill>
-                  <a:srgbClr val="707070"/>
-                </a:solidFill>
-                <a:latin typeface="Pragmatica" panose="020B0403040502020204" pitchFamily="34" charset="0"/>
-                <a:hlinkClick r:id="rId6"/>
-              </a:rPr>
-              <a:t>stringfestanalytics.com/contact  </a:t>
-            </a:r>
-            <a:endParaRPr lang="en-US" sz="2800" b="1" dirty="0">
-              <a:solidFill>
-                <a:srgbClr val="707070"/>
-              </a:solidFill>
-              <a:latin typeface="Pragmatica" panose="020B0403040502020204" pitchFamily="34" charset="0"/>
-            </a:endParaRPr>
-          </a:p>
-        </p:txBody>
-      </p:sp>
-    </p:spTree>
-    <p:extLst>
-      <p:ext uri="{BB962C8B-B14F-4D97-AF65-F5344CB8AC3E}">
-        <p14:creationId xmlns:p14="http://schemas.microsoft.com/office/powerpoint/2010/main" val="3712320391"/>
-      </p:ext>
-    </p:extLst>
-  </p:cSld>
-  <p:clrMapOvr>
-    <a:masterClrMapping/>
-  </p:clrMapOvr>
-</p:sld>
-</file>
-
-<file path=ppt/slides/slide2.xml><?xml version="1.0" encoding="utf-8"?>
-<p:sld xmlns:a="http://schemas.openxmlformats.org/drawingml/2006/main" xmlns:r="http://schemas.openxmlformats.org/officeDocument/2006/relationships" xmlns:p="http://schemas.openxmlformats.org/presentationml/2006/main">
-  <p:cSld>
-    <p:spTree>
-      <p:nvGrpSpPr>
-        <p:cNvPr id="1" name=""/>
-        <p:cNvGrpSpPr/>
-        <p:nvPr/>
-      </p:nvGrpSpPr>
-      <p:grpSpPr>
-        <a:xfrm>
-          <a:off x="0" y="0"/>
-          <a:ext cx="0" cy="0"/>
-          <a:chOff x="0" y="0"/>
-          <a:chExt cx="0" cy="0"/>
-        </a:xfrm>
-      </p:grpSpPr>
-      <p:pic>
-        <p:nvPicPr>
-          <p:cNvPr id="10" name="Picture 9"/>
-          <p:cNvPicPr>
-            <a:picLocks noChangeAspect="1"/>
-          </p:cNvPicPr>
-          <p:nvPr/>
-        </p:nvPicPr>
-        <p:blipFill rotWithShape="1">
           <a:blip r:embed="rId3">
             <a:extLst>
               <a:ext uri="{28A0092B-C50C-407E-A947-70E740481C1C}">
@@ -5766,7 +5583,7 @@
         <p:spPr>
           <a:xfrm>
             <a:off x="347240" y="113388"/>
-            <a:ext cx="9799937" cy="1015663"/>
+            <a:ext cx="10861534" cy="1015663"/>
           </a:xfrm>
           <a:prstGeom prst="rect">
             <a:avLst/>
@@ -5783,21 +5600,27 @@
               <a:rPr lang="en-US" sz="6000" dirty="0">
                 <a:latin typeface="Aliens &amp; cows" panose="00000500000000000000" pitchFamily="2" charset="0"/>
               </a:rPr>
-              <a:t>Follow along</a:t>
-            </a:r>
-          </a:p>
-        </p:txBody>
-      </p:sp>
-      <p:sp>
-        <p:nvSpPr>
-          <p:cNvPr id="3" name="TextBox 2"/>
+              <a:t>Keep going</a:t>
+            </a:r>
+          </a:p>
+        </p:txBody>
+      </p:sp>
+      <p:sp>
+        <p:nvSpPr>
+          <p:cNvPr id="4" name="TextBox 3">
+            <a:extLst>
+              <a:ext uri="{FF2B5EF4-FFF2-40B4-BE49-F238E27FC236}">
+                <a16:creationId xmlns:a16="http://schemas.microsoft.com/office/drawing/2014/main" id="{5A4F6C64-3E8D-4255-95B8-CF64265213DA}"/>
+              </a:ext>
+            </a:extLst>
+          </p:cNvPr>
           <p:cNvSpPr txBox="1"/>
           <p:nvPr/>
         </p:nvSpPr>
         <p:spPr>
           <a:xfrm>
-            <a:off x="462987" y="1365813"/>
-            <a:ext cx="8387397" cy="954107"/>
+            <a:off x="347240" y="1465093"/>
+            <a:ext cx="8255987" cy="954107"/>
           </a:xfrm>
           <a:prstGeom prst="rect">
             <a:avLst/>
@@ -5810,10 +5633,22 @@
           </a:bodyPr>
           <a:lstStyle/>
           <a:p>
-            <a:pPr marL="285750" indent="-285750">
+            <a:pPr marL="457200" indent="-457200">
+              <a:buClr>
+                <a:srgbClr val="CF3338"/>
+              </a:buClr>
               <a:buFont typeface="Arial" panose="020B0604020202020204" pitchFamily="34" charset="0"/>
               <a:buChar char="•"/>
             </a:pPr>
+            <a:r>
+              <a:rPr lang="en-US" sz="2800" i="1" dirty="0">
+                <a:solidFill>
+                  <a:srgbClr val="707070"/>
+                </a:solidFill>
+                <a:latin typeface="Pragmatica" panose="020B0403040502020204" pitchFamily="34" charset="0"/>
+              </a:rPr>
+              <a:t>Advancing into Analytics </a:t>
+            </a:r>
             <a:r>
               <a:rPr lang="en-US" sz="2800" dirty="0">
                 <a:solidFill>
@@ -5821,8 +5656,17 @@
                 </a:solidFill>
                 <a:latin typeface="Pragmatica" panose="020B0403040502020204" pitchFamily="34" charset="0"/>
               </a:rPr>
-              <a:t>Download resources: </a:t>
-            </a:r>
+              <a:t>by George Mount</a:t>
+            </a:r>
+          </a:p>
+          <a:p>
+            <a:pPr marL="914400" lvl="1" indent="-457200">
+              <a:buClr>
+                <a:srgbClr val="CF3338"/>
+              </a:buClr>
+              <a:buFont typeface="Arial" panose="020B0604020202020204" pitchFamily="34" charset="0"/>
+              <a:buChar char="•"/>
+            </a:pPr>
             <a:r>
               <a:rPr lang="en-US" sz="2800" dirty="0">
                 <a:solidFill>
@@ -5831,21 +5675,71 @@
                 <a:latin typeface="Pragmatica" panose="020B0403040502020204" pitchFamily="34" charset="0"/>
                 <a:hlinkClick r:id="rId4"/>
               </a:rPr>
-              <a:t>https://github.com/stringfestdata/lagos-meetup</a:t>
-            </a:r>
-            <a:endParaRPr lang="en-US" sz="2800" dirty="0">
-              <a:solidFill>
-                <a:srgbClr val="707070"/>
-              </a:solidFill>
-              <a:latin typeface="Pragmatica" panose="020B0403040502020204" pitchFamily="34" charset="0"/>
-            </a:endParaRPr>
-          </a:p>
-        </p:txBody>
-      </p:sp>
+              <a:t>Stringfestanalytics.com/book</a:t>
+            </a:r>
+            <a:r>
+              <a:rPr lang="en-US" sz="2800" dirty="0">
+                <a:solidFill>
+                  <a:srgbClr val="707070"/>
+                </a:solidFill>
+                <a:latin typeface="Pragmatica" panose="020B0403040502020204" pitchFamily="34" charset="0"/>
+              </a:rPr>
+              <a:t> </a:t>
+            </a:r>
+          </a:p>
+        </p:txBody>
+      </p:sp>
+      <p:pic>
+        <p:nvPicPr>
+          <p:cNvPr id="4098" name="Picture 2" descr="Advancing into Analytics Cover Image">
+            <a:extLst>
+              <a:ext uri="{FF2B5EF4-FFF2-40B4-BE49-F238E27FC236}">
+                <a16:creationId xmlns:a16="http://schemas.microsoft.com/office/drawing/2014/main" id="{58958D3C-C4DB-4EBB-9EE6-AA9672AA9979}"/>
+              </a:ext>
+            </a:extLst>
+          </p:cNvPr>
+          <p:cNvPicPr>
+            <a:picLocks noChangeAspect="1" noChangeArrowheads="1"/>
+          </p:cNvPicPr>
+          <p:nvPr/>
+        </p:nvPicPr>
+        <p:blipFill>
+          <a:blip r:embed="rId5">
+            <a:extLst>
+              <a:ext uri="{28A0092B-C50C-407E-A947-70E740481C1C}">
+                <a14:useLocalDpi xmlns:a14="http://schemas.microsoft.com/office/drawing/2010/main" val="0"/>
+              </a:ext>
+            </a:extLst>
+          </a:blip>
+          <a:srcRect/>
+          <a:stretch>
+            <a:fillRect/>
+          </a:stretch>
+        </p:blipFill>
+        <p:spPr bwMode="auto">
+          <a:xfrm>
+            <a:off x="8322631" y="1804894"/>
+            <a:ext cx="3869369" cy="5053106"/>
+          </a:xfrm>
+          <a:prstGeom prst="rect">
+            <a:avLst/>
+          </a:prstGeom>
+          <a:noFill/>
+          <a:extLst>
+            <a:ext uri="{909E8E84-426E-40DD-AFC4-6F175D3DCCD1}">
+              <a14:hiddenFill xmlns:a14="http://schemas.microsoft.com/office/drawing/2010/main">
+                <a:solidFill>
+                  <a:srgbClr val="FFFFFF"/>
+                </a:solidFill>
+              </a14:hiddenFill>
+            </a:ext>
+          </a:extLst>
+        </p:spPr>
+      </p:pic>
     </p:spTree>
     <p:extLst>
       <p:ext uri="{BB962C8B-B14F-4D97-AF65-F5344CB8AC3E}">
-        <p14:creationId xmlns:p14="http://schemas.microsoft.com/office/powerpoint/2010/main" val="4141627579"/>
+        <p14:creationId xmlns:p14="http://schemas.microsoft.com/office/powerpoint/2010/main" val="3327978876"/>
       </p:ext>
     </p:extLst>
   </p:cSld>
@@ -5855,580 +5749,7 @@
 </p:sld>
 </file>
 
-<file path=ppt/slides/slide3.xml><?xml version="1.0" encoding="utf-8"?>
-<p:sld xmlns:a="http://schemas.openxmlformats.org/drawingml/2006/main" xmlns:r="http://schemas.openxmlformats.org/officeDocument/2006/relationships" xmlns:p="http://schemas.openxmlformats.org/presentationml/2006/main">
-  <p:cSld>
-    <p:spTree>
-      <p:nvGrpSpPr>
-        <p:cNvPr id="1" name=""/>
-        <p:cNvGrpSpPr/>
-        <p:nvPr/>
-      </p:nvGrpSpPr>
-      <p:grpSpPr>
-        <a:xfrm>
-          <a:off x="0" y="0"/>
-          <a:ext cx="0" cy="0"/>
-          <a:chOff x="0" y="0"/>
-          <a:chExt cx="0" cy="0"/>
-        </a:xfrm>
-      </p:grpSpPr>
-      <p:pic>
-        <p:nvPicPr>
-          <p:cNvPr id="10" name="Picture 9"/>
-          <p:cNvPicPr>
-            <a:picLocks noChangeAspect="1"/>
-          </p:cNvPicPr>
-          <p:nvPr/>
-        </p:nvPicPr>
-        <p:blipFill rotWithShape="1">
-          <a:blip r:embed="rId2">
-            <a:extLst>
-              <a:ext uri="{28A0092B-C50C-407E-A947-70E740481C1C}">
-                <a14:useLocalDpi xmlns:a14="http://schemas.microsoft.com/office/drawing/2010/main" val="0"/>
-              </a:ext>
-            </a:extLst>
-          </a:blip>
-          <a:srcRect l="50728" t="56371"/>
-          <a:stretch/>
-        </p:blipFill>
-        <p:spPr>
-          <a:xfrm>
-            <a:off x="10894024" y="5370653"/>
-            <a:ext cx="1297975" cy="1487348"/>
-          </a:xfrm>
-          <a:prstGeom prst="rect">
-            <a:avLst/>
-          </a:prstGeom>
-        </p:spPr>
-      </p:pic>
-      <p:sp>
-        <p:nvSpPr>
-          <p:cNvPr id="11" name="TextBox 10"/>
-          <p:cNvSpPr txBox="1"/>
-          <p:nvPr/>
-        </p:nvSpPr>
-        <p:spPr>
-          <a:xfrm>
-            <a:off x="347240" y="113388"/>
-            <a:ext cx="9799937" cy="1015663"/>
-          </a:xfrm>
-          <a:prstGeom prst="rect">
-            <a:avLst/>
-          </a:prstGeom>
-          <a:noFill/>
-        </p:spPr>
-        <p:txBody>
-          <a:bodyPr wrap="square" rtlCol="0">
-            <a:spAutoFit/>
-          </a:bodyPr>
-          <a:lstStyle/>
-          <a:p>
-            <a:r>
-              <a:rPr lang="en-US" sz="6000" dirty="0">
-                <a:latin typeface="Aliens &amp; cows" panose="00000500000000000000" pitchFamily="2" charset="0"/>
-              </a:rPr>
-              <a:t>Learning objectives</a:t>
-            </a:r>
-          </a:p>
-        </p:txBody>
-      </p:sp>
-      <p:sp>
-        <p:nvSpPr>
-          <p:cNvPr id="3" name="TextBox 2"/>
-          <p:cNvSpPr txBox="1"/>
-          <p:nvPr/>
-        </p:nvSpPr>
-        <p:spPr>
-          <a:xfrm>
-            <a:off x="462987" y="1365813"/>
-            <a:ext cx="9595413" cy="2246769"/>
-          </a:xfrm>
-          <a:prstGeom prst="rect">
-            <a:avLst/>
-          </a:prstGeom>
-          <a:noFill/>
-        </p:spPr>
-        <p:txBody>
-          <a:bodyPr wrap="square" rtlCol="0">
-            <a:spAutoFit/>
-          </a:bodyPr>
-          <a:lstStyle/>
-          <a:p>
-            <a:pPr marL="285750" indent="-285750">
-              <a:buFont typeface="Arial" panose="020B0604020202020204" pitchFamily="34" charset="0"/>
-              <a:buChar char="•"/>
-            </a:pPr>
-            <a:r>
-              <a:rPr lang="en-US" sz="2800" dirty="0">
-                <a:solidFill>
-                  <a:srgbClr val="707070"/>
-                </a:solidFill>
-                <a:latin typeface="Pragmatica" panose="020B0403040502020204" pitchFamily="34" charset="0"/>
-              </a:rPr>
-              <a:t>Situate Excel, R and Python in the data analytics stack</a:t>
-            </a:r>
-          </a:p>
-          <a:p>
-            <a:pPr marL="285750" indent="-285750">
-              <a:buFont typeface="Arial" panose="020B0604020202020204" pitchFamily="34" charset="0"/>
-              <a:buChar char="•"/>
-            </a:pPr>
-            <a:r>
-              <a:rPr lang="en-US" sz="2800" dirty="0">
-                <a:solidFill>
-                  <a:srgbClr val="707070"/>
-                </a:solidFill>
-                <a:latin typeface="Pragmatica" panose="020B0403040502020204" pitchFamily="34" charset="0"/>
-              </a:rPr>
-              <a:t>Prepare a Windows computer to work in all three</a:t>
-            </a:r>
-          </a:p>
-          <a:p>
-            <a:pPr marL="285750" indent="-285750">
-              <a:buFont typeface="Arial" panose="020B0604020202020204" pitchFamily="34" charset="0"/>
-              <a:buChar char="•"/>
-            </a:pPr>
-            <a:r>
-              <a:rPr lang="en-US" sz="2800" dirty="0">
-                <a:solidFill>
-                  <a:srgbClr val="707070"/>
-                </a:solidFill>
-                <a:latin typeface="Pragmatica" panose="020B0403040502020204" pitchFamily="34" charset="0"/>
-              </a:rPr>
-              <a:t>Run summary statistics on a dataset in all three</a:t>
-            </a:r>
-          </a:p>
-          <a:p>
-            <a:pPr marL="285750" indent="-285750">
-              <a:buFont typeface="Arial" panose="020B0604020202020204" pitchFamily="34" charset="0"/>
-              <a:buChar char="•"/>
-            </a:pPr>
-            <a:endParaRPr lang="en-US" sz="2800" dirty="0">
-              <a:solidFill>
-                <a:srgbClr val="707070"/>
-              </a:solidFill>
-              <a:latin typeface="Pragmatica" panose="020B0403040502020204" pitchFamily="34" charset="0"/>
-            </a:endParaRPr>
-          </a:p>
-          <a:p>
-            <a:endParaRPr lang="en-US" sz="2800" dirty="0">
-              <a:solidFill>
-                <a:srgbClr val="707070"/>
-              </a:solidFill>
-              <a:latin typeface="Pragmatica" panose="020B0403040502020204" pitchFamily="34" charset="0"/>
-            </a:endParaRPr>
-          </a:p>
-        </p:txBody>
-      </p:sp>
-    </p:spTree>
-    <p:extLst>
-      <p:ext uri="{BB962C8B-B14F-4D97-AF65-F5344CB8AC3E}">
-        <p14:creationId xmlns:p14="http://schemas.microsoft.com/office/powerpoint/2010/main" val="3245169404"/>
-      </p:ext>
-    </p:extLst>
-  </p:cSld>
-  <p:clrMapOvr>
-    <a:masterClrMapping/>
-  </p:clrMapOvr>
-</p:sld>
-</file>
-
-<file path=ppt/slides/slide4.xml><?xml version="1.0" encoding="utf-8"?>
-<p:sld xmlns:a="http://schemas.openxmlformats.org/drawingml/2006/main" xmlns:r="http://schemas.openxmlformats.org/officeDocument/2006/relationships" xmlns:p="http://schemas.openxmlformats.org/presentationml/2006/main">
-  <p:cSld>
-    <p:spTree>
-      <p:nvGrpSpPr>
-        <p:cNvPr id="1" name=""/>
-        <p:cNvGrpSpPr/>
-        <p:nvPr/>
-      </p:nvGrpSpPr>
-      <p:grpSpPr>
-        <a:xfrm>
-          <a:off x="0" y="0"/>
-          <a:ext cx="0" cy="0"/>
-          <a:chOff x="0" y="0"/>
-          <a:chExt cx="0" cy="0"/>
-        </a:xfrm>
-      </p:grpSpPr>
-      <p:pic>
-        <p:nvPicPr>
-          <p:cNvPr id="10" name="Picture 9"/>
-          <p:cNvPicPr>
-            <a:picLocks noChangeAspect="1"/>
-          </p:cNvPicPr>
-          <p:nvPr/>
-        </p:nvPicPr>
-        <p:blipFill rotWithShape="1">
-          <a:blip r:embed="rId3">
-            <a:extLst>
-              <a:ext uri="{28A0092B-C50C-407E-A947-70E740481C1C}">
-                <a14:useLocalDpi xmlns:a14="http://schemas.microsoft.com/office/drawing/2010/main" val="0"/>
-              </a:ext>
-            </a:extLst>
-          </a:blip>
-          <a:srcRect l="50728" t="56371"/>
-          <a:stretch/>
-        </p:blipFill>
-        <p:spPr>
-          <a:xfrm>
-            <a:off x="10894024" y="5370653"/>
-            <a:ext cx="1297975" cy="1487348"/>
-          </a:xfrm>
-          <a:prstGeom prst="rect">
-            <a:avLst/>
-          </a:prstGeom>
-        </p:spPr>
-      </p:pic>
-      <p:sp>
-        <p:nvSpPr>
-          <p:cNvPr id="11" name="TextBox 10"/>
-          <p:cNvSpPr txBox="1"/>
-          <p:nvPr/>
-        </p:nvSpPr>
-        <p:spPr>
-          <a:xfrm>
-            <a:off x="347240" y="113388"/>
-            <a:ext cx="9799937" cy="1015663"/>
-          </a:xfrm>
-          <a:prstGeom prst="rect">
-            <a:avLst/>
-          </a:prstGeom>
-          <a:noFill/>
-        </p:spPr>
-        <p:txBody>
-          <a:bodyPr wrap="square" rtlCol="0">
-            <a:spAutoFit/>
-          </a:bodyPr>
-          <a:lstStyle/>
-          <a:p>
-            <a:r>
-              <a:rPr lang="en-US" sz="6000" dirty="0">
-                <a:latin typeface="Aliens &amp; cows" panose="00000500000000000000" pitchFamily="2" charset="0"/>
-              </a:rPr>
-              <a:t>Spare no tools… </a:t>
-            </a:r>
-          </a:p>
-        </p:txBody>
-      </p:sp>
-      <p:pic>
-        <p:nvPicPr>
-          <p:cNvPr id="4" name="Picture 3" descr="Diagram, text&#10;&#10;Description automatically generated">
-            <a:extLst>
-              <a:ext uri="{FF2B5EF4-FFF2-40B4-BE49-F238E27FC236}">
-                <a16:creationId xmlns:a16="http://schemas.microsoft.com/office/drawing/2014/main" id="{69888AE4-E6A5-42EE-8C41-9647CFF76E35}"/>
-              </a:ext>
-            </a:extLst>
-          </p:cNvPr>
-          <p:cNvPicPr>
-            <a:picLocks noChangeAspect="1"/>
-          </p:cNvPicPr>
-          <p:nvPr/>
-        </p:nvPicPr>
-        <p:blipFill>
-          <a:blip r:embed="rId4">
-            <a:extLst>
-              <a:ext uri="{28A0092B-C50C-407E-A947-70E740481C1C}">
-                <a14:useLocalDpi xmlns:a14="http://schemas.microsoft.com/office/drawing/2010/main" val="0"/>
-              </a:ext>
-            </a:extLst>
-          </a:blip>
-          <a:stretch>
-            <a:fillRect/>
-          </a:stretch>
-        </p:blipFill>
-        <p:spPr>
-          <a:xfrm>
-            <a:off x="1929935" y="1777154"/>
-            <a:ext cx="8555449" cy="4024138"/>
-          </a:xfrm>
-          <a:prstGeom prst="rect">
-            <a:avLst/>
-          </a:prstGeom>
-        </p:spPr>
-      </p:pic>
-      <p:sp>
-        <p:nvSpPr>
-          <p:cNvPr id="7" name="TextBox 6">
-            <a:extLst>
-              <a:ext uri="{FF2B5EF4-FFF2-40B4-BE49-F238E27FC236}">
-                <a16:creationId xmlns:a16="http://schemas.microsoft.com/office/drawing/2014/main" id="{CFAB272F-EC83-45BA-935F-DFBF5407D2B6}"/>
-              </a:ext>
-            </a:extLst>
-          </p:cNvPr>
-          <p:cNvSpPr txBox="1"/>
-          <p:nvPr/>
-        </p:nvSpPr>
-        <p:spPr>
-          <a:xfrm>
-            <a:off x="261704" y="6114327"/>
-            <a:ext cx="9493446" cy="369332"/>
-          </a:xfrm>
-          <a:prstGeom prst="rect">
-            <a:avLst/>
-          </a:prstGeom>
-          <a:noFill/>
-        </p:spPr>
-        <p:txBody>
-          <a:bodyPr wrap="square" rtlCol="0">
-            <a:spAutoFit/>
-          </a:bodyPr>
-          <a:lstStyle/>
-          <a:p>
-            <a:r>
-              <a:rPr lang="en-US" dirty="0">
-                <a:solidFill>
-                  <a:schemeClr val="bg1">
-                    <a:lumMod val="50000"/>
-                  </a:schemeClr>
-                </a:solidFill>
-                <a:latin typeface="Pragmatica" pitchFamily="2" charset="0"/>
-              </a:rPr>
-              <a:t>Mount, George. </a:t>
-            </a:r>
-            <a:r>
-              <a:rPr lang="en-US" i="1" dirty="0">
-                <a:solidFill>
-                  <a:schemeClr val="bg1">
-                    <a:lumMod val="50000"/>
-                  </a:schemeClr>
-                </a:solidFill>
-                <a:latin typeface="Pragmatica" pitchFamily="2" charset="0"/>
-              </a:rPr>
-              <a:t>Advancing into Analytics: From Excel to Python and R</a:t>
-            </a:r>
-            <a:r>
-              <a:rPr lang="en-US" dirty="0">
-                <a:solidFill>
-                  <a:schemeClr val="bg1">
-                    <a:lumMod val="50000"/>
-                  </a:schemeClr>
-                </a:solidFill>
-                <a:latin typeface="Pragmatica" pitchFamily="2" charset="0"/>
-              </a:rPr>
-              <a:t>. O’Reilly Media, 2021</a:t>
-            </a:r>
-            <a:endParaRPr lang="en-US" i="1" dirty="0">
-              <a:solidFill>
-                <a:schemeClr val="bg1">
-                  <a:lumMod val="50000"/>
-                </a:schemeClr>
-              </a:solidFill>
-              <a:latin typeface="Pragmatica" pitchFamily="2" charset="0"/>
-            </a:endParaRPr>
-          </a:p>
-        </p:txBody>
-      </p:sp>
-    </p:spTree>
-    <p:extLst>
-      <p:ext uri="{BB962C8B-B14F-4D97-AF65-F5344CB8AC3E}">
-        <p14:creationId xmlns:p14="http://schemas.microsoft.com/office/powerpoint/2010/main" val="3729633991"/>
-      </p:ext>
-    </p:extLst>
-  </p:cSld>
-  <p:clrMapOvr>
-    <a:masterClrMapping/>
-  </p:clrMapOvr>
-</p:sld>
-</file>
-
-<file path=ppt/slides/slide5.xml><?xml version="1.0" encoding="utf-8"?>
-<p:sld xmlns:a="http://schemas.openxmlformats.org/drawingml/2006/main" xmlns:r="http://schemas.openxmlformats.org/officeDocument/2006/relationships" xmlns:p="http://schemas.openxmlformats.org/presentationml/2006/main">
-  <p:cSld>
-    <p:spTree>
-      <p:nvGrpSpPr>
-        <p:cNvPr id="1" name=""/>
-        <p:cNvGrpSpPr/>
-        <p:nvPr/>
-      </p:nvGrpSpPr>
-      <p:grpSpPr>
-        <a:xfrm>
-          <a:off x="0" y="0"/>
-          <a:ext cx="0" cy="0"/>
-          <a:chOff x="0" y="0"/>
-          <a:chExt cx="0" cy="0"/>
-        </a:xfrm>
-      </p:grpSpPr>
-      <p:sp>
-        <p:nvSpPr>
-          <p:cNvPr id="4" name="Rectangle 3"/>
-          <p:cNvSpPr/>
-          <p:nvPr/>
-        </p:nvSpPr>
-        <p:spPr>
-          <a:xfrm>
-            <a:off x="6574420" y="0"/>
-            <a:ext cx="5617580" cy="6858000"/>
-          </a:xfrm>
-          <a:prstGeom prst="rect">
-            <a:avLst/>
-          </a:prstGeom>
-          <a:solidFill>
-            <a:srgbClr val="CF3338"/>
-          </a:solidFill>
-        </p:spPr>
-        <p:style>
-          <a:lnRef idx="2">
-            <a:schemeClr val="accent1">
-              <a:shade val="50000"/>
-            </a:schemeClr>
-          </a:lnRef>
-          <a:fillRef idx="1">
-            <a:schemeClr val="accent1"/>
-          </a:fillRef>
-          <a:effectRef idx="0">
-            <a:schemeClr val="accent1"/>
-          </a:effectRef>
-          <a:fontRef idx="minor">
-            <a:schemeClr val="lt1"/>
-          </a:fontRef>
-        </p:style>
-        <p:txBody>
-          <a:bodyPr rtlCol="0" anchor="ctr"/>
-          <a:lstStyle/>
-          <a:p>
-            <a:pPr algn="ctr"/>
-            <a:endParaRPr lang="en-US"/>
-          </a:p>
-        </p:txBody>
-      </p:sp>
-      <p:sp>
-        <p:nvSpPr>
-          <p:cNvPr id="5" name="TextBox 4"/>
-          <p:cNvSpPr txBox="1"/>
-          <p:nvPr/>
-        </p:nvSpPr>
-        <p:spPr>
-          <a:xfrm>
-            <a:off x="6817489" y="0"/>
-            <a:ext cx="4120587" cy="1446550"/>
-          </a:xfrm>
-          <a:prstGeom prst="rect">
-            <a:avLst/>
-          </a:prstGeom>
-          <a:noFill/>
-        </p:spPr>
-        <p:txBody>
-          <a:bodyPr wrap="square" rtlCol="0">
-            <a:spAutoFit/>
-          </a:bodyPr>
-          <a:lstStyle/>
-          <a:p>
-            <a:r>
-              <a:rPr lang="en-US" sz="8800" dirty="0">
-                <a:solidFill>
-                  <a:schemeClr val="bg1"/>
-                </a:solidFill>
-                <a:latin typeface="Aliens &amp; cows" panose="00000500000000000000" pitchFamily="2" charset="0"/>
-              </a:rPr>
-              <a:t>Demos</a:t>
-            </a:r>
-          </a:p>
-        </p:txBody>
-      </p:sp>
-      <p:pic>
-        <p:nvPicPr>
-          <p:cNvPr id="2" name="Picture 1"/>
-          <p:cNvPicPr>
-            <a:picLocks noChangeAspect="1"/>
-          </p:cNvPicPr>
-          <p:nvPr/>
-        </p:nvPicPr>
-        <p:blipFill rotWithShape="1">
-          <a:blip r:embed="rId3">
-            <a:extLst>
-              <a:ext uri="{28A0092B-C50C-407E-A947-70E740481C1C}">
-                <a14:useLocalDpi xmlns:a14="http://schemas.microsoft.com/office/drawing/2010/main" val="0"/>
-              </a:ext>
-            </a:extLst>
-          </a:blip>
-          <a:srcRect l="69227" t="33418" r="20112" b="50548"/>
-          <a:stretch/>
-        </p:blipFill>
-        <p:spPr>
-          <a:xfrm>
-            <a:off x="10386349" y="5029795"/>
-            <a:ext cx="1805651" cy="1991719"/>
-          </a:xfrm>
-          <a:prstGeom prst="rect">
-            <a:avLst/>
-          </a:prstGeom>
-        </p:spPr>
-      </p:pic>
-      <p:sp>
-        <p:nvSpPr>
-          <p:cNvPr id="3" name="TextBox 2"/>
-          <p:cNvSpPr txBox="1"/>
-          <p:nvPr/>
-        </p:nvSpPr>
-        <p:spPr>
-          <a:xfrm>
-            <a:off x="173620" y="219919"/>
-            <a:ext cx="5937813" cy="1815882"/>
-          </a:xfrm>
-          <a:prstGeom prst="rect">
-            <a:avLst/>
-          </a:prstGeom>
-          <a:noFill/>
-        </p:spPr>
-        <p:txBody>
-          <a:bodyPr wrap="square" rtlCol="0">
-            <a:spAutoFit/>
-          </a:bodyPr>
-          <a:lstStyle/>
-          <a:p>
-            <a:endParaRPr lang="en-US" sz="2800" b="1" dirty="0">
-              <a:solidFill>
-                <a:srgbClr val="CF3338"/>
-              </a:solidFill>
-              <a:latin typeface="Pragmatica" pitchFamily="2" charset="0"/>
-            </a:endParaRPr>
-          </a:p>
-          <a:p>
-            <a:pPr marL="514350" indent="-514350">
-              <a:buFont typeface="Arial" panose="020B0604020202020204" pitchFamily="34" charset="0"/>
-              <a:buChar char="•"/>
-            </a:pPr>
-            <a:r>
-              <a:rPr lang="en-US" sz="2800" b="1" dirty="0">
-                <a:solidFill>
-                  <a:srgbClr val="CF3338"/>
-                </a:solidFill>
-                <a:latin typeface="Pragmatica" pitchFamily="2" charset="0"/>
-              </a:rPr>
-              <a:t>Downloads and summary statistics in Excel, R, Python</a:t>
-            </a:r>
-          </a:p>
-          <a:p>
-            <a:pPr marL="514350" indent="-514350">
-              <a:buFont typeface="Arial" panose="020B0604020202020204" pitchFamily="34" charset="0"/>
-              <a:buChar char="•"/>
-            </a:pPr>
-            <a:r>
-              <a:rPr lang="en-US" sz="2800" b="1" dirty="0">
-                <a:solidFill>
-                  <a:srgbClr val="CF3338"/>
-                </a:solidFill>
-                <a:latin typeface="Pragmatica" pitchFamily="2" charset="0"/>
-              </a:rPr>
-              <a:t>Follow along with demo notes</a:t>
-            </a:r>
-          </a:p>
-        </p:txBody>
-      </p:sp>
-    </p:spTree>
-    <p:extLst>
-      <p:ext uri="{BB962C8B-B14F-4D97-AF65-F5344CB8AC3E}">
-        <p14:creationId xmlns:p14="http://schemas.microsoft.com/office/powerpoint/2010/main" val="3088895096"/>
-      </p:ext>
-    </p:extLst>
-  </p:cSld>
-  <p:clrMapOvr>
-    <a:masterClrMapping/>
-  </p:clrMapOvr>
-</p:sld>
-</file>
-
-<file path=ppt/slides/slide6.xml><?xml version="1.0" encoding="utf-8"?>
+<file path=ppt/slides/slide11.xml><?xml version="1.0" encoding="utf-8"?>
 <p:sld xmlns:a="http://schemas.openxmlformats.org/drawingml/2006/main" xmlns:r="http://schemas.openxmlformats.org/officeDocument/2006/relationships" xmlns:p="http://schemas.openxmlformats.org/presentationml/2006/main">
   <p:cSld>
     <p:spTree>
@@ -6513,7 +5834,7 @@
         <p:spPr>
           <a:xfrm>
             <a:off x="324091" y="1687545"/>
-            <a:ext cx="7986531" cy="523220"/>
+            <a:ext cx="7986531" cy="1815882"/>
           </a:xfrm>
           <a:prstGeom prst="rect">
             <a:avLst/>
@@ -6536,12 +5857,50 @@
               <a:t>Questions?</a:t>
             </a:r>
           </a:p>
+          <a:p>
+            <a:endParaRPr lang="en-US" sz="2800" b="1" dirty="0">
+              <a:solidFill>
+                <a:srgbClr val="707070"/>
+              </a:solidFill>
+              <a:latin typeface="Pragmatica" panose="020B0403040502020204" pitchFamily="34" charset="0"/>
+            </a:endParaRPr>
+          </a:p>
+          <a:p>
+            <a:r>
+              <a:rPr lang="en-US" sz="2800" b="1" i="1" dirty="0">
+                <a:solidFill>
+                  <a:srgbClr val="707070"/>
+                </a:solidFill>
+                <a:latin typeface="Pragmatica" panose="020B0403040502020204" pitchFamily="34" charset="0"/>
+              </a:rPr>
+              <a:t>Event survey: </a:t>
+            </a:r>
+            <a:r>
+              <a:rPr lang="en-US" sz="2800" b="1" i="1" dirty="0">
+                <a:solidFill>
+                  <a:srgbClr val="707070"/>
+                </a:solidFill>
+                <a:latin typeface="Pragmatica" panose="020B0403040502020204" pitchFamily="34" charset="0"/>
+                <a:hlinkClick r:id="rId4"/>
+              </a:rPr>
+              <a:t>https://forms.office.com/r/0ZnD0LxpZy</a:t>
+            </a:r>
+            <a:r>
+              <a:rPr lang="en-US" sz="2800" b="1" i="1" dirty="0">
+                <a:solidFill>
+                  <a:srgbClr val="707070"/>
+                </a:solidFill>
+                <a:latin typeface="Pragmatica" panose="020B0403040502020204" pitchFamily="34" charset="0"/>
+              </a:rPr>
+              <a:t>  </a:t>
+            </a:r>
+          </a:p>
         </p:txBody>
       </p:sp>
     </p:spTree>
     <p:extLst>
       <p:ext uri="{BB962C8B-B14F-4D97-AF65-F5344CB8AC3E}">
-        <p14:creationId xmlns:p14="http://schemas.microsoft.com/office/powerpoint/2010/main" val="4081097533"/>
+        <p14:creationId xmlns:p14="http://schemas.microsoft.com/office/powerpoint/2010/main" val="2312071835"/>
       </p:ext>
     </p:extLst>
   </p:cSld>
@@ -6551,335 +5910,7 @@
 </p:sld>
 </file>
 
-<file path=ppt/slides/slide7.xml><?xml version="1.0" encoding="utf-8"?>
-<p:sld xmlns:a="http://schemas.openxmlformats.org/drawingml/2006/main" xmlns:r="http://schemas.openxmlformats.org/officeDocument/2006/relationships" xmlns:p="http://schemas.openxmlformats.org/presentationml/2006/main">
-  <p:cSld>
-    <p:spTree>
-      <p:nvGrpSpPr>
-        <p:cNvPr id="1" name=""/>
-        <p:cNvGrpSpPr/>
-        <p:nvPr/>
-      </p:nvGrpSpPr>
-      <p:grpSpPr>
-        <a:xfrm>
-          <a:off x="0" y="0"/>
-          <a:ext cx="0" cy="0"/>
-          <a:chOff x="0" y="0"/>
-          <a:chExt cx="0" cy="0"/>
-        </a:xfrm>
-      </p:grpSpPr>
-      <p:sp>
-        <p:nvSpPr>
-          <p:cNvPr id="4" name="Rectangle 3"/>
-          <p:cNvSpPr/>
-          <p:nvPr/>
-        </p:nvSpPr>
-        <p:spPr>
-          <a:xfrm>
-            <a:off x="0" y="0"/>
-            <a:ext cx="12192000" cy="6858000"/>
-          </a:xfrm>
-          <a:prstGeom prst="rect">
-            <a:avLst/>
-          </a:prstGeom>
-          <a:solidFill>
-            <a:srgbClr val="CF3338"/>
-          </a:solidFill>
-        </p:spPr>
-        <p:style>
-          <a:lnRef idx="2">
-            <a:schemeClr val="accent1">
-              <a:shade val="50000"/>
-            </a:schemeClr>
-          </a:lnRef>
-          <a:fillRef idx="1">
-            <a:schemeClr val="accent1"/>
-          </a:fillRef>
-          <a:effectRef idx="0">
-            <a:schemeClr val="accent1"/>
-          </a:effectRef>
-          <a:fontRef idx="minor">
-            <a:schemeClr val="lt1"/>
-          </a:fontRef>
-        </p:style>
-        <p:txBody>
-          <a:bodyPr rtlCol="0" anchor="ctr"/>
-          <a:lstStyle/>
-          <a:p>
-            <a:pPr algn="ctr"/>
-            <a:endParaRPr lang="en-US"/>
-          </a:p>
-        </p:txBody>
-      </p:sp>
-      <p:sp>
-        <p:nvSpPr>
-          <p:cNvPr id="5" name="TextBox 4"/>
-          <p:cNvSpPr txBox="1"/>
-          <p:nvPr/>
-        </p:nvSpPr>
-        <p:spPr>
-          <a:xfrm>
-            <a:off x="520861" y="393539"/>
-            <a:ext cx="10324617" cy="1107996"/>
-          </a:xfrm>
-          <a:prstGeom prst="rect">
-            <a:avLst/>
-          </a:prstGeom>
-          <a:noFill/>
-        </p:spPr>
-        <p:txBody>
-          <a:bodyPr wrap="square" rtlCol="0">
-            <a:spAutoFit/>
-          </a:bodyPr>
-          <a:lstStyle/>
-          <a:p>
-            <a:r>
-              <a:rPr lang="en-US" sz="6600" b="1" dirty="0">
-                <a:solidFill>
-                  <a:schemeClr val="bg1"/>
-                </a:solidFill>
-                <a:latin typeface="Pragmatica" pitchFamily="2" charset="0"/>
-              </a:rPr>
-              <a:t>Conclusion/Resources</a:t>
-            </a:r>
-          </a:p>
-        </p:txBody>
-      </p:sp>
-    </p:spTree>
-    <p:extLst>
-      <p:ext uri="{BB962C8B-B14F-4D97-AF65-F5344CB8AC3E}">
-        <p14:creationId xmlns:p14="http://schemas.microsoft.com/office/powerpoint/2010/main" val="1922980201"/>
-      </p:ext>
-    </p:extLst>
-  </p:cSld>
-  <p:clrMapOvr>
-    <a:masterClrMapping/>
-  </p:clrMapOvr>
-</p:sld>
-</file>
-
-<file path=ppt/slides/slide8.xml><?xml version="1.0" encoding="utf-8"?>
-<p:sld xmlns:a="http://schemas.openxmlformats.org/drawingml/2006/main" xmlns:r="http://schemas.openxmlformats.org/officeDocument/2006/relationships" xmlns:p="http://schemas.openxmlformats.org/presentationml/2006/main">
-  <p:cSld>
-    <p:spTree>
-      <p:nvGrpSpPr>
-        <p:cNvPr id="1" name=""/>
-        <p:cNvGrpSpPr/>
-        <p:nvPr/>
-      </p:nvGrpSpPr>
-      <p:grpSpPr>
-        <a:xfrm>
-          <a:off x="0" y="0"/>
-          <a:ext cx="0" cy="0"/>
-          <a:chOff x="0" y="0"/>
-          <a:chExt cx="0" cy="0"/>
-        </a:xfrm>
-      </p:grpSpPr>
-      <p:pic>
-        <p:nvPicPr>
-          <p:cNvPr id="10" name="Picture 9"/>
-          <p:cNvPicPr>
-            <a:picLocks noChangeAspect="1"/>
-          </p:cNvPicPr>
-          <p:nvPr/>
-        </p:nvPicPr>
-        <p:blipFill rotWithShape="1">
-          <a:blip r:embed="rId3">
-            <a:extLst>
-              <a:ext uri="{28A0092B-C50C-407E-A947-70E740481C1C}">
-                <a14:useLocalDpi xmlns:a14="http://schemas.microsoft.com/office/drawing/2010/main" val="0"/>
-              </a:ext>
-            </a:extLst>
-          </a:blip>
-          <a:srcRect l="50728" t="56371"/>
-          <a:stretch/>
-        </p:blipFill>
-        <p:spPr>
-          <a:xfrm>
-            <a:off x="10894024" y="5370653"/>
-            <a:ext cx="1297975" cy="1487348"/>
-          </a:xfrm>
-          <a:prstGeom prst="rect">
-            <a:avLst/>
-          </a:prstGeom>
-        </p:spPr>
-      </p:pic>
-      <p:sp>
-        <p:nvSpPr>
-          <p:cNvPr id="11" name="TextBox 10"/>
-          <p:cNvSpPr txBox="1"/>
-          <p:nvPr/>
-        </p:nvSpPr>
-        <p:spPr>
-          <a:xfrm>
-            <a:off x="347240" y="113388"/>
-            <a:ext cx="10861534" cy="1015663"/>
-          </a:xfrm>
-          <a:prstGeom prst="rect">
-            <a:avLst/>
-          </a:prstGeom>
-          <a:noFill/>
-        </p:spPr>
-        <p:txBody>
-          <a:bodyPr wrap="square" rtlCol="0">
-            <a:spAutoFit/>
-          </a:bodyPr>
-          <a:lstStyle/>
-          <a:p>
-            <a:r>
-              <a:rPr lang="en-US" sz="6000" dirty="0">
-                <a:latin typeface="Aliens &amp; cows" panose="00000500000000000000" pitchFamily="2" charset="0"/>
-              </a:rPr>
-              <a:t>Keep going</a:t>
-            </a:r>
-          </a:p>
-        </p:txBody>
-      </p:sp>
-      <p:sp>
-        <p:nvSpPr>
-          <p:cNvPr id="4" name="TextBox 3">
-            <a:extLst>
-              <a:ext uri="{FF2B5EF4-FFF2-40B4-BE49-F238E27FC236}">
-                <a16:creationId xmlns:a16="http://schemas.microsoft.com/office/drawing/2014/main" id="{5A4F6C64-3E8D-4255-95B8-CF64265213DA}"/>
-              </a:ext>
-            </a:extLst>
-          </p:cNvPr>
-          <p:cNvSpPr txBox="1"/>
-          <p:nvPr/>
-        </p:nvSpPr>
-        <p:spPr>
-          <a:xfrm>
-            <a:off x="347240" y="1465093"/>
-            <a:ext cx="8255987" cy="954107"/>
-          </a:xfrm>
-          <a:prstGeom prst="rect">
-            <a:avLst/>
-          </a:prstGeom>
-          <a:noFill/>
-        </p:spPr>
-        <p:txBody>
-          <a:bodyPr wrap="square" rtlCol="0">
-            <a:spAutoFit/>
-          </a:bodyPr>
-          <a:lstStyle/>
-          <a:p>
-            <a:pPr marL="457200" indent="-457200">
-              <a:buClr>
-                <a:srgbClr val="CF3338"/>
-              </a:buClr>
-              <a:buFont typeface="Arial" panose="020B0604020202020204" pitchFamily="34" charset="0"/>
-              <a:buChar char="•"/>
-            </a:pPr>
-            <a:r>
-              <a:rPr lang="en-US" sz="2800" i="1" dirty="0">
-                <a:solidFill>
-                  <a:srgbClr val="707070"/>
-                </a:solidFill>
-                <a:latin typeface="Pragmatica" panose="020B0403040502020204" pitchFamily="34" charset="0"/>
-              </a:rPr>
-              <a:t>Advancing into Analytics </a:t>
-            </a:r>
-            <a:r>
-              <a:rPr lang="en-US" sz="2800" dirty="0">
-                <a:solidFill>
-                  <a:srgbClr val="707070"/>
-                </a:solidFill>
-                <a:latin typeface="Pragmatica" panose="020B0403040502020204" pitchFamily="34" charset="0"/>
-              </a:rPr>
-              <a:t>by George Mount</a:t>
-            </a:r>
-          </a:p>
-          <a:p>
-            <a:pPr marL="914400" lvl="1" indent="-457200">
-              <a:buClr>
-                <a:srgbClr val="CF3338"/>
-              </a:buClr>
-              <a:buFont typeface="Arial" panose="020B0604020202020204" pitchFamily="34" charset="0"/>
-              <a:buChar char="•"/>
-            </a:pPr>
-            <a:r>
-              <a:rPr lang="en-US" sz="2800" dirty="0">
-                <a:solidFill>
-                  <a:srgbClr val="707070"/>
-                </a:solidFill>
-                <a:latin typeface="Pragmatica" panose="020B0403040502020204" pitchFamily="34" charset="0"/>
-                <a:hlinkClick r:id="rId4"/>
-              </a:rPr>
-              <a:t>Stringfestanalytics.com/book</a:t>
-            </a:r>
-            <a:r>
-              <a:rPr lang="en-US" sz="2800" dirty="0">
-                <a:solidFill>
-                  <a:srgbClr val="707070"/>
-                </a:solidFill>
-                <a:latin typeface="Pragmatica" panose="020B0403040502020204" pitchFamily="34" charset="0"/>
-              </a:rPr>
-              <a:t> </a:t>
-            </a:r>
-          </a:p>
-        </p:txBody>
-      </p:sp>
-      <p:pic>
-        <p:nvPicPr>
-          <p:cNvPr id="4098" name="Picture 2" descr="Advancing into Analytics Cover Image">
-            <a:extLst>
-              <a:ext uri="{FF2B5EF4-FFF2-40B4-BE49-F238E27FC236}">
-                <a16:creationId xmlns:a16="http://schemas.microsoft.com/office/drawing/2014/main" id="{58958D3C-C4DB-4EBB-9EE6-AA9672AA9979}"/>
-              </a:ext>
-            </a:extLst>
-          </p:cNvPr>
-          <p:cNvPicPr>
-            <a:picLocks noChangeAspect="1" noChangeArrowheads="1"/>
-          </p:cNvPicPr>
-          <p:nvPr/>
-        </p:nvPicPr>
-        <p:blipFill>
-          <a:blip r:embed="rId5">
-            <a:extLst>
-              <a:ext uri="{28A0092B-C50C-407E-A947-70E740481C1C}">
-                <a14:useLocalDpi xmlns:a14="http://schemas.microsoft.com/office/drawing/2010/main" val="0"/>
-              </a:ext>
-            </a:extLst>
-          </a:blip>
-          <a:srcRect/>
-          <a:stretch>
-            <a:fillRect/>
-          </a:stretch>
-        </p:blipFill>
-        <p:spPr bwMode="auto">
-          <a:xfrm>
-            <a:off x="8322631" y="1804894"/>
-            <a:ext cx="3869369" cy="5053106"/>
-          </a:xfrm>
-          <a:prstGeom prst="rect">
-            <a:avLst/>
-          </a:prstGeom>
-          <a:noFill/>
-          <a:extLst>
-            <a:ext uri="{909E8E84-426E-40DD-AFC4-6F175D3DCCD1}">
-              <a14:hiddenFill xmlns:a14="http://schemas.microsoft.com/office/drawing/2010/main">
-                <a:solidFill>
-                  <a:srgbClr val="FFFFFF"/>
-                </a:solidFill>
-              </a14:hiddenFill>
-            </a:ext>
-          </a:extLst>
-        </p:spPr>
-      </p:pic>
-    </p:spTree>
-    <p:extLst>
-      <p:ext uri="{BB962C8B-B14F-4D97-AF65-F5344CB8AC3E}">
-        <p14:creationId xmlns:p14="http://schemas.microsoft.com/office/powerpoint/2010/main" val="3327978876"/>
-      </p:ext>
-    </p:extLst>
-  </p:cSld>
-  <p:clrMapOvr>
-    <a:masterClrMapping/>
-  </p:clrMapOvr>
-</p:sld>
-</file>
-
-<file path=ppt/slides/slide9.xml><?xml version="1.0" encoding="utf-8"?>
+<file path=ppt/slides/slide12.xml><?xml version="1.0" encoding="utf-8"?>
 <p:sld xmlns:a="http://schemas.openxmlformats.org/drawingml/2006/main" xmlns:r="http://schemas.openxmlformats.org/officeDocument/2006/relationships" xmlns:p="http://schemas.openxmlformats.org/presentationml/2006/main">
   <p:cSld>
     <p:spTree>
@@ -6964,7 +5995,1044 @@
         <p:spPr>
           <a:xfrm>
             <a:off x="324091" y="1687545"/>
-            <a:ext cx="7986531" cy="1815882"/>
+            <a:ext cx="7986531" cy="2369880"/>
+          </a:xfrm>
+          <a:prstGeom prst="rect">
+            <a:avLst/>
+          </a:prstGeom>
+          <a:noFill/>
+        </p:spPr>
+        <p:txBody>
+          <a:bodyPr wrap="square" rtlCol="0">
+            <a:spAutoFit/>
+          </a:bodyPr>
+          <a:lstStyle/>
+          <a:p>
+            <a:r>
+              <a:rPr lang="en-US" sz="3600" b="1" dirty="0">
+                <a:solidFill>
+                  <a:srgbClr val="707070"/>
+                </a:solidFill>
+                <a:latin typeface="Pragmatica" panose="020B0403040502020204" pitchFamily="34" charset="0"/>
+              </a:rPr>
+              <a:t>THANK YOU</a:t>
+            </a:r>
+          </a:p>
+          <a:p>
+            <a:endParaRPr lang="en-US" sz="2800" b="1" dirty="0">
+              <a:solidFill>
+                <a:srgbClr val="707070"/>
+              </a:solidFill>
+              <a:latin typeface="Pragmatica" panose="020B0403040502020204" pitchFamily="34" charset="0"/>
+            </a:endParaRPr>
+          </a:p>
+          <a:p>
+            <a:r>
+              <a:rPr lang="en-US" sz="2800" b="1" dirty="0">
+                <a:solidFill>
+                  <a:srgbClr val="707070"/>
+                </a:solidFill>
+                <a:latin typeface="Pragmatica" panose="020B0403040502020204" pitchFamily="34" charset="0"/>
+                <a:hlinkClick r:id="rId4"/>
+              </a:rPr>
+              <a:t>george@stringfestanalytics.com</a:t>
+            </a:r>
+            <a:endParaRPr lang="en-US" sz="2800" b="1" dirty="0">
+              <a:solidFill>
+                <a:srgbClr val="707070"/>
+              </a:solidFill>
+              <a:latin typeface="Pragmatica" panose="020B0403040502020204" pitchFamily="34" charset="0"/>
+            </a:endParaRPr>
+          </a:p>
+          <a:p>
+            <a:r>
+              <a:rPr lang="en-US" sz="2800" b="1" dirty="0">
+                <a:solidFill>
+                  <a:srgbClr val="707070"/>
+                </a:solidFill>
+                <a:latin typeface="Pragmatica" panose="020B0403040502020204" pitchFamily="34" charset="0"/>
+                <a:hlinkClick r:id="rId5"/>
+              </a:rPr>
+              <a:t>linkedin.com/in/gjmount</a:t>
+            </a:r>
+            <a:endParaRPr lang="en-US" sz="2800" b="1" dirty="0">
+              <a:solidFill>
+                <a:srgbClr val="707070"/>
+              </a:solidFill>
+              <a:latin typeface="Pragmatica" panose="020B0403040502020204" pitchFamily="34" charset="0"/>
+            </a:endParaRPr>
+          </a:p>
+          <a:p>
+            <a:r>
+              <a:rPr lang="en-US" sz="2800" b="1" dirty="0">
+                <a:solidFill>
+                  <a:srgbClr val="707070"/>
+                </a:solidFill>
+                <a:latin typeface="Pragmatica" panose="020B0403040502020204" pitchFamily="34" charset="0"/>
+                <a:hlinkClick r:id="rId6"/>
+              </a:rPr>
+              <a:t>stringfestanalytics.com/contact  </a:t>
+            </a:r>
+            <a:endParaRPr lang="en-US" sz="2800" b="1" dirty="0">
+              <a:solidFill>
+                <a:srgbClr val="707070"/>
+              </a:solidFill>
+              <a:latin typeface="Pragmatica" panose="020B0403040502020204" pitchFamily="34" charset="0"/>
+            </a:endParaRPr>
+          </a:p>
+        </p:txBody>
+      </p:sp>
+    </p:spTree>
+    <p:extLst>
+      <p:ext uri="{BB962C8B-B14F-4D97-AF65-F5344CB8AC3E}">
+        <p14:creationId xmlns:p14="http://schemas.microsoft.com/office/powerpoint/2010/main" val="3712320391"/>
+      </p:ext>
+    </p:extLst>
+  </p:cSld>
+  <p:clrMapOvr>
+    <a:masterClrMapping/>
+  </p:clrMapOvr>
+</p:sld>
+</file>
+
+<file path=ppt/slides/slide2.xml><?xml version="1.0" encoding="utf-8"?>
+<p:sld xmlns:a="http://schemas.openxmlformats.org/drawingml/2006/main" xmlns:r="http://schemas.openxmlformats.org/officeDocument/2006/relationships" xmlns:p="http://schemas.openxmlformats.org/presentationml/2006/main">
+  <p:cSld>
+    <p:spTree>
+      <p:nvGrpSpPr>
+        <p:cNvPr id="1" name=""/>
+        <p:cNvGrpSpPr/>
+        <p:nvPr/>
+      </p:nvGrpSpPr>
+      <p:grpSpPr>
+        <a:xfrm>
+          <a:off x="0" y="0"/>
+          <a:ext cx="0" cy="0"/>
+          <a:chOff x="0" y="0"/>
+          <a:chExt cx="0" cy="0"/>
+        </a:xfrm>
+      </p:grpSpPr>
+      <p:pic>
+        <p:nvPicPr>
+          <p:cNvPr id="10" name="Picture 9"/>
+          <p:cNvPicPr>
+            <a:picLocks noChangeAspect="1"/>
+          </p:cNvPicPr>
+          <p:nvPr/>
+        </p:nvPicPr>
+        <p:blipFill rotWithShape="1">
+          <a:blip r:embed="rId3">
+            <a:extLst>
+              <a:ext uri="{28A0092B-C50C-407E-A947-70E740481C1C}">
+                <a14:useLocalDpi xmlns:a14="http://schemas.microsoft.com/office/drawing/2010/main" val="0"/>
+              </a:ext>
+            </a:extLst>
+          </a:blip>
+          <a:srcRect l="50728" t="56371"/>
+          <a:stretch/>
+        </p:blipFill>
+        <p:spPr>
+          <a:xfrm>
+            <a:off x="10894024" y="5370653"/>
+            <a:ext cx="1297975" cy="1487348"/>
+          </a:xfrm>
+          <a:prstGeom prst="rect">
+            <a:avLst/>
+          </a:prstGeom>
+        </p:spPr>
+      </p:pic>
+      <p:sp>
+        <p:nvSpPr>
+          <p:cNvPr id="11" name="TextBox 10"/>
+          <p:cNvSpPr txBox="1"/>
+          <p:nvPr/>
+        </p:nvSpPr>
+        <p:spPr>
+          <a:xfrm>
+            <a:off x="347240" y="113388"/>
+            <a:ext cx="9799937" cy="1015663"/>
+          </a:xfrm>
+          <a:prstGeom prst="rect">
+            <a:avLst/>
+          </a:prstGeom>
+          <a:noFill/>
+        </p:spPr>
+        <p:txBody>
+          <a:bodyPr wrap="square" rtlCol="0">
+            <a:spAutoFit/>
+          </a:bodyPr>
+          <a:lstStyle/>
+          <a:p>
+            <a:r>
+              <a:rPr lang="en-US" sz="6000" dirty="0">
+                <a:latin typeface="Aliens &amp; cows" panose="00000500000000000000" pitchFamily="2" charset="0"/>
+              </a:rPr>
+              <a:t>Follow along</a:t>
+            </a:r>
+          </a:p>
+        </p:txBody>
+      </p:sp>
+      <p:sp>
+        <p:nvSpPr>
+          <p:cNvPr id="3" name="TextBox 2"/>
+          <p:cNvSpPr txBox="1"/>
+          <p:nvPr/>
+        </p:nvSpPr>
+        <p:spPr>
+          <a:xfrm>
+            <a:off x="462987" y="1365813"/>
+            <a:ext cx="8387397" cy="954107"/>
+          </a:xfrm>
+          <a:prstGeom prst="rect">
+            <a:avLst/>
+          </a:prstGeom>
+          <a:noFill/>
+        </p:spPr>
+        <p:txBody>
+          <a:bodyPr wrap="square" rtlCol="0">
+            <a:spAutoFit/>
+          </a:bodyPr>
+          <a:lstStyle/>
+          <a:p>
+            <a:pPr marL="285750" indent="-285750">
+              <a:buFont typeface="Arial" panose="020B0604020202020204" pitchFamily="34" charset="0"/>
+              <a:buChar char="•"/>
+            </a:pPr>
+            <a:r>
+              <a:rPr lang="en-US" sz="2800" dirty="0">
+                <a:solidFill>
+                  <a:srgbClr val="707070"/>
+                </a:solidFill>
+                <a:latin typeface="Pragmatica" panose="020B0403040502020204" pitchFamily="34" charset="0"/>
+              </a:rPr>
+              <a:t>Download resources: </a:t>
+            </a:r>
+            <a:r>
+              <a:rPr lang="en-US" sz="2800" dirty="0">
+                <a:solidFill>
+                  <a:srgbClr val="707070"/>
+                </a:solidFill>
+                <a:latin typeface="Pragmatica" panose="020B0403040502020204" pitchFamily="34" charset="0"/>
+                <a:hlinkClick r:id="rId4"/>
+              </a:rPr>
+              <a:t>https://github.com/stringfestdata/lagos-meetup</a:t>
+            </a:r>
+            <a:endParaRPr lang="en-US" sz="2800" dirty="0">
+              <a:solidFill>
+                <a:srgbClr val="707070"/>
+              </a:solidFill>
+              <a:latin typeface="Pragmatica" panose="020B0403040502020204" pitchFamily="34" charset="0"/>
+            </a:endParaRPr>
+          </a:p>
+        </p:txBody>
+      </p:sp>
+    </p:spTree>
+    <p:extLst>
+      <p:ext uri="{BB962C8B-B14F-4D97-AF65-F5344CB8AC3E}">
+        <p14:creationId xmlns:p14="http://schemas.microsoft.com/office/powerpoint/2010/main" val="4141627579"/>
+      </p:ext>
+    </p:extLst>
+  </p:cSld>
+  <p:clrMapOvr>
+    <a:masterClrMapping/>
+  </p:clrMapOvr>
+</p:sld>
+</file>
+
+<file path=ppt/slides/slide3.xml><?xml version="1.0" encoding="utf-8"?>
+<p:sld xmlns:a="http://schemas.openxmlformats.org/drawingml/2006/main" xmlns:r="http://schemas.openxmlformats.org/officeDocument/2006/relationships" xmlns:p="http://schemas.openxmlformats.org/presentationml/2006/main">
+  <p:cSld>
+    <p:spTree>
+      <p:nvGrpSpPr>
+        <p:cNvPr id="1" name=""/>
+        <p:cNvGrpSpPr/>
+        <p:nvPr/>
+      </p:nvGrpSpPr>
+      <p:grpSpPr>
+        <a:xfrm>
+          <a:off x="0" y="0"/>
+          <a:ext cx="0" cy="0"/>
+          <a:chOff x="0" y="0"/>
+          <a:chExt cx="0" cy="0"/>
+        </a:xfrm>
+      </p:grpSpPr>
+      <p:pic>
+        <p:nvPicPr>
+          <p:cNvPr id="10" name="Picture 9"/>
+          <p:cNvPicPr>
+            <a:picLocks noChangeAspect="1"/>
+          </p:cNvPicPr>
+          <p:nvPr/>
+        </p:nvPicPr>
+        <p:blipFill rotWithShape="1">
+          <a:blip r:embed="rId2">
+            <a:extLst>
+              <a:ext uri="{28A0092B-C50C-407E-A947-70E740481C1C}">
+                <a14:useLocalDpi xmlns:a14="http://schemas.microsoft.com/office/drawing/2010/main" val="0"/>
+              </a:ext>
+            </a:extLst>
+          </a:blip>
+          <a:srcRect l="50728" t="56371"/>
+          <a:stretch/>
+        </p:blipFill>
+        <p:spPr>
+          <a:xfrm>
+            <a:off x="10894024" y="5370653"/>
+            <a:ext cx="1297975" cy="1487348"/>
+          </a:xfrm>
+          <a:prstGeom prst="rect">
+            <a:avLst/>
+          </a:prstGeom>
+        </p:spPr>
+      </p:pic>
+      <p:sp>
+        <p:nvSpPr>
+          <p:cNvPr id="11" name="TextBox 10"/>
+          <p:cNvSpPr txBox="1"/>
+          <p:nvPr/>
+        </p:nvSpPr>
+        <p:spPr>
+          <a:xfrm>
+            <a:off x="347240" y="113388"/>
+            <a:ext cx="9799937" cy="1015663"/>
+          </a:xfrm>
+          <a:prstGeom prst="rect">
+            <a:avLst/>
+          </a:prstGeom>
+          <a:noFill/>
+        </p:spPr>
+        <p:txBody>
+          <a:bodyPr wrap="square" rtlCol="0">
+            <a:spAutoFit/>
+          </a:bodyPr>
+          <a:lstStyle/>
+          <a:p>
+            <a:r>
+              <a:rPr lang="en-US" sz="6000" dirty="0">
+                <a:latin typeface="Aliens &amp; cows" panose="00000500000000000000" pitchFamily="2" charset="0"/>
+              </a:rPr>
+              <a:t>Learning objectives</a:t>
+            </a:r>
+          </a:p>
+        </p:txBody>
+      </p:sp>
+      <p:sp>
+        <p:nvSpPr>
+          <p:cNvPr id="3" name="TextBox 2"/>
+          <p:cNvSpPr txBox="1"/>
+          <p:nvPr/>
+        </p:nvSpPr>
+        <p:spPr>
+          <a:xfrm>
+            <a:off x="462987" y="1365813"/>
+            <a:ext cx="9595413" cy="2246769"/>
+          </a:xfrm>
+          <a:prstGeom prst="rect">
+            <a:avLst/>
+          </a:prstGeom>
+          <a:noFill/>
+        </p:spPr>
+        <p:txBody>
+          <a:bodyPr wrap="square" rtlCol="0">
+            <a:spAutoFit/>
+          </a:bodyPr>
+          <a:lstStyle/>
+          <a:p>
+            <a:pPr marL="285750" indent="-285750">
+              <a:buFont typeface="Arial" panose="020B0604020202020204" pitchFamily="34" charset="0"/>
+              <a:buChar char="•"/>
+            </a:pPr>
+            <a:r>
+              <a:rPr lang="en-US" sz="2800" dirty="0">
+                <a:solidFill>
+                  <a:srgbClr val="707070"/>
+                </a:solidFill>
+                <a:latin typeface="Pragmatica" panose="020B0403040502020204" pitchFamily="34" charset="0"/>
+              </a:rPr>
+              <a:t>Situate Excel, R and Python in the data analytics stack</a:t>
+            </a:r>
+          </a:p>
+          <a:p>
+            <a:pPr marL="285750" indent="-285750">
+              <a:buFont typeface="Arial" panose="020B0604020202020204" pitchFamily="34" charset="0"/>
+              <a:buChar char="•"/>
+            </a:pPr>
+            <a:r>
+              <a:rPr lang="en-US" sz="2800" dirty="0">
+                <a:solidFill>
+                  <a:srgbClr val="707070"/>
+                </a:solidFill>
+                <a:latin typeface="Pragmatica" panose="020B0403040502020204" pitchFamily="34" charset="0"/>
+              </a:rPr>
+              <a:t>Prepare a Windows computer to work in all three</a:t>
+            </a:r>
+          </a:p>
+          <a:p>
+            <a:pPr marL="285750" indent="-285750">
+              <a:buFont typeface="Arial" panose="020B0604020202020204" pitchFamily="34" charset="0"/>
+              <a:buChar char="•"/>
+            </a:pPr>
+            <a:r>
+              <a:rPr lang="en-US" sz="2800" dirty="0">
+                <a:solidFill>
+                  <a:srgbClr val="707070"/>
+                </a:solidFill>
+                <a:latin typeface="Pragmatica" panose="020B0403040502020204" pitchFamily="34" charset="0"/>
+              </a:rPr>
+              <a:t>Run summary statistics on a dataset in all three</a:t>
+            </a:r>
+          </a:p>
+          <a:p>
+            <a:pPr marL="285750" indent="-285750">
+              <a:buFont typeface="Arial" panose="020B0604020202020204" pitchFamily="34" charset="0"/>
+              <a:buChar char="•"/>
+            </a:pPr>
+            <a:endParaRPr lang="en-US" sz="2800" dirty="0">
+              <a:solidFill>
+                <a:srgbClr val="707070"/>
+              </a:solidFill>
+              <a:latin typeface="Pragmatica" panose="020B0403040502020204" pitchFamily="34" charset="0"/>
+            </a:endParaRPr>
+          </a:p>
+          <a:p>
+            <a:endParaRPr lang="en-US" sz="2800" dirty="0">
+              <a:solidFill>
+                <a:srgbClr val="707070"/>
+              </a:solidFill>
+              <a:latin typeface="Pragmatica" panose="020B0403040502020204" pitchFamily="34" charset="0"/>
+            </a:endParaRPr>
+          </a:p>
+        </p:txBody>
+      </p:sp>
+    </p:spTree>
+    <p:extLst>
+      <p:ext uri="{BB962C8B-B14F-4D97-AF65-F5344CB8AC3E}">
+        <p14:creationId xmlns:p14="http://schemas.microsoft.com/office/powerpoint/2010/main" val="3245169404"/>
+      </p:ext>
+    </p:extLst>
+  </p:cSld>
+  <p:clrMapOvr>
+    <a:masterClrMapping/>
+  </p:clrMapOvr>
+</p:sld>
+</file>
+
+<file path=ppt/slides/slide4.xml><?xml version="1.0" encoding="utf-8"?>
+<p:sld xmlns:a="http://schemas.openxmlformats.org/drawingml/2006/main" xmlns:r="http://schemas.openxmlformats.org/officeDocument/2006/relationships" xmlns:p="http://schemas.openxmlformats.org/presentationml/2006/main">
+  <p:cSld>
+    <p:spTree>
+      <p:nvGrpSpPr>
+        <p:cNvPr id="1" name=""/>
+        <p:cNvGrpSpPr/>
+        <p:nvPr/>
+      </p:nvGrpSpPr>
+      <p:grpSpPr>
+        <a:xfrm>
+          <a:off x="0" y="0"/>
+          <a:ext cx="0" cy="0"/>
+          <a:chOff x="0" y="0"/>
+          <a:chExt cx="0" cy="0"/>
+        </a:xfrm>
+      </p:grpSpPr>
+      <p:pic>
+        <p:nvPicPr>
+          <p:cNvPr id="10" name="Picture 9"/>
+          <p:cNvPicPr>
+            <a:picLocks noChangeAspect="1"/>
+          </p:cNvPicPr>
+          <p:nvPr/>
+        </p:nvPicPr>
+        <p:blipFill rotWithShape="1">
+          <a:blip r:embed="rId3">
+            <a:extLst>
+              <a:ext uri="{28A0092B-C50C-407E-A947-70E740481C1C}">
+                <a14:useLocalDpi xmlns:a14="http://schemas.microsoft.com/office/drawing/2010/main" val="0"/>
+              </a:ext>
+            </a:extLst>
+          </a:blip>
+          <a:srcRect l="50728" t="56371"/>
+          <a:stretch/>
+        </p:blipFill>
+        <p:spPr>
+          <a:xfrm>
+            <a:off x="10894024" y="5370653"/>
+            <a:ext cx="1297975" cy="1487348"/>
+          </a:xfrm>
+          <a:prstGeom prst="rect">
+            <a:avLst/>
+          </a:prstGeom>
+        </p:spPr>
+      </p:pic>
+      <p:sp>
+        <p:nvSpPr>
+          <p:cNvPr id="11" name="TextBox 10"/>
+          <p:cNvSpPr txBox="1"/>
+          <p:nvPr/>
+        </p:nvSpPr>
+        <p:spPr>
+          <a:xfrm>
+            <a:off x="347240" y="113388"/>
+            <a:ext cx="9799937" cy="1015663"/>
+          </a:xfrm>
+          <a:prstGeom prst="rect">
+            <a:avLst/>
+          </a:prstGeom>
+          <a:noFill/>
+        </p:spPr>
+        <p:txBody>
+          <a:bodyPr wrap="square" rtlCol="0">
+            <a:spAutoFit/>
+          </a:bodyPr>
+          <a:lstStyle/>
+          <a:p>
+            <a:r>
+              <a:rPr lang="en-US" sz="6000" dirty="0">
+                <a:latin typeface="Aliens &amp; cows" panose="00000500000000000000" pitchFamily="2" charset="0"/>
+              </a:rPr>
+              <a:t>Spare no tools… </a:t>
+            </a:r>
+          </a:p>
+        </p:txBody>
+      </p:sp>
+      <p:pic>
+        <p:nvPicPr>
+          <p:cNvPr id="4" name="Picture 3" descr="Diagram, text&#10;&#10;Description automatically generated">
+            <a:extLst>
+              <a:ext uri="{FF2B5EF4-FFF2-40B4-BE49-F238E27FC236}">
+                <a16:creationId xmlns:a16="http://schemas.microsoft.com/office/drawing/2014/main" id="{69888AE4-E6A5-42EE-8C41-9647CFF76E35}"/>
+              </a:ext>
+            </a:extLst>
+          </p:cNvPr>
+          <p:cNvPicPr>
+            <a:picLocks noChangeAspect="1"/>
+          </p:cNvPicPr>
+          <p:nvPr/>
+        </p:nvPicPr>
+        <p:blipFill>
+          <a:blip r:embed="rId4">
+            <a:extLst>
+              <a:ext uri="{28A0092B-C50C-407E-A947-70E740481C1C}">
+                <a14:useLocalDpi xmlns:a14="http://schemas.microsoft.com/office/drawing/2010/main" val="0"/>
+              </a:ext>
+            </a:extLst>
+          </a:blip>
+          <a:stretch>
+            <a:fillRect/>
+          </a:stretch>
+        </p:blipFill>
+        <p:spPr>
+          <a:xfrm>
+            <a:off x="1929935" y="1777154"/>
+            <a:ext cx="8555449" cy="4024138"/>
+          </a:xfrm>
+          <a:prstGeom prst="rect">
+            <a:avLst/>
+          </a:prstGeom>
+        </p:spPr>
+      </p:pic>
+      <p:sp>
+        <p:nvSpPr>
+          <p:cNvPr id="7" name="TextBox 6">
+            <a:extLst>
+              <a:ext uri="{FF2B5EF4-FFF2-40B4-BE49-F238E27FC236}">
+                <a16:creationId xmlns:a16="http://schemas.microsoft.com/office/drawing/2014/main" id="{CFAB272F-EC83-45BA-935F-DFBF5407D2B6}"/>
+              </a:ext>
+            </a:extLst>
+          </p:cNvPr>
+          <p:cNvSpPr txBox="1"/>
+          <p:nvPr/>
+        </p:nvSpPr>
+        <p:spPr>
+          <a:xfrm>
+            <a:off x="261704" y="6114327"/>
+            <a:ext cx="9493446" cy="369332"/>
+          </a:xfrm>
+          <a:prstGeom prst="rect">
+            <a:avLst/>
+          </a:prstGeom>
+          <a:noFill/>
+        </p:spPr>
+        <p:txBody>
+          <a:bodyPr wrap="square" rtlCol="0">
+            <a:spAutoFit/>
+          </a:bodyPr>
+          <a:lstStyle/>
+          <a:p>
+            <a:r>
+              <a:rPr lang="en-US" dirty="0">
+                <a:solidFill>
+                  <a:schemeClr val="bg1">
+                    <a:lumMod val="50000"/>
+                  </a:schemeClr>
+                </a:solidFill>
+                <a:latin typeface="Pragmatica" pitchFamily="2" charset="0"/>
+              </a:rPr>
+              <a:t>Mount, George. </a:t>
+            </a:r>
+            <a:r>
+              <a:rPr lang="en-US" i="1" dirty="0">
+                <a:solidFill>
+                  <a:schemeClr val="bg1">
+                    <a:lumMod val="50000"/>
+                  </a:schemeClr>
+                </a:solidFill>
+                <a:latin typeface="Pragmatica" pitchFamily="2" charset="0"/>
+              </a:rPr>
+              <a:t>Advancing into Analytics: From Excel to Python and R</a:t>
+            </a:r>
+            <a:r>
+              <a:rPr lang="en-US" dirty="0">
+                <a:solidFill>
+                  <a:schemeClr val="bg1">
+                    <a:lumMod val="50000"/>
+                  </a:schemeClr>
+                </a:solidFill>
+                <a:latin typeface="Pragmatica" pitchFamily="2" charset="0"/>
+              </a:rPr>
+              <a:t>. O’Reilly Media, 2021</a:t>
+            </a:r>
+            <a:endParaRPr lang="en-US" i="1" dirty="0">
+              <a:solidFill>
+                <a:schemeClr val="bg1">
+                  <a:lumMod val="50000"/>
+                </a:schemeClr>
+              </a:solidFill>
+              <a:latin typeface="Pragmatica" pitchFamily="2" charset="0"/>
+            </a:endParaRPr>
+          </a:p>
+        </p:txBody>
+      </p:sp>
+    </p:spTree>
+    <p:extLst>
+      <p:ext uri="{BB962C8B-B14F-4D97-AF65-F5344CB8AC3E}">
+        <p14:creationId xmlns:p14="http://schemas.microsoft.com/office/powerpoint/2010/main" val="3729633991"/>
+      </p:ext>
+    </p:extLst>
+  </p:cSld>
+  <p:clrMapOvr>
+    <a:masterClrMapping/>
+  </p:clrMapOvr>
+</p:sld>
+</file>
+
+<file path=ppt/slides/slide5.xml><?xml version="1.0" encoding="utf-8"?>
+<p:sld xmlns:a="http://schemas.openxmlformats.org/drawingml/2006/main" xmlns:r="http://schemas.openxmlformats.org/officeDocument/2006/relationships" xmlns:p="http://schemas.openxmlformats.org/presentationml/2006/main">
+  <p:cSld>
+    <p:spTree>
+      <p:nvGrpSpPr>
+        <p:cNvPr id="1" name=""/>
+        <p:cNvGrpSpPr/>
+        <p:nvPr/>
+      </p:nvGrpSpPr>
+      <p:grpSpPr>
+        <a:xfrm>
+          <a:off x="0" y="0"/>
+          <a:ext cx="0" cy="0"/>
+          <a:chOff x="0" y="0"/>
+          <a:chExt cx="0" cy="0"/>
+        </a:xfrm>
+      </p:grpSpPr>
+      <p:sp>
+        <p:nvSpPr>
+          <p:cNvPr id="4" name="Rectangle 3"/>
+          <p:cNvSpPr/>
+          <p:nvPr/>
+        </p:nvSpPr>
+        <p:spPr>
+          <a:xfrm>
+            <a:off x="6574420" y="0"/>
+            <a:ext cx="5617580" cy="6858000"/>
+          </a:xfrm>
+          <a:prstGeom prst="rect">
+            <a:avLst/>
+          </a:prstGeom>
+          <a:solidFill>
+            <a:srgbClr val="CF3338"/>
+          </a:solidFill>
+        </p:spPr>
+        <p:style>
+          <a:lnRef idx="2">
+            <a:schemeClr val="accent1">
+              <a:shade val="50000"/>
+            </a:schemeClr>
+          </a:lnRef>
+          <a:fillRef idx="1">
+            <a:schemeClr val="accent1"/>
+          </a:fillRef>
+          <a:effectRef idx="0">
+            <a:schemeClr val="accent1"/>
+          </a:effectRef>
+          <a:fontRef idx="minor">
+            <a:schemeClr val="lt1"/>
+          </a:fontRef>
+        </p:style>
+        <p:txBody>
+          <a:bodyPr rtlCol="0" anchor="ctr"/>
+          <a:lstStyle/>
+          <a:p>
+            <a:pPr algn="ctr"/>
+            <a:endParaRPr lang="en-US"/>
+          </a:p>
+        </p:txBody>
+      </p:sp>
+      <p:sp>
+        <p:nvSpPr>
+          <p:cNvPr id="5" name="TextBox 4"/>
+          <p:cNvSpPr txBox="1"/>
+          <p:nvPr/>
+        </p:nvSpPr>
+        <p:spPr>
+          <a:xfrm>
+            <a:off x="6817489" y="0"/>
+            <a:ext cx="4120587" cy="1446550"/>
+          </a:xfrm>
+          <a:prstGeom prst="rect">
+            <a:avLst/>
+          </a:prstGeom>
+          <a:noFill/>
+        </p:spPr>
+        <p:txBody>
+          <a:bodyPr wrap="square" rtlCol="0">
+            <a:spAutoFit/>
+          </a:bodyPr>
+          <a:lstStyle/>
+          <a:p>
+            <a:r>
+              <a:rPr lang="en-US" sz="8800" dirty="0">
+                <a:solidFill>
+                  <a:schemeClr val="bg1"/>
+                </a:solidFill>
+                <a:latin typeface="Aliens &amp; cows" panose="00000500000000000000" pitchFamily="2" charset="0"/>
+              </a:rPr>
+              <a:t>Demos</a:t>
+            </a:r>
+          </a:p>
+        </p:txBody>
+      </p:sp>
+      <p:pic>
+        <p:nvPicPr>
+          <p:cNvPr id="2" name="Picture 1"/>
+          <p:cNvPicPr>
+            <a:picLocks noChangeAspect="1"/>
+          </p:cNvPicPr>
+          <p:nvPr/>
+        </p:nvPicPr>
+        <p:blipFill rotWithShape="1">
+          <a:blip r:embed="rId3">
+            <a:extLst>
+              <a:ext uri="{28A0092B-C50C-407E-A947-70E740481C1C}">
+                <a14:useLocalDpi xmlns:a14="http://schemas.microsoft.com/office/drawing/2010/main" val="0"/>
+              </a:ext>
+            </a:extLst>
+          </a:blip>
+          <a:srcRect l="69227" t="33418" r="20112" b="50548"/>
+          <a:stretch/>
+        </p:blipFill>
+        <p:spPr>
+          <a:xfrm>
+            <a:off x="10386349" y="5029795"/>
+            <a:ext cx="1805651" cy="1991719"/>
+          </a:xfrm>
+          <a:prstGeom prst="rect">
+            <a:avLst/>
+          </a:prstGeom>
+        </p:spPr>
+      </p:pic>
+      <p:sp>
+        <p:nvSpPr>
+          <p:cNvPr id="3" name="TextBox 2"/>
+          <p:cNvSpPr txBox="1"/>
+          <p:nvPr/>
+        </p:nvSpPr>
+        <p:spPr>
+          <a:xfrm>
+            <a:off x="173620" y="219919"/>
+            <a:ext cx="5937813" cy="2246769"/>
+          </a:xfrm>
+          <a:prstGeom prst="rect">
+            <a:avLst/>
+          </a:prstGeom>
+          <a:noFill/>
+        </p:spPr>
+        <p:txBody>
+          <a:bodyPr wrap="square" rtlCol="0">
+            <a:spAutoFit/>
+          </a:bodyPr>
+          <a:lstStyle/>
+          <a:p>
+            <a:endParaRPr lang="en-US" sz="2800" b="1" dirty="0">
+              <a:solidFill>
+                <a:srgbClr val="CF3338"/>
+              </a:solidFill>
+              <a:latin typeface="Pragmatica" pitchFamily="2" charset="0"/>
+            </a:endParaRPr>
+          </a:p>
+          <a:p>
+            <a:pPr marL="514350" indent="-514350">
+              <a:buFont typeface="Arial" panose="020B0604020202020204" pitchFamily="34" charset="0"/>
+              <a:buChar char="•"/>
+            </a:pPr>
+            <a:r>
+              <a:rPr lang="en-US" sz="2800" b="1" dirty="0">
+                <a:solidFill>
+                  <a:srgbClr val="CF3338"/>
+                </a:solidFill>
+                <a:latin typeface="Pragmatica" pitchFamily="2" charset="0"/>
+              </a:rPr>
+              <a:t>Downloads and summary statistics in Excel, R, Python</a:t>
+            </a:r>
+          </a:p>
+          <a:p>
+            <a:pPr marL="514350" indent="-514350">
+              <a:buFont typeface="Arial" panose="020B0604020202020204" pitchFamily="34" charset="0"/>
+              <a:buChar char="•"/>
+            </a:pPr>
+            <a:r>
+              <a:rPr lang="en-US" sz="2800" b="1" dirty="0">
+                <a:solidFill>
+                  <a:srgbClr val="CF3338"/>
+                </a:solidFill>
+                <a:latin typeface="Pragmatica" pitchFamily="2" charset="0"/>
+              </a:rPr>
+              <a:t>Follow along with demo notes</a:t>
+            </a:r>
+          </a:p>
+          <a:p>
+            <a:pPr marL="514350" indent="-514350">
+              <a:buFont typeface="Arial" panose="020B0604020202020204" pitchFamily="34" charset="0"/>
+              <a:buChar char="•"/>
+            </a:pPr>
+            <a:r>
+              <a:rPr lang="en-US" sz="2800" b="1" dirty="0">
+                <a:solidFill>
+                  <a:srgbClr val="CF3338"/>
+                </a:solidFill>
+                <a:latin typeface="Pragmatica" pitchFamily="2" charset="0"/>
+              </a:rPr>
+              <a:t>Let’s get situated… </a:t>
+            </a:r>
+          </a:p>
+        </p:txBody>
+      </p:sp>
+    </p:spTree>
+    <p:extLst>
+      <p:ext uri="{BB962C8B-B14F-4D97-AF65-F5344CB8AC3E}">
+        <p14:creationId xmlns:p14="http://schemas.microsoft.com/office/powerpoint/2010/main" val="3088895096"/>
+      </p:ext>
+    </p:extLst>
+  </p:cSld>
+  <p:clrMapOvr>
+    <a:masterClrMapping/>
+  </p:clrMapOvr>
+</p:sld>
+</file>
+
+<file path=ppt/slides/slide6.xml><?xml version="1.0" encoding="utf-8"?>
+<p:sld xmlns:a="http://schemas.openxmlformats.org/drawingml/2006/main" xmlns:r="http://schemas.openxmlformats.org/officeDocument/2006/relationships" xmlns:p="http://schemas.openxmlformats.org/presentationml/2006/main">
+  <p:cSld>
+    <p:spTree>
+      <p:nvGrpSpPr>
+        <p:cNvPr id="1" name=""/>
+        <p:cNvGrpSpPr/>
+        <p:nvPr/>
+      </p:nvGrpSpPr>
+      <p:grpSpPr>
+        <a:xfrm>
+          <a:off x="0" y="0"/>
+          <a:ext cx="0" cy="0"/>
+          <a:chOff x="0" y="0"/>
+          <a:chExt cx="0" cy="0"/>
+        </a:xfrm>
+      </p:grpSpPr>
+      <p:pic>
+        <p:nvPicPr>
+          <p:cNvPr id="10" name="Picture 9"/>
+          <p:cNvPicPr>
+            <a:picLocks noChangeAspect="1"/>
+          </p:cNvPicPr>
+          <p:nvPr/>
+        </p:nvPicPr>
+        <p:blipFill rotWithShape="1">
+          <a:blip r:embed="rId2">
+            <a:extLst>
+              <a:ext uri="{28A0092B-C50C-407E-A947-70E740481C1C}">
+                <a14:useLocalDpi xmlns:a14="http://schemas.microsoft.com/office/drawing/2010/main" val="0"/>
+              </a:ext>
+            </a:extLst>
+          </a:blip>
+          <a:srcRect l="50728" t="56371"/>
+          <a:stretch/>
+        </p:blipFill>
+        <p:spPr>
+          <a:xfrm>
+            <a:off x="10894024" y="5370653"/>
+            <a:ext cx="1297975" cy="1487348"/>
+          </a:xfrm>
+          <a:prstGeom prst="rect">
+            <a:avLst/>
+          </a:prstGeom>
+        </p:spPr>
+      </p:pic>
+      <p:sp>
+        <p:nvSpPr>
+          <p:cNvPr id="11" name="TextBox 10"/>
+          <p:cNvSpPr txBox="1"/>
+          <p:nvPr/>
+        </p:nvSpPr>
+        <p:spPr>
+          <a:xfrm>
+            <a:off x="347240" y="113388"/>
+            <a:ext cx="9799937" cy="1015663"/>
+          </a:xfrm>
+          <a:prstGeom prst="rect">
+            <a:avLst/>
+          </a:prstGeom>
+          <a:noFill/>
+        </p:spPr>
+        <p:txBody>
+          <a:bodyPr wrap="square" rtlCol="0">
+            <a:spAutoFit/>
+          </a:bodyPr>
+          <a:lstStyle/>
+          <a:p>
+            <a:r>
+              <a:rPr lang="en-US" sz="6000" dirty="0">
+                <a:latin typeface="Aliens &amp; cows" panose="00000500000000000000" pitchFamily="2" charset="0"/>
+              </a:rPr>
+              <a:t>Download and extract files</a:t>
+            </a:r>
+          </a:p>
+        </p:txBody>
+      </p:sp>
+      <p:pic>
+        <p:nvPicPr>
+          <p:cNvPr id="4" name="Picture 3">
+            <a:extLst>
+              <a:ext uri="{FF2B5EF4-FFF2-40B4-BE49-F238E27FC236}">
+                <a16:creationId xmlns:a16="http://schemas.microsoft.com/office/drawing/2014/main" id="{9AF88DC6-1E22-4A9C-A662-B3CA7A96FC77}"/>
+              </a:ext>
+            </a:extLst>
+          </p:cNvPr>
+          <p:cNvPicPr>
+            <a:picLocks noChangeAspect="1"/>
+          </p:cNvPicPr>
+          <p:nvPr/>
+        </p:nvPicPr>
+        <p:blipFill>
+          <a:blip r:embed="rId3"/>
+          <a:stretch>
+            <a:fillRect/>
+          </a:stretch>
+        </p:blipFill>
+        <p:spPr>
+          <a:xfrm>
+            <a:off x="309638" y="1459351"/>
+            <a:ext cx="10058400" cy="4862457"/>
+          </a:xfrm>
+          <a:prstGeom prst="rect">
+            <a:avLst/>
+          </a:prstGeom>
+        </p:spPr>
+      </p:pic>
+    </p:spTree>
+    <p:extLst>
+      <p:ext uri="{BB962C8B-B14F-4D97-AF65-F5344CB8AC3E}">
+        <p14:creationId xmlns:p14="http://schemas.microsoft.com/office/powerpoint/2010/main" val="4235252965"/>
+      </p:ext>
+    </p:extLst>
+  </p:cSld>
+  <p:clrMapOvr>
+    <a:masterClrMapping/>
+  </p:clrMapOvr>
+</p:sld>
+</file>
+
+<file path=ppt/slides/slide7.xml><?xml version="1.0" encoding="utf-8"?>
+<p:sld xmlns:a="http://schemas.openxmlformats.org/drawingml/2006/main" xmlns:r="http://schemas.openxmlformats.org/officeDocument/2006/relationships" xmlns:p="http://schemas.openxmlformats.org/presentationml/2006/main">
+  <p:cSld>
+    <p:spTree>
+      <p:nvGrpSpPr>
+        <p:cNvPr id="1" name=""/>
+        <p:cNvGrpSpPr/>
+        <p:nvPr/>
+      </p:nvGrpSpPr>
+      <p:grpSpPr>
+        <a:xfrm>
+          <a:off x="0" y="0"/>
+          <a:ext cx="0" cy="0"/>
+          <a:chOff x="0" y="0"/>
+          <a:chExt cx="0" cy="0"/>
+        </a:xfrm>
+      </p:grpSpPr>
+      <p:pic>
+        <p:nvPicPr>
+          <p:cNvPr id="10" name="Picture 9"/>
+          <p:cNvPicPr>
+            <a:picLocks noChangeAspect="1"/>
+          </p:cNvPicPr>
+          <p:nvPr/>
+        </p:nvPicPr>
+        <p:blipFill rotWithShape="1">
+          <a:blip r:embed="rId2">
+            <a:extLst>
+              <a:ext uri="{28A0092B-C50C-407E-A947-70E740481C1C}">
+                <a14:useLocalDpi xmlns:a14="http://schemas.microsoft.com/office/drawing/2010/main" val="0"/>
+              </a:ext>
+            </a:extLst>
+          </a:blip>
+          <a:srcRect l="50728" t="56371"/>
+          <a:stretch/>
+        </p:blipFill>
+        <p:spPr>
+          <a:xfrm>
+            <a:off x="8136460" y="2210765"/>
+            <a:ext cx="4055539" cy="4647236"/>
+          </a:xfrm>
+          <a:prstGeom prst="rect">
+            <a:avLst/>
+          </a:prstGeom>
+        </p:spPr>
+      </p:pic>
+      <p:pic>
+        <p:nvPicPr>
+          <p:cNvPr id="4" name="Picture 3"/>
+          <p:cNvPicPr>
+            <a:picLocks noChangeAspect="1"/>
+          </p:cNvPicPr>
+          <p:nvPr/>
+        </p:nvPicPr>
+        <p:blipFill>
+          <a:blip r:embed="rId3">
+            <a:extLst>
+              <a:ext uri="{28A0092B-C50C-407E-A947-70E740481C1C}">
+                <a14:useLocalDpi xmlns:a14="http://schemas.microsoft.com/office/drawing/2010/main" val="0"/>
+              </a:ext>
+            </a:extLst>
+          </a:blip>
+          <a:stretch>
+            <a:fillRect/>
+          </a:stretch>
+        </p:blipFill>
+        <p:spPr>
+          <a:xfrm>
+            <a:off x="-538496" y="-2482770"/>
+            <a:ext cx="10171472" cy="7459883"/>
+          </a:xfrm>
+          <a:prstGeom prst="rect">
+            <a:avLst/>
+          </a:prstGeom>
+        </p:spPr>
+      </p:pic>
+      <p:sp>
+        <p:nvSpPr>
+          <p:cNvPr id="11" name="TextBox 10"/>
+          <p:cNvSpPr txBox="1"/>
+          <p:nvPr/>
+        </p:nvSpPr>
+        <p:spPr>
+          <a:xfrm>
+            <a:off x="324091" y="1687545"/>
+            <a:ext cx="7986531" cy="954107"/>
           </a:xfrm>
           <a:prstGeom prst="rect">
             <a:avLst/>
@@ -6988,41 +7056,137 @@
             </a:r>
           </a:p>
           <a:p>
-            <a:endParaRPr lang="en-US" sz="2800" b="1" dirty="0">
-              <a:solidFill>
-                <a:srgbClr val="707070"/>
-              </a:solidFill>
-              <a:latin typeface="Pragmatica" panose="020B0403040502020204" pitchFamily="34" charset="0"/>
-            </a:endParaRPr>
-          </a:p>
-          <a:p>
-            <a:r>
-              <a:rPr lang="en-US" sz="2800" b="1" i="1" dirty="0">
+            <a:r>
+              <a:rPr lang="en-US" sz="2800" b="1" dirty="0">
                 <a:solidFill>
                   <a:srgbClr val="707070"/>
                 </a:solidFill>
                 <a:latin typeface="Pragmatica" panose="020B0403040502020204" pitchFamily="34" charset="0"/>
               </a:rPr>
-              <a:t>Event survey: </a:t>
-            </a:r>
-            <a:r>
-              <a:rPr lang="en-US" sz="2800" b="1" i="1" dirty="0">
-                <a:solidFill>
-                  <a:srgbClr val="707070"/>
-                </a:solidFill>
-                <a:latin typeface="Pragmatica" panose="020B0403040502020204" pitchFamily="34" charset="0"/>
-                <a:hlinkClick r:id="rId4"/>
-              </a:rPr>
-              <a:t>https://forms.office.com/r/0ZnD0LxpZy</a:t>
-            </a:r>
-            <a:r>
-              <a:rPr lang="en-US" sz="2800" b="1" i="1" dirty="0">
+              <a:t>On to the demos… </a:t>
+            </a:r>
+          </a:p>
+        </p:txBody>
+      </p:sp>
+    </p:spTree>
+    <p:extLst>
+      <p:ext uri="{BB962C8B-B14F-4D97-AF65-F5344CB8AC3E}">
+        <p14:creationId xmlns:p14="http://schemas.microsoft.com/office/powerpoint/2010/main" val="1797336233"/>
+      </p:ext>
+    </p:extLst>
+  </p:cSld>
+  <p:clrMapOvr>
+    <a:masterClrMapping/>
+  </p:clrMapOvr>
+</p:sld>
+</file>
+
+<file path=ppt/slides/slide8.xml><?xml version="1.0" encoding="utf-8"?>
+<p:sld xmlns:a="http://schemas.openxmlformats.org/drawingml/2006/main" xmlns:r="http://schemas.openxmlformats.org/officeDocument/2006/relationships" xmlns:p="http://schemas.openxmlformats.org/presentationml/2006/main">
+  <p:cSld>
+    <p:spTree>
+      <p:nvGrpSpPr>
+        <p:cNvPr id="1" name=""/>
+        <p:cNvGrpSpPr/>
+        <p:nvPr/>
+      </p:nvGrpSpPr>
+      <p:grpSpPr>
+        <a:xfrm>
+          <a:off x="0" y="0"/>
+          <a:ext cx="0" cy="0"/>
+          <a:chOff x="0" y="0"/>
+          <a:chExt cx="0" cy="0"/>
+        </a:xfrm>
+      </p:grpSpPr>
+      <p:pic>
+        <p:nvPicPr>
+          <p:cNvPr id="10" name="Picture 9"/>
+          <p:cNvPicPr>
+            <a:picLocks noChangeAspect="1"/>
+          </p:cNvPicPr>
+          <p:nvPr/>
+        </p:nvPicPr>
+        <p:blipFill rotWithShape="1">
+          <a:blip r:embed="rId2">
+            <a:extLst>
+              <a:ext uri="{28A0092B-C50C-407E-A947-70E740481C1C}">
+                <a14:useLocalDpi xmlns:a14="http://schemas.microsoft.com/office/drawing/2010/main" val="0"/>
+              </a:ext>
+            </a:extLst>
+          </a:blip>
+          <a:srcRect l="50728" t="56371"/>
+          <a:stretch/>
+        </p:blipFill>
+        <p:spPr>
+          <a:xfrm>
+            <a:off x="8136460" y="2210765"/>
+            <a:ext cx="4055539" cy="4647236"/>
+          </a:xfrm>
+          <a:prstGeom prst="rect">
+            <a:avLst/>
+          </a:prstGeom>
+        </p:spPr>
+      </p:pic>
+      <p:pic>
+        <p:nvPicPr>
+          <p:cNvPr id="4" name="Picture 3"/>
+          <p:cNvPicPr>
+            <a:picLocks noChangeAspect="1"/>
+          </p:cNvPicPr>
+          <p:nvPr/>
+        </p:nvPicPr>
+        <p:blipFill>
+          <a:blip r:embed="rId3">
+            <a:extLst>
+              <a:ext uri="{28A0092B-C50C-407E-A947-70E740481C1C}">
+                <a14:useLocalDpi xmlns:a14="http://schemas.microsoft.com/office/drawing/2010/main" val="0"/>
+              </a:ext>
+            </a:extLst>
+          </a:blip>
+          <a:stretch>
+            <a:fillRect/>
+          </a:stretch>
+        </p:blipFill>
+        <p:spPr>
+          <a:xfrm>
+            <a:off x="-538496" y="-2482770"/>
+            <a:ext cx="10171472" cy="7459883"/>
+          </a:xfrm>
+          <a:prstGeom prst="rect">
+            <a:avLst/>
+          </a:prstGeom>
+        </p:spPr>
+      </p:pic>
+      <p:sp>
+        <p:nvSpPr>
+          <p:cNvPr id="11" name="TextBox 10"/>
+          <p:cNvSpPr txBox="1"/>
+          <p:nvPr/>
+        </p:nvSpPr>
+        <p:spPr>
+          <a:xfrm>
+            <a:off x="324091" y="1687545"/>
+            <a:ext cx="7986531" cy="523220"/>
+          </a:xfrm>
+          <a:prstGeom prst="rect">
+            <a:avLst/>
+          </a:prstGeom>
+          <a:noFill/>
+        </p:spPr>
+        <p:txBody>
+          <a:bodyPr wrap="square" rtlCol="0">
+            <a:spAutoFit/>
+          </a:bodyPr>
+          <a:lstStyle/>
+          <a:p>
+            <a:r>
+              <a:rPr lang="en-US" sz="2800" b="1" dirty="0">
                 <a:solidFill>
                   <a:srgbClr val="707070"/>
                 </a:solidFill>
                 <a:latin typeface="Pragmatica" panose="020B0403040502020204" pitchFamily="34" charset="0"/>
               </a:rPr>
-              <a:t>  </a:t>
+              <a:t>Questions?</a:t>
             </a:r>
           </a:p>
         </p:txBody>
@@ -7030,7 +7194,114 @@
     </p:spTree>
     <p:extLst>
       <p:ext uri="{BB962C8B-B14F-4D97-AF65-F5344CB8AC3E}">
-        <p14:creationId xmlns:p14="http://schemas.microsoft.com/office/powerpoint/2010/main" val="2312071835"/>
+        <p14:creationId xmlns:p14="http://schemas.microsoft.com/office/powerpoint/2010/main" val="4081097533"/>
+      </p:ext>
+    </p:extLst>
+  </p:cSld>
+  <p:clrMapOvr>
+    <a:masterClrMapping/>
+  </p:clrMapOvr>
+</p:sld>
+</file>
+
+<file path=ppt/slides/slide9.xml><?xml version="1.0" encoding="utf-8"?>
+<p:sld xmlns:a="http://schemas.openxmlformats.org/drawingml/2006/main" xmlns:r="http://schemas.openxmlformats.org/officeDocument/2006/relationships" xmlns:p="http://schemas.openxmlformats.org/presentationml/2006/main">
+  <p:cSld>
+    <p:spTree>
+      <p:nvGrpSpPr>
+        <p:cNvPr id="1" name=""/>
+        <p:cNvGrpSpPr/>
+        <p:nvPr/>
+      </p:nvGrpSpPr>
+      <p:grpSpPr>
+        <a:xfrm>
+          <a:off x="0" y="0"/>
+          <a:ext cx="0" cy="0"/>
+          <a:chOff x="0" y="0"/>
+          <a:chExt cx="0" cy="0"/>
+        </a:xfrm>
+      </p:grpSpPr>
+      <p:sp>
+        <p:nvSpPr>
+          <p:cNvPr id="4" name="Rectangle 3"/>
+          <p:cNvSpPr/>
+          <p:nvPr/>
+        </p:nvSpPr>
+        <p:spPr>
+          <a:xfrm>
+            <a:off x="0" y="0"/>
+            <a:ext cx="12192000" cy="6858000"/>
+          </a:xfrm>
+          <a:prstGeom prst="rect">
+            <a:avLst/>
+          </a:prstGeom>
+          <a:solidFill>
+            <a:srgbClr val="CF3338"/>
+          </a:solidFill>
+        </p:spPr>
+        <p:style>
+          <a:lnRef idx="2">
+            <a:schemeClr val="accent1">
+              <a:shade val="50000"/>
+            </a:schemeClr>
+          </a:lnRef>
+          <a:fillRef idx="1">
+            <a:schemeClr val="accent1"/>
+          </a:fillRef>
+          <a:effectRef idx="0">
+            <a:schemeClr val="accent1"/>
+          </a:effectRef>
+          <a:fontRef idx="minor">
+            <a:schemeClr val="lt1"/>
+          </a:fontRef>
+        </p:style>
+        <p:txBody>
+          <a:bodyPr rtlCol="0" anchor="ctr"/>
+          <a:lstStyle/>
+          <a:p>
+            <a:pPr algn="ctr"/>
+            <a:endParaRPr lang="en-US"/>
+          </a:p>
+        </p:txBody>
+      </p:sp>
+      <p:sp>
+        <p:nvSpPr>
+          <p:cNvPr id="5" name="TextBox 4"/>
+          <p:cNvSpPr txBox="1"/>
+          <p:nvPr/>
+        </p:nvSpPr>
+        <p:spPr>
+          <a:xfrm>
+            <a:off x="520861" y="393539"/>
+            <a:ext cx="10324617" cy="1107996"/>
+          </a:xfrm>
+          <a:prstGeom prst="rect">
+            <a:avLst/>
+          </a:prstGeom>
+          <a:noFill/>
+        </p:spPr>
+        <p:txBody>
+          <a:bodyPr wrap="square" rtlCol="0">
+            <a:spAutoFit/>
+          </a:bodyPr>
+          <a:lstStyle/>
+          <a:p>
+            <a:r>
+              <a:rPr lang="en-US" sz="6600" b="1" dirty="0">
+                <a:solidFill>
+                  <a:schemeClr val="bg1"/>
+                </a:solidFill>
+                <a:latin typeface="Pragmatica" pitchFamily="2" charset="0"/>
+              </a:rPr>
+              <a:t>Conclusion/Resources</a:t>
+            </a:r>
+          </a:p>
+        </p:txBody>
+      </p:sp>
+    </p:spTree>
+    <p:extLst>
+      <p:ext uri="{BB962C8B-B14F-4D97-AF65-F5344CB8AC3E}">
+        <p14:creationId xmlns:p14="http://schemas.microsoft.com/office/powerpoint/2010/main" val="1922980201"/>
       </p:ext>
     </p:extLst>
   </p:cSld>

--- a/aina-getting-started.pptx
+++ b/aina-getting-started.pptx
@@ -5,7 +5,7 @@
     <p:sldMasterId id="2147483648" r:id="rId1"/>
   </p:sldMasterIdLst>
   <p:notesMasterIdLst>
-    <p:notesMasterId r:id="rId14"/>
+    <p:notesMasterId r:id="rId12"/>
   </p:notesMasterIdLst>
   <p:sldIdLst>
     <p:sldId id="256" r:id="rId2"/>
@@ -13,13 +13,11 @@
     <p:sldId id="393" r:id="rId4"/>
     <p:sldId id="332" r:id="rId5"/>
     <p:sldId id="411" r:id="rId6"/>
-    <p:sldId id="434" r:id="rId7"/>
-    <p:sldId id="435" r:id="rId8"/>
-    <p:sldId id="426" r:id="rId9"/>
-    <p:sldId id="431" r:id="rId10"/>
-    <p:sldId id="338" r:id="rId11"/>
-    <p:sldId id="336" r:id="rId12"/>
-    <p:sldId id="432" r:id="rId13"/>
+    <p:sldId id="426" r:id="rId7"/>
+    <p:sldId id="431" r:id="rId8"/>
+    <p:sldId id="338" r:id="rId9"/>
+    <p:sldId id="336" r:id="rId10"/>
+    <p:sldId id="432" r:id="rId11"/>
   </p:sldIdLst>
   <p:sldSz cx="12192000" cy="6858000"/>
   <p:notesSz cx="6858000" cy="9144000"/>
@@ -2478,7 +2476,7 @@
           <a:p>
             <a:fld id="{3BB66621-ADCC-4EF8-8003-B9D3E881DCD2}" type="slidenum">
               <a:rPr lang="en-US" smtClean="0"/>
-              <a:t>10</a:t>
+              <a:t>8</a:t>
             </a:fld>
             <a:endParaRPr lang="en-US"/>
           </a:p>
@@ -5554,6 +5552,191 @@
           <p:nvPr/>
         </p:nvPicPr>
         <p:blipFill rotWithShape="1">
+          <a:blip r:embed="rId2">
+            <a:extLst>
+              <a:ext uri="{28A0092B-C50C-407E-A947-70E740481C1C}">
+                <a14:useLocalDpi xmlns:a14="http://schemas.microsoft.com/office/drawing/2010/main" val="0"/>
+              </a:ext>
+            </a:extLst>
+          </a:blip>
+          <a:srcRect l="50728" t="56371"/>
+          <a:stretch/>
+        </p:blipFill>
+        <p:spPr>
+          <a:xfrm>
+            <a:off x="8136460" y="2210765"/>
+            <a:ext cx="4055539" cy="4647236"/>
+          </a:xfrm>
+          <a:prstGeom prst="rect">
+            <a:avLst/>
+          </a:prstGeom>
+        </p:spPr>
+      </p:pic>
+      <p:pic>
+        <p:nvPicPr>
+          <p:cNvPr id="4" name="Picture 3"/>
+          <p:cNvPicPr>
+            <a:picLocks noChangeAspect="1"/>
+          </p:cNvPicPr>
+          <p:nvPr/>
+        </p:nvPicPr>
+        <p:blipFill>
+          <a:blip r:embed="rId3">
+            <a:extLst>
+              <a:ext uri="{28A0092B-C50C-407E-A947-70E740481C1C}">
+                <a14:useLocalDpi xmlns:a14="http://schemas.microsoft.com/office/drawing/2010/main" val="0"/>
+              </a:ext>
+            </a:extLst>
+          </a:blip>
+          <a:stretch>
+            <a:fillRect/>
+          </a:stretch>
+        </p:blipFill>
+        <p:spPr>
+          <a:xfrm>
+            <a:off x="-538496" y="-2482770"/>
+            <a:ext cx="10171472" cy="7459883"/>
+          </a:xfrm>
+          <a:prstGeom prst="rect">
+            <a:avLst/>
+          </a:prstGeom>
+        </p:spPr>
+      </p:pic>
+      <p:sp>
+        <p:nvSpPr>
+          <p:cNvPr id="11" name="TextBox 10"/>
+          <p:cNvSpPr txBox="1"/>
+          <p:nvPr/>
+        </p:nvSpPr>
+        <p:spPr>
+          <a:xfrm>
+            <a:off x="324091" y="1687545"/>
+            <a:ext cx="7986531" cy="2369880"/>
+          </a:xfrm>
+          <a:prstGeom prst="rect">
+            <a:avLst/>
+          </a:prstGeom>
+          <a:noFill/>
+        </p:spPr>
+        <p:txBody>
+          <a:bodyPr wrap="square" rtlCol="0">
+            <a:spAutoFit/>
+          </a:bodyPr>
+          <a:lstStyle/>
+          <a:p>
+            <a:r>
+              <a:rPr lang="en-US" sz="3600" b="1" dirty="0">
+                <a:solidFill>
+                  <a:srgbClr val="707070"/>
+                </a:solidFill>
+                <a:latin typeface="Pragmatica" panose="020B0403040502020204" pitchFamily="34" charset="0"/>
+              </a:rPr>
+              <a:t>THANK YOU</a:t>
+            </a:r>
+          </a:p>
+          <a:p>
+            <a:endParaRPr lang="en-US" sz="2800" b="1" dirty="0">
+              <a:solidFill>
+                <a:srgbClr val="707070"/>
+              </a:solidFill>
+              <a:latin typeface="Pragmatica" panose="020B0403040502020204" pitchFamily="34" charset="0"/>
+            </a:endParaRPr>
+          </a:p>
+          <a:p>
+            <a:r>
+              <a:rPr lang="en-US" sz="2800" b="1" dirty="0">
+                <a:solidFill>
+                  <a:srgbClr val="707070"/>
+                </a:solidFill>
+                <a:latin typeface="Pragmatica" panose="020B0403040502020204" pitchFamily="34" charset="0"/>
+                <a:hlinkClick r:id="rId4"/>
+              </a:rPr>
+              <a:t>george@stringfestanalytics.com</a:t>
+            </a:r>
+            <a:endParaRPr lang="en-US" sz="2800" b="1" dirty="0">
+              <a:solidFill>
+                <a:srgbClr val="707070"/>
+              </a:solidFill>
+              <a:latin typeface="Pragmatica" panose="020B0403040502020204" pitchFamily="34" charset="0"/>
+            </a:endParaRPr>
+          </a:p>
+          <a:p>
+            <a:r>
+              <a:rPr lang="en-US" sz="2800" b="1" dirty="0">
+                <a:solidFill>
+                  <a:srgbClr val="707070"/>
+                </a:solidFill>
+                <a:latin typeface="Pragmatica" panose="020B0403040502020204" pitchFamily="34" charset="0"/>
+                <a:hlinkClick r:id="rId5"/>
+              </a:rPr>
+              <a:t>linkedin.com/in/gjmount</a:t>
+            </a:r>
+            <a:endParaRPr lang="en-US" sz="2800" b="1" dirty="0">
+              <a:solidFill>
+                <a:srgbClr val="707070"/>
+              </a:solidFill>
+              <a:latin typeface="Pragmatica" panose="020B0403040502020204" pitchFamily="34" charset="0"/>
+            </a:endParaRPr>
+          </a:p>
+          <a:p>
+            <a:r>
+              <a:rPr lang="en-US" sz="2800" b="1" dirty="0">
+                <a:solidFill>
+                  <a:srgbClr val="707070"/>
+                </a:solidFill>
+                <a:latin typeface="Pragmatica" panose="020B0403040502020204" pitchFamily="34" charset="0"/>
+                <a:hlinkClick r:id="rId6"/>
+              </a:rPr>
+              <a:t>stringfestanalytics.com/contact  </a:t>
+            </a:r>
+            <a:endParaRPr lang="en-US" sz="2800" b="1" dirty="0">
+              <a:solidFill>
+                <a:srgbClr val="707070"/>
+              </a:solidFill>
+              <a:latin typeface="Pragmatica" panose="020B0403040502020204" pitchFamily="34" charset="0"/>
+            </a:endParaRPr>
+          </a:p>
+        </p:txBody>
+      </p:sp>
+    </p:spTree>
+    <p:extLst>
+      <p:ext uri="{BB962C8B-B14F-4D97-AF65-F5344CB8AC3E}">
+        <p14:creationId xmlns:p14="http://schemas.microsoft.com/office/powerpoint/2010/main" val="3712320391"/>
+      </p:ext>
+    </p:extLst>
+  </p:cSld>
+  <p:clrMapOvr>
+    <a:masterClrMapping/>
+  </p:clrMapOvr>
+</p:sld>
+</file>
+
+<file path=ppt/slides/slide2.xml><?xml version="1.0" encoding="utf-8"?>
+<p:sld xmlns:a="http://schemas.openxmlformats.org/drawingml/2006/main" xmlns:r="http://schemas.openxmlformats.org/officeDocument/2006/relationships" xmlns:p="http://schemas.openxmlformats.org/presentationml/2006/main">
+  <p:cSld>
+    <p:spTree>
+      <p:nvGrpSpPr>
+        <p:cNvPr id="1" name=""/>
+        <p:cNvGrpSpPr/>
+        <p:nvPr/>
+      </p:nvGrpSpPr>
+      <p:grpSpPr>
+        <a:xfrm>
+          <a:off x="0" y="0"/>
+          <a:ext cx="0" cy="0"/>
+          <a:chOff x="0" y="0"/>
+          <a:chExt cx="0" cy="0"/>
+        </a:xfrm>
+      </p:grpSpPr>
+      <p:pic>
+        <p:nvPicPr>
+          <p:cNvPr id="10" name="Picture 9"/>
+          <p:cNvPicPr>
+            <a:picLocks noChangeAspect="1"/>
+          </p:cNvPicPr>
+          <p:nvPr/>
+        </p:nvPicPr>
+        <p:blipFill rotWithShape="1">
           <a:blip r:embed="rId3">
             <a:extLst>
               <a:ext uri="{28A0092B-C50C-407E-A947-70E740481C1C}">
@@ -5583,7 +5766,7 @@
         <p:spPr>
           <a:xfrm>
             <a:off x="347240" y="113388"/>
-            <a:ext cx="10861534" cy="1015663"/>
+            <a:ext cx="9799937" cy="1015663"/>
           </a:xfrm>
           <a:prstGeom prst="rect">
             <a:avLst/>
@@ -5600,27 +5783,21 @@
               <a:rPr lang="en-US" sz="6000" dirty="0">
                 <a:latin typeface="Aliens &amp; cows" panose="00000500000000000000" pitchFamily="2" charset="0"/>
               </a:rPr>
-              <a:t>Keep going</a:t>
-            </a:r>
-          </a:p>
-        </p:txBody>
-      </p:sp>
-      <p:sp>
-        <p:nvSpPr>
-          <p:cNvPr id="4" name="TextBox 3">
-            <a:extLst>
-              <a:ext uri="{FF2B5EF4-FFF2-40B4-BE49-F238E27FC236}">
-                <a16:creationId xmlns:a16="http://schemas.microsoft.com/office/drawing/2014/main" id="{5A4F6C64-3E8D-4255-95B8-CF64265213DA}"/>
-              </a:ext>
-            </a:extLst>
-          </p:cNvPr>
+              <a:t>Follow along</a:t>
+            </a:r>
+          </a:p>
+        </p:txBody>
+      </p:sp>
+      <p:sp>
+        <p:nvSpPr>
+          <p:cNvPr id="3" name="TextBox 2"/>
           <p:cNvSpPr txBox="1"/>
           <p:nvPr/>
         </p:nvSpPr>
         <p:spPr>
           <a:xfrm>
-            <a:off x="347240" y="1465093"/>
-            <a:ext cx="8255987" cy="954107"/>
+            <a:off x="462987" y="1365813"/>
+            <a:ext cx="8387397" cy="1384995"/>
           </a:xfrm>
           <a:prstGeom prst="rect">
             <a:avLst/>
@@ -5633,22 +5810,10 @@
           </a:bodyPr>
           <a:lstStyle/>
           <a:p>
-            <a:pPr marL="457200" indent="-457200">
-              <a:buClr>
-                <a:srgbClr val="CF3338"/>
-              </a:buClr>
+            <a:pPr marL="285750" indent="-285750">
               <a:buFont typeface="Arial" panose="020B0604020202020204" pitchFamily="34" charset="0"/>
               <a:buChar char="•"/>
             </a:pPr>
-            <a:r>
-              <a:rPr lang="en-US" sz="2800" i="1" dirty="0">
-                <a:solidFill>
-                  <a:srgbClr val="707070"/>
-                </a:solidFill>
-                <a:latin typeface="Pragmatica" panose="020B0403040502020204" pitchFamily="34" charset="0"/>
-              </a:rPr>
-              <a:t>Advancing into Analytics </a:t>
-            </a:r>
             <a:r>
               <a:rPr lang="en-US" sz="2800" dirty="0">
                 <a:solidFill>
@@ -5656,17 +5821,8 @@
                 </a:solidFill>
                 <a:latin typeface="Pragmatica" panose="020B0403040502020204" pitchFamily="34" charset="0"/>
               </a:rPr>
-              <a:t>by George Mount</a:t>
-            </a:r>
-          </a:p>
-          <a:p>
-            <a:pPr marL="914400" lvl="1" indent="-457200">
-              <a:buClr>
-                <a:srgbClr val="CF3338"/>
-              </a:buClr>
-              <a:buFont typeface="Arial" panose="020B0604020202020204" pitchFamily="34" charset="0"/>
-              <a:buChar char="•"/>
-            </a:pPr>
+              <a:t>Download resources: </a:t>
+            </a:r>
             <a:r>
               <a:rPr lang="en-US" sz="2800" dirty="0">
                 <a:solidFill>
@@ -5675,7 +5831,7 @@
                 <a:latin typeface="Pragmatica" panose="020B0403040502020204" pitchFamily="34" charset="0"/>
                 <a:hlinkClick r:id="rId4"/>
               </a:rPr>
-              <a:t>Stringfestanalytics.com/book</a:t>
+              <a:t>https://github.com/stringfestdata/aina-getting-started</a:t>
             </a:r>
             <a:r>
               <a:rPr lang="en-US" sz="2800" dirty="0">
@@ -5684,62 +5840,45 @@
                 </a:solidFill>
                 <a:latin typeface="Pragmatica" panose="020B0403040502020204" pitchFamily="34" charset="0"/>
               </a:rPr>
-              <a:t> </a:t>
+              <a:t>  </a:t>
             </a:r>
           </a:p>
         </p:txBody>
       </p:sp>
       <p:pic>
         <p:nvPicPr>
-          <p:cNvPr id="4098" name="Picture 2" descr="Advancing into Analytics Cover Image">
+          <p:cNvPr id="5" name="Picture 4">
             <a:extLst>
               <a:ext uri="{FF2B5EF4-FFF2-40B4-BE49-F238E27FC236}">
-                <a16:creationId xmlns:a16="http://schemas.microsoft.com/office/drawing/2014/main" id="{58958D3C-C4DB-4EBB-9EE6-AA9672AA9979}"/>
+                <a16:creationId xmlns:a16="http://schemas.microsoft.com/office/drawing/2014/main" id="{F4BFB83D-D2B3-4340-A5CC-669A243BAA7D}"/>
               </a:ext>
             </a:extLst>
           </p:cNvPr>
           <p:cNvPicPr>
-            <a:picLocks noChangeAspect="1" noChangeArrowheads="1"/>
+            <a:picLocks noChangeAspect="1"/>
           </p:cNvPicPr>
           <p:nvPr/>
         </p:nvPicPr>
         <p:blipFill>
-          <a:blip r:embed="rId5">
-            <a:extLst>
-              <a:ext uri="{28A0092B-C50C-407E-A947-70E740481C1C}">
-                <a14:useLocalDpi xmlns:a14="http://schemas.microsoft.com/office/drawing/2010/main" val="0"/>
-              </a:ext>
-            </a:extLst>
-          </a:blip>
-          <a:srcRect/>
+          <a:blip r:embed="rId5"/>
           <a:stretch>
             <a:fillRect/>
           </a:stretch>
         </p:blipFill>
-        <p:spPr bwMode="auto">
+        <p:spPr>
           <a:xfrm>
-            <a:off x="8322631" y="1804894"/>
-            <a:ext cx="3869369" cy="5053106"/>
+            <a:off x="3697861" y="2610170"/>
+            <a:ext cx="8494139" cy="4106258"/>
           </a:xfrm>
           <a:prstGeom prst="rect">
             <a:avLst/>
           </a:prstGeom>
-          <a:noFill/>
-          <a:extLst>
-            <a:ext uri="{909E8E84-426E-40DD-AFC4-6F175D3DCCD1}">
-              <a14:hiddenFill xmlns:a14="http://schemas.microsoft.com/office/drawing/2010/main">
-                <a:solidFill>
-                  <a:srgbClr val="FFFFFF"/>
-                </a:solidFill>
-              </a14:hiddenFill>
-            </a:ext>
-          </a:extLst>
         </p:spPr>
       </p:pic>
     </p:spTree>
     <p:extLst>
       <p:ext uri="{BB962C8B-B14F-4D97-AF65-F5344CB8AC3E}">
-        <p14:creationId xmlns:p14="http://schemas.microsoft.com/office/powerpoint/2010/main" val="3327978876"/>
+        <p14:creationId xmlns:p14="http://schemas.microsoft.com/office/powerpoint/2010/main" val="4141627579"/>
       </p:ext>
     </p:extLst>
   </p:cSld>
@@ -5749,7 +5888,595 @@
 </p:sld>
 </file>
 
-<file path=ppt/slides/slide11.xml><?xml version="1.0" encoding="utf-8"?>
+<file path=ppt/slides/slide3.xml><?xml version="1.0" encoding="utf-8"?>
+<p:sld xmlns:a="http://schemas.openxmlformats.org/drawingml/2006/main" xmlns:r="http://schemas.openxmlformats.org/officeDocument/2006/relationships" xmlns:p="http://schemas.openxmlformats.org/presentationml/2006/main">
+  <p:cSld>
+    <p:spTree>
+      <p:nvGrpSpPr>
+        <p:cNvPr id="1" name=""/>
+        <p:cNvGrpSpPr/>
+        <p:nvPr/>
+      </p:nvGrpSpPr>
+      <p:grpSpPr>
+        <a:xfrm>
+          <a:off x="0" y="0"/>
+          <a:ext cx="0" cy="0"/>
+          <a:chOff x="0" y="0"/>
+          <a:chExt cx="0" cy="0"/>
+        </a:xfrm>
+      </p:grpSpPr>
+      <p:pic>
+        <p:nvPicPr>
+          <p:cNvPr id="10" name="Picture 9"/>
+          <p:cNvPicPr>
+            <a:picLocks noChangeAspect="1"/>
+          </p:cNvPicPr>
+          <p:nvPr/>
+        </p:nvPicPr>
+        <p:blipFill rotWithShape="1">
+          <a:blip r:embed="rId2">
+            <a:extLst>
+              <a:ext uri="{28A0092B-C50C-407E-A947-70E740481C1C}">
+                <a14:useLocalDpi xmlns:a14="http://schemas.microsoft.com/office/drawing/2010/main" val="0"/>
+              </a:ext>
+            </a:extLst>
+          </a:blip>
+          <a:srcRect l="50728" t="56371"/>
+          <a:stretch/>
+        </p:blipFill>
+        <p:spPr>
+          <a:xfrm>
+            <a:off x="10894024" y="5370653"/>
+            <a:ext cx="1297975" cy="1487348"/>
+          </a:xfrm>
+          <a:prstGeom prst="rect">
+            <a:avLst/>
+          </a:prstGeom>
+        </p:spPr>
+      </p:pic>
+      <p:sp>
+        <p:nvSpPr>
+          <p:cNvPr id="11" name="TextBox 10"/>
+          <p:cNvSpPr txBox="1"/>
+          <p:nvPr/>
+        </p:nvSpPr>
+        <p:spPr>
+          <a:xfrm>
+            <a:off x="347240" y="113388"/>
+            <a:ext cx="9799937" cy="1015663"/>
+          </a:xfrm>
+          <a:prstGeom prst="rect">
+            <a:avLst/>
+          </a:prstGeom>
+          <a:noFill/>
+        </p:spPr>
+        <p:txBody>
+          <a:bodyPr wrap="square" rtlCol="0">
+            <a:spAutoFit/>
+          </a:bodyPr>
+          <a:lstStyle/>
+          <a:p>
+            <a:r>
+              <a:rPr lang="en-US" sz="6000" dirty="0">
+                <a:latin typeface="Aliens &amp; cows" panose="00000500000000000000" pitchFamily="2" charset="0"/>
+              </a:rPr>
+              <a:t>Learning objectives</a:t>
+            </a:r>
+          </a:p>
+        </p:txBody>
+      </p:sp>
+      <p:sp>
+        <p:nvSpPr>
+          <p:cNvPr id="3" name="TextBox 2"/>
+          <p:cNvSpPr txBox="1"/>
+          <p:nvPr/>
+        </p:nvSpPr>
+        <p:spPr>
+          <a:xfrm>
+            <a:off x="462987" y="1365813"/>
+            <a:ext cx="9595413" cy="2246769"/>
+          </a:xfrm>
+          <a:prstGeom prst="rect">
+            <a:avLst/>
+          </a:prstGeom>
+          <a:noFill/>
+        </p:spPr>
+        <p:txBody>
+          <a:bodyPr wrap="square" rtlCol="0">
+            <a:spAutoFit/>
+          </a:bodyPr>
+          <a:lstStyle/>
+          <a:p>
+            <a:pPr marL="285750" indent="-285750">
+              <a:buFont typeface="Arial" panose="020B0604020202020204" pitchFamily="34" charset="0"/>
+              <a:buChar char="•"/>
+            </a:pPr>
+            <a:r>
+              <a:rPr lang="en-US" sz="2800" dirty="0">
+                <a:solidFill>
+                  <a:srgbClr val="707070"/>
+                </a:solidFill>
+                <a:latin typeface="Pragmatica" panose="020B0403040502020204" pitchFamily="34" charset="0"/>
+              </a:rPr>
+              <a:t>Situate Excel, R and Python in the data analytics stack</a:t>
+            </a:r>
+          </a:p>
+          <a:p>
+            <a:pPr marL="285750" indent="-285750">
+              <a:buFont typeface="Arial" panose="020B0604020202020204" pitchFamily="34" charset="0"/>
+              <a:buChar char="•"/>
+            </a:pPr>
+            <a:r>
+              <a:rPr lang="en-US" sz="2800" dirty="0">
+                <a:solidFill>
+                  <a:srgbClr val="707070"/>
+                </a:solidFill>
+                <a:latin typeface="Pragmatica" panose="020B0403040502020204" pitchFamily="34" charset="0"/>
+              </a:rPr>
+              <a:t>Prepare a Windows computer to work in all three</a:t>
+            </a:r>
+          </a:p>
+          <a:p>
+            <a:pPr marL="285750" indent="-285750">
+              <a:buFont typeface="Arial" panose="020B0604020202020204" pitchFamily="34" charset="0"/>
+              <a:buChar char="•"/>
+            </a:pPr>
+            <a:r>
+              <a:rPr lang="en-US" sz="2800" dirty="0">
+                <a:solidFill>
+                  <a:srgbClr val="707070"/>
+                </a:solidFill>
+                <a:latin typeface="Pragmatica" panose="020B0403040502020204" pitchFamily="34" charset="0"/>
+              </a:rPr>
+              <a:t>Run summary statistics on a dataset in all three</a:t>
+            </a:r>
+          </a:p>
+          <a:p>
+            <a:pPr marL="285750" indent="-285750">
+              <a:buFont typeface="Arial" panose="020B0604020202020204" pitchFamily="34" charset="0"/>
+              <a:buChar char="•"/>
+            </a:pPr>
+            <a:endParaRPr lang="en-US" sz="2800" dirty="0">
+              <a:solidFill>
+                <a:srgbClr val="707070"/>
+              </a:solidFill>
+              <a:latin typeface="Pragmatica" panose="020B0403040502020204" pitchFamily="34" charset="0"/>
+            </a:endParaRPr>
+          </a:p>
+          <a:p>
+            <a:endParaRPr lang="en-US" sz="2800" dirty="0">
+              <a:solidFill>
+                <a:srgbClr val="707070"/>
+              </a:solidFill>
+              <a:latin typeface="Pragmatica" panose="020B0403040502020204" pitchFamily="34" charset="0"/>
+            </a:endParaRPr>
+          </a:p>
+        </p:txBody>
+      </p:sp>
+    </p:spTree>
+    <p:extLst>
+      <p:ext uri="{BB962C8B-B14F-4D97-AF65-F5344CB8AC3E}">
+        <p14:creationId xmlns:p14="http://schemas.microsoft.com/office/powerpoint/2010/main" val="3245169404"/>
+      </p:ext>
+    </p:extLst>
+  </p:cSld>
+  <p:clrMapOvr>
+    <a:masterClrMapping/>
+  </p:clrMapOvr>
+</p:sld>
+</file>
+
+<file path=ppt/slides/slide4.xml><?xml version="1.0" encoding="utf-8"?>
+<p:sld xmlns:a="http://schemas.openxmlformats.org/drawingml/2006/main" xmlns:r="http://schemas.openxmlformats.org/officeDocument/2006/relationships" xmlns:p="http://schemas.openxmlformats.org/presentationml/2006/main">
+  <p:cSld>
+    <p:spTree>
+      <p:nvGrpSpPr>
+        <p:cNvPr id="1" name=""/>
+        <p:cNvGrpSpPr/>
+        <p:nvPr/>
+      </p:nvGrpSpPr>
+      <p:grpSpPr>
+        <a:xfrm>
+          <a:off x="0" y="0"/>
+          <a:ext cx="0" cy="0"/>
+          <a:chOff x="0" y="0"/>
+          <a:chExt cx="0" cy="0"/>
+        </a:xfrm>
+      </p:grpSpPr>
+      <p:pic>
+        <p:nvPicPr>
+          <p:cNvPr id="10" name="Picture 9"/>
+          <p:cNvPicPr>
+            <a:picLocks noChangeAspect="1"/>
+          </p:cNvPicPr>
+          <p:nvPr/>
+        </p:nvPicPr>
+        <p:blipFill rotWithShape="1">
+          <a:blip r:embed="rId3">
+            <a:extLst>
+              <a:ext uri="{28A0092B-C50C-407E-A947-70E740481C1C}">
+                <a14:useLocalDpi xmlns:a14="http://schemas.microsoft.com/office/drawing/2010/main" val="0"/>
+              </a:ext>
+            </a:extLst>
+          </a:blip>
+          <a:srcRect l="50728" t="56371"/>
+          <a:stretch/>
+        </p:blipFill>
+        <p:spPr>
+          <a:xfrm>
+            <a:off x="10894024" y="5370653"/>
+            <a:ext cx="1297975" cy="1487348"/>
+          </a:xfrm>
+          <a:prstGeom prst="rect">
+            <a:avLst/>
+          </a:prstGeom>
+        </p:spPr>
+      </p:pic>
+      <p:sp>
+        <p:nvSpPr>
+          <p:cNvPr id="11" name="TextBox 10"/>
+          <p:cNvSpPr txBox="1"/>
+          <p:nvPr/>
+        </p:nvSpPr>
+        <p:spPr>
+          <a:xfrm>
+            <a:off x="347240" y="113388"/>
+            <a:ext cx="9799937" cy="1015663"/>
+          </a:xfrm>
+          <a:prstGeom prst="rect">
+            <a:avLst/>
+          </a:prstGeom>
+          <a:noFill/>
+        </p:spPr>
+        <p:txBody>
+          <a:bodyPr wrap="square" rtlCol="0">
+            <a:spAutoFit/>
+          </a:bodyPr>
+          <a:lstStyle/>
+          <a:p>
+            <a:r>
+              <a:rPr lang="en-US" sz="6000" dirty="0">
+                <a:latin typeface="Aliens &amp; cows" panose="00000500000000000000" pitchFamily="2" charset="0"/>
+              </a:rPr>
+              <a:t>Spare no tools… </a:t>
+            </a:r>
+          </a:p>
+        </p:txBody>
+      </p:sp>
+      <p:pic>
+        <p:nvPicPr>
+          <p:cNvPr id="4" name="Picture 3" descr="Diagram, text&#10;&#10;Description automatically generated">
+            <a:extLst>
+              <a:ext uri="{FF2B5EF4-FFF2-40B4-BE49-F238E27FC236}">
+                <a16:creationId xmlns:a16="http://schemas.microsoft.com/office/drawing/2014/main" id="{69888AE4-E6A5-42EE-8C41-9647CFF76E35}"/>
+              </a:ext>
+            </a:extLst>
+          </p:cNvPr>
+          <p:cNvPicPr>
+            <a:picLocks noChangeAspect="1"/>
+          </p:cNvPicPr>
+          <p:nvPr/>
+        </p:nvPicPr>
+        <p:blipFill>
+          <a:blip r:embed="rId4">
+            <a:extLst>
+              <a:ext uri="{28A0092B-C50C-407E-A947-70E740481C1C}">
+                <a14:useLocalDpi xmlns:a14="http://schemas.microsoft.com/office/drawing/2010/main" val="0"/>
+              </a:ext>
+            </a:extLst>
+          </a:blip>
+          <a:stretch>
+            <a:fillRect/>
+          </a:stretch>
+        </p:blipFill>
+        <p:spPr>
+          <a:xfrm>
+            <a:off x="1929935" y="1777154"/>
+            <a:ext cx="8555449" cy="4024138"/>
+          </a:xfrm>
+          <a:prstGeom prst="rect">
+            <a:avLst/>
+          </a:prstGeom>
+        </p:spPr>
+      </p:pic>
+      <p:sp>
+        <p:nvSpPr>
+          <p:cNvPr id="7" name="TextBox 6">
+            <a:extLst>
+              <a:ext uri="{FF2B5EF4-FFF2-40B4-BE49-F238E27FC236}">
+                <a16:creationId xmlns:a16="http://schemas.microsoft.com/office/drawing/2014/main" id="{CFAB272F-EC83-45BA-935F-DFBF5407D2B6}"/>
+              </a:ext>
+            </a:extLst>
+          </p:cNvPr>
+          <p:cNvSpPr txBox="1"/>
+          <p:nvPr/>
+        </p:nvSpPr>
+        <p:spPr>
+          <a:xfrm>
+            <a:off x="261704" y="6114327"/>
+            <a:ext cx="9493446" cy="369332"/>
+          </a:xfrm>
+          <a:prstGeom prst="rect">
+            <a:avLst/>
+          </a:prstGeom>
+          <a:noFill/>
+        </p:spPr>
+        <p:txBody>
+          <a:bodyPr wrap="square" rtlCol="0">
+            <a:spAutoFit/>
+          </a:bodyPr>
+          <a:lstStyle/>
+          <a:p>
+            <a:r>
+              <a:rPr lang="en-US" dirty="0">
+                <a:solidFill>
+                  <a:schemeClr val="bg1">
+                    <a:lumMod val="50000"/>
+                  </a:schemeClr>
+                </a:solidFill>
+                <a:latin typeface="Pragmatica" pitchFamily="2" charset="0"/>
+              </a:rPr>
+              <a:t>Mount, George. </a:t>
+            </a:r>
+            <a:r>
+              <a:rPr lang="en-US" i="1" dirty="0">
+                <a:solidFill>
+                  <a:schemeClr val="bg1">
+                    <a:lumMod val="50000"/>
+                  </a:schemeClr>
+                </a:solidFill>
+                <a:latin typeface="Pragmatica" pitchFamily="2" charset="0"/>
+              </a:rPr>
+              <a:t>Advancing into Analytics: From Excel to Python and R</a:t>
+            </a:r>
+            <a:r>
+              <a:rPr lang="en-US" dirty="0">
+                <a:solidFill>
+                  <a:schemeClr val="bg1">
+                    <a:lumMod val="50000"/>
+                  </a:schemeClr>
+                </a:solidFill>
+                <a:latin typeface="Pragmatica" pitchFamily="2" charset="0"/>
+              </a:rPr>
+              <a:t>. O’Reilly Media, 2021</a:t>
+            </a:r>
+            <a:endParaRPr lang="en-US" i="1" dirty="0">
+              <a:solidFill>
+                <a:schemeClr val="bg1">
+                  <a:lumMod val="50000"/>
+                </a:schemeClr>
+              </a:solidFill>
+              <a:latin typeface="Pragmatica" pitchFamily="2" charset="0"/>
+            </a:endParaRPr>
+          </a:p>
+        </p:txBody>
+      </p:sp>
+    </p:spTree>
+    <p:extLst>
+      <p:ext uri="{BB962C8B-B14F-4D97-AF65-F5344CB8AC3E}">
+        <p14:creationId xmlns:p14="http://schemas.microsoft.com/office/powerpoint/2010/main" val="3729633991"/>
+      </p:ext>
+    </p:extLst>
+  </p:cSld>
+  <p:clrMapOvr>
+    <a:masterClrMapping/>
+  </p:clrMapOvr>
+</p:sld>
+</file>
+
+<file path=ppt/slides/slide5.xml><?xml version="1.0" encoding="utf-8"?>
+<p:sld xmlns:a="http://schemas.openxmlformats.org/drawingml/2006/main" xmlns:r="http://schemas.openxmlformats.org/officeDocument/2006/relationships" xmlns:p="http://schemas.openxmlformats.org/presentationml/2006/main">
+  <p:cSld>
+    <p:spTree>
+      <p:nvGrpSpPr>
+        <p:cNvPr id="1" name=""/>
+        <p:cNvGrpSpPr/>
+        <p:nvPr/>
+      </p:nvGrpSpPr>
+      <p:grpSpPr>
+        <a:xfrm>
+          <a:off x="0" y="0"/>
+          <a:ext cx="0" cy="0"/>
+          <a:chOff x="0" y="0"/>
+          <a:chExt cx="0" cy="0"/>
+        </a:xfrm>
+      </p:grpSpPr>
+      <p:sp>
+        <p:nvSpPr>
+          <p:cNvPr id="4" name="Rectangle 3"/>
+          <p:cNvSpPr/>
+          <p:nvPr/>
+        </p:nvSpPr>
+        <p:spPr>
+          <a:xfrm>
+            <a:off x="6574420" y="0"/>
+            <a:ext cx="5617580" cy="6858000"/>
+          </a:xfrm>
+          <a:prstGeom prst="rect">
+            <a:avLst/>
+          </a:prstGeom>
+          <a:solidFill>
+            <a:srgbClr val="CF3338"/>
+          </a:solidFill>
+        </p:spPr>
+        <p:style>
+          <a:lnRef idx="2">
+            <a:schemeClr val="accent1">
+              <a:shade val="50000"/>
+            </a:schemeClr>
+          </a:lnRef>
+          <a:fillRef idx="1">
+            <a:schemeClr val="accent1"/>
+          </a:fillRef>
+          <a:effectRef idx="0">
+            <a:schemeClr val="accent1"/>
+          </a:effectRef>
+          <a:fontRef idx="minor">
+            <a:schemeClr val="lt1"/>
+          </a:fontRef>
+        </p:style>
+        <p:txBody>
+          <a:bodyPr rtlCol="0" anchor="ctr"/>
+          <a:lstStyle/>
+          <a:p>
+            <a:pPr algn="ctr"/>
+            <a:endParaRPr lang="en-US"/>
+          </a:p>
+        </p:txBody>
+      </p:sp>
+      <p:sp>
+        <p:nvSpPr>
+          <p:cNvPr id="5" name="TextBox 4"/>
+          <p:cNvSpPr txBox="1"/>
+          <p:nvPr/>
+        </p:nvSpPr>
+        <p:spPr>
+          <a:xfrm>
+            <a:off x="6817489" y="0"/>
+            <a:ext cx="4120587" cy="1446550"/>
+          </a:xfrm>
+          <a:prstGeom prst="rect">
+            <a:avLst/>
+          </a:prstGeom>
+          <a:noFill/>
+        </p:spPr>
+        <p:txBody>
+          <a:bodyPr wrap="square" rtlCol="0">
+            <a:spAutoFit/>
+          </a:bodyPr>
+          <a:lstStyle/>
+          <a:p>
+            <a:r>
+              <a:rPr lang="en-US" sz="8800" dirty="0">
+                <a:solidFill>
+                  <a:schemeClr val="bg1"/>
+                </a:solidFill>
+                <a:latin typeface="Aliens &amp; cows" panose="00000500000000000000" pitchFamily="2" charset="0"/>
+              </a:rPr>
+              <a:t>Demos</a:t>
+            </a:r>
+          </a:p>
+        </p:txBody>
+      </p:sp>
+      <p:pic>
+        <p:nvPicPr>
+          <p:cNvPr id="2" name="Picture 1"/>
+          <p:cNvPicPr>
+            <a:picLocks noChangeAspect="1"/>
+          </p:cNvPicPr>
+          <p:nvPr/>
+        </p:nvPicPr>
+        <p:blipFill rotWithShape="1">
+          <a:blip r:embed="rId3">
+            <a:extLst>
+              <a:ext uri="{28A0092B-C50C-407E-A947-70E740481C1C}">
+                <a14:useLocalDpi xmlns:a14="http://schemas.microsoft.com/office/drawing/2010/main" val="0"/>
+              </a:ext>
+            </a:extLst>
+          </a:blip>
+          <a:srcRect l="69227" t="33418" r="20112" b="50548"/>
+          <a:stretch/>
+        </p:blipFill>
+        <p:spPr>
+          <a:xfrm>
+            <a:off x="10386349" y="5029795"/>
+            <a:ext cx="1805651" cy="1991719"/>
+          </a:xfrm>
+          <a:prstGeom prst="rect">
+            <a:avLst/>
+          </a:prstGeom>
+        </p:spPr>
+      </p:pic>
+      <p:sp>
+        <p:nvSpPr>
+          <p:cNvPr id="3" name="TextBox 2"/>
+          <p:cNvSpPr txBox="1"/>
+          <p:nvPr/>
+        </p:nvSpPr>
+        <p:spPr>
+          <a:xfrm>
+            <a:off x="173620" y="219919"/>
+            <a:ext cx="5937813" cy="2246769"/>
+          </a:xfrm>
+          <a:prstGeom prst="rect">
+            <a:avLst/>
+          </a:prstGeom>
+          <a:noFill/>
+        </p:spPr>
+        <p:txBody>
+          <a:bodyPr wrap="square" rtlCol="0">
+            <a:spAutoFit/>
+          </a:bodyPr>
+          <a:lstStyle/>
+          <a:p>
+            <a:endParaRPr lang="en-US" sz="2800" b="1" dirty="0">
+              <a:solidFill>
+                <a:srgbClr val="CF3338"/>
+              </a:solidFill>
+              <a:latin typeface="Pragmatica" pitchFamily="2" charset="0"/>
+            </a:endParaRPr>
+          </a:p>
+          <a:p>
+            <a:pPr marL="514350" indent="-514350">
+              <a:buFont typeface="Arial" panose="020B0604020202020204" pitchFamily="34" charset="0"/>
+              <a:buChar char="•"/>
+            </a:pPr>
+            <a:r>
+              <a:rPr lang="en-US" sz="2800" b="1" dirty="0">
+                <a:solidFill>
+                  <a:srgbClr val="CF3338"/>
+                </a:solidFill>
+                <a:latin typeface="Pragmatica" pitchFamily="2" charset="0"/>
+              </a:rPr>
+              <a:t>Downloads and summary statistics in Excel, R, Python</a:t>
+            </a:r>
+          </a:p>
+          <a:p>
+            <a:pPr marL="514350" indent="-514350">
+              <a:buFont typeface="Arial" panose="020B0604020202020204" pitchFamily="34" charset="0"/>
+              <a:buChar char="•"/>
+            </a:pPr>
+            <a:r>
+              <a:rPr lang="en-US" sz="2800" b="1" dirty="0">
+                <a:solidFill>
+                  <a:srgbClr val="CF3338"/>
+                </a:solidFill>
+                <a:latin typeface="Pragmatica" pitchFamily="2" charset="0"/>
+              </a:rPr>
+              <a:t>Follow along with demo notes</a:t>
+            </a:r>
+          </a:p>
+          <a:p>
+            <a:pPr marL="514350" indent="-514350">
+              <a:buFont typeface="Arial" panose="020B0604020202020204" pitchFamily="34" charset="0"/>
+              <a:buChar char="•"/>
+            </a:pPr>
+            <a:r>
+              <a:rPr lang="en-US" sz="2800" b="1" dirty="0">
+                <a:solidFill>
+                  <a:srgbClr val="CF3338"/>
+                </a:solidFill>
+                <a:latin typeface="Pragmatica" pitchFamily="2" charset="0"/>
+              </a:rPr>
+              <a:t>Let’s get situated… </a:t>
+            </a:r>
+          </a:p>
+        </p:txBody>
+      </p:sp>
+    </p:spTree>
+    <p:extLst>
+      <p:ext uri="{BB962C8B-B14F-4D97-AF65-F5344CB8AC3E}">
+        <p14:creationId xmlns:p14="http://schemas.microsoft.com/office/powerpoint/2010/main" val="3088895096"/>
+      </p:ext>
+    </p:extLst>
+  </p:cSld>
+  <p:clrMapOvr>
+    <a:masterClrMapping/>
+  </p:clrMapOvr>
+</p:sld>
+</file>
+
+<file path=ppt/slides/slide6.xml><?xml version="1.0" encoding="utf-8"?>
 <p:sld xmlns:a="http://schemas.openxmlformats.org/drawingml/2006/main" xmlns:r="http://schemas.openxmlformats.org/officeDocument/2006/relationships" xmlns:p="http://schemas.openxmlformats.org/presentationml/2006/main">
   <p:cSld>
     <p:spTree>
@@ -5834,7 +6561,7 @@
         <p:spPr>
           <a:xfrm>
             <a:off x="324091" y="1687545"/>
-            <a:ext cx="7986531" cy="1815882"/>
+            <a:ext cx="7986531" cy="523220"/>
           </a:xfrm>
           <a:prstGeom prst="rect">
             <a:avLst/>
@@ -5857,50 +6584,12 @@
               <a:t>Questions?</a:t>
             </a:r>
           </a:p>
-          <a:p>
-            <a:endParaRPr lang="en-US" sz="2800" b="1" dirty="0">
-              <a:solidFill>
-                <a:srgbClr val="707070"/>
-              </a:solidFill>
-              <a:latin typeface="Pragmatica" panose="020B0403040502020204" pitchFamily="34" charset="0"/>
-            </a:endParaRPr>
-          </a:p>
-          <a:p>
-            <a:r>
-              <a:rPr lang="en-US" sz="2800" b="1" i="1" dirty="0">
-                <a:solidFill>
-                  <a:srgbClr val="707070"/>
-                </a:solidFill>
-                <a:latin typeface="Pragmatica" panose="020B0403040502020204" pitchFamily="34" charset="0"/>
-              </a:rPr>
-              <a:t>Event survey: </a:t>
-            </a:r>
-            <a:r>
-              <a:rPr lang="en-US" sz="2800" b="1" i="1" dirty="0">
-                <a:solidFill>
-                  <a:srgbClr val="707070"/>
-                </a:solidFill>
-                <a:latin typeface="Pragmatica" panose="020B0403040502020204" pitchFamily="34" charset="0"/>
-                <a:hlinkClick r:id="rId4"/>
-              </a:rPr>
-              <a:t>https://forms.office.com/r/0ZnD0LxpZy</a:t>
-            </a:r>
-            <a:r>
-              <a:rPr lang="en-US" sz="2800" b="1" i="1" dirty="0">
-                <a:solidFill>
-                  <a:srgbClr val="707070"/>
-                </a:solidFill>
-                <a:latin typeface="Pragmatica" panose="020B0403040502020204" pitchFamily="34" charset="0"/>
-              </a:rPr>
-              <a:t>  </a:t>
-            </a:r>
-          </a:p>
         </p:txBody>
       </p:sp>
     </p:spTree>
     <p:extLst>
       <p:ext uri="{BB962C8B-B14F-4D97-AF65-F5344CB8AC3E}">
-        <p14:creationId xmlns:p14="http://schemas.microsoft.com/office/powerpoint/2010/main" val="2312071835"/>
+        <p14:creationId xmlns:p14="http://schemas.microsoft.com/office/powerpoint/2010/main" val="4081097533"/>
       </p:ext>
     </p:extLst>
   </p:cSld>
@@ -5910,7 +6599,335 @@
 </p:sld>
 </file>
 
-<file path=ppt/slides/slide12.xml><?xml version="1.0" encoding="utf-8"?>
+<file path=ppt/slides/slide7.xml><?xml version="1.0" encoding="utf-8"?>
+<p:sld xmlns:a="http://schemas.openxmlformats.org/drawingml/2006/main" xmlns:r="http://schemas.openxmlformats.org/officeDocument/2006/relationships" xmlns:p="http://schemas.openxmlformats.org/presentationml/2006/main">
+  <p:cSld>
+    <p:spTree>
+      <p:nvGrpSpPr>
+        <p:cNvPr id="1" name=""/>
+        <p:cNvGrpSpPr/>
+        <p:nvPr/>
+      </p:nvGrpSpPr>
+      <p:grpSpPr>
+        <a:xfrm>
+          <a:off x="0" y="0"/>
+          <a:ext cx="0" cy="0"/>
+          <a:chOff x="0" y="0"/>
+          <a:chExt cx="0" cy="0"/>
+        </a:xfrm>
+      </p:grpSpPr>
+      <p:sp>
+        <p:nvSpPr>
+          <p:cNvPr id="4" name="Rectangle 3"/>
+          <p:cNvSpPr/>
+          <p:nvPr/>
+        </p:nvSpPr>
+        <p:spPr>
+          <a:xfrm>
+            <a:off x="0" y="0"/>
+            <a:ext cx="12192000" cy="6858000"/>
+          </a:xfrm>
+          <a:prstGeom prst="rect">
+            <a:avLst/>
+          </a:prstGeom>
+          <a:solidFill>
+            <a:srgbClr val="CF3338"/>
+          </a:solidFill>
+        </p:spPr>
+        <p:style>
+          <a:lnRef idx="2">
+            <a:schemeClr val="accent1">
+              <a:shade val="50000"/>
+            </a:schemeClr>
+          </a:lnRef>
+          <a:fillRef idx="1">
+            <a:schemeClr val="accent1"/>
+          </a:fillRef>
+          <a:effectRef idx="0">
+            <a:schemeClr val="accent1"/>
+          </a:effectRef>
+          <a:fontRef idx="minor">
+            <a:schemeClr val="lt1"/>
+          </a:fontRef>
+        </p:style>
+        <p:txBody>
+          <a:bodyPr rtlCol="0" anchor="ctr"/>
+          <a:lstStyle/>
+          <a:p>
+            <a:pPr algn="ctr"/>
+            <a:endParaRPr lang="en-US"/>
+          </a:p>
+        </p:txBody>
+      </p:sp>
+      <p:sp>
+        <p:nvSpPr>
+          <p:cNvPr id="5" name="TextBox 4"/>
+          <p:cNvSpPr txBox="1"/>
+          <p:nvPr/>
+        </p:nvSpPr>
+        <p:spPr>
+          <a:xfrm>
+            <a:off x="520861" y="393539"/>
+            <a:ext cx="10324617" cy="1107996"/>
+          </a:xfrm>
+          <a:prstGeom prst="rect">
+            <a:avLst/>
+          </a:prstGeom>
+          <a:noFill/>
+        </p:spPr>
+        <p:txBody>
+          <a:bodyPr wrap="square" rtlCol="0">
+            <a:spAutoFit/>
+          </a:bodyPr>
+          <a:lstStyle/>
+          <a:p>
+            <a:r>
+              <a:rPr lang="en-US" sz="6600" b="1" dirty="0">
+                <a:solidFill>
+                  <a:schemeClr val="bg1"/>
+                </a:solidFill>
+                <a:latin typeface="Pragmatica" pitchFamily="2" charset="0"/>
+              </a:rPr>
+              <a:t>Conclusion/Resources</a:t>
+            </a:r>
+          </a:p>
+        </p:txBody>
+      </p:sp>
+    </p:spTree>
+    <p:extLst>
+      <p:ext uri="{BB962C8B-B14F-4D97-AF65-F5344CB8AC3E}">
+        <p14:creationId xmlns:p14="http://schemas.microsoft.com/office/powerpoint/2010/main" val="1922980201"/>
+      </p:ext>
+    </p:extLst>
+  </p:cSld>
+  <p:clrMapOvr>
+    <a:masterClrMapping/>
+  </p:clrMapOvr>
+</p:sld>
+</file>
+
+<file path=ppt/slides/slide8.xml><?xml version="1.0" encoding="utf-8"?>
+<p:sld xmlns:a="http://schemas.openxmlformats.org/drawingml/2006/main" xmlns:r="http://schemas.openxmlformats.org/officeDocument/2006/relationships" xmlns:p="http://schemas.openxmlformats.org/presentationml/2006/main">
+  <p:cSld>
+    <p:spTree>
+      <p:nvGrpSpPr>
+        <p:cNvPr id="1" name=""/>
+        <p:cNvGrpSpPr/>
+        <p:nvPr/>
+      </p:nvGrpSpPr>
+      <p:grpSpPr>
+        <a:xfrm>
+          <a:off x="0" y="0"/>
+          <a:ext cx="0" cy="0"/>
+          <a:chOff x="0" y="0"/>
+          <a:chExt cx="0" cy="0"/>
+        </a:xfrm>
+      </p:grpSpPr>
+      <p:pic>
+        <p:nvPicPr>
+          <p:cNvPr id="10" name="Picture 9"/>
+          <p:cNvPicPr>
+            <a:picLocks noChangeAspect="1"/>
+          </p:cNvPicPr>
+          <p:nvPr/>
+        </p:nvPicPr>
+        <p:blipFill rotWithShape="1">
+          <a:blip r:embed="rId3">
+            <a:extLst>
+              <a:ext uri="{28A0092B-C50C-407E-A947-70E740481C1C}">
+                <a14:useLocalDpi xmlns:a14="http://schemas.microsoft.com/office/drawing/2010/main" val="0"/>
+              </a:ext>
+            </a:extLst>
+          </a:blip>
+          <a:srcRect l="50728" t="56371"/>
+          <a:stretch/>
+        </p:blipFill>
+        <p:spPr>
+          <a:xfrm>
+            <a:off x="10894024" y="5370653"/>
+            <a:ext cx="1297975" cy="1487348"/>
+          </a:xfrm>
+          <a:prstGeom prst="rect">
+            <a:avLst/>
+          </a:prstGeom>
+        </p:spPr>
+      </p:pic>
+      <p:sp>
+        <p:nvSpPr>
+          <p:cNvPr id="11" name="TextBox 10"/>
+          <p:cNvSpPr txBox="1"/>
+          <p:nvPr/>
+        </p:nvSpPr>
+        <p:spPr>
+          <a:xfrm>
+            <a:off x="347240" y="113388"/>
+            <a:ext cx="10861534" cy="1015663"/>
+          </a:xfrm>
+          <a:prstGeom prst="rect">
+            <a:avLst/>
+          </a:prstGeom>
+          <a:noFill/>
+        </p:spPr>
+        <p:txBody>
+          <a:bodyPr wrap="square" rtlCol="0">
+            <a:spAutoFit/>
+          </a:bodyPr>
+          <a:lstStyle/>
+          <a:p>
+            <a:r>
+              <a:rPr lang="en-US" sz="6000" dirty="0">
+                <a:latin typeface="Aliens &amp; cows" panose="00000500000000000000" pitchFamily="2" charset="0"/>
+              </a:rPr>
+              <a:t>Keep going</a:t>
+            </a:r>
+          </a:p>
+        </p:txBody>
+      </p:sp>
+      <p:sp>
+        <p:nvSpPr>
+          <p:cNvPr id="4" name="TextBox 3">
+            <a:extLst>
+              <a:ext uri="{FF2B5EF4-FFF2-40B4-BE49-F238E27FC236}">
+                <a16:creationId xmlns:a16="http://schemas.microsoft.com/office/drawing/2014/main" id="{5A4F6C64-3E8D-4255-95B8-CF64265213DA}"/>
+              </a:ext>
+            </a:extLst>
+          </p:cNvPr>
+          <p:cNvSpPr txBox="1"/>
+          <p:nvPr/>
+        </p:nvSpPr>
+        <p:spPr>
+          <a:xfrm>
+            <a:off x="347240" y="1465093"/>
+            <a:ext cx="8255987" cy="954107"/>
+          </a:xfrm>
+          <a:prstGeom prst="rect">
+            <a:avLst/>
+          </a:prstGeom>
+          <a:noFill/>
+        </p:spPr>
+        <p:txBody>
+          <a:bodyPr wrap="square" rtlCol="0">
+            <a:spAutoFit/>
+          </a:bodyPr>
+          <a:lstStyle/>
+          <a:p>
+            <a:pPr marL="457200" indent="-457200">
+              <a:buClr>
+                <a:srgbClr val="CF3338"/>
+              </a:buClr>
+              <a:buFont typeface="Arial" panose="020B0604020202020204" pitchFamily="34" charset="0"/>
+              <a:buChar char="•"/>
+            </a:pPr>
+            <a:r>
+              <a:rPr lang="en-US" sz="2800" i="1" dirty="0">
+                <a:solidFill>
+                  <a:srgbClr val="707070"/>
+                </a:solidFill>
+                <a:latin typeface="Pragmatica" panose="020B0403040502020204" pitchFamily="34" charset="0"/>
+              </a:rPr>
+              <a:t>Advancing into Analytics </a:t>
+            </a:r>
+            <a:r>
+              <a:rPr lang="en-US" sz="2800" dirty="0">
+                <a:solidFill>
+                  <a:srgbClr val="707070"/>
+                </a:solidFill>
+                <a:latin typeface="Pragmatica" panose="020B0403040502020204" pitchFamily="34" charset="0"/>
+              </a:rPr>
+              <a:t>by George Mount</a:t>
+            </a:r>
+          </a:p>
+          <a:p>
+            <a:pPr marL="914400" lvl="1" indent="-457200">
+              <a:buClr>
+                <a:srgbClr val="CF3338"/>
+              </a:buClr>
+              <a:buFont typeface="Arial" panose="020B0604020202020204" pitchFamily="34" charset="0"/>
+              <a:buChar char="•"/>
+            </a:pPr>
+            <a:r>
+              <a:rPr lang="en-US" sz="2800" dirty="0">
+                <a:solidFill>
+                  <a:srgbClr val="707070"/>
+                </a:solidFill>
+                <a:latin typeface="Pragmatica" panose="020B0403040502020204" pitchFamily="34" charset="0"/>
+                <a:hlinkClick r:id="rId4"/>
+              </a:rPr>
+              <a:t>Stringfestanalytics.com/book</a:t>
+            </a:r>
+            <a:r>
+              <a:rPr lang="en-US" sz="2800" dirty="0">
+                <a:solidFill>
+                  <a:srgbClr val="707070"/>
+                </a:solidFill>
+                <a:latin typeface="Pragmatica" panose="020B0403040502020204" pitchFamily="34" charset="0"/>
+              </a:rPr>
+              <a:t> </a:t>
+            </a:r>
+          </a:p>
+        </p:txBody>
+      </p:sp>
+      <p:pic>
+        <p:nvPicPr>
+          <p:cNvPr id="4098" name="Picture 2" descr="Advancing into Analytics Cover Image">
+            <a:extLst>
+              <a:ext uri="{FF2B5EF4-FFF2-40B4-BE49-F238E27FC236}">
+                <a16:creationId xmlns:a16="http://schemas.microsoft.com/office/drawing/2014/main" id="{58958D3C-C4DB-4EBB-9EE6-AA9672AA9979}"/>
+              </a:ext>
+            </a:extLst>
+          </p:cNvPr>
+          <p:cNvPicPr>
+            <a:picLocks noChangeAspect="1" noChangeArrowheads="1"/>
+          </p:cNvPicPr>
+          <p:nvPr/>
+        </p:nvPicPr>
+        <p:blipFill>
+          <a:blip r:embed="rId5">
+            <a:extLst>
+              <a:ext uri="{28A0092B-C50C-407E-A947-70E740481C1C}">
+                <a14:useLocalDpi xmlns:a14="http://schemas.microsoft.com/office/drawing/2010/main" val="0"/>
+              </a:ext>
+            </a:extLst>
+          </a:blip>
+          <a:srcRect/>
+          <a:stretch>
+            <a:fillRect/>
+          </a:stretch>
+        </p:blipFill>
+        <p:spPr bwMode="auto">
+          <a:xfrm>
+            <a:off x="8322631" y="1804894"/>
+            <a:ext cx="3869369" cy="5053106"/>
+          </a:xfrm>
+          <a:prstGeom prst="rect">
+            <a:avLst/>
+          </a:prstGeom>
+          <a:noFill/>
+          <a:extLst>
+            <a:ext uri="{909E8E84-426E-40DD-AFC4-6F175D3DCCD1}">
+              <a14:hiddenFill xmlns:a14="http://schemas.microsoft.com/office/drawing/2010/main">
+                <a:solidFill>
+                  <a:srgbClr val="FFFFFF"/>
+                </a:solidFill>
+              </a14:hiddenFill>
+            </a:ext>
+          </a:extLst>
+        </p:spPr>
+      </p:pic>
+    </p:spTree>
+    <p:extLst>
+      <p:ext uri="{BB962C8B-B14F-4D97-AF65-F5344CB8AC3E}">
+        <p14:creationId xmlns:p14="http://schemas.microsoft.com/office/powerpoint/2010/main" val="3327978876"/>
+      </p:ext>
+    </p:extLst>
+  </p:cSld>
+  <p:clrMapOvr>
+    <a:masterClrMapping/>
+  </p:clrMapOvr>
+</p:sld>
+</file>
+
+<file path=ppt/slides/slide9.xml><?xml version="1.0" encoding="utf-8"?>
 <p:sld xmlns:a="http://schemas.openxmlformats.org/drawingml/2006/main" xmlns:r="http://schemas.openxmlformats.org/officeDocument/2006/relationships" xmlns:p="http://schemas.openxmlformats.org/presentationml/2006/main">
   <p:cSld>
     <p:spTree>
@@ -5995,1044 +7012,7 @@
         <p:spPr>
           <a:xfrm>
             <a:off x="324091" y="1687545"/>
-            <a:ext cx="7986531" cy="2369880"/>
-          </a:xfrm>
-          <a:prstGeom prst="rect">
-            <a:avLst/>
-          </a:prstGeom>
-          <a:noFill/>
-        </p:spPr>
-        <p:txBody>
-          <a:bodyPr wrap="square" rtlCol="0">
-            <a:spAutoFit/>
-          </a:bodyPr>
-          <a:lstStyle/>
-          <a:p>
-            <a:r>
-              <a:rPr lang="en-US" sz="3600" b="1" dirty="0">
-                <a:solidFill>
-                  <a:srgbClr val="707070"/>
-                </a:solidFill>
-                <a:latin typeface="Pragmatica" panose="020B0403040502020204" pitchFamily="34" charset="0"/>
-              </a:rPr>
-              <a:t>THANK YOU</a:t>
-            </a:r>
-          </a:p>
-          <a:p>
-            <a:endParaRPr lang="en-US" sz="2800" b="1" dirty="0">
-              <a:solidFill>
-                <a:srgbClr val="707070"/>
-              </a:solidFill>
-              <a:latin typeface="Pragmatica" panose="020B0403040502020204" pitchFamily="34" charset="0"/>
-            </a:endParaRPr>
-          </a:p>
-          <a:p>
-            <a:r>
-              <a:rPr lang="en-US" sz="2800" b="1" dirty="0">
-                <a:solidFill>
-                  <a:srgbClr val="707070"/>
-                </a:solidFill>
-                <a:latin typeface="Pragmatica" panose="020B0403040502020204" pitchFamily="34" charset="0"/>
-                <a:hlinkClick r:id="rId4"/>
-              </a:rPr>
-              <a:t>george@stringfestanalytics.com</a:t>
-            </a:r>
-            <a:endParaRPr lang="en-US" sz="2800" b="1" dirty="0">
-              <a:solidFill>
-                <a:srgbClr val="707070"/>
-              </a:solidFill>
-              <a:latin typeface="Pragmatica" panose="020B0403040502020204" pitchFamily="34" charset="0"/>
-            </a:endParaRPr>
-          </a:p>
-          <a:p>
-            <a:r>
-              <a:rPr lang="en-US" sz="2800" b="1" dirty="0">
-                <a:solidFill>
-                  <a:srgbClr val="707070"/>
-                </a:solidFill>
-                <a:latin typeface="Pragmatica" panose="020B0403040502020204" pitchFamily="34" charset="0"/>
-                <a:hlinkClick r:id="rId5"/>
-              </a:rPr>
-              <a:t>linkedin.com/in/gjmount</a:t>
-            </a:r>
-            <a:endParaRPr lang="en-US" sz="2800" b="1" dirty="0">
-              <a:solidFill>
-                <a:srgbClr val="707070"/>
-              </a:solidFill>
-              <a:latin typeface="Pragmatica" panose="020B0403040502020204" pitchFamily="34" charset="0"/>
-            </a:endParaRPr>
-          </a:p>
-          <a:p>
-            <a:r>
-              <a:rPr lang="en-US" sz="2800" b="1" dirty="0">
-                <a:solidFill>
-                  <a:srgbClr val="707070"/>
-                </a:solidFill>
-                <a:latin typeface="Pragmatica" panose="020B0403040502020204" pitchFamily="34" charset="0"/>
-                <a:hlinkClick r:id="rId6"/>
-              </a:rPr>
-              <a:t>stringfestanalytics.com/contact  </a:t>
-            </a:r>
-            <a:endParaRPr lang="en-US" sz="2800" b="1" dirty="0">
-              <a:solidFill>
-                <a:srgbClr val="707070"/>
-              </a:solidFill>
-              <a:latin typeface="Pragmatica" panose="020B0403040502020204" pitchFamily="34" charset="0"/>
-            </a:endParaRPr>
-          </a:p>
-        </p:txBody>
-      </p:sp>
-    </p:spTree>
-    <p:extLst>
-      <p:ext uri="{BB962C8B-B14F-4D97-AF65-F5344CB8AC3E}">
-        <p14:creationId xmlns:p14="http://schemas.microsoft.com/office/powerpoint/2010/main" val="3712320391"/>
-      </p:ext>
-    </p:extLst>
-  </p:cSld>
-  <p:clrMapOvr>
-    <a:masterClrMapping/>
-  </p:clrMapOvr>
-</p:sld>
-</file>
-
-<file path=ppt/slides/slide2.xml><?xml version="1.0" encoding="utf-8"?>
-<p:sld xmlns:a="http://schemas.openxmlformats.org/drawingml/2006/main" xmlns:r="http://schemas.openxmlformats.org/officeDocument/2006/relationships" xmlns:p="http://schemas.openxmlformats.org/presentationml/2006/main">
-  <p:cSld>
-    <p:spTree>
-      <p:nvGrpSpPr>
-        <p:cNvPr id="1" name=""/>
-        <p:cNvGrpSpPr/>
-        <p:nvPr/>
-      </p:nvGrpSpPr>
-      <p:grpSpPr>
-        <a:xfrm>
-          <a:off x="0" y="0"/>
-          <a:ext cx="0" cy="0"/>
-          <a:chOff x="0" y="0"/>
-          <a:chExt cx="0" cy="0"/>
-        </a:xfrm>
-      </p:grpSpPr>
-      <p:pic>
-        <p:nvPicPr>
-          <p:cNvPr id="10" name="Picture 9"/>
-          <p:cNvPicPr>
-            <a:picLocks noChangeAspect="1"/>
-          </p:cNvPicPr>
-          <p:nvPr/>
-        </p:nvPicPr>
-        <p:blipFill rotWithShape="1">
-          <a:blip r:embed="rId3">
-            <a:extLst>
-              <a:ext uri="{28A0092B-C50C-407E-A947-70E740481C1C}">
-                <a14:useLocalDpi xmlns:a14="http://schemas.microsoft.com/office/drawing/2010/main" val="0"/>
-              </a:ext>
-            </a:extLst>
-          </a:blip>
-          <a:srcRect l="50728" t="56371"/>
-          <a:stretch/>
-        </p:blipFill>
-        <p:spPr>
-          <a:xfrm>
-            <a:off x="10894024" y="5370653"/>
-            <a:ext cx="1297975" cy="1487348"/>
-          </a:xfrm>
-          <a:prstGeom prst="rect">
-            <a:avLst/>
-          </a:prstGeom>
-        </p:spPr>
-      </p:pic>
-      <p:sp>
-        <p:nvSpPr>
-          <p:cNvPr id="11" name="TextBox 10"/>
-          <p:cNvSpPr txBox="1"/>
-          <p:nvPr/>
-        </p:nvSpPr>
-        <p:spPr>
-          <a:xfrm>
-            <a:off x="347240" y="113388"/>
-            <a:ext cx="9799937" cy="1015663"/>
-          </a:xfrm>
-          <a:prstGeom prst="rect">
-            <a:avLst/>
-          </a:prstGeom>
-          <a:noFill/>
-        </p:spPr>
-        <p:txBody>
-          <a:bodyPr wrap="square" rtlCol="0">
-            <a:spAutoFit/>
-          </a:bodyPr>
-          <a:lstStyle/>
-          <a:p>
-            <a:r>
-              <a:rPr lang="en-US" sz="6000" dirty="0">
-                <a:latin typeface="Aliens &amp; cows" panose="00000500000000000000" pitchFamily="2" charset="0"/>
-              </a:rPr>
-              <a:t>Follow along</a:t>
-            </a:r>
-          </a:p>
-        </p:txBody>
-      </p:sp>
-      <p:sp>
-        <p:nvSpPr>
-          <p:cNvPr id="3" name="TextBox 2"/>
-          <p:cNvSpPr txBox="1"/>
-          <p:nvPr/>
-        </p:nvSpPr>
-        <p:spPr>
-          <a:xfrm>
-            <a:off x="462987" y="1365813"/>
-            <a:ext cx="8387397" cy="954107"/>
-          </a:xfrm>
-          <a:prstGeom prst="rect">
-            <a:avLst/>
-          </a:prstGeom>
-          <a:noFill/>
-        </p:spPr>
-        <p:txBody>
-          <a:bodyPr wrap="square" rtlCol="0">
-            <a:spAutoFit/>
-          </a:bodyPr>
-          <a:lstStyle/>
-          <a:p>
-            <a:pPr marL="285750" indent="-285750">
-              <a:buFont typeface="Arial" panose="020B0604020202020204" pitchFamily="34" charset="0"/>
-              <a:buChar char="•"/>
-            </a:pPr>
-            <a:r>
-              <a:rPr lang="en-US" sz="2800" dirty="0">
-                <a:solidFill>
-                  <a:srgbClr val="707070"/>
-                </a:solidFill>
-                <a:latin typeface="Pragmatica" panose="020B0403040502020204" pitchFamily="34" charset="0"/>
-              </a:rPr>
-              <a:t>Download resources: </a:t>
-            </a:r>
-            <a:r>
-              <a:rPr lang="en-US" sz="2800" dirty="0">
-                <a:solidFill>
-                  <a:srgbClr val="707070"/>
-                </a:solidFill>
-                <a:latin typeface="Pragmatica" panose="020B0403040502020204" pitchFamily="34" charset="0"/>
-                <a:hlinkClick r:id="rId4"/>
-              </a:rPr>
-              <a:t>https://github.com/stringfestdata/lagos-meetup</a:t>
-            </a:r>
-            <a:endParaRPr lang="en-US" sz="2800" dirty="0">
-              <a:solidFill>
-                <a:srgbClr val="707070"/>
-              </a:solidFill>
-              <a:latin typeface="Pragmatica" panose="020B0403040502020204" pitchFamily="34" charset="0"/>
-            </a:endParaRPr>
-          </a:p>
-        </p:txBody>
-      </p:sp>
-    </p:spTree>
-    <p:extLst>
-      <p:ext uri="{BB962C8B-B14F-4D97-AF65-F5344CB8AC3E}">
-        <p14:creationId xmlns:p14="http://schemas.microsoft.com/office/powerpoint/2010/main" val="4141627579"/>
-      </p:ext>
-    </p:extLst>
-  </p:cSld>
-  <p:clrMapOvr>
-    <a:masterClrMapping/>
-  </p:clrMapOvr>
-</p:sld>
-</file>
-
-<file path=ppt/slides/slide3.xml><?xml version="1.0" encoding="utf-8"?>
-<p:sld xmlns:a="http://schemas.openxmlformats.org/drawingml/2006/main" xmlns:r="http://schemas.openxmlformats.org/officeDocument/2006/relationships" xmlns:p="http://schemas.openxmlformats.org/presentationml/2006/main">
-  <p:cSld>
-    <p:spTree>
-      <p:nvGrpSpPr>
-        <p:cNvPr id="1" name=""/>
-        <p:cNvGrpSpPr/>
-        <p:nvPr/>
-      </p:nvGrpSpPr>
-      <p:grpSpPr>
-        <a:xfrm>
-          <a:off x="0" y="0"/>
-          <a:ext cx="0" cy="0"/>
-          <a:chOff x="0" y="0"/>
-          <a:chExt cx="0" cy="0"/>
-        </a:xfrm>
-      </p:grpSpPr>
-      <p:pic>
-        <p:nvPicPr>
-          <p:cNvPr id="10" name="Picture 9"/>
-          <p:cNvPicPr>
-            <a:picLocks noChangeAspect="1"/>
-          </p:cNvPicPr>
-          <p:nvPr/>
-        </p:nvPicPr>
-        <p:blipFill rotWithShape="1">
-          <a:blip r:embed="rId2">
-            <a:extLst>
-              <a:ext uri="{28A0092B-C50C-407E-A947-70E740481C1C}">
-                <a14:useLocalDpi xmlns:a14="http://schemas.microsoft.com/office/drawing/2010/main" val="0"/>
-              </a:ext>
-            </a:extLst>
-          </a:blip>
-          <a:srcRect l="50728" t="56371"/>
-          <a:stretch/>
-        </p:blipFill>
-        <p:spPr>
-          <a:xfrm>
-            <a:off x="10894024" y="5370653"/>
-            <a:ext cx="1297975" cy="1487348"/>
-          </a:xfrm>
-          <a:prstGeom prst="rect">
-            <a:avLst/>
-          </a:prstGeom>
-        </p:spPr>
-      </p:pic>
-      <p:sp>
-        <p:nvSpPr>
-          <p:cNvPr id="11" name="TextBox 10"/>
-          <p:cNvSpPr txBox="1"/>
-          <p:nvPr/>
-        </p:nvSpPr>
-        <p:spPr>
-          <a:xfrm>
-            <a:off x="347240" y="113388"/>
-            <a:ext cx="9799937" cy="1015663"/>
-          </a:xfrm>
-          <a:prstGeom prst="rect">
-            <a:avLst/>
-          </a:prstGeom>
-          <a:noFill/>
-        </p:spPr>
-        <p:txBody>
-          <a:bodyPr wrap="square" rtlCol="0">
-            <a:spAutoFit/>
-          </a:bodyPr>
-          <a:lstStyle/>
-          <a:p>
-            <a:r>
-              <a:rPr lang="en-US" sz="6000" dirty="0">
-                <a:latin typeface="Aliens &amp; cows" panose="00000500000000000000" pitchFamily="2" charset="0"/>
-              </a:rPr>
-              <a:t>Learning objectives</a:t>
-            </a:r>
-          </a:p>
-        </p:txBody>
-      </p:sp>
-      <p:sp>
-        <p:nvSpPr>
-          <p:cNvPr id="3" name="TextBox 2"/>
-          <p:cNvSpPr txBox="1"/>
-          <p:nvPr/>
-        </p:nvSpPr>
-        <p:spPr>
-          <a:xfrm>
-            <a:off x="462987" y="1365813"/>
-            <a:ext cx="9595413" cy="2246769"/>
-          </a:xfrm>
-          <a:prstGeom prst="rect">
-            <a:avLst/>
-          </a:prstGeom>
-          <a:noFill/>
-        </p:spPr>
-        <p:txBody>
-          <a:bodyPr wrap="square" rtlCol="0">
-            <a:spAutoFit/>
-          </a:bodyPr>
-          <a:lstStyle/>
-          <a:p>
-            <a:pPr marL="285750" indent="-285750">
-              <a:buFont typeface="Arial" panose="020B0604020202020204" pitchFamily="34" charset="0"/>
-              <a:buChar char="•"/>
-            </a:pPr>
-            <a:r>
-              <a:rPr lang="en-US" sz="2800" dirty="0">
-                <a:solidFill>
-                  <a:srgbClr val="707070"/>
-                </a:solidFill>
-                <a:latin typeface="Pragmatica" panose="020B0403040502020204" pitchFamily="34" charset="0"/>
-              </a:rPr>
-              <a:t>Situate Excel, R and Python in the data analytics stack</a:t>
-            </a:r>
-          </a:p>
-          <a:p>
-            <a:pPr marL="285750" indent="-285750">
-              <a:buFont typeface="Arial" panose="020B0604020202020204" pitchFamily="34" charset="0"/>
-              <a:buChar char="•"/>
-            </a:pPr>
-            <a:r>
-              <a:rPr lang="en-US" sz="2800" dirty="0">
-                <a:solidFill>
-                  <a:srgbClr val="707070"/>
-                </a:solidFill>
-                <a:latin typeface="Pragmatica" panose="020B0403040502020204" pitchFamily="34" charset="0"/>
-              </a:rPr>
-              <a:t>Prepare a Windows computer to work in all three</a:t>
-            </a:r>
-          </a:p>
-          <a:p>
-            <a:pPr marL="285750" indent="-285750">
-              <a:buFont typeface="Arial" panose="020B0604020202020204" pitchFamily="34" charset="0"/>
-              <a:buChar char="•"/>
-            </a:pPr>
-            <a:r>
-              <a:rPr lang="en-US" sz="2800" dirty="0">
-                <a:solidFill>
-                  <a:srgbClr val="707070"/>
-                </a:solidFill>
-                <a:latin typeface="Pragmatica" panose="020B0403040502020204" pitchFamily="34" charset="0"/>
-              </a:rPr>
-              <a:t>Run summary statistics on a dataset in all three</a:t>
-            </a:r>
-          </a:p>
-          <a:p>
-            <a:pPr marL="285750" indent="-285750">
-              <a:buFont typeface="Arial" panose="020B0604020202020204" pitchFamily="34" charset="0"/>
-              <a:buChar char="•"/>
-            </a:pPr>
-            <a:endParaRPr lang="en-US" sz="2800" dirty="0">
-              <a:solidFill>
-                <a:srgbClr val="707070"/>
-              </a:solidFill>
-              <a:latin typeface="Pragmatica" panose="020B0403040502020204" pitchFamily="34" charset="0"/>
-            </a:endParaRPr>
-          </a:p>
-          <a:p>
-            <a:endParaRPr lang="en-US" sz="2800" dirty="0">
-              <a:solidFill>
-                <a:srgbClr val="707070"/>
-              </a:solidFill>
-              <a:latin typeface="Pragmatica" panose="020B0403040502020204" pitchFamily="34" charset="0"/>
-            </a:endParaRPr>
-          </a:p>
-        </p:txBody>
-      </p:sp>
-    </p:spTree>
-    <p:extLst>
-      <p:ext uri="{BB962C8B-B14F-4D97-AF65-F5344CB8AC3E}">
-        <p14:creationId xmlns:p14="http://schemas.microsoft.com/office/powerpoint/2010/main" val="3245169404"/>
-      </p:ext>
-    </p:extLst>
-  </p:cSld>
-  <p:clrMapOvr>
-    <a:masterClrMapping/>
-  </p:clrMapOvr>
-</p:sld>
-</file>
-
-<file path=ppt/slides/slide4.xml><?xml version="1.0" encoding="utf-8"?>
-<p:sld xmlns:a="http://schemas.openxmlformats.org/drawingml/2006/main" xmlns:r="http://schemas.openxmlformats.org/officeDocument/2006/relationships" xmlns:p="http://schemas.openxmlformats.org/presentationml/2006/main">
-  <p:cSld>
-    <p:spTree>
-      <p:nvGrpSpPr>
-        <p:cNvPr id="1" name=""/>
-        <p:cNvGrpSpPr/>
-        <p:nvPr/>
-      </p:nvGrpSpPr>
-      <p:grpSpPr>
-        <a:xfrm>
-          <a:off x="0" y="0"/>
-          <a:ext cx="0" cy="0"/>
-          <a:chOff x="0" y="0"/>
-          <a:chExt cx="0" cy="0"/>
-        </a:xfrm>
-      </p:grpSpPr>
-      <p:pic>
-        <p:nvPicPr>
-          <p:cNvPr id="10" name="Picture 9"/>
-          <p:cNvPicPr>
-            <a:picLocks noChangeAspect="1"/>
-          </p:cNvPicPr>
-          <p:nvPr/>
-        </p:nvPicPr>
-        <p:blipFill rotWithShape="1">
-          <a:blip r:embed="rId3">
-            <a:extLst>
-              <a:ext uri="{28A0092B-C50C-407E-A947-70E740481C1C}">
-                <a14:useLocalDpi xmlns:a14="http://schemas.microsoft.com/office/drawing/2010/main" val="0"/>
-              </a:ext>
-            </a:extLst>
-          </a:blip>
-          <a:srcRect l="50728" t="56371"/>
-          <a:stretch/>
-        </p:blipFill>
-        <p:spPr>
-          <a:xfrm>
-            <a:off x="10894024" y="5370653"/>
-            <a:ext cx="1297975" cy="1487348"/>
-          </a:xfrm>
-          <a:prstGeom prst="rect">
-            <a:avLst/>
-          </a:prstGeom>
-        </p:spPr>
-      </p:pic>
-      <p:sp>
-        <p:nvSpPr>
-          <p:cNvPr id="11" name="TextBox 10"/>
-          <p:cNvSpPr txBox="1"/>
-          <p:nvPr/>
-        </p:nvSpPr>
-        <p:spPr>
-          <a:xfrm>
-            <a:off x="347240" y="113388"/>
-            <a:ext cx="9799937" cy="1015663"/>
-          </a:xfrm>
-          <a:prstGeom prst="rect">
-            <a:avLst/>
-          </a:prstGeom>
-          <a:noFill/>
-        </p:spPr>
-        <p:txBody>
-          <a:bodyPr wrap="square" rtlCol="0">
-            <a:spAutoFit/>
-          </a:bodyPr>
-          <a:lstStyle/>
-          <a:p>
-            <a:r>
-              <a:rPr lang="en-US" sz="6000" dirty="0">
-                <a:latin typeface="Aliens &amp; cows" panose="00000500000000000000" pitchFamily="2" charset="0"/>
-              </a:rPr>
-              <a:t>Spare no tools… </a:t>
-            </a:r>
-          </a:p>
-        </p:txBody>
-      </p:sp>
-      <p:pic>
-        <p:nvPicPr>
-          <p:cNvPr id="4" name="Picture 3" descr="Diagram, text&#10;&#10;Description automatically generated">
-            <a:extLst>
-              <a:ext uri="{FF2B5EF4-FFF2-40B4-BE49-F238E27FC236}">
-                <a16:creationId xmlns:a16="http://schemas.microsoft.com/office/drawing/2014/main" id="{69888AE4-E6A5-42EE-8C41-9647CFF76E35}"/>
-              </a:ext>
-            </a:extLst>
-          </p:cNvPr>
-          <p:cNvPicPr>
-            <a:picLocks noChangeAspect="1"/>
-          </p:cNvPicPr>
-          <p:nvPr/>
-        </p:nvPicPr>
-        <p:blipFill>
-          <a:blip r:embed="rId4">
-            <a:extLst>
-              <a:ext uri="{28A0092B-C50C-407E-A947-70E740481C1C}">
-                <a14:useLocalDpi xmlns:a14="http://schemas.microsoft.com/office/drawing/2010/main" val="0"/>
-              </a:ext>
-            </a:extLst>
-          </a:blip>
-          <a:stretch>
-            <a:fillRect/>
-          </a:stretch>
-        </p:blipFill>
-        <p:spPr>
-          <a:xfrm>
-            <a:off x="1929935" y="1777154"/>
-            <a:ext cx="8555449" cy="4024138"/>
-          </a:xfrm>
-          <a:prstGeom prst="rect">
-            <a:avLst/>
-          </a:prstGeom>
-        </p:spPr>
-      </p:pic>
-      <p:sp>
-        <p:nvSpPr>
-          <p:cNvPr id="7" name="TextBox 6">
-            <a:extLst>
-              <a:ext uri="{FF2B5EF4-FFF2-40B4-BE49-F238E27FC236}">
-                <a16:creationId xmlns:a16="http://schemas.microsoft.com/office/drawing/2014/main" id="{CFAB272F-EC83-45BA-935F-DFBF5407D2B6}"/>
-              </a:ext>
-            </a:extLst>
-          </p:cNvPr>
-          <p:cNvSpPr txBox="1"/>
-          <p:nvPr/>
-        </p:nvSpPr>
-        <p:spPr>
-          <a:xfrm>
-            <a:off x="261704" y="6114327"/>
-            <a:ext cx="9493446" cy="369332"/>
-          </a:xfrm>
-          <a:prstGeom prst="rect">
-            <a:avLst/>
-          </a:prstGeom>
-          <a:noFill/>
-        </p:spPr>
-        <p:txBody>
-          <a:bodyPr wrap="square" rtlCol="0">
-            <a:spAutoFit/>
-          </a:bodyPr>
-          <a:lstStyle/>
-          <a:p>
-            <a:r>
-              <a:rPr lang="en-US" dirty="0">
-                <a:solidFill>
-                  <a:schemeClr val="bg1">
-                    <a:lumMod val="50000"/>
-                  </a:schemeClr>
-                </a:solidFill>
-                <a:latin typeface="Pragmatica" pitchFamily="2" charset="0"/>
-              </a:rPr>
-              <a:t>Mount, George. </a:t>
-            </a:r>
-            <a:r>
-              <a:rPr lang="en-US" i="1" dirty="0">
-                <a:solidFill>
-                  <a:schemeClr val="bg1">
-                    <a:lumMod val="50000"/>
-                  </a:schemeClr>
-                </a:solidFill>
-                <a:latin typeface="Pragmatica" pitchFamily="2" charset="0"/>
-              </a:rPr>
-              <a:t>Advancing into Analytics: From Excel to Python and R</a:t>
-            </a:r>
-            <a:r>
-              <a:rPr lang="en-US" dirty="0">
-                <a:solidFill>
-                  <a:schemeClr val="bg1">
-                    <a:lumMod val="50000"/>
-                  </a:schemeClr>
-                </a:solidFill>
-                <a:latin typeface="Pragmatica" pitchFamily="2" charset="0"/>
-              </a:rPr>
-              <a:t>. O’Reilly Media, 2021</a:t>
-            </a:r>
-            <a:endParaRPr lang="en-US" i="1" dirty="0">
-              <a:solidFill>
-                <a:schemeClr val="bg1">
-                  <a:lumMod val="50000"/>
-                </a:schemeClr>
-              </a:solidFill>
-              <a:latin typeface="Pragmatica" pitchFamily="2" charset="0"/>
-            </a:endParaRPr>
-          </a:p>
-        </p:txBody>
-      </p:sp>
-    </p:spTree>
-    <p:extLst>
-      <p:ext uri="{BB962C8B-B14F-4D97-AF65-F5344CB8AC3E}">
-        <p14:creationId xmlns:p14="http://schemas.microsoft.com/office/powerpoint/2010/main" val="3729633991"/>
-      </p:ext>
-    </p:extLst>
-  </p:cSld>
-  <p:clrMapOvr>
-    <a:masterClrMapping/>
-  </p:clrMapOvr>
-</p:sld>
-</file>
-
-<file path=ppt/slides/slide5.xml><?xml version="1.0" encoding="utf-8"?>
-<p:sld xmlns:a="http://schemas.openxmlformats.org/drawingml/2006/main" xmlns:r="http://schemas.openxmlformats.org/officeDocument/2006/relationships" xmlns:p="http://schemas.openxmlformats.org/presentationml/2006/main">
-  <p:cSld>
-    <p:spTree>
-      <p:nvGrpSpPr>
-        <p:cNvPr id="1" name=""/>
-        <p:cNvGrpSpPr/>
-        <p:nvPr/>
-      </p:nvGrpSpPr>
-      <p:grpSpPr>
-        <a:xfrm>
-          <a:off x="0" y="0"/>
-          <a:ext cx="0" cy="0"/>
-          <a:chOff x="0" y="0"/>
-          <a:chExt cx="0" cy="0"/>
-        </a:xfrm>
-      </p:grpSpPr>
-      <p:sp>
-        <p:nvSpPr>
-          <p:cNvPr id="4" name="Rectangle 3"/>
-          <p:cNvSpPr/>
-          <p:nvPr/>
-        </p:nvSpPr>
-        <p:spPr>
-          <a:xfrm>
-            <a:off x="6574420" y="0"/>
-            <a:ext cx="5617580" cy="6858000"/>
-          </a:xfrm>
-          <a:prstGeom prst="rect">
-            <a:avLst/>
-          </a:prstGeom>
-          <a:solidFill>
-            <a:srgbClr val="CF3338"/>
-          </a:solidFill>
-        </p:spPr>
-        <p:style>
-          <a:lnRef idx="2">
-            <a:schemeClr val="accent1">
-              <a:shade val="50000"/>
-            </a:schemeClr>
-          </a:lnRef>
-          <a:fillRef idx="1">
-            <a:schemeClr val="accent1"/>
-          </a:fillRef>
-          <a:effectRef idx="0">
-            <a:schemeClr val="accent1"/>
-          </a:effectRef>
-          <a:fontRef idx="minor">
-            <a:schemeClr val="lt1"/>
-          </a:fontRef>
-        </p:style>
-        <p:txBody>
-          <a:bodyPr rtlCol="0" anchor="ctr"/>
-          <a:lstStyle/>
-          <a:p>
-            <a:pPr algn="ctr"/>
-            <a:endParaRPr lang="en-US"/>
-          </a:p>
-        </p:txBody>
-      </p:sp>
-      <p:sp>
-        <p:nvSpPr>
-          <p:cNvPr id="5" name="TextBox 4"/>
-          <p:cNvSpPr txBox="1"/>
-          <p:nvPr/>
-        </p:nvSpPr>
-        <p:spPr>
-          <a:xfrm>
-            <a:off x="6817489" y="0"/>
-            <a:ext cx="4120587" cy="1446550"/>
-          </a:xfrm>
-          <a:prstGeom prst="rect">
-            <a:avLst/>
-          </a:prstGeom>
-          <a:noFill/>
-        </p:spPr>
-        <p:txBody>
-          <a:bodyPr wrap="square" rtlCol="0">
-            <a:spAutoFit/>
-          </a:bodyPr>
-          <a:lstStyle/>
-          <a:p>
-            <a:r>
-              <a:rPr lang="en-US" sz="8800" dirty="0">
-                <a:solidFill>
-                  <a:schemeClr val="bg1"/>
-                </a:solidFill>
-                <a:latin typeface="Aliens &amp; cows" panose="00000500000000000000" pitchFamily="2" charset="0"/>
-              </a:rPr>
-              <a:t>Demos</a:t>
-            </a:r>
-          </a:p>
-        </p:txBody>
-      </p:sp>
-      <p:pic>
-        <p:nvPicPr>
-          <p:cNvPr id="2" name="Picture 1"/>
-          <p:cNvPicPr>
-            <a:picLocks noChangeAspect="1"/>
-          </p:cNvPicPr>
-          <p:nvPr/>
-        </p:nvPicPr>
-        <p:blipFill rotWithShape="1">
-          <a:blip r:embed="rId3">
-            <a:extLst>
-              <a:ext uri="{28A0092B-C50C-407E-A947-70E740481C1C}">
-                <a14:useLocalDpi xmlns:a14="http://schemas.microsoft.com/office/drawing/2010/main" val="0"/>
-              </a:ext>
-            </a:extLst>
-          </a:blip>
-          <a:srcRect l="69227" t="33418" r="20112" b="50548"/>
-          <a:stretch/>
-        </p:blipFill>
-        <p:spPr>
-          <a:xfrm>
-            <a:off x="10386349" y="5029795"/>
-            <a:ext cx="1805651" cy="1991719"/>
-          </a:xfrm>
-          <a:prstGeom prst="rect">
-            <a:avLst/>
-          </a:prstGeom>
-        </p:spPr>
-      </p:pic>
-      <p:sp>
-        <p:nvSpPr>
-          <p:cNvPr id="3" name="TextBox 2"/>
-          <p:cNvSpPr txBox="1"/>
-          <p:nvPr/>
-        </p:nvSpPr>
-        <p:spPr>
-          <a:xfrm>
-            <a:off x="173620" y="219919"/>
-            <a:ext cx="5937813" cy="2246769"/>
-          </a:xfrm>
-          <a:prstGeom prst="rect">
-            <a:avLst/>
-          </a:prstGeom>
-          <a:noFill/>
-        </p:spPr>
-        <p:txBody>
-          <a:bodyPr wrap="square" rtlCol="0">
-            <a:spAutoFit/>
-          </a:bodyPr>
-          <a:lstStyle/>
-          <a:p>
-            <a:endParaRPr lang="en-US" sz="2800" b="1" dirty="0">
-              <a:solidFill>
-                <a:srgbClr val="CF3338"/>
-              </a:solidFill>
-              <a:latin typeface="Pragmatica" pitchFamily="2" charset="0"/>
-            </a:endParaRPr>
-          </a:p>
-          <a:p>
-            <a:pPr marL="514350" indent="-514350">
-              <a:buFont typeface="Arial" panose="020B0604020202020204" pitchFamily="34" charset="0"/>
-              <a:buChar char="•"/>
-            </a:pPr>
-            <a:r>
-              <a:rPr lang="en-US" sz="2800" b="1" dirty="0">
-                <a:solidFill>
-                  <a:srgbClr val="CF3338"/>
-                </a:solidFill>
-                <a:latin typeface="Pragmatica" pitchFamily="2" charset="0"/>
-              </a:rPr>
-              <a:t>Downloads and summary statistics in Excel, R, Python</a:t>
-            </a:r>
-          </a:p>
-          <a:p>
-            <a:pPr marL="514350" indent="-514350">
-              <a:buFont typeface="Arial" panose="020B0604020202020204" pitchFamily="34" charset="0"/>
-              <a:buChar char="•"/>
-            </a:pPr>
-            <a:r>
-              <a:rPr lang="en-US" sz="2800" b="1" dirty="0">
-                <a:solidFill>
-                  <a:srgbClr val="CF3338"/>
-                </a:solidFill>
-                <a:latin typeface="Pragmatica" pitchFamily="2" charset="0"/>
-              </a:rPr>
-              <a:t>Follow along with demo notes</a:t>
-            </a:r>
-          </a:p>
-          <a:p>
-            <a:pPr marL="514350" indent="-514350">
-              <a:buFont typeface="Arial" panose="020B0604020202020204" pitchFamily="34" charset="0"/>
-              <a:buChar char="•"/>
-            </a:pPr>
-            <a:r>
-              <a:rPr lang="en-US" sz="2800" b="1" dirty="0">
-                <a:solidFill>
-                  <a:srgbClr val="CF3338"/>
-                </a:solidFill>
-                <a:latin typeface="Pragmatica" pitchFamily="2" charset="0"/>
-              </a:rPr>
-              <a:t>Let’s get situated… </a:t>
-            </a:r>
-          </a:p>
-        </p:txBody>
-      </p:sp>
-    </p:spTree>
-    <p:extLst>
-      <p:ext uri="{BB962C8B-B14F-4D97-AF65-F5344CB8AC3E}">
-        <p14:creationId xmlns:p14="http://schemas.microsoft.com/office/powerpoint/2010/main" val="3088895096"/>
-      </p:ext>
-    </p:extLst>
-  </p:cSld>
-  <p:clrMapOvr>
-    <a:masterClrMapping/>
-  </p:clrMapOvr>
-</p:sld>
-</file>
-
-<file path=ppt/slides/slide6.xml><?xml version="1.0" encoding="utf-8"?>
-<p:sld xmlns:a="http://schemas.openxmlformats.org/drawingml/2006/main" xmlns:r="http://schemas.openxmlformats.org/officeDocument/2006/relationships" xmlns:p="http://schemas.openxmlformats.org/presentationml/2006/main">
-  <p:cSld>
-    <p:spTree>
-      <p:nvGrpSpPr>
-        <p:cNvPr id="1" name=""/>
-        <p:cNvGrpSpPr/>
-        <p:nvPr/>
-      </p:nvGrpSpPr>
-      <p:grpSpPr>
-        <a:xfrm>
-          <a:off x="0" y="0"/>
-          <a:ext cx="0" cy="0"/>
-          <a:chOff x="0" y="0"/>
-          <a:chExt cx="0" cy="0"/>
-        </a:xfrm>
-      </p:grpSpPr>
-      <p:pic>
-        <p:nvPicPr>
-          <p:cNvPr id="10" name="Picture 9"/>
-          <p:cNvPicPr>
-            <a:picLocks noChangeAspect="1"/>
-          </p:cNvPicPr>
-          <p:nvPr/>
-        </p:nvPicPr>
-        <p:blipFill rotWithShape="1">
-          <a:blip r:embed="rId2">
-            <a:extLst>
-              <a:ext uri="{28A0092B-C50C-407E-A947-70E740481C1C}">
-                <a14:useLocalDpi xmlns:a14="http://schemas.microsoft.com/office/drawing/2010/main" val="0"/>
-              </a:ext>
-            </a:extLst>
-          </a:blip>
-          <a:srcRect l="50728" t="56371"/>
-          <a:stretch/>
-        </p:blipFill>
-        <p:spPr>
-          <a:xfrm>
-            <a:off x="10894024" y="5370653"/>
-            <a:ext cx="1297975" cy="1487348"/>
-          </a:xfrm>
-          <a:prstGeom prst="rect">
-            <a:avLst/>
-          </a:prstGeom>
-        </p:spPr>
-      </p:pic>
-      <p:sp>
-        <p:nvSpPr>
-          <p:cNvPr id="11" name="TextBox 10"/>
-          <p:cNvSpPr txBox="1"/>
-          <p:nvPr/>
-        </p:nvSpPr>
-        <p:spPr>
-          <a:xfrm>
-            <a:off x="347240" y="113388"/>
-            <a:ext cx="9799937" cy="1015663"/>
-          </a:xfrm>
-          <a:prstGeom prst="rect">
-            <a:avLst/>
-          </a:prstGeom>
-          <a:noFill/>
-        </p:spPr>
-        <p:txBody>
-          <a:bodyPr wrap="square" rtlCol="0">
-            <a:spAutoFit/>
-          </a:bodyPr>
-          <a:lstStyle/>
-          <a:p>
-            <a:r>
-              <a:rPr lang="en-US" sz="6000" dirty="0">
-                <a:latin typeface="Aliens &amp; cows" panose="00000500000000000000" pitchFamily="2" charset="0"/>
-              </a:rPr>
-              <a:t>Download and extract files</a:t>
-            </a:r>
-          </a:p>
-        </p:txBody>
-      </p:sp>
-      <p:pic>
-        <p:nvPicPr>
-          <p:cNvPr id="4" name="Picture 3">
-            <a:extLst>
-              <a:ext uri="{FF2B5EF4-FFF2-40B4-BE49-F238E27FC236}">
-                <a16:creationId xmlns:a16="http://schemas.microsoft.com/office/drawing/2014/main" id="{9AF88DC6-1E22-4A9C-A662-B3CA7A96FC77}"/>
-              </a:ext>
-            </a:extLst>
-          </p:cNvPr>
-          <p:cNvPicPr>
-            <a:picLocks noChangeAspect="1"/>
-          </p:cNvPicPr>
-          <p:nvPr/>
-        </p:nvPicPr>
-        <p:blipFill>
-          <a:blip r:embed="rId3"/>
-          <a:stretch>
-            <a:fillRect/>
-          </a:stretch>
-        </p:blipFill>
-        <p:spPr>
-          <a:xfrm>
-            <a:off x="309638" y="1459351"/>
-            <a:ext cx="10058400" cy="4862457"/>
-          </a:xfrm>
-          <a:prstGeom prst="rect">
-            <a:avLst/>
-          </a:prstGeom>
-        </p:spPr>
-      </p:pic>
-    </p:spTree>
-    <p:extLst>
-      <p:ext uri="{BB962C8B-B14F-4D97-AF65-F5344CB8AC3E}">
-        <p14:creationId xmlns:p14="http://schemas.microsoft.com/office/powerpoint/2010/main" val="4235252965"/>
-      </p:ext>
-    </p:extLst>
-  </p:cSld>
-  <p:clrMapOvr>
-    <a:masterClrMapping/>
-  </p:clrMapOvr>
-</p:sld>
-</file>
-
-<file path=ppt/slides/slide7.xml><?xml version="1.0" encoding="utf-8"?>
-<p:sld xmlns:a="http://schemas.openxmlformats.org/drawingml/2006/main" xmlns:r="http://schemas.openxmlformats.org/officeDocument/2006/relationships" xmlns:p="http://schemas.openxmlformats.org/presentationml/2006/main">
-  <p:cSld>
-    <p:spTree>
-      <p:nvGrpSpPr>
-        <p:cNvPr id="1" name=""/>
-        <p:cNvGrpSpPr/>
-        <p:nvPr/>
-      </p:nvGrpSpPr>
-      <p:grpSpPr>
-        <a:xfrm>
-          <a:off x="0" y="0"/>
-          <a:ext cx="0" cy="0"/>
-          <a:chOff x="0" y="0"/>
-          <a:chExt cx="0" cy="0"/>
-        </a:xfrm>
-      </p:grpSpPr>
-      <p:pic>
-        <p:nvPicPr>
-          <p:cNvPr id="10" name="Picture 9"/>
-          <p:cNvPicPr>
-            <a:picLocks noChangeAspect="1"/>
-          </p:cNvPicPr>
-          <p:nvPr/>
-        </p:nvPicPr>
-        <p:blipFill rotWithShape="1">
-          <a:blip r:embed="rId2">
-            <a:extLst>
-              <a:ext uri="{28A0092B-C50C-407E-A947-70E740481C1C}">
-                <a14:useLocalDpi xmlns:a14="http://schemas.microsoft.com/office/drawing/2010/main" val="0"/>
-              </a:ext>
-            </a:extLst>
-          </a:blip>
-          <a:srcRect l="50728" t="56371"/>
-          <a:stretch/>
-        </p:blipFill>
-        <p:spPr>
-          <a:xfrm>
-            <a:off x="8136460" y="2210765"/>
-            <a:ext cx="4055539" cy="4647236"/>
-          </a:xfrm>
-          <a:prstGeom prst="rect">
-            <a:avLst/>
-          </a:prstGeom>
-        </p:spPr>
-      </p:pic>
-      <p:pic>
-        <p:nvPicPr>
-          <p:cNvPr id="4" name="Picture 3"/>
-          <p:cNvPicPr>
-            <a:picLocks noChangeAspect="1"/>
-          </p:cNvPicPr>
-          <p:nvPr/>
-        </p:nvPicPr>
-        <p:blipFill>
-          <a:blip r:embed="rId3">
-            <a:extLst>
-              <a:ext uri="{28A0092B-C50C-407E-A947-70E740481C1C}">
-                <a14:useLocalDpi xmlns:a14="http://schemas.microsoft.com/office/drawing/2010/main" val="0"/>
-              </a:ext>
-            </a:extLst>
-          </a:blip>
-          <a:stretch>
-            <a:fillRect/>
-          </a:stretch>
-        </p:blipFill>
-        <p:spPr>
-          <a:xfrm>
-            <a:off x="-538496" y="-2482770"/>
-            <a:ext cx="10171472" cy="7459883"/>
-          </a:xfrm>
-          <a:prstGeom prst="rect">
-            <a:avLst/>
-          </a:prstGeom>
-        </p:spPr>
-      </p:pic>
-      <p:sp>
-        <p:nvSpPr>
-          <p:cNvPr id="11" name="TextBox 10"/>
-          <p:cNvSpPr txBox="1"/>
-          <p:nvPr/>
-        </p:nvSpPr>
-        <p:spPr>
-          <a:xfrm>
-            <a:off x="324091" y="1687545"/>
-            <a:ext cx="7986531" cy="954107"/>
+            <a:ext cx="7986531" cy="1815882"/>
           </a:xfrm>
           <a:prstGeom prst="rect">
             <a:avLst/>
@@ -7056,137 +7036,41 @@
             </a:r>
           </a:p>
           <a:p>
-            <a:r>
-              <a:rPr lang="en-US" sz="2800" b="1" dirty="0">
+            <a:endParaRPr lang="en-US" sz="2800" b="1" dirty="0">
+              <a:solidFill>
+                <a:srgbClr val="707070"/>
+              </a:solidFill>
+              <a:latin typeface="Pragmatica" panose="020B0403040502020204" pitchFamily="34" charset="0"/>
+            </a:endParaRPr>
+          </a:p>
+          <a:p>
+            <a:r>
+              <a:rPr lang="en-US" sz="2800" b="1" i="1" dirty="0">
                 <a:solidFill>
                   <a:srgbClr val="707070"/>
                 </a:solidFill>
                 <a:latin typeface="Pragmatica" panose="020B0403040502020204" pitchFamily="34" charset="0"/>
               </a:rPr>
-              <a:t>On to the demos… </a:t>
-            </a:r>
-          </a:p>
-        </p:txBody>
-      </p:sp>
-    </p:spTree>
-    <p:extLst>
-      <p:ext uri="{BB962C8B-B14F-4D97-AF65-F5344CB8AC3E}">
-        <p14:creationId xmlns:p14="http://schemas.microsoft.com/office/powerpoint/2010/main" val="1797336233"/>
-      </p:ext>
-    </p:extLst>
-  </p:cSld>
-  <p:clrMapOvr>
-    <a:masterClrMapping/>
-  </p:clrMapOvr>
-</p:sld>
-</file>
-
-<file path=ppt/slides/slide8.xml><?xml version="1.0" encoding="utf-8"?>
-<p:sld xmlns:a="http://schemas.openxmlformats.org/drawingml/2006/main" xmlns:r="http://schemas.openxmlformats.org/officeDocument/2006/relationships" xmlns:p="http://schemas.openxmlformats.org/presentationml/2006/main">
-  <p:cSld>
-    <p:spTree>
-      <p:nvGrpSpPr>
-        <p:cNvPr id="1" name=""/>
-        <p:cNvGrpSpPr/>
-        <p:nvPr/>
-      </p:nvGrpSpPr>
-      <p:grpSpPr>
-        <a:xfrm>
-          <a:off x="0" y="0"/>
-          <a:ext cx="0" cy="0"/>
-          <a:chOff x="0" y="0"/>
-          <a:chExt cx="0" cy="0"/>
-        </a:xfrm>
-      </p:grpSpPr>
-      <p:pic>
-        <p:nvPicPr>
-          <p:cNvPr id="10" name="Picture 9"/>
-          <p:cNvPicPr>
-            <a:picLocks noChangeAspect="1"/>
-          </p:cNvPicPr>
-          <p:nvPr/>
-        </p:nvPicPr>
-        <p:blipFill rotWithShape="1">
-          <a:blip r:embed="rId2">
-            <a:extLst>
-              <a:ext uri="{28A0092B-C50C-407E-A947-70E740481C1C}">
-                <a14:useLocalDpi xmlns:a14="http://schemas.microsoft.com/office/drawing/2010/main" val="0"/>
-              </a:ext>
-            </a:extLst>
-          </a:blip>
-          <a:srcRect l="50728" t="56371"/>
-          <a:stretch/>
-        </p:blipFill>
-        <p:spPr>
-          <a:xfrm>
-            <a:off x="8136460" y="2210765"/>
-            <a:ext cx="4055539" cy="4647236"/>
-          </a:xfrm>
-          <a:prstGeom prst="rect">
-            <a:avLst/>
-          </a:prstGeom>
-        </p:spPr>
-      </p:pic>
-      <p:pic>
-        <p:nvPicPr>
-          <p:cNvPr id="4" name="Picture 3"/>
-          <p:cNvPicPr>
-            <a:picLocks noChangeAspect="1"/>
-          </p:cNvPicPr>
-          <p:nvPr/>
-        </p:nvPicPr>
-        <p:blipFill>
-          <a:blip r:embed="rId3">
-            <a:extLst>
-              <a:ext uri="{28A0092B-C50C-407E-A947-70E740481C1C}">
-                <a14:useLocalDpi xmlns:a14="http://schemas.microsoft.com/office/drawing/2010/main" val="0"/>
-              </a:ext>
-            </a:extLst>
-          </a:blip>
-          <a:stretch>
-            <a:fillRect/>
-          </a:stretch>
-        </p:blipFill>
-        <p:spPr>
-          <a:xfrm>
-            <a:off x="-538496" y="-2482770"/>
-            <a:ext cx="10171472" cy="7459883"/>
-          </a:xfrm>
-          <a:prstGeom prst="rect">
-            <a:avLst/>
-          </a:prstGeom>
-        </p:spPr>
-      </p:pic>
-      <p:sp>
-        <p:nvSpPr>
-          <p:cNvPr id="11" name="TextBox 10"/>
-          <p:cNvSpPr txBox="1"/>
-          <p:nvPr/>
-        </p:nvSpPr>
-        <p:spPr>
-          <a:xfrm>
-            <a:off x="324091" y="1687545"/>
-            <a:ext cx="7986531" cy="523220"/>
-          </a:xfrm>
-          <a:prstGeom prst="rect">
-            <a:avLst/>
-          </a:prstGeom>
-          <a:noFill/>
-        </p:spPr>
-        <p:txBody>
-          <a:bodyPr wrap="square" rtlCol="0">
-            <a:spAutoFit/>
-          </a:bodyPr>
-          <a:lstStyle/>
-          <a:p>
-            <a:r>
-              <a:rPr lang="en-US" sz="2800" b="1" dirty="0">
+              <a:t>Event survey: </a:t>
+            </a:r>
+            <a:r>
+              <a:rPr lang="en-US" sz="2800" b="1" i="1" dirty="0">
+                <a:solidFill>
+                  <a:srgbClr val="707070"/>
+                </a:solidFill>
+                <a:latin typeface="Pragmatica" panose="020B0403040502020204" pitchFamily="34" charset="0"/>
+                <a:hlinkClick r:id="rId4"/>
+              </a:rPr>
+              <a:t>https://forms.office.com/r/0ZnD0LxpZy</a:t>
+            </a:r>
+            <a:r>
+              <a:rPr lang="en-US" sz="2800" b="1" i="1" dirty="0">
                 <a:solidFill>
                   <a:srgbClr val="707070"/>
                 </a:solidFill>
                 <a:latin typeface="Pragmatica" panose="020B0403040502020204" pitchFamily="34" charset="0"/>
               </a:rPr>
-              <a:t>Questions?</a:t>
+              <a:t>  </a:t>
             </a:r>
           </a:p>
         </p:txBody>
@@ -7194,114 +7078,7 @@
     </p:spTree>
     <p:extLst>
       <p:ext uri="{BB962C8B-B14F-4D97-AF65-F5344CB8AC3E}">
-        <p14:creationId xmlns:p14="http://schemas.microsoft.com/office/powerpoint/2010/main" val="4081097533"/>
-      </p:ext>
-    </p:extLst>
-  </p:cSld>
-  <p:clrMapOvr>
-    <a:masterClrMapping/>
-  </p:clrMapOvr>
-</p:sld>
-</file>
-
-<file path=ppt/slides/slide9.xml><?xml version="1.0" encoding="utf-8"?>
-<p:sld xmlns:a="http://schemas.openxmlformats.org/drawingml/2006/main" xmlns:r="http://schemas.openxmlformats.org/officeDocument/2006/relationships" xmlns:p="http://schemas.openxmlformats.org/presentationml/2006/main">
-  <p:cSld>
-    <p:spTree>
-      <p:nvGrpSpPr>
-        <p:cNvPr id="1" name=""/>
-        <p:cNvGrpSpPr/>
-        <p:nvPr/>
-      </p:nvGrpSpPr>
-      <p:grpSpPr>
-        <a:xfrm>
-          <a:off x="0" y="0"/>
-          <a:ext cx="0" cy="0"/>
-          <a:chOff x="0" y="0"/>
-          <a:chExt cx="0" cy="0"/>
-        </a:xfrm>
-      </p:grpSpPr>
-      <p:sp>
-        <p:nvSpPr>
-          <p:cNvPr id="4" name="Rectangle 3"/>
-          <p:cNvSpPr/>
-          <p:nvPr/>
-        </p:nvSpPr>
-        <p:spPr>
-          <a:xfrm>
-            <a:off x="0" y="0"/>
-            <a:ext cx="12192000" cy="6858000"/>
-          </a:xfrm>
-          <a:prstGeom prst="rect">
-            <a:avLst/>
-          </a:prstGeom>
-          <a:solidFill>
-            <a:srgbClr val="CF3338"/>
-          </a:solidFill>
-        </p:spPr>
-        <p:style>
-          <a:lnRef idx="2">
-            <a:schemeClr val="accent1">
-              <a:shade val="50000"/>
-            </a:schemeClr>
-          </a:lnRef>
-          <a:fillRef idx="1">
-            <a:schemeClr val="accent1"/>
-          </a:fillRef>
-          <a:effectRef idx="0">
-            <a:schemeClr val="accent1"/>
-          </a:effectRef>
-          <a:fontRef idx="minor">
-            <a:schemeClr val="lt1"/>
-          </a:fontRef>
-        </p:style>
-        <p:txBody>
-          <a:bodyPr rtlCol="0" anchor="ctr"/>
-          <a:lstStyle/>
-          <a:p>
-            <a:pPr algn="ctr"/>
-            <a:endParaRPr lang="en-US"/>
-          </a:p>
-        </p:txBody>
-      </p:sp>
-      <p:sp>
-        <p:nvSpPr>
-          <p:cNvPr id="5" name="TextBox 4"/>
-          <p:cNvSpPr txBox="1"/>
-          <p:nvPr/>
-        </p:nvSpPr>
-        <p:spPr>
-          <a:xfrm>
-            <a:off x="520861" y="393539"/>
-            <a:ext cx="10324617" cy="1107996"/>
-          </a:xfrm>
-          <a:prstGeom prst="rect">
-            <a:avLst/>
-          </a:prstGeom>
-          <a:noFill/>
-        </p:spPr>
-        <p:txBody>
-          <a:bodyPr wrap="square" rtlCol="0">
-            <a:spAutoFit/>
-          </a:bodyPr>
-          <a:lstStyle/>
-          <a:p>
-            <a:r>
-              <a:rPr lang="en-US" sz="6600" b="1" dirty="0">
-                <a:solidFill>
-                  <a:schemeClr val="bg1"/>
-                </a:solidFill>
-                <a:latin typeface="Pragmatica" pitchFamily="2" charset="0"/>
-              </a:rPr>
-              <a:t>Conclusion/Resources</a:t>
-            </a:r>
-          </a:p>
-        </p:txBody>
-      </p:sp>
-    </p:spTree>
-    <p:extLst>
-      <p:ext uri="{BB962C8B-B14F-4D97-AF65-F5344CB8AC3E}">
-        <p14:creationId xmlns:p14="http://schemas.microsoft.com/office/powerpoint/2010/main" val="1922980201"/>
+        <p14:creationId xmlns:p14="http://schemas.microsoft.com/office/powerpoint/2010/main" val="2312071835"/>
       </p:ext>
     </p:extLst>
   </p:cSld>

--- a/aina-getting-started.pptx
+++ b/aina-getting-started.pptx
@@ -5,19 +5,20 @@
     <p:sldMasterId id="2147483648" r:id="rId1"/>
   </p:sldMasterIdLst>
   <p:notesMasterIdLst>
-    <p:notesMasterId r:id="rId12"/>
+    <p:notesMasterId r:id="rId13"/>
   </p:notesMasterIdLst>
   <p:sldIdLst>
     <p:sldId id="256" r:id="rId2"/>
-    <p:sldId id="392" r:id="rId3"/>
-    <p:sldId id="393" r:id="rId4"/>
+    <p:sldId id="393" r:id="rId3"/>
+    <p:sldId id="392" r:id="rId4"/>
     <p:sldId id="332" r:id="rId5"/>
     <p:sldId id="411" r:id="rId6"/>
     <p:sldId id="426" r:id="rId7"/>
     <p:sldId id="431" r:id="rId8"/>
     <p:sldId id="338" r:id="rId9"/>
-    <p:sldId id="336" r:id="rId10"/>
-    <p:sldId id="432" r:id="rId11"/>
+    <p:sldId id="433" r:id="rId10"/>
+    <p:sldId id="336" r:id="rId11"/>
+    <p:sldId id="432" r:id="rId12"/>
   </p:sldIdLst>
   <p:sldSz cx="12192000" cy="6858000"/>
   <p:notesSz cx="6858000" cy="9144000"/>
@@ -1836,7 +1837,7 @@
           <a:p>
             <a:fld id="{503F064B-41F2-4661-BDF0-BFD135E9A557}" type="datetimeFigureOut">
               <a:rPr lang="en-US" smtClean="0"/>
-              <a:t>8/7/2021</a:t>
+              <a:t>8/11/2021</a:t>
             </a:fld>
             <a:endParaRPr lang="en-US"/>
           </a:p>
@@ -2180,7 +2181,7 @@
           <a:p>
             <a:fld id="{3BB66621-ADCC-4EF8-8003-B9D3E881DCD2}" type="slidenum">
               <a:rPr lang="en-US" smtClean="0"/>
-              <a:t>2</a:t>
+              <a:t>3</a:t>
             </a:fld>
             <a:endParaRPr lang="en-US"/>
           </a:p>
@@ -2486,6 +2487,122 @@
     <p:extLst>
       <p:ext uri="{BB962C8B-B14F-4D97-AF65-F5344CB8AC3E}">
         <p14:creationId xmlns:p14="http://schemas.microsoft.com/office/powerpoint/2010/main" val="128776136"/>
+      </p:ext>
+    </p:extLst>
+  </p:cSld>
+  <p:clrMapOvr>
+    <a:masterClrMapping/>
+  </p:clrMapOvr>
+</p:notes>
+</file>
+
+<file path=ppt/notesSlides/notesSlide5.xml><?xml version="1.0" encoding="utf-8"?>
+<p:notes xmlns:a="http://schemas.openxmlformats.org/drawingml/2006/main" xmlns:r="http://schemas.openxmlformats.org/officeDocument/2006/relationships" xmlns:p="http://schemas.openxmlformats.org/presentationml/2006/main">
+  <p:cSld>
+    <p:spTree>
+      <p:nvGrpSpPr>
+        <p:cNvPr id="1" name=""/>
+        <p:cNvGrpSpPr/>
+        <p:nvPr/>
+      </p:nvGrpSpPr>
+      <p:grpSpPr>
+        <a:xfrm>
+          <a:off x="0" y="0"/>
+          <a:ext cx="0" cy="0"/>
+          <a:chOff x="0" y="0"/>
+          <a:chExt cx="0" cy="0"/>
+        </a:xfrm>
+      </p:grpSpPr>
+      <p:sp>
+        <p:nvSpPr>
+          <p:cNvPr id="2" name="Slide Image Placeholder 1"/>
+          <p:cNvSpPr>
+            <a:spLocks noGrp="1" noRot="1" noChangeAspect="1"/>
+          </p:cNvSpPr>
+          <p:nvPr>
+            <p:ph type="sldImg"/>
+          </p:nvPr>
+        </p:nvSpPr>
+        <p:spPr/>
+      </p:sp>
+      <p:sp>
+        <p:nvSpPr>
+          <p:cNvPr id="3" name="Notes Placeholder 2"/>
+          <p:cNvSpPr>
+            <a:spLocks noGrp="1"/>
+          </p:cNvSpPr>
+          <p:nvPr>
+            <p:ph type="body" idx="1"/>
+          </p:nvPr>
+        </p:nvSpPr>
+        <p:spPr/>
+        <p:txBody>
+          <a:bodyPr/>
+          <a:lstStyle/>
+          <a:p>
+            <a:pPr>
+              <a:buClr>
+                <a:srgbClr val="CF3338"/>
+              </a:buClr>
+            </a:pPr>
+            <a:r>
+              <a:rPr lang="en-US" sz="1200" i="1" dirty="0">
+                <a:solidFill>
+                  <a:srgbClr val="707070"/>
+                </a:solidFill>
+                <a:latin typeface="Pragmatica" panose="020B0403040502020204" pitchFamily="34" charset="0"/>
+              </a:rPr>
+              <a:t>By the end of this book, you should be able to conduct exploratory data analysis and</a:t>
+            </a:r>
+          </a:p>
+          <a:p>
+            <a:pPr>
+              <a:buClr>
+                <a:srgbClr val="CF3338"/>
+              </a:buClr>
+            </a:pPr>
+            <a:r>
+              <a:rPr lang="en-US" sz="1200" i="1" dirty="0">
+                <a:solidFill>
+                  <a:srgbClr val="707070"/>
+                </a:solidFill>
+                <a:latin typeface="Pragmatica" panose="020B0403040502020204" pitchFamily="34" charset="0"/>
+              </a:rPr>
+              <a:t>hypothesis testing using a programming language.</a:t>
+            </a:r>
+          </a:p>
+          <a:p>
+            <a:endParaRPr lang="en-US" dirty="0"/>
+          </a:p>
+        </p:txBody>
+      </p:sp>
+      <p:sp>
+        <p:nvSpPr>
+          <p:cNvPr id="4" name="Slide Number Placeholder 3"/>
+          <p:cNvSpPr>
+            <a:spLocks noGrp="1"/>
+          </p:cNvSpPr>
+          <p:nvPr>
+            <p:ph type="sldNum" sz="quarter" idx="5"/>
+          </p:nvPr>
+        </p:nvSpPr>
+        <p:spPr/>
+        <p:txBody>
+          <a:bodyPr/>
+          <a:lstStyle/>
+          <a:p>
+            <a:fld id="{3BB66621-ADCC-4EF8-8003-B9D3E881DCD2}" type="slidenum">
+              <a:rPr lang="en-US" smtClean="0"/>
+              <a:t>9</a:t>
+            </a:fld>
+            <a:endParaRPr lang="en-US"/>
+          </a:p>
+        </p:txBody>
+      </p:sp>
+    </p:spTree>
+    <p:extLst>
+      <p:ext uri="{BB962C8B-B14F-4D97-AF65-F5344CB8AC3E}">
+        <p14:creationId xmlns:p14="http://schemas.microsoft.com/office/powerpoint/2010/main" val="1725553896"/>
       </p:ext>
     </p:extLst>
   </p:cSld>
@@ -2624,7 +2741,7 @@
           <a:p>
             <a:fld id="{0138B082-EFC2-46C1-B47C-51736C670379}" type="datetimeFigureOut">
               <a:rPr lang="en-US" smtClean="0"/>
-              <a:t>8/7/2021</a:t>
+              <a:t>8/11/2021</a:t>
             </a:fld>
             <a:endParaRPr lang="en-US"/>
           </a:p>
@@ -2792,7 +2909,7 @@
           <a:p>
             <a:fld id="{0138B082-EFC2-46C1-B47C-51736C670379}" type="datetimeFigureOut">
               <a:rPr lang="en-US" smtClean="0"/>
-              <a:t>8/7/2021</a:t>
+              <a:t>8/11/2021</a:t>
             </a:fld>
             <a:endParaRPr lang="en-US"/>
           </a:p>
@@ -2970,7 +3087,7 @@
           <a:p>
             <a:fld id="{0138B082-EFC2-46C1-B47C-51736C670379}" type="datetimeFigureOut">
               <a:rPr lang="en-US" smtClean="0"/>
-              <a:t>8/7/2021</a:t>
+              <a:t>8/11/2021</a:t>
             </a:fld>
             <a:endParaRPr lang="en-US"/>
           </a:p>
@@ -3138,7 +3255,7 @@
           <a:p>
             <a:fld id="{0138B082-EFC2-46C1-B47C-51736C670379}" type="datetimeFigureOut">
               <a:rPr lang="en-US" smtClean="0"/>
-              <a:t>8/7/2021</a:t>
+              <a:t>8/11/2021</a:t>
             </a:fld>
             <a:endParaRPr lang="en-US"/>
           </a:p>
@@ -3383,7 +3500,7 @@
           <a:p>
             <a:fld id="{0138B082-EFC2-46C1-B47C-51736C670379}" type="datetimeFigureOut">
               <a:rPr lang="en-US" smtClean="0"/>
-              <a:t>8/7/2021</a:t>
+              <a:t>8/11/2021</a:t>
             </a:fld>
             <a:endParaRPr lang="en-US"/>
           </a:p>
@@ -3612,7 +3729,7 @@
           <a:p>
             <a:fld id="{0138B082-EFC2-46C1-B47C-51736C670379}" type="datetimeFigureOut">
               <a:rPr lang="en-US" smtClean="0"/>
-              <a:t>8/7/2021</a:t>
+              <a:t>8/11/2021</a:t>
             </a:fld>
             <a:endParaRPr lang="en-US"/>
           </a:p>
@@ -3976,7 +4093,7 @@
           <a:p>
             <a:fld id="{0138B082-EFC2-46C1-B47C-51736C670379}" type="datetimeFigureOut">
               <a:rPr lang="en-US" smtClean="0"/>
-              <a:t>8/7/2021</a:t>
+              <a:t>8/11/2021</a:t>
             </a:fld>
             <a:endParaRPr lang="en-US"/>
           </a:p>
@@ -4093,7 +4210,7 @@
           <a:p>
             <a:fld id="{0138B082-EFC2-46C1-B47C-51736C670379}" type="datetimeFigureOut">
               <a:rPr lang="en-US" smtClean="0"/>
-              <a:t>8/7/2021</a:t>
+              <a:t>8/11/2021</a:t>
             </a:fld>
             <a:endParaRPr lang="en-US"/>
           </a:p>
@@ -4188,7 +4305,7 @@
           <a:p>
             <a:fld id="{0138B082-EFC2-46C1-B47C-51736C670379}" type="datetimeFigureOut">
               <a:rPr lang="en-US" smtClean="0"/>
-              <a:t>8/7/2021</a:t>
+              <a:t>8/11/2021</a:t>
             </a:fld>
             <a:endParaRPr lang="en-US"/>
           </a:p>
@@ -4463,7 +4580,7 @@
           <a:p>
             <a:fld id="{0138B082-EFC2-46C1-B47C-51736C670379}" type="datetimeFigureOut">
               <a:rPr lang="en-US" smtClean="0"/>
-              <a:t>8/7/2021</a:t>
+              <a:t>8/11/2021</a:t>
             </a:fld>
             <a:endParaRPr lang="en-US"/>
           </a:p>
@@ -4715,7 +4832,7 @@
           <a:p>
             <a:fld id="{0138B082-EFC2-46C1-B47C-51736C670379}" type="datetimeFigureOut">
               <a:rPr lang="en-US" smtClean="0"/>
-              <a:t>8/7/2021</a:t>
+              <a:t>8/11/2021</a:t>
             </a:fld>
             <a:endParaRPr lang="en-US"/>
           </a:p>
@@ -4926,7 +5043,7 @@
           <a:p>
             <a:fld id="{0138B082-EFC2-46C1-B47C-51736C670379}" type="datetimeFigureOut">
               <a:rPr lang="en-US" smtClean="0"/>
-              <a:t>8/7/2021</a:t>
+              <a:t>8/11/2021</a:t>
             </a:fld>
             <a:endParaRPr lang="en-US"/>
           </a:p>
@@ -5611,6 +5728,172 @@
         <p:spPr>
           <a:xfrm>
             <a:off x="324091" y="1687545"/>
+            <a:ext cx="7986531" cy="2246769"/>
+          </a:xfrm>
+          <a:prstGeom prst="rect">
+            <a:avLst/>
+          </a:prstGeom>
+          <a:noFill/>
+        </p:spPr>
+        <p:txBody>
+          <a:bodyPr wrap="square" rtlCol="0">
+            <a:spAutoFit/>
+          </a:bodyPr>
+          <a:lstStyle/>
+          <a:p>
+            <a:r>
+              <a:rPr lang="en-US" sz="2800" b="1" dirty="0">
+                <a:solidFill>
+                  <a:srgbClr val="707070"/>
+                </a:solidFill>
+                <a:latin typeface="Pragmatica" panose="020B0403040502020204" pitchFamily="34" charset="0"/>
+              </a:rPr>
+              <a:t>Questions?</a:t>
+            </a:r>
+          </a:p>
+          <a:p>
+            <a:endParaRPr lang="en-US" sz="2800" b="1" dirty="0">
+              <a:solidFill>
+                <a:srgbClr val="707070"/>
+              </a:solidFill>
+              <a:latin typeface="Pragmatica" panose="020B0403040502020204" pitchFamily="34" charset="0"/>
+            </a:endParaRPr>
+          </a:p>
+          <a:p>
+            <a:r>
+              <a:rPr lang="en-US" sz="2800" b="1" i="1" dirty="0">
+                <a:solidFill>
+                  <a:srgbClr val="707070"/>
+                </a:solidFill>
+                <a:latin typeface="Pragmatica" panose="020B0403040502020204" pitchFamily="34" charset="0"/>
+              </a:rPr>
+              <a:t>Event survey: </a:t>
+            </a:r>
+            <a:r>
+              <a:rPr lang="en-US" sz="2800" b="1" i="1" dirty="0">
+                <a:solidFill>
+                  <a:srgbClr val="707070"/>
+                </a:solidFill>
+                <a:latin typeface="Pragmatica" panose="020B0403040502020204" pitchFamily="34" charset="0"/>
+                <a:hlinkClick r:id="rId4"/>
+              </a:rPr>
+              <a:t>https://forms.office.com/r/0ZnD0LxpZy</a:t>
+            </a:r>
+            <a:endParaRPr lang="en-US" sz="2800" b="1" i="1" dirty="0">
+              <a:solidFill>
+                <a:srgbClr val="707070"/>
+              </a:solidFill>
+              <a:latin typeface="Pragmatica" panose="020B0403040502020204" pitchFamily="34" charset="0"/>
+            </a:endParaRPr>
+          </a:p>
+          <a:p>
+            <a:endParaRPr lang="en-US" sz="2800" b="1" i="1" dirty="0">
+              <a:solidFill>
+                <a:srgbClr val="707070"/>
+              </a:solidFill>
+              <a:latin typeface="Pragmatica" panose="020B0403040502020204" pitchFamily="34" charset="0"/>
+            </a:endParaRPr>
+          </a:p>
+        </p:txBody>
+      </p:sp>
+    </p:spTree>
+    <p:extLst>
+      <p:ext uri="{BB962C8B-B14F-4D97-AF65-F5344CB8AC3E}">
+        <p14:creationId xmlns:p14="http://schemas.microsoft.com/office/powerpoint/2010/main" val="2312071835"/>
+      </p:ext>
+    </p:extLst>
+  </p:cSld>
+  <p:clrMapOvr>
+    <a:masterClrMapping/>
+  </p:clrMapOvr>
+</p:sld>
+</file>
+
+<file path=ppt/slides/slide11.xml><?xml version="1.0" encoding="utf-8"?>
+<p:sld xmlns:a="http://schemas.openxmlformats.org/drawingml/2006/main" xmlns:r="http://schemas.openxmlformats.org/officeDocument/2006/relationships" xmlns:p="http://schemas.openxmlformats.org/presentationml/2006/main">
+  <p:cSld>
+    <p:spTree>
+      <p:nvGrpSpPr>
+        <p:cNvPr id="1" name=""/>
+        <p:cNvGrpSpPr/>
+        <p:nvPr/>
+      </p:nvGrpSpPr>
+      <p:grpSpPr>
+        <a:xfrm>
+          <a:off x="0" y="0"/>
+          <a:ext cx="0" cy="0"/>
+          <a:chOff x="0" y="0"/>
+          <a:chExt cx="0" cy="0"/>
+        </a:xfrm>
+      </p:grpSpPr>
+      <p:pic>
+        <p:nvPicPr>
+          <p:cNvPr id="10" name="Picture 9"/>
+          <p:cNvPicPr>
+            <a:picLocks noChangeAspect="1"/>
+          </p:cNvPicPr>
+          <p:nvPr/>
+        </p:nvPicPr>
+        <p:blipFill rotWithShape="1">
+          <a:blip r:embed="rId2">
+            <a:extLst>
+              <a:ext uri="{28A0092B-C50C-407E-A947-70E740481C1C}">
+                <a14:useLocalDpi xmlns:a14="http://schemas.microsoft.com/office/drawing/2010/main" val="0"/>
+              </a:ext>
+            </a:extLst>
+          </a:blip>
+          <a:srcRect l="50728" t="56371"/>
+          <a:stretch/>
+        </p:blipFill>
+        <p:spPr>
+          <a:xfrm>
+            <a:off x="8136460" y="2210765"/>
+            <a:ext cx="4055539" cy="4647236"/>
+          </a:xfrm>
+          <a:prstGeom prst="rect">
+            <a:avLst/>
+          </a:prstGeom>
+        </p:spPr>
+      </p:pic>
+      <p:pic>
+        <p:nvPicPr>
+          <p:cNvPr id="4" name="Picture 3"/>
+          <p:cNvPicPr>
+            <a:picLocks noChangeAspect="1"/>
+          </p:cNvPicPr>
+          <p:nvPr/>
+        </p:nvPicPr>
+        <p:blipFill>
+          <a:blip r:embed="rId3">
+            <a:extLst>
+              <a:ext uri="{28A0092B-C50C-407E-A947-70E740481C1C}">
+                <a14:useLocalDpi xmlns:a14="http://schemas.microsoft.com/office/drawing/2010/main" val="0"/>
+              </a:ext>
+            </a:extLst>
+          </a:blip>
+          <a:stretch>
+            <a:fillRect/>
+          </a:stretch>
+        </p:blipFill>
+        <p:spPr>
+          <a:xfrm>
+            <a:off x="-538496" y="-2482770"/>
+            <a:ext cx="10171472" cy="7459883"/>
+          </a:xfrm>
+          <a:prstGeom prst="rect">
+            <a:avLst/>
+          </a:prstGeom>
+        </p:spPr>
+      </p:pic>
+      <p:sp>
+        <p:nvSpPr>
+          <p:cNvPr id="11" name="TextBox 10"/>
+          <p:cNvSpPr txBox="1"/>
+          <p:nvPr/>
+        </p:nvSpPr>
+        <p:spPr>
+          <a:xfrm>
+            <a:off x="324091" y="1687545"/>
             <a:ext cx="7986531" cy="2369880"/>
           </a:xfrm>
           <a:prstGeom prst="rect">
@@ -5712,6 +5995,184 @@
 </file>
 
 <file path=ppt/slides/slide2.xml><?xml version="1.0" encoding="utf-8"?>
+<p:sld xmlns:a="http://schemas.openxmlformats.org/drawingml/2006/main" xmlns:r="http://schemas.openxmlformats.org/officeDocument/2006/relationships" xmlns:p="http://schemas.openxmlformats.org/presentationml/2006/main">
+  <p:cSld>
+    <p:spTree>
+      <p:nvGrpSpPr>
+        <p:cNvPr id="1" name=""/>
+        <p:cNvGrpSpPr/>
+        <p:nvPr/>
+      </p:nvGrpSpPr>
+      <p:grpSpPr>
+        <a:xfrm>
+          <a:off x="0" y="0"/>
+          <a:ext cx="0" cy="0"/>
+          <a:chOff x="0" y="0"/>
+          <a:chExt cx="0" cy="0"/>
+        </a:xfrm>
+      </p:grpSpPr>
+      <p:pic>
+        <p:nvPicPr>
+          <p:cNvPr id="10" name="Picture 9"/>
+          <p:cNvPicPr>
+            <a:picLocks noChangeAspect="1"/>
+          </p:cNvPicPr>
+          <p:nvPr/>
+        </p:nvPicPr>
+        <p:blipFill rotWithShape="1">
+          <a:blip r:embed="rId2">
+            <a:extLst>
+              <a:ext uri="{28A0092B-C50C-407E-A947-70E740481C1C}">
+                <a14:useLocalDpi xmlns:a14="http://schemas.microsoft.com/office/drawing/2010/main" val="0"/>
+              </a:ext>
+            </a:extLst>
+          </a:blip>
+          <a:srcRect l="50728" t="56371"/>
+          <a:stretch/>
+        </p:blipFill>
+        <p:spPr>
+          <a:xfrm>
+            <a:off x="10894024" y="5370653"/>
+            <a:ext cx="1297975" cy="1487348"/>
+          </a:xfrm>
+          <a:prstGeom prst="rect">
+            <a:avLst/>
+          </a:prstGeom>
+        </p:spPr>
+      </p:pic>
+      <p:sp>
+        <p:nvSpPr>
+          <p:cNvPr id="11" name="TextBox 10"/>
+          <p:cNvSpPr txBox="1"/>
+          <p:nvPr/>
+        </p:nvSpPr>
+        <p:spPr>
+          <a:xfrm>
+            <a:off x="347240" y="113388"/>
+            <a:ext cx="9799937" cy="1015663"/>
+          </a:xfrm>
+          <a:prstGeom prst="rect">
+            <a:avLst/>
+          </a:prstGeom>
+          <a:noFill/>
+        </p:spPr>
+        <p:txBody>
+          <a:bodyPr wrap="square" rtlCol="0">
+            <a:spAutoFit/>
+          </a:bodyPr>
+          <a:lstStyle/>
+          <a:p>
+            <a:r>
+              <a:rPr lang="en-US" sz="6000" dirty="0">
+                <a:latin typeface="Aliens &amp; cows" panose="00000500000000000000" pitchFamily="2" charset="0"/>
+              </a:rPr>
+              <a:t>Learning objectives</a:t>
+            </a:r>
+          </a:p>
+        </p:txBody>
+      </p:sp>
+      <p:sp>
+        <p:nvSpPr>
+          <p:cNvPr id="3" name="TextBox 2"/>
+          <p:cNvSpPr txBox="1"/>
+          <p:nvPr/>
+        </p:nvSpPr>
+        <p:spPr>
+          <a:xfrm>
+            <a:off x="462987" y="1365813"/>
+            <a:ext cx="9595413" cy="2246769"/>
+          </a:xfrm>
+          <a:prstGeom prst="rect">
+            <a:avLst/>
+          </a:prstGeom>
+          <a:noFill/>
+        </p:spPr>
+        <p:txBody>
+          <a:bodyPr wrap="square" rtlCol="0">
+            <a:spAutoFit/>
+          </a:bodyPr>
+          <a:lstStyle/>
+          <a:p>
+            <a:pPr marL="285750" indent="-285750">
+              <a:buFont typeface="Arial" panose="020B0604020202020204" pitchFamily="34" charset="0"/>
+              <a:buChar char="•"/>
+            </a:pPr>
+            <a:r>
+              <a:rPr lang="en-US" sz="2800" dirty="0">
+                <a:solidFill>
+                  <a:srgbClr val="707070"/>
+                </a:solidFill>
+                <a:latin typeface="Pragmatica" panose="020B0403040502020204" pitchFamily="34" charset="0"/>
+              </a:rPr>
+              <a:t>Situate Excel, R and Python in the data analytics stack</a:t>
+            </a:r>
+          </a:p>
+          <a:p>
+            <a:pPr marL="285750" indent="-285750">
+              <a:buFont typeface="Arial" panose="020B0604020202020204" pitchFamily="34" charset="0"/>
+              <a:buChar char="•"/>
+            </a:pPr>
+            <a:r>
+              <a:rPr lang="en-US" sz="2800" dirty="0">
+                <a:solidFill>
+                  <a:srgbClr val="707070"/>
+                </a:solidFill>
+                <a:latin typeface="Pragmatica" panose="020B0403040502020204" pitchFamily="34" charset="0"/>
+              </a:rPr>
+              <a:t>Prepare a Windows computer to work in all three</a:t>
+            </a:r>
+          </a:p>
+          <a:p>
+            <a:pPr marL="285750" indent="-285750">
+              <a:buFont typeface="Arial" panose="020B0604020202020204" pitchFamily="34" charset="0"/>
+              <a:buChar char="•"/>
+            </a:pPr>
+            <a:r>
+              <a:rPr lang="en-US" sz="2800" dirty="0">
+                <a:solidFill>
+                  <a:srgbClr val="707070"/>
+                </a:solidFill>
+                <a:latin typeface="Pragmatica" panose="020B0403040502020204" pitchFamily="34" charset="0"/>
+              </a:rPr>
+              <a:t>Run summary statistics on a dataset in all three</a:t>
+            </a:r>
+          </a:p>
+          <a:p>
+            <a:pPr marL="285750" indent="-285750">
+              <a:buFont typeface="Arial" panose="020B0604020202020204" pitchFamily="34" charset="0"/>
+              <a:buChar char="•"/>
+            </a:pPr>
+            <a:endParaRPr lang="en-US" sz="2800" dirty="0">
+              <a:solidFill>
+                <a:srgbClr val="707070"/>
+              </a:solidFill>
+              <a:latin typeface="Pragmatica" panose="020B0403040502020204" pitchFamily="34" charset="0"/>
+            </a:endParaRPr>
+          </a:p>
+          <a:p>
+            <a:endParaRPr lang="en-US" sz="2800" dirty="0">
+              <a:solidFill>
+                <a:srgbClr val="707070"/>
+              </a:solidFill>
+              <a:latin typeface="Pragmatica" panose="020B0403040502020204" pitchFamily="34" charset="0"/>
+            </a:endParaRPr>
+          </a:p>
+        </p:txBody>
+      </p:sp>
+    </p:spTree>
+    <p:extLst>
+      <p:ext uri="{BB962C8B-B14F-4D97-AF65-F5344CB8AC3E}">
+        <p14:creationId xmlns:p14="http://schemas.microsoft.com/office/powerpoint/2010/main" val="3245169404"/>
+      </p:ext>
+    </p:extLst>
+  </p:cSld>
+  <p:clrMapOvr>
+    <a:masterClrMapping/>
+  </p:clrMapOvr>
+</p:sld>
+</file>
+
+<file path=ppt/slides/slide3.xml><?xml version="1.0" encoding="utf-8"?>
 <p:sld xmlns:a="http://schemas.openxmlformats.org/drawingml/2006/main" xmlns:r="http://schemas.openxmlformats.org/officeDocument/2006/relationships" xmlns:p="http://schemas.openxmlformats.org/presentationml/2006/main">
   <p:cSld>
     <p:spTree>
@@ -5879,184 +6340,6 @@
     <p:extLst>
       <p:ext uri="{BB962C8B-B14F-4D97-AF65-F5344CB8AC3E}">
         <p14:creationId xmlns:p14="http://schemas.microsoft.com/office/powerpoint/2010/main" val="4141627579"/>
-      </p:ext>
-    </p:extLst>
-  </p:cSld>
-  <p:clrMapOvr>
-    <a:masterClrMapping/>
-  </p:clrMapOvr>
-</p:sld>
-</file>
-
-<file path=ppt/slides/slide3.xml><?xml version="1.0" encoding="utf-8"?>
-<p:sld xmlns:a="http://schemas.openxmlformats.org/drawingml/2006/main" xmlns:r="http://schemas.openxmlformats.org/officeDocument/2006/relationships" xmlns:p="http://schemas.openxmlformats.org/presentationml/2006/main">
-  <p:cSld>
-    <p:spTree>
-      <p:nvGrpSpPr>
-        <p:cNvPr id="1" name=""/>
-        <p:cNvGrpSpPr/>
-        <p:nvPr/>
-      </p:nvGrpSpPr>
-      <p:grpSpPr>
-        <a:xfrm>
-          <a:off x="0" y="0"/>
-          <a:ext cx="0" cy="0"/>
-          <a:chOff x="0" y="0"/>
-          <a:chExt cx="0" cy="0"/>
-        </a:xfrm>
-      </p:grpSpPr>
-      <p:pic>
-        <p:nvPicPr>
-          <p:cNvPr id="10" name="Picture 9"/>
-          <p:cNvPicPr>
-            <a:picLocks noChangeAspect="1"/>
-          </p:cNvPicPr>
-          <p:nvPr/>
-        </p:nvPicPr>
-        <p:blipFill rotWithShape="1">
-          <a:blip r:embed="rId2">
-            <a:extLst>
-              <a:ext uri="{28A0092B-C50C-407E-A947-70E740481C1C}">
-                <a14:useLocalDpi xmlns:a14="http://schemas.microsoft.com/office/drawing/2010/main" val="0"/>
-              </a:ext>
-            </a:extLst>
-          </a:blip>
-          <a:srcRect l="50728" t="56371"/>
-          <a:stretch/>
-        </p:blipFill>
-        <p:spPr>
-          <a:xfrm>
-            <a:off x="10894024" y="5370653"/>
-            <a:ext cx="1297975" cy="1487348"/>
-          </a:xfrm>
-          <a:prstGeom prst="rect">
-            <a:avLst/>
-          </a:prstGeom>
-        </p:spPr>
-      </p:pic>
-      <p:sp>
-        <p:nvSpPr>
-          <p:cNvPr id="11" name="TextBox 10"/>
-          <p:cNvSpPr txBox="1"/>
-          <p:nvPr/>
-        </p:nvSpPr>
-        <p:spPr>
-          <a:xfrm>
-            <a:off x="347240" y="113388"/>
-            <a:ext cx="9799937" cy="1015663"/>
-          </a:xfrm>
-          <a:prstGeom prst="rect">
-            <a:avLst/>
-          </a:prstGeom>
-          <a:noFill/>
-        </p:spPr>
-        <p:txBody>
-          <a:bodyPr wrap="square" rtlCol="0">
-            <a:spAutoFit/>
-          </a:bodyPr>
-          <a:lstStyle/>
-          <a:p>
-            <a:r>
-              <a:rPr lang="en-US" sz="6000" dirty="0">
-                <a:latin typeface="Aliens &amp; cows" panose="00000500000000000000" pitchFamily="2" charset="0"/>
-              </a:rPr>
-              <a:t>Learning objectives</a:t>
-            </a:r>
-          </a:p>
-        </p:txBody>
-      </p:sp>
-      <p:sp>
-        <p:nvSpPr>
-          <p:cNvPr id="3" name="TextBox 2"/>
-          <p:cNvSpPr txBox="1"/>
-          <p:nvPr/>
-        </p:nvSpPr>
-        <p:spPr>
-          <a:xfrm>
-            <a:off x="462987" y="1365813"/>
-            <a:ext cx="9595413" cy="2246769"/>
-          </a:xfrm>
-          <a:prstGeom prst="rect">
-            <a:avLst/>
-          </a:prstGeom>
-          <a:noFill/>
-        </p:spPr>
-        <p:txBody>
-          <a:bodyPr wrap="square" rtlCol="0">
-            <a:spAutoFit/>
-          </a:bodyPr>
-          <a:lstStyle/>
-          <a:p>
-            <a:pPr marL="285750" indent="-285750">
-              <a:buFont typeface="Arial" panose="020B0604020202020204" pitchFamily="34" charset="0"/>
-              <a:buChar char="•"/>
-            </a:pPr>
-            <a:r>
-              <a:rPr lang="en-US" sz="2800" dirty="0">
-                <a:solidFill>
-                  <a:srgbClr val="707070"/>
-                </a:solidFill>
-                <a:latin typeface="Pragmatica" panose="020B0403040502020204" pitchFamily="34" charset="0"/>
-              </a:rPr>
-              <a:t>Situate Excel, R and Python in the data analytics stack</a:t>
-            </a:r>
-          </a:p>
-          <a:p>
-            <a:pPr marL="285750" indent="-285750">
-              <a:buFont typeface="Arial" panose="020B0604020202020204" pitchFamily="34" charset="0"/>
-              <a:buChar char="•"/>
-            </a:pPr>
-            <a:r>
-              <a:rPr lang="en-US" sz="2800" dirty="0">
-                <a:solidFill>
-                  <a:srgbClr val="707070"/>
-                </a:solidFill>
-                <a:latin typeface="Pragmatica" panose="020B0403040502020204" pitchFamily="34" charset="0"/>
-              </a:rPr>
-              <a:t>Prepare a Windows computer to work in all three</a:t>
-            </a:r>
-          </a:p>
-          <a:p>
-            <a:pPr marL="285750" indent="-285750">
-              <a:buFont typeface="Arial" panose="020B0604020202020204" pitchFamily="34" charset="0"/>
-              <a:buChar char="•"/>
-            </a:pPr>
-            <a:r>
-              <a:rPr lang="en-US" sz="2800" dirty="0">
-                <a:solidFill>
-                  <a:srgbClr val="707070"/>
-                </a:solidFill>
-                <a:latin typeface="Pragmatica" panose="020B0403040502020204" pitchFamily="34" charset="0"/>
-              </a:rPr>
-              <a:t>Run summary statistics on a dataset in all three</a:t>
-            </a:r>
-          </a:p>
-          <a:p>
-            <a:pPr marL="285750" indent="-285750">
-              <a:buFont typeface="Arial" panose="020B0604020202020204" pitchFamily="34" charset="0"/>
-              <a:buChar char="•"/>
-            </a:pPr>
-            <a:endParaRPr lang="en-US" sz="2800" dirty="0">
-              <a:solidFill>
-                <a:srgbClr val="707070"/>
-              </a:solidFill>
-              <a:latin typeface="Pragmatica" panose="020B0403040502020204" pitchFamily="34" charset="0"/>
-            </a:endParaRPr>
-          </a:p>
-          <a:p>
-            <a:endParaRPr lang="en-US" sz="2800" dirty="0">
-              <a:solidFill>
-                <a:srgbClr val="707070"/>
-              </a:solidFill>
-              <a:latin typeface="Pragmatica" panose="020B0403040502020204" pitchFamily="34" charset="0"/>
-            </a:endParaRPr>
-          </a:p>
-        </p:txBody>
-      </p:sp>
-    </p:spTree>
-    <p:extLst>
-      <p:ext uri="{BB962C8B-B14F-4D97-AF65-F5344CB8AC3E}">
-        <p14:creationId xmlns:p14="http://schemas.microsoft.com/office/powerpoint/2010/main" val="3245169404"/>
       </p:ext>
     </p:extLst>
   </p:cSld>
@@ -6396,7 +6679,7 @@
         <p:spPr>
           <a:xfrm>
             <a:off x="173620" y="219919"/>
-            <a:ext cx="5937813" cy="2246769"/>
+            <a:ext cx="5937813" cy="3108543"/>
           </a:xfrm>
           <a:prstGeom prst="rect">
             <a:avLst/>
@@ -6459,6 +6742,30 @@
                 <a:latin typeface="Pragmatica" pitchFamily="2" charset="0"/>
               </a:rPr>
               <a:t>Let’s get situated… </a:t>
+            </a:r>
+          </a:p>
+          <a:p>
+            <a:pPr marL="514350" indent="-514350">
+              <a:buFont typeface="Arial" panose="020B0604020202020204" pitchFamily="34" charset="0"/>
+              <a:buChar char="•"/>
+            </a:pPr>
+            <a:r>
+              <a:rPr lang="en-US" sz="2800" b="1" dirty="0">
+                <a:solidFill>
+                  <a:srgbClr val="CF3338"/>
+                </a:solidFill>
+                <a:latin typeface="Pragmatica" pitchFamily="2" charset="0"/>
+              </a:rPr>
+              <a:t>File to summarize: </a:t>
+            </a:r>
+            <a:r>
+              <a:rPr lang="en-US" sz="2800" b="1" dirty="0">
+                <a:solidFill>
+                  <a:srgbClr val="CF3338"/>
+                </a:solidFill>
+                <a:latin typeface="Consolas" panose="020B0609020204030204" pitchFamily="49" charset="0"/>
+              </a:rPr>
+              <a:t>plantgrowth.xlsx</a:t>
             </a:r>
           </a:p>
         </p:txBody>
@@ -6688,7 +6995,7 @@
                 </a:solidFill>
                 <a:latin typeface="Pragmatica" pitchFamily="2" charset="0"/>
               </a:rPr>
-              <a:t>Conclusion/Resources</a:t>
+              <a:t>Conclusion/Next steps</a:t>
             </a:r>
           </a:p>
         </p:txBody>
@@ -6778,7 +7085,7 @@
               <a:rPr lang="en-US" sz="6000" dirty="0">
                 <a:latin typeface="Aliens &amp; cows" panose="00000500000000000000" pitchFamily="2" charset="0"/>
               </a:rPr>
-              <a:t>Keep going</a:t>
+              <a:t>Take-home activity</a:t>
             </a:r>
           </a:p>
         </p:txBody>
@@ -6798,7 +7105,7 @@
         <p:spPr>
           <a:xfrm>
             <a:off x="347240" y="1465093"/>
-            <a:ext cx="8255987" cy="954107"/>
+            <a:ext cx="8255987" cy="1384995"/>
           </a:xfrm>
           <a:prstGeom prst="rect">
             <a:avLst/>
@@ -6819,26 +7126,26 @@
               <a:buChar char="•"/>
             </a:pPr>
             <a:r>
-              <a:rPr lang="en-US" sz="2800" i="1" dirty="0">
-                <a:solidFill>
-                  <a:srgbClr val="707070"/>
-                </a:solidFill>
-                <a:latin typeface="Pragmatica" panose="020B0403040502020204" pitchFamily="34" charset="0"/>
-              </a:rPr>
-              <a:t>Advancing into Analytics </a:t>
-            </a:r>
-            <a:r>
               <a:rPr lang="en-US" sz="2800" dirty="0">
                 <a:solidFill>
                   <a:srgbClr val="707070"/>
                 </a:solidFill>
                 <a:latin typeface="Pragmatica" panose="020B0403040502020204" pitchFamily="34" charset="0"/>
               </a:rPr>
-              <a:t>by George Mount</a:t>
-            </a:r>
-          </a:p>
-          <a:p>
-            <a:pPr marL="914400" lvl="1" indent="-457200">
+              <a:t>Folder: </a:t>
+            </a:r>
+            <a:r>
+              <a:rPr lang="en-US" sz="2800" dirty="0">
+                <a:solidFill>
+                  <a:srgbClr val="707070"/>
+                </a:solidFill>
+                <a:latin typeface="Consolas" panose="020B0609020204030204" pitchFamily="49" charset="0"/>
+              </a:rPr>
+              <a:t>take-home</a:t>
+            </a:r>
+          </a:p>
+          <a:p>
+            <a:pPr marL="457200" indent="-457200">
               <a:buClr>
                 <a:srgbClr val="CF3338"/>
               </a:buClr>
@@ -6850,11 +7157,104 @@
                 <a:solidFill>
                   <a:srgbClr val="707070"/>
                 </a:solidFill>
+                <a:latin typeface="Pragmatica" panose="020B0403040502020204"/>
+              </a:rPr>
+              <a:t>Dataset: </a:t>
+            </a:r>
+            <a:r>
+              <a:rPr lang="en-US" sz="2800" dirty="0">
+                <a:solidFill>
+                  <a:srgbClr val="707070"/>
+                </a:solidFill>
+                <a:latin typeface="Consolas" panose="020B0609020204030204" pitchFamily="49" charset="0"/>
+              </a:rPr>
+              <a:t>tips.xlsx</a:t>
+            </a:r>
+          </a:p>
+          <a:p>
+            <a:pPr marL="457200" indent="-457200">
+              <a:buClr>
+                <a:srgbClr val="CF3338"/>
+              </a:buClr>
+              <a:buFont typeface="Arial" panose="020B0604020202020204" pitchFamily="34" charset="0"/>
+              <a:buChar char="•"/>
+            </a:pPr>
+            <a:r>
+              <a:rPr lang="en-US" sz="2800" dirty="0">
+                <a:solidFill>
+                  <a:srgbClr val="707070"/>
+                </a:solidFill>
+                <a:latin typeface="Pragmatica" panose="020B0403040502020204"/>
+              </a:rPr>
+              <a:t>Notes &amp; solutions included</a:t>
+            </a:r>
+          </a:p>
+        </p:txBody>
+      </p:sp>
+      <p:sp>
+        <p:nvSpPr>
+          <p:cNvPr id="6" name="TextBox 5">
+            <a:extLst>
+              <a:ext uri="{FF2B5EF4-FFF2-40B4-BE49-F238E27FC236}">
+                <a16:creationId xmlns:a16="http://schemas.microsoft.com/office/drawing/2014/main" id="{BAC08A4C-309F-46C0-A426-1504D021630A}"/>
+              </a:ext>
+            </a:extLst>
+          </p:cNvPr>
+          <p:cNvSpPr txBox="1"/>
+          <p:nvPr/>
+        </p:nvSpPr>
+        <p:spPr>
+          <a:xfrm>
+            <a:off x="347240" y="3033054"/>
+            <a:ext cx="5679887" cy="2677656"/>
+          </a:xfrm>
+          <a:prstGeom prst="rect">
+            <a:avLst/>
+          </a:prstGeom>
+          <a:noFill/>
+        </p:spPr>
+        <p:txBody>
+          <a:bodyPr wrap="square" rtlCol="0">
+            <a:spAutoFit/>
+          </a:bodyPr>
+          <a:lstStyle/>
+          <a:p>
+            <a:pPr>
+              <a:buClr>
+                <a:srgbClr val="CF3338"/>
+              </a:buClr>
+            </a:pPr>
+            <a:r>
+              <a:rPr lang="en-US" sz="2800" b="1" dirty="0">
+                <a:solidFill>
+                  <a:srgbClr val="707070"/>
+                </a:solidFill>
                 <a:latin typeface="Pragmatica" panose="020B0403040502020204" pitchFamily="34" charset="0"/>
-                <a:hlinkClick r:id="rId4"/>
               </a:rPr>
-              <a:t>Stringfestanalytics.com/book</a:t>
-            </a:r>
+              <a:t>R: </a:t>
+            </a:r>
+          </a:p>
+          <a:p>
+            <a:pPr>
+              <a:buClr>
+                <a:srgbClr val="CF3338"/>
+              </a:buClr>
+            </a:pPr>
+            <a:endParaRPr lang="en-US" sz="2800" b="1" dirty="0">
+              <a:solidFill>
+                <a:srgbClr val="707070"/>
+              </a:solidFill>
+              <a:latin typeface="Pragmatica" panose="020B0403040502020204" pitchFamily="34" charset="0"/>
+            </a:endParaRPr>
+          </a:p>
+          <a:p>
+            <a:pPr marL="457200" indent="-457200">
+              <a:buClr>
+                <a:srgbClr val="CF3338"/>
+              </a:buClr>
+              <a:buFont typeface="Arial" panose="020B0604020202020204" pitchFamily="34" charset="0"/>
+              <a:buChar char="•"/>
+            </a:pPr>
             <a:r>
               <a:rPr lang="en-US" sz="2800" dirty="0">
                 <a:solidFill>
@@ -6862,58 +7262,219 @@
                 </a:solidFill>
                 <a:latin typeface="Pragmatica" panose="020B0403040502020204" pitchFamily="34" charset="0"/>
               </a:rPr>
-              <a:t> </a:t>
-            </a:r>
-          </a:p>
-        </p:txBody>
-      </p:sp>
-      <p:pic>
-        <p:nvPicPr>
-          <p:cNvPr id="4098" name="Picture 2" descr="Advancing into Analytics Cover Image">
+              <a:t>File &gt; New File &gt; R Script</a:t>
+            </a:r>
+          </a:p>
+          <a:p>
+            <a:pPr marL="457200" indent="-457200">
+              <a:buClr>
+                <a:srgbClr val="CF3338"/>
+              </a:buClr>
+              <a:buFont typeface="Arial" panose="020B0604020202020204" pitchFamily="34" charset="0"/>
+              <a:buChar char="•"/>
+            </a:pPr>
+            <a:r>
+              <a:rPr lang="en-US" sz="2800" dirty="0">
+                <a:solidFill>
+                  <a:srgbClr val="707070"/>
+                </a:solidFill>
+                <a:latin typeface="Pragmatica" panose="020B0403040502020204" pitchFamily="34" charset="0"/>
+              </a:rPr>
+              <a:t>Place code to run summary statistics in script</a:t>
+            </a:r>
+          </a:p>
+          <a:p>
+            <a:pPr marL="457200" indent="-457200">
+              <a:buClr>
+                <a:srgbClr val="CF3338"/>
+              </a:buClr>
+              <a:buFont typeface="Arial" panose="020B0604020202020204" pitchFamily="34" charset="0"/>
+              <a:buChar char="•"/>
+            </a:pPr>
+            <a:r>
+              <a:rPr lang="en-US" sz="2800" dirty="0">
+                <a:solidFill>
+                  <a:srgbClr val="707070"/>
+                </a:solidFill>
+                <a:latin typeface="Pragmatica" panose="020B0403040502020204" pitchFamily="34" charset="0"/>
+              </a:rPr>
+              <a:t>Run code &amp; save</a:t>
+            </a:r>
+            <a:endParaRPr lang="en-US" sz="2800" dirty="0">
+              <a:solidFill>
+                <a:srgbClr val="707070"/>
+              </a:solidFill>
+              <a:latin typeface="Consolas" panose="020B0609020204030204" pitchFamily="49" charset="0"/>
+            </a:endParaRPr>
+          </a:p>
+        </p:txBody>
+      </p:sp>
+      <p:sp>
+        <p:nvSpPr>
+          <p:cNvPr id="7" name="TextBox 6">
             <a:extLst>
               <a:ext uri="{FF2B5EF4-FFF2-40B4-BE49-F238E27FC236}">
-                <a16:creationId xmlns:a16="http://schemas.microsoft.com/office/drawing/2014/main" id="{58958D3C-C4DB-4EBB-9EE6-AA9672AA9979}"/>
+                <a16:creationId xmlns:a16="http://schemas.microsoft.com/office/drawing/2014/main" id="{78C4E1D0-2D28-4208-AF52-49EEB84C3FC5}"/>
               </a:ext>
             </a:extLst>
           </p:cNvPr>
-          <p:cNvPicPr>
-            <a:picLocks noChangeAspect="1" noChangeArrowheads="1"/>
-          </p:cNvPicPr>
+          <p:cNvSpPr txBox="1"/>
           <p:nvPr/>
-        </p:nvPicPr>
-        <p:blipFill>
-          <a:blip r:embed="rId5">
-            <a:extLst>
-              <a:ext uri="{28A0092B-C50C-407E-A947-70E740481C1C}">
-                <a14:useLocalDpi xmlns:a14="http://schemas.microsoft.com/office/drawing/2010/main" val="0"/>
-              </a:ext>
-            </a:extLst>
-          </a:blip>
-          <a:srcRect/>
-          <a:stretch>
-            <a:fillRect/>
-          </a:stretch>
-        </p:blipFill>
-        <p:spPr bwMode="auto">
+        </p:nvSpPr>
+        <p:spPr>
           <a:xfrm>
-            <a:off x="8322631" y="1804894"/>
-            <a:ext cx="3869369" cy="5053106"/>
+            <a:off x="5863124" y="3033054"/>
+            <a:ext cx="5679887" cy="3539430"/>
           </a:xfrm>
           <a:prstGeom prst="rect">
             <a:avLst/>
           </a:prstGeom>
           <a:noFill/>
-          <a:extLst>
-            <a:ext uri="{909E8E84-426E-40DD-AFC4-6F175D3DCCD1}">
-              <a14:hiddenFill xmlns:a14="http://schemas.microsoft.com/office/drawing/2010/main">
+        </p:spPr>
+        <p:txBody>
+          <a:bodyPr wrap="square" rtlCol="0">
+            <a:spAutoFit/>
+          </a:bodyPr>
+          <a:lstStyle/>
+          <a:p>
+            <a:pPr>
+              <a:buClr>
+                <a:srgbClr val="CF3338"/>
+              </a:buClr>
+            </a:pPr>
+            <a:r>
+              <a:rPr lang="en-US" sz="2800" b="1" dirty="0">
                 <a:solidFill>
-                  <a:srgbClr val="FFFFFF"/>
+                  <a:srgbClr val="707070"/>
                 </a:solidFill>
-              </a14:hiddenFill>
-            </a:ext>
-          </a:extLst>
-        </p:spPr>
-      </p:pic>
+                <a:latin typeface="Pragmatica" panose="020B0403040502020204" pitchFamily="34" charset="0"/>
+              </a:rPr>
+              <a:t>Python: </a:t>
+            </a:r>
+          </a:p>
+          <a:p>
+            <a:pPr>
+              <a:buClr>
+                <a:srgbClr val="CF3338"/>
+              </a:buClr>
+            </a:pPr>
+            <a:endParaRPr lang="en-US" sz="2800" b="1" dirty="0">
+              <a:solidFill>
+                <a:srgbClr val="707070"/>
+              </a:solidFill>
+              <a:latin typeface="Pragmatica" panose="020B0403040502020204" pitchFamily="34" charset="0"/>
+            </a:endParaRPr>
+          </a:p>
+          <a:p>
+            <a:pPr marL="457200" indent="-457200">
+              <a:buClr>
+                <a:srgbClr val="CF3338"/>
+              </a:buClr>
+              <a:buFont typeface="Arial" panose="020B0604020202020204" pitchFamily="34" charset="0"/>
+              <a:buChar char="•"/>
+            </a:pPr>
+            <a:r>
+              <a:rPr lang="en-US" sz="2800" dirty="0">
+                <a:solidFill>
+                  <a:srgbClr val="707070"/>
+                </a:solidFill>
+                <a:latin typeface="Pragmatica" panose="020B0403040502020204"/>
+              </a:rPr>
+              <a:t>Run code for summary statistics</a:t>
+            </a:r>
+          </a:p>
+          <a:p>
+            <a:pPr marL="457200" indent="-457200">
+              <a:buClr>
+                <a:srgbClr val="CF3338"/>
+              </a:buClr>
+              <a:buFont typeface="Arial" panose="020B0604020202020204" pitchFamily="34" charset="0"/>
+              <a:buChar char="•"/>
+            </a:pPr>
+            <a:r>
+              <a:rPr lang="en-US" sz="2800" dirty="0">
+                <a:solidFill>
+                  <a:srgbClr val="707070"/>
+                </a:solidFill>
+                <a:latin typeface="Pragmatica" panose="020B0403040502020204"/>
+              </a:rPr>
+              <a:t>Print the first few rows with the </a:t>
+            </a:r>
+            <a:r>
+              <a:rPr lang="en-US" sz="2800" dirty="0">
+                <a:solidFill>
+                  <a:srgbClr val="707070"/>
+                </a:solidFill>
+                <a:latin typeface="Consolas" panose="020B0609020204030204" pitchFamily="49" charset="0"/>
+              </a:rPr>
+              <a:t>head()</a:t>
+            </a:r>
+            <a:r>
+              <a:rPr lang="en-US" sz="2800" dirty="0">
+                <a:solidFill>
+                  <a:srgbClr val="707070"/>
+                </a:solidFill>
+                <a:latin typeface="Pragmatica" panose="020B0403040502020204"/>
+              </a:rPr>
+              <a:t> method (work the same as </a:t>
+            </a:r>
+            <a:r>
+              <a:rPr lang="en-US" sz="2800" dirty="0">
+                <a:solidFill>
+                  <a:srgbClr val="707070"/>
+                </a:solidFill>
+                <a:latin typeface="Consolas" panose="020B0609020204030204" pitchFamily="49" charset="0"/>
+              </a:rPr>
+              <a:t>describe()</a:t>
+            </a:r>
+            <a:r>
+              <a:rPr lang="en-US" sz="2800" dirty="0">
+                <a:solidFill>
+                  <a:srgbClr val="707070"/>
+                </a:solidFill>
+                <a:latin typeface="Pragmatica" panose="020B0403040502020204"/>
+              </a:rPr>
+              <a:t>)</a:t>
+            </a:r>
+          </a:p>
+          <a:p>
+            <a:pPr marL="457200" indent="-457200">
+              <a:buClr>
+                <a:srgbClr val="CF3338"/>
+              </a:buClr>
+              <a:buFont typeface="Arial" panose="020B0604020202020204" pitchFamily="34" charset="0"/>
+              <a:buChar char="•"/>
+            </a:pPr>
+            <a:r>
+              <a:rPr lang="en-US" sz="2800" dirty="0">
+                <a:solidFill>
+                  <a:srgbClr val="707070"/>
+                </a:solidFill>
+                <a:latin typeface="Pragmatica" panose="020B0403040502020204"/>
+              </a:rPr>
+              <a:t>Give the notebook a name (click and write over </a:t>
+            </a:r>
+            <a:r>
+              <a:rPr lang="en-US" sz="2800" i="1" dirty="0">
+                <a:solidFill>
+                  <a:srgbClr val="707070"/>
+                </a:solidFill>
+                <a:latin typeface="Pragmatica" panose="020B0403040502020204"/>
+              </a:rPr>
+              <a:t>Untitled</a:t>
+            </a:r>
+            <a:r>
+              <a:rPr lang="en-US" sz="2800" dirty="0">
+                <a:solidFill>
+                  <a:srgbClr val="707070"/>
+                </a:solidFill>
+                <a:latin typeface="Pragmatica" panose="020B0403040502020204"/>
+              </a:rPr>
+              <a:t>)</a:t>
+            </a:r>
+          </a:p>
+        </p:txBody>
+      </p:sp>
     </p:spTree>
     <p:extLst>
       <p:ext uri="{BB962C8B-B14F-4D97-AF65-F5344CB8AC3E}">
@@ -6953,7 +7514,7 @@
           <p:nvPr/>
         </p:nvPicPr>
         <p:blipFill rotWithShape="1">
-          <a:blip r:embed="rId2">
+          <a:blip r:embed="rId3">
             <a:extLst>
               <a:ext uri="{28A0092B-C50C-407E-A947-70E740481C1C}">
                 <a14:useLocalDpi xmlns:a14="http://schemas.microsoft.com/office/drawing/2010/main" val="0"/>
@@ -6965,24 +7526,138 @@
         </p:blipFill>
         <p:spPr>
           <a:xfrm>
-            <a:off x="8136460" y="2210765"/>
-            <a:ext cx="4055539" cy="4647236"/>
+            <a:off x="10894024" y="5370653"/>
+            <a:ext cx="1297975" cy="1487348"/>
           </a:xfrm>
           <a:prstGeom prst="rect">
             <a:avLst/>
           </a:prstGeom>
         </p:spPr>
       </p:pic>
+      <p:sp>
+        <p:nvSpPr>
+          <p:cNvPr id="11" name="TextBox 10"/>
+          <p:cNvSpPr txBox="1"/>
+          <p:nvPr/>
+        </p:nvSpPr>
+        <p:spPr>
+          <a:xfrm>
+            <a:off x="347240" y="113388"/>
+            <a:ext cx="10861534" cy="1015663"/>
+          </a:xfrm>
+          <a:prstGeom prst="rect">
+            <a:avLst/>
+          </a:prstGeom>
+          <a:noFill/>
+        </p:spPr>
+        <p:txBody>
+          <a:bodyPr wrap="square" rtlCol="0">
+            <a:spAutoFit/>
+          </a:bodyPr>
+          <a:lstStyle/>
+          <a:p>
+            <a:r>
+              <a:rPr lang="en-US" sz="6000" dirty="0">
+                <a:latin typeface="Aliens &amp; cows" panose="00000500000000000000" pitchFamily="2" charset="0"/>
+              </a:rPr>
+              <a:t>Want more? </a:t>
+            </a:r>
+          </a:p>
+        </p:txBody>
+      </p:sp>
+      <p:sp>
+        <p:nvSpPr>
+          <p:cNvPr id="4" name="TextBox 3">
+            <a:extLst>
+              <a:ext uri="{FF2B5EF4-FFF2-40B4-BE49-F238E27FC236}">
+                <a16:creationId xmlns:a16="http://schemas.microsoft.com/office/drawing/2014/main" id="{5A4F6C64-3E8D-4255-95B8-CF64265213DA}"/>
+              </a:ext>
+            </a:extLst>
+          </p:cNvPr>
+          <p:cNvSpPr txBox="1"/>
+          <p:nvPr/>
+        </p:nvSpPr>
+        <p:spPr>
+          <a:xfrm>
+            <a:off x="347240" y="1465093"/>
+            <a:ext cx="9688858" cy="954107"/>
+          </a:xfrm>
+          <a:prstGeom prst="rect">
+            <a:avLst/>
+          </a:prstGeom>
+          <a:noFill/>
+        </p:spPr>
+        <p:txBody>
+          <a:bodyPr wrap="square" rtlCol="0">
+            <a:spAutoFit/>
+          </a:bodyPr>
+          <a:lstStyle/>
+          <a:p>
+            <a:pPr marL="457200" indent="-457200">
+              <a:buClr>
+                <a:srgbClr val="CF3338"/>
+              </a:buClr>
+              <a:buFont typeface="Arial" panose="020B0604020202020204" pitchFamily="34" charset="0"/>
+              <a:buChar char="•"/>
+            </a:pPr>
+            <a:r>
+              <a:rPr lang="en-US" sz="2800" dirty="0">
+                <a:solidFill>
+                  <a:srgbClr val="707070"/>
+                </a:solidFill>
+                <a:latin typeface="Pragmatica" panose="020B0403040502020204" pitchFamily="34" charset="0"/>
+              </a:rPr>
+              <a:t>Sign up for course waiting list: </a:t>
+            </a:r>
+            <a:r>
+              <a:rPr lang="en-US" sz="2800" b="1" dirty="0">
+                <a:solidFill>
+                  <a:srgbClr val="707070"/>
+                </a:solidFill>
+                <a:latin typeface="Pragmatica" panose="020B0403040502020204" pitchFamily="34" charset="0"/>
+                <a:hlinkClick r:id="rId4"/>
+              </a:rPr>
+              <a:t>https://stringfestanalytics.com/aina-waiting</a:t>
+            </a:r>
+            <a:r>
+              <a:rPr lang="en-US" sz="2800" dirty="0">
+                <a:solidFill>
+                  <a:srgbClr val="707070"/>
+                </a:solidFill>
+                <a:latin typeface="Pragmatica" panose="020B0403040502020204" pitchFamily="34" charset="0"/>
+                <a:hlinkClick r:id="rId4"/>
+              </a:rPr>
+              <a:t>/</a:t>
+            </a:r>
+            <a:r>
+              <a:rPr lang="en-US" sz="2800" dirty="0">
+                <a:solidFill>
+                  <a:srgbClr val="707070"/>
+                </a:solidFill>
+                <a:latin typeface="Pragmatica" panose="020B0403040502020204" pitchFamily="34" charset="0"/>
+              </a:rPr>
+              <a:t>    </a:t>
+            </a:r>
+          </a:p>
+        </p:txBody>
+      </p:sp>
       <p:pic>
         <p:nvPicPr>
-          <p:cNvPr id="4" name="Picture 3"/>
+          <p:cNvPr id="3" name="Picture 2" descr="A bird standing on a white surface&#10;&#10;Description automatically generated with low confidence">
+            <a:hlinkClick r:id="rId4"/>
+            <a:extLst>
+              <a:ext uri="{FF2B5EF4-FFF2-40B4-BE49-F238E27FC236}">
+                <a16:creationId xmlns:a16="http://schemas.microsoft.com/office/drawing/2014/main" id="{2BD72895-0339-43FE-8F98-905E02F0E9E7}"/>
+              </a:ext>
+            </a:extLst>
+          </p:cNvPr>
           <p:cNvPicPr>
             <a:picLocks noChangeAspect="1"/>
           </p:cNvPicPr>
           <p:nvPr/>
         </p:nvPicPr>
         <p:blipFill>
-          <a:blip r:embed="rId3">
+          <a:blip r:embed="rId5">
             <a:extLst>
               <a:ext uri="{28A0092B-C50C-407E-A947-70E740481C1C}">
                 <a14:useLocalDpi xmlns:a14="http://schemas.microsoft.com/office/drawing/2010/main" val="0"/>
@@ -6995,90 +7670,18 @@
         </p:blipFill>
         <p:spPr>
           <a:xfrm>
-            <a:off x="-538496" y="-2482770"/>
-            <a:ext cx="10171472" cy="7459883"/>
+            <a:off x="2095512" y="2491739"/>
+            <a:ext cx="7364990" cy="4142807"/>
           </a:xfrm>
           <a:prstGeom prst="rect">
             <a:avLst/>
           </a:prstGeom>
         </p:spPr>
       </p:pic>
-      <p:sp>
-        <p:nvSpPr>
-          <p:cNvPr id="11" name="TextBox 10"/>
-          <p:cNvSpPr txBox="1"/>
-          <p:nvPr/>
-        </p:nvSpPr>
-        <p:spPr>
-          <a:xfrm>
-            <a:off x="324091" y="1687545"/>
-            <a:ext cx="7986531" cy="1815882"/>
-          </a:xfrm>
-          <a:prstGeom prst="rect">
-            <a:avLst/>
-          </a:prstGeom>
-          <a:noFill/>
-        </p:spPr>
-        <p:txBody>
-          <a:bodyPr wrap="square" rtlCol="0">
-            <a:spAutoFit/>
-          </a:bodyPr>
-          <a:lstStyle/>
-          <a:p>
-            <a:r>
-              <a:rPr lang="en-US" sz="2800" b="1" dirty="0">
-                <a:solidFill>
-                  <a:srgbClr val="707070"/>
-                </a:solidFill>
-                <a:latin typeface="Pragmatica" panose="020B0403040502020204" pitchFamily="34" charset="0"/>
-              </a:rPr>
-              <a:t>Questions?</a:t>
-            </a:r>
-          </a:p>
-          <a:p>
-            <a:endParaRPr lang="en-US" sz="2800" b="1" dirty="0">
-              <a:solidFill>
-                <a:srgbClr val="707070"/>
-              </a:solidFill>
-              <a:latin typeface="Pragmatica" panose="020B0403040502020204" pitchFamily="34" charset="0"/>
-            </a:endParaRPr>
-          </a:p>
-          <a:p>
-            <a:r>
-              <a:rPr lang="en-US" sz="2800" b="1" i="1" dirty="0">
-                <a:solidFill>
-                  <a:srgbClr val="707070"/>
-                </a:solidFill>
-                <a:latin typeface="Pragmatica" panose="020B0403040502020204" pitchFamily="34" charset="0"/>
-              </a:rPr>
-              <a:t>Event survey: </a:t>
-            </a:r>
-            <a:r>
-              <a:rPr lang="en-US" sz="2800" b="1" i="1" dirty="0">
-                <a:solidFill>
-                  <a:srgbClr val="707070"/>
-                </a:solidFill>
-                <a:latin typeface="Pragmatica" panose="020B0403040502020204" pitchFamily="34" charset="0"/>
-                <a:hlinkClick r:id="rId4"/>
-              </a:rPr>
-              <a:t>https://forms.office.com/r/0ZnD0LxpZy</a:t>
-            </a:r>
-            <a:r>
-              <a:rPr lang="en-US" sz="2800" b="1" i="1" dirty="0">
-                <a:solidFill>
-                  <a:srgbClr val="707070"/>
-                </a:solidFill>
-                <a:latin typeface="Pragmatica" panose="020B0403040502020204" pitchFamily="34" charset="0"/>
-              </a:rPr>
-              <a:t>  </a:t>
-            </a:r>
-          </a:p>
-        </p:txBody>
-      </p:sp>
     </p:spTree>
     <p:extLst>
       <p:ext uri="{BB962C8B-B14F-4D97-AF65-F5344CB8AC3E}">
-        <p14:creationId xmlns:p14="http://schemas.microsoft.com/office/powerpoint/2010/main" val="2312071835"/>
+        <p14:creationId xmlns:p14="http://schemas.microsoft.com/office/powerpoint/2010/main" val="1574051232"/>
       </p:ext>
     </p:extLst>
   </p:cSld>

--- a/aina-getting-started.pptx
+++ b/aina-getting-started.pptx
@@ -5,7 +5,7 @@
     <p:sldMasterId id="2147483648" r:id="rId1"/>
   </p:sldMasterIdLst>
   <p:notesMasterIdLst>
-    <p:notesMasterId r:id="rId13"/>
+    <p:notesMasterId r:id="rId14"/>
   </p:notesMasterIdLst>
   <p:sldIdLst>
     <p:sldId id="256" r:id="rId2"/>
@@ -18,7 +18,8 @@
     <p:sldId id="338" r:id="rId9"/>
     <p:sldId id="433" r:id="rId10"/>
     <p:sldId id="336" r:id="rId11"/>
-    <p:sldId id="432" r:id="rId12"/>
+    <p:sldId id="434" r:id="rId12"/>
+    <p:sldId id="432" r:id="rId13"/>
   </p:sldIdLst>
   <p:sldSz cx="12192000" cy="6858000"/>
   <p:notesSz cx="6858000" cy="9144000"/>
@@ -1837,7 +1838,7 @@
           <a:p>
             <a:fld id="{503F064B-41F2-4661-BDF0-BFD135E9A557}" type="datetimeFigureOut">
               <a:rPr lang="en-US" smtClean="0"/>
-              <a:t>8/11/2021</a:t>
+              <a:t>8/12/2021</a:t>
             </a:fld>
             <a:endParaRPr lang="en-US"/>
           </a:p>
@@ -2741,7 +2742,7 @@
           <a:p>
             <a:fld id="{0138B082-EFC2-46C1-B47C-51736C670379}" type="datetimeFigureOut">
               <a:rPr lang="en-US" smtClean="0"/>
-              <a:t>8/11/2021</a:t>
+              <a:t>8/12/2021</a:t>
             </a:fld>
             <a:endParaRPr lang="en-US"/>
           </a:p>
@@ -2909,7 +2910,7 @@
           <a:p>
             <a:fld id="{0138B082-EFC2-46C1-B47C-51736C670379}" type="datetimeFigureOut">
               <a:rPr lang="en-US" smtClean="0"/>
-              <a:t>8/11/2021</a:t>
+              <a:t>8/12/2021</a:t>
             </a:fld>
             <a:endParaRPr lang="en-US"/>
           </a:p>
@@ -3087,7 +3088,7 @@
           <a:p>
             <a:fld id="{0138B082-EFC2-46C1-B47C-51736C670379}" type="datetimeFigureOut">
               <a:rPr lang="en-US" smtClean="0"/>
-              <a:t>8/11/2021</a:t>
+              <a:t>8/12/2021</a:t>
             </a:fld>
             <a:endParaRPr lang="en-US"/>
           </a:p>
@@ -3255,7 +3256,7 @@
           <a:p>
             <a:fld id="{0138B082-EFC2-46C1-B47C-51736C670379}" type="datetimeFigureOut">
               <a:rPr lang="en-US" smtClean="0"/>
-              <a:t>8/11/2021</a:t>
+              <a:t>8/12/2021</a:t>
             </a:fld>
             <a:endParaRPr lang="en-US"/>
           </a:p>
@@ -3500,7 +3501,7 @@
           <a:p>
             <a:fld id="{0138B082-EFC2-46C1-B47C-51736C670379}" type="datetimeFigureOut">
               <a:rPr lang="en-US" smtClean="0"/>
-              <a:t>8/11/2021</a:t>
+              <a:t>8/12/2021</a:t>
             </a:fld>
             <a:endParaRPr lang="en-US"/>
           </a:p>
@@ -3729,7 +3730,7 @@
           <a:p>
             <a:fld id="{0138B082-EFC2-46C1-B47C-51736C670379}" type="datetimeFigureOut">
               <a:rPr lang="en-US" smtClean="0"/>
-              <a:t>8/11/2021</a:t>
+              <a:t>8/12/2021</a:t>
             </a:fld>
             <a:endParaRPr lang="en-US"/>
           </a:p>
@@ -4093,7 +4094,7 @@
           <a:p>
             <a:fld id="{0138B082-EFC2-46C1-B47C-51736C670379}" type="datetimeFigureOut">
               <a:rPr lang="en-US" smtClean="0"/>
-              <a:t>8/11/2021</a:t>
+              <a:t>8/12/2021</a:t>
             </a:fld>
             <a:endParaRPr lang="en-US"/>
           </a:p>
@@ -4210,7 +4211,7 @@
           <a:p>
             <a:fld id="{0138B082-EFC2-46C1-B47C-51736C670379}" type="datetimeFigureOut">
               <a:rPr lang="en-US" smtClean="0"/>
-              <a:t>8/11/2021</a:t>
+              <a:t>8/12/2021</a:t>
             </a:fld>
             <a:endParaRPr lang="en-US"/>
           </a:p>
@@ -4305,7 +4306,7 @@
           <a:p>
             <a:fld id="{0138B082-EFC2-46C1-B47C-51736C670379}" type="datetimeFigureOut">
               <a:rPr lang="en-US" smtClean="0"/>
-              <a:t>8/11/2021</a:t>
+              <a:t>8/12/2021</a:t>
             </a:fld>
             <a:endParaRPr lang="en-US"/>
           </a:p>
@@ -4580,7 +4581,7 @@
           <a:p>
             <a:fld id="{0138B082-EFC2-46C1-B47C-51736C670379}" type="datetimeFigureOut">
               <a:rPr lang="en-US" smtClean="0"/>
-              <a:t>8/11/2021</a:t>
+              <a:t>8/12/2021</a:t>
             </a:fld>
             <a:endParaRPr lang="en-US"/>
           </a:p>
@@ -4832,7 +4833,7 @@
           <a:p>
             <a:fld id="{0138B082-EFC2-46C1-B47C-51736C670379}" type="datetimeFigureOut">
               <a:rPr lang="en-US" smtClean="0"/>
-              <a:t>8/11/2021</a:t>
+              <a:t>8/12/2021</a:t>
             </a:fld>
             <a:endParaRPr lang="en-US"/>
           </a:p>
@@ -5043,7 +5044,7 @@
           <a:p>
             <a:fld id="{0138B082-EFC2-46C1-B47C-51736C670379}" type="datetimeFigureOut">
               <a:rPr lang="en-US" smtClean="0"/>
-              <a:t>8/11/2021</a:t>
+              <a:t>8/12/2021</a:t>
             </a:fld>
             <a:endParaRPr lang="en-US"/>
           </a:p>
@@ -5728,7 +5729,7 @@
         <p:spPr>
           <a:xfrm>
             <a:off x="324091" y="1687545"/>
-            <a:ext cx="7986531" cy="2246769"/>
+            <a:ext cx="7986531" cy="1384995"/>
           </a:xfrm>
           <a:prstGeom prst="rect">
             <a:avLst/>
@@ -5748,29 +5749,10 @@
                 </a:solidFill>
                 <a:latin typeface="Pragmatica" panose="020B0403040502020204" pitchFamily="34" charset="0"/>
               </a:rPr>
-              <a:t>Questions?</a:t>
-            </a:r>
-          </a:p>
-          <a:p>
-            <a:endParaRPr lang="en-US" sz="2800" b="1" dirty="0">
-              <a:solidFill>
-                <a:srgbClr val="707070"/>
-              </a:solidFill>
-              <a:latin typeface="Pragmatica" panose="020B0403040502020204" pitchFamily="34" charset="0"/>
-            </a:endParaRPr>
-          </a:p>
-          <a:p>
-            <a:r>
-              <a:rPr lang="en-US" sz="2800" b="1" i="1" dirty="0">
-                <a:solidFill>
-                  <a:srgbClr val="707070"/>
-                </a:solidFill>
-                <a:latin typeface="Pragmatica" panose="020B0403040502020204" pitchFamily="34" charset="0"/>
-              </a:rPr>
               <a:t>Event survey: </a:t>
             </a:r>
             <a:r>
-              <a:rPr lang="en-US" sz="2800" b="1" i="1" dirty="0">
+              <a:rPr lang="en-US" sz="2800" b="1" dirty="0">
                 <a:solidFill>
                   <a:srgbClr val="707070"/>
                 </a:solidFill>
@@ -5779,7 +5761,7 @@
               </a:rPr>
               <a:t>https://forms.office.com/r/0ZnD0LxpZy</a:t>
             </a:r>
-            <a:endParaRPr lang="en-US" sz="2800" b="1" i="1" dirty="0">
+            <a:endParaRPr lang="en-US" sz="2800" b="1" dirty="0">
               <a:solidFill>
                 <a:srgbClr val="707070"/>
               </a:solidFill>
@@ -5787,7 +5769,7 @@
             </a:endParaRPr>
           </a:p>
           <a:p>
-            <a:endParaRPr lang="en-US" sz="2800" b="1" i="1" dirty="0">
+            <a:endParaRPr lang="en-US" sz="2800" b="1" dirty="0">
               <a:solidFill>
                 <a:srgbClr val="707070"/>
               </a:solidFill>
@@ -5894,6 +5876,137 @@
         <p:spPr>
           <a:xfrm>
             <a:off x="324091" y="1687545"/>
+            <a:ext cx="7986531" cy="1077218"/>
+          </a:xfrm>
+          <a:prstGeom prst="rect">
+            <a:avLst/>
+          </a:prstGeom>
+          <a:noFill/>
+        </p:spPr>
+        <p:txBody>
+          <a:bodyPr wrap="square" rtlCol="0">
+            <a:spAutoFit/>
+          </a:bodyPr>
+          <a:lstStyle/>
+          <a:p>
+            <a:r>
+              <a:rPr lang="en-US" sz="4400" b="1" dirty="0">
+                <a:solidFill>
+                  <a:srgbClr val="707070"/>
+                </a:solidFill>
+                <a:latin typeface="Pragmatica" panose="020B0403040502020204" pitchFamily="34" charset="0"/>
+              </a:rPr>
+              <a:t>Questions?</a:t>
+            </a:r>
+          </a:p>
+          <a:p>
+            <a:endParaRPr lang="en-US" sz="2000" b="1" i="1" dirty="0">
+              <a:solidFill>
+                <a:srgbClr val="707070"/>
+              </a:solidFill>
+              <a:latin typeface="Pragmatica" panose="020B0403040502020204" pitchFamily="34" charset="0"/>
+            </a:endParaRPr>
+          </a:p>
+        </p:txBody>
+      </p:sp>
+    </p:spTree>
+    <p:extLst>
+      <p:ext uri="{BB962C8B-B14F-4D97-AF65-F5344CB8AC3E}">
+        <p14:creationId xmlns:p14="http://schemas.microsoft.com/office/powerpoint/2010/main" val="2792158884"/>
+      </p:ext>
+    </p:extLst>
+  </p:cSld>
+  <p:clrMapOvr>
+    <a:masterClrMapping/>
+  </p:clrMapOvr>
+</p:sld>
+</file>
+
+<file path=ppt/slides/slide12.xml><?xml version="1.0" encoding="utf-8"?>
+<p:sld xmlns:a="http://schemas.openxmlformats.org/drawingml/2006/main" xmlns:r="http://schemas.openxmlformats.org/officeDocument/2006/relationships" xmlns:p="http://schemas.openxmlformats.org/presentationml/2006/main">
+  <p:cSld>
+    <p:spTree>
+      <p:nvGrpSpPr>
+        <p:cNvPr id="1" name=""/>
+        <p:cNvGrpSpPr/>
+        <p:nvPr/>
+      </p:nvGrpSpPr>
+      <p:grpSpPr>
+        <a:xfrm>
+          <a:off x="0" y="0"/>
+          <a:ext cx="0" cy="0"/>
+          <a:chOff x="0" y="0"/>
+          <a:chExt cx="0" cy="0"/>
+        </a:xfrm>
+      </p:grpSpPr>
+      <p:pic>
+        <p:nvPicPr>
+          <p:cNvPr id="10" name="Picture 9"/>
+          <p:cNvPicPr>
+            <a:picLocks noChangeAspect="1"/>
+          </p:cNvPicPr>
+          <p:nvPr/>
+        </p:nvPicPr>
+        <p:blipFill rotWithShape="1">
+          <a:blip r:embed="rId2">
+            <a:extLst>
+              <a:ext uri="{28A0092B-C50C-407E-A947-70E740481C1C}">
+                <a14:useLocalDpi xmlns:a14="http://schemas.microsoft.com/office/drawing/2010/main" val="0"/>
+              </a:ext>
+            </a:extLst>
+          </a:blip>
+          <a:srcRect l="50728" t="56371"/>
+          <a:stretch/>
+        </p:blipFill>
+        <p:spPr>
+          <a:xfrm>
+            <a:off x="8136460" y="2210765"/>
+            <a:ext cx="4055539" cy="4647236"/>
+          </a:xfrm>
+          <a:prstGeom prst="rect">
+            <a:avLst/>
+          </a:prstGeom>
+        </p:spPr>
+      </p:pic>
+      <p:pic>
+        <p:nvPicPr>
+          <p:cNvPr id="4" name="Picture 3"/>
+          <p:cNvPicPr>
+            <a:picLocks noChangeAspect="1"/>
+          </p:cNvPicPr>
+          <p:nvPr/>
+        </p:nvPicPr>
+        <p:blipFill>
+          <a:blip r:embed="rId3">
+            <a:extLst>
+              <a:ext uri="{28A0092B-C50C-407E-A947-70E740481C1C}">
+                <a14:useLocalDpi xmlns:a14="http://schemas.microsoft.com/office/drawing/2010/main" val="0"/>
+              </a:ext>
+            </a:extLst>
+          </a:blip>
+          <a:stretch>
+            <a:fillRect/>
+          </a:stretch>
+        </p:blipFill>
+        <p:spPr>
+          <a:xfrm>
+            <a:off x="-538496" y="-2482770"/>
+            <a:ext cx="10171472" cy="7459883"/>
+          </a:xfrm>
+          <a:prstGeom prst="rect">
+            <a:avLst/>
+          </a:prstGeom>
+        </p:spPr>
+      </p:pic>
+      <p:sp>
+        <p:nvSpPr>
+          <p:cNvPr id="11" name="TextBox 10"/>
+          <p:cNvSpPr txBox="1"/>
+          <p:nvPr/>
+        </p:nvSpPr>
+        <p:spPr>
+          <a:xfrm>
+            <a:off x="324091" y="1687545"/>
             <a:ext cx="7986531" cy="2369880"/>
           </a:xfrm>
           <a:prstGeom prst="rect">
@@ -6868,7 +6981,7 @@
         <p:spPr>
           <a:xfrm>
             <a:off x="324091" y="1687545"/>
-            <a:ext cx="7986531" cy="523220"/>
+            <a:ext cx="7986531" cy="769441"/>
           </a:xfrm>
           <a:prstGeom prst="rect">
             <a:avLst/>
@@ -6882,7 +6995,7 @@
           <a:lstStyle/>
           <a:p>
             <a:r>
-              <a:rPr lang="en-US" sz="2800" b="1" dirty="0">
+              <a:rPr lang="en-US" sz="4400" b="1" dirty="0">
                 <a:solidFill>
                   <a:srgbClr val="707070"/>
                 </a:solidFill>
@@ -7104,8 +7217,8 @@
         </p:nvSpPr>
         <p:spPr>
           <a:xfrm>
-            <a:off x="347240" y="1465093"/>
-            <a:ext cx="8255987" cy="1384995"/>
+            <a:off x="347240" y="1479233"/>
+            <a:ext cx="11318287" cy="4832092"/>
           </a:xfrm>
           <a:prstGeom prst="rect">
             <a:avLst/>
@@ -7168,7 +7281,16 @@
                 </a:solidFill>
                 <a:latin typeface="Consolas" panose="020B0609020204030204" pitchFamily="49" charset="0"/>
               </a:rPr>
-              <a:t>tips.xlsx</a:t>
+              <a:t>tips.xlsx… </a:t>
+            </a:r>
+            <a:r>
+              <a:rPr lang="en-US" sz="2800" dirty="0">
+                <a:solidFill>
+                  <a:srgbClr val="707070"/>
+                </a:solidFill>
+                <a:latin typeface="Pragmatica" panose="020B0403040502020204"/>
+              </a:rPr>
+              <a:t>load and print summary statistics, then…</a:t>
             </a:r>
           </a:p>
           <a:p>
@@ -7179,8 +7301,126 @@
               <a:buFont typeface="Arial" panose="020B0604020202020204" pitchFamily="34" charset="0"/>
               <a:buChar char="•"/>
             </a:pPr>
-            <a:r>
-              <a:rPr lang="en-US" sz="2800" dirty="0">
+            <a:endParaRPr lang="en-US" sz="2800" dirty="0">
+              <a:solidFill>
+                <a:srgbClr val="707070"/>
+              </a:solidFill>
+              <a:latin typeface="Consolas" panose="020B0609020204030204" pitchFamily="49" charset="0"/>
+            </a:endParaRPr>
+          </a:p>
+          <a:p>
+            <a:pPr marL="457200" indent="-457200">
+              <a:buClr>
+                <a:srgbClr val="CF3338"/>
+              </a:buClr>
+              <a:buFont typeface="Arial" panose="020B0604020202020204" pitchFamily="34" charset="0"/>
+              <a:buChar char="•"/>
+            </a:pPr>
+            <a:endParaRPr lang="en-US" sz="2800" dirty="0">
+              <a:solidFill>
+                <a:srgbClr val="707070"/>
+              </a:solidFill>
+              <a:latin typeface="Consolas" panose="020B0609020204030204" pitchFamily="49" charset="0"/>
+            </a:endParaRPr>
+          </a:p>
+          <a:p>
+            <a:pPr marL="457200" indent="-457200">
+              <a:buClr>
+                <a:srgbClr val="CF3338"/>
+              </a:buClr>
+              <a:buFont typeface="Arial" panose="020B0604020202020204" pitchFamily="34" charset="0"/>
+              <a:buChar char="•"/>
+            </a:pPr>
+            <a:endParaRPr lang="en-US" sz="2800" dirty="0">
+              <a:solidFill>
+                <a:srgbClr val="707070"/>
+              </a:solidFill>
+              <a:latin typeface="Consolas" panose="020B0609020204030204" pitchFamily="49" charset="0"/>
+            </a:endParaRPr>
+          </a:p>
+          <a:p>
+            <a:pPr marL="457200" indent="-457200">
+              <a:buClr>
+                <a:srgbClr val="CF3338"/>
+              </a:buClr>
+              <a:buFont typeface="Arial" panose="020B0604020202020204" pitchFamily="34" charset="0"/>
+              <a:buChar char="•"/>
+            </a:pPr>
+            <a:endParaRPr lang="en-US" sz="2800" dirty="0">
+              <a:solidFill>
+                <a:srgbClr val="707070"/>
+              </a:solidFill>
+              <a:latin typeface="Consolas" panose="020B0609020204030204" pitchFamily="49" charset="0"/>
+            </a:endParaRPr>
+          </a:p>
+          <a:p>
+            <a:pPr marL="457200" indent="-457200">
+              <a:buClr>
+                <a:srgbClr val="CF3338"/>
+              </a:buClr>
+              <a:buFont typeface="Arial" panose="020B0604020202020204" pitchFamily="34" charset="0"/>
+              <a:buChar char="•"/>
+            </a:pPr>
+            <a:endParaRPr lang="en-US" sz="2800" dirty="0">
+              <a:solidFill>
+                <a:srgbClr val="707070"/>
+              </a:solidFill>
+              <a:latin typeface="Consolas" panose="020B0609020204030204" pitchFamily="49" charset="0"/>
+            </a:endParaRPr>
+          </a:p>
+          <a:p>
+            <a:pPr marL="457200" indent="-457200">
+              <a:buClr>
+                <a:srgbClr val="CF3338"/>
+              </a:buClr>
+              <a:buFont typeface="Arial" panose="020B0604020202020204" pitchFamily="34" charset="0"/>
+              <a:buChar char="•"/>
+            </a:pPr>
+            <a:endParaRPr lang="en-US" sz="2800" dirty="0">
+              <a:solidFill>
+                <a:srgbClr val="707070"/>
+              </a:solidFill>
+              <a:latin typeface="Consolas" panose="020B0609020204030204" pitchFamily="49" charset="0"/>
+            </a:endParaRPr>
+          </a:p>
+          <a:p>
+            <a:pPr marL="457200" indent="-457200">
+              <a:buClr>
+                <a:srgbClr val="CF3338"/>
+              </a:buClr>
+              <a:buFont typeface="Arial" panose="020B0604020202020204" pitchFamily="34" charset="0"/>
+              <a:buChar char="•"/>
+            </a:pPr>
+            <a:endParaRPr lang="en-US" sz="2800" dirty="0">
+              <a:solidFill>
+                <a:srgbClr val="707070"/>
+              </a:solidFill>
+              <a:latin typeface="Consolas" panose="020B0609020204030204" pitchFamily="49" charset="0"/>
+            </a:endParaRPr>
+          </a:p>
+          <a:p>
+            <a:pPr>
+              <a:buClr>
+                <a:srgbClr val="CF3338"/>
+              </a:buClr>
+            </a:pPr>
+            <a:endParaRPr lang="en-US" sz="2800" dirty="0">
+              <a:solidFill>
+                <a:srgbClr val="707070"/>
+              </a:solidFill>
+              <a:latin typeface="Consolas" panose="020B0609020204030204" pitchFamily="49" charset="0"/>
+            </a:endParaRPr>
+          </a:p>
+          <a:p>
+            <a:pPr marL="457200" indent="-457200">
+              <a:buClr>
+                <a:srgbClr val="CF3338"/>
+              </a:buClr>
+              <a:buFont typeface="Arial" panose="020B0604020202020204" pitchFamily="34" charset="0"/>
+              <a:buChar char="•"/>
+            </a:pPr>
+            <a:r>
+              <a:rPr lang="en-US" sz="2800" b="1" dirty="0">
                 <a:solidFill>
                   <a:srgbClr val="707070"/>
                 </a:solidFill>
@@ -7205,7 +7445,7 @@
         </p:nvSpPr>
         <p:spPr>
           <a:xfrm>
-            <a:off x="347240" y="3033054"/>
+            <a:off x="944945" y="2542401"/>
             <a:ext cx="5679887" cy="2677656"/>
           </a:xfrm>
           <a:prstGeom prst="rect">
@@ -7323,8 +7563,8 @@
         </p:nvSpPr>
         <p:spPr>
           <a:xfrm>
-            <a:off x="5863124" y="3033054"/>
-            <a:ext cx="5679887" cy="3539430"/>
+            <a:off x="6460829" y="2542401"/>
+            <a:ext cx="5679887" cy="3108543"/>
           </a:xfrm>
           <a:prstGeom prst="rect">
             <a:avLst/>
@@ -7380,7 +7620,43 @@
                 </a:solidFill>
                 <a:latin typeface="Pragmatica" panose="020B0403040502020204"/>
               </a:rPr>
-              <a:t>Run code for summary statistics</a:t>
+              <a:t>Print the first few rows with the </a:t>
+            </a:r>
+            <a:r>
+              <a:rPr lang="en-US" sz="2800" dirty="0">
+                <a:solidFill>
+                  <a:srgbClr val="707070"/>
+                </a:solidFill>
+                <a:latin typeface="Consolas" panose="020B0609020204030204" pitchFamily="49" charset="0"/>
+              </a:rPr>
+              <a:t>head()</a:t>
+            </a:r>
+            <a:r>
+              <a:rPr lang="en-US" sz="2800" dirty="0">
+                <a:solidFill>
+                  <a:srgbClr val="707070"/>
+                </a:solidFill>
+                <a:latin typeface="Pragmatica" panose="020B0403040502020204"/>
+              </a:rPr>
+              <a:t> method (work the same as </a:t>
+            </a:r>
+            <a:r>
+              <a:rPr lang="en-US" sz="2800" dirty="0">
+                <a:solidFill>
+                  <a:srgbClr val="707070"/>
+                </a:solidFill>
+                <a:latin typeface="Consolas" panose="020B0609020204030204" pitchFamily="49" charset="0"/>
+              </a:rPr>
+              <a:t>describe()</a:t>
+            </a:r>
+            <a:r>
+              <a:rPr lang="en-US" sz="2800" dirty="0">
+                <a:solidFill>
+                  <a:srgbClr val="707070"/>
+                </a:solidFill>
+                <a:latin typeface="Pragmatica" panose="020B0403040502020204"/>
+              </a:rPr>
+              <a:t>)</a:t>
             </a:r>
           </a:p>
           <a:p>
@@ -7398,34 +7674,16 @@
                 </a:solidFill>
                 <a:latin typeface="Pragmatica" panose="020B0403040502020204"/>
               </a:rPr>
-              <a:t>Print the first few rows with the </a:t>
-            </a:r>
-            <a:r>
-              <a:rPr lang="en-US" sz="2800" dirty="0">
-                <a:solidFill>
-                  <a:srgbClr val="707070"/>
-                </a:solidFill>
-                <a:latin typeface="Consolas" panose="020B0609020204030204" pitchFamily="49" charset="0"/>
-              </a:rPr>
-              <a:t>head()</a:t>
-            </a:r>
-            <a:r>
-              <a:rPr lang="en-US" sz="2800" dirty="0">
+              <a:t>Give the notebook a name (click and write over </a:t>
+            </a:r>
+            <a:r>
+              <a:rPr lang="en-US" sz="2800" i="1" dirty="0">
                 <a:solidFill>
                   <a:srgbClr val="707070"/>
                 </a:solidFill>
                 <a:latin typeface="Pragmatica" panose="020B0403040502020204"/>
               </a:rPr>
-              <a:t> method (work the same as </a:t>
-            </a:r>
-            <a:r>
-              <a:rPr lang="en-US" sz="2800" dirty="0">
-                <a:solidFill>
-                  <a:srgbClr val="707070"/>
-                </a:solidFill>
-                <a:latin typeface="Consolas" panose="020B0609020204030204" pitchFamily="49" charset="0"/>
-              </a:rPr>
-              <a:t>describe()</a:t>
+              <a:t>Untitled</a:t>
             </a:r>
             <a:r>
               <a:rPr lang="en-US" sz="2800" dirty="0">
@@ -7437,44 +7695,38 @@
               <a:t>)</a:t>
             </a:r>
           </a:p>
-          <a:p>
-            <a:pPr marL="457200" indent="-457200">
-              <a:buClr>
-                <a:srgbClr val="CF3338"/>
-              </a:buClr>
-              <a:buFont typeface="Arial" panose="020B0604020202020204" pitchFamily="34" charset="0"/>
-              <a:buChar char="•"/>
-            </a:pPr>
-            <a:r>
-              <a:rPr lang="en-US" sz="2800" dirty="0">
-                <a:solidFill>
-                  <a:srgbClr val="707070"/>
-                </a:solidFill>
-                <a:latin typeface="Pragmatica" panose="020B0403040502020204"/>
-              </a:rPr>
-              <a:t>Give the notebook a name (click and write over </a:t>
-            </a:r>
-            <a:r>
-              <a:rPr lang="en-US" sz="2800" i="1" dirty="0">
-                <a:solidFill>
-                  <a:srgbClr val="707070"/>
-                </a:solidFill>
-                <a:latin typeface="Pragmatica" panose="020B0403040502020204"/>
-              </a:rPr>
-              <a:t>Untitled</a:t>
-            </a:r>
-            <a:r>
-              <a:rPr lang="en-US" sz="2800" dirty="0">
-                <a:solidFill>
-                  <a:srgbClr val="707070"/>
-                </a:solidFill>
-                <a:latin typeface="Pragmatica" panose="020B0403040502020204"/>
-              </a:rPr>
-              <a:t>)</a:t>
-            </a:r>
-          </a:p>
-        </p:txBody>
-      </p:sp>
+        </p:txBody>
+      </p:sp>
+      <p:pic>
+        <p:nvPicPr>
+          <p:cNvPr id="3" name="Picture 2">
+            <a:extLst>
+              <a:ext uri="{FF2B5EF4-FFF2-40B4-BE49-F238E27FC236}">
+                <a16:creationId xmlns:a16="http://schemas.microsoft.com/office/drawing/2014/main" id="{9BDD9B39-F45B-4AC7-AF2D-F769368112BC}"/>
+              </a:ext>
+            </a:extLst>
+          </p:cNvPr>
+          <p:cNvPicPr>
+            <a:picLocks noChangeAspect="1"/>
+          </p:cNvPicPr>
+          <p:nvPr/>
+        </p:nvPicPr>
+        <p:blipFill>
+          <a:blip r:embed="rId4"/>
+          <a:stretch>
+            <a:fillRect/>
+          </a:stretch>
+        </p:blipFill>
+        <p:spPr>
+          <a:xfrm>
+            <a:off x="4289945" y="4543782"/>
+            <a:ext cx="1441228" cy="635573"/>
+          </a:xfrm>
+          <a:prstGeom prst="rect">
+            <a:avLst/>
+          </a:prstGeom>
+        </p:spPr>
+      </p:pic>
     </p:spTree>
     <p:extLst>
       <p:ext uri="{BB962C8B-B14F-4D97-AF65-F5344CB8AC3E}">

--- a/aina-getting-started.pptx
+++ b/aina-getting-started.pptx
@@ -1838,7 +1838,7 @@
           <a:p>
             <a:fld id="{503F064B-41F2-4661-BDF0-BFD135E9A557}" type="datetimeFigureOut">
               <a:rPr lang="en-US" smtClean="0"/>
-              <a:t>8/12/2021</a:t>
+              <a:t>8/20/2021</a:t>
             </a:fld>
             <a:endParaRPr lang="en-US"/>
           </a:p>
@@ -2742,7 +2742,7 @@
           <a:p>
             <a:fld id="{0138B082-EFC2-46C1-B47C-51736C670379}" type="datetimeFigureOut">
               <a:rPr lang="en-US" smtClean="0"/>
-              <a:t>8/12/2021</a:t>
+              <a:t>8/20/2021</a:t>
             </a:fld>
             <a:endParaRPr lang="en-US"/>
           </a:p>
@@ -2910,7 +2910,7 @@
           <a:p>
             <a:fld id="{0138B082-EFC2-46C1-B47C-51736C670379}" type="datetimeFigureOut">
               <a:rPr lang="en-US" smtClean="0"/>
-              <a:t>8/12/2021</a:t>
+              <a:t>8/20/2021</a:t>
             </a:fld>
             <a:endParaRPr lang="en-US"/>
           </a:p>
@@ -3088,7 +3088,7 @@
           <a:p>
             <a:fld id="{0138B082-EFC2-46C1-B47C-51736C670379}" type="datetimeFigureOut">
               <a:rPr lang="en-US" smtClean="0"/>
-              <a:t>8/12/2021</a:t>
+              <a:t>8/20/2021</a:t>
             </a:fld>
             <a:endParaRPr lang="en-US"/>
           </a:p>
@@ -3256,7 +3256,7 @@
           <a:p>
             <a:fld id="{0138B082-EFC2-46C1-B47C-51736C670379}" type="datetimeFigureOut">
               <a:rPr lang="en-US" smtClean="0"/>
-              <a:t>8/12/2021</a:t>
+              <a:t>8/20/2021</a:t>
             </a:fld>
             <a:endParaRPr lang="en-US"/>
           </a:p>
@@ -3501,7 +3501,7 @@
           <a:p>
             <a:fld id="{0138B082-EFC2-46C1-B47C-51736C670379}" type="datetimeFigureOut">
               <a:rPr lang="en-US" smtClean="0"/>
-              <a:t>8/12/2021</a:t>
+              <a:t>8/20/2021</a:t>
             </a:fld>
             <a:endParaRPr lang="en-US"/>
           </a:p>
@@ -3730,7 +3730,7 @@
           <a:p>
             <a:fld id="{0138B082-EFC2-46C1-B47C-51736C670379}" type="datetimeFigureOut">
               <a:rPr lang="en-US" smtClean="0"/>
-              <a:t>8/12/2021</a:t>
+              <a:t>8/20/2021</a:t>
             </a:fld>
             <a:endParaRPr lang="en-US"/>
           </a:p>
@@ -4094,7 +4094,7 @@
           <a:p>
             <a:fld id="{0138B082-EFC2-46C1-B47C-51736C670379}" type="datetimeFigureOut">
               <a:rPr lang="en-US" smtClean="0"/>
-              <a:t>8/12/2021</a:t>
+              <a:t>8/20/2021</a:t>
             </a:fld>
             <a:endParaRPr lang="en-US"/>
           </a:p>
@@ -4211,7 +4211,7 @@
           <a:p>
             <a:fld id="{0138B082-EFC2-46C1-B47C-51736C670379}" type="datetimeFigureOut">
               <a:rPr lang="en-US" smtClean="0"/>
-              <a:t>8/12/2021</a:t>
+              <a:t>8/20/2021</a:t>
             </a:fld>
             <a:endParaRPr lang="en-US"/>
           </a:p>
@@ -4306,7 +4306,7 @@
           <a:p>
             <a:fld id="{0138B082-EFC2-46C1-B47C-51736C670379}" type="datetimeFigureOut">
               <a:rPr lang="en-US" smtClean="0"/>
-              <a:t>8/12/2021</a:t>
+              <a:t>8/20/2021</a:t>
             </a:fld>
             <a:endParaRPr lang="en-US"/>
           </a:p>
@@ -4581,7 +4581,7 @@
           <a:p>
             <a:fld id="{0138B082-EFC2-46C1-B47C-51736C670379}" type="datetimeFigureOut">
               <a:rPr lang="en-US" smtClean="0"/>
-              <a:t>8/12/2021</a:t>
+              <a:t>8/20/2021</a:t>
             </a:fld>
             <a:endParaRPr lang="en-US"/>
           </a:p>
@@ -4833,7 +4833,7 @@
           <a:p>
             <a:fld id="{0138B082-EFC2-46C1-B47C-51736C670379}" type="datetimeFigureOut">
               <a:rPr lang="en-US" smtClean="0"/>
-              <a:t>8/12/2021</a:t>
+              <a:t>8/20/2021</a:t>
             </a:fld>
             <a:endParaRPr lang="en-US"/>
           </a:p>
@@ -5044,7 +5044,7 @@
           <a:p>
             <a:fld id="{0138B082-EFC2-46C1-B47C-51736C670379}" type="datetimeFigureOut">
               <a:rPr lang="en-US" smtClean="0"/>
-              <a:t>8/12/2021</a:t>
+              <a:t>8/20/2021</a:t>
             </a:fld>
             <a:endParaRPr lang="en-US"/>
           </a:p>
@@ -7445,7 +7445,7 @@
         </p:nvSpPr>
         <p:spPr>
           <a:xfrm>
-            <a:off x="944945" y="2542401"/>
+            <a:off x="780942" y="2889223"/>
             <a:ext cx="5679887" cy="2677656"/>
           </a:xfrm>
           <a:prstGeom prst="rect">
@@ -7563,8 +7563,8 @@
         </p:nvSpPr>
         <p:spPr>
           <a:xfrm>
-            <a:off x="6460829" y="2542401"/>
-            <a:ext cx="5679887" cy="3108543"/>
+            <a:off x="6387614" y="2897683"/>
+            <a:ext cx="5679887" cy="3539430"/>
           </a:xfrm>
           <a:prstGeom prst="rect">
             <a:avLst/>
@@ -7638,7 +7638,7 @@
                 </a:solidFill>
                 <a:latin typeface="Pragmatica" panose="020B0403040502020204"/>
               </a:rPr>
-              <a:t> method (work the same as </a:t>
+              <a:t> method (works the same as </a:t>
             </a:r>
             <a:r>
               <a:rPr lang="en-US" sz="2800" dirty="0">
@@ -7719,7 +7719,7 @@
         </p:blipFill>
         <p:spPr>
           <a:xfrm>
-            <a:off x="4289945" y="4543782"/>
+            <a:off x="4654772" y="5370653"/>
             <a:ext cx="1441228" cy="635573"/>
           </a:xfrm>
           <a:prstGeom prst="rect">

--- a/aina-getting-started.pptx
+++ b/aina-getting-started.pptx
@@ -5,21 +5,22 @@
     <p:sldMasterId id="2147483648" r:id="rId1"/>
   </p:sldMasterIdLst>
   <p:notesMasterIdLst>
-    <p:notesMasterId r:id="rId14"/>
+    <p:notesMasterId r:id="rId15"/>
   </p:notesMasterIdLst>
   <p:sldIdLst>
     <p:sldId id="256" r:id="rId2"/>
     <p:sldId id="393" r:id="rId3"/>
-    <p:sldId id="392" r:id="rId4"/>
-    <p:sldId id="332" r:id="rId5"/>
-    <p:sldId id="411" r:id="rId6"/>
-    <p:sldId id="426" r:id="rId7"/>
-    <p:sldId id="431" r:id="rId8"/>
-    <p:sldId id="338" r:id="rId9"/>
-    <p:sldId id="433" r:id="rId10"/>
-    <p:sldId id="336" r:id="rId11"/>
-    <p:sldId id="434" r:id="rId12"/>
-    <p:sldId id="432" r:id="rId13"/>
+    <p:sldId id="435" r:id="rId4"/>
+    <p:sldId id="392" r:id="rId5"/>
+    <p:sldId id="332" r:id="rId6"/>
+    <p:sldId id="411" r:id="rId7"/>
+    <p:sldId id="426" r:id="rId8"/>
+    <p:sldId id="431" r:id="rId9"/>
+    <p:sldId id="338" r:id="rId10"/>
+    <p:sldId id="433" r:id="rId11"/>
+    <p:sldId id="336" r:id="rId12"/>
+    <p:sldId id="434" r:id="rId13"/>
+    <p:sldId id="432" r:id="rId14"/>
   </p:sldIdLst>
   <p:sldSz cx="12192000" cy="6858000"/>
   <p:notesSz cx="6858000" cy="9144000"/>
@@ -1838,7 +1839,7 @@
           <a:p>
             <a:fld id="{503F064B-41F2-4661-BDF0-BFD135E9A557}" type="datetimeFigureOut">
               <a:rPr lang="en-US" smtClean="0"/>
-              <a:t>8/20/2021</a:t>
+              <a:t>8/24/2021</a:t>
             </a:fld>
             <a:endParaRPr lang="en-US"/>
           </a:p>
@@ -2182,7 +2183,7 @@
           <a:p>
             <a:fld id="{3BB66621-ADCC-4EF8-8003-B9D3E881DCD2}" type="slidenum">
               <a:rPr lang="en-US" smtClean="0"/>
-              <a:t>3</a:t>
+              <a:t>4</a:t>
             </a:fld>
             <a:endParaRPr lang="en-US"/>
           </a:p>
@@ -2275,7 +2276,7 @@
           <a:p>
             <a:fld id="{3BB66621-ADCC-4EF8-8003-B9D3E881DCD2}" type="slidenum">
               <a:rPr lang="en-US" smtClean="0"/>
-              <a:t>4</a:t>
+              <a:t>5</a:t>
             </a:fld>
             <a:endParaRPr lang="en-US"/>
           </a:p>
@@ -2362,7 +2363,7 @@
           <a:p>
             <a:fld id="{3BB66621-ADCC-4EF8-8003-B9D3E881DCD2}" type="slidenum">
               <a:rPr lang="en-US" smtClean="0"/>
-              <a:t>5</a:t>
+              <a:t>6</a:t>
             </a:fld>
             <a:endParaRPr lang="en-US"/>
           </a:p>
@@ -2478,7 +2479,7 @@
           <a:p>
             <a:fld id="{3BB66621-ADCC-4EF8-8003-B9D3E881DCD2}" type="slidenum">
               <a:rPr lang="en-US" smtClean="0"/>
-              <a:t>8</a:t>
+              <a:t>9</a:t>
             </a:fld>
             <a:endParaRPr lang="en-US"/>
           </a:p>
@@ -2594,7 +2595,7 @@
           <a:p>
             <a:fld id="{3BB66621-ADCC-4EF8-8003-B9D3E881DCD2}" type="slidenum">
               <a:rPr lang="en-US" smtClean="0"/>
-              <a:t>9</a:t>
+              <a:t>10</a:t>
             </a:fld>
             <a:endParaRPr lang="en-US"/>
           </a:p>
@@ -2742,7 +2743,7 @@
           <a:p>
             <a:fld id="{0138B082-EFC2-46C1-B47C-51736C670379}" type="datetimeFigureOut">
               <a:rPr lang="en-US" smtClean="0"/>
-              <a:t>8/20/2021</a:t>
+              <a:t>8/24/2021</a:t>
             </a:fld>
             <a:endParaRPr lang="en-US"/>
           </a:p>
@@ -2910,7 +2911,7 @@
           <a:p>
             <a:fld id="{0138B082-EFC2-46C1-B47C-51736C670379}" type="datetimeFigureOut">
               <a:rPr lang="en-US" smtClean="0"/>
-              <a:t>8/20/2021</a:t>
+              <a:t>8/24/2021</a:t>
             </a:fld>
             <a:endParaRPr lang="en-US"/>
           </a:p>
@@ -3088,7 +3089,7 @@
           <a:p>
             <a:fld id="{0138B082-EFC2-46C1-B47C-51736C670379}" type="datetimeFigureOut">
               <a:rPr lang="en-US" smtClean="0"/>
-              <a:t>8/20/2021</a:t>
+              <a:t>8/24/2021</a:t>
             </a:fld>
             <a:endParaRPr lang="en-US"/>
           </a:p>
@@ -3256,7 +3257,7 @@
           <a:p>
             <a:fld id="{0138B082-EFC2-46C1-B47C-51736C670379}" type="datetimeFigureOut">
               <a:rPr lang="en-US" smtClean="0"/>
-              <a:t>8/20/2021</a:t>
+              <a:t>8/24/2021</a:t>
             </a:fld>
             <a:endParaRPr lang="en-US"/>
           </a:p>
@@ -3501,7 +3502,7 @@
           <a:p>
             <a:fld id="{0138B082-EFC2-46C1-B47C-51736C670379}" type="datetimeFigureOut">
               <a:rPr lang="en-US" smtClean="0"/>
-              <a:t>8/20/2021</a:t>
+              <a:t>8/24/2021</a:t>
             </a:fld>
             <a:endParaRPr lang="en-US"/>
           </a:p>
@@ -3730,7 +3731,7 @@
           <a:p>
             <a:fld id="{0138B082-EFC2-46C1-B47C-51736C670379}" type="datetimeFigureOut">
               <a:rPr lang="en-US" smtClean="0"/>
-              <a:t>8/20/2021</a:t>
+              <a:t>8/24/2021</a:t>
             </a:fld>
             <a:endParaRPr lang="en-US"/>
           </a:p>
@@ -4094,7 +4095,7 @@
           <a:p>
             <a:fld id="{0138B082-EFC2-46C1-B47C-51736C670379}" type="datetimeFigureOut">
               <a:rPr lang="en-US" smtClean="0"/>
-              <a:t>8/20/2021</a:t>
+              <a:t>8/24/2021</a:t>
             </a:fld>
             <a:endParaRPr lang="en-US"/>
           </a:p>
@@ -4211,7 +4212,7 @@
           <a:p>
             <a:fld id="{0138B082-EFC2-46C1-B47C-51736C670379}" type="datetimeFigureOut">
               <a:rPr lang="en-US" smtClean="0"/>
-              <a:t>8/20/2021</a:t>
+              <a:t>8/24/2021</a:t>
             </a:fld>
             <a:endParaRPr lang="en-US"/>
           </a:p>
@@ -4306,7 +4307,7 @@
           <a:p>
             <a:fld id="{0138B082-EFC2-46C1-B47C-51736C670379}" type="datetimeFigureOut">
               <a:rPr lang="en-US" smtClean="0"/>
-              <a:t>8/20/2021</a:t>
+              <a:t>8/24/2021</a:t>
             </a:fld>
             <a:endParaRPr lang="en-US"/>
           </a:p>
@@ -4581,7 +4582,7 @@
           <a:p>
             <a:fld id="{0138B082-EFC2-46C1-B47C-51736C670379}" type="datetimeFigureOut">
               <a:rPr lang="en-US" smtClean="0"/>
-              <a:t>8/20/2021</a:t>
+              <a:t>8/24/2021</a:t>
             </a:fld>
             <a:endParaRPr lang="en-US"/>
           </a:p>
@@ -4833,7 +4834,7 @@
           <a:p>
             <a:fld id="{0138B082-EFC2-46C1-B47C-51736C670379}" type="datetimeFigureOut">
               <a:rPr lang="en-US" smtClean="0"/>
-              <a:t>8/20/2021</a:t>
+              <a:t>8/24/2021</a:t>
             </a:fld>
             <a:endParaRPr lang="en-US"/>
           </a:p>
@@ -5044,7 +5045,7 @@
           <a:p>
             <a:fld id="{0138B082-EFC2-46C1-B47C-51736C670379}" type="datetimeFigureOut">
               <a:rPr lang="en-US" smtClean="0"/>
-              <a:t>8/20/2021</a:t>
+              <a:t>8/24/2021</a:t>
             </a:fld>
             <a:endParaRPr lang="en-US"/>
           </a:p>
@@ -5670,7 +5671,7 @@
           <p:nvPr/>
         </p:nvPicPr>
         <p:blipFill rotWithShape="1">
-          <a:blip r:embed="rId2">
+          <a:blip r:embed="rId3">
             <a:extLst>
               <a:ext uri="{28A0092B-C50C-407E-A947-70E740481C1C}">
                 <a14:useLocalDpi xmlns:a14="http://schemas.microsoft.com/office/drawing/2010/main" val="0"/>
@@ -5682,24 +5683,138 @@
         </p:blipFill>
         <p:spPr>
           <a:xfrm>
-            <a:off x="8136460" y="2210765"/>
-            <a:ext cx="4055539" cy="4647236"/>
+            <a:off x="10894024" y="5370653"/>
+            <a:ext cx="1297975" cy="1487348"/>
           </a:xfrm>
           <a:prstGeom prst="rect">
             <a:avLst/>
           </a:prstGeom>
         </p:spPr>
       </p:pic>
+      <p:sp>
+        <p:nvSpPr>
+          <p:cNvPr id="11" name="TextBox 10"/>
+          <p:cNvSpPr txBox="1"/>
+          <p:nvPr/>
+        </p:nvSpPr>
+        <p:spPr>
+          <a:xfrm>
+            <a:off x="347240" y="113388"/>
+            <a:ext cx="10861534" cy="1015663"/>
+          </a:xfrm>
+          <a:prstGeom prst="rect">
+            <a:avLst/>
+          </a:prstGeom>
+          <a:noFill/>
+        </p:spPr>
+        <p:txBody>
+          <a:bodyPr wrap="square" rtlCol="0">
+            <a:spAutoFit/>
+          </a:bodyPr>
+          <a:lstStyle/>
+          <a:p>
+            <a:r>
+              <a:rPr lang="en-US" sz="6000" dirty="0">
+                <a:latin typeface="Aliens &amp; cows" panose="00000500000000000000" pitchFamily="2" charset="0"/>
+              </a:rPr>
+              <a:t>Want more? </a:t>
+            </a:r>
+          </a:p>
+        </p:txBody>
+      </p:sp>
+      <p:sp>
+        <p:nvSpPr>
+          <p:cNvPr id="4" name="TextBox 3">
+            <a:extLst>
+              <a:ext uri="{FF2B5EF4-FFF2-40B4-BE49-F238E27FC236}">
+                <a16:creationId xmlns:a16="http://schemas.microsoft.com/office/drawing/2014/main" id="{5A4F6C64-3E8D-4255-95B8-CF64265213DA}"/>
+              </a:ext>
+            </a:extLst>
+          </p:cNvPr>
+          <p:cNvSpPr txBox="1"/>
+          <p:nvPr/>
+        </p:nvSpPr>
+        <p:spPr>
+          <a:xfrm>
+            <a:off x="347240" y="1465093"/>
+            <a:ext cx="9688858" cy="954107"/>
+          </a:xfrm>
+          <a:prstGeom prst="rect">
+            <a:avLst/>
+          </a:prstGeom>
+          <a:noFill/>
+        </p:spPr>
+        <p:txBody>
+          <a:bodyPr wrap="square" rtlCol="0">
+            <a:spAutoFit/>
+          </a:bodyPr>
+          <a:lstStyle/>
+          <a:p>
+            <a:pPr marL="457200" indent="-457200">
+              <a:buClr>
+                <a:srgbClr val="CF3338"/>
+              </a:buClr>
+              <a:buFont typeface="Arial" panose="020B0604020202020204" pitchFamily="34" charset="0"/>
+              <a:buChar char="•"/>
+            </a:pPr>
+            <a:r>
+              <a:rPr lang="en-US" sz="2800" dirty="0">
+                <a:solidFill>
+                  <a:srgbClr val="707070"/>
+                </a:solidFill>
+                <a:latin typeface="Pragmatica" panose="020B0403040502020204" pitchFamily="34" charset="0"/>
+              </a:rPr>
+              <a:t>Sign up for course waiting list: </a:t>
+            </a:r>
+            <a:r>
+              <a:rPr lang="en-US" sz="2800" b="1" dirty="0">
+                <a:solidFill>
+                  <a:srgbClr val="707070"/>
+                </a:solidFill>
+                <a:latin typeface="Pragmatica" panose="020B0403040502020204" pitchFamily="34" charset="0"/>
+                <a:hlinkClick r:id="rId4"/>
+              </a:rPr>
+              <a:t>https://stringfestanalytics.com/aina-waiting</a:t>
+            </a:r>
+            <a:r>
+              <a:rPr lang="en-US" sz="2800" dirty="0">
+                <a:solidFill>
+                  <a:srgbClr val="707070"/>
+                </a:solidFill>
+                <a:latin typeface="Pragmatica" panose="020B0403040502020204" pitchFamily="34" charset="0"/>
+                <a:hlinkClick r:id="rId4"/>
+              </a:rPr>
+              <a:t>/</a:t>
+            </a:r>
+            <a:r>
+              <a:rPr lang="en-US" sz="2800" dirty="0">
+                <a:solidFill>
+                  <a:srgbClr val="707070"/>
+                </a:solidFill>
+                <a:latin typeface="Pragmatica" panose="020B0403040502020204" pitchFamily="34" charset="0"/>
+              </a:rPr>
+              <a:t>    </a:t>
+            </a:r>
+          </a:p>
+        </p:txBody>
+      </p:sp>
       <p:pic>
         <p:nvPicPr>
-          <p:cNvPr id="4" name="Picture 3"/>
+          <p:cNvPr id="3" name="Picture 2" descr="A bird standing on a white surface&#10;&#10;Description automatically generated with low confidence">
+            <a:hlinkClick r:id="rId4"/>
+            <a:extLst>
+              <a:ext uri="{FF2B5EF4-FFF2-40B4-BE49-F238E27FC236}">
+                <a16:creationId xmlns:a16="http://schemas.microsoft.com/office/drawing/2014/main" id="{2BD72895-0339-43FE-8F98-905E02F0E9E7}"/>
+              </a:ext>
+            </a:extLst>
+          </p:cNvPr>
           <p:cNvPicPr>
             <a:picLocks noChangeAspect="1"/>
           </p:cNvPicPr>
           <p:nvPr/>
         </p:nvPicPr>
         <p:blipFill>
-          <a:blip r:embed="rId3">
+          <a:blip r:embed="rId5">
             <a:extLst>
               <a:ext uri="{28A0092B-C50C-407E-A947-70E740481C1C}">
                 <a14:useLocalDpi xmlns:a14="http://schemas.microsoft.com/office/drawing/2010/main" val="0"/>
@@ -5712,76 +5827,18 @@
         </p:blipFill>
         <p:spPr>
           <a:xfrm>
-            <a:off x="-538496" y="-2482770"/>
-            <a:ext cx="10171472" cy="7459883"/>
+            <a:off x="2095512" y="2491739"/>
+            <a:ext cx="7364990" cy="4142807"/>
           </a:xfrm>
           <a:prstGeom prst="rect">
             <a:avLst/>
           </a:prstGeom>
         </p:spPr>
       </p:pic>
-      <p:sp>
-        <p:nvSpPr>
-          <p:cNvPr id="11" name="TextBox 10"/>
-          <p:cNvSpPr txBox="1"/>
-          <p:nvPr/>
-        </p:nvSpPr>
-        <p:spPr>
-          <a:xfrm>
-            <a:off x="324091" y="1687545"/>
-            <a:ext cx="7986531" cy="1384995"/>
-          </a:xfrm>
-          <a:prstGeom prst="rect">
-            <a:avLst/>
-          </a:prstGeom>
-          <a:noFill/>
-        </p:spPr>
-        <p:txBody>
-          <a:bodyPr wrap="square" rtlCol="0">
-            <a:spAutoFit/>
-          </a:bodyPr>
-          <a:lstStyle/>
-          <a:p>
-            <a:r>
-              <a:rPr lang="en-US" sz="2800" b="1" dirty="0">
-                <a:solidFill>
-                  <a:srgbClr val="707070"/>
-                </a:solidFill>
-                <a:latin typeface="Pragmatica" panose="020B0403040502020204" pitchFamily="34" charset="0"/>
-              </a:rPr>
-              <a:t>Event survey: </a:t>
-            </a:r>
-            <a:r>
-              <a:rPr lang="en-US" sz="2800" b="1" dirty="0">
-                <a:solidFill>
-                  <a:srgbClr val="707070"/>
-                </a:solidFill>
-                <a:latin typeface="Pragmatica" panose="020B0403040502020204" pitchFamily="34" charset="0"/>
-                <a:hlinkClick r:id="rId4"/>
-              </a:rPr>
-              <a:t>https://forms.office.com/r/0ZnD0LxpZy</a:t>
-            </a:r>
-            <a:endParaRPr lang="en-US" sz="2800" b="1" dirty="0">
-              <a:solidFill>
-                <a:srgbClr val="707070"/>
-              </a:solidFill>
-              <a:latin typeface="Pragmatica" panose="020B0403040502020204" pitchFamily="34" charset="0"/>
-            </a:endParaRPr>
-          </a:p>
-          <a:p>
-            <a:endParaRPr lang="en-US" sz="2800" b="1" dirty="0">
-              <a:solidFill>
-                <a:srgbClr val="707070"/>
-              </a:solidFill>
-              <a:latin typeface="Pragmatica" panose="020B0403040502020204" pitchFamily="34" charset="0"/>
-            </a:endParaRPr>
-          </a:p>
-        </p:txBody>
-      </p:sp>
     </p:spTree>
     <p:extLst>
       <p:ext uri="{BB962C8B-B14F-4D97-AF65-F5344CB8AC3E}">
-        <p14:creationId xmlns:p14="http://schemas.microsoft.com/office/powerpoint/2010/main" val="2312071835"/>
+        <p14:creationId xmlns:p14="http://schemas.microsoft.com/office/powerpoint/2010/main" val="1574051232"/>
       </p:ext>
     </p:extLst>
   </p:cSld>
@@ -5876,7 +5933,7 @@
         <p:spPr>
           <a:xfrm>
             <a:off x="324091" y="1687545"/>
-            <a:ext cx="7986531" cy="1077218"/>
+            <a:ext cx="7986531" cy="1384995"/>
           </a:xfrm>
           <a:prstGeom prst="rect">
             <a:avLst/>
@@ -5890,29 +5947,45 @@
           <a:lstStyle/>
           <a:p>
             <a:r>
-              <a:rPr lang="en-US" sz="4400" b="1" dirty="0">
+              <a:rPr lang="en-US" sz="2800" b="1" dirty="0">
                 <a:solidFill>
                   <a:srgbClr val="707070"/>
                 </a:solidFill>
                 <a:latin typeface="Pragmatica" panose="020B0403040502020204" pitchFamily="34" charset="0"/>
               </a:rPr>
-              <a:t>Questions?</a:t>
-            </a:r>
-          </a:p>
-          <a:p>
-            <a:endParaRPr lang="en-US" sz="2000" b="1" i="1" dirty="0">
+              <a:t>Event survey: </a:t>
+            </a:r>
+            <a:r>
+              <a:rPr lang="en-US" sz="2800" b="1" dirty="0">
+                <a:solidFill>
+                  <a:srgbClr val="707070"/>
+                </a:solidFill>
+                <a:latin typeface="Pragmatica" panose="020B0403040502020204" pitchFamily="34" charset="0"/>
+                <a:hlinkClick r:id="rId4"/>
+              </a:rPr>
+              <a:t>https://forms.office.com/r/0ZnD0LxpZy</a:t>
+            </a:r>
+            <a:endParaRPr lang="en-US" sz="2800" b="1" dirty="0">
               <a:solidFill>
                 <a:srgbClr val="707070"/>
               </a:solidFill>
               <a:latin typeface="Pragmatica" panose="020B0403040502020204" pitchFamily="34" charset="0"/>
             </a:endParaRPr>
           </a:p>
+          <a:p>
+            <a:endParaRPr lang="en-US" sz="2800" b="1" dirty="0">
+              <a:solidFill>
+                <a:srgbClr val="707070"/>
+              </a:solidFill>
+              <a:latin typeface="Pragmatica" panose="020B0403040502020204" pitchFamily="34" charset="0"/>
+            </a:endParaRPr>
+          </a:p>
         </p:txBody>
       </p:sp>
     </p:spTree>
     <p:extLst>
       <p:ext uri="{BB962C8B-B14F-4D97-AF65-F5344CB8AC3E}">
-        <p14:creationId xmlns:p14="http://schemas.microsoft.com/office/powerpoint/2010/main" val="2792158884"/>
+        <p14:creationId xmlns:p14="http://schemas.microsoft.com/office/powerpoint/2010/main" val="2312071835"/>
       </p:ext>
     </p:extLst>
   </p:cSld>
@@ -6007,7 +6080,7 @@
         <p:spPr>
           <a:xfrm>
             <a:off x="324091" y="1687545"/>
-            <a:ext cx="7986531" cy="2369880"/>
+            <a:ext cx="7986531" cy="1077218"/>
           </a:xfrm>
           <a:prstGeom prst="rect">
             <a:avLst/>
@@ -6021,83 +6094,29 @@
           <a:lstStyle/>
           <a:p>
             <a:r>
-              <a:rPr lang="en-US" sz="3600" b="1" dirty="0">
+              <a:rPr lang="en-US" sz="4400" b="1" dirty="0">
                 <a:solidFill>
                   <a:srgbClr val="707070"/>
                 </a:solidFill>
                 <a:latin typeface="Pragmatica" panose="020B0403040502020204" pitchFamily="34" charset="0"/>
               </a:rPr>
-              <a:t>THANK YOU</a:t>
-            </a:r>
-          </a:p>
-          <a:p>
-            <a:endParaRPr lang="en-US" sz="2800" b="1" dirty="0">
+              <a:t>Questions?</a:t>
+            </a:r>
+          </a:p>
+          <a:p>
+            <a:endParaRPr lang="en-US" sz="2000" b="1" i="1" dirty="0">
               <a:solidFill>
                 <a:srgbClr val="707070"/>
               </a:solidFill>
               <a:latin typeface="Pragmatica" panose="020B0403040502020204" pitchFamily="34" charset="0"/>
             </a:endParaRPr>
           </a:p>
-          <a:p>
-            <a:r>
-              <a:rPr lang="en-US" sz="2800" b="1" dirty="0">
-                <a:solidFill>
-                  <a:srgbClr val="707070"/>
-                </a:solidFill>
-                <a:latin typeface="Pragmatica" panose="020B0403040502020204" pitchFamily="34" charset="0"/>
-                <a:hlinkClick r:id="rId4"/>
-              </a:rPr>
-              <a:t>george@stringfestanalytics.com</a:t>
-            </a:r>
-            <a:endParaRPr lang="en-US" sz="2800" b="1" dirty="0">
-              <a:solidFill>
-                <a:srgbClr val="707070"/>
-              </a:solidFill>
-              <a:latin typeface="Pragmatica" panose="020B0403040502020204" pitchFamily="34" charset="0"/>
-            </a:endParaRPr>
-          </a:p>
-          <a:p>
-            <a:r>
-              <a:rPr lang="en-US" sz="2800" b="1" dirty="0">
-                <a:solidFill>
-                  <a:srgbClr val="707070"/>
-                </a:solidFill>
-                <a:latin typeface="Pragmatica" panose="020B0403040502020204" pitchFamily="34" charset="0"/>
-                <a:hlinkClick r:id="rId5"/>
-              </a:rPr>
-              <a:t>linkedin.com/in/gjmount</a:t>
-            </a:r>
-            <a:endParaRPr lang="en-US" sz="2800" b="1" dirty="0">
-              <a:solidFill>
-                <a:srgbClr val="707070"/>
-              </a:solidFill>
-              <a:latin typeface="Pragmatica" panose="020B0403040502020204" pitchFamily="34" charset="0"/>
-            </a:endParaRPr>
-          </a:p>
-          <a:p>
-            <a:r>
-              <a:rPr lang="en-US" sz="2800" b="1" dirty="0">
-                <a:solidFill>
-                  <a:srgbClr val="707070"/>
-                </a:solidFill>
-                <a:latin typeface="Pragmatica" panose="020B0403040502020204" pitchFamily="34" charset="0"/>
-                <a:hlinkClick r:id="rId6"/>
-              </a:rPr>
-              <a:t>stringfestanalytics.com/contact  </a:t>
-            </a:r>
-            <a:endParaRPr lang="en-US" sz="2800" b="1" dirty="0">
-              <a:solidFill>
-                <a:srgbClr val="707070"/>
-              </a:solidFill>
-              <a:latin typeface="Pragmatica" panose="020B0403040502020204" pitchFamily="34" charset="0"/>
-            </a:endParaRPr>
-          </a:p>
         </p:txBody>
       </p:sp>
     </p:spTree>
     <p:extLst>
       <p:ext uri="{BB962C8B-B14F-4D97-AF65-F5344CB8AC3E}">
-        <p14:creationId xmlns:p14="http://schemas.microsoft.com/office/powerpoint/2010/main" val="3712320391"/>
+        <p14:creationId xmlns:p14="http://schemas.microsoft.com/office/powerpoint/2010/main" val="2792158884"/>
       </p:ext>
     </p:extLst>
   </p:cSld>
@@ -6107,796 +6126,7 @@
 </p:sld>
 </file>
 
-<file path=ppt/slides/slide2.xml><?xml version="1.0" encoding="utf-8"?>
-<p:sld xmlns:a="http://schemas.openxmlformats.org/drawingml/2006/main" xmlns:r="http://schemas.openxmlformats.org/officeDocument/2006/relationships" xmlns:p="http://schemas.openxmlformats.org/presentationml/2006/main">
-  <p:cSld>
-    <p:spTree>
-      <p:nvGrpSpPr>
-        <p:cNvPr id="1" name=""/>
-        <p:cNvGrpSpPr/>
-        <p:nvPr/>
-      </p:nvGrpSpPr>
-      <p:grpSpPr>
-        <a:xfrm>
-          <a:off x="0" y="0"/>
-          <a:ext cx="0" cy="0"/>
-          <a:chOff x="0" y="0"/>
-          <a:chExt cx="0" cy="0"/>
-        </a:xfrm>
-      </p:grpSpPr>
-      <p:pic>
-        <p:nvPicPr>
-          <p:cNvPr id="10" name="Picture 9"/>
-          <p:cNvPicPr>
-            <a:picLocks noChangeAspect="1"/>
-          </p:cNvPicPr>
-          <p:nvPr/>
-        </p:nvPicPr>
-        <p:blipFill rotWithShape="1">
-          <a:blip r:embed="rId2">
-            <a:extLst>
-              <a:ext uri="{28A0092B-C50C-407E-A947-70E740481C1C}">
-                <a14:useLocalDpi xmlns:a14="http://schemas.microsoft.com/office/drawing/2010/main" val="0"/>
-              </a:ext>
-            </a:extLst>
-          </a:blip>
-          <a:srcRect l="50728" t="56371"/>
-          <a:stretch/>
-        </p:blipFill>
-        <p:spPr>
-          <a:xfrm>
-            <a:off x="10894024" y="5370653"/>
-            <a:ext cx="1297975" cy="1487348"/>
-          </a:xfrm>
-          <a:prstGeom prst="rect">
-            <a:avLst/>
-          </a:prstGeom>
-        </p:spPr>
-      </p:pic>
-      <p:sp>
-        <p:nvSpPr>
-          <p:cNvPr id="11" name="TextBox 10"/>
-          <p:cNvSpPr txBox="1"/>
-          <p:nvPr/>
-        </p:nvSpPr>
-        <p:spPr>
-          <a:xfrm>
-            <a:off x="347240" y="113388"/>
-            <a:ext cx="9799937" cy="1015663"/>
-          </a:xfrm>
-          <a:prstGeom prst="rect">
-            <a:avLst/>
-          </a:prstGeom>
-          <a:noFill/>
-        </p:spPr>
-        <p:txBody>
-          <a:bodyPr wrap="square" rtlCol="0">
-            <a:spAutoFit/>
-          </a:bodyPr>
-          <a:lstStyle/>
-          <a:p>
-            <a:r>
-              <a:rPr lang="en-US" sz="6000" dirty="0">
-                <a:latin typeface="Aliens &amp; cows" panose="00000500000000000000" pitchFamily="2" charset="0"/>
-              </a:rPr>
-              <a:t>Learning objectives</a:t>
-            </a:r>
-          </a:p>
-        </p:txBody>
-      </p:sp>
-      <p:sp>
-        <p:nvSpPr>
-          <p:cNvPr id="3" name="TextBox 2"/>
-          <p:cNvSpPr txBox="1"/>
-          <p:nvPr/>
-        </p:nvSpPr>
-        <p:spPr>
-          <a:xfrm>
-            <a:off x="462987" y="1365813"/>
-            <a:ext cx="9595413" cy="2246769"/>
-          </a:xfrm>
-          <a:prstGeom prst="rect">
-            <a:avLst/>
-          </a:prstGeom>
-          <a:noFill/>
-        </p:spPr>
-        <p:txBody>
-          <a:bodyPr wrap="square" rtlCol="0">
-            <a:spAutoFit/>
-          </a:bodyPr>
-          <a:lstStyle/>
-          <a:p>
-            <a:pPr marL="285750" indent="-285750">
-              <a:buFont typeface="Arial" panose="020B0604020202020204" pitchFamily="34" charset="0"/>
-              <a:buChar char="•"/>
-            </a:pPr>
-            <a:r>
-              <a:rPr lang="en-US" sz="2800" dirty="0">
-                <a:solidFill>
-                  <a:srgbClr val="707070"/>
-                </a:solidFill>
-                <a:latin typeface="Pragmatica" panose="020B0403040502020204" pitchFamily="34" charset="0"/>
-              </a:rPr>
-              <a:t>Situate Excel, R and Python in the data analytics stack</a:t>
-            </a:r>
-          </a:p>
-          <a:p>
-            <a:pPr marL="285750" indent="-285750">
-              <a:buFont typeface="Arial" panose="020B0604020202020204" pitchFamily="34" charset="0"/>
-              <a:buChar char="•"/>
-            </a:pPr>
-            <a:r>
-              <a:rPr lang="en-US" sz="2800" dirty="0">
-                <a:solidFill>
-                  <a:srgbClr val="707070"/>
-                </a:solidFill>
-                <a:latin typeface="Pragmatica" panose="020B0403040502020204" pitchFamily="34" charset="0"/>
-              </a:rPr>
-              <a:t>Prepare a Windows computer to work in all three</a:t>
-            </a:r>
-          </a:p>
-          <a:p>
-            <a:pPr marL="285750" indent="-285750">
-              <a:buFont typeface="Arial" panose="020B0604020202020204" pitchFamily="34" charset="0"/>
-              <a:buChar char="•"/>
-            </a:pPr>
-            <a:r>
-              <a:rPr lang="en-US" sz="2800" dirty="0">
-                <a:solidFill>
-                  <a:srgbClr val="707070"/>
-                </a:solidFill>
-                <a:latin typeface="Pragmatica" panose="020B0403040502020204" pitchFamily="34" charset="0"/>
-              </a:rPr>
-              <a:t>Run summary statistics on a dataset in all three</a:t>
-            </a:r>
-          </a:p>
-          <a:p>
-            <a:pPr marL="285750" indent="-285750">
-              <a:buFont typeface="Arial" panose="020B0604020202020204" pitchFamily="34" charset="0"/>
-              <a:buChar char="•"/>
-            </a:pPr>
-            <a:endParaRPr lang="en-US" sz="2800" dirty="0">
-              <a:solidFill>
-                <a:srgbClr val="707070"/>
-              </a:solidFill>
-              <a:latin typeface="Pragmatica" panose="020B0403040502020204" pitchFamily="34" charset="0"/>
-            </a:endParaRPr>
-          </a:p>
-          <a:p>
-            <a:endParaRPr lang="en-US" sz="2800" dirty="0">
-              <a:solidFill>
-                <a:srgbClr val="707070"/>
-              </a:solidFill>
-              <a:latin typeface="Pragmatica" panose="020B0403040502020204" pitchFamily="34" charset="0"/>
-            </a:endParaRPr>
-          </a:p>
-        </p:txBody>
-      </p:sp>
-    </p:spTree>
-    <p:extLst>
-      <p:ext uri="{BB962C8B-B14F-4D97-AF65-F5344CB8AC3E}">
-        <p14:creationId xmlns:p14="http://schemas.microsoft.com/office/powerpoint/2010/main" val="3245169404"/>
-      </p:ext>
-    </p:extLst>
-  </p:cSld>
-  <p:clrMapOvr>
-    <a:masterClrMapping/>
-  </p:clrMapOvr>
-</p:sld>
-</file>
-
-<file path=ppt/slides/slide3.xml><?xml version="1.0" encoding="utf-8"?>
-<p:sld xmlns:a="http://schemas.openxmlformats.org/drawingml/2006/main" xmlns:r="http://schemas.openxmlformats.org/officeDocument/2006/relationships" xmlns:p="http://schemas.openxmlformats.org/presentationml/2006/main">
-  <p:cSld>
-    <p:spTree>
-      <p:nvGrpSpPr>
-        <p:cNvPr id="1" name=""/>
-        <p:cNvGrpSpPr/>
-        <p:nvPr/>
-      </p:nvGrpSpPr>
-      <p:grpSpPr>
-        <a:xfrm>
-          <a:off x="0" y="0"/>
-          <a:ext cx="0" cy="0"/>
-          <a:chOff x="0" y="0"/>
-          <a:chExt cx="0" cy="0"/>
-        </a:xfrm>
-      </p:grpSpPr>
-      <p:pic>
-        <p:nvPicPr>
-          <p:cNvPr id="10" name="Picture 9"/>
-          <p:cNvPicPr>
-            <a:picLocks noChangeAspect="1"/>
-          </p:cNvPicPr>
-          <p:nvPr/>
-        </p:nvPicPr>
-        <p:blipFill rotWithShape="1">
-          <a:blip r:embed="rId3">
-            <a:extLst>
-              <a:ext uri="{28A0092B-C50C-407E-A947-70E740481C1C}">
-                <a14:useLocalDpi xmlns:a14="http://schemas.microsoft.com/office/drawing/2010/main" val="0"/>
-              </a:ext>
-            </a:extLst>
-          </a:blip>
-          <a:srcRect l="50728" t="56371"/>
-          <a:stretch/>
-        </p:blipFill>
-        <p:spPr>
-          <a:xfrm>
-            <a:off x="10894024" y="5370653"/>
-            <a:ext cx="1297975" cy="1487348"/>
-          </a:xfrm>
-          <a:prstGeom prst="rect">
-            <a:avLst/>
-          </a:prstGeom>
-        </p:spPr>
-      </p:pic>
-      <p:sp>
-        <p:nvSpPr>
-          <p:cNvPr id="11" name="TextBox 10"/>
-          <p:cNvSpPr txBox="1"/>
-          <p:nvPr/>
-        </p:nvSpPr>
-        <p:spPr>
-          <a:xfrm>
-            <a:off x="347240" y="113388"/>
-            <a:ext cx="9799937" cy="1015663"/>
-          </a:xfrm>
-          <a:prstGeom prst="rect">
-            <a:avLst/>
-          </a:prstGeom>
-          <a:noFill/>
-        </p:spPr>
-        <p:txBody>
-          <a:bodyPr wrap="square" rtlCol="0">
-            <a:spAutoFit/>
-          </a:bodyPr>
-          <a:lstStyle/>
-          <a:p>
-            <a:r>
-              <a:rPr lang="en-US" sz="6000" dirty="0">
-                <a:latin typeface="Aliens &amp; cows" panose="00000500000000000000" pitchFamily="2" charset="0"/>
-              </a:rPr>
-              <a:t>Follow along</a:t>
-            </a:r>
-          </a:p>
-        </p:txBody>
-      </p:sp>
-      <p:sp>
-        <p:nvSpPr>
-          <p:cNvPr id="3" name="TextBox 2"/>
-          <p:cNvSpPr txBox="1"/>
-          <p:nvPr/>
-        </p:nvSpPr>
-        <p:spPr>
-          <a:xfrm>
-            <a:off x="462987" y="1365813"/>
-            <a:ext cx="8387397" cy="1384995"/>
-          </a:xfrm>
-          <a:prstGeom prst="rect">
-            <a:avLst/>
-          </a:prstGeom>
-          <a:noFill/>
-        </p:spPr>
-        <p:txBody>
-          <a:bodyPr wrap="square" rtlCol="0">
-            <a:spAutoFit/>
-          </a:bodyPr>
-          <a:lstStyle/>
-          <a:p>
-            <a:pPr marL="285750" indent="-285750">
-              <a:buFont typeface="Arial" panose="020B0604020202020204" pitchFamily="34" charset="0"/>
-              <a:buChar char="•"/>
-            </a:pPr>
-            <a:r>
-              <a:rPr lang="en-US" sz="2800" dirty="0">
-                <a:solidFill>
-                  <a:srgbClr val="707070"/>
-                </a:solidFill>
-                <a:latin typeface="Pragmatica" panose="020B0403040502020204" pitchFamily="34" charset="0"/>
-              </a:rPr>
-              <a:t>Download resources: </a:t>
-            </a:r>
-            <a:r>
-              <a:rPr lang="en-US" sz="2800" dirty="0">
-                <a:solidFill>
-                  <a:srgbClr val="707070"/>
-                </a:solidFill>
-                <a:latin typeface="Pragmatica" panose="020B0403040502020204" pitchFamily="34" charset="0"/>
-                <a:hlinkClick r:id="rId4"/>
-              </a:rPr>
-              <a:t>https://github.com/stringfestdata/aina-getting-started</a:t>
-            </a:r>
-            <a:r>
-              <a:rPr lang="en-US" sz="2800" dirty="0">
-                <a:solidFill>
-                  <a:srgbClr val="707070"/>
-                </a:solidFill>
-                <a:latin typeface="Pragmatica" panose="020B0403040502020204" pitchFamily="34" charset="0"/>
-              </a:rPr>
-              <a:t>  </a:t>
-            </a:r>
-          </a:p>
-        </p:txBody>
-      </p:sp>
-      <p:pic>
-        <p:nvPicPr>
-          <p:cNvPr id="5" name="Picture 4">
-            <a:extLst>
-              <a:ext uri="{FF2B5EF4-FFF2-40B4-BE49-F238E27FC236}">
-                <a16:creationId xmlns:a16="http://schemas.microsoft.com/office/drawing/2014/main" id="{F4BFB83D-D2B3-4340-A5CC-669A243BAA7D}"/>
-              </a:ext>
-            </a:extLst>
-          </p:cNvPr>
-          <p:cNvPicPr>
-            <a:picLocks noChangeAspect="1"/>
-          </p:cNvPicPr>
-          <p:nvPr/>
-        </p:nvPicPr>
-        <p:blipFill>
-          <a:blip r:embed="rId5"/>
-          <a:stretch>
-            <a:fillRect/>
-          </a:stretch>
-        </p:blipFill>
-        <p:spPr>
-          <a:xfrm>
-            <a:off x="3697861" y="2610170"/>
-            <a:ext cx="8494139" cy="4106258"/>
-          </a:xfrm>
-          <a:prstGeom prst="rect">
-            <a:avLst/>
-          </a:prstGeom>
-        </p:spPr>
-      </p:pic>
-    </p:spTree>
-    <p:extLst>
-      <p:ext uri="{BB962C8B-B14F-4D97-AF65-F5344CB8AC3E}">
-        <p14:creationId xmlns:p14="http://schemas.microsoft.com/office/powerpoint/2010/main" val="4141627579"/>
-      </p:ext>
-    </p:extLst>
-  </p:cSld>
-  <p:clrMapOvr>
-    <a:masterClrMapping/>
-  </p:clrMapOvr>
-</p:sld>
-</file>
-
-<file path=ppt/slides/slide4.xml><?xml version="1.0" encoding="utf-8"?>
-<p:sld xmlns:a="http://schemas.openxmlformats.org/drawingml/2006/main" xmlns:r="http://schemas.openxmlformats.org/officeDocument/2006/relationships" xmlns:p="http://schemas.openxmlformats.org/presentationml/2006/main">
-  <p:cSld>
-    <p:spTree>
-      <p:nvGrpSpPr>
-        <p:cNvPr id="1" name=""/>
-        <p:cNvGrpSpPr/>
-        <p:nvPr/>
-      </p:nvGrpSpPr>
-      <p:grpSpPr>
-        <a:xfrm>
-          <a:off x="0" y="0"/>
-          <a:ext cx="0" cy="0"/>
-          <a:chOff x="0" y="0"/>
-          <a:chExt cx="0" cy="0"/>
-        </a:xfrm>
-      </p:grpSpPr>
-      <p:pic>
-        <p:nvPicPr>
-          <p:cNvPr id="10" name="Picture 9"/>
-          <p:cNvPicPr>
-            <a:picLocks noChangeAspect="1"/>
-          </p:cNvPicPr>
-          <p:nvPr/>
-        </p:nvPicPr>
-        <p:blipFill rotWithShape="1">
-          <a:blip r:embed="rId3">
-            <a:extLst>
-              <a:ext uri="{28A0092B-C50C-407E-A947-70E740481C1C}">
-                <a14:useLocalDpi xmlns:a14="http://schemas.microsoft.com/office/drawing/2010/main" val="0"/>
-              </a:ext>
-            </a:extLst>
-          </a:blip>
-          <a:srcRect l="50728" t="56371"/>
-          <a:stretch/>
-        </p:blipFill>
-        <p:spPr>
-          <a:xfrm>
-            <a:off x="10894024" y="5370653"/>
-            <a:ext cx="1297975" cy="1487348"/>
-          </a:xfrm>
-          <a:prstGeom prst="rect">
-            <a:avLst/>
-          </a:prstGeom>
-        </p:spPr>
-      </p:pic>
-      <p:sp>
-        <p:nvSpPr>
-          <p:cNvPr id="11" name="TextBox 10"/>
-          <p:cNvSpPr txBox="1"/>
-          <p:nvPr/>
-        </p:nvSpPr>
-        <p:spPr>
-          <a:xfrm>
-            <a:off x="347240" y="113388"/>
-            <a:ext cx="9799937" cy="1015663"/>
-          </a:xfrm>
-          <a:prstGeom prst="rect">
-            <a:avLst/>
-          </a:prstGeom>
-          <a:noFill/>
-        </p:spPr>
-        <p:txBody>
-          <a:bodyPr wrap="square" rtlCol="0">
-            <a:spAutoFit/>
-          </a:bodyPr>
-          <a:lstStyle/>
-          <a:p>
-            <a:r>
-              <a:rPr lang="en-US" sz="6000" dirty="0">
-                <a:latin typeface="Aliens &amp; cows" panose="00000500000000000000" pitchFamily="2" charset="0"/>
-              </a:rPr>
-              <a:t>Spare no tools… </a:t>
-            </a:r>
-          </a:p>
-        </p:txBody>
-      </p:sp>
-      <p:pic>
-        <p:nvPicPr>
-          <p:cNvPr id="4" name="Picture 3" descr="Diagram, text&#10;&#10;Description automatically generated">
-            <a:extLst>
-              <a:ext uri="{FF2B5EF4-FFF2-40B4-BE49-F238E27FC236}">
-                <a16:creationId xmlns:a16="http://schemas.microsoft.com/office/drawing/2014/main" id="{69888AE4-E6A5-42EE-8C41-9647CFF76E35}"/>
-              </a:ext>
-            </a:extLst>
-          </p:cNvPr>
-          <p:cNvPicPr>
-            <a:picLocks noChangeAspect="1"/>
-          </p:cNvPicPr>
-          <p:nvPr/>
-        </p:nvPicPr>
-        <p:blipFill>
-          <a:blip r:embed="rId4">
-            <a:extLst>
-              <a:ext uri="{28A0092B-C50C-407E-A947-70E740481C1C}">
-                <a14:useLocalDpi xmlns:a14="http://schemas.microsoft.com/office/drawing/2010/main" val="0"/>
-              </a:ext>
-            </a:extLst>
-          </a:blip>
-          <a:stretch>
-            <a:fillRect/>
-          </a:stretch>
-        </p:blipFill>
-        <p:spPr>
-          <a:xfrm>
-            <a:off x="1929935" y="1777154"/>
-            <a:ext cx="8555449" cy="4024138"/>
-          </a:xfrm>
-          <a:prstGeom prst="rect">
-            <a:avLst/>
-          </a:prstGeom>
-        </p:spPr>
-      </p:pic>
-      <p:sp>
-        <p:nvSpPr>
-          <p:cNvPr id="7" name="TextBox 6">
-            <a:extLst>
-              <a:ext uri="{FF2B5EF4-FFF2-40B4-BE49-F238E27FC236}">
-                <a16:creationId xmlns:a16="http://schemas.microsoft.com/office/drawing/2014/main" id="{CFAB272F-EC83-45BA-935F-DFBF5407D2B6}"/>
-              </a:ext>
-            </a:extLst>
-          </p:cNvPr>
-          <p:cNvSpPr txBox="1"/>
-          <p:nvPr/>
-        </p:nvSpPr>
-        <p:spPr>
-          <a:xfrm>
-            <a:off x="261704" y="6114327"/>
-            <a:ext cx="9493446" cy="369332"/>
-          </a:xfrm>
-          <a:prstGeom prst="rect">
-            <a:avLst/>
-          </a:prstGeom>
-          <a:noFill/>
-        </p:spPr>
-        <p:txBody>
-          <a:bodyPr wrap="square" rtlCol="0">
-            <a:spAutoFit/>
-          </a:bodyPr>
-          <a:lstStyle/>
-          <a:p>
-            <a:r>
-              <a:rPr lang="en-US" dirty="0">
-                <a:solidFill>
-                  <a:schemeClr val="bg1">
-                    <a:lumMod val="50000"/>
-                  </a:schemeClr>
-                </a:solidFill>
-                <a:latin typeface="Pragmatica" pitchFamily="2" charset="0"/>
-              </a:rPr>
-              <a:t>Mount, George. </a:t>
-            </a:r>
-            <a:r>
-              <a:rPr lang="en-US" i="1" dirty="0">
-                <a:solidFill>
-                  <a:schemeClr val="bg1">
-                    <a:lumMod val="50000"/>
-                  </a:schemeClr>
-                </a:solidFill>
-                <a:latin typeface="Pragmatica" pitchFamily="2" charset="0"/>
-              </a:rPr>
-              <a:t>Advancing into Analytics: From Excel to Python and R</a:t>
-            </a:r>
-            <a:r>
-              <a:rPr lang="en-US" dirty="0">
-                <a:solidFill>
-                  <a:schemeClr val="bg1">
-                    <a:lumMod val="50000"/>
-                  </a:schemeClr>
-                </a:solidFill>
-                <a:latin typeface="Pragmatica" pitchFamily="2" charset="0"/>
-              </a:rPr>
-              <a:t>. O’Reilly Media, 2021</a:t>
-            </a:r>
-            <a:endParaRPr lang="en-US" i="1" dirty="0">
-              <a:solidFill>
-                <a:schemeClr val="bg1">
-                  <a:lumMod val="50000"/>
-                </a:schemeClr>
-              </a:solidFill>
-              <a:latin typeface="Pragmatica" pitchFamily="2" charset="0"/>
-            </a:endParaRPr>
-          </a:p>
-        </p:txBody>
-      </p:sp>
-    </p:spTree>
-    <p:extLst>
-      <p:ext uri="{BB962C8B-B14F-4D97-AF65-F5344CB8AC3E}">
-        <p14:creationId xmlns:p14="http://schemas.microsoft.com/office/powerpoint/2010/main" val="3729633991"/>
-      </p:ext>
-    </p:extLst>
-  </p:cSld>
-  <p:clrMapOvr>
-    <a:masterClrMapping/>
-  </p:clrMapOvr>
-</p:sld>
-</file>
-
-<file path=ppt/slides/slide5.xml><?xml version="1.0" encoding="utf-8"?>
-<p:sld xmlns:a="http://schemas.openxmlformats.org/drawingml/2006/main" xmlns:r="http://schemas.openxmlformats.org/officeDocument/2006/relationships" xmlns:p="http://schemas.openxmlformats.org/presentationml/2006/main">
-  <p:cSld>
-    <p:spTree>
-      <p:nvGrpSpPr>
-        <p:cNvPr id="1" name=""/>
-        <p:cNvGrpSpPr/>
-        <p:nvPr/>
-      </p:nvGrpSpPr>
-      <p:grpSpPr>
-        <a:xfrm>
-          <a:off x="0" y="0"/>
-          <a:ext cx="0" cy="0"/>
-          <a:chOff x="0" y="0"/>
-          <a:chExt cx="0" cy="0"/>
-        </a:xfrm>
-      </p:grpSpPr>
-      <p:sp>
-        <p:nvSpPr>
-          <p:cNvPr id="4" name="Rectangle 3"/>
-          <p:cNvSpPr/>
-          <p:nvPr/>
-        </p:nvSpPr>
-        <p:spPr>
-          <a:xfrm>
-            <a:off x="6574420" y="0"/>
-            <a:ext cx="5617580" cy="6858000"/>
-          </a:xfrm>
-          <a:prstGeom prst="rect">
-            <a:avLst/>
-          </a:prstGeom>
-          <a:solidFill>
-            <a:srgbClr val="CF3338"/>
-          </a:solidFill>
-        </p:spPr>
-        <p:style>
-          <a:lnRef idx="2">
-            <a:schemeClr val="accent1">
-              <a:shade val="50000"/>
-            </a:schemeClr>
-          </a:lnRef>
-          <a:fillRef idx="1">
-            <a:schemeClr val="accent1"/>
-          </a:fillRef>
-          <a:effectRef idx="0">
-            <a:schemeClr val="accent1"/>
-          </a:effectRef>
-          <a:fontRef idx="minor">
-            <a:schemeClr val="lt1"/>
-          </a:fontRef>
-        </p:style>
-        <p:txBody>
-          <a:bodyPr rtlCol="0" anchor="ctr"/>
-          <a:lstStyle/>
-          <a:p>
-            <a:pPr algn="ctr"/>
-            <a:endParaRPr lang="en-US"/>
-          </a:p>
-        </p:txBody>
-      </p:sp>
-      <p:sp>
-        <p:nvSpPr>
-          <p:cNvPr id="5" name="TextBox 4"/>
-          <p:cNvSpPr txBox="1"/>
-          <p:nvPr/>
-        </p:nvSpPr>
-        <p:spPr>
-          <a:xfrm>
-            <a:off x="6817489" y="0"/>
-            <a:ext cx="4120587" cy="1446550"/>
-          </a:xfrm>
-          <a:prstGeom prst="rect">
-            <a:avLst/>
-          </a:prstGeom>
-          <a:noFill/>
-        </p:spPr>
-        <p:txBody>
-          <a:bodyPr wrap="square" rtlCol="0">
-            <a:spAutoFit/>
-          </a:bodyPr>
-          <a:lstStyle/>
-          <a:p>
-            <a:r>
-              <a:rPr lang="en-US" sz="8800" dirty="0">
-                <a:solidFill>
-                  <a:schemeClr val="bg1"/>
-                </a:solidFill>
-                <a:latin typeface="Aliens &amp; cows" panose="00000500000000000000" pitchFamily="2" charset="0"/>
-              </a:rPr>
-              <a:t>Demos</a:t>
-            </a:r>
-          </a:p>
-        </p:txBody>
-      </p:sp>
-      <p:pic>
-        <p:nvPicPr>
-          <p:cNvPr id="2" name="Picture 1"/>
-          <p:cNvPicPr>
-            <a:picLocks noChangeAspect="1"/>
-          </p:cNvPicPr>
-          <p:nvPr/>
-        </p:nvPicPr>
-        <p:blipFill rotWithShape="1">
-          <a:blip r:embed="rId3">
-            <a:extLst>
-              <a:ext uri="{28A0092B-C50C-407E-A947-70E740481C1C}">
-                <a14:useLocalDpi xmlns:a14="http://schemas.microsoft.com/office/drawing/2010/main" val="0"/>
-              </a:ext>
-            </a:extLst>
-          </a:blip>
-          <a:srcRect l="69227" t="33418" r="20112" b="50548"/>
-          <a:stretch/>
-        </p:blipFill>
-        <p:spPr>
-          <a:xfrm>
-            <a:off x="10386349" y="5029795"/>
-            <a:ext cx="1805651" cy="1991719"/>
-          </a:xfrm>
-          <a:prstGeom prst="rect">
-            <a:avLst/>
-          </a:prstGeom>
-        </p:spPr>
-      </p:pic>
-      <p:sp>
-        <p:nvSpPr>
-          <p:cNvPr id="3" name="TextBox 2"/>
-          <p:cNvSpPr txBox="1"/>
-          <p:nvPr/>
-        </p:nvSpPr>
-        <p:spPr>
-          <a:xfrm>
-            <a:off x="173620" y="219919"/>
-            <a:ext cx="5937813" cy="3108543"/>
-          </a:xfrm>
-          <a:prstGeom prst="rect">
-            <a:avLst/>
-          </a:prstGeom>
-          <a:noFill/>
-        </p:spPr>
-        <p:txBody>
-          <a:bodyPr wrap="square" rtlCol="0">
-            <a:spAutoFit/>
-          </a:bodyPr>
-          <a:lstStyle/>
-          <a:p>
-            <a:endParaRPr lang="en-US" sz="2800" b="1" dirty="0">
-              <a:solidFill>
-                <a:srgbClr val="CF3338"/>
-              </a:solidFill>
-              <a:latin typeface="Pragmatica" pitchFamily="2" charset="0"/>
-            </a:endParaRPr>
-          </a:p>
-          <a:p>
-            <a:pPr marL="514350" indent="-514350">
-              <a:buFont typeface="Arial" panose="020B0604020202020204" pitchFamily="34" charset="0"/>
-              <a:buChar char="•"/>
-            </a:pPr>
-            <a:r>
-              <a:rPr lang="en-US" sz="2800" b="1" dirty="0">
-                <a:solidFill>
-                  <a:srgbClr val="CF3338"/>
-                </a:solidFill>
-                <a:latin typeface="Pragmatica" pitchFamily="2" charset="0"/>
-              </a:rPr>
-              <a:t>Downloads and summary statistics in Excel, R, Python</a:t>
-            </a:r>
-          </a:p>
-          <a:p>
-            <a:pPr marL="514350" indent="-514350">
-              <a:buFont typeface="Arial" panose="020B0604020202020204" pitchFamily="34" charset="0"/>
-              <a:buChar char="•"/>
-            </a:pPr>
-            <a:r>
-              <a:rPr lang="en-US" sz="2800" b="1" dirty="0">
-                <a:solidFill>
-                  <a:srgbClr val="CF3338"/>
-                </a:solidFill>
-                <a:latin typeface="Pragmatica" pitchFamily="2" charset="0"/>
-              </a:rPr>
-              <a:t>Follow along with demo notes</a:t>
-            </a:r>
-          </a:p>
-          <a:p>
-            <a:pPr marL="514350" indent="-514350">
-              <a:buFont typeface="Arial" panose="020B0604020202020204" pitchFamily="34" charset="0"/>
-              <a:buChar char="•"/>
-            </a:pPr>
-            <a:r>
-              <a:rPr lang="en-US" sz="2800" b="1" dirty="0">
-                <a:solidFill>
-                  <a:srgbClr val="CF3338"/>
-                </a:solidFill>
-                <a:latin typeface="Pragmatica" pitchFamily="2" charset="0"/>
-              </a:rPr>
-              <a:t>Let’s get situated… </a:t>
-            </a:r>
-          </a:p>
-          <a:p>
-            <a:pPr marL="514350" indent="-514350">
-              <a:buFont typeface="Arial" panose="020B0604020202020204" pitchFamily="34" charset="0"/>
-              <a:buChar char="•"/>
-            </a:pPr>
-            <a:r>
-              <a:rPr lang="en-US" sz="2800" b="1" dirty="0">
-                <a:solidFill>
-                  <a:srgbClr val="CF3338"/>
-                </a:solidFill>
-                <a:latin typeface="Pragmatica" pitchFamily="2" charset="0"/>
-              </a:rPr>
-              <a:t>File to summarize: </a:t>
-            </a:r>
-            <a:r>
-              <a:rPr lang="en-US" sz="2800" b="1" dirty="0">
-                <a:solidFill>
-                  <a:srgbClr val="CF3338"/>
-                </a:solidFill>
-                <a:latin typeface="Consolas" panose="020B0609020204030204" pitchFamily="49" charset="0"/>
-              </a:rPr>
-              <a:t>plantgrowth.xlsx</a:t>
-            </a:r>
-          </a:p>
-        </p:txBody>
-      </p:sp>
-    </p:spTree>
-    <p:extLst>
-      <p:ext uri="{BB962C8B-B14F-4D97-AF65-F5344CB8AC3E}">
-        <p14:creationId xmlns:p14="http://schemas.microsoft.com/office/powerpoint/2010/main" val="3088895096"/>
-      </p:ext>
-    </p:extLst>
-  </p:cSld>
-  <p:clrMapOvr>
-    <a:masterClrMapping/>
-  </p:clrMapOvr>
-</p:sld>
-</file>
-
-<file path=ppt/slides/slide6.xml><?xml version="1.0" encoding="utf-8"?>
+<file path=ppt/slides/slide13.xml><?xml version="1.0" encoding="utf-8"?>
 <p:sld xmlns:a="http://schemas.openxmlformats.org/drawingml/2006/main" xmlns:r="http://schemas.openxmlformats.org/officeDocument/2006/relationships" xmlns:p="http://schemas.openxmlformats.org/presentationml/2006/main">
   <p:cSld>
     <p:spTree>
@@ -6981,7 +6211,7 @@
         <p:spPr>
           <a:xfrm>
             <a:off x="324091" y="1687545"/>
-            <a:ext cx="7986531" cy="769441"/>
+            <a:ext cx="7986531" cy="2369880"/>
           </a:xfrm>
           <a:prstGeom prst="rect">
             <a:avLst/>
@@ -6995,21 +6225,83 @@
           <a:lstStyle/>
           <a:p>
             <a:r>
-              <a:rPr lang="en-US" sz="4400" b="1" dirty="0">
+              <a:rPr lang="en-US" sz="3600" b="1" dirty="0">
                 <a:solidFill>
                   <a:srgbClr val="707070"/>
                 </a:solidFill>
                 <a:latin typeface="Pragmatica" panose="020B0403040502020204" pitchFamily="34" charset="0"/>
               </a:rPr>
-              <a:t>Questions?</a:t>
-            </a:r>
+              <a:t>THANK YOU</a:t>
+            </a:r>
+          </a:p>
+          <a:p>
+            <a:endParaRPr lang="en-US" sz="2800" b="1" dirty="0">
+              <a:solidFill>
+                <a:srgbClr val="707070"/>
+              </a:solidFill>
+              <a:latin typeface="Pragmatica" panose="020B0403040502020204" pitchFamily="34" charset="0"/>
+            </a:endParaRPr>
+          </a:p>
+          <a:p>
+            <a:r>
+              <a:rPr lang="en-US" sz="2800" b="1" dirty="0">
+                <a:solidFill>
+                  <a:srgbClr val="707070"/>
+                </a:solidFill>
+                <a:latin typeface="Pragmatica" panose="020B0403040502020204" pitchFamily="34" charset="0"/>
+                <a:hlinkClick r:id="rId4"/>
+              </a:rPr>
+              <a:t>george@stringfestanalytics.com</a:t>
+            </a:r>
+            <a:endParaRPr lang="en-US" sz="2800" b="1" dirty="0">
+              <a:solidFill>
+                <a:srgbClr val="707070"/>
+              </a:solidFill>
+              <a:latin typeface="Pragmatica" panose="020B0403040502020204" pitchFamily="34" charset="0"/>
+            </a:endParaRPr>
+          </a:p>
+          <a:p>
+            <a:r>
+              <a:rPr lang="en-US" sz="2800" b="1" dirty="0">
+                <a:solidFill>
+                  <a:srgbClr val="707070"/>
+                </a:solidFill>
+                <a:latin typeface="Pragmatica" panose="020B0403040502020204" pitchFamily="34" charset="0"/>
+                <a:hlinkClick r:id="rId5"/>
+              </a:rPr>
+              <a:t>linkedin.com/in/gjmount</a:t>
+            </a:r>
+            <a:endParaRPr lang="en-US" sz="2800" b="1" dirty="0">
+              <a:solidFill>
+                <a:srgbClr val="707070"/>
+              </a:solidFill>
+              <a:latin typeface="Pragmatica" panose="020B0403040502020204" pitchFamily="34" charset="0"/>
+            </a:endParaRPr>
+          </a:p>
+          <a:p>
+            <a:r>
+              <a:rPr lang="en-US" sz="2800" b="1" dirty="0">
+                <a:solidFill>
+                  <a:srgbClr val="707070"/>
+                </a:solidFill>
+                <a:latin typeface="Pragmatica" panose="020B0403040502020204" pitchFamily="34" charset="0"/>
+                <a:hlinkClick r:id="rId6"/>
+              </a:rPr>
+              <a:t>stringfestanalytics.com/contact  </a:t>
+            </a:r>
+            <a:endParaRPr lang="en-US" sz="2800" b="1" dirty="0">
+              <a:solidFill>
+                <a:srgbClr val="707070"/>
+              </a:solidFill>
+              <a:latin typeface="Pragmatica" panose="020B0403040502020204" pitchFamily="34" charset="0"/>
+            </a:endParaRPr>
           </a:p>
         </p:txBody>
       </p:sp>
     </p:spTree>
     <p:extLst>
       <p:ext uri="{BB962C8B-B14F-4D97-AF65-F5344CB8AC3E}">
-        <p14:creationId xmlns:p14="http://schemas.microsoft.com/office/powerpoint/2010/main" val="4081097533"/>
+        <p14:creationId xmlns:p14="http://schemas.microsoft.com/office/powerpoint/2010/main" val="3712320391"/>
       </p:ext>
     </p:extLst>
   </p:cSld>
@@ -7019,7 +6311,7 @@
 </p:sld>
 </file>
 
-<file path=ppt/slides/slide7.xml><?xml version="1.0" encoding="utf-8"?>
+<file path=ppt/slides/slide2.xml><?xml version="1.0" encoding="utf-8"?>
 <p:sld xmlns:a="http://schemas.openxmlformats.org/drawingml/2006/main" xmlns:r="http://schemas.openxmlformats.org/officeDocument/2006/relationships" xmlns:p="http://schemas.openxmlformats.org/presentationml/2006/main">
   <p:cSld>
     <p:spTree>
@@ -7036,59 +6328,45 @@
           <a:chExt cx="0" cy="0"/>
         </a:xfrm>
       </p:grpSpPr>
-      <p:sp>
-        <p:nvSpPr>
-          <p:cNvPr id="4" name="Rectangle 3"/>
-          <p:cNvSpPr/>
+      <p:pic>
+        <p:nvPicPr>
+          <p:cNvPr id="10" name="Picture 9"/>
+          <p:cNvPicPr>
+            <a:picLocks noChangeAspect="1"/>
+          </p:cNvPicPr>
           <p:nvPr/>
-        </p:nvSpPr>
+        </p:nvPicPr>
+        <p:blipFill rotWithShape="1">
+          <a:blip r:embed="rId2">
+            <a:extLst>
+              <a:ext uri="{28A0092B-C50C-407E-A947-70E740481C1C}">
+                <a14:useLocalDpi xmlns:a14="http://schemas.microsoft.com/office/drawing/2010/main" val="0"/>
+              </a:ext>
+            </a:extLst>
+          </a:blip>
+          <a:srcRect l="50728" t="56371"/>
+          <a:stretch/>
+        </p:blipFill>
         <p:spPr>
           <a:xfrm>
-            <a:off x="0" y="0"/>
-            <a:ext cx="12192000" cy="6858000"/>
+            <a:off x="10894024" y="5370653"/>
+            <a:ext cx="1297975" cy="1487348"/>
           </a:xfrm>
           <a:prstGeom prst="rect">
             <a:avLst/>
           </a:prstGeom>
-          <a:solidFill>
-            <a:srgbClr val="CF3338"/>
-          </a:solidFill>
         </p:spPr>
-        <p:style>
-          <a:lnRef idx="2">
-            <a:schemeClr val="accent1">
-              <a:shade val="50000"/>
-            </a:schemeClr>
-          </a:lnRef>
-          <a:fillRef idx="1">
-            <a:schemeClr val="accent1"/>
-          </a:fillRef>
-          <a:effectRef idx="0">
-            <a:schemeClr val="accent1"/>
-          </a:effectRef>
-          <a:fontRef idx="minor">
-            <a:schemeClr val="lt1"/>
-          </a:fontRef>
-        </p:style>
-        <p:txBody>
-          <a:bodyPr rtlCol="0" anchor="ctr"/>
-          <a:lstStyle/>
-          <a:p>
-            <a:pPr algn="ctr"/>
-            <a:endParaRPr lang="en-US"/>
-          </a:p>
-        </p:txBody>
-      </p:sp>
-      <p:sp>
-        <p:nvSpPr>
-          <p:cNvPr id="5" name="TextBox 4"/>
+      </p:pic>
+      <p:sp>
+        <p:nvSpPr>
+          <p:cNvPr id="11" name="TextBox 10"/>
           <p:cNvSpPr txBox="1"/>
           <p:nvPr/>
         </p:nvSpPr>
         <p:spPr>
           <a:xfrm>
-            <a:off x="520861" y="393539"/>
-            <a:ext cx="10324617" cy="1107996"/>
+            <a:off x="347240" y="113388"/>
+            <a:ext cx="9799937" cy="1015663"/>
           </a:xfrm>
           <a:prstGeom prst="rect">
             <a:avLst/>
@@ -7102,21 +6380,106 @@
           <a:lstStyle/>
           <a:p>
             <a:r>
-              <a:rPr lang="en-US" sz="6600" b="1" dirty="0">
+              <a:rPr lang="en-US" sz="6000" dirty="0">
+                <a:latin typeface="Aliens &amp; cows" panose="00000500000000000000" pitchFamily="2" charset="0"/>
+              </a:rPr>
+              <a:t>Learning objectives</a:t>
+            </a:r>
+          </a:p>
+        </p:txBody>
+      </p:sp>
+      <p:sp>
+        <p:nvSpPr>
+          <p:cNvPr id="3" name="TextBox 2"/>
+          <p:cNvSpPr txBox="1"/>
+          <p:nvPr/>
+        </p:nvSpPr>
+        <p:spPr>
+          <a:xfrm>
+            <a:off x="462987" y="1365813"/>
+            <a:ext cx="9595413" cy="2246769"/>
+          </a:xfrm>
+          <a:prstGeom prst="rect">
+            <a:avLst/>
+          </a:prstGeom>
+          <a:noFill/>
+        </p:spPr>
+        <p:txBody>
+          <a:bodyPr wrap="square" rtlCol="0">
+            <a:spAutoFit/>
+          </a:bodyPr>
+          <a:lstStyle/>
+          <a:p>
+            <a:pPr marL="285750" indent="-285750">
+              <a:buFont typeface="Arial" panose="020B0604020202020204" pitchFamily="34" charset="0"/>
+              <a:buChar char="•"/>
+            </a:pPr>
+            <a:r>
+              <a:rPr lang="en-US" sz="2800" dirty="0">
                 <a:solidFill>
-                  <a:schemeClr val="bg1"/>
+                  <a:srgbClr val="707070"/>
                 </a:solidFill>
-                <a:latin typeface="Pragmatica" pitchFamily="2" charset="0"/>
+                <a:latin typeface="Pragmatica" panose="020B0403040502020204" pitchFamily="34" charset="0"/>
               </a:rPr>
-              <a:t>Conclusion/Next steps</a:t>
-            </a:r>
+              <a:t>Situate Excel, R and Python in the data analytics stack</a:t>
+            </a:r>
+          </a:p>
+          <a:p>
+            <a:pPr marL="285750" indent="-285750">
+              <a:buFont typeface="Arial" panose="020B0604020202020204" pitchFamily="34" charset="0"/>
+              <a:buChar char="•"/>
+            </a:pPr>
+            <a:r>
+              <a:rPr lang="en-US" sz="2800" dirty="0">
+                <a:solidFill>
+                  <a:srgbClr val="707070"/>
+                </a:solidFill>
+                <a:latin typeface="Pragmatica" panose="020B0403040502020204" pitchFamily="34" charset="0"/>
+              </a:rPr>
+              <a:t>Prepare a Windows computer to work in all three</a:t>
+            </a:r>
+          </a:p>
+          <a:p>
+            <a:pPr marL="285750" indent="-285750">
+              <a:buFont typeface="Arial" panose="020B0604020202020204" pitchFamily="34" charset="0"/>
+              <a:buChar char="•"/>
+            </a:pPr>
+            <a:r>
+              <a:rPr lang="en-US" sz="2800" dirty="0">
+                <a:solidFill>
+                  <a:srgbClr val="707070"/>
+                </a:solidFill>
+                <a:latin typeface="Pragmatica" panose="020B0403040502020204" pitchFamily="34" charset="0"/>
+              </a:rPr>
+              <a:t>Run summary statistics on a dataset in all three</a:t>
+            </a:r>
+          </a:p>
+          <a:p>
+            <a:pPr marL="285750" indent="-285750">
+              <a:buFont typeface="Arial" panose="020B0604020202020204" pitchFamily="34" charset="0"/>
+              <a:buChar char="•"/>
+            </a:pPr>
+            <a:endParaRPr lang="en-US" sz="2800" dirty="0">
+              <a:solidFill>
+                <a:srgbClr val="707070"/>
+              </a:solidFill>
+              <a:latin typeface="Pragmatica" panose="020B0403040502020204" pitchFamily="34" charset="0"/>
+            </a:endParaRPr>
+          </a:p>
+          <a:p>
+            <a:endParaRPr lang="en-US" sz="2800" dirty="0">
+              <a:solidFill>
+                <a:srgbClr val="707070"/>
+              </a:solidFill>
+              <a:latin typeface="Pragmatica" panose="020B0403040502020204" pitchFamily="34" charset="0"/>
+            </a:endParaRPr>
           </a:p>
         </p:txBody>
       </p:sp>
     </p:spTree>
     <p:extLst>
       <p:ext uri="{BB962C8B-B14F-4D97-AF65-F5344CB8AC3E}">
-        <p14:creationId xmlns:p14="http://schemas.microsoft.com/office/powerpoint/2010/main" val="1922980201"/>
+        <p14:creationId xmlns:p14="http://schemas.microsoft.com/office/powerpoint/2010/main" val="3245169404"/>
       </p:ext>
     </p:extLst>
   </p:cSld>
@@ -7126,7 +6489,170 @@
 </p:sld>
 </file>
 
-<file path=ppt/slides/slide8.xml><?xml version="1.0" encoding="utf-8"?>
+<file path=ppt/slides/slide3.xml><?xml version="1.0" encoding="utf-8"?>
+<p:sld xmlns:a="http://schemas.openxmlformats.org/drawingml/2006/main" xmlns:r="http://schemas.openxmlformats.org/officeDocument/2006/relationships" xmlns:p="http://schemas.openxmlformats.org/presentationml/2006/main">
+  <p:cSld>
+    <p:spTree>
+      <p:nvGrpSpPr>
+        <p:cNvPr id="1" name=""/>
+        <p:cNvGrpSpPr/>
+        <p:nvPr/>
+      </p:nvGrpSpPr>
+      <p:grpSpPr>
+        <a:xfrm>
+          <a:off x="0" y="0"/>
+          <a:ext cx="0" cy="0"/>
+          <a:chOff x="0" y="0"/>
+          <a:chExt cx="0" cy="0"/>
+        </a:xfrm>
+      </p:grpSpPr>
+      <p:pic>
+        <p:nvPicPr>
+          <p:cNvPr id="10" name="Picture 9"/>
+          <p:cNvPicPr>
+            <a:picLocks noChangeAspect="1"/>
+          </p:cNvPicPr>
+          <p:nvPr/>
+        </p:nvPicPr>
+        <p:blipFill rotWithShape="1">
+          <a:blip r:embed="rId2">
+            <a:extLst>
+              <a:ext uri="{28A0092B-C50C-407E-A947-70E740481C1C}">
+                <a14:useLocalDpi xmlns:a14="http://schemas.microsoft.com/office/drawing/2010/main" val="0"/>
+              </a:ext>
+            </a:extLst>
+          </a:blip>
+          <a:srcRect l="50728" t="56371"/>
+          <a:stretch/>
+        </p:blipFill>
+        <p:spPr>
+          <a:xfrm>
+            <a:off x="10894024" y="5370653"/>
+            <a:ext cx="1297975" cy="1487348"/>
+          </a:xfrm>
+          <a:prstGeom prst="rect">
+            <a:avLst/>
+          </a:prstGeom>
+        </p:spPr>
+      </p:pic>
+      <p:sp>
+        <p:nvSpPr>
+          <p:cNvPr id="11" name="TextBox 10"/>
+          <p:cNvSpPr txBox="1"/>
+          <p:nvPr/>
+        </p:nvSpPr>
+        <p:spPr>
+          <a:xfrm>
+            <a:off x="347240" y="113388"/>
+            <a:ext cx="9799937" cy="1015663"/>
+          </a:xfrm>
+          <a:prstGeom prst="rect">
+            <a:avLst/>
+          </a:prstGeom>
+          <a:noFill/>
+        </p:spPr>
+        <p:txBody>
+          <a:bodyPr wrap="square" rtlCol="0">
+            <a:spAutoFit/>
+          </a:bodyPr>
+          <a:lstStyle/>
+          <a:p>
+            <a:r>
+              <a:rPr lang="en-US" sz="6000" dirty="0">
+                <a:latin typeface="Aliens &amp; cows" panose="00000500000000000000" pitchFamily="2" charset="0"/>
+              </a:rPr>
+              <a:t>Chat me up…</a:t>
+            </a:r>
+          </a:p>
+        </p:txBody>
+      </p:sp>
+      <p:sp>
+        <p:nvSpPr>
+          <p:cNvPr id="3" name="TextBox 2"/>
+          <p:cNvSpPr txBox="1"/>
+          <p:nvPr/>
+        </p:nvSpPr>
+        <p:spPr>
+          <a:xfrm>
+            <a:off x="462987" y="1365813"/>
+            <a:ext cx="9595413" cy="1815882"/>
+          </a:xfrm>
+          <a:prstGeom prst="rect">
+            <a:avLst/>
+          </a:prstGeom>
+          <a:noFill/>
+        </p:spPr>
+        <p:txBody>
+          <a:bodyPr wrap="square" rtlCol="0">
+            <a:spAutoFit/>
+          </a:bodyPr>
+          <a:lstStyle/>
+          <a:p>
+            <a:pPr marL="285750" indent="-285750">
+              <a:buFont typeface="Arial" panose="020B0604020202020204" pitchFamily="34" charset="0"/>
+              <a:buChar char="•"/>
+            </a:pPr>
+            <a:r>
+              <a:rPr lang="en-US" sz="2800" dirty="0">
+                <a:solidFill>
+                  <a:srgbClr val="707070"/>
+                </a:solidFill>
+                <a:latin typeface="Pragmatica" panose="020B0403040502020204" pitchFamily="34" charset="0"/>
+              </a:rPr>
+              <a:t>What excites you about these topics? What scares you?</a:t>
+            </a:r>
+          </a:p>
+          <a:p>
+            <a:pPr marL="285750" indent="-285750">
+              <a:buFont typeface="Arial" panose="020B0604020202020204" pitchFamily="34" charset="0"/>
+              <a:buChar char="•"/>
+            </a:pPr>
+            <a:r>
+              <a:rPr lang="en-US" sz="2800" dirty="0">
+                <a:solidFill>
+                  <a:srgbClr val="707070"/>
+                </a:solidFill>
+                <a:latin typeface="Pragmatica" panose="020B0403040502020204" pitchFamily="34" charset="0"/>
+              </a:rPr>
+              <a:t>What has blocked you? </a:t>
+            </a:r>
+          </a:p>
+          <a:p>
+            <a:pPr marL="285750" indent="-285750">
+              <a:buFont typeface="Arial" panose="020B0604020202020204" pitchFamily="34" charset="0"/>
+              <a:buChar char="•"/>
+            </a:pPr>
+            <a:endParaRPr lang="en-US" sz="2800" dirty="0">
+              <a:solidFill>
+                <a:srgbClr val="707070"/>
+              </a:solidFill>
+              <a:latin typeface="Pragmatica" panose="020B0403040502020204" pitchFamily="34" charset="0"/>
+            </a:endParaRPr>
+          </a:p>
+          <a:p>
+            <a:endParaRPr lang="en-US" sz="2800" dirty="0">
+              <a:solidFill>
+                <a:srgbClr val="707070"/>
+              </a:solidFill>
+              <a:latin typeface="Pragmatica" panose="020B0403040502020204" pitchFamily="34" charset="0"/>
+            </a:endParaRPr>
+          </a:p>
+        </p:txBody>
+      </p:sp>
+    </p:spTree>
+    <p:extLst>
+      <p:ext uri="{BB962C8B-B14F-4D97-AF65-F5344CB8AC3E}">
+        <p14:creationId xmlns:p14="http://schemas.microsoft.com/office/powerpoint/2010/main" val="648952694"/>
+      </p:ext>
+    </p:extLst>
+  </p:cSld>
+  <p:clrMapOvr>
+    <a:masterClrMapping/>
+  </p:clrMapOvr>
+</p:sld>
+</file>
+
+<file path=ppt/slides/slide4.xml><?xml version="1.0" encoding="utf-8"?>
 <p:sld xmlns:a="http://schemas.openxmlformats.org/drawingml/2006/main" xmlns:r="http://schemas.openxmlformats.org/officeDocument/2006/relationships" xmlns:p="http://schemas.openxmlformats.org/presentationml/2006/main">
   <p:cSld>
     <p:spTree>
@@ -7181,7 +6707,7 @@
         <p:spPr>
           <a:xfrm>
             <a:off x="347240" y="113388"/>
-            <a:ext cx="10861534" cy="1015663"/>
+            <a:ext cx="9799937" cy="1015663"/>
           </a:xfrm>
           <a:prstGeom prst="rect">
             <a:avLst/>
@@ -7198,27 +6724,21 @@
               <a:rPr lang="en-US" sz="6000" dirty="0">
                 <a:latin typeface="Aliens &amp; cows" panose="00000500000000000000" pitchFamily="2" charset="0"/>
               </a:rPr>
-              <a:t>Take-home activity</a:t>
-            </a:r>
-          </a:p>
-        </p:txBody>
-      </p:sp>
-      <p:sp>
-        <p:nvSpPr>
-          <p:cNvPr id="4" name="TextBox 3">
-            <a:extLst>
-              <a:ext uri="{FF2B5EF4-FFF2-40B4-BE49-F238E27FC236}">
-                <a16:creationId xmlns:a16="http://schemas.microsoft.com/office/drawing/2014/main" id="{5A4F6C64-3E8D-4255-95B8-CF64265213DA}"/>
-              </a:ext>
-            </a:extLst>
-          </p:cNvPr>
+              <a:t>Follow along</a:t>
+            </a:r>
+          </a:p>
+        </p:txBody>
+      </p:sp>
+      <p:sp>
+        <p:nvSpPr>
+          <p:cNvPr id="3" name="TextBox 2"/>
           <p:cNvSpPr txBox="1"/>
           <p:nvPr/>
         </p:nvSpPr>
         <p:spPr>
           <a:xfrm>
-            <a:off x="347240" y="1479233"/>
-            <a:ext cx="11318287" cy="4832092"/>
+            <a:off x="462987" y="1365813"/>
+            <a:ext cx="8387397" cy="1384995"/>
           </a:xfrm>
           <a:prstGeom prst="rect">
             <a:avLst/>
@@ -7231,10 +6751,7 @@
           </a:bodyPr>
           <a:lstStyle/>
           <a:p>
-            <a:pPr marL="457200" indent="-457200">
-              <a:buClr>
-                <a:srgbClr val="CF3338"/>
-              </a:buClr>
+            <a:pPr marL="285750" indent="-285750">
               <a:buFont typeface="Arial" panose="020B0604020202020204" pitchFamily="34" charset="0"/>
               <a:buChar char="•"/>
             </a:pPr>
@@ -7245,256 +6762,18 @@
                 </a:solidFill>
                 <a:latin typeface="Pragmatica" panose="020B0403040502020204" pitchFamily="34" charset="0"/>
               </a:rPr>
-              <a:t>Folder: </a:t>
+              <a:t>Download resources: </a:t>
             </a:r>
             <a:r>
               <a:rPr lang="en-US" sz="2800" dirty="0">
                 <a:solidFill>
                   <a:srgbClr val="707070"/>
                 </a:solidFill>
-                <a:latin typeface="Consolas" panose="020B0609020204030204" pitchFamily="49" charset="0"/>
+                <a:latin typeface="Pragmatica" panose="020B0403040502020204" pitchFamily="34" charset="0"/>
+                <a:hlinkClick r:id="rId4"/>
               </a:rPr>
-              <a:t>take-home</a:t>
-            </a:r>
-          </a:p>
-          <a:p>
-            <a:pPr marL="457200" indent="-457200">
-              <a:buClr>
-                <a:srgbClr val="CF3338"/>
-              </a:buClr>
-              <a:buFont typeface="Arial" panose="020B0604020202020204" pitchFamily="34" charset="0"/>
-              <a:buChar char="•"/>
-            </a:pPr>
-            <a:r>
-              <a:rPr lang="en-US" sz="2800" dirty="0">
-                <a:solidFill>
-                  <a:srgbClr val="707070"/>
-                </a:solidFill>
-                <a:latin typeface="Pragmatica" panose="020B0403040502020204"/>
-              </a:rPr>
-              <a:t>Dataset: </a:t>
-            </a:r>
-            <a:r>
-              <a:rPr lang="en-US" sz="2800" dirty="0">
-                <a:solidFill>
-                  <a:srgbClr val="707070"/>
-                </a:solidFill>
-                <a:latin typeface="Consolas" panose="020B0609020204030204" pitchFamily="49" charset="0"/>
-              </a:rPr>
-              <a:t>tips.xlsx… </a:t>
-            </a:r>
-            <a:r>
-              <a:rPr lang="en-US" sz="2800" dirty="0">
-                <a:solidFill>
-                  <a:srgbClr val="707070"/>
-                </a:solidFill>
-                <a:latin typeface="Pragmatica" panose="020B0403040502020204"/>
-              </a:rPr>
-              <a:t>load and print summary statistics, then…</a:t>
-            </a:r>
-          </a:p>
-          <a:p>
-            <a:pPr marL="457200" indent="-457200">
-              <a:buClr>
-                <a:srgbClr val="CF3338"/>
-              </a:buClr>
-              <a:buFont typeface="Arial" panose="020B0604020202020204" pitchFamily="34" charset="0"/>
-              <a:buChar char="•"/>
-            </a:pPr>
-            <a:endParaRPr lang="en-US" sz="2800" dirty="0">
-              <a:solidFill>
-                <a:srgbClr val="707070"/>
-              </a:solidFill>
-              <a:latin typeface="Consolas" panose="020B0609020204030204" pitchFamily="49" charset="0"/>
-            </a:endParaRPr>
-          </a:p>
-          <a:p>
-            <a:pPr marL="457200" indent="-457200">
-              <a:buClr>
-                <a:srgbClr val="CF3338"/>
-              </a:buClr>
-              <a:buFont typeface="Arial" panose="020B0604020202020204" pitchFamily="34" charset="0"/>
-              <a:buChar char="•"/>
-            </a:pPr>
-            <a:endParaRPr lang="en-US" sz="2800" dirty="0">
-              <a:solidFill>
-                <a:srgbClr val="707070"/>
-              </a:solidFill>
-              <a:latin typeface="Consolas" panose="020B0609020204030204" pitchFamily="49" charset="0"/>
-            </a:endParaRPr>
-          </a:p>
-          <a:p>
-            <a:pPr marL="457200" indent="-457200">
-              <a:buClr>
-                <a:srgbClr val="CF3338"/>
-              </a:buClr>
-              <a:buFont typeface="Arial" panose="020B0604020202020204" pitchFamily="34" charset="0"/>
-              <a:buChar char="•"/>
-            </a:pPr>
-            <a:endParaRPr lang="en-US" sz="2800" dirty="0">
-              <a:solidFill>
-                <a:srgbClr val="707070"/>
-              </a:solidFill>
-              <a:latin typeface="Consolas" panose="020B0609020204030204" pitchFamily="49" charset="0"/>
-            </a:endParaRPr>
-          </a:p>
-          <a:p>
-            <a:pPr marL="457200" indent="-457200">
-              <a:buClr>
-                <a:srgbClr val="CF3338"/>
-              </a:buClr>
-              <a:buFont typeface="Arial" panose="020B0604020202020204" pitchFamily="34" charset="0"/>
-              <a:buChar char="•"/>
-            </a:pPr>
-            <a:endParaRPr lang="en-US" sz="2800" dirty="0">
-              <a:solidFill>
-                <a:srgbClr val="707070"/>
-              </a:solidFill>
-              <a:latin typeface="Consolas" panose="020B0609020204030204" pitchFamily="49" charset="0"/>
-            </a:endParaRPr>
-          </a:p>
-          <a:p>
-            <a:pPr marL="457200" indent="-457200">
-              <a:buClr>
-                <a:srgbClr val="CF3338"/>
-              </a:buClr>
-              <a:buFont typeface="Arial" panose="020B0604020202020204" pitchFamily="34" charset="0"/>
-              <a:buChar char="•"/>
-            </a:pPr>
-            <a:endParaRPr lang="en-US" sz="2800" dirty="0">
-              <a:solidFill>
-                <a:srgbClr val="707070"/>
-              </a:solidFill>
-              <a:latin typeface="Consolas" panose="020B0609020204030204" pitchFamily="49" charset="0"/>
-            </a:endParaRPr>
-          </a:p>
-          <a:p>
-            <a:pPr marL="457200" indent="-457200">
-              <a:buClr>
-                <a:srgbClr val="CF3338"/>
-              </a:buClr>
-              <a:buFont typeface="Arial" panose="020B0604020202020204" pitchFamily="34" charset="0"/>
-              <a:buChar char="•"/>
-            </a:pPr>
-            <a:endParaRPr lang="en-US" sz="2800" dirty="0">
-              <a:solidFill>
-                <a:srgbClr val="707070"/>
-              </a:solidFill>
-              <a:latin typeface="Consolas" panose="020B0609020204030204" pitchFamily="49" charset="0"/>
-            </a:endParaRPr>
-          </a:p>
-          <a:p>
-            <a:pPr marL="457200" indent="-457200">
-              <a:buClr>
-                <a:srgbClr val="CF3338"/>
-              </a:buClr>
-              <a:buFont typeface="Arial" panose="020B0604020202020204" pitchFamily="34" charset="0"/>
-              <a:buChar char="•"/>
-            </a:pPr>
-            <a:endParaRPr lang="en-US" sz="2800" dirty="0">
-              <a:solidFill>
-                <a:srgbClr val="707070"/>
-              </a:solidFill>
-              <a:latin typeface="Consolas" panose="020B0609020204030204" pitchFamily="49" charset="0"/>
-            </a:endParaRPr>
-          </a:p>
-          <a:p>
-            <a:pPr>
-              <a:buClr>
-                <a:srgbClr val="CF3338"/>
-              </a:buClr>
-            </a:pPr>
-            <a:endParaRPr lang="en-US" sz="2800" dirty="0">
-              <a:solidFill>
-                <a:srgbClr val="707070"/>
-              </a:solidFill>
-              <a:latin typeface="Consolas" panose="020B0609020204030204" pitchFamily="49" charset="0"/>
-            </a:endParaRPr>
-          </a:p>
-          <a:p>
-            <a:pPr marL="457200" indent="-457200">
-              <a:buClr>
-                <a:srgbClr val="CF3338"/>
-              </a:buClr>
-              <a:buFont typeface="Arial" panose="020B0604020202020204" pitchFamily="34" charset="0"/>
-              <a:buChar char="•"/>
-            </a:pPr>
-            <a:r>
-              <a:rPr lang="en-US" sz="2800" b="1" dirty="0">
-                <a:solidFill>
-                  <a:srgbClr val="707070"/>
-                </a:solidFill>
-                <a:latin typeface="Pragmatica" panose="020B0403040502020204"/>
-              </a:rPr>
-              <a:t>Notes &amp; solutions included</a:t>
-            </a:r>
-          </a:p>
-        </p:txBody>
-      </p:sp>
-      <p:sp>
-        <p:nvSpPr>
-          <p:cNvPr id="6" name="TextBox 5">
-            <a:extLst>
-              <a:ext uri="{FF2B5EF4-FFF2-40B4-BE49-F238E27FC236}">
-                <a16:creationId xmlns:a16="http://schemas.microsoft.com/office/drawing/2014/main" id="{BAC08A4C-309F-46C0-A426-1504D021630A}"/>
-              </a:ext>
-            </a:extLst>
-          </p:cNvPr>
-          <p:cNvSpPr txBox="1"/>
-          <p:nvPr/>
-        </p:nvSpPr>
-        <p:spPr>
-          <a:xfrm>
-            <a:off x="780942" y="2889223"/>
-            <a:ext cx="5679887" cy="2677656"/>
-          </a:xfrm>
-          <a:prstGeom prst="rect">
-            <a:avLst/>
-          </a:prstGeom>
-          <a:noFill/>
-        </p:spPr>
-        <p:txBody>
-          <a:bodyPr wrap="square" rtlCol="0">
-            <a:spAutoFit/>
-          </a:bodyPr>
-          <a:lstStyle/>
-          <a:p>
-            <a:pPr>
-              <a:buClr>
-                <a:srgbClr val="CF3338"/>
-              </a:buClr>
-            </a:pPr>
-            <a:r>
-              <a:rPr lang="en-US" sz="2800" b="1" dirty="0">
-                <a:solidFill>
-                  <a:srgbClr val="707070"/>
-                </a:solidFill>
-                <a:latin typeface="Pragmatica" panose="020B0403040502020204" pitchFamily="34" charset="0"/>
-              </a:rPr>
-              <a:t>R: </a:t>
-            </a:r>
-          </a:p>
-          <a:p>
-            <a:pPr>
-              <a:buClr>
-                <a:srgbClr val="CF3338"/>
-              </a:buClr>
-            </a:pPr>
-            <a:endParaRPr lang="en-US" sz="2800" b="1" dirty="0">
-              <a:solidFill>
-                <a:srgbClr val="707070"/>
-              </a:solidFill>
-              <a:latin typeface="Pragmatica" panose="020B0403040502020204" pitchFamily="34" charset="0"/>
-            </a:endParaRPr>
-          </a:p>
-          <a:p>
-            <a:pPr marL="457200" indent="-457200">
-              <a:buClr>
-                <a:srgbClr val="CF3338"/>
-              </a:buClr>
-              <a:buFont typeface="Arial" panose="020B0604020202020204" pitchFamily="34" charset="0"/>
-              <a:buChar char="•"/>
-            </a:pPr>
+              <a:t>https://github.com/stringfestdata/aina-getting-started</a:t>
+            </a:r>
             <a:r>
               <a:rPr lang="en-US" sz="2800" dirty="0">
                 <a:solidFill>
@@ -7502,207 +6781,17 @@
                 </a:solidFill>
                 <a:latin typeface="Pragmatica" panose="020B0403040502020204" pitchFamily="34" charset="0"/>
               </a:rPr>
-              <a:t>File &gt; New File &gt; R Script</a:t>
-            </a:r>
-          </a:p>
-          <a:p>
-            <a:pPr marL="457200" indent="-457200">
-              <a:buClr>
-                <a:srgbClr val="CF3338"/>
-              </a:buClr>
-              <a:buFont typeface="Arial" panose="020B0604020202020204" pitchFamily="34" charset="0"/>
-              <a:buChar char="•"/>
-            </a:pPr>
-            <a:r>
-              <a:rPr lang="en-US" sz="2800" dirty="0">
-                <a:solidFill>
-                  <a:srgbClr val="707070"/>
-                </a:solidFill>
-                <a:latin typeface="Pragmatica" panose="020B0403040502020204" pitchFamily="34" charset="0"/>
-              </a:rPr>
-              <a:t>Place code to run summary statistics in script</a:t>
-            </a:r>
-          </a:p>
-          <a:p>
-            <a:pPr marL="457200" indent="-457200">
-              <a:buClr>
-                <a:srgbClr val="CF3338"/>
-              </a:buClr>
-              <a:buFont typeface="Arial" panose="020B0604020202020204" pitchFamily="34" charset="0"/>
-              <a:buChar char="•"/>
-            </a:pPr>
-            <a:r>
-              <a:rPr lang="en-US" sz="2800" dirty="0">
-                <a:solidFill>
-                  <a:srgbClr val="707070"/>
-                </a:solidFill>
-                <a:latin typeface="Pragmatica" panose="020B0403040502020204" pitchFamily="34" charset="0"/>
-              </a:rPr>
-              <a:t>Run code &amp; save</a:t>
-            </a:r>
-            <a:endParaRPr lang="en-US" sz="2800" dirty="0">
-              <a:solidFill>
-                <a:srgbClr val="707070"/>
-              </a:solidFill>
-              <a:latin typeface="Consolas" panose="020B0609020204030204" pitchFamily="49" charset="0"/>
-            </a:endParaRPr>
-          </a:p>
-        </p:txBody>
-      </p:sp>
-      <p:sp>
-        <p:nvSpPr>
-          <p:cNvPr id="7" name="TextBox 6">
+              <a:t>  </a:t>
+            </a:r>
+          </a:p>
+        </p:txBody>
+      </p:sp>
+      <p:pic>
+        <p:nvPicPr>
+          <p:cNvPr id="5" name="Picture 4">
             <a:extLst>
               <a:ext uri="{FF2B5EF4-FFF2-40B4-BE49-F238E27FC236}">
-                <a16:creationId xmlns:a16="http://schemas.microsoft.com/office/drawing/2014/main" id="{78C4E1D0-2D28-4208-AF52-49EEB84C3FC5}"/>
-              </a:ext>
-            </a:extLst>
-          </p:cNvPr>
-          <p:cNvSpPr txBox="1"/>
-          <p:nvPr/>
-        </p:nvSpPr>
-        <p:spPr>
-          <a:xfrm>
-            <a:off x="6387614" y="2897683"/>
-            <a:ext cx="5679887" cy="3539430"/>
-          </a:xfrm>
-          <a:prstGeom prst="rect">
-            <a:avLst/>
-          </a:prstGeom>
-          <a:noFill/>
-        </p:spPr>
-        <p:txBody>
-          <a:bodyPr wrap="square" rtlCol="0">
-            <a:spAutoFit/>
-          </a:bodyPr>
-          <a:lstStyle/>
-          <a:p>
-            <a:pPr>
-              <a:buClr>
-                <a:srgbClr val="CF3338"/>
-              </a:buClr>
-            </a:pPr>
-            <a:r>
-              <a:rPr lang="en-US" sz="2800" b="1" dirty="0">
-                <a:solidFill>
-                  <a:srgbClr val="707070"/>
-                </a:solidFill>
-                <a:latin typeface="Pragmatica" panose="020B0403040502020204" pitchFamily="34" charset="0"/>
-              </a:rPr>
-              <a:t>Python: </a:t>
-            </a:r>
-          </a:p>
-          <a:p>
-            <a:pPr>
-              <a:buClr>
-                <a:srgbClr val="CF3338"/>
-              </a:buClr>
-            </a:pPr>
-            <a:endParaRPr lang="en-US" sz="2800" b="1" dirty="0">
-              <a:solidFill>
-                <a:srgbClr val="707070"/>
-              </a:solidFill>
-              <a:latin typeface="Pragmatica" panose="020B0403040502020204" pitchFamily="34" charset="0"/>
-            </a:endParaRPr>
-          </a:p>
-          <a:p>
-            <a:pPr marL="457200" indent="-457200">
-              <a:buClr>
-                <a:srgbClr val="CF3338"/>
-              </a:buClr>
-              <a:buFont typeface="Arial" panose="020B0604020202020204" pitchFamily="34" charset="0"/>
-              <a:buChar char="•"/>
-            </a:pPr>
-            <a:r>
-              <a:rPr lang="en-US" sz="2800" dirty="0">
-                <a:solidFill>
-                  <a:srgbClr val="707070"/>
-                </a:solidFill>
-                <a:latin typeface="Pragmatica" panose="020B0403040502020204"/>
-              </a:rPr>
-              <a:t>Print the first few rows with the </a:t>
-            </a:r>
-            <a:r>
-              <a:rPr lang="en-US" sz="2800" dirty="0">
-                <a:solidFill>
-                  <a:srgbClr val="707070"/>
-                </a:solidFill>
-                <a:latin typeface="Consolas" panose="020B0609020204030204" pitchFamily="49" charset="0"/>
-              </a:rPr>
-              <a:t>head()</a:t>
-            </a:r>
-            <a:r>
-              <a:rPr lang="en-US" sz="2800" dirty="0">
-                <a:solidFill>
-                  <a:srgbClr val="707070"/>
-                </a:solidFill>
-                <a:latin typeface="Pragmatica" panose="020B0403040502020204"/>
-              </a:rPr>
-              <a:t> method (works the same as </a:t>
-            </a:r>
-            <a:r>
-              <a:rPr lang="en-US" sz="2800" dirty="0">
-                <a:solidFill>
-                  <a:srgbClr val="707070"/>
-                </a:solidFill>
-                <a:latin typeface="Consolas" panose="020B0609020204030204" pitchFamily="49" charset="0"/>
-              </a:rPr>
-              <a:t>describe()</a:t>
-            </a:r>
-            <a:r>
-              <a:rPr lang="en-US" sz="2800" dirty="0">
-                <a:solidFill>
-                  <a:srgbClr val="707070"/>
-                </a:solidFill>
-                <a:latin typeface="Pragmatica" panose="020B0403040502020204"/>
-              </a:rPr>
-              <a:t>)</a:t>
-            </a:r>
-          </a:p>
-          <a:p>
-            <a:pPr marL="457200" indent="-457200">
-              <a:buClr>
-                <a:srgbClr val="CF3338"/>
-              </a:buClr>
-              <a:buFont typeface="Arial" panose="020B0604020202020204" pitchFamily="34" charset="0"/>
-              <a:buChar char="•"/>
-            </a:pPr>
-            <a:r>
-              <a:rPr lang="en-US" sz="2800" dirty="0">
-                <a:solidFill>
-                  <a:srgbClr val="707070"/>
-                </a:solidFill>
-                <a:latin typeface="Pragmatica" panose="020B0403040502020204"/>
-              </a:rPr>
-              <a:t>Give the notebook a name (click and write over </a:t>
-            </a:r>
-            <a:r>
-              <a:rPr lang="en-US" sz="2800" i="1" dirty="0">
-                <a:solidFill>
-                  <a:srgbClr val="707070"/>
-                </a:solidFill>
-                <a:latin typeface="Pragmatica" panose="020B0403040502020204"/>
-              </a:rPr>
-              <a:t>Untitled</a:t>
-            </a:r>
-            <a:r>
-              <a:rPr lang="en-US" sz="2800" dirty="0">
-                <a:solidFill>
-                  <a:srgbClr val="707070"/>
-                </a:solidFill>
-                <a:latin typeface="Pragmatica" panose="020B0403040502020204"/>
-              </a:rPr>
-              <a:t>)</a:t>
-            </a:r>
-          </a:p>
-        </p:txBody>
-      </p:sp>
-      <p:pic>
-        <p:nvPicPr>
-          <p:cNvPr id="3" name="Picture 2">
-            <a:extLst>
-              <a:ext uri="{FF2B5EF4-FFF2-40B4-BE49-F238E27FC236}">
-                <a16:creationId xmlns:a16="http://schemas.microsoft.com/office/drawing/2014/main" id="{9BDD9B39-F45B-4AC7-AF2D-F769368112BC}"/>
+                <a16:creationId xmlns:a16="http://schemas.microsoft.com/office/drawing/2014/main" id="{F4BFB83D-D2B3-4340-A5CC-669A243BAA7D}"/>
               </a:ext>
             </a:extLst>
           </p:cNvPr>
@@ -7712,15 +6801,15 @@
           <p:nvPr/>
         </p:nvPicPr>
         <p:blipFill>
-          <a:blip r:embed="rId4"/>
+          <a:blip r:embed="rId5"/>
           <a:stretch>
             <a:fillRect/>
           </a:stretch>
         </p:blipFill>
         <p:spPr>
           <a:xfrm>
-            <a:off x="4654772" y="5370653"/>
-            <a:ext cx="1441228" cy="635573"/>
+            <a:off x="3697861" y="2610170"/>
+            <a:ext cx="8494139" cy="4106258"/>
           </a:xfrm>
           <a:prstGeom prst="rect">
             <a:avLst/>
@@ -7730,7 +6819,724 @@
     </p:spTree>
     <p:extLst>
       <p:ext uri="{BB962C8B-B14F-4D97-AF65-F5344CB8AC3E}">
-        <p14:creationId xmlns:p14="http://schemas.microsoft.com/office/powerpoint/2010/main" val="3327978876"/>
+        <p14:creationId xmlns:p14="http://schemas.microsoft.com/office/powerpoint/2010/main" val="4141627579"/>
+      </p:ext>
+    </p:extLst>
+  </p:cSld>
+  <p:clrMapOvr>
+    <a:masterClrMapping/>
+  </p:clrMapOvr>
+</p:sld>
+</file>
+
+<file path=ppt/slides/slide5.xml><?xml version="1.0" encoding="utf-8"?>
+<p:sld xmlns:a="http://schemas.openxmlformats.org/drawingml/2006/main" xmlns:r="http://schemas.openxmlformats.org/officeDocument/2006/relationships" xmlns:p="http://schemas.openxmlformats.org/presentationml/2006/main">
+  <p:cSld>
+    <p:spTree>
+      <p:nvGrpSpPr>
+        <p:cNvPr id="1" name=""/>
+        <p:cNvGrpSpPr/>
+        <p:nvPr/>
+      </p:nvGrpSpPr>
+      <p:grpSpPr>
+        <a:xfrm>
+          <a:off x="0" y="0"/>
+          <a:ext cx="0" cy="0"/>
+          <a:chOff x="0" y="0"/>
+          <a:chExt cx="0" cy="0"/>
+        </a:xfrm>
+      </p:grpSpPr>
+      <p:pic>
+        <p:nvPicPr>
+          <p:cNvPr id="10" name="Picture 9"/>
+          <p:cNvPicPr>
+            <a:picLocks noChangeAspect="1"/>
+          </p:cNvPicPr>
+          <p:nvPr/>
+        </p:nvPicPr>
+        <p:blipFill rotWithShape="1">
+          <a:blip r:embed="rId3">
+            <a:extLst>
+              <a:ext uri="{28A0092B-C50C-407E-A947-70E740481C1C}">
+                <a14:useLocalDpi xmlns:a14="http://schemas.microsoft.com/office/drawing/2010/main" val="0"/>
+              </a:ext>
+            </a:extLst>
+          </a:blip>
+          <a:srcRect l="50728" t="56371"/>
+          <a:stretch/>
+        </p:blipFill>
+        <p:spPr>
+          <a:xfrm>
+            <a:off x="10894024" y="5370653"/>
+            <a:ext cx="1297975" cy="1487348"/>
+          </a:xfrm>
+          <a:prstGeom prst="rect">
+            <a:avLst/>
+          </a:prstGeom>
+        </p:spPr>
+      </p:pic>
+      <p:sp>
+        <p:nvSpPr>
+          <p:cNvPr id="11" name="TextBox 10"/>
+          <p:cNvSpPr txBox="1"/>
+          <p:nvPr/>
+        </p:nvSpPr>
+        <p:spPr>
+          <a:xfrm>
+            <a:off x="347240" y="113388"/>
+            <a:ext cx="9799937" cy="1015663"/>
+          </a:xfrm>
+          <a:prstGeom prst="rect">
+            <a:avLst/>
+          </a:prstGeom>
+          <a:noFill/>
+        </p:spPr>
+        <p:txBody>
+          <a:bodyPr wrap="square" rtlCol="0">
+            <a:spAutoFit/>
+          </a:bodyPr>
+          <a:lstStyle/>
+          <a:p>
+            <a:r>
+              <a:rPr lang="en-US" sz="6000" dirty="0">
+                <a:latin typeface="Aliens &amp; cows" panose="00000500000000000000" pitchFamily="2" charset="0"/>
+              </a:rPr>
+              <a:t>Become a full-stack analyst</a:t>
+            </a:r>
+          </a:p>
+        </p:txBody>
+      </p:sp>
+      <p:pic>
+        <p:nvPicPr>
+          <p:cNvPr id="4" name="Picture 3" descr="Diagram, text&#10;&#10;Description automatically generated">
+            <a:extLst>
+              <a:ext uri="{FF2B5EF4-FFF2-40B4-BE49-F238E27FC236}">
+                <a16:creationId xmlns:a16="http://schemas.microsoft.com/office/drawing/2014/main" id="{69888AE4-E6A5-42EE-8C41-9647CFF76E35}"/>
+              </a:ext>
+            </a:extLst>
+          </p:cNvPr>
+          <p:cNvPicPr>
+            <a:picLocks noChangeAspect="1"/>
+          </p:cNvPicPr>
+          <p:nvPr/>
+        </p:nvPicPr>
+        <p:blipFill>
+          <a:blip r:embed="rId4">
+            <a:extLst>
+              <a:ext uri="{28A0092B-C50C-407E-A947-70E740481C1C}">
+                <a14:useLocalDpi xmlns:a14="http://schemas.microsoft.com/office/drawing/2010/main" val="0"/>
+              </a:ext>
+            </a:extLst>
+          </a:blip>
+          <a:stretch>
+            <a:fillRect/>
+          </a:stretch>
+        </p:blipFill>
+        <p:spPr>
+          <a:xfrm>
+            <a:off x="1929935" y="1777154"/>
+            <a:ext cx="8555449" cy="4024138"/>
+          </a:xfrm>
+          <a:prstGeom prst="rect">
+            <a:avLst/>
+          </a:prstGeom>
+        </p:spPr>
+      </p:pic>
+      <p:sp>
+        <p:nvSpPr>
+          <p:cNvPr id="7" name="TextBox 6">
+            <a:extLst>
+              <a:ext uri="{FF2B5EF4-FFF2-40B4-BE49-F238E27FC236}">
+                <a16:creationId xmlns:a16="http://schemas.microsoft.com/office/drawing/2014/main" id="{CFAB272F-EC83-45BA-935F-DFBF5407D2B6}"/>
+              </a:ext>
+            </a:extLst>
+          </p:cNvPr>
+          <p:cNvSpPr txBox="1"/>
+          <p:nvPr/>
+        </p:nvSpPr>
+        <p:spPr>
+          <a:xfrm>
+            <a:off x="261704" y="6114327"/>
+            <a:ext cx="9493446" cy="369332"/>
+          </a:xfrm>
+          <a:prstGeom prst="rect">
+            <a:avLst/>
+          </a:prstGeom>
+          <a:noFill/>
+        </p:spPr>
+        <p:txBody>
+          <a:bodyPr wrap="square" rtlCol="0">
+            <a:spAutoFit/>
+          </a:bodyPr>
+          <a:lstStyle/>
+          <a:p>
+            <a:r>
+              <a:rPr lang="en-US" dirty="0">
+                <a:solidFill>
+                  <a:schemeClr val="bg1">
+                    <a:lumMod val="50000"/>
+                  </a:schemeClr>
+                </a:solidFill>
+                <a:latin typeface="Pragmatica" pitchFamily="2" charset="0"/>
+              </a:rPr>
+              <a:t>Mount, George. </a:t>
+            </a:r>
+            <a:r>
+              <a:rPr lang="en-US" i="1" dirty="0">
+                <a:solidFill>
+                  <a:schemeClr val="bg1">
+                    <a:lumMod val="50000"/>
+                  </a:schemeClr>
+                </a:solidFill>
+                <a:latin typeface="Pragmatica" pitchFamily="2" charset="0"/>
+              </a:rPr>
+              <a:t>Advancing into Analytics: From Excel to Python and R</a:t>
+            </a:r>
+            <a:r>
+              <a:rPr lang="en-US" dirty="0">
+                <a:solidFill>
+                  <a:schemeClr val="bg1">
+                    <a:lumMod val="50000"/>
+                  </a:schemeClr>
+                </a:solidFill>
+                <a:latin typeface="Pragmatica" pitchFamily="2" charset="0"/>
+              </a:rPr>
+              <a:t>. O’Reilly Media, 2021</a:t>
+            </a:r>
+            <a:endParaRPr lang="en-US" i="1" dirty="0">
+              <a:solidFill>
+                <a:schemeClr val="bg1">
+                  <a:lumMod val="50000"/>
+                </a:schemeClr>
+              </a:solidFill>
+              <a:latin typeface="Pragmatica" pitchFamily="2" charset="0"/>
+            </a:endParaRPr>
+          </a:p>
+        </p:txBody>
+      </p:sp>
+    </p:spTree>
+    <p:extLst>
+      <p:ext uri="{BB962C8B-B14F-4D97-AF65-F5344CB8AC3E}">
+        <p14:creationId xmlns:p14="http://schemas.microsoft.com/office/powerpoint/2010/main" val="3729633991"/>
+      </p:ext>
+    </p:extLst>
+  </p:cSld>
+  <p:clrMapOvr>
+    <a:masterClrMapping/>
+  </p:clrMapOvr>
+</p:sld>
+</file>
+
+<file path=ppt/slides/slide6.xml><?xml version="1.0" encoding="utf-8"?>
+<p:sld xmlns:a="http://schemas.openxmlformats.org/drawingml/2006/main" xmlns:r="http://schemas.openxmlformats.org/officeDocument/2006/relationships" xmlns:p="http://schemas.openxmlformats.org/presentationml/2006/main">
+  <p:cSld>
+    <p:spTree>
+      <p:nvGrpSpPr>
+        <p:cNvPr id="1" name=""/>
+        <p:cNvGrpSpPr/>
+        <p:nvPr/>
+      </p:nvGrpSpPr>
+      <p:grpSpPr>
+        <a:xfrm>
+          <a:off x="0" y="0"/>
+          <a:ext cx="0" cy="0"/>
+          <a:chOff x="0" y="0"/>
+          <a:chExt cx="0" cy="0"/>
+        </a:xfrm>
+      </p:grpSpPr>
+      <p:sp>
+        <p:nvSpPr>
+          <p:cNvPr id="4" name="Rectangle 3"/>
+          <p:cNvSpPr/>
+          <p:nvPr/>
+        </p:nvSpPr>
+        <p:spPr>
+          <a:xfrm>
+            <a:off x="6574420" y="0"/>
+            <a:ext cx="5617580" cy="6858000"/>
+          </a:xfrm>
+          <a:prstGeom prst="rect">
+            <a:avLst/>
+          </a:prstGeom>
+          <a:solidFill>
+            <a:srgbClr val="CF3338"/>
+          </a:solidFill>
+        </p:spPr>
+        <p:style>
+          <a:lnRef idx="2">
+            <a:schemeClr val="accent1">
+              <a:shade val="50000"/>
+            </a:schemeClr>
+          </a:lnRef>
+          <a:fillRef idx="1">
+            <a:schemeClr val="accent1"/>
+          </a:fillRef>
+          <a:effectRef idx="0">
+            <a:schemeClr val="accent1"/>
+          </a:effectRef>
+          <a:fontRef idx="minor">
+            <a:schemeClr val="lt1"/>
+          </a:fontRef>
+        </p:style>
+        <p:txBody>
+          <a:bodyPr rtlCol="0" anchor="ctr"/>
+          <a:lstStyle/>
+          <a:p>
+            <a:pPr algn="ctr"/>
+            <a:endParaRPr lang="en-US"/>
+          </a:p>
+        </p:txBody>
+      </p:sp>
+      <p:sp>
+        <p:nvSpPr>
+          <p:cNvPr id="5" name="TextBox 4"/>
+          <p:cNvSpPr txBox="1"/>
+          <p:nvPr/>
+        </p:nvSpPr>
+        <p:spPr>
+          <a:xfrm>
+            <a:off x="6817489" y="0"/>
+            <a:ext cx="4120587" cy="1446550"/>
+          </a:xfrm>
+          <a:prstGeom prst="rect">
+            <a:avLst/>
+          </a:prstGeom>
+          <a:noFill/>
+        </p:spPr>
+        <p:txBody>
+          <a:bodyPr wrap="square" rtlCol="0">
+            <a:spAutoFit/>
+          </a:bodyPr>
+          <a:lstStyle/>
+          <a:p>
+            <a:r>
+              <a:rPr lang="en-US" sz="8800" dirty="0">
+                <a:solidFill>
+                  <a:schemeClr val="bg1"/>
+                </a:solidFill>
+                <a:latin typeface="Aliens &amp; cows" panose="00000500000000000000" pitchFamily="2" charset="0"/>
+              </a:rPr>
+              <a:t>Demos</a:t>
+            </a:r>
+          </a:p>
+        </p:txBody>
+      </p:sp>
+      <p:pic>
+        <p:nvPicPr>
+          <p:cNvPr id="2" name="Picture 1"/>
+          <p:cNvPicPr>
+            <a:picLocks noChangeAspect="1"/>
+          </p:cNvPicPr>
+          <p:nvPr/>
+        </p:nvPicPr>
+        <p:blipFill rotWithShape="1">
+          <a:blip r:embed="rId3">
+            <a:extLst>
+              <a:ext uri="{28A0092B-C50C-407E-A947-70E740481C1C}">
+                <a14:useLocalDpi xmlns:a14="http://schemas.microsoft.com/office/drawing/2010/main" val="0"/>
+              </a:ext>
+            </a:extLst>
+          </a:blip>
+          <a:srcRect l="69227" t="33418" r="20112" b="50548"/>
+          <a:stretch/>
+        </p:blipFill>
+        <p:spPr>
+          <a:xfrm>
+            <a:off x="10386349" y="5029795"/>
+            <a:ext cx="1805651" cy="1991719"/>
+          </a:xfrm>
+          <a:prstGeom prst="rect">
+            <a:avLst/>
+          </a:prstGeom>
+        </p:spPr>
+      </p:pic>
+      <p:sp>
+        <p:nvSpPr>
+          <p:cNvPr id="3" name="TextBox 2"/>
+          <p:cNvSpPr txBox="1"/>
+          <p:nvPr/>
+        </p:nvSpPr>
+        <p:spPr>
+          <a:xfrm>
+            <a:off x="173620" y="219919"/>
+            <a:ext cx="5937813" cy="4832092"/>
+          </a:xfrm>
+          <a:prstGeom prst="rect">
+            <a:avLst/>
+          </a:prstGeom>
+          <a:noFill/>
+        </p:spPr>
+        <p:txBody>
+          <a:bodyPr wrap="square" rtlCol="0">
+            <a:spAutoFit/>
+          </a:bodyPr>
+          <a:lstStyle/>
+          <a:p>
+            <a:endParaRPr lang="en-US" sz="2800" b="1" dirty="0">
+              <a:solidFill>
+                <a:srgbClr val="CF3338"/>
+              </a:solidFill>
+              <a:latin typeface="Pragmatica" pitchFamily="2" charset="0"/>
+            </a:endParaRPr>
+          </a:p>
+          <a:p>
+            <a:pPr marL="514350" indent="-514350">
+              <a:buFont typeface="Arial" panose="020B0604020202020204" pitchFamily="34" charset="0"/>
+              <a:buChar char="•"/>
+            </a:pPr>
+            <a:r>
+              <a:rPr lang="en-US" sz="2800" b="1" dirty="0">
+                <a:solidFill>
+                  <a:srgbClr val="CF3338"/>
+                </a:solidFill>
+                <a:latin typeface="Pragmatica" pitchFamily="2" charset="0"/>
+              </a:rPr>
+              <a:t>Downloads and summary statistics:</a:t>
+            </a:r>
+          </a:p>
+          <a:p>
+            <a:pPr marL="971550" lvl="1" indent="-514350">
+              <a:buFont typeface="Arial" panose="020B0604020202020204" pitchFamily="34" charset="0"/>
+              <a:buChar char="•"/>
+            </a:pPr>
+            <a:r>
+              <a:rPr lang="en-US" sz="2800" b="1" dirty="0">
+                <a:solidFill>
+                  <a:srgbClr val="CF3338"/>
+                </a:solidFill>
+                <a:latin typeface="Pragmatica" pitchFamily="2" charset="0"/>
+              </a:rPr>
+              <a:t>Excel</a:t>
+            </a:r>
+          </a:p>
+          <a:p>
+            <a:pPr marL="971550" lvl="1" indent="-514350">
+              <a:buFont typeface="Arial" panose="020B0604020202020204" pitchFamily="34" charset="0"/>
+              <a:buChar char="•"/>
+            </a:pPr>
+            <a:r>
+              <a:rPr lang="en-US" sz="2800" b="1" dirty="0">
+                <a:solidFill>
+                  <a:srgbClr val="CF3338"/>
+                </a:solidFill>
+                <a:latin typeface="Pragmatica" pitchFamily="2" charset="0"/>
+              </a:rPr>
+              <a:t>R</a:t>
+            </a:r>
+          </a:p>
+          <a:p>
+            <a:pPr marL="971550" lvl="1" indent="-514350">
+              <a:buFont typeface="Arial" panose="020B0604020202020204" pitchFamily="34" charset="0"/>
+              <a:buChar char="•"/>
+            </a:pPr>
+            <a:r>
+              <a:rPr lang="en-US" sz="2800" b="1" dirty="0">
+                <a:solidFill>
+                  <a:srgbClr val="CF3338"/>
+                </a:solidFill>
+                <a:latin typeface="Pragmatica" pitchFamily="2" charset="0"/>
+              </a:rPr>
+              <a:t>Python</a:t>
+            </a:r>
+          </a:p>
+          <a:p>
+            <a:pPr marL="514350" indent="-514350">
+              <a:buFont typeface="Arial" panose="020B0604020202020204" pitchFamily="34" charset="0"/>
+              <a:buChar char="•"/>
+            </a:pPr>
+            <a:r>
+              <a:rPr lang="en-US" sz="2800" b="1" dirty="0">
+                <a:solidFill>
+                  <a:srgbClr val="CF3338"/>
+                </a:solidFill>
+                <a:latin typeface="Pragmatica" pitchFamily="2" charset="0"/>
+              </a:rPr>
+              <a:t>Follow along with demo notes for each</a:t>
+            </a:r>
+          </a:p>
+          <a:p>
+            <a:endParaRPr lang="en-US" sz="2800" b="1" dirty="0">
+              <a:solidFill>
+                <a:srgbClr val="CF3338"/>
+              </a:solidFill>
+              <a:latin typeface="Pragmatica" pitchFamily="2" charset="0"/>
+            </a:endParaRPr>
+          </a:p>
+          <a:p>
+            <a:pPr marL="514350" indent="-514350">
+              <a:buFont typeface="Arial" panose="020B0604020202020204" pitchFamily="34" charset="0"/>
+              <a:buChar char="•"/>
+            </a:pPr>
+            <a:r>
+              <a:rPr lang="en-US" sz="2800" b="1" dirty="0">
+                <a:solidFill>
+                  <a:srgbClr val="CF3338"/>
+                </a:solidFill>
+                <a:latin typeface="Pragmatica" pitchFamily="2" charset="0"/>
+              </a:rPr>
+              <a:t>Let’s get situated… </a:t>
+            </a:r>
+          </a:p>
+          <a:p>
+            <a:pPr marL="971550" lvl="1" indent="-514350">
+              <a:buFont typeface="Arial" panose="020B0604020202020204" pitchFamily="34" charset="0"/>
+              <a:buChar char="•"/>
+            </a:pPr>
+            <a:r>
+              <a:rPr lang="en-US" sz="2800" b="1" dirty="0">
+                <a:solidFill>
+                  <a:srgbClr val="CF3338"/>
+                </a:solidFill>
+                <a:latin typeface="Pragmatica" pitchFamily="2" charset="0"/>
+              </a:rPr>
+              <a:t>File to summarize: </a:t>
+            </a:r>
+            <a:r>
+              <a:rPr lang="en-US" sz="2800" b="1" dirty="0">
+                <a:solidFill>
+                  <a:srgbClr val="CF3338"/>
+                </a:solidFill>
+                <a:latin typeface="Consolas" panose="020B0609020204030204" pitchFamily="49" charset="0"/>
+              </a:rPr>
+              <a:t>plantgrowth.xlsx</a:t>
+            </a:r>
+          </a:p>
+        </p:txBody>
+      </p:sp>
+    </p:spTree>
+    <p:extLst>
+      <p:ext uri="{BB962C8B-B14F-4D97-AF65-F5344CB8AC3E}">
+        <p14:creationId xmlns:p14="http://schemas.microsoft.com/office/powerpoint/2010/main" val="3088895096"/>
+      </p:ext>
+    </p:extLst>
+  </p:cSld>
+  <p:clrMapOvr>
+    <a:masterClrMapping/>
+  </p:clrMapOvr>
+</p:sld>
+</file>
+
+<file path=ppt/slides/slide7.xml><?xml version="1.0" encoding="utf-8"?>
+<p:sld xmlns:a="http://schemas.openxmlformats.org/drawingml/2006/main" xmlns:r="http://schemas.openxmlformats.org/officeDocument/2006/relationships" xmlns:p="http://schemas.openxmlformats.org/presentationml/2006/main">
+  <p:cSld>
+    <p:spTree>
+      <p:nvGrpSpPr>
+        <p:cNvPr id="1" name=""/>
+        <p:cNvGrpSpPr/>
+        <p:nvPr/>
+      </p:nvGrpSpPr>
+      <p:grpSpPr>
+        <a:xfrm>
+          <a:off x="0" y="0"/>
+          <a:ext cx="0" cy="0"/>
+          <a:chOff x="0" y="0"/>
+          <a:chExt cx="0" cy="0"/>
+        </a:xfrm>
+      </p:grpSpPr>
+      <p:pic>
+        <p:nvPicPr>
+          <p:cNvPr id="10" name="Picture 9"/>
+          <p:cNvPicPr>
+            <a:picLocks noChangeAspect="1"/>
+          </p:cNvPicPr>
+          <p:nvPr/>
+        </p:nvPicPr>
+        <p:blipFill rotWithShape="1">
+          <a:blip r:embed="rId2">
+            <a:extLst>
+              <a:ext uri="{28A0092B-C50C-407E-A947-70E740481C1C}">
+                <a14:useLocalDpi xmlns:a14="http://schemas.microsoft.com/office/drawing/2010/main" val="0"/>
+              </a:ext>
+            </a:extLst>
+          </a:blip>
+          <a:srcRect l="50728" t="56371"/>
+          <a:stretch/>
+        </p:blipFill>
+        <p:spPr>
+          <a:xfrm>
+            <a:off x="8136460" y="2210765"/>
+            <a:ext cx="4055539" cy="4647236"/>
+          </a:xfrm>
+          <a:prstGeom prst="rect">
+            <a:avLst/>
+          </a:prstGeom>
+        </p:spPr>
+      </p:pic>
+      <p:pic>
+        <p:nvPicPr>
+          <p:cNvPr id="4" name="Picture 3"/>
+          <p:cNvPicPr>
+            <a:picLocks noChangeAspect="1"/>
+          </p:cNvPicPr>
+          <p:nvPr/>
+        </p:nvPicPr>
+        <p:blipFill>
+          <a:blip r:embed="rId3">
+            <a:extLst>
+              <a:ext uri="{28A0092B-C50C-407E-A947-70E740481C1C}">
+                <a14:useLocalDpi xmlns:a14="http://schemas.microsoft.com/office/drawing/2010/main" val="0"/>
+              </a:ext>
+            </a:extLst>
+          </a:blip>
+          <a:stretch>
+            <a:fillRect/>
+          </a:stretch>
+        </p:blipFill>
+        <p:spPr>
+          <a:xfrm>
+            <a:off x="-538496" y="-2482770"/>
+            <a:ext cx="10171472" cy="7459883"/>
+          </a:xfrm>
+          <a:prstGeom prst="rect">
+            <a:avLst/>
+          </a:prstGeom>
+        </p:spPr>
+      </p:pic>
+      <p:sp>
+        <p:nvSpPr>
+          <p:cNvPr id="11" name="TextBox 10"/>
+          <p:cNvSpPr txBox="1"/>
+          <p:nvPr/>
+        </p:nvSpPr>
+        <p:spPr>
+          <a:xfrm>
+            <a:off x="324091" y="1687545"/>
+            <a:ext cx="7986531" cy="769441"/>
+          </a:xfrm>
+          <a:prstGeom prst="rect">
+            <a:avLst/>
+          </a:prstGeom>
+          <a:noFill/>
+        </p:spPr>
+        <p:txBody>
+          <a:bodyPr wrap="square" rtlCol="0">
+            <a:spAutoFit/>
+          </a:bodyPr>
+          <a:lstStyle/>
+          <a:p>
+            <a:r>
+              <a:rPr lang="en-US" sz="4400" b="1" dirty="0">
+                <a:solidFill>
+                  <a:srgbClr val="707070"/>
+                </a:solidFill>
+                <a:latin typeface="Pragmatica" panose="020B0403040502020204" pitchFamily="34" charset="0"/>
+              </a:rPr>
+              <a:t>Questions?</a:t>
+            </a:r>
+          </a:p>
+        </p:txBody>
+      </p:sp>
+    </p:spTree>
+    <p:extLst>
+      <p:ext uri="{BB962C8B-B14F-4D97-AF65-F5344CB8AC3E}">
+        <p14:creationId xmlns:p14="http://schemas.microsoft.com/office/powerpoint/2010/main" val="4081097533"/>
+      </p:ext>
+    </p:extLst>
+  </p:cSld>
+  <p:clrMapOvr>
+    <a:masterClrMapping/>
+  </p:clrMapOvr>
+</p:sld>
+</file>
+
+<file path=ppt/slides/slide8.xml><?xml version="1.0" encoding="utf-8"?>
+<p:sld xmlns:a="http://schemas.openxmlformats.org/drawingml/2006/main" xmlns:r="http://schemas.openxmlformats.org/officeDocument/2006/relationships" xmlns:p="http://schemas.openxmlformats.org/presentationml/2006/main">
+  <p:cSld>
+    <p:spTree>
+      <p:nvGrpSpPr>
+        <p:cNvPr id="1" name=""/>
+        <p:cNvGrpSpPr/>
+        <p:nvPr/>
+      </p:nvGrpSpPr>
+      <p:grpSpPr>
+        <a:xfrm>
+          <a:off x="0" y="0"/>
+          <a:ext cx="0" cy="0"/>
+          <a:chOff x="0" y="0"/>
+          <a:chExt cx="0" cy="0"/>
+        </a:xfrm>
+      </p:grpSpPr>
+      <p:sp>
+        <p:nvSpPr>
+          <p:cNvPr id="4" name="Rectangle 3"/>
+          <p:cNvSpPr/>
+          <p:nvPr/>
+        </p:nvSpPr>
+        <p:spPr>
+          <a:xfrm>
+            <a:off x="0" y="0"/>
+            <a:ext cx="12192000" cy="6858000"/>
+          </a:xfrm>
+          <a:prstGeom prst="rect">
+            <a:avLst/>
+          </a:prstGeom>
+          <a:solidFill>
+            <a:srgbClr val="CF3338"/>
+          </a:solidFill>
+        </p:spPr>
+        <p:style>
+          <a:lnRef idx="2">
+            <a:schemeClr val="accent1">
+              <a:shade val="50000"/>
+            </a:schemeClr>
+          </a:lnRef>
+          <a:fillRef idx="1">
+            <a:schemeClr val="accent1"/>
+          </a:fillRef>
+          <a:effectRef idx="0">
+            <a:schemeClr val="accent1"/>
+          </a:effectRef>
+          <a:fontRef idx="minor">
+            <a:schemeClr val="lt1"/>
+          </a:fontRef>
+        </p:style>
+        <p:txBody>
+          <a:bodyPr rtlCol="0" anchor="ctr"/>
+          <a:lstStyle/>
+          <a:p>
+            <a:pPr algn="ctr"/>
+            <a:endParaRPr lang="en-US"/>
+          </a:p>
+        </p:txBody>
+      </p:sp>
+      <p:sp>
+        <p:nvSpPr>
+          <p:cNvPr id="5" name="TextBox 4"/>
+          <p:cNvSpPr txBox="1"/>
+          <p:nvPr/>
+        </p:nvSpPr>
+        <p:spPr>
+          <a:xfrm>
+            <a:off x="520861" y="393539"/>
+            <a:ext cx="10324617" cy="1107996"/>
+          </a:xfrm>
+          <a:prstGeom prst="rect">
+            <a:avLst/>
+          </a:prstGeom>
+          <a:noFill/>
+        </p:spPr>
+        <p:txBody>
+          <a:bodyPr wrap="square" rtlCol="0">
+            <a:spAutoFit/>
+          </a:bodyPr>
+          <a:lstStyle/>
+          <a:p>
+            <a:r>
+              <a:rPr lang="en-US" sz="6600" b="1" dirty="0">
+                <a:solidFill>
+                  <a:schemeClr val="bg1"/>
+                </a:solidFill>
+                <a:latin typeface="Pragmatica" pitchFamily="2" charset="0"/>
+              </a:rPr>
+              <a:t>Conclusion/Next steps</a:t>
+            </a:r>
+          </a:p>
+        </p:txBody>
+      </p:sp>
+    </p:spTree>
+    <p:extLst>
+      <p:ext uri="{BB962C8B-B14F-4D97-AF65-F5344CB8AC3E}">
+        <p14:creationId xmlns:p14="http://schemas.microsoft.com/office/powerpoint/2010/main" val="1922980201"/>
       </p:ext>
     </p:extLst>
   </p:cSld>
@@ -7812,7 +7618,7 @@
               <a:rPr lang="en-US" sz="6000" dirty="0">
                 <a:latin typeface="Aliens &amp; cows" panose="00000500000000000000" pitchFamily="2" charset="0"/>
               </a:rPr>
-              <a:t>Want more? </a:t>
+              <a:t>Take-home activity</a:t>
             </a:r>
           </a:p>
         </p:txBody>
@@ -7831,8 +7637,8 @@
         </p:nvSpPr>
         <p:spPr>
           <a:xfrm>
-            <a:off x="347240" y="1465093"/>
-            <a:ext cx="9688858" cy="954107"/>
+            <a:off x="347240" y="1479233"/>
+            <a:ext cx="11318287" cy="4832092"/>
           </a:xfrm>
           <a:prstGeom prst="rect">
             <a:avLst/>
@@ -7859,28 +7665,256 @@
                 </a:solidFill>
                 <a:latin typeface="Pragmatica" panose="020B0403040502020204" pitchFamily="34" charset="0"/>
               </a:rPr>
-              <a:t>Sign up for course waiting list: </a:t>
-            </a:r>
+              <a:t>Folder: </a:t>
+            </a:r>
+            <a:r>
+              <a:rPr lang="en-US" sz="2800" dirty="0">
+                <a:solidFill>
+                  <a:srgbClr val="707070"/>
+                </a:solidFill>
+                <a:latin typeface="Consolas" panose="020B0609020204030204" pitchFamily="49" charset="0"/>
+              </a:rPr>
+              <a:t>take-home</a:t>
+            </a:r>
+          </a:p>
+          <a:p>
+            <a:pPr marL="457200" indent="-457200">
+              <a:buClr>
+                <a:srgbClr val="CF3338"/>
+              </a:buClr>
+              <a:buFont typeface="Arial" panose="020B0604020202020204" pitchFamily="34" charset="0"/>
+              <a:buChar char="•"/>
+            </a:pPr>
+            <a:r>
+              <a:rPr lang="en-US" sz="2800" dirty="0">
+                <a:solidFill>
+                  <a:srgbClr val="707070"/>
+                </a:solidFill>
+                <a:latin typeface="Pragmatica" panose="020B0403040502020204"/>
+              </a:rPr>
+              <a:t>Dataset: </a:t>
+            </a:r>
+            <a:r>
+              <a:rPr lang="en-US" sz="2800" dirty="0">
+                <a:solidFill>
+                  <a:srgbClr val="707070"/>
+                </a:solidFill>
+                <a:latin typeface="Consolas" panose="020B0609020204030204" pitchFamily="49" charset="0"/>
+              </a:rPr>
+              <a:t>tips.xlsx… </a:t>
+            </a:r>
+            <a:r>
+              <a:rPr lang="en-US" sz="2800" dirty="0">
+                <a:solidFill>
+                  <a:srgbClr val="707070"/>
+                </a:solidFill>
+                <a:latin typeface="Pragmatica" panose="020B0403040502020204"/>
+              </a:rPr>
+              <a:t>load and print summary statistics, then…</a:t>
+            </a:r>
+          </a:p>
+          <a:p>
+            <a:pPr marL="457200" indent="-457200">
+              <a:buClr>
+                <a:srgbClr val="CF3338"/>
+              </a:buClr>
+              <a:buFont typeface="Arial" panose="020B0604020202020204" pitchFamily="34" charset="0"/>
+              <a:buChar char="•"/>
+            </a:pPr>
+            <a:endParaRPr lang="en-US" sz="2800" dirty="0">
+              <a:solidFill>
+                <a:srgbClr val="707070"/>
+              </a:solidFill>
+              <a:latin typeface="Consolas" panose="020B0609020204030204" pitchFamily="49" charset="0"/>
+            </a:endParaRPr>
+          </a:p>
+          <a:p>
+            <a:pPr marL="457200" indent="-457200">
+              <a:buClr>
+                <a:srgbClr val="CF3338"/>
+              </a:buClr>
+              <a:buFont typeface="Arial" panose="020B0604020202020204" pitchFamily="34" charset="0"/>
+              <a:buChar char="•"/>
+            </a:pPr>
+            <a:endParaRPr lang="en-US" sz="2800" dirty="0">
+              <a:solidFill>
+                <a:srgbClr val="707070"/>
+              </a:solidFill>
+              <a:latin typeface="Consolas" panose="020B0609020204030204" pitchFamily="49" charset="0"/>
+            </a:endParaRPr>
+          </a:p>
+          <a:p>
+            <a:pPr marL="457200" indent="-457200">
+              <a:buClr>
+                <a:srgbClr val="CF3338"/>
+              </a:buClr>
+              <a:buFont typeface="Arial" panose="020B0604020202020204" pitchFamily="34" charset="0"/>
+              <a:buChar char="•"/>
+            </a:pPr>
+            <a:endParaRPr lang="en-US" sz="2800" dirty="0">
+              <a:solidFill>
+                <a:srgbClr val="707070"/>
+              </a:solidFill>
+              <a:latin typeface="Consolas" panose="020B0609020204030204" pitchFamily="49" charset="0"/>
+            </a:endParaRPr>
+          </a:p>
+          <a:p>
+            <a:pPr marL="457200" indent="-457200">
+              <a:buClr>
+                <a:srgbClr val="CF3338"/>
+              </a:buClr>
+              <a:buFont typeface="Arial" panose="020B0604020202020204" pitchFamily="34" charset="0"/>
+              <a:buChar char="•"/>
+            </a:pPr>
+            <a:endParaRPr lang="en-US" sz="2800" dirty="0">
+              <a:solidFill>
+                <a:srgbClr val="707070"/>
+              </a:solidFill>
+              <a:latin typeface="Consolas" panose="020B0609020204030204" pitchFamily="49" charset="0"/>
+            </a:endParaRPr>
+          </a:p>
+          <a:p>
+            <a:pPr marL="457200" indent="-457200">
+              <a:buClr>
+                <a:srgbClr val="CF3338"/>
+              </a:buClr>
+              <a:buFont typeface="Arial" panose="020B0604020202020204" pitchFamily="34" charset="0"/>
+              <a:buChar char="•"/>
+            </a:pPr>
+            <a:endParaRPr lang="en-US" sz="2800" dirty="0">
+              <a:solidFill>
+                <a:srgbClr val="707070"/>
+              </a:solidFill>
+              <a:latin typeface="Consolas" panose="020B0609020204030204" pitchFamily="49" charset="0"/>
+            </a:endParaRPr>
+          </a:p>
+          <a:p>
+            <a:pPr marL="457200" indent="-457200">
+              <a:buClr>
+                <a:srgbClr val="CF3338"/>
+              </a:buClr>
+              <a:buFont typeface="Arial" panose="020B0604020202020204" pitchFamily="34" charset="0"/>
+              <a:buChar char="•"/>
+            </a:pPr>
+            <a:endParaRPr lang="en-US" sz="2800" dirty="0">
+              <a:solidFill>
+                <a:srgbClr val="707070"/>
+              </a:solidFill>
+              <a:latin typeface="Consolas" panose="020B0609020204030204" pitchFamily="49" charset="0"/>
+            </a:endParaRPr>
+          </a:p>
+          <a:p>
+            <a:pPr marL="457200" indent="-457200">
+              <a:buClr>
+                <a:srgbClr val="CF3338"/>
+              </a:buClr>
+              <a:buFont typeface="Arial" panose="020B0604020202020204" pitchFamily="34" charset="0"/>
+              <a:buChar char="•"/>
+            </a:pPr>
+            <a:endParaRPr lang="en-US" sz="2800" dirty="0">
+              <a:solidFill>
+                <a:srgbClr val="707070"/>
+              </a:solidFill>
+              <a:latin typeface="Consolas" panose="020B0609020204030204" pitchFamily="49" charset="0"/>
+            </a:endParaRPr>
+          </a:p>
+          <a:p>
+            <a:pPr>
+              <a:buClr>
+                <a:srgbClr val="CF3338"/>
+              </a:buClr>
+            </a:pPr>
+            <a:endParaRPr lang="en-US" sz="2800" dirty="0">
+              <a:solidFill>
+                <a:srgbClr val="707070"/>
+              </a:solidFill>
+              <a:latin typeface="Consolas" panose="020B0609020204030204" pitchFamily="49" charset="0"/>
+            </a:endParaRPr>
+          </a:p>
+          <a:p>
+            <a:pPr marL="457200" indent="-457200">
+              <a:buClr>
+                <a:srgbClr val="CF3338"/>
+              </a:buClr>
+              <a:buFont typeface="Arial" panose="020B0604020202020204" pitchFamily="34" charset="0"/>
+              <a:buChar char="•"/>
+            </a:pPr>
+            <a:r>
+              <a:rPr lang="en-US" sz="2800" b="1" dirty="0">
+                <a:solidFill>
+                  <a:srgbClr val="707070"/>
+                </a:solidFill>
+                <a:latin typeface="Pragmatica" panose="020B0403040502020204"/>
+              </a:rPr>
+              <a:t>Notes &amp; solutions included</a:t>
+            </a:r>
+          </a:p>
+        </p:txBody>
+      </p:sp>
+      <p:sp>
+        <p:nvSpPr>
+          <p:cNvPr id="6" name="TextBox 5">
+            <a:extLst>
+              <a:ext uri="{FF2B5EF4-FFF2-40B4-BE49-F238E27FC236}">
+                <a16:creationId xmlns:a16="http://schemas.microsoft.com/office/drawing/2014/main" id="{BAC08A4C-309F-46C0-A426-1504D021630A}"/>
+              </a:ext>
+            </a:extLst>
+          </p:cNvPr>
+          <p:cNvSpPr txBox="1"/>
+          <p:nvPr/>
+        </p:nvSpPr>
+        <p:spPr>
+          <a:xfrm>
+            <a:off x="780942" y="2889223"/>
+            <a:ext cx="5679887" cy="2677656"/>
+          </a:xfrm>
+          <a:prstGeom prst="rect">
+            <a:avLst/>
+          </a:prstGeom>
+          <a:noFill/>
+        </p:spPr>
+        <p:txBody>
+          <a:bodyPr wrap="square" rtlCol="0">
+            <a:spAutoFit/>
+          </a:bodyPr>
+          <a:lstStyle/>
+          <a:p>
+            <a:pPr>
+              <a:buClr>
+                <a:srgbClr val="CF3338"/>
+              </a:buClr>
+            </a:pPr>
             <a:r>
               <a:rPr lang="en-US" sz="2800" b="1" dirty="0">
                 <a:solidFill>
                   <a:srgbClr val="707070"/>
                 </a:solidFill>
                 <a:latin typeface="Pragmatica" panose="020B0403040502020204" pitchFamily="34" charset="0"/>
-                <a:hlinkClick r:id="rId4"/>
               </a:rPr>
-              <a:t>https://stringfestanalytics.com/aina-waiting</a:t>
-            </a:r>
-            <a:r>
-              <a:rPr lang="en-US" sz="2800" dirty="0">
-                <a:solidFill>
-                  <a:srgbClr val="707070"/>
-                </a:solidFill>
-                <a:latin typeface="Pragmatica" panose="020B0403040502020204" pitchFamily="34" charset="0"/>
-                <a:hlinkClick r:id="rId4"/>
-              </a:rPr>
-              <a:t>/</a:t>
-            </a:r>
+              <a:t>R: </a:t>
+            </a:r>
+          </a:p>
+          <a:p>
+            <a:pPr>
+              <a:buClr>
+                <a:srgbClr val="CF3338"/>
+              </a:buClr>
+            </a:pPr>
+            <a:endParaRPr lang="en-US" sz="2800" b="1" dirty="0">
+              <a:solidFill>
+                <a:srgbClr val="707070"/>
+              </a:solidFill>
+              <a:latin typeface="Pragmatica" panose="020B0403040502020204" pitchFamily="34" charset="0"/>
+            </a:endParaRPr>
+          </a:p>
+          <a:p>
+            <a:pPr marL="457200" indent="-457200">
+              <a:buClr>
+                <a:srgbClr val="CF3338"/>
+              </a:buClr>
+              <a:buFont typeface="Arial" panose="020B0604020202020204" pitchFamily="34" charset="0"/>
+              <a:buChar char="•"/>
+            </a:pPr>
             <a:r>
               <a:rPr lang="en-US" sz="2800" dirty="0">
                 <a:solidFill>
@@ -7888,18 +7922,207 @@
                 </a:solidFill>
                 <a:latin typeface="Pragmatica" panose="020B0403040502020204" pitchFamily="34" charset="0"/>
               </a:rPr>
-              <a:t>    </a:t>
+              <a:t>File &gt; New File &gt; R Script</a:t>
+            </a:r>
+          </a:p>
+          <a:p>
+            <a:pPr marL="457200" indent="-457200">
+              <a:buClr>
+                <a:srgbClr val="CF3338"/>
+              </a:buClr>
+              <a:buFont typeface="Arial" panose="020B0604020202020204" pitchFamily="34" charset="0"/>
+              <a:buChar char="•"/>
+            </a:pPr>
+            <a:r>
+              <a:rPr lang="en-US" sz="2800" dirty="0">
+                <a:solidFill>
+                  <a:srgbClr val="707070"/>
+                </a:solidFill>
+                <a:latin typeface="Pragmatica" panose="020B0403040502020204" pitchFamily="34" charset="0"/>
+              </a:rPr>
+              <a:t>Place code to run summary statistics in script</a:t>
+            </a:r>
+          </a:p>
+          <a:p>
+            <a:pPr marL="457200" indent="-457200">
+              <a:buClr>
+                <a:srgbClr val="CF3338"/>
+              </a:buClr>
+              <a:buFont typeface="Arial" panose="020B0604020202020204" pitchFamily="34" charset="0"/>
+              <a:buChar char="•"/>
+            </a:pPr>
+            <a:r>
+              <a:rPr lang="en-US" sz="2800" dirty="0">
+                <a:solidFill>
+                  <a:srgbClr val="707070"/>
+                </a:solidFill>
+                <a:latin typeface="Pragmatica" panose="020B0403040502020204" pitchFamily="34" charset="0"/>
+              </a:rPr>
+              <a:t>Run code &amp; save</a:t>
+            </a:r>
+            <a:endParaRPr lang="en-US" sz="2800" dirty="0">
+              <a:solidFill>
+                <a:srgbClr val="707070"/>
+              </a:solidFill>
+              <a:latin typeface="Consolas" panose="020B0609020204030204" pitchFamily="49" charset="0"/>
+            </a:endParaRPr>
+          </a:p>
+        </p:txBody>
+      </p:sp>
+      <p:sp>
+        <p:nvSpPr>
+          <p:cNvPr id="7" name="TextBox 6">
+            <a:extLst>
+              <a:ext uri="{FF2B5EF4-FFF2-40B4-BE49-F238E27FC236}">
+                <a16:creationId xmlns:a16="http://schemas.microsoft.com/office/drawing/2014/main" id="{78C4E1D0-2D28-4208-AF52-49EEB84C3FC5}"/>
+              </a:ext>
+            </a:extLst>
+          </p:cNvPr>
+          <p:cNvSpPr txBox="1"/>
+          <p:nvPr/>
+        </p:nvSpPr>
+        <p:spPr>
+          <a:xfrm>
+            <a:off x="6387614" y="2897683"/>
+            <a:ext cx="5679887" cy="3539430"/>
+          </a:xfrm>
+          <a:prstGeom prst="rect">
+            <a:avLst/>
+          </a:prstGeom>
+          <a:noFill/>
+        </p:spPr>
+        <p:txBody>
+          <a:bodyPr wrap="square" rtlCol="0">
+            <a:spAutoFit/>
+          </a:bodyPr>
+          <a:lstStyle/>
+          <a:p>
+            <a:pPr>
+              <a:buClr>
+                <a:srgbClr val="CF3338"/>
+              </a:buClr>
+            </a:pPr>
+            <a:r>
+              <a:rPr lang="en-US" sz="2800" b="1" dirty="0">
+                <a:solidFill>
+                  <a:srgbClr val="707070"/>
+                </a:solidFill>
+                <a:latin typeface="Pragmatica" panose="020B0403040502020204" pitchFamily="34" charset="0"/>
+              </a:rPr>
+              <a:t>Python: </a:t>
+            </a:r>
+          </a:p>
+          <a:p>
+            <a:pPr>
+              <a:buClr>
+                <a:srgbClr val="CF3338"/>
+              </a:buClr>
+            </a:pPr>
+            <a:endParaRPr lang="en-US" sz="2800" b="1" dirty="0">
+              <a:solidFill>
+                <a:srgbClr val="707070"/>
+              </a:solidFill>
+              <a:latin typeface="Pragmatica" panose="020B0403040502020204" pitchFamily="34" charset="0"/>
+            </a:endParaRPr>
+          </a:p>
+          <a:p>
+            <a:pPr marL="457200" indent="-457200">
+              <a:buClr>
+                <a:srgbClr val="CF3338"/>
+              </a:buClr>
+              <a:buFont typeface="Arial" panose="020B0604020202020204" pitchFamily="34" charset="0"/>
+              <a:buChar char="•"/>
+            </a:pPr>
+            <a:r>
+              <a:rPr lang="en-US" sz="2800" dirty="0">
+                <a:solidFill>
+                  <a:srgbClr val="707070"/>
+                </a:solidFill>
+                <a:latin typeface="Pragmatica" panose="020B0403040502020204"/>
+              </a:rPr>
+              <a:t>Print the first few rows with the </a:t>
+            </a:r>
+            <a:r>
+              <a:rPr lang="en-US" sz="2800" dirty="0">
+                <a:solidFill>
+                  <a:srgbClr val="707070"/>
+                </a:solidFill>
+                <a:latin typeface="Consolas" panose="020B0609020204030204" pitchFamily="49" charset="0"/>
+              </a:rPr>
+              <a:t>head()</a:t>
+            </a:r>
+            <a:r>
+              <a:rPr lang="en-US" sz="2800" dirty="0">
+                <a:solidFill>
+                  <a:srgbClr val="707070"/>
+                </a:solidFill>
+                <a:latin typeface="Pragmatica" panose="020B0403040502020204"/>
+              </a:rPr>
+              <a:t> method (works the same as </a:t>
+            </a:r>
+            <a:r>
+              <a:rPr lang="en-US" sz="2800" dirty="0">
+                <a:solidFill>
+                  <a:srgbClr val="707070"/>
+                </a:solidFill>
+                <a:latin typeface="Consolas" panose="020B0609020204030204" pitchFamily="49" charset="0"/>
+              </a:rPr>
+              <a:t>describe()</a:t>
+            </a:r>
+            <a:r>
+              <a:rPr lang="en-US" sz="2800" dirty="0">
+                <a:solidFill>
+                  <a:srgbClr val="707070"/>
+                </a:solidFill>
+                <a:latin typeface="Pragmatica" panose="020B0403040502020204"/>
+              </a:rPr>
+              <a:t>)</a:t>
+            </a:r>
+          </a:p>
+          <a:p>
+            <a:pPr marL="457200" indent="-457200">
+              <a:buClr>
+                <a:srgbClr val="CF3338"/>
+              </a:buClr>
+              <a:buFont typeface="Arial" panose="020B0604020202020204" pitchFamily="34" charset="0"/>
+              <a:buChar char="•"/>
+            </a:pPr>
+            <a:r>
+              <a:rPr lang="en-US" sz="2800" dirty="0">
+                <a:solidFill>
+                  <a:srgbClr val="707070"/>
+                </a:solidFill>
+                <a:latin typeface="Pragmatica" panose="020B0403040502020204"/>
+              </a:rPr>
+              <a:t>Give the notebook a name (click and write over </a:t>
+            </a:r>
+            <a:r>
+              <a:rPr lang="en-US" sz="2800" i="1" dirty="0">
+                <a:solidFill>
+                  <a:srgbClr val="707070"/>
+                </a:solidFill>
+                <a:latin typeface="Pragmatica" panose="020B0403040502020204"/>
+              </a:rPr>
+              <a:t>Untitled</a:t>
+            </a:r>
+            <a:r>
+              <a:rPr lang="en-US" sz="2800" dirty="0">
+                <a:solidFill>
+                  <a:srgbClr val="707070"/>
+                </a:solidFill>
+                <a:latin typeface="Pragmatica" panose="020B0403040502020204"/>
+              </a:rPr>
+              <a:t>)</a:t>
             </a:r>
           </a:p>
         </p:txBody>
       </p:sp>
       <p:pic>
         <p:nvPicPr>
-          <p:cNvPr id="3" name="Picture 2" descr="A bird standing on a white surface&#10;&#10;Description automatically generated with low confidence">
-            <a:hlinkClick r:id="rId4"/>
+          <p:cNvPr id="3" name="Picture 2">
             <a:extLst>
               <a:ext uri="{FF2B5EF4-FFF2-40B4-BE49-F238E27FC236}">
-                <a16:creationId xmlns:a16="http://schemas.microsoft.com/office/drawing/2014/main" id="{2BD72895-0339-43FE-8F98-905E02F0E9E7}"/>
+                <a16:creationId xmlns:a16="http://schemas.microsoft.com/office/drawing/2014/main" id="{9BDD9B39-F45B-4AC7-AF2D-F769368112BC}"/>
               </a:ext>
             </a:extLst>
           </p:cNvPr>
@@ -7909,21 +8132,15 @@
           <p:nvPr/>
         </p:nvPicPr>
         <p:blipFill>
-          <a:blip r:embed="rId5">
-            <a:extLst>
-              <a:ext uri="{28A0092B-C50C-407E-A947-70E740481C1C}">
-                <a14:useLocalDpi xmlns:a14="http://schemas.microsoft.com/office/drawing/2010/main" val="0"/>
-              </a:ext>
-            </a:extLst>
-          </a:blip>
+          <a:blip r:embed="rId4"/>
           <a:stretch>
             <a:fillRect/>
           </a:stretch>
         </p:blipFill>
         <p:spPr>
           <a:xfrm>
-            <a:off x="2095512" y="2491739"/>
-            <a:ext cx="7364990" cy="4142807"/>
+            <a:off x="4092064" y="5115676"/>
+            <a:ext cx="1441228" cy="635573"/>
           </a:xfrm>
           <a:prstGeom prst="rect">
             <a:avLst/>
@@ -7933,7 +8150,7 @@
     </p:spTree>
     <p:extLst>
       <p:ext uri="{BB962C8B-B14F-4D97-AF65-F5344CB8AC3E}">
-        <p14:creationId xmlns:p14="http://schemas.microsoft.com/office/powerpoint/2010/main" val="1574051232"/>
+        <p14:creationId xmlns:p14="http://schemas.microsoft.com/office/powerpoint/2010/main" val="3327978876"/>
       </p:ext>
     </p:extLst>
   </p:cSld>

--- a/aina-getting-started.pptx
+++ b/aina-getting-started.pptx
@@ -5,22 +5,23 @@
     <p:sldMasterId id="2147483648" r:id="rId1"/>
   </p:sldMasterIdLst>
   <p:notesMasterIdLst>
-    <p:notesMasterId r:id="rId15"/>
+    <p:notesMasterId r:id="rId16"/>
   </p:notesMasterIdLst>
   <p:sldIdLst>
     <p:sldId id="256" r:id="rId2"/>
-    <p:sldId id="393" r:id="rId3"/>
-    <p:sldId id="435" r:id="rId4"/>
+    <p:sldId id="435" r:id="rId3"/>
+    <p:sldId id="393" r:id="rId4"/>
     <p:sldId id="392" r:id="rId5"/>
-    <p:sldId id="332" r:id="rId6"/>
-    <p:sldId id="411" r:id="rId7"/>
-    <p:sldId id="426" r:id="rId8"/>
-    <p:sldId id="431" r:id="rId9"/>
-    <p:sldId id="338" r:id="rId10"/>
-    <p:sldId id="433" r:id="rId11"/>
-    <p:sldId id="336" r:id="rId12"/>
-    <p:sldId id="434" r:id="rId13"/>
-    <p:sldId id="432" r:id="rId14"/>
+    <p:sldId id="436" r:id="rId6"/>
+    <p:sldId id="332" r:id="rId7"/>
+    <p:sldId id="411" r:id="rId8"/>
+    <p:sldId id="426" r:id="rId9"/>
+    <p:sldId id="431" r:id="rId10"/>
+    <p:sldId id="338" r:id="rId11"/>
+    <p:sldId id="433" r:id="rId12"/>
+    <p:sldId id="336" r:id="rId13"/>
+    <p:sldId id="434" r:id="rId14"/>
+    <p:sldId id="432" r:id="rId15"/>
   </p:sldIdLst>
   <p:sldSz cx="12192000" cy="6858000"/>
   <p:notesSz cx="6858000" cy="9144000"/>
@@ -1839,7 +1840,7 @@
           <a:p>
             <a:fld id="{503F064B-41F2-4661-BDF0-BFD135E9A557}" type="datetimeFigureOut">
               <a:rPr lang="en-US" smtClean="0"/>
-              <a:t>8/24/2021</a:t>
+              <a:t>8/25/2021</a:t>
             </a:fld>
             <a:endParaRPr lang="en-US"/>
           </a:p>
@@ -2276,7 +2277,7 @@
           <a:p>
             <a:fld id="{3BB66621-ADCC-4EF8-8003-B9D3E881DCD2}" type="slidenum">
               <a:rPr lang="en-US" smtClean="0"/>
-              <a:t>5</a:t>
+              <a:t>6</a:t>
             </a:fld>
             <a:endParaRPr lang="en-US"/>
           </a:p>
@@ -2363,7 +2364,7 @@
           <a:p>
             <a:fld id="{3BB66621-ADCC-4EF8-8003-B9D3E881DCD2}" type="slidenum">
               <a:rPr lang="en-US" smtClean="0"/>
-              <a:t>6</a:t>
+              <a:t>7</a:t>
             </a:fld>
             <a:endParaRPr lang="en-US"/>
           </a:p>
@@ -2479,7 +2480,7 @@
           <a:p>
             <a:fld id="{3BB66621-ADCC-4EF8-8003-B9D3E881DCD2}" type="slidenum">
               <a:rPr lang="en-US" smtClean="0"/>
-              <a:t>9</a:t>
+              <a:t>10</a:t>
             </a:fld>
             <a:endParaRPr lang="en-US"/>
           </a:p>
@@ -2595,7 +2596,7 @@
           <a:p>
             <a:fld id="{3BB66621-ADCC-4EF8-8003-B9D3E881DCD2}" type="slidenum">
               <a:rPr lang="en-US" smtClean="0"/>
-              <a:t>10</a:t>
+              <a:t>11</a:t>
             </a:fld>
             <a:endParaRPr lang="en-US"/>
           </a:p>
@@ -2743,7 +2744,7 @@
           <a:p>
             <a:fld id="{0138B082-EFC2-46C1-B47C-51736C670379}" type="datetimeFigureOut">
               <a:rPr lang="en-US" smtClean="0"/>
-              <a:t>8/24/2021</a:t>
+              <a:t>8/25/2021</a:t>
             </a:fld>
             <a:endParaRPr lang="en-US"/>
           </a:p>
@@ -2911,7 +2912,7 @@
           <a:p>
             <a:fld id="{0138B082-EFC2-46C1-B47C-51736C670379}" type="datetimeFigureOut">
               <a:rPr lang="en-US" smtClean="0"/>
-              <a:t>8/24/2021</a:t>
+              <a:t>8/25/2021</a:t>
             </a:fld>
             <a:endParaRPr lang="en-US"/>
           </a:p>
@@ -3089,7 +3090,7 @@
           <a:p>
             <a:fld id="{0138B082-EFC2-46C1-B47C-51736C670379}" type="datetimeFigureOut">
               <a:rPr lang="en-US" smtClean="0"/>
-              <a:t>8/24/2021</a:t>
+              <a:t>8/25/2021</a:t>
             </a:fld>
             <a:endParaRPr lang="en-US"/>
           </a:p>
@@ -3257,7 +3258,7 @@
           <a:p>
             <a:fld id="{0138B082-EFC2-46C1-B47C-51736C670379}" type="datetimeFigureOut">
               <a:rPr lang="en-US" smtClean="0"/>
-              <a:t>8/24/2021</a:t>
+              <a:t>8/25/2021</a:t>
             </a:fld>
             <a:endParaRPr lang="en-US"/>
           </a:p>
@@ -3502,7 +3503,7 @@
           <a:p>
             <a:fld id="{0138B082-EFC2-46C1-B47C-51736C670379}" type="datetimeFigureOut">
               <a:rPr lang="en-US" smtClean="0"/>
-              <a:t>8/24/2021</a:t>
+              <a:t>8/25/2021</a:t>
             </a:fld>
             <a:endParaRPr lang="en-US"/>
           </a:p>
@@ -3731,7 +3732,7 @@
           <a:p>
             <a:fld id="{0138B082-EFC2-46C1-B47C-51736C670379}" type="datetimeFigureOut">
               <a:rPr lang="en-US" smtClean="0"/>
-              <a:t>8/24/2021</a:t>
+              <a:t>8/25/2021</a:t>
             </a:fld>
             <a:endParaRPr lang="en-US"/>
           </a:p>
@@ -4095,7 +4096,7 @@
           <a:p>
             <a:fld id="{0138B082-EFC2-46C1-B47C-51736C670379}" type="datetimeFigureOut">
               <a:rPr lang="en-US" smtClean="0"/>
-              <a:t>8/24/2021</a:t>
+              <a:t>8/25/2021</a:t>
             </a:fld>
             <a:endParaRPr lang="en-US"/>
           </a:p>
@@ -4212,7 +4213,7 @@
           <a:p>
             <a:fld id="{0138B082-EFC2-46C1-B47C-51736C670379}" type="datetimeFigureOut">
               <a:rPr lang="en-US" smtClean="0"/>
-              <a:t>8/24/2021</a:t>
+              <a:t>8/25/2021</a:t>
             </a:fld>
             <a:endParaRPr lang="en-US"/>
           </a:p>
@@ -4307,7 +4308,7 @@
           <a:p>
             <a:fld id="{0138B082-EFC2-46C1-B47C-51736C670379}" type="datetimeFigureOut">
               <a:rPr lang="en-US" smtClean="0"/>
-              <a:t>8/24/2021</a:t>
+              <a:t>8/25/2021</a:t>
             </a:fld>
             <a:endParaRPr lang="en-US"/>
           </a:p>
@@ -4582,7 +4583,7 @@
           <a:p>
             <a:fld id="{0138B082-EFC2-46C1-B47C-51736C670379}" type="datetimeFigureOut">
               <a:rPr lang="en-US" smtClean="0"/>
-              <a:t>8/24/2021</a:t>
+              <a:t>8/25/2021</a:t>
             </a:fld>
             <a:endParaRPr lang="en-US"/>
           </a:p>
@@ -4834,7 +4835,7 @@
           <a:p>
             <a:fld id="{0138B082-EFC2-46C1-B47C-51736C670379}" type="datetimeFigureOut">
               <a:rPr lang="en-US" smtClean="0"/>
-              <a:t>8/24/2021</a:t>
+              <a:t>8/25/2021</a:t>
             </a:fld>
             <a:endParaRPr lang="en-US"/>
           </a:p>
@@ -5045,7 +5046,7 @@
           <a:p>
             <a:fld id="{0138B082-EFC2-46C1-B47C-51736C670379}" type="datetimeFigureOut">
               <a:rPr lang="en-US" smtClean="0"/>
-              <a:t>8/24/2021</a:t>
+              <a:t>8/25/2021</a:t>
             </a:fld>
             <a:endParaRPr lang="en-US"/>
           </a:p>
@@ -5717,6 +5718,620 @@
               <a:rPr lang="en-US" sz="6000" dirty="0">
                 <a:latin typeface="Aliens &amp; cows" panose="00000500000000000000" pitchFamily="2" charset="0"/>
               </a:rPr>
+              <a:t>Take-home activity</a:t>
+            </a:r>
+          </a:p>
+        </p:txBody>
+      </p:sp>
+      <p:sp>
+        <p:nvSpPr>
+          <p:cNvPr id="4" name="TextBox 3">
+            <a:extLst>
+              <a:ext uri="{FF2B5EF4-FFF2-40B4-BE49-F238E27FC236}">
+                <a16:creationId xmlns:a16="http://schemas.microsoft.com/office/drawing/2014/main" id="{5A4F6C64-3E8D-4255-95B8-CF64265213DA}"/>
+              </a:ext>
+            </a:extLst>
+          </p:cNvPr>
+          <p:cNvSpPr txBox="1"/>
+          <p:nvPr/>
+        </p:nvSpPr>
+        <p:spPr>
+          <a:xfrm>
+            <a:off x="347240" y="1479233"/>
+            <a:ext cx="11318287" cy="4832092"/>
+          </a:xfrm>
+          <a:prstGeom prst="rect">
+            <a:avLst/>
+          </a:prstGeom>
+          <a:noFill/>
+        </p:spPr>
+        <p:txBody>
+          <a:bodyPr wrap="square" rtlCol="0">
+            <a:spAutoFit/>
+          </a:bodyPr>
+          <a:lstStyle/>
+          <a:p>
+            <a:pPr marL="457200" indent="-457200">
+              <a:buClr>
+                <a:srgbClr val="CF3338"/>
+              </a:buClr>
+              <a:buFont typeface="Arial" panose="020B0604020202020204" pitchFamily="34" charset="0"/>
+              <a:buChar char="•"/>
+            </a:pPr>
+            <a:r>
+              <a:rPr lang="en-US" sz="2800" dirty="0">
+                <a:solidFill>
+                  <a:srgbClr val="707070"/>
+                </a:solidFill>
+                <a:latin typeface="Pragmatica" panose="020B0403040502020204" pitchFamily="34" charset="0"/>
+              </a:rPr>
+              <a:t>Folder: </a:t>
+            </a:r>
+            <a:r>
+              <a:rPr lang="en-US" sz="2800" dirty="0">
+                <a:solidFill>
+                  <a:srgbClr val="707070"/>
+                </a:solidFill>
+                <a:latin typeface="Consolas" panose="020B0609020204030204" pitchFamily="49" charset="0"/>
+              </a:rPr>
+              <a:t>take-home</a:t>
+            </a:r>
+          </a:p>
+          <a:p>
+            <a:pPr marL="457200" indent="-457200">
+              <a:buClr>
+                <a:srgbClr val="CF3338"/>
+              </a:buClr>
+              <a:buFont typeface="Arial" panose="020B0604020202020204" pitchFamily="34" charset="0"/>
+              <a:buChar char="•"/>
+            </a:pPr>
+            <a:r>
+              <a:rPr lang="en-US" sz="2800" dirty="0">
+                <a:solidFill>
+                  <a:srgbClr val="707070"/>
+                </a:solidFill>
+                <a:latin typeface="Pragmatica" panose="020B0403040502020204"/>
+              </a:rPr>
+              <a:t>Dataset: </a:t>
+            </a:r>
+            <a:r>
+              <a:rPr lang="en-US" sz="2800" dirty="0">
+                <a:solidFill>
+                  <a:srgbClr val="707070"/>
+                </a:solidFill>
+                <a:latin typeface="Consolas" panose="020B0609020204030204" pitchFamily="49" charset="0"/>
+              </a:rPr>
+              <a:t>tips.xlsx… </a:t>
+            </a:r>
+            <a:r>
+              <a:rPr lang="en-US" sz="2800" dirty="0">
+                <a:solidFill>
+                  <a:srgbClr val="707070"/>
+                </a:solidFill>
+                <a:latin typeface="Pragmatica" panose="020B0403040502020204"/>
+              </a:rPr>
+              <a:t>load and print summary statistics, then…</a:t>
+            </a:r>
+          </a:p>
+          <a:p>
+            <a:pPr marL="457200" indent="-457200">
+              <a:buClr>
+                <a:srgbClr val="CF3338"/>
+              </a:buClr>
+              <a:buFont typeface="Arial" panose="020B0604020202020204" pitchFamily="34" charset="0"/>
+              <a:buChar char="•"/>
+            </a:pPr>
+            <a:endParaRPr lang="en-US" sz="2800" dirty="0">
+              <a:solidFill>
+                <a:srgbClr val="707070"/>
+              </a:solidFill>
+              <a:latin typeface="Consolas" panose="020B0609020204030204" pitchFamily="49" charset="0"/>
+            </a:endParaRPr>
+          </a:p>
+          <a:p>
+            <a:pPr marL="457200" indent="-457200">
+              <a:buClr>
+                <a:srgbClr val="CF3338"/>
+              </a:buClr>
+              <a:buFont typeface="Arial" panose="020B0604020202020204" pitchFamily="34" charset="0"/>
+              <a:buChar char="•"/>
+            </a:pPr>
+            <a:endParaRPr lang="en-US" sz="2800" dirty="0">
+              <a:solidFill>
+                <a:srgbClr val="707070"/>
+              </a:solidFill>
+              <a:latin typeface="Consolas" panose="020B0609020204030204" pitchFamily="49" charset="0"/>
+            </a:endParaRPr>
+          </a:p>
+          <a:p>
+            <a:pPr marL="457200" indent="-457200">
+              <a:buClr>
+                <a:srgbClr val="CF3338"/>
+              </a:buClr>
+              <a:buFont typeface="Arial" panose="020B0604020202020204" pitchFamily="34" charset="0"/>
+              <a:buChar char="•"/>
+            </a:pPr>
+            <a:endParaRPr lang="en-US" sz="2800" dirty="0">
+              <a:solidFill>
+                <a:srgbClr val="707070"/>
+              </a:solidFill>
+              <a:latin typeface="Consolas" panose="020B0609020204030204" pitchFamily="49" charset="0"/>
+            </a:endParaRPr>
+          </a:p>
+          <a:p>
+            <a:pPr marL="457200" indent="-457200">
+              <a:buClr>
+                <a:srgbClr val="CF3338"/>
+              </a:buClr>
+              <a:buFont typeface="Arial" panose="020B0604020202020204" pitchFamily="34" charset="0"/>
+              <a:buChar char="•"/>
+            </a:pPr>
+            <a:endParaRPr lang="en-US" sz="2800" dirty="0">
+              <a:solidFill>
+                <a:srgbClr val="707070"/>
+              </a:solidFill>
+              <a:latin typeface="Consolas" panose="020B0609020204030204" pitchFamily="49" charset="0"/>
+            </a:endParaRPr>
+          </a:p>
+          <a:p>
+            <a:pPr marL="457200" indent="-457200">
+              <a:buClr>
+                <a:srgbClr val="CF3338"/>
+              </a:buClr>
+              <a:buFont typeface="Arial" panose="020B0604020202020204" pitchFamily="34" charset="0"/>
+              <a:buChar char="•"/>
+            </a:pPr>
+            <a:endParaRPr lang="en-US" sz="2800" dirty="0">
+              <a:solidFill>
+                <a:srgbClr val="707070"/>
+              </a:solidFill>
+              <a:latin typeface="Consolas" panose="020B0609020204030204" pitchFamily="49" charset="0"/>
+            </a:endParaRPr>
+          </a:p>
+          <a:p>
+            <a:pPr marL="457200" indent="-457200">
+              <a:buClr>
+                <a:srgbClr val="CF3338"/>
+              </a:buClr>
+              <a:buFont typeface="Arial" panose="020B0604020202020204" pitchFamily="34" charset="0"/>
+              <a:buChar char="•"/>
+            </a:pPr>
+            <a:endParaRPr lang="en-US" sz="2800" dirty="0">
+              <a:solidFill>
+                <a:srgbClr val="707070"/>
+              </a:solidFill>
+              <a:latin typeface="Consolas" panose="020B0609020204030204" pitchFamily="49" charset="0"/>
+            </a:endParaRPr>
+          </a:p>
+          <a:p>
+            <a:pPr marL="457200" indent="-457200">
+              <a:buClr>
+                <a:srgbClr val="CF3338"/>
+              </a:buClr>
+              <a:buFont typeface="Arial" panose="020B0604020202020204" pitchFamily="34" charset="0"/>
+              <a:buChar char="•"/>
+            </a:pPr>
+            <a:endParaRPr lang="en-US" sz="2800" dirty="0">
+              <a:solidFill>
+                <a:srgbClr val="707070"/>
+              </a:solidFill>
+              <a:latin typeface="Consolas" panose="020B0609020204030204" pitchFamily="49" charset="0"/>
+            </a:endParaRPr>
+          </a:p>
+          <a:p>
+            <a:pPr>
+              <a:buClr>
+                <a:srgbClr val="CF3338"/>
+              </a:buClr>
+            </a:pPr>
+            <a:endParaRPr lang="en-US" sz="2800" dirty="0">
+              <a:solidFill>
+                <a:srgbClr val="707070"/>
+              </a:solidFill>
+              <a:latin typeface="Consolas" panose="020B0609020204030204" pitchFamily="49" charset="0"/>
+            </a:endParaRPr>
+          </a:p>
+          <a:p>
+            <a:pPr marL="457200" indent="-457200">
+              <a:buClr>
+                <a:srgbClr val="CF3338"/>
+              </a:buClr>
+              <a:buFont typeface="Arial" panose="020B0604020202020204" pitchFamily="34" charset="0"/>
+              <a:buChar char="•"/>
+            </a:pPr>
+            <a:r>
+              <a:rPr lang="en-US" sz="2800" b="1" dirty="0">
+                <a:solidFill>
+                  <a:srgbClr val="707070"/>
+                </a:solidFill>
+                <a:latin typeface="Pragmatica" panose="020B0403040502020204"/>
+              </a:rPr>
+              <a:t>Notes &amp; solutions included</a:t>
+            </a:r>
+          </a:p>
+        </p:txBody>
+      </p:sp>
+      <p:sp>
+        <p:nvSpPr>
+          <p:cNvPr id="6" name="TextBox 5">
+            <a:extLst>
+              <a:ext uri="{FF2B5EF4-FFF2-40B4-BE49-F238E27FC236}">
+                <a16:creationId xmlns:a16="http://schemas.microsoft.com/office/drawing/2014/main" id="{BAC08A4C-309F-46C0-A426-1504D021630A}"/>
+              </a:ext>
+            </a:extLst>
+          </p:cNvPr>
+          <p:cNvSpPr txBox="1"/>
+          <p:nvPr/>
+        </p:nvSpPr>
+        <p:spPr>
+          <a:xfrm>
+            <a:off x="780942" y="2889223"/>
+            <a:ext cx="5679887" cy="2677656"/>
+          </a:xfrm>
+          <a:prstGeom prst="rect">
+            <a:avLst/>
+          </a:prstGeom>
+          <a:noFill/>
+        </p:spPr>
+        <p:txBody>
+          <a:bodyPr wrap="square" rtlCol="0">
+            <a:spAutoFit/>
+          </a:bodyPr>
+          <a:lstStyle/>
+          <a:p>
+            <a:pPr>
+              <a:buClr>
+                <a:srgbClr val="CF3338"/>
+              </a:buClr>
+            </a:pPr>
+            <a:r>
+              <a:rPr lang="en-US" sz="2800" b="1" dirty="0">
+                <a:solidFill>
+                  <a:srgbClr val="707070"/>
+                </a:solidFill>
+                <a:latin typeface="Pragmatica" panose="020B0403040502020204" pitchFamily="34" charset="0"/>
+              </a:rPr>
+              <a:t>R: </a:t>
+            </a:r>
+          </a:p>
+          <a:p>
+            <a:pPr>
+              <a:buClr>
+                <a:srgbClr val="CF3338"/>
+              </a:buClr>
+            </a:pPr>
+            <a:endParaRPr lang="en-US" sz="2800" b="1" dirty="0">
+              <a:solidFill>
+                <a:srgbClr val="707070"/>
+              </a:solidFill>
+              <a:latin typeface="Pragmatica" panose="020B0403040502020204" pitchFamily="34" charset="0"/>
+            </a:endParaRPr>
+          </a:p>
+          <a:p>
+            <a:pPr marL="457200" indent="-457200">
+              <a:buClr>
+                <a:srgbClr val="CF3338"/>
+              </a:buClr>
+              <a:buFont typeface="Arial" panose="020B0604020202020204" pitchFamily="34" charset="0"/>
+              <a:buChar char="•"/>
+            </a:pPr>
+            <a:r>
+              <a:rPr lang="en-US" sz="2800" dirty="0">
+                <a:solidFill>
+                  <a:srgbClr val="707070"/>
+                </a:solidFill>
+                <a:latin typeface="Pragmatica" panose="020B0403040502020204" pitchFamily="34" charset="0"/>
+              </a:rPr>
+              <a:t>File &gt; New File &gt; R Script</a:t>
+            </a:r>
+          </a:p>
+          <a:p>
+            <a:pPr marL="457200" indent="-457200">
+              <a:buClr>
+                <a:srgbClr val="CF3338"/>
+              </a:buClr>
+              <a:buFont typeface="Arial" panose="020B0604020202020204" pitchFamily="34" charset="0"/>
+              <a:buChar char="•"/>
+            </a:pPr>
+            <a:r>
+              <a:rPr lang="en-US" sz="2800" dirty="0">
+                <a:solidFill>
+                  <a:srgbClr val="707070"/>
+                </a:solidFill>
+                <a:latin typeface="Pragmatica" panose="020B0403040502020204" pitchFamily="34" charset="0"/>
+              </a:rPr>
+              <a:t>Place code to run summary statistics in script</a:t>
+            </a:r>
+          </a:p>
+          <a:p>
+            <a:pPr marL="457200" indent="-457200">
+              <a:buClr>
+                <a:srgbClr val="CF3338"/>
+              </a:buClr>
+              <a:buFont typeface="Arial" panose="020B0604020202020204" pitchFamily="34" charset="0"/>
+              <a:buChar char="•"/>
+            </a:pPr>
+            <a:r>
+              <a:rPr lang="en-US" sz="2800" dirty="0">
+                <a:solidFill>
+                  <a:srgbClr val="707070"/>
+                </a:solidFill>
+                <a:latin typeface="Pragmatica" panose="020B0403040502020204" pitchFamily="34" charset="0"/>
+              </a:rPr>
+              <a:t>Run code &amp; save</a:t>
+            </a:r>
+            <a:endParaRPr lang="en-US" sz="2800" dirty="0">
+              <a:solidFill>
+                <a:srgbClr val="707070"/>
+              </a:solidFill>
+              <a:latin typeface="Consolas" panose="020B0609020204030204" pitchFamily="49" charset="0"/>
+            </a:endParaRPr>
+          </a:p>
+        </p:txBody>
+      </p:sp>
+      <p:sp>
+        <p:nvSpPr>
+          <p:cNvPr id="7" name="TextBox 6">
+            <a:extLst>
+              <a:ext uri="{FF2B5EF4-FFF2-40B4-BE49-F238E27FC236}">
+                <a16:creationId xmlns:a16="http://schemas.microsoft.com/office/drawing/2014/main" id="{78C4E1D0-2D28-4208-AF52-49EEB84C3FC5}"/>
+              </a:ext>
+            </a:extLst>
+          </p:cNvPr>
+          <p:cNvSpPr txBox="1"/>
+          <p:nvPr/>
+        </p:nvSpPr>
+        <p:spPr>
+          <a:xfrm>
+            <a:off x="6387614" y="2897683"/>
+            <a:ext cx="5679887" cy="3539430"/>
+          </a:xfrm>
+          <a:prstGeom prst="rect">
+            <a:avLst/>
+          </a:prstGeom>
+          <a:noFill/>
+        </p:spPr>
+        <p:txBody>
+          <a:bodyPr wrap="square" rtlCol="0">
+            <a:spAutoFit/>
+          </a:bodyPr>
+          <a:lstStyle/>
+          <a:p>
+            <a:pPr>
+              <a:buClr>
+                <a:srgbClr val="CF3338"/>
+              </a:buClr>
+            </a:pPr>
+            <a:r>
+              <a:rPr lang="en-US" sz="2800" b="1" dirty="0">
+                <a:solidFill>
+                  <a:srgbClr val="707070"/>
+                </a:solidFill>
+                <a:latin typeface="Pragmatica" panose="020B0403040502020204" pitchFamily="34" charset="0"/>
+              </a:rPr>
+              <a:t>Python: </a:t>
+            </a:r>
+          </a:p>
+          <a:p>
+            <a:pPr>
+              <a:buClr>
+                <a:srgbClr val="CF3338"/>
+              </a:buClr>
+            </a:pPr>
+            <a:endParaRPr lang="en-US" sz="2800" b="1" dirty="0">
+              <a:solidFill>
+                <a:srgbClr val="707070"/>
+              </a:solidFill>
+              <a:latin typeface="Pragmatica" panose="020B0403040502020204" pitchFamily="34" charset="0"/>
+            </a:endParaRPr>
+          </a:p>
+          <a:p>
+            <a:pPr marL="457200" indent="-457200">
+              <a:buClr>
+                <a:srgbClr val="CF3338"/>
+              </a:buClr>
+              <a:buFont typeface="Arial" panose="020B0604020202020204" pitchFamily="34" charset="0"/>
+              <a:buChar char="•"/>
+            </a:pPr>
+            <a:r>
+              <a:rPr lang="en-US" sz="2800" dirty="0">
+                <a:solidFill>
+                  <a:srgbClr val="707070"/>
+                </a:solidFill>
+                <a:latin typeface="Pragmatica" panose="020B0403040502020204"/>
+              </a:rPr>
+              <a:t>Print the first few rows with the </a:t>
+            </a:r>
+            <a:r>
+              <a:rPr lang="en-US" sz="2800" dirty="0">
+                <a:solidFill>
+                  <a:srgbClr val="707070"/>
+                </a:solidFill>
+                <a:latin typeface="Consolas" panose="020B0609020204030204" pitchFamily="49" charset="0"/>
+              </a:rPr>
+              <a:t>head()</a:t>
+            </a:r>
+            <a:r>
+              <a:rPr lang="en-US" sz="2800" dirty="0">
+                <a:solidFill>
+                  <a:srgbClr val="707070"/>
+                </a:solidFill>
+                <a:latin typeface="Pragmatica" panose="020B0403040502020204"/>
+              </a:rPr>
+              <a:t> method (works the same as </a:t>
+            </a:r>
+            <a:r>
+              <a:rPr lang="en-US" sz="2800" dirty="0">
+                <a:solidFill>
+                  <a:srgbClr val="707070"/>
+                </a:solidFill>
+                <a:latin typeface="Consolas" panose="020B0609020204030204" pitchFamily="49" charset="0"/>
+              </a:rPr>
+              <a:t>describe()</a:t>
+            </a:r>
+            <a:r>
+              <a:rPr lang="en-US" sz="2800" dirty="0">
+                <a:solidFill>
+                  <a:srgbClr val="707070"/>
+                </a:solidFill>
+                <a:latin typeface="Pragmatica" panose="020B0403040502020204"/>
+              </a:rPr>
+              <a:t>)</a:t>
+            </a:r>
+          </a:p>
+          <a:p>
+            <a:pPr marL="457200" indent="-457200">
+              <a:buClr>
+                <a:srgbClr val="CF3338"/>
+              </a:buClr>
+              <a:buFont typeface="Arial" panose="020B0604020202020204" pitchFamily="34" charset="0"/>
+              <a:buChar char="•"/>
+            </a:pPr>
+            <a:r>
+              <a:rPr lang="en-US" sz="2800" dirty="0">
+                <a:solidFill>
+                  <a:srgbClr val="707070"/>
+                </a:solidFill>
+                <a:latin typeface="Pragmatica" panose="020B0403040502020204"/>
+              </a:rPr>
+              <a:t>Give the notebook a name (click and write over </a:t>
+            </a:r>
+            <a:r>
+              <a:rPr lang="en-US" sz="2800" i="1" dirty="0">
+                <a:solidFill>
+                  <a:srgbClr val="707070"/>
+                </a:solidFill>
+                <a:latin typeface="Pragmatica" panose="020B0403040502020204"/>
+              </a:rPr>
+              <a:t>Untitled</a:t>
+            </a:r>
+            <a:r>
+              <a:rPr lang="en-US" sz="2800" dirty="0">
+                <a:solidFill>
+                  <a:srgbClr val="707070"/>
+                </a:solidFill>
+                <a:latin typeface="Pragmatica" panose="020B0403040502020204"/>
+              </a:rPr>
+              <a:t>)</a:t>
+            </a:r>
+          </a:p>
+        </p:txBody>
+      </p:sp>
+      <p:pic>
+        <p:nvPicPr>
+          <p:cNvPr id="3" name="Picture 2">
+            <a:extLst>
+              <a:ext uri="{FF2B5EF4-FFF2-40B4-BE49-F238E27FC236}">
+                <a16:creationId xmlns:a16="http://schemas.microsoft.com/office/drawing/2014/main" id="{9BDD9B39-F45B-4AC7-AF2D-F769368112BC}"/>
+              </a:ext>
+            </a:extLst>
+          </p:cNvPr>
+          <p:cNvPicPr>
+            <a:picLocks noChangeAspect="1"/>
+          </p:cNvPicPr>
+          <p:nvPr/>
+        </p:nvPicPr>
+        <p:blipFill>
+          <a:blip r:embed="rId4"/>
+          <a:stretch>
+            <a:fillRect/>
+          </a:stretch>
+        </p:blipFill>
+        <p:spPr>
+          <a:xfrm>
+            <a:off x="4092064" y="5115676"/>
+            <a:ext cx="1441228" cy="635573"/>
+          </a:xfrm>
+          <a:prstGeom prst="rect">
+            <a:avLst/>
+          </a:prstGeom>
+        </p:spPr>
+      </p:pic>
+    </p:spTree>
+    <p:extLst>
+      <p:ext uri="{BB962C8B-B14F-4D97-AF65-F5344CB8AC3E}">
+        <p14:creationId xmlns:p14="http://schemas.microsoft.com/office/powerpoint/2010/main" val="3327978876"/>
+      </p:ext>
+    </p:extLst>
+  </p:cSld>
+  <p:clrMapOvr>
+    <a:masterClrMapping/>
+  </p:clrMapOvr>
+</p:sld>
+</file>
+
+<file path=ppt/slides/slide11.xml><?xml version="1.0" encoding="utf-8"?>
+<p:sld xmlns:a="http://schemas.openxmlformats.org/drawingml/2006/main" xmlns:r="http://schemas.openxmlformats.org/officeDocument/2006/relationships" xmlns:p="http://schemas.openxmlformats.org/presentationml/2006/main">
+  <p:cSld>
+    <p:spTree>
+      <p:nvGrpSpPr>
+        <p:cNvPr id="1" name=""/>
+        <p:cNvGrpSpPr/>
+        <p:nvPr/>
+      </p:nvGrpSpPr>
+      <p:grpSpPr>
+        <a:xfrm>
+          <a:off x="0" y="0"/>
+          <a:ext cx="0" cy="0"/>
+          <a:chOff x="0" y="0"/>
+          <a:chExt cx="0" cy="0"/>
+        </a:xfrm>
+      </p:grpSpPr>
+      <p:pic>
+        <p:nvPicPr>
+          <p:cNvPr id="10" name="Picture 9"/>
+          <p:cNvPicPr>
+            <a:picLocks noChangeAspect="1"/>
+          </p:cNvPicPr>
+          <p:nvPr/>
+        </p:nvPicPr>
+        <p:blipFill rotWithShape="1">
+          <a:blip r:embed="rId3">
+            <a:extLst>
+              <a:ext uri="{28A0092B-C50C-407E-A947-70E740481C1C}">
+                <a14:useLocalDpi xmlns:a14="http://schemas.microsoft.com/office/drawing/2010/main" val="0"/>
+              </a:ext>
+            </a:extLst>
+          </a:blip>
+          <a:srcRect l="50728" t="56371"/>
+          <a:stretch/>
+        </p:blipFill>
+        <p:spPr>
+          <a:xfrm>
+            <a:off x="10894024" y="5370653"/>
+            <a:ext cx="1297975" cy="1487348"/>
+          </a:xfrm>
+          <a:prstGeom prst="rect">
+            <a:avLst/>
+          </a:prstGeom>
+        </p:spPr>
+      </p:pic>
+      <p:sp>
+        <p:nvSpPr>
+          <p:cNvPr id="11" name="TextBox 10"/>
+          <p:cNvSpPr txBox="1"/>
+          <p:nvPr/>
+        </p:nvSpPr>
+        <p:spPr>
+          <a:xfrm>
+            <a:off x="347240" y="113388"/>
+            <a:ext cx="10861534" cy="1015663"/>
+          </a:xfrm>
+          <a:prstGeom prst="rect">
+            <a:avLst/>
+          </a:prstGeom>
+          <a:noFill/>
+        </p:spPr>
+        <p:txBody>
+          <a:bodyPr wrap="square" rtlCol="0">
+            <a:spAutoFit/>
+          </a:bodyPr>
+          <a:lstStyle/>
+          <a:p>
+            <a:r>
+              <a:rPr lang="en-US" sz="6000" dirty="0">
+                <a:latin typeface="Aliens &amp; cows" panose="00000500000000000000" pitchFamily="2" charset="0"/>
+              </a:rPr>
               <a:t>Want more? </a:t>
             </a:r>
           </a:p>
@@ -5839,153 +6454,6 @@
     <p:extLst>
       <p:ext uri="{BB962C8B-B14F-4D97-AF65-F5344CB8AC3E}">
         <p14:creationId xmlns:p14="http://schemas.microsoft.com/office/powerpoint/2010/main" val="1574051232"/>
-      </p:ext>
-    </p:extLst>
-  </p:cSld>
-  <p:clrMapOvr>
-    <a:masterClrMapping/>
-  </p:clrMapOvr>
-</p:sld>
-</file>
-
-<file path=ppt/slides/slide11.xml><?xml version="1.0" encoding="utf-8"?>
-<p:sld xmlns:a="http://schemas.openxmlformats.org/drawingml/2006/main" xmlns:r="http://schemas.openxmlformats.org/officeDocument/2006/relationships" xmlns:p="http://schemas.openxmlformats.org/presentationml/2006/main">
-  <p:cSld>
-    <p:spTree>
-      <p:nvGrpSpPr>
-        <p:cNvPr id="1" name=""/>
-        <p:cNvGrpSpPr/>
-        <p:nvPr/>
-      </p:nvGrpSpPr>
-      <p:grpSpPr>
-        <a:xfrm>
-          <a:off x="0" y="0"/>
-          <a:ext cx="0" cy="0"/>
-          <a:chOff x="0" y="0"/>
-          <a:chExt cx="0" cy="0"/>
-        </a:xfrm>
-      </p:grpSpPr>
-      <p:pic>
-        <p:nvPicPr>
-          <p:cNvPr id="10" name="Picture 9"/>
-          <p:cNvPicPr>
-            <a:picLocks noChangeAspect="1"/>
-          </p:cNvPicPr>
-          <p:nvPr/>
-        </p:nvPicPr>
-        <p:blipFill rotWithShape="1">
-          <a:blip r:embed="rId2">
-            <a:extLst>
-              <a:ext uri="{28A0092B-C50C-407E-A947-70E740481C1C}">
-                <a14:useLocalDpi xmlns:a14="http://schemas.microsoft.com/office/drawing/2010/main" val="0"/>
-              </a:ext>
-            </a:extLst>
-          </a:blip>
-          <a:srcRect l="50728" t="56371"/>
-          <a:stretch/>
-        </p:blipFill>
-        <p:spPr>
-          <a:xfrm>
-            <a:off x="8136460" y="2210765"/>
-            <a:ext cx="4055539" cy="4647236"/>
-          </a:xfrm>
-          <a:prstGeom prst="rect">
-            <a:avLst/>
-          </a:prstGeom>
-        </p:spPr>
-      </p:pic>
-      <p:pic>
-        <p:nvPicPr>
-          <p:cNvPr id="4" name="Picture 3"/>
-          <p:cNvPicPr>
-            <a:picLocks noChangeAspect="1"/>
-          </p:cNvPicPr>
-          <p:nvPr/>
-        </p:nvPicPr>
-        <p:blipFill>
-          <a:blip r:embed="rId3">
-            <a:extLst>
-              <a:ext uri="{28A0092B-C50C-407E-A947-70E740481C1C}">
-                <a14:useLocalDpi xmlns:a14="http://schemas.microsoft.com/office/drawing/2010/main" val="0"/>
-              </a:ext>
-            </a:extLst>
-          </a:blip>
-          <a:stretch>
-            <a:fillRect/>
-          </a:stretch>
-        </p:blipFill>
-        <p:spPr>
-          <a:xfrm>
-            <a:off x="-538496" y="-2482770"/>
-            <a:ext cx="10171472" cy="7459883"/>
-          </a:xfrm>
-          <a:prstGeom prst="rect">
-            <a:avLst/>
-          </a:prstGeom>
-        </p:spPr>
-      </p:pic>
-      <p:sp>
-        <p:nvSpPr>
-          <p:cNvPr id="11" name="TextBox 10"/>
-          <p:cNvSpPr txBox="1"/>
-          <p:nvPr/>
-        </p:nvSpPr>
-        <p:spPr>
-          <a:xfrm>
-            <a:off x="324091" y="1687545"/>
-            <a:ext cx="7986531" cy="1384995"/>
-          </a:xfrm>
-          <a:prstGeom prst="rect">
-            <a:avLst/>
-          </a:prstGeom>
-          <a:noFill/>
-        </p:spPr>
-        <p:txBody>
-          <a:bodyPr wrap="square" rtlCol="0">
-            <a:spAutoFit/>
-          </a:bodyPr>
-          <a:lstStyle/>
-          <a:p>
-            <a:r>
-              <a:rPr lang="en-US" sz="2800" b="1" dirty="0">
-                <a:solidFill>
-                  <a:srgbClr val="707070"/>
-                </a:solidFill>
-                <a:latin typeface="Pragmatica" panose="020B0403040502020204" pitchFamily="34" charset="0"/>
-              </a:rPr>
-              <a:t>Event survey: </a:t>
-            </a:r>
-            <a:r>
-              <a:rPr lang="en-US" sz="2800" b="1" dirty="0">
-                <a:solidFill>
-                  <a:srgbClr val="707070"/>
-                </a:solidFill>
-                <a:latin typeface="Pragmatica" panose="020B0403040502020204" pitchFamily="34" charset="0"/>
-                <a:hlinkClick r:id="rId4"/>
-              </a:rPr>
-              <a:t>https://forms.office.com/r/0ZnD0LxpZy</a:t>
-            </a:r>
-            <a:endParaRPr lang="en-US" sz="2800" b="1" dirty="0">
-              <a:solidFill>
-                <a:srgbClr val="707070"/>
-              </a:solidFill>
-              <a:latin typeface="Pragmatica" panose="020B0403040502020204" pitchFamily="34" charset="0"/>
-            </a:endParaRPr>
-          </a:p>
-          <a:p>
-            <a:endParaRPr lang="en-US" sz="2800" b="1" dirty="0">
-              <a:solidFill>
-                <a:srgbClr val="707070"/>
-              </a:solidFill>
-              <a:latin typeface="Pragmatica" panose="020B0403040502020204" pitchFamily="34" charset="0"/>
-            </a:endParaRPr>
-          </a:p>
-        </p:txBody>
-      </p:sp>
-    </p:spTree>
-    <p:extLst>
-      <p:ext uri="{BB962C8B-B14F-4D97-AF65-F5344CB8AC3E}">
-        <p14:creationId xmlns:p14="http://schemas.microsoft.com/office/powerpoint/2010/main" val="2312071835"/>
       </p:ext>
     </p:extLst>
   </p:cSld>
@@ -6080,7 +6548,7 @@
         <p:spPr>
           <a:xfrm>
             <a:off x="324091" y="1687545"/>
-            <a:ext cx="7986531" cy="1077218"/>
+            <a:ext cx="7986531" cy="1384995"/>
           </a:xfrm>
           <a:prstGeom prst="rect">
             <a:avLst/>
@@ -6094,29 +6562,45 @@
           <a:lstStyle/>
           <a:p>
             <a:r>
-              <a:rPr lang="en-US" sz="4400" b="1" dirty="0">
+              <a:rPr lang="en-US" sz="2800" b="1" dirty="0">
                 <a:solidFill>
                   <a:srgbClr val="707070"/>
                 </a:solidFill>
                 <a:latin typeface="Pragmatica" panose="020B0403040502020204" pitchFamily="34" charset="0"/>
               </a:rPr>
-              <a:t>Questions?</a:t>
-            </a:r>
-          </a:p>
-          <a:p>
-            <a:endParaRPr lang="en-US" sz="2000" b="1" i="1" dirty="0">
+              <a:t>Event survey: </a:t>
+            </a:r>
+            <a:r>
+              <a:rPr lang="en-US" sz="2800" b="1" dirty="0">
+                <a:solidFill>
+                  <a:srgbClr val="707070"/>
+                </a:solidFill>
+                <a:latin typeface="Pragmatica" panose="020B0403040502020204" pitchFamily="34" charset="0"/>
+                <a:hlinkClick r:id="rId4"/>
+              </a:rPr>
+              <a:t>https://forms.office.com/r/0ZnD0LxpZy</a:t>
+            </a:r>
+            <a:endParaRPr lang="en-US" sz="2800" b="1" dirty="0">
               <a:solidFill>
                 <a:srgbClr val="707070"/>
               </a:solidFill>
               <a:latin typeface="Pragmatica" panose="020B0403040502020204" pitchFamily="34" charset="0"/>
             </a:endParaRPr>
           </a:p>
+          <a:p>
+            <a:endParaRPr lang="en-US" sz="2800" b="1" dirty="0">
+              <a:solidFill>
+                <a:srgbClr val="707070"/>
+              </a:solidFill>
+              <a:latin typeface="Pragmatica" panose="020B0403040502020204" pitchFamily="34" charset="0"/>
+            </a:endParaRPr>
+          </a:p>
         </p:txBody>
       </p:sp>
     </p:spTree>
     <p:extLst>
       <p:ext uri="{BB962C8B-B14F-4D97-AF65-F5344CB8AC3E}">
-        <p14:creationId xmlns:p14="http://schemas.microsoft.com/office/powerpoint/2010/main" val="2792158884"/>
+        <p14:creationId xmlns:p14="http://schemas.microsoft.com/office/powerpoint/2010/main" val="2312071835"/>
       </p:ext>
     </p:extLst>
   </p:cSld>
@@ -6211,7 +6695,7 @@
         <p:spPr>
           <a:xfrm>
             <a:off x="324091" y="1687545"/>
-            <a:ext cx="7986531" cy="2369880"/>
+            <a:ext cx="7986531" cy="1077218"/>
           </a:xfrm>
           <a:prstGeom prst="rect">
             <a:avLst/>
@@ -6225,83 +6709,29 @@
           <a:lstStyle/>
           <a:p>
             <a:r>
-              <a:rPr lang="en-US" sz="3600" b="1" dirty="0">
+              <a:rPr lang="en-US" sz="4400" b="1" dirty="0">
                 <a:solidFill>
                   <a:srgbClr val="707070"/>
                 </a:solidFill>
                 <a:latin typeface="Pragmatica" panose="020B0403040502020204" pitchFamily="34" charset="0"/>
               </a:rPr>
-              <a:t>THANK YOU</a:t>
-            </a:r>
-          </a:p>
-          <a:p>
-            <a:endParaRPr lang="en-US" sz="2800" b="1" dirty="0">
+              <a:t>Questions?</a:t>
+            </a:r>
+          </a:p>
+          <a:p>
+            <a:endParaRPr lang="en-US" sz="2000" b="1" i="1" dirty="0">
               <a:solidFill>
                 <a:srgbClr val="707070"/>
               </a:solidFill>
               <a:latin typeface="Pragmatica" panose="020B0403040502020204" pitchFamily="34" charset="0"/>
             </a:endParaRPr>
           </a:p>
-          <a:p>
-            <a:r>
-              <a:rPr lang="en-US" sz="2800" b="1" dirty="0">
-                <a:solidFill>
-                  <a:srgbClr val="707070"/>
-                </a:solidFill>
-                <a:latin typeface="Pragmatica" panose="020B0403040502020204" pitchFamily="34" charset="0"/>
-                <a:hlinkClick r:id="rId4"/>
-              </a:rPr>
-              <a:t>george@stringfestanalytics.com</a:t>
-            </a:r>
-            <a:endParaRPr lang="en-US" sz="2800" b="1" dirty="0">
-              <a:solidFill>
-                <a:srgbClr val="707070"/>
-              </a:solidFill>
-              <a:latin typeface="Pragmatica" panose="020B0403040502020204" pitchFamily="34" charset="0"/>
-            </a:endParaRPr>
-          </a:p>
-          <a:p>
-            <a:r>
-              <a:rPr lang="en-US" sz="2800" b="1" dirty="0">
-                <a:solidFill>
-                  <a:srgbClr val="707070"/>
-                </a:solidFill>
-                <a:latin typeface="Pragmatica" panose="020B0403040502020204" pitchFamily="34" charset="0"/>
-                <a:hlinkClick r:id="rId5"/>
-              </a:rPr>
-              <a:t>linkedin.com/in/gjmount</a:t>
-            </a:r>
-            <a:endParaRPr lang="en-US" sz="2800" b="1" dirty="0">
-              <a:solidFill>
-                <a:srgbClr val="707070"/>
-              </a:solidFill>
-              <a:latin typeface="Pragmatica" panose="020B0403040502020204" pitchFamily="34" charset="0"/>
-            </a:endParaRPr>
-          </a:p>
-          <a:p>
-            <a:r>
-              <a:rPr lang="en-US" sz="2800" b="1" dirty="0">
-                <a:solidFill>
-                  <a:srgbClr val="707070"/>
-                </a:solidFill>
-                <a:latin typeface="Pragmatica" panose="020B0403040502020204" pitchFamily="34" charset="0"/>
-                <a:hlinkClick r:id="rId6"/>
-              </a:rPr>
-              <a:t>stringfestanalytics.com/contact  </a:t>
-            </a:r>
-            <a:endParaRPr lang="en-US" sz="2800" b="1" dirty="0">
-              <a:solidFill>
-                <a:srgbClr val="707070"/>
-              </a:solidFill>
-              <a:latin typeface="Pragmatica" panose="020B0403040502020204" pitchFamily="34" charset="0"/>
-            </a:endParaRPr>
-          </a:p>
         </p:txBody>
       </p:sp>
     </p:spTree>
     <p:extLst>
       <p:ext uri="{BB962C8B-B14F-4D97-AF65-F5344CB8AC3E}">
-        <p14:creationId xmlns:p14="http://schemas.microsoft.com/office/powerpoint/2010/main" val="3712320391"/>
+        <p14:creationId xmlns:p14="http://schemas.microsoft.com/office/powerpoint/2010/main" val="2792158884"/>
       </p:ext>
     </p:extLst>
   </p:cSld>
@@ -6311,1012 +6741,7 @@
 </p:sld>
 </file>
 
-<file path=ppt/slides/slide2.xml><?xml version="1.0" encoding="utf-8"?>
-<p:sld xmlns:a="http://schemas.openxmlformats.org/drawingml/2006/main" xmlns:r="http://schemas.openxmlformats.org/officeDocument/2006/relationships" xmlns:p="http://schemas.openxmlformats.org/presentationml/2006/main">
-  <p:cSld>
-    <p:spTree>
-      <p:nvGrpSpPr>
-        <p:cNvPr id="1" name=""/>
-        <p:cNvGrpSpPr/>
-        <p:nvPr/>
-      </p:nvGrpSpPr>
-      <p:grpSpPr>
-        <a:xfrm>
-          <a:off x="0" y="0"/>
-          <a:ext cx="0" cy="0"/>
-          <a:chOff x="0" y="0"/>
-          <a:chExt cx="0" cy="0"/>
-        </a:xfrm>
-      </p:grpSpPr>
-      <p:pic>
-        <p:nvPicPr>
-          <p:cNvPr id="10" name="Picture 9"/>
-          <p:cNvPicPr>
-            <a:picLocks noChangeAspect="1"/>
-          </p:cNvPicPr>
-          <p:nvPr/>
-        </p:nvPicPr>
-        <p:blipFill rotWithShape="1">
-          <a:blip r:embed="rId2">
-            <a:extLst>
-              <a:ext uri="{28A0092B-C50C-407E-A947-70E740481C1C}">
-                <a14:useLocalDpi xmlns:a14="http://schemas.microsoft.com/office/drawing/2010/main" val="0"/>
-              </a:ext>
-            </a:extLst>
-          </a:blip>
-          <a:srcRect l="50728" t="56371"/>
-          <a:stretch/>
-        </p:blipFill>
-        <p:spPr>
-          <a:xfrm>
-            <a:off x="10894024" y="5370653"/>
-            <a:ext cx="1297975" cy="1487348"/>
-          </a:xfrm>
-          <a:prstGeom prst="rect">
-            <a:avLst/>
-          </a:prstGeom>
-        </p:spPr>
-      </p:pic>
-      <p:sp>
-        <p:nvSpPr>
-          <p:cNvPr id="11" name="TextBox 10"/>
-          <p:cNvSpPr txBox="1"/>
-          <p:nvPr/>
-        </p:nvSpPr>
-        <p:spPr>
-          <a:xfrm>
-            <a:off x="347240" y="113388"/>
-            <a:ext cx="9799937" cy="1015663"/>
-          </a:xfrm>
-          <a:prstGeom prst="rect">
-            <a:avLst/>
-          </a:prstGeom>
-          <a:noFill/>
-        </p:spPr>
-        <p:txBody>
-          <a:bodyPr wrap="square" rtlCol="0">
-            <a:spAutoFit/>
-          </a:bodyPr>
-          <a:lstStyle/>
-          <a:p>
-            <a:r>
-              <a:rPr lang="en-US" sz="6000" dirty="0">
-                <a:latin typeface="Aliens &amp; cows" panose="00000500000000000000" pitchFamily="2" charset="0"/>
-              </a:rPr>
-              <a:t>Learning objectives</a:t>
-            </a:r>
-          </a:p>
-        </p:txBody>
-      </p:sp>
-      <p:sp>
-        <p:nvSpPr>
-          <p:cNvPr id="3" name="TextBox 2"/>
-          <p:cNvSpPr txBox="1"/>
-          <p:nvPr/>
-        </p:nvSpPr>
-        <p:spPr>
-          <a:xfrm>
-            <a:off x="462987" y="1365813"/>
-            <a:ext cx="9595413" cy="2246769"/>
-          </a:xfrm>
-          <a:prstGeom prst="rect">
-            <a:avLst/>
-          </a:prstGeom>
-          <a:noFill/>
-        </p:spPr>
-        <p:txBody>
-          <a:bodyPr wrap="square" rtlCol="0">
-            <a:spAutoFit/>
-          </a:bodyPr>
-          <a:lstStyle/>
-          <a:p>
-            <a:pPr marL="285750" indent="-285750">
-              <a:buFont typeface="Arial" panose="020B0604020202020204" pitchFamily="34" charset="0"/>
-              <a:buChar char="•"/>
-            </a:pPr>
-            <a:r>
-              <a:rPr lang="en-US" sz="2800" dirty="0">
-                <a:solidFill>
-                  <a:srgbClr val="707070"/>
-                </a:solidFill>
-                <a:latin typeface="Pragmatica" panose="020B0403040502020204" pitchFamily="34" charset="0"/>
-              </a:rPr>
-              <a:t>Situate Excel, R and Python in the data analytics stack</a:t>
-            </a:r>
-          </a:p>
-          <a:p>
-            <a:pPr marL="285750" indent="-285750">
-              <a:buFont typeface="Arial" panose="020B0604020202020204" pitchFamily="34" charset="0"/>
-              <a:buChar char="•"/>
-            </a:pPr>
-            <a:r>
-              <a:rPr lang="en-US" sz="2800" dirty="0">
-                <a:solidFill>
-                  <a:srgbClr val="707070"/>
-                </a:solidFill>
-                <a:latin typeface="Pragmatica" panose="020B0403040502020204" pitchFamily="34" charset="0"/>
-              </a:rPr>
-              <a:t>Prepare a Windows computer to work in all three</a:t>
-            </a:r>
-          </a:p>
-          <a:p>
-            <a:pPr marL="285750" indent="-285750">
-              <a:buFont typeface="Arial" panose="020B0604020202020204" pitchFamily="34" charset="0"/>
-              <a:buChar char="•"/>
-            </a:pPr>
-            <a:r>
-              <a:rPr lang="en-US" sz="2800" dirty="0">
-                <a:solidFill>
-                  <a:srgbClr val="707070"/>
-                </a:solidFill>
-                <a:latin typeface="Pragmatica" panose="020B0403040502020204" pitchFamily="34" charset="0"/>
-              </a:rPr>
-              <a:t>Run summary statistics on a dataset in all three</a:t>
-            </a:r>
-          </a:p>
-          <a:p>
-            <a:pPr marL="285750" indent="-285750">
-              <a:buFont typeface="Arial" panose="020B0604020202020204" pitchFamily="34" charset="0"/>
-              <a:buChar char="•"/>
-            </a:pPr>
-            <a:endParaRPr lang="en-US" sz="2800" dirty="0">
-              <a:solidFill>
-                <a:srgbClr val="707070"/>
-              </a:solidFill>
-              <a:latin typeface="Pragmatica" panose="020B0403040502020204" pitchFamily="34" charset="0"/>
-            </a:endParaRPr>
-          </a:p>
-          <a:p>
-            <a:endParaRPr lang="en-US" sz="2800" dirty="0">
-              <a:solidFill>
-                <a:srgbClr val="707070"/>
-              </a:solidFill>
-              <a:latin typeface="Pragmatica" panose="020B0403040502020204" pitchFamily="34" charset="0"/>
-            </a:endParaRPr>
-          </a:p>
-        </p:txBody>
-      </p:sp>
-    </p:spTree>
-    <p:extLst>
-      <p:ext uri="{BB962C8B-B14F-4D97-AF65-F5344CB8AC3E}">
-        <p14:creationId xmlns:p14="http://schemas.microsoft.com/office/powerpoint/2010/main" val="3245169404"/>
-      </p:ext>
-    </p:extLst>
-  </p:cSld>
-  <p:clrMapOvr>
-    <a:masterClrMapping/>
-  </p:clrMapOvr>
-</p:sld>
-</file>
-
-<file path=ppt/slides/slide3.xml><?xml version="1.0" encoding="utf-8"?>
-<p:sld xmlns:a="http://schemas.openxmlformats.org/drawingml/2006/main" xmlns:r="http://schemas.openxmlformats.org/officeDocument/2006/relationships" xmlns:p="http://schemas.openxmlformats.org/presentationml/2006/main">
-  <p:cSld>
-    <p:spTree>
-      <p:nvGrpSpPr>
-        <p:cNvPr id="1" name=""/>
-        <p:cNvGrpSpPr/>
-        <p:nvPr/>
-      </p:nvGrpSpPr>
-      <p:grpSpPr>
-        <a:xfrm>
-          <a:off x="0" y="0"/>
-          <a:ext cx="0" cy="0"/>
-          <a:chOff x="0" y="0"/>
-          <a:chExt cx="0" cy="0"/>
-        </a:xfrm>
-      </p:grpSpPr>
-      <p:pic>
-        <p:nvPicPr>
-          <p:cNvPr id="10" name="Picture 9"/>
-          <p:cNvPicPr>
-            <a:picLocks noChangeAspect="1"/>
-          </p:cNvPicPr>
-          <p:nvPr/>
-        </p:nvPicPr>
-        <p:blipFill rotWithShape="1">
-          <a:blip r:embed="rId2">
-            <a:extLst>
-              <a:ext uri="{28A0092B-C50C-407E-A947-70E740481C1C}">
-                <a14:useLocalDpi xmlns:a14="http://schemas.microsoft.com/office/drawing/2010/main" val="0"/>
-              </a:ext>
-            </a:extLst>
-          </a:blip>
-          <a:srcRect l="50728" t="56371"/>
-          <a:stretch/>
-        </p:blipFill>
-        <p:spPr>
-          <a:xfrm>
-            <a:off x="10894024" y="5370653"/>
-            <a:ext cx="1297975" cy="1487348"/>
-          </a:xfrm>
-          <a:prstGeom prst="rect">
-            <a:avLst/>
-          </a:prstGeom>
-        </p:spPr>
-      </p:pic>
-      <p:sp>
-        <p:nvSpPr>
-          <p:cNvPr id="11" name="TextBox 10"/>
-          <p:cNvSpPr txBox="1"/>
-          <p:nvPr/>
-        </p:nvSpPr>
-        <p:spPr>
-          <a:xfrm>
-            <a:off x="347240" y="113388"/>
-            <a:ext cx="9799937" cy="1015663"/>
-          </a:xfrm>
-          <a:prstGeom prst="rect">
-            <a:avLst/>
-          </a:prstGeom>
-          <a:noFill/>
-        </p:spPr>
-        <p:txBody>
-          <a:bodyPr wrap="square" rtlCol="0">
-            <a:spAutoFit/>
-          </a:bodyPr>
-          <a:lstStyle/>
-          <a:p>
-            <a:r>
-              <a:rPr lang="en-US" sz="6000" dirty="0">
-                <a:latin typeface="Aliens &amp; cows" panose="00000500000000000000" pitchFamily="2" charset="0"/>
-              </a:rPr>
-              <a:t>Chat me up…</a:t>
-            </a:r>
-          </a:p>
-        </p:txBody>
-      </p:sp>
-      <p:sp>
-        <p:nvSpPr>
-          <p:cNvPr id="3" name="TextBox 2"/>
-          <p:cNvSpPr txBox="1"/>
-          <p:nvPr/>
-        </p:nvSpPr>
-        <p:spPr>
-          <a:xfrm>
-            <a:off x="462987" y="1365813"/>
-            <a:ext cx="9595413" cy="1815882"/>
-          </a:xfrm>
-          <a:prstGeom prst="rect">
-            <a:avLst/>
-          </a:prstGeom>
-          <a:noFill/>
-        </p:spPr>
-        <p:txBody>
-          <a:bodyPr wrap="square" rtlCol="0">
-            <a:spAutoFit/>
-          </a:bodyPr>
-          <a:lstStyle/>
-          <a:p>
-            <a:pPr marL="285750" indent="-285750">
-              <a:buFont typeface="Arial" panose="020B0604020202020204" pitchFamily="34" charset="0"/>
-              <a:buChar char="•"/>
-            </a:pPr>
-            <a:r>
-              <a:rPr lang="en-US" sz="2800" dirty="0">
-                <a:solidFill>
-                  <a:srgbClr val="707070"/>
-                </a:solidFill>
-                <a:latin typeface="Pragmatica" panose="020B0403040502020204" pitchFamily="34" charset="0"/>
-              </a:rPr>
-              <a:t>What excites you about these topics? What scares you?</a:t>
-            </a:r>
-          </a:p>
-          <a:p>
-            <a:pPr marL="285750" indent="-285750">
-              <a:buFont typeface="Arial" panose="020B0604020202020204" pitchFamily="34" charset="0"/>
-              <a:buChar char="•"/>
-            </a:pPr>
-            <a:r>
-              <a:rPr lang="en-US" sz="2800" dirty="0">
-                <a:solidFill>
-                  <a:srgbClr val="707070"/>
-                </a:solidFill>
-                <a:latin typeface="Pragmatica" panose="020B0403040502020204" pitchFamily="34" charset="0"/>
-              </a:rPr>
-              <a:t>What has blocked you? </a:t>
-            </a:r>
-          </a:p>
-          <a:p>
-            <a:pPr marL="285750" indent="-285750">
-              <a:buFont typeface="Arial" panose="020B0604020202020204" pitchFamily="34" charset="0"/>
-              <a:buChar char="•"/>
-            </a:pPr>
-            <a:endParaRPr lang="en-US" sz="2800" dirty="0">
-              <a:solidFill>
-                <a:srgbClr val="707070"/>
-              </a:solidFill>
-              <a:latin typeface="Pragmatica" panose="020B0403040502020204" pitchFamily="34" charset="0"/>
-            </a:endParaRPr>
-          </a:p>
-          <a:p>
-            <a:endParaRPr lang="en-US" sz="2800" dirty="0">
-              <a:solidFill>
-                <a:srgbClr val="707070"/>
-              </a:solidFill>
-              <a:latin typeface="Pragmatica" panose="020B0403040502020204" pitchFamily="34" charset="0"/>
-            </a:endParaRPr>
-          </a:p>
-        </p:txBody>
-      </p:sp>
-    </p:spTree>
-    <p:extLst>
-      <p:ext uri="{BB962C8B-B14F-4D97-AF65-F5344CB8AC3E}">
-        <p14:creationId xmlns:p14="http://schemas.microsoft.com/office/powerpoint/2010/main" val="648952694"/>
-      </p:ext>
-    </p:extLst>
-  </p:cSld>
-  <p:clrMapOvr>
-    <a:masterClrMapping/>
-  </p:clrMapOvr>
-</p:sld>
-</file>
-
-<file path=ppt/slides/slide4.xml><?xml version="1.0" encoding="utf-8"?>
-<p:sld xmlns:a="http://schemas.openxmlformats.org/drawingml/2006/main" xmlns:r="http://schemas.openxmlformats.org/officeDocument/2006/relationships" xmlns:p="http://schemas.openxmlformats.org/presentationml/2006/main">
-  <p:cSld>
-    <p:spTree>
-      <p:nvGrpSpPr>
-        <p:cNvPr id="1" name=""/>
-        <p:cNvGrpSpPr/>
-        <p:nvPr/>
-      </p:nvGrpSpPr>
-      <p:grpSpPr>
-        <a:xfrm>
-          <a:off x="0" y="0"/>
-          <a:ext cx="0" cy="0"/>
-          <a:chOff x="0" y="0"/>
-          <a:chExt cx="0" cy="0"/>
-        </a:xfrm>
-      </p:grpSpPr>
-      <p:pic>
-        <p:nvPicPr>
-          <p:cNvPr id="10" name="Picture 9"/>
-          <p:cNvPicPr>
-            <a:picLocks noChangeAspect="1"/>
-          </p:cNvPicPr>
-          <p:nvPr/>
-        </p:nvPicPr>
-        <p:blipFill rotWithShape="1">
-          <a:blip r:embed="rId3">
-            <a:extLst>
-              <a:ext uri="{28A0092B-C50C-407E-A947-70E740481C1C}">
-                <a14:useLocalDpi xmlns:a14="http://schemas.microsoft.com/office/drawing/2010/main" val="0"/>
-              </a:ext>
-            </a:extLst>
-          </a:blip>
-          <a:srcRect l="50728" t="56371"/>
-          <a:stretch/>
-        </p:blipFill>
-        <p:spPr>
-          <a:xfrm>
-            <a:off x="10894024" y="5370653"/>
-            <a:ext cx="1297975" cy="1487348"/>
-          </a:xfrm>
-          <a:prstGeom prst="rect">
-            <a:avLst/>
-          </a:prstGeom>
-        </p:spPr>
-      </p:pic>
-      <p:sp>
-        <p:nvSpPr>
-          <p:cNvPr id="11" name="TextBox 10"/>
-          <p:cNvSpPr txBox="1"/>
-          <p:nvPr/>
-        </p:nvSpPr>
-        <p:spPr>
-          <a:xfrm>
-            <a:off x="347240" y="113388"/>
-            <a:ext cx="9799937" cy="1015663"/>
-          </a:xfrm>
-          <a:prstGeom prst="rect">
-            <a:avLst/>
-          </a:prstGeom>
-          <a:noFill/>
-        </p:spPr>
-        <p:txBody>
-          <a:bodyPr wrap="square" rtlCol="0">
-            <a:spAutoFit/>
-          </a:bodyPr>
-          <a:lstStyle/>
-          <a:p>
-            <a:r>
-              <a:rPr lang="en-US" sz="6000" dirty="0">
-                <a:latin typeface="Aliens &amp; cows" panose="00000500000000000000" pitchFamily="2" charset="0"/>
-              </a:rPr>
-              <a:t>Follow along</a:t>
-            </a:r>
-          </a:p>
-        </p:txBody>
-      </p:sp>
-      <p:sp>
-        <p:nvSpPr>
-          <p:cNvPr id="3" name="TextBox 2"/>
-          <p:cNvSpPr txBox="1"/>
-          <p:nvPr/>
-        </p:nvSpPr>
-        <p:spPr>
-          <a:xfrm>
-            <a:off x="462987" y="1365813"/>
-            <a:ext cx="8387397" cy="1384995"/>
-          </a:xfrm>
-          <a:prstGeom prst="rect">
-            <a:avLst/>
-          </a:prstGeom>
-          <a:noFill/>
-        </p:spPr>
-        <p:txBody>
-          <a:bodyPr wrap="square" rtlCol="0">
-            <a:spAutoFit/>
-          </a:bodyPr>
-          <a:lstStyle/>
-          <a:p>
-            <a:pPr marL="285750" indent="-285750">
-              <a:buFont typeface="Arial" panose="020B0604020202020204" pitchFamily="34" charset="0"/>
-              <a:buChar char="•"/>
-            </a:pPr>
-            <a:r>
-              <a:rPr lang="en-US" sz="2800" dirty="0">
-                <a:solidFill>
-                  <a:srgbClr val="707070"/>
-                </a:solidFill>
-                <a:latin typeface="Pragmatica" panose="020B0403040502020204" pitchFamily="34" charset="0"/>
-              </a:rPr>
-              <a:t>Download resources: </a:t>
-            </a:r>
-            <a:r>
-              <a:rPr lang="en-US" sz="2800" dirty="0">
-                <a:solidFill>
-                  <a:srgbClr val="707070"/>
-                </a:solidFill>
-                <a:latin typeface="Pragmatica" panose="020B0403040502020204" pitchFamily="34" charset="0"/>
-                <a:hlinkClick r:id="rId4"/>
-              </a:rPr>
-              <a:t>https://github.com/stringfestdata/aina-getting-started</a:t>
-            </a:r>
-            <a:r>
-              <a:rPr lang="en-US" sz="2800" dirty="0">
-                <a:solidFill>
-                  <a:srgbClr val="707070"/>
-                </a:solidFill>
-                <a:latin typeface="Pragmatica" panose="020B0403040502020204" pitchFamily="34" charset="0"/>
-              </a:rPr>
-              <a:t>  </a:t>
-            </a:r>
-          </a:p>
-        </p:txBody>
-      </p:sp>
-      <p:pic>
-        <p:nvPicPr>
-          <p:cNvPr id="5" name="Picture 4">
-            <a:extLst>
-              <a:ext uri="{FF2B5EF4-FFF2-40B4-BE49-F238E27FC236}">
-                <a16:creationId xmlns:a16="http://schemas.microsoft.com/office/drawing/2014/main" id="{F4BFB83D-D2B3-4340-A5CC-669A243BAA7D}"/>
-              </a:ext>
-            </a:extLst>
-          </p:cNvPr>
-          <p:cNvPicPr>
-            <a:picLocks noChangeAspect="1"/>
-          </p:cNvPicPr>
-          <p:nvPr/>
-        </p:nvPicPr>
-        <p:blipFill>
-          <a:blip r:embed="rId5"/>
-          <a:stretch>
-            <a:fillRect/>
-          </a:stretch>
-        </p:blipFill>
-        <p:spPr>
-          <a:xfrm>
-            <a:off x="3697861" y="2610170"/>
-            <a:ext cx="8494139" cy="4106258"/>
-          </a:xfrm>
-          <a:prstGeom prst="rect">
-            <a:avLst/>
-          </a:prstGeom>
-        </p:spPr>
-      </p:pic>
-    </p:spTree>
-    <p:extLst>
-      <p:ext uri="{BB962C8B-B14F-4D97-AF65-F5344CB8AC3E}">
-        <p14:creationId xmlns:p14="http://schemas.microsoft.com/office/powerpoint/2010/main" val="4141627579"/>
-      </p:ext>
-    </p:extLst>
-  </p:cSld>
-  <p:clrMapOvr>
-    <a:masterClrMapping/>
-  </p:clrMapOvr>
-</p:sld>
-</file>
-
-<file path=ppt/slides/slide5.xml><?xml version="1.0" encoding="utf-8"?>
-<p:sld xmlns:a="http://schemas.openxmlformats.org/drawingml/2006/main" xmlns:r="http://schemas.openxmlformats.org/officeDocument/2006/relationships" xmlns:p="http://schemas.openxmlformats.org/presentationml/2006/main">
-  <p:cSld>
-    <p:spTree>
-      <p:nvGrpSpPr>
-        <p:cNvPr id="1" name=""/>
-        <p:cNvGrpSpPr/>
-        <p:nvPr/>
-      </p:nvGrpSpPr>
-      <p:grpSpPr>
-        <a:xfrm>
-          <a:off x="0" y="0"/>
-          <a:ext cx="0" cy="0"/>
-          <a:chOff x="0" y="0"/>
-          <a:chExt cx="0" cy="0"/>
-        </a:xfrm>
-      </p:grpSpPr>
-      <p:pic>
-        <p:nvPicPr>
-          <p:cNvPr id="10" name="Picture 9"/>
-          <p:cNvPicPr>
-            <a:picLocks noChangeAspect="1"/>
-          </p:cNvPicPr>
-          <p:nvPr/>
-        </p:nvPicPr>
-        <p:blipFill rotWithShape="1">
-          <a:blip r:embed="rId3">
-            <a:extLst>
-              <a:ext uri="{28A0092B-C50C-407E-A947-70E740481C1C}">
-                <a14:useLocalDpi xmlns:a14="http://schemas.microsoft.com/office/drawing/2010/main" val="0"/>
-              </a:ext>
-            </a:extLst>
-          </a:blip>
-          <a:srcRect l="50728" t="56371"/>
-          <a:stretch/>
-        </p:blipFill>
-        <p:spPr>
-          <a:xfrm>
-            <a:off x="10894024" y="5370653"/>
-            <a:ext cx="1297975" cy="1487348"/>
-          </a:xfrm>
-          <a:prstGeom prst="rect">
-            <a:avLst/>
-          </a:prstGeom>
-        </p:spPr>
-      </p:pic>
-      <p:sp>
-        <p:nvSpPr>
-          <p:cNvPr id="11" name="TextBox 10"/>
-          <p:cNvSpPr txBox="1"/>
-          <p:nvPr/>
-        </p:nvSpPr>
-        <p:spPr>
-          <a:xfrm>
-            <a:off x="347240" y="113388"/>
-            <a:ext cx="9799937" cy="1015663"/>
-          </a:xfrm>
-          <a:prstGeom prst="rect">
-            <a:avLst/>
-          </a:prstGeom>
-          <a:noFill/>
-        </p:spPr>
-        <p:txBody>
-          <a:bodyPr wrap="square" rtlCol="0">
-            <a:spAutoFit/>
-          </a:bodyPr>
-          <a:lstStyle/>
-          <a:p>
-            <a:r>
-              <a:rPr lang="en-US" sz="6000" dirty="0">
-                <a:latin typeface="Aliens &amp; cows" panose="00000500000000000000" pitchFamily="2" charset="0"/>
-              </a:rPr>
-              <a:t>Become a full-stack analyst</a:t>
-            </a:r>
-          </a:p>
-        </p:txBody>
-      </p:sp>
-      <p:pic>
-        <p:nvPicPr>
-          <p:cNvPr id="4" name="Picture 3" descr="Diagram, text&#10;&#10;Description automatically generated">
-            <a:extLst>
-              <a:ext uri="{FF2B5EF4-FFF2-40B4-BE49-F238E27FC236}">
-                <a16:creationId xmlns:a16="http://schemas.microsoft.com/office/drawing/2014/main" id="{69888AE4-E6A5-42EE-8C41-9647CFF76E35}"/>
-              </a:ext>
-            </a:extLst>
-          </p:cNvPr>
-          <p:cNvPicPr>
-            <a:picLocks noChangeAspect="1"/>
-          </p:cNvPicPr>
-          <p:nvPr/>
-        </p:nvPicPr>
-        <p:blipFill>
-          <a:blip r:embed="rId4">
-            <a:extLst>
-              <a:ext uri="{28A0092B-C50C-407E-A947-70E740481C1C}">
-                <a14:useLocalDpi xmlns:a14="http://schemas.microsoft.com/office/drawing/2010/main" val="0"/>
-              </a:ext>
-            </a:extLst>
-          </a:blip>
-          <a:stretch>
-            <a:fillRect/>
-          </a:stretch>
-        </p:blipFill>
-        <p:spPr>
-          <a:xfrm>
-            <a:off x="1929935" y="1777154"/>
-            <a:ext cx="8555449" cy="4024138"/>
-          </a:xfrm>
-          <a:prstGeom prst="rect">
-            <a:avLst/>
-          </a:prstGeom>
-        </p:spPr>
-      </p:pic>
-      <p:sp>
-        <p:nvSpPr>
-          <p:cNvPr id="7" name="TextBox 6">
-            <a:extLst>
-              <a:ext uri="{FF2B5EF4-FFF2-40B4-BE49-F238E27FC236}">
-                <a16:creationId xmlns:a16="http://schemas.microsoft.com/office/drawing/2014/main" id="{CFAB272F-EC83-45BA-935F-DFBF5407D2B6}"/>
-              </a:ext>
-            </a:extLst>
-          </p:cNvPr>
-          <p:cNvSpPr txBox="1"/>
-          <p:nvPr/>
-        </p:nvSpPr>
-        <p:spPr>
-          <a:xfrm>
-            <a:off x="261704" y="6114327"/>
-            <a:ext cx="9493446" cy="369332"/>
-          </a:xfrm>
-          <a:prstGeom prst="rect">
-            <a:avLst/>
-          </a:prstGeom>
-          <a:noFill/>
-        </p:spPr>
-        <p:txBody>
-          <a:bodyPr wrap="square" rtlCol="0">
-            <a:spAutoFit/>
-          </a:bodyPr>
-          <a:lstStyle/>
-          <a:p>
-            <a:r>
-              <a:rPr lang="en-US" dirty="0">
-                <a:solidFill>
-                  <a:schemeClr val="bg1">
-                    <a:lumMod val="50000"/>
-                  </a:schemeClr>
-                </a:solidFill>
-                <a:latin typeface="Pragmatica" pitchFamily="2" charset="0"/>
-              </a:rPr>
-              <a:t>Mount, George. </a:t>
-            </a:r>
-            <a:r>
-              <a:rPr lang="en-US" i="1" dirty="0">
-                <a:solidFill>
-                  <a:schemeClr val="bg1">
-                    <a:lumMod val="50000"/>
-                  </a:schemeClr>
-                </a:solidFill>
-                <a:latin typeface="Pragmatica" pitchFamily="2" charset="0"/>
-              </a:rPr>
-              <a:t>Advancing into Analytics: From Excel to Python and R</a:t>
-            </a:r>
-            <a:r>
-              <a:rPr lang="en-US" dirty="0">
-                <a:solidFill>
-                  <a:schemeClr val="bg1">
-                    <a:lumMod val="50000"/>
-                  </a:schemeClr>
-                </a:solidFill>
-                <a:latin typeface="Pragmatica" pitchFamily="2" charset="0"/>
-              </a:rPr>
-              <a:t>. O’Reilly Media, 2021</a:t>
-            </a:r>
-            <a:endParaRPr lang="en-US" i="1" dirty="0">
-              <a:solidFill>
-                <a:schemeClr val="bg1">
-                  <a:lumMod val="50000"/>
-                </a:schemeClr>
-              </a:solidFill>
-              <a:latin typeface="Pragmatica" pitchFamily="2" charset="0"/>
-            </a:endParaRPr>
-          </a:p>
-        </p:txBody>
-      </p:sp>
-    </p:spTree>
-    <p:extLst>
-      <p:ext uri="{BB962C8B-B14F-4D97-AF65-F5344CB8AC3E}">
-        <p14:creationId xmlns:p14="http://schemas.microsoft.com/office/powerpoint/2010/main" val="3729633991"/>
-      </p:ext>
-    </p:extLst>
-  </p:cSld>
-  <p:clrMapOvr>
-    <a:masterClrMapping/>
-  </p:clrMapOvr>
-</p:sld>
-</file>
-
-<file path=ppt/slides/slide6.xml><?xml version="1.0" encoding="utf-8"?>
-<p:sld xmlns:a="http://schemas.openxmlformats.org/drawingml/2006/main" xmlns:r="http://schemas.openxmlformats.org/officeDocument/2006/relationships" xmlns:p="http://schemas.openxmlformats.org/presentationml/2006/main">
-  <p:cSld>
-    <p:spTree>
-      <p:nvGrpSpPr>
-        <p:cNvPr id="1" name=""/>
-        <p:cNvGrpSpPr/>
-        <p:nvPr/>
-      </p:nvGrpSpPr>
-      <p:grpSpPr>
-        <a:xfrm>
-          <a:off x="0" y="0"/>
-          <a:ext cx="0" cy="0"/>
-          <a:chOff x="0" y="0"/>
-          <a:chExt cx="0" cy="0"/>
-        </a:xfrm>
-      </p:grpSpPr>
-      <p:sp>
-        <p:nvSpPr>
-          <p:cNvPr id="4" name="Rectangle 3"/>
-          <p:cNvSpPr/>
-          <p:nvPr/>
-        </p:nvSpPr>
-        <p:spPr>
-          <a:xfrm>
-            <a:off x="6574420" y="0"/>
-            <a:ext cx="5617580" cy="6858000"/>
-          </a:xfrm>
-          <a:prstGeom prst="rect">
-            <a:avLst/>
-          </a:prstGeom>
-          <a:solidFill>
-            <a:srgbClr val="CF3338"/>
-          </a:solidFill>
-        </p:spPr>
-        <p:style>
-          <a:lnRef idx="2">
-            <a:schemeClr val="accent1">
-              <a:shade val="50000"/>
-            </a:schemeClr>
-          </a:lnRef>
-          <a:fillRef idx="1">
-            <a:schemeClr val="accent1"/>
-          </a:fillRef>
-          <a:effectRef idx="0">
-            <a:schemeClr val="accent1"/>
-          </a:effectRef>
-          <a:fontRef idx="minor">
-            <a:schemeClr val="lt1"/>
-          </a:fontRef>
-        </p:style>
-        <p:txBody>
-          <a:bodyPr rtlCol="0" anchor="ctr"/>
-          <a:lstStyle/>
-          <a:p>
-            <a:pPr algn="ctr"/>
-            <a:endParaRPr lang="en-US"/>
-          </a:p>
-        </p:txBody>
-      </p:sp>
-      <p:sp>
-        <p:nvSpPr>
-          <p:cNvPr id="5" name="TextBox 4"/>
-          <p:cNvSpPr txBox="1"/>
-          <p:nvPr/>
-        </p:nvSpPr>
-        <p:spPr>
-          <a:xfrm>
-            <a:off x="6817489" y="0"/>
-            <a:ext cx="4120587" cy="1446550"/>
-          </a:xfrm>
-          <a:prstGeom prst="rect">
-            <a:avLst/>
-          </a:prstGeom>
-          <a:noFill/>
-        </p:spPr>
-        <p:txBody>
-          <a:bodyPr wrap="square" rtlCol="0">
-            <a:spAutoFit/>
-          </a:bodyPr>
-          <a:lstStyle/>
-          <a:p>
-            <a:r>
-              <a:rPr lang="en-US" sz="8800" dirty="0">
-                <a:solidFill>
-                  <a:schemeClr val="bg1"/>
-                </a:solidFill>
-                <a:latin typeface="Aliens &amp; cows" panose="00000500000000000000" pitchFamily="2" charset="0"/>
-              </a:rPr>
-              <a:t>Demos</a:t>
-            </a:r>
-          </a:p>
-        </p:txBody>
-      </p:sp>
-      <p:pic>
-        <p:nvPicPr>
-          <p:cNvPr id="2" name="Picture 1"/>
-          <p:cNvPicPr>
-            <a:picLocks noChangeAspect="1"/>
-          </p:cNvPicPr>
-          <p:nvPr/>
-        </p:nvPicPr>
-        <p:blipFill rotWithShape="1">
-          <a:blip r:embed="rId3">
-            <a:extLst>
-              <a:ext uri="{28A0092B-C50C-407E-A947-70E740481C1C}">
-                <a14:useLocalDpi xmlns:a14="http://schemas.microsoft.com/office/drawing/2010/main" val="0"/>
-              </a:ext>
-            </a:extLst>
-          </a:blip>
-          <a:srcRect l="69227" t="33418" r="20112" b="50548"/>
-          <a:stretch/>
-        </p:blipFill>
-        <p:spPr>
-          <a:xfrm>
-            <a:off x="10386349" y="5029795"/>
-            <a:ext cx="1805651" cy="1991719"/>
-          </a:xfrm>
-          <a:prstGeom prst="rect">
-            <a:avLst/>
-          </a:prstGeom>
-        </p:spPr>
-      </p:pic>
-      <p:sp>
-        <p:nvSpPr>
-          <p:cNvPr id="3" name="TextBox 2"/>
-          <p:cNvSpPr txBox="1"/>
-          <p:nvPr/>
-        </p:nvSpPr>
-        <p:spPr>
-          <a:xfrm>
-            <a:off x="173620" y="219919"/>
-            <a:ext cx="5937813" cy="4832092"/>
-          </a:xfrm>
-          <a:prstGeom prst="rect">
-            <a:avLst/>
-          </a:prstGeom>
-          <a:noFill/>
-        </p:spPr>
-        <p:txBody>
-          <a:bodyPr wrap="square" rtlCol="0">
-            <a:spAutoFit/>
-          </a:bodyPr>
-          <a:lstStyle/>
-          <a:p>
-            <a:endParaRPr lang="en-US" sz="2800" b="1" dirty="0">
-              <a:solidFill>
-                <a:srgbClr val="CF3338"/>
-              </a:solidFill>
-              <a:latin typeface="Pragmatica" pitchFamily="2" charset="0"/>
-            </a:endParaRPr>
-          </a:p>
-          <a:p>
-            <a:pPr marL="514350" indent="-514350">
-              <a:buFont typeface="Arial" panose="020B0604020202020204" pitchFamily="34" charset="0"/>
-              <a:buChar char="•"/>
-            </a:pPr>
-            <a:r>
-              <a:rPr lang="en-US" sz="2800" b="1" dirty="0">
-                <a:solidFill>
-                  <a:srgbClr val="CF3338"/>
-                </a:solidFill>
-                <a:latin typeface="Pragmatica" pitchFamily="2" charset="0"/>
-              </a:rPr>
-              <a:t>Downloads and summary statistics:</a:t>
-            </a:r>
-          </a:p>
-          <a:p>
-            <a:pPr marL="971550" lvl="1" indent="-514350">
-              <a:buFont typeface="Arial" panose="020B0604020202020204" pitchFamily="34" charset="0"/>
-              <a:buChar char="•"/>
-            </a:pPr>
-            <a:r>
-              <a:rPr lang="en-US" sz="2800" b="1" dirty="0">
-                <a:solidFill>
-                  <a:srgbClr val="CF3338"/>
-                </a:solidFill>
-                <a:latin typeface="Pragmatica" pitchFamily="2" charset="0"/>
-              </a:rPr>
-              <a:t>Excel</a:t>
-            </a:r>
-          </a:p>
-          <a:p>
-            <a:pPr marL="971550" lvl="1" indent="-514350">
-              <a:buFont typeface="Arial" panose="020B0604020202020204" pitchFamily="34" charset="0"/>
-              <a:buChar char="•"/>
-            </a:pPr>
-            <a:r>
-              <a:rPr lang="en-US" sz="2800" b="1" dirty="0">
-                <a:solidFill>
-                  <a:srgbClr val="CF3338"/>
-                </a:solidFill>
-                <a:latin typeface="Pragmatica" pitchFamily="2" charset="0"/>
-              </a:rPr>
-              <a:t>R</a:t>
-            </a:r>
-          </a:p>
-          <a:p>
-            <a:pPr marL="971550" lvl="1" indent="-514350">
-              <a:buFont typeface="Arial" panose="020B0604020202020204" pitchFamily="34" charset="0"/>
-              <a:buChar char="•"/>
-            </a:pPr>
-            <a:r>
-              <a:rPr lang="en-US" sz="2800" b="1" dirty="0">
-                <a:solidFill>
-                  <a:srgbClr val="CF3338"/>
-                </a:solidFill>
-                <a:latin typeface="Pragmatica" pitchFamily="2" charset="0"/>
-              </a:rPr>
-              <a:t>Python</a:t>
-            </a:r>
-          </a:p>
-          <a:p>
-            <a:pPr marL="514350" indent="-514350">
-              <a:buFont typeface="Arial" panose="020B0604020202020204" pitchFamily="34" charset="0"/>
-              <a:buChar char="•"/>
-            </a:pPr>
-            <a:r>
-              <a:rPr lang="en-US" sz="2800" b="1" dirty="0">
-                <a:solidFill>
-                  <a:srgbClr val="CF3338"/>
-                </a:solidFill>
-                <a:latin typeface="Pragmatica" pitchFamily="2" charset="0"/>
-              </a:rPr>
-              <a:t>Follow along with demo notes for each</a:t>
-            </a:r>
-          </a:p>
-          <a:p>
-            <a:endParaRPr lang="en-US" sz="2800" b="1" dirty="0">
-              <a:solidFill>
-                <a:srgbClr val="CF3338"/>
-              </a:solidFill>
-              <a:latin typeface="Pragmatica" pitchFamily="2" charset="0"/>
-            </a:endParaRPr>
-          </a:p>
-          <a:p>
-            <a:pPr marL="514350" indent="-514350">
-              <a:buFont typeface="Arial" panose="020B0604020202020204" pitchFamily="34" charset="0"/>
-              <a:buChar char="•"/>
-            </a:pPr>
-            <a:r>
-              <a:rPr lang="en-US" sz="2800" b="1" dirty="0">
-                <a:solidFill>
-                  <a:srgbClr val="CF3338"/>
-                </a:solidFill>
-                <a:latin typeface="Pragmatica" pitchFamily="2" charset="0"/>
-              </a:rPr>
-              <a:t>Let’s get situated… </a:t>
-            </a:r>
-          </a:p>
-          <a:p>
-            <a:pPr marL="971550" lvl="1" indent="-514350">
-              <a:buFont typeface="Arial" panose="020B0604020202020204" pitchFamily="34" charset="0"/>
-              <a:buChar char="•"/>
-            </a:pPr>
-            <a:r>
-              <a:rPr lang="en-US" sz="2800" b="1" dirty="0">
-                <a:solidFill>
-                  <a:srgbClr val="CF3338"/>
-                </a:solidFill>
-                <a:latin typeface="Pragmatica" pitchFamily="2" charset="0"/>
-              </a:rPr>
-              <a:t>File to summarize: </a:t>
-            </a:r>
-            <a:r>
-              <a:rPr lang="en-US" sz="2800" b="1" dirty="0">
-                <a:solidFill>
-                  <a:srgbClr val="CF3338"/>
-                </a:solidFill>
-                <a:latin typeface="Consolas" panose="020B0609020204030204" pitchFamily="49" charset="0"/>
-              </a:rPr>
-              <a:t>plantgrowth.xlsx</a:t>
-            </a:r>
-          </a:p>
-        </p:txBody>
-      </p:sp>
-    </p:spTree>
-    <p:extLst>
-      <p:ext uri="{BB962C8B-B14F-4D97-AF65-F5344CB8AC3E}">
-        <p14:creationId xmlns:p14="http://schemas.microsoft.com/office/powerpoint/2010/main" val="3088895096"/>
-      </p:ext>
-    </p:extLst>
-  </p:cSld>
-  <p:clrMapOvr>
-    <a:masterClrMapping/>
-  </p:clrMapOvr>
-</p:sld>
-</file>
-
-<file path=ppt/slides/slide7.xml><?xml version="1.0" encoding="utf-8"?>
+<file path=ppt/slides/slide14.xml><?xml version="1.0" encoding="utf-8"?>
 <p:sld xmlns:a="http://schemas.openxmlformats.org/drawingml/2006/main" xmlns:r="http://schemas.openxmlformats.org/officeDocument/2006/relationships" xmlns:p="http://schemas.openxmlformats.org/presentationml/2006/main">
   <p:cSld>
     <p:spTree>
@@ -7401,7 +6826,7 @@
         <p:spPr>
           <a:xfrm>
             <a:off x="324091" y="1687545"/>
-            <a:ext cx="7986531" cy="769441"/>
+            <a:ext cx="7986531" cy="2369880"/>
           </a:xfrm>
           <a:prstGeom prst="rect">
             <a:avLst/>
@@ -7415,21 +6840,83 @@
           <a:lstStyle/>
           <a:p>
             <a:r>
-              <a:rPr lang="en-US" sz="4400" b="1" dirty="0">
+              <a:rPr lang="en-US" sz="3600" b="1" dirty="0">
                 <a:solidFill>
                   <a:srgbClr val="707070"/>
                 </a:solidFill>
                 <a:latin typeface="Pragmatica" panose="020B0403040502020204" pitchFamily="34" charset="0"/>
               </a:rPr>
-              <a:t>Questions?</a:t>
-            </a:r>
+              <a:t>THANK YOU</a:t>
+            </a:r>
+          </a:p>
+          <a:p>
+            <a:endParaRPr lang="en-US" sz="2800" b="1" dirty="0">
+              <a:solidFill>
+                <a:srgbClr val="707070"/>
+              </a:solidFill>
+              <a:latin typeface="Pragmatica" panose="020B0403040502020204" pitchFamily="34" charset="0"/>
+            </a:endParaRPr>
+          </a:p>
+          <a:p>
+            <a:r>
+              <a:rPr lang="en-US" sz="2800" b="1" dirty="0">
+                <a:solidFill>
+                  <a:srgbClr val="707070"/>
+                </a:solidFill>
+                <a:latin typeface="Pragmatica" panose="020B0403040502020204" pitchFamily="34" charset="0"/>
+                <a:hlinkClick r:id="rId4"/>
+              </a:rPr>
+              <a:t>george@stringfestanalytics.com</a:t>
+            </a:r>
+            <a:endParaRPr lang="en-US" sz="2800" b="1" dirty="0">
+              <a:solidFill>
+                <a:srgbClr val="707070"/>
+              </a:solidFill>
+              <a:latin typeface="Pragmatica" panose="020B0403040502020204" pitchFamily="34" charset="0"/>
+            </a:endParaRPr>
+          </a:p>
+          <a:p>
+            <a:r>
+              <a:rPr lang="en-US" sz="2800" b="1" dirty="0">
+                <a:solidFill>
+                  <a:srgbClr val="707070"/>
+                </a:solidFill>
+                <a:latin typeface="Pragmatica" panose="020B0403040502020204" pitchFamily="34" charset="0"/>
+                <a:hlinkClick r:id="rId5"/>
+              </a:rPr>
+              <a:t>linkedin.com/in/gjmount</a:t>
+            </a:r>
+            <a:endParaRPr lang="en-US" sz="2800" b="1" dirty="0">
+              <a:solidFill>
+                <a:srgbClr val="707070"/>
+              </a:solidFill>
+              <a:latin typeface="Pragmatica" panose="020B0403040502020204" pitchFamily="34" charset="0"/>
+            </a:endParaRPr>
+          </a:p>
+          <a:p>
+            <a:r>
+              <a:rPr lang="en-US" sz="2800" b="1" dirty="0">
+                <a:solidFill>
+                  <a:srgbClr val="707070"/>
+                </a:solidFill>
+                <a:latin typeface="Pragmatica" panose="020B0403040502020204" pitchFamily="34" charset="0"/>
+                <a:hlinkClick r:id="rId6"/>
+              </a:rPr>
+              <a:t>stringfestanalytics.com/contact  </a:t>
+            </a:r>
+            <a:endParaRPr lang="en-US" sz="2800" b="1" dirty="0">
+              <a:solidFill>
+                <a:srgbClr val="707070"/>
+              </a:solidFill>
+              <a:latin typeface="Pragmatica" panose="020B0403040502020204" pitchFamily="34" charset="0"/>
+            </a:endParaRPr>
           </a:p>
         </p:txBody>
       </p:sp>
     </p:spTree>
     <p:extLst>
       <p:ext uri="{BB962C8B-B14F-4D97-AF65-F5344CB8AC3E}">
-        <p14:creationId xmlns:p14="http://schemas.microsoft.com/office/powerpoint/2010/main" val="4081097533"/>
+        <p14:creationId xmlns:p14="http://schemas.microsoft.com/office/powerpoint/2010/main" val="3712320391"/>
       </p:ext>
     </p:extLst>
   </p:cSld>
@@ -7439,7 +6926,7 @@
 </p:sld>
 </file>
 
-<file path=ppt/slides/slide8.xml><?xml version="1.0" encoding="utf-8"?>
+<file path=ppt/slides/slide2.xml><?xml version="1.0" encoding="utf-8"?>
 <p:sld xmlns:a="http://schemas.openxmlformats.org/drawingml/2006/main" xmlns:r="http://schemas.openxmlformats.org/officeDocument/2006/relationships" xmlns:p="http://schemas.openxmlformats.org/presentationml/2006/main">
   <p:cSld>
     <p:spTree>
@@ -7456,59 +6943,45 @@
           <a:chExt cx="0" cy="0"/>
         </a:xfrm>
       </p:grpSpPr>
-      <p:sp>
-        <p:nvSpPr>
-          <p:cNvPr id="4" name="Rectangle 3"/>
-          <p:cNvSpPr/>
+      <p:pic>
+        <p:nvPicPr>
+          <p:cNvPr id="10" name="Picture 9"/>
+          <p:cNvPicPr>
+            <a:picLocks noChangeAspect="1"/>
+          </p:cNvPicPr>
           <p:nvPr/>
-        </p:nvSpPr>
+        </p:nvPicPr>
+        <p:blipFill rotWithShape="1">
+          <a:blip r:embed="rId2">
+            <a:extLst>
+              <a:ext uri="{28A0092B-C50C-407E-A947-70E740481C1C}">
+                <a14:useLocalDpi xmlns:a14="http://schemas.microsoft.com/office/drawing/2010/main" val="0"/>
+              </a:ext>
+            </a:extLst>
+          </a:blip>
+          <a:srcRect l="50728" t="56371"/>
+          <a:stretch/>
+        </p:blipFill>
         <p:spPr>
           <a:xfrm>
-            <a:off x="0" y="0"/>
-            <a:ext cx="12192000" cy="6858000"/>
+            <a:off x="10894024" y="5370653"/>
+            <a:ext cx="1297975" cy="1487348"/>
           </a:xfrm>
           <a:prstGeom prst="rect">
             <a:avLst/>
           </a:prstGeom>
-          <a:solidFill>
-            <a:srgbClr val="CF3338"/>
-          </a:solidFill>
         </p:spPr>
-        <p:style>
-          <a:lnRef idx="2">
-            <a:schemeClr val="accent1">
-              <a:shade val="50000"/>
-            </a:schemeClr>
-          </a:lnRef>
-          <a:fillRef idx="1">
-            <a:schemeClr val="accent1"/>
-          </a:fillRef>
-          <a:effectRef idx="0">
-            <a:schemeClr val="accent1"/>
-          </a:effectRef>
-          <a:fontRef idx="minor">
-            <a:schemeClr val="lt1"/>
-          </a:fontRef>
-        </p:style>
-        <p:txBody>
-          <a:bodyPr rtlCol="0" anchor="ctr"/>
-          <a:lstStyle/>
-          <a:p>
-            <a:pPr algn="ctr"/>
-            <a:endParaRPr lang="en-US"/>
-          </a:p>
-        </p:txBody>
-      </p:sp>
-      <p:sp>
-        <p:nvSpPr>
-          <p:cNvPr id="5" name="TextBox 4"/>
+      </p:pic>
+      <p:sp>
+        <p:nvSpPr>
+          <p:cNvPr id="11" name="TextBox 10"/>
           <p:cNvSpPr txBox="1"/>
           <p:nvPr/>
         </p:nvSpPr>
         <p:spPr>
           <a:xfrm>
-            <a:off x="520861" y="393539"/>
-            <a:ext cx="10324617" cy="1107996"/>
+            <a:off x="347240" y="113388"/>
+            <a:ext cx="9799937" cy="1015663"/>
           </a:xfrm>
           <a:prstGeom prst="rect">
             <a:avLst/>
@@ -7522,21 +6995,91 @@
           <a:lstStyle/>
           <a:p>
             <a:r>
-              <a:rPr lang="en-US" sz="6600" b="1" dirty="0">
+              <a:rPr lang="en-US" sz="6000" dirty="0">
+                <a:latin typeface="Aliens &amp; cows" panose="00000500000000000000" pitchFamily="2" charset="0"/>
+              </a:rPr>
+              <a:t>Chat me up…</a:t>
+            </a:r>
+          </a:p>
+        </p:txBody>
+      </p:sp>
+      <p:sp>
+        <p:nvSpPr>
+          <p:cNvPr id="3" name="TextBox 2"/>
+          <p:cNvSpPr txBox="1"/>
+          <p:nvPr/>
+        </p:nvSpPr>
+        <p:spPr>
+          <a:xfrm>
+            <a:off x="462987" y="1365813"/>
+            <a:ext cx="9595413" cy="1815882"/>
+          </a:xfrm>
+          <a:prstGeom prst="rect">
+            <a:avLst/>
+          </a:prstGeom>
+          <a:noFill/>
+        </p:spPr>
+        <p:txBody>
+          <a:bodyPr wrap="square" rtlCol="0">
+            <a:spAutoFit/>
+          </a:bodyPr>
+          <a:lstStyle/>
+          <a:p>
+            <a:pPr marL="285750" indent="-285750">
+              <a:buFont typeface="Arial" panose="020B0604020202020204" pitchFamily="34" charset="0"/>
+              <a:buChar char="•"/>
+            </a:pPr>
+            <a:r>
+              <a:rPr lang="en-US" sz="2800" dirty="0">
                 <a:solidFill>
-                  <a:schemeClr val="bg1"/>
+                  <a:srgbClr val="707070"/>
                 </a:solidFill>
-                <a:latin typeface="Pragmatica" pitchFamily="2" charset="0"/>
+                <a:latin typeface="Pragmatica" panose="020B0403040502020204" pitchFamily="34" charset="0"/>
               </a:rPr>
-              <a:t>Conclusion/Next steps</a:t>
-            </a:r>
+              <a:t>What excites you about these topics? What scares you?</a:t>
+            </a:r>
+          </a:p>
+          <a:p>
+            <a:pPr marL="285750" indent="-285750">
+              <a:buFont typeface="Arial" panose="020B0604020202020204" pitchFamily="34" charset="0"/>
+              <a:buChar char="•"/>
+            </a:pPr>
+            <a:r>
+              <a:rPr lang="en-US" sz="2800" dirty="0">
+                <a:solidFill>
+                  <a:srgbClr val="707070"/>
+                </a:solidFill>
+                <a:latin typeface="Pragmatica" panose="020B0403040502020204" pitchFamily="34" charset="0"/>
+              </a:rPr>
+              <a:t>What has blocked you? </a:t>
+            </a:r>
+          </a:p>
+          <a:p>
+            <a:pPr marL="285750" indent="-285750">
+              <a:buFont typeface="Arial" panose="020B0604020202020204" pitchFamily="34" charset="0"/>
+              <a:buChar char="•"/>
+            </a:pPr>
+            <a:endParaRPr lang="en-US" sz="2800" dirty="0">
+              <a:solidFill>
+                <a:srgbClr val="707070"/>
+              </a:solidFill>
+              <a:latin typeface="Pragmatica" panose="020B0403040502020204" pitchFamily="34" charset="0"/>
+            </a:endParaRPr>
+          </a:p>
+          <a:p>
+            <a:endParaRPr lang="en-US" sz="2800" dirty="0">
+              <a:solidFill>
+                <a:srgbClr val="707070"/>
+              </a:solidFill>
+              <a:latin typeface="Pragmatica" panose="020B0403040502020204" pitchFamily="34" charset="0"/>
+            </a:endParaRPr>
           </a:p>
         </p:txBody>
       </p:sp>
     </p:spTree>
     <p:extLst>
       <p:ext uri="{BB962C8B-B14F-4D97-AF65-F5344CB8AC3E}">
-        <p14:creationId xmlns:p14="http://schemas.microsoft.com/office/powerpoint/2010/main" val="1922980201"/>
+        <p14:creationId xmlns:p14="http://schemas.microsoft.com/office/powerpoint/2010/main" val="648952694"/>
       </p:ext>
     </p:extLst>
   </p:cSld>
@@ -7546,7 +7089,185 @@
 </p:sld>
 </file>
 
-<file path=ppt/slides/slide9.xml><?xml version="1.0" encoding="utf-8"?>
+<file path=ppt/slides/slide3.xml><?xml version="1.0" encoding="utf-8"?>
+<p:sld xmlns:a="http://schemas.openxmlformats.org/drawingml/2006/main" xmlns:r="http://schemas.openxmlformats.org/officeDocument/2006/relationships" xmlns:p="http://schemas.openxmlformats.org/presentationml/2006/main">
+  <p:cSld>
+    <p:spTree>
+      <p:nvGrpSpPr>
+        <p:cNvPr id="1" name=""/>
+        <p:cNvGrpSpPr/>
+        <p:nvPr/>
+      </p:nvGrpSpPr>
+      <p:grpSpPr>
+        <a:xfrm>
+          <a:off x="0" y="0"/>
+          <a:ext cx="0" cy="0"/>
+          <a:chOff x="0" y="0"/>
+          <a:chExt cx="0" cy="0"/>
+        </a:xfrm>
+      </p:grpSpPr>
+      <p:pic>
+        <p:nvPicPr>
+          <p:cNvPr id="10" name="Picture 9"/>
+          <p:cNvPicPr>
+            <a:picLocks noChangeAspect="1"/>
+          </p:cNvPicPr>
+          <p:nvPr/>
+        </p:nvPicPr>
+        <p:blipFill rotWithShape="1">
+          <a:blip r:embed="rId2">
+            <a:extLst>
+              <a:ext uri="{28A0092B-C50C-407E-A947-70E740481C1C}">
+                <a14:useLocalDpi xmlns:a14="http://schemas.microsoft.com/office/drawing/2010/main" val="0"/>
+              </a:ext>
+            </a:extLst>
+          </a:blip>
+          <a:srcRect l="50728" t="56371"/>
+          <a:stretch/>
+        </p:blipFill>
+        <p:spPr>
+          <a:xfrm>
+            <a:off x="10894024" y="5370653"/>
+            <a:ext cx="1297975" cy="1487348"/>
+          </a:xfrm>
+          <a:prstGeom prst="rect">
+            <a:avLst/>
+          </a:prstGeom>
+        </p:spPr>
+      </p:pic>
+      <p:sp>
+        <p:nvSpPr>
+          <p:cNvPr id="11" name="TextBox 10"/>
+          <p:cNvSpPr txBox="1"/>
+          <p:nvPr/>
+        </p:nvSpPr>
+        <p:spPr>
+          <a:xfrm>
+            <a:off x="347240" y="113388"/>
+            <a:ext cx="9799937" cy="1015663"/>
+          </a:xfrm>
+          <a:prstGeom prst="rect">
+            <a:avLst/>
+          </a:prstGeom>
+          <a:noFill/>
+        </p:spPr>
+        <p:txBody>
+          <a:bodyPr wrap="square" rtlCol="0">
+            <a:spAutoFit/>
+          </a:bodyPr>
+          <a:lstStyle/>
+          <a:p>
+            <a:r>
+              <a:rPr lang="en-US" sz="6000" dirty="0">
+                <a:latin typeface="Aliens &amp; cows" panose="00000500000000000000" pitchFamily="2" charset="0"/>
+              </a:rPr>
+              <a:t>Learning objectives</a:t>
+            </a:r>
+          </a:p>
+        </p:txBody>
+      </p:sp>
+      <p:sp>
+        <p:nvSpPr>
+          <p:cNvPr id="3" name="TextBox 2"/>
+          <p:cNvSpPr txBox="1"/>
+          <p:nvPr/>
+        </p:nvSpPr>
+        <p:spPr>
+          <a:xfrm>
+            <a:off x="462987" y="1365813"/>
+            <a:ext cx="9595413" cy="2246769"/>
+          </a:xfrm>
+          <a:prstGeom prst="rect">
+            <a:avLst/>
+          </a:prstGeom>
+          <a:noFill/>
+        </p:spPr>
+        <p:txBody>
+          <a:bodyPr wrap="square" rtlCol="0">
+            <a:spAutoFit/>
+          </a:bodyPr>
+          <a:lstStyle/>
+          <a:p>
+            <a:pPr marL="285750" indent="-285750">
+              <a:buFont typeface="Arial" panose="020B0604020202020204" pitchFamily="34" charset="0"/>
+              <a:buChar char="•"/>
+            </a:pPr>
+            <a:r>
+              <a:rPr lang="en-US" sz="2800" dirty="0">
+                <a:solidFill>
+                  <a:srgbClr val="707070"/>
+                </a:solidFill>
+                <a:latin typeface="Pragmatica" panose="020B0403040502020204" pitchFamily="34" charset="0"/>
+              </a:rPr>
+              <a:t>Situate Excel, R and Python in the data analytics stack</a:t>
+            </a:r>
+          </a:p>
+          <a:p>
+            <a:pPr marL="285750" indent="-285750">
+              <a:buFont typeface="Arial" panose="020B0604020202020204" pitchFamily="34" charset="0"/>
+              <a:buChar char="•"/>
+            </a:pPr>
+            <a:r>
+              <a:rPr lang="en-US" sz="2800" dirty="0">
+                <a:solidFill>
+                  <a:srgbClr val="707070"/>
+                </a:solidFill>
+                <a:latin typeface="Pragmatica" panose="020B0403040502020204" pitchFamily="34" charset="0"/>
+              </a:rPr>
+              <a:t>Prepare a Windows computer to work in all three</a:t>
+            </a:r>
+          </a:p>
+          <a:p>
+            <a:pPr marL="285750" indent="-285750">
+              <a:buFont typeface="Arial" panose="020B0604020202020204" pitchFamily="34" charset="0"/>
+              <a:buChar char="•"/>
+            </a:pPr>
+            <a:r>
+              <a:rPr lang="en-US" sz="2800" dirty="0">
+                <a:solidFill>
+                  <a:srgbClr val="707070"/>
+                </a:solidFill>
+                <a:latin typeface="Pragmatica" panose="020B0403040502020204" pitchFamily="34" charset="0"/>
+              </a:rPr>
+              <a:t>Run summary statistics on a dataset in all three</a:t>
+            </a:r>
+          </a:p>
+          <a:p>
+            <a:pPr marL="285750" indent="-285750">
+              <a:buFont typeface="Arial" panose="020B0604020202020204" pitchFamily="34" charset="0"/>
+              <a:buChar char="•"/>
+            </a:pPr>
+            <a:endParaRPr lang="en-US" sz="2800" dirty="0">
+              <a:solidFill>
+                <a:srgbClr val="707070"/>
+              </a:solidFill>
+              <a:latin typeface="Pragmatica" panose="020B0403040502020204" pitchFamily="34" charset="0"/>
+            </a:endParaRPr>
+          </a:p>
+          <a:p>
+            <a:endParaRPr lang="en-US" sz="2800" dirty="0">
+              <a:solidFill>
+                <a:srgbClr val="707070"/>
+              </a:solidFill>
+              <a:latin typeface="Pragmatica" panose="020B0403040502020204" pitchFamily="34" charset="0"/>
+            </a:endParaRPr>
+          </a:p>
+        </p:txBody>
+      </p:sp>
+    </p:spTree>
+    <p:extLst>
+      <p:ext uri="{BB962C8B-B14F-4D97-AF65-F5344CB8AC3E}">
+        <p14:creationId xmlns:p14="http://schemas.microsoft.com/office/powerpoint/2010/main" val="3245169404"/>
+      </p:ext>
+    </p:extLst>
+  </p:cSld>
+  <p:clrMapOvr>
+    <a:masterClrMapping/>
+  </p:clrMapOvr>
+</p:sld>
+</file>
+
+<file path=ppt/slides/slide4.xml><?xml version="1.0" encoding="utf-8"?>
 <p:sld xmlns:a="http://schemas.openxmlformats.org/drawingml/2006/main" xmlns:r="http://schemas.openxmlformats.org/officeDocument/2006/relationships" xmlns:p="http://schemas.openxmlformats.org/presentationml/2006/main">
   <p:cSld>
     <p:spTree>
@@ -7601,7 +7322,7 @@
         <p:spPr>
           <a:xfrm>
             <a:off x="347240" y="113388"/>
-            <a:ext cx="10861534" cy="1015663"/>
+            <a:ext cx="9799937" cy="1015663"/>
           </a:xfrm>
           <a:prstGeom prst="rect">
             <a:avLst/>
@@ -7618,27 +7339,21 @@
               <a:rPr lang="en-US" sz="6000" dirty="0">
                 <a:latin typeface="Aliens &amp; cows" panose="00000500000000000000" pitchFamily="2" charset="0"/>
               </a:rPr>
-              <a:t>Take-home activity</a:t>
-            </a:r>
-          </a:p>
-        </p:txBody>
-      </p:sp>
-      <p:sp>
-        <p:nvSpPr>
-          <p:cNvPr id="4" name="TextBox 3">
-            <a:extLst>
-              <a:ext uri="{FF2B5EF4-FFF2-40B4-BE49-F238E27FC236}">
-                <a16:creationId xmlns:a16="http://schemas.microsoft.com/office/drawing/2014/main" id="{5A4F6C64-3E8D-4255-95B8-CF64265213DA}"/>
-              </a:ext>
-            </a:extLst>
-          </p:cNvPr>
+              <a:t>Follow along</a:t>
+            </a:r>
+          </a:p>
+        </p:txBody>
+      </p:sp>
+      <p:sp>
+        <p:nvSpPr>
+          <p:cNvPr id="3" name="TextBox 2"/>
           <p:cNvSpPr txBox="1"/>
           <p:nvPr/>
         </p:nvSpPr>
         <p:spPr>
           <a:xfrm>
-            <a:off x="347240" y="1479233"/>
-            <a:ext cx="11318287" cy="4832092"/>
+            <a:off x="462987" y="1365813"/>
+            <a:ext cx="8387397" cy="1384995"/>
           </a:xfrm>
           <a:prstGeom prst="rect">
             <a:avLst/>
@@ -7651,10 +7366,7 @@
           </a:bodyPr>
           <a:lstStyle/>
           <a:p>
-            <a:pPr marL="457200" indent="-457200">
-              <a:buClr>
-                <a:srgbClr val="CF3338"/>
-              </a:buClr>
+            <a:pPr marL="285750" indent="-285750">
               <a:buFont typeface="Arial" panose="020B0604020202020204" pitchFamily="34" charset="0"/>
               <a:buChar char="•"/>
             </a:pPr>
@@ -7665,256 +7377,18 @@
                 </a:solidFill>
                 <a:latin typeface="Pragmatica" panose="020B0403040502020204" pitchFamily="34" charset="0"/>
               </a:rPr>
-              <a:t>Folder: </a:t>
+              <a:t>Download resources: </a:t>
             </a:r>
             <a:r>
               <a:rPr lang="en-US" sz="2800" dirty="0">
                 <a:solidFill>
                   <a:srgbClr val="707070"/>
                 </a:solidFill>
-                <a:latin typeface="Consolas" panose="020B0609020204030204" pitchFamily="49" charset="0"/>
+                <a:latin typeface="Pragmatica" panose="020B0403040502020204" pitchFamily="34" charset="0"/>
+                <a:hlinkClick r:id="rId4"/>
               </a:rPr>
-              <a:t>take-home</a:t>
-            </a:r>
-          </a:p>
-          <a:p>
-            <a:pPr marL="457200" indent="-457200">
-              <a:buClr>
-                <a:srgbClr val="CF3338"/>
-              </a:buClr>
-              <a:buFont typeface="Arial" panose="020B0604020202020204" pitchFamily="34" charset="0"/>
-              <a:buChar char="•"/>
-            </a:pPr>
-            <a:r>
-              <a:rPr lang="en-US" sz="2800" dirty="0">
-                <a:solidFill>
-                  <a:srgbClr val="707070"/>
-                </a:solidFill>
-                <a:latin typeface="Pragmatica" panose="020B0403040502020204"/>
-              </a:rPr>
-              <a:t>Dataset: </a:t>
-            </a:r>
-            <a:r>
-              <a:rPr lang="en-US" sz="2800" dirty="0">
-                <a:solidFill>
-                  <a:srgbClr val="707070"/>
-                </a:solidFill>
-                <a:latin typeface="Consolas" panose="020B0609020204030204" pitchFamily="49" charset="0"/>
-              </a:rPr>
-              <a:t>tips.xlsx… </a:t>
-            </a:r>
-            <a:r>
-              <a:rPr lang="en-US" sz="2800" dirty="0">
-                <a:solidFill>
-                  <a:srgbClr val="707070"/>
-                </a:solidFill>
-                <a:latin typeface="Pragmatica" panose="020B0403040502020204"/>
-              </a:rPr>
-              <a:t>load and print summary statistics, then…</a:t>
-            </a:r>
-          </a:p>
-          <a:p>
-            <a:pPr marL="457200" indent="-457200">
-              <a:buClr>
-                <a:srgbClr val="CF3338"/>
-              </a:buClr>
-              <a:buFont typeface="Arial" panose="020B0604020202020204" pitchFamily="34" charset="0"/>
-              <a:buChar char="•"/>
-            </a:pPr>
-            <a:endParaRPr lang="en-US" sz="2800" dirty="0">
-              <a:solidFill>
-                <a:srgbClr val="707070"/>
-              </a:solidFill>
-              <a:latin typeface="Consolas" panose="020B0609020204030204" pitchFamily="49" charset="0"/>
-            </a:endParaRPr>
-          </a:p>
-          <a:p>
-            <a:pPr marL="457200" indent="-457200">
-              <a:buClr>
-                <a:srgbClr val="CF3338"/>
-              </a:buClr>
-              <a:buFont typeface="Arial" panose="020B0604020202020204" pitchFamily="34" charset="0"/>
-              <a:buChar char="•"/>
-            </a:pPr>
-            <a:endParaRPr lang="en-US" sz="2800" dirty="0">
-              <a:solidFill>
-                <a:srgbClr val="707070"/>
-              </a:solidFill>
-              <a:latin typeface="Consolas" panose="020B0609020204030204" pitchFamily="49" charset="0"/>
-            </a:endParaRPr>
-          </a:p>
-          <a:p>
-            <a:pPr marL="457200" indent="-457200">
-              <a:buClr>
-                <a:srgbClr val="CF3338"/>
-              </a:buClr>
-              <a:buFont typeface="Arial" panose="020B0604020202020204" pitchFamily="34" charset="0"/>
-              <a:buChar char="•"/>
-            </a:pPr>
-            <a:endParaRPr lang="en-US" sz="2800" dirty="0">
-              <a:solidFill>
-                <a:srgbClr val="707070"/>
-              </a:solidFill>
-              <a:latin typeface="Consolas" panose="020B0609020204030204" pitchFamily="49" charset="0"/>
-            </a:endParaRPr>
-          </a:p>
-          <a:p>
-            <a:pPr marL="457200" indent="-457200">
-              <a:buClr>
-                <a:srgbClr val="CF3338"/>
-              </a:buClr>
-              <a:buFont typeface="Arial" panose="020B0604020202020204" pitchFamily="34" charset="0"/>
-              <a:buChar char="•"/>
-            </a:pPr>
-            <a:endParaRPr lang="en-US" sz="2800" dirty="0">
-              <a:solidFill>
-                <a:srgbClr val="707070"/>
-              </a:solidFill>
-              <a:latin typeface="Consolas" panose="020B0609020204030204" pitchFamily="49" charset="0"/>
-            </a:endParaRPr>
-          </a:p>
-          <a:p>
-            <a:pPr marL="457200" indent="-457200">
-              <a:buClr>
-                <a:srgbClr val="CF3338"/>
-              </a:buClr>
-              <a:buFont typeface="Arial" panose="020B0604020202020204" pitchFamily="34" charset="0"/>
-              <a:buChar char="•"/>
-            </a:pPr>
-            <a:endParaRPr lang="en-US" sz="2800" dirty="0">
-              <a:solidFill>
-                <a:srgbClr val="707070"/>
-              </a:solidFill>
-              <a:latin typeface="Consolas" panose="020B0609020204030204" pitchFamily="49" charset="0"/>
-            </a:endParaRPr>
-          </a:p>
-          <a:p>
-            <a:pPr marL="457200" indent="-457200">
-              <a:buClr>
-                <a:srgbClr val="CF3338"/>
-              </a:buClr>
-              <a:buFont typeface="Arial" panose="020B0604020202020204" pitchFamily="34" charset="0"/>
-              <a:buChar char="•"/>
-            </a:pPr>
-            <a:endParaRPr lang="en-US" sz="2800" dirty="0">
-              <a:solidFill>
-                <a:srgbClr val="707070"/>
-              </a:solidFill>
-              <a:latin typeface="Consolas" panose="020B0609020204030204" pitchFamily="49" charset="0"/>
-            </a:endParaRPr>
-          </a:p>
-          <a:p>
-            <a:pPr marL="457200" indent="-457200">
-              <a:buClr>
-                <a:srgbClr val="CF3338"/>
-              </a:buClr>
-              <a:buFont typeface="Arial" panose="020B0604020202020204" pitchFamily="34" charset="0"/>
-              <a:buChar char="•"/>
-            </a:pPr>
-            <a:endParaRPr lang="en-US" sz="2800" dirty="0">
-              <a:solidFill>
-                <a:srgbClr val="707070"/>
-              </a:solidFill>
-              <a:latin typeface="Consolas" panose="020B0609020204030204" pitchFamily="49" charset="0"/>
-            </a:endParaRPr>
-          </a:p>
-          <a:p>
-            <a:pPr>
-              <a:buClr>
-                <a:srgbClr val="CF3338"/>
-              </a:buClr>
-            </a:pPr>
-            <a:endParaRPr lang="en-US" sz="2800" dirty="0">
-              <a:solidFill>
-                <a:srgbClr val="707070"/>
-              </a:solidFill>
-              <a:latin typeface="Consolas" panose="020B0609020204030204" pitchFamily="49" charset="0"/>
-            </a:endParaRPr>
-          </a:p>
-          <a:p>
-            <a:pPr marL="457200" indent="-457200">
-              <a:buClr>
-                <a:srgbClr val="CF3338"/>
-              </a:buClr>
-              <a:buFont typeface="Arial" panose="020B0604020202020204" pitchFamily="34" charset="0"/>
-              <a:buChar char="•"/>
-            </a:pPr>
-            <a:r>
-              <a:rPr lang="en-US" sz="2800" b="1" dirty="0">
-                <a:solidFill>
-                  <a:srgbClr val="707070"/>
-                </a:solidFill>
-                <a:latin typeface="Pragmatica" panose="020B0403040502020204"/>
-              </a:rPr>
-              <a:t>Notes &amp; solutions included</a:t>
-            </a:r>
-          </a:p>
-        </p:txBody>
-      </p:sp>
-      <p:sp>
-        <p:nvSpPr>
-          <p:cNvPr id="6" name="TextBox 5">
-            <a:extLst>
-              <a:ext uri="{FF2B5EF4-FFF2-40B4-BE49-F238E27FC236}">
-                <a16:creationId xmlns:a16="http://schemas.microsoft.com/office/drawing/2014/main" id="{BAC08A4C-309F-46C0-A426-1504D021630A}"/>
-              </a:ext>
-            </a:extLst>
-          </p:cNvPr>
-          <p:cNvSpPr txBox="1"/>
-          <p:nvPr/>
-        </p:nvSpPr>
-        <p:spPr>
-          <a:xfrm>
-            <a:off x="780942" y="2889223"/>
-            <a:ext cx="5679887" cy="2677656"/>
-          </a:xfrm>
-          <a:prstGeom prst="rect">
-            <a:avLst/>
-          </a:prstGeom>
-          <a:noFill/>
-        </p:spPr>
-        <p:txBody>
-          <a:bodyPr wrap="square" rtlCol="0">
-            <a:spAutoFit/>
-          </a:bodyPr>
-          <a:lstStyle/>
-          <a:p>
-            <a:pPr>
-              <a:buClr>
-                <a:srgbClr val="CF3338"/>
-              </a:buClr>
-            </a:pPr>
-            <a:r>
-              <a:rPr lang="en-US" sz="2800" b="1" dirty="0">
-                <a:solidFill>
-                  <a:srgbClr val="707070"/>
-                </a:solidFill>
-                <a:latin typeface="Pragmatica" panose="020B0403040502020204" pitchFamily="34" charset="0"/>
-              </a:rPr>
-              <a:t>R: </a:t>
-            </a:r>
-          </a:p>
-          <a:p>
-            <a:pPr>
-              <a:buClr>
-                <a:srgbClr val="CF3338"/>
-              </a:buClr>
-            </a:pPr>
-            <a:endParaRPr lang="en-US" sz="2800" b="1" dirty="0">
-              <a:solidFill>
-                <a:srgbClr val="707070"/>
-              </a:solidFill>
-              <a:latin typeface="Pragmatica" panose="020B0403040502020204" pitchFamily="34" charset="0"/>
-            </a:endParaRPr>
-          </a:p>
-          <a:p>
-            <a:pPr marL="457200" indent="-457200">
-              <a:buClr>
-                <a:srgbClr val="CF3338"/>
-              </a:buClr>
-              <a:buFont typeface="Arial" panose="020B0604020202020204" pitchFamily="34" charset="0"/>
-              <a:buChar char="•"/>
-            </a:pPr>
+              <a:t>https://github.com/stringfestdata/aina-getting-started</a:t>
+            </a:r>
             <a:r>
               <a:rPr lang="en-US" sz="2800" dirty="0">
                 <a:solidFill>
@@ -7922,207 +7396,17 @@
                 </a:solidFill>
                 <a:latin typeface="Pragmatica" panose="020B0403040502020204" pitchFamily="34" charset="0"/>
               </a:rPr>
-              <a:t>File &gt; New File &gt; R Script</a:t>
-            </a:r>
-          </a:p>
-          <a:p>
-            <a:pPr marL="457200" indent="-457200">
-              <a:buClr>
-                <a:srgbClr val="CF3338"/>
-              </a:buClr>
-              <a:buFont typeface="Arial" panose="020B0604020202020204" pitchFamily="34" charset="0"/>
-              <a:buChar char="•"/>
-            </a:pPr>
-            <a:r>
-              <a:rPr lang="en-US" sz="2800" dirty="0">
-                <a:solidFill>
-                  <a:srgbClr val="707070"/>
-                </a:solidFill>
-                <a:latin typeface="Pragmatica" panose="020B0403040502020204" pitchFamily="34" charset="0"/>
-              </a:rPr>
-              <a:t>Place code to run summary statistics in script</a:t>
-            </a:r>
-          </a:p>
-          <a:p>
-            <a:pPr marL="457200" indent="-457200">
-              <a:buClr>
-                <a:srgbClr val="CF3338"/>
-              </a:buClr>
-              <a:buFont typeface="Arial" panose="020B0604020202020204" pitchFamily="34" charset="0"/>
-              <a:buChar char="•"/>
-            </a:pPr>
-            <a:r>
-              <a:rPr lang="en-US" sz="2800" dirty="0">
-                <a:solidFill>
-                  <a:srgbClr val="707070"/>
-                </a:solidFill>
-                <a:latin typeface="Pragmatica" panose="020B0403040502020204" pitchFamily="34" charset="0"/>
-              </a:rPr>
-              <a:t>Run code &amp; save</a:t>
-            </a:r>
-            <a:endParaRPr lang="en-US" sz="2800" dirty="0">
-              <a:solidFill>
-                <a:srgbClr val="707070"/>
-              </a:solidFill>
-              <a:latin typeface="Consolas" panose="020B0609020204030204" pitchFamily="49" charset="0"/>
-            </a:endParaRPr>
-          </a:p>
-        </p:txBody>
-      </p:sp>
-      <p:sp>
-        <p:nvSpPr>
-          <p:cNvPr id="7" name="TextBox 6">
+              <a:t>  </a:t>
+            </a:r>
+          </a:p>
+        </p:txBody>
+      </p:sp>
+      <p:pic>
+        <p:nvPicPr>
+          <p:cNvPr id="5" name="Picture 4">
             <a:extLst>
               <a:ext uri="{FF2B5EF4-FFF2-40B4-BE49-F238E27FC236}">
-                <a16:creationId xmlns:a16="http://schemas.microsoft.com/office/drawing/2014/main" id="{78C4E1D0-2D28-4208-AF52-49EEB84C3FC5}"/>
-              </a:ext>
-            </a:extLst>
-          </p:cNvPr>
-          <p:cNvSpPr txBox="1"/>
-          <p:nvPr/>
-        </p:nvSpPr>
-        <p:spPr>
-          <a:xfrm>
-            <a:off x="6387614" y="2897683"/>
-            <a:ext cx="5679887" cy="3539430"/>
-          </a:xfrm>
-          <a:prstGeom prst="rect">
-            <a:avLst/>
-          </a:prstGeom>
-          <a:noFill/>
-        </p:spPr>
-        <p:txBody>
-          <a:bodyPr wrap="square" rtlCol="0">
-            <a:spAutoFit/>
-          </a:bodyPr>
-          <a:lstStyle/>
-          <a:p>
-            <a:pPr>
-              <a:buClr>
-                <a:srgbClr val="CF3338"/>
-              </a:buClr>
-            </a:pPr>
-            <a:r>
-              <a:rPr lang="en-US" sz="2800" b="1" dirty="0">
-                <a:solidFill>
-                  <a:srgbClr val="707070"/>
-                </a:solidFill>
-                <a:latin typeface="Pragmatica" panose="020B0403040502020204" pitchFamily="34" charset="0"/>
-              </a:rPr>
-              <a:t>Python: </a:t>
-            </a:r>
-          </a:p>
-          <a:p>
-            <a:pPr>
-              <a:buClr>
-                <a:srgbClr val="CF3338"/>
-              </a:buClr>
-            </a:pPr>
-            <a:endParaRPr lang="en-US" sz="2800" b="1" dirty="0">
-              <a:solidFill>
-                <a:srgbClr val="707070"/>
-              </a:solidFill>
-              <a:latin typeface="Pragmatica" panose="020B0403040502020204" pitchFamily="34" charset="0"/>
-            </a:endParaRPr>
-          </a:p>
-          <a:p>
-            <a:pPr marL="457200" indent="-457200">
-              <a:buClr>
-                <a:srgbClr val="CF3338"/>
-              </a:buClr>
-              <a:buFont typeface="Arial" panose="020B0604020202020204" pitchFamily="34" charset="0"/>
-              <a:buChar char="•"/>
-            </a:pPr>
-            <a:r>
-              <a:rPr lang="en-US" sz="2800" dirty="0">
-                <a:solidFill>
-                  <a:srgbClr val="707070"/>
-                </a:solidFill>
-                <a:latin typeface="Pragmatica" panose="020B0403040502020204"/>
-              </a:rPr>
-              <a:t>Print the first few rows with the </a:t>
-            </a:r>
-            <a:r>
-              <a:rPr lang="en-US" sz="2800" dirty="0">
-                <a:solidFill>
-                  <a:srgbClr val="707070"/>
-                </a:solidFill>
-                <a:latin typeface="Consolas" panose="020B0609020204030204" pitchFamily="49" charset="0"/>
-              </a:rPr>
-              <a:t>head()</a:t>
-            </a:r>
-            <a:r>
-              <a:rPr lang="en-US" sz="2800" dirty="0">
-                <a:solidFill>
-                  <a:srgbClr val="707070"/>
-                </a:solidFill>
-                <a:latin typeface="Pragmatica" panose="020B0403040502020204"/>
-              </a:rPr>
-              <a:t> method (works the same as </a:t>
-            </a:r>
-            <a:r>
-              <a:rPr lang="en-US" sz="2800" dirty="0">
-                <a:solidFill>
-                  <a:srgbClr val="707070"/>
-                </a:solidFill>
-                <a:latin typeface="Consolas" panose="020B0609020204030204" pitchFamily="49" charset="0"/>
-              </a:rPr>
-              <a:t>describe()</a:t>
-            </a:r>
-            <a:r>
-              <a:rPr lang="en-US" sz="2800" dirty="0">
-                <a:solidFill>
-                  <a:srgbClr val="707070"/>
-                </a:solidFill>
-                <a:latin typeface="Pragmatica" panose="020B0403040502020204"/>
-              </a:rPr>
-              <a:t>)</a:t>
-            </a:r>
-          </a:p>
-          <a:p>
-            <a:pPr marL="457200" indent="-457200">
-              <a:buClr>
-                <a:srgbClr val="CF3338"/>
-              </a:buClr>
-              <a:buFont typeface="Arial" panose="020B0604020202020204" pitchFamily="34" charset="0"/>
-              <a:buChar char="•"/>
-            </a:pPr>
-            <a:r>
-              <a:rPr lang="en-US" sz="2800" dirty="0">
-                <a:solidFill>
-                  <a:srgbClr val="707070"/>
-                </a:solidFill>
-                <a:latin typeface="Pragmatica" panose="020B0403040502020204"/>
-              </a:rPr>
-              <a:t>Give the notebook a name (click and write over </a:t>
-            </a:r>
-            <a:r>
-              <a:rPr lang="en-US" sz="2800" i="1" dirty="0">
-                <a:solidFill>
-                  <a:srgbClr val="707070"/>
-                </a:solidFill>
-                <a:latin typeface="Pragmatica" panose="020B0403040502020204"/>
-              </a:rPr>
-              <a:t>Untitled</a:t>
-            </a:r>
-            <a:r>
-              <a:rPr lang="en-US" sz="2800" dirty="0">
-                <a:solidFill>
-                  <a:srgbClr val="707070"/>
-                </a:solidFill>
-                <a:latin typeface="Pragmatica" panose="020B0403040502020204"/>
-              </a:rPr>
-              <a:t>)</a:t>
-            </a:r>
-          </a:p>
-        </p:txBody>
-      </p:sp>
-      <p:pic>
-        <p:nvPicPr>
-          <p:cNvPr id="3" name="Picture 2">
-            <a:extLst>
-              <a:ext uri="{FF2B5EF4-FFF2-40B4-BE49-F238E27FC236}">
-                <a16:creationId xmlns:a16="http://schemas.microsoft.com/office/drawing/2014/main" id="{9BDD9B39-F45B-4AC7-AF2D-F769368112BC}"/>
+                <a16:creationId xmlns:a16="http://schemas.microsoft.com/office/drawing/2014/main" id="{F4BFB83D-D2B3-4340-A5CC-669A243BAA7D}"/>
               </a:ext>
             </a:extLst>
           </p:cNvPr>
@@ -8132,15 +7416,15 @@
           <p:nvPr/>
         </p:nvPicPr>
         <p:blipFill>
-          <a:blip r:embed="rId4"/>
+          <a:blip r:embed="rId5"/>
           <a:stretch>
             <a:fillRect/>
           </a:stretch>
         </p:blipFill>
         <p:spPr>
           <a:xfrm>
-            <a:off x="4092064" y="5115676"/>
-            <a:ext cx="1441228" cy="635573"/>
+            <a:off x="3697861" y="2610170"/>
+            <a:ext cx="8494139" cy="4106258"/>
           </a:xfrm>
           <a:prstGeom prst="rect">
             <a:avLst/>
@@ -8150,7 +7434,847 @@
     </p:spTree>
     <p:extLst>
       <p:ext uri="{BB962C8B-B14F-4D97-AF65-F5344CB8AC3E}">
-        <p14:creationId xmlns:p14="http://schemas.microsoft.com/office/powerpoint/2010/main" val="3327978876"/>
+        <p14:creationId xmlns:p14="http://schemas.microsoft.com/office/powerpoint/2010/main" val="4141627579"/>
+      </p:ext>
+    </p:extLst>
+  </p:cSld>
+  <p:clrMapOvr>
+    <a:masterClrMapping/>
+  </p:clrMapOvr>
+</p:sld>
+</file>
+
+<file path=ppt/slides/slide5.xml><?xml version="1.0" encoding="utf-8"?>
+<p:sld xmlns:a="http://schemas.openxmlformats.org/drawingml/2006/main" xmlns:r="http://schemas.openxmlformats.org/officeDocument/2006/relationships" xmlns:p="http://schemas.openxmlformats.org/presentationml/2006/main">
+  <p:cSld>
+    <p:spTree>
+      <p:nvGrpSpPr>
+        <p:cNvPr id="1" name=""/>
+        <p:cNvGrpSpPr/>
+        <p:nvPr/>
+      </p:nvGrpSpPr>
+      <p:grpSpPr>
+        <a:xfrm>
+          <a:off x="0" y="0"/>
+          <a:ext cx="0" cy="0"/>
+          <a:chOff x="0" y="0"/>
+          <a:chExt cx="0" cy="0"/>
+        </a:xfrm>
+      </p:grpSpPr>
+      <p:pic>
+        <p:nvPicPr>
+          <p:cNvPr id="10" name="Picture 9"/>
+          <p:cNvPicPr>
+            <a:picLocks noChangeAspect="1"/>
+          </p:cNvPicPr>
+          <p:nvPr/>
+        </p:nvPicPr>
+        <p:blipFill rotWithShape="1">
+          <a:blip r:embed="rId2">
+            <a:extLst>
+              <a:ext uri="{28A0092B-C50C-407E-A947-70E740481C1C}">
+                <a14:useLocalDpi xmlns:a14="http://schemas.microsoft.com/office/drawing/2010/main" val="0"/>
+              </a:ext>
+            </a:extLst>
+          </a:blip>
+          <a:srcRect l="50728" t="56371"/>
+          <a:stretch/>
+        </p:blipFill>
+        <p:spPr>
+          <a:xfrm>
+            <a:off x="8136460" y="2210765"/>
+            <a:ext cx="4055539" cy="4647236"/>
+          </a:xfrm>
+          <a:prstGeom prst="rect">
+            <a:avLst/>
+          </a:prstGeom>
+        </p:spPr>
+      </p:pic>
+      <p:pic>
+        <p:nvPicPr>
+          <p:cNvPr id="4" name="Picture 3"/>
+          <p:cNvPicPr>
+            <a:picLocks noChangeAspect="1"/>
+          </p:cNvPicPr>
+          <p:nvPr/>
+        </p:nvPicPr>
+        <p:blipFill>
+          <a:blip r:embed="rId3">
+            <a:extLst>
+              <a:ext uri="{28A0092B-C50C-407E-A947-70E740481C1C}">
+                <a14:useLocalDpi xmlns:a14="http://schemas.microsoft.com/office/drawing/2010/main" val="0"/>
+              </a:ext>
+            </a:extLst>
+          </a:blip>
+          <a:stretch>
+            <a:fillRect/>
+          </a:stretch>
+        </p:blipFill>
+        <p:spPr>
+          <a:xfrm>
+            <a:off x="-538496" y="-2482770"/>
+            <a:ext cx="10171472" cy="7459883"/>
+          </a:xfrm>
+          <a:prstGeom prst="rect">
+            <a:avLst/>
+          </a:prstGeom>
+        </p:spPr>
+      </p:pic>
+      <p:sp>
+        <p:nvSpPr>
+          <p:cNvPr id="11" name="TextBox 10"/>
+          <p:cNvSpPr txBox="1"/>
+          <p:nvPr/>
+        </p:nvSpPr>
+        <p:spPr>
+          <a:xfrm>
+            <a:off x="324091" y="1687545"/>
+            <a:ext cx="7986531" cy="769441"/>
+          </a:xfrm>
+          <a:prstGeom prst="rect">
+            <a:avLst/>
+          </a:prstGeom>
+          <a:noFill/>
+        </p:spPr>
+        <p:txBody>
+          <a:bodyPr wrap="square" rtlCol="0">
+            <a:spAutoFit/>
+          </a:bodyPr>
+          <a:lstStyle/>
+          <a:p>
+            <a:r>
+              <a:rPr lang="en-US" sz="4400" b="1" dirty="0">
+                <a:solidFill>
+                  <a:srgbClr val="707070"/>
+                </a:solidFill>
+                <a:latin typeface="Pragmatica" panose="020B0403040502020204" pitchFamily="34" charset="0"/>
+              </a:rPr>
+              <a:t>Questions?</a:t>
+            </a:r>
+          </a:p>
+        </p:txBody>
+      </p:sp>
+    </p:spTree>
+    <p:extLst>
+      <p:ext uri="{BB962C8B-B14F-4D97-AF65-F5344CB8AC3E}">
+        <p14:creationId xmlns:p14="http://schemas.microsoft.com/office/powerpoint/2010/main" val="883313013"/>
+      </p:ext>
+    </p:extLst>
+  </p:cSld>
+  <p:clrMapOvr>
+    <a:masterClrMapping/>
+  </p:clrMapOvr>
+</p:sld>
+</file>
+
+<file path=ppt/slides/slide6.xml><?xml version="1.0" encoding="utf-8"?>
+<p:sld xmlns:a="http://schemas.openxmlformats.org/drawingml/2006/main" xmlns:r="http://schemas.openxmlformats.org/officeDocument/2006/relationships" xmlns:p="http://schemas.openxmlformats.org/presentationml/2006/main">
+  <p:cSld>
+    <p:spTree>
+      <p:nvGrpSpPr>
+        <p:cNvPr id="1" name=""/>
+        <p:cNvGrpSpPr/>
+        <p:nvPr/>
+      </p:nvGrpSpPr>
+      <p:grpSpPr>
+        <a:xfrm>
+          <a:off x="0" y="0"/>
+          <a:ext cx="0" cy="0"/>
+          <a:chOff x="0" y="0"/>
+          <a:chExt cx="0" cy="0"/>
+        </a:xfrm>
+      </p:grpSpPr>
+      <p:pic>
+        <p:nvPicPr>
+          <p:cNvPr id="10" name="Picture 9"/>
+          <p:cNvPicPr>
+            <a:picLocks noChangeAspect="1"/>
+          </p:cNvPicPr>
+          <p:nvPr/>
+        </p:nvPicPr>
+        <p:blipFill rotWithShape="1">
+          <a:blip r:embed="rId3">
+            <a:extLst>
+              <a:ext uri="{28A0092B-C50C-407E-A947-70E740481C1C}">
+                <a14:useLocalDpi xmlns:a14="http://schemas.microsoft.com/office/drawing/2010/main" val="0"/>
+              </a:ext>
+            </a:extLst>
+          </a:blip>
+          <a:srcRect l="50728" t="56371"/>
+          <a:stretch/>
+        </p:blipFill>
+        <p:spPr>
+          <a:xfrm>
+            <a:off x="10894024" y="5370653"/>
+            <a:ext cx="1297975" cy="1487348"/>
+          </a:xfrm>
+          <a:prstGeom prst="rect">
+            <a:avLst/>
+          </a:prstGeom>
+        </p:spPr>
+      </p:pic>
+      <p:sp>
+        <p:nvSpPr>
+          <p:cNvPr id="11" name="TextBox 10"/>
+          <p:cNvSpPr txBox="1"/>
+          <p:nvPr/>
+        </p:nvSpPr>
+        <p:spPr>
+          <a:xfrm>
+            <a:off x="347240" y="113388"/>
+            <a:ext cx="9799937" cy="1015663"/>
+          </a:xfrm>
+          <a:prstGeom prst="rect">
+            <a:avLst/>
+          </a:prstGeom>
+          <a:noFill/>
+        </p:spPr>
+        <p:txBody>
+          <a:bodyPr wrap="square" rtlCol="0">
+            <a:spAutoFit/>
+          </a:bodyPr>
+          <a:lstStyle/>
+          <a:p>
+            <a:r>
+              <a:rPr lang="en-US" sz="6000" dirty="0">
+                <a:latin typeface="Aliens &amp; cows" panose="00000500000000000000" pitchFamily="2" charset="0"/>
+              </a:rPr>
+              <a:t>Become a full-stack analyst</a:t>
+            </a:r>
+          </a:p>
+        </p:txBody>
+      </p:sp>
+      <p:pic>
+        <p:nvPicPr>
+          <p:cNvPr id="4" name="Picture 3" descr="Diagram, text&#10;&#10;Description automatically generated">
+            <a:extLst>
+              <a:ext uri="{FF2B5EF4-FFF2-40B4-BE49-F238E27FC236}">
+                <a16:creationId xmlns:a16="http://schemas.microsoft.com/office/drawing/2014/main" id="{69888AE4-E6A5-42EE-8C41-9647CFF76E35}"/>
+              </a:ext>
+            </a:extLst>
+          </p:cNvPr>
+          <p:cNvPicPr>
+            <a:picLocks noChangeAspect="1"/>
+          </p:cNvPicPr>
+          <p:nvPr/>
+        </p:nvPicPr>
+        <p:blipFill>
+          <a:blip r:embed="rId4">
+            <a:extLst>
+              <a:ext uri="{28A0092B-C50C-407E-A947-70E740481C1C}">
+                <a14:useLocalDpi xmlns:a14="http://schemas.microsoft.com/office/drawing/2010/main" val="0"/>
+              </a:ext>
+            </a:extLst>
+          </a:blip>
+          <a:stretch>
+            <a:fillRect/>
+          </a:stretch>
+        </p:blipFill>
+        <p:spPr>
+          <a:xfrm>
+            <a:off x="1929935" y="1777154"/>
+            <a:ext cx="8555449" cy="4024138"/>
+          </a:xfrm>
+          <a:prstGeom prst="rect">
+            <a:avLst/>
+          </a:prstGeom>
+        </p:spPr>
+      </p:pic>
+      <p:sp>
+        <p:nvSpPr>
+          <p:cNvPr id="7" name="TextBox 6">
+            <a:extLst>
+              <a:ext uri="{FF2B5EF4-FFF2-40B4-BE49-F238E27FC236}">
+                <a16:creationId xmlns:a16="http://schemas.microsoft.com/office/drawing/2014/main" id="{CFAB272F-EC83-45BA-935F-DFBF5407D2B6}"/>
+              </a:ext>
+            </a:extLst>
+          </p:cNvPr>
+          <p:cNvSpPr txBox="1"/>
+          <p:nvPr/>
+        </p:nvSpPr>
+        <p:spPr>
+          <a:xfrm>
+            <a:off x="261704" y="6114327"/>
+            <a:ext cx="9493446" cy="369332"/>
+          </a:xfrm>
+          <a:prstGeom prst="rect">
+            <a:avLst/>
+          </a:prstGeom>
+          <a:noFill/>
+        </p:spPr>
+        <p:txBody>
+          <a:bodyPr wrap="square" rtlCol="0">
+            <a:spAutoFit/>
+          </a:bodyPr>
+          <a:lstStyle/>
+          <a:p>
+            <a:r>
+              <a:rPr lang="en-US" dirty="0">
+                <a:solidFill>
+                  <a:schemeClr val="bg1">
+                    <a:lumMod val="50000"/>
+                  </a:schemeClr>
+                </a:solidFill>
+                <a:latin typeface="Pragmatica" pitchFamily="2" charset="0"/>
+              </a:rPr>
+              <a:t>Mount, George. </a:t>
+            </a:r>
+            <a:r>
+              <a:rPr lang="en-US" i="1" dirty="0">
+                <a:solidFill>
+                  <a:schemeClr val="bg1">
+                    <a:lumMod val="50000"/>
+                  </a:schemeClr>
+                </a:solidFill>
+                <a:latin typeface="Pragmatica" pitchFamily="2" charset="0"/>
+              </a:rPr>
+              <a:t>Advancing into Analytics: From Excel to Python and R</a:t>
+            </a:r>
+            <a:r>
+              <a:rPr lang="en-US" dirty="0">
+                <a:solidFill>
+                  <a:schemeClr val="bg1">
+                    <a:lumMod val="50000"/>
+                  </a:schemeClr>
+                </a:solidFill>
+                <a:latin typeface="Pragmatica" pitchFamily="2" charset="0"/>
+              </a:rPr>
+              <a:t>. O’Reilly Media, 2021</a:t>
+            </a:r>
+            <a:endParaRPr lang="en-US" i="1" dirty="0">
+              <a:solidFill>
+                <a:schemeClr val="bg1">
+                  <a:lumMod val="50000"/>
+                </a:schemeClr>
+              </a:solidFill>
+              <a:latin typeface="Pragmatica" pitchFamily="2" charset="0"/>
+            </a:endParaRPr>
+          </a:p>
+        </p:txBody>
+      </p:sp>
+    </p:spTree>
+    <p:extLst>
+      <p:ext uri="{BB962C8B-B14F-4D97-AF65-F5344CB8AC3E}">
+        <p14:creationId xmlns:p14="http://schemas.microsoft.com/office/powerpoint/2010/main" val="3729633991"/>
+      </p:ext>
+    </p:extLst>
+  </p:cSld>
+  <p:clrMapOvr>
+    <a:masterClrMapping/>
+  </p:clrMapOvr>
+</p:sld>
+</file>
+
+<file path=ppt/slides/slide7.xml><?xml version="1.0" encoding="utf-8"?>
+<p:sld xmlns:a="http://schemas.openxmlformats.org/drawingml/2006/main" xmlns:r="http://schemas.openxmlformats.org/officeDocument/2006/relationships" xmlns:p="http://schemas.openxmlformats.org/presentationml/2006/main">
+  <p:cSld>
+    <p:spTree>
+      <p:nvGrpSpPr>
+        <p:cNvPr id="1" name=""/>
+        <p:cNvGrpSpPr/>
+        <p:nvPr/>
+      </p:nvGrpSpPr>
+      <p:grpSpPr>
+        <a:xfrm>
+          <a:off x="0" y="0"/>
+          <a:ext cx="0" cy="0"/>
+          <a:chOff x="0" y="0"/>
+          <a:chExt cx="0" cy="0"/>
+        </a:xfrm>
+      </p:grpSpPr>
+      <p:sp>
+        <p:nvSpPr>
+          <p:cNvPr id="4" name="Rectangle 3"/>
+          <p:cNvSpPr/>
+          <p:nvPr/>
+        </p:nvSpPr>
+        <p:spPr>
+          <a:xfrm>
+            <a:off x="6574420" y="0"/>
+            <a:ext cx="5617580" cy="6858000"/>
+          </a:xfrm>
+          <a:prstGeom prst="rect">
+            <a:avLst/>
+          </a:prstGeom>
+          <a:solidFill>
+            <a:srgbClr val="CF3338"/>
+          </a:solidFill>
+        </p:spPr>
+        <p:style>
+          <a:lnRef idx="2">
+            <a:schemeClr val="accent1">
+              <a:shade val="50000"/>
+            </a:schemeClr>
+          </a:lnRef>
+          <a:fillRef idx="1">
+            <a:schemeClr val="accent1"/>
+          </a:fillRef>
+          <a:effectRef idx="0">
+            <a:schemeClr val="accent1"/>
+          </a:effectRef>
+          <a:fontRef idx="minor">
+            <a:schemeClr val="lt1"/>
+          </a:fontRef>
+        </p:style>
+        <p:txBody>
+          <a:bodyPr rtlCol="0" anchor="ctr"/>
+          <a:lstStyle/>
+          <a:p>
+            <a:pPr algn="ctr"/>
+            <a:endParaRPr lang="en-US"/>
+          </a:p>
+        </p:txBody>
+      </p:sp>
+      <p:sp>
+        <p:nvSpPr>
+          <p:cNvPr id="5" name="TextBox 4"/>
+          <p:cNvSpPr txBox="1"/>
+          <p:nvPr/>
+        </p:nvSpPr>
+        <p:spPr>
+          <a:xfrm>
+            <a:off x="6817489" y="0"/>
+            <a:ext cx="4120587" cy="1446550"/>
+          </a:xfrm>
+          <a:prstGeom prst="rect">
+            <a:avLst/>
+          </a:prstGeom>
+          <a:noFill/>
+        </p:spPr>
+        <p:txBody>
+          <a:bodyPr wrap="square" rtlCol="0">
+            <a:spAutoFit/>
+          </a:bodyPr>
+          <a:lstStyle/>
+          <a:p>
+            <a:r>
+              <a:rPr lang="en-US" sz="8800" dirty="0">
+                <a:solidFill>
+                  <a:schemeClr val="bg1"/>
+                </a:solidFill>
+                <a:latin typeface="Aliens &amp; cows" panose="00000500000000000000" pitchFamily="2" charset="0"/>
+              </a:rPr>
+              <a:t>Demos</a:t>
+            </a:r>
+          </a:p>
+        </p:txBody>
+      </p:sp>
+      <p:pic>
+        <p:nvPicPr>
+          <p:cNvPr id="2" name="Picture 1"/>
+          <p:cNvPicPr>
+            <a:picLocks noChangeAspect="1"/>
+          </p:cNvPicPr>
+          <p:nvPr/>
+        </p:nvPicPr>
+        <p:blipFill rotWithShape="1">
+          <a:blip r:embed="rId3">
+            <a:extLst>
+              <a:ext uri="{28A0092B-C50C-407E-A947-70E740481C1C}">
+                <a14:useLocalDpi xmlns:a14="http://schemas.microsoft.com/office/drawing/2010/main" val="0"/>
+              </a:ext>
+            </a:extLst>
+          </a:blip>
+          <a:srcRect l="69227" t="33418" r="20112" b="50548"/>
+          <a:stretch/>
+        </p:blipFill>
+        <p:spPr>
+          <a:xfrm>
+            <a:off x="10386349" y="5029795"/>
+            <a:ext cx="1805651" cy="1991719"/>
+          </a:xfrm>
+          <a:prstGeom prst="rect">
+            <a:avLst/>
+          </a:prstGeom>
+        </p:spPr>
+      </p:pic>
+      <p:sp>
+        <p:nvSpPr>
+          <p:cNvPr id="3" name="TextBox 2"/>
+          <p:cNvSpPr txBox="1"/>
+          <p:nvPr/>
+        </p:nvSpPr>
+        <p:spPr>
+          <a:xfrm>
+            <a:off x="173620" y="219919"/>
+            <a:ext cx="5937813" cy="4832092"/>
+          </a:xfrm>
+          <a:prstGeom prst="rect">
+            <a:avLst/>
+          </a:prstGeom>
+          <a:noFill/>
+        </p:spPr>
+        <p:txBody>
+          <a:bodyPr wrap="square" rtlCol="0">
+            <a:spAutoFit/>
+          </a:bodyPr>
+          <a:lstStyle/>
+          <a:p>
+            <a:endParaRPr lang="en-US" sz="2800" b="1" dirty="0">
+              <a:solidFill>
+                <a:srgbClr val="CF3338"/>
+              </a:solidFill>
+              <a:latin typeface="Pragmatica" pitchFamily="2" charset="0"/>
+            </a:endParaRPr>
+          </a:p>
+          <a:p>
+            <a:pPr marL="514350" indent="-514350">
+              <a:buFont typeface="Arial" panose="020B0604020202020204" pitchFamily="34" charset="0"/>
+              <a:buChar char="•"/>
+            </a:pPr>
+            <a:r>
+              <a:rPr lang="en-US" sz="2800" b="1" dirty="0">
+                <a:solidFill>
+                  <a:srgbClr val="CF3338"/>
+                </a:solidFill>
+                <a:latin typeface="Pragmatica" pitchFamily="2" charset="0"/>
+              </a:rPr>
+              <a:t>Downloads and summary statistics:</a:t>
+            </a:r>
+          </a:p>
+          <a:p>
+            <a:pPr marL="971550" lvl="1" indent="-514350">
+              <a:buFont typeface="Arial" panose="020B0604020202020204" pitchFamily="34" charset="0"/>
+              <a:buChar char="•"/>
+            </a:pPr>
+            <a:r>
+              <a:rPr lang="en-US" sz="2800" b="1" dirty="0">
+                <a:solidFill>
+                  <a:srgbClr val="CF3338"/>
+                </a:solidFill>
+                <a:latin typeface="Pragmatica" pitchFamily="2" charset="0"/>
+              </a:rPr>
+              <a:t>Excel</a:t>
+            </a:r>
+          </a:p>
+          <a:p>
+            <a:pPr marL="971550" lvl="1" indent="-514350">
+              <a:buFont typeface="Arial" panose="020B0604020202020204" pitchFamily="34" charset="0"/>
+              <a:buChar char="•"/>
+            </a:pPr>
+            <a:r>
+              <a:rPr lang="en-US" sz="2800" b="1" dirty="0">
+                <a:solidFill>
+                  <a:srgbClr val="CF3338"/>
+                </a:solidFill>
+                <a:latin typeface="Pragmatica" pitchFamily="2" charset="0"/>
+              </a:rPr>
+              <a:t>R</a:t>
+            </a:r>
+          </a:p>
+          <a:p>
+            <a:pPr marL="971550" lvl="1" indent="-514350">
+              <a:buFont typeface="Arial" panose="020B0604020202020204" pitchFamily="34" charset="0"/>
+              <a:buChar char="•"/>
+            </a:pPr>
+            <a:r>
+              <a:rPr lang="en-US" sz="2800" b="1" dirty="0">
+                <a:solidFill>
+                  <a:srgbClr val="CF3338"/>
+                </a:solidFill>
+                <a:latin typeface="Pragmatica" pitchFamily="2" charset="0"/>
+              </a:rPr>
+              <a:t>Python</a:t>
+            </a:r>
+          </a:p>
+          <a:p>
+            <a:pPr marL="514350" indent="-514350">
+              <a:buFont typeface="Arial" panose="020B0604020202020204" pitchFamily="34" charset="0"/>
+              <a:buChar char="•"/>
+            </a:pPr>
+            <a:r>
+              <a:rPr lang="en-US" sz="2800" b="1" dirty="0">
+                <a:solidFill>
+                  <a:srgbClr val="CF3338"/>
+                </a:solidFill>
+                <a:latin typeface="Pragmatica" pitchFamily="2" charset="0"/>
+              </a:rPr>
+              <a:t>Follow along with demo notes for each</a:t>
+            </a:r>
+          </a:p>
+          <a:p>
+            <a:endParaRPr lang="en-US" sz="2800" b="1" dirty="0">
+              <a:solidFill>
+                <a:srgbClr val="CF3338"/>
+              </a:solidFill>
+              <a:latin typeface="Pragmatica" pitchFamily="2" charset="0"/>
+            </a:endParaRPr>
+          </a:p>
+          <a:p>
+            <a:pPr marL="514350" indent="-514350">
+              <a:buFont typeface="Arial" panose="020B0604020202020204" pitchFamily="34" charset="0"/>
+              <a:buChar char="•"/>
+            </a:pPr>
+            <a:r>
+              <a:rPr lang="en-US" sz="2800" b="1" dirty="0">
+                <a:solidFill>
+                  <a:srgbClr val="CF3338"/>
+                </a:solidFill>
+                <a:latin typeface="Pragmatica" pitchFamily="2" charset="0"/>
+              </a:rPr>
+              <a:t>Let’s get situated… </a:t>
+            </a:r>
+          </a:p>
+          <a:p>
+            <a:pPr marL="971550" lvl="1" indent="-514350">
+              <a:buFont typeface="Arial" panose="020B0604020202020204" pitchFamily="34" charset="0"/>
+              <a:buChar char="•"/>
+            </a:pPr>
+            <a:r>
+              <a:rPr lang="en-US" sz="2800" b="1" dirty="0">
+                <a:solidFill>
+                  <a:srgbClr val="CF3338"/>
+                </a:solidFill>
+                <a:latin typeface="Pragmatica" pitchFamily="2" charset="0"/>
+              </a:rPr>
+              <a:t>File to summarize: </a:t>
+            </a:r>
+            <a:r>
+              <a:rPr lang="en-US" sz="2800" b="1" dirty="0">
+                <a:solidFill>
+                  <a:srgbClr val="CF3338"/>
+                </a:solidFill>
+                <a:latin typeface="Consolas" panose="020B0609020204030204" pitchFamily="49" charset="0"/>
+              </a:rPr>
+              <a:t>plantgrowth.xlsx</a:t>
+            </a:r>
+          </a:p>
+        </p:txBody>
+      </p:sp>
+    </p:spTree>
+    <p:extLst>
+      <p:ext uri="{BB962C8B-B14F-4D97-AF65-F5344CB8AC3E}">
+        <p14:creationId xmlns:p14="http://schemas.microsoft.com/office/powerpoint/2010/main" val="3088895096"/>
+      </p:ext>
+    </p:extLst>
+  </p:cSld>
+  <p:clrMapOvr>
+    <a:masterClrMapping/>
+  </p:clrMapOvr>
+</p:sld>
+</file>
+
+<file path=ppt/slides/slide8.xml><?xml version="1.0" encoding="utf-8"?>
+<p:sld xmlns:a="http://schemas.openxmlformats.org/drawingml/2006/main" xmlns:r="http://schemas.openxmlformats.org/officeDocument/2006/relationships" xmlns:p="http://schemas.openxmlformats.org/presentationml/2006/main">
+  <p:cSld>
+    <p:spTree>
+      <p:nvGrpSpPr>
+        <p:cNvPr id="1" name=""/>
+        <p:cNvGrpSpPr/>
+        <p:nvPr/>
+      </p:nvGrpSpPr>
+      <p:grpSpPr>
+        <a:xfrm>
+          <a:off x="0" y="0"/>
+          <a:ext cx="0" cy="0"/>
+          <a:chOff x="0" y="0"/>
+          <a:chExt cx="0" cy="0"/>
+        </a:xfrm>
+      </p:grpSpPr>
+      <p:pic>
+        <p:nvPicPr>
+          <p:cNvPr id="10" name="Picture 9"/>
+          <p:cNvPicPr>
+            <a:picLocks noChangeAspect="1"/>
+          </p:cNvPicPr>
+          <p:nvPr/>
+        </p:nvPicPr>
+        <p:blipFill rotWithShape="1">
+          <a:blip r:embed="rId2">
+            <a:extLst>
+              <a:ext uri="{28A0092B-C50C-407E-A947-70E740481C1C}">
+                <a14:useLocalDpi xmlns:a14="http://schemas.microsoft.com/office/drawing/2010/main" val="0"/>
+              </a:ext>
+            </a:extLst>
+          </a:blip>
+          <a:srcRect l="50728" t="56371"/>
+          <a:stretch/>
+        </p:blipFill>
+        <p:spPr>
+          <a:xfrm>
+            <a:off x="8136460" y="2210765"/>
+            <a:ext cx="4055539" cy="4647236"/>
+          </a:xfrm>
+          <a:prstGeom prst="rect">
+            <a:avLst/>
+          </a:prstGeom>
+        </p:spPr>
+      </p:pic>
+      <p:pic>
+        <p:nvPicPr>
+          <p:cNvPr id="4" name="Picture 3"/>
+          <p:cNvPicPr>
+            <a:picLocks noChangeAspect="1"/>
+          </p:cNvPicPr>
+          <p:nvPr/>
+        </p:nvPicPr>
+        <p:blipFill>
+          <a:blip r:embed="rId3">
+            <a:extLst>
+              <a:ext uri="{28A0092B-C50C-407E-A947-70E740481C1C}">
+                <a14:useLocalDpi xmlns:a14="http://schemas.microsoft.com/office/drawing/2010/main" val="0"/>
+              </a:ext>
+            </a:extLst>
+          </a:blip>
+          <a:stretch>
+            <a:fillRect/>
+          </a:stretch>
+        </p:blipFill>
+        <p:spPr>
+          <a:xfrm>
+            <a:off x="-538496" y="-2482770"/>
+            <a:ext cx="10171472" cy="7459883"/>
+          </a:xfrm>
+          <a:prstGeom prst="rect">
+            <a:avLst/>
+          </a:prstGeom>
+        </p:spPr>
+      </p:pic>
+      <p:sp>
+        <p:nvSpPr>
+          <p:cNvPr id="11" name="TextBox 10"/>
+          <p:cNvSpPr txBox="1"/>
+          <p:nvPr/>
+        </p:nvSpPr>
+        <p:spPr>
+          <a:xfrm>
+            <a:off x="324091" y="1687545"/>
+            <a:ext cx="7986531" cy="769441"/>
+          </a:xfrm>
+          <a:prstGeom prst="rect">
+            <a:avLst/>
+          </a:prstGeom>
+          <a:noFill/>
+        </p:spPr>
+        <p:txBody>
+          <a:bodyPr wrap="square" rtlCol="0">
+            <a:spAutoFit/>
+          </a:bodyPr>
+          <a:lstStyle/>
+          <a:p>
+            <a:r>
+              <a:rPr lang="en-US" sz="4400" b="1" dirty="0">
+                <a:solidFill>
+                  <a:srgbClr val="707070"/>
+                </a:solidFill>
+                <a:latin typeface="Pragmatica" panose="020B0403040502020204" pitchFamily="34" charset="0"/>
+              </a:rPr>
+              <a:t>Questions?</a:t>
+            </a:r>
+          </a:p>
+        </p:txBody>
+      </p:sp>
+    </p:spTree>
+    <p:extLst>
+      <p:ext uri="{BB962C8B-B14F-4D97-AF65-F5344CB8AC3E}">
+        <p14:creationId xmlns:p14="http://schemas.microsoft.com/office/powerpoint/2010/main" val="4081097533"/>
+      </p:ext>
+    </p:extLst>
+  </p:cSld>
+  <p:clrMapOvr>
+    <a:masterClrMapping/>
+  </p:clrMapOvr>
+</p:sld>
+</file>
+
+<file path=ppt/slides/slide9.xml><?xml version="1.0" encoding="utf-8"?>
+<p:sld xmlns:a="http://schemas.openxmlformats.org/drawingml/2006/main" xmlns:r="http://schemas.openxmlformats.org/officeDocument/2006/relationships" xmlns:p="http://schemas.openxmlformats.org/presentationml/2006/main">
+  <p:cSld>
+    <p:spTree>
+      <p:nvGrpSpPr>
+        <p:cNvPr id="1" name=""/>
+        <p:cNvGrpSpPr/>
+        <p:nvPr/>
+      </p:nvGrpSpPr>
+      <p:grpSpPr>
+        <a:xfrm>
+          <a:off x="0" y="0"/>
+          <a:ext cx="0" cy="0"/>
+          <a:chOff x="0" y="0"/>
+          <a:chExt cx="0" cy="0"/>
+        </a:xfrm>
+      </p:grpSpPr>
+      <p:sp>
+        <p:nvSpPr>
+          <p:cNvPr id="4" name="Rectangle 3"/>
+          <p:cNvSpPr/>
+          <p:nvPr/>
+        </p:nvSpPr>
+        <p:spPr>
+          <a:xfrm>
+            <a:off x="0" y="0"/>
+            <a:ext cx="12192000" cy="6858000"/>
+          </a:xfrm>
+          <a:prstGeom prst="rect">
+            <a:avLst/>
+          </a:prstGeom>
+          <a:solidFill>
+            <a:srgbClr val="CF3338"/>
+          </a:solidFill>
+        </p:spPr>
+        <p:style>
+          <a:lnRef idx="2">
+            <a:schemeClr val="accent1">
+              <a:shade val="50000"/>
+            </a:schemeClr>
+          </a:lnRef>
+          <a:fillRef idx="1">
+            <a:schemeClr val="accent1"/>
+          </a:fillRef>
+          <a:effectRef idx="0">
+            <a:schemeClr val="accent1"/>
+          </a:effectRef>
+          <a:fontRef idx="minor">
+            <a:schemeClr val="lt1"/>
+          </a:fontRef>
+        </p:style>
+        <p:txBody>
+          <a:bodyPr rtlCol="0" anchor="ctr"/>
+          <a:lstStyle/>
+          <a:p>
+            <a:pPr algn="ctr"/>
+            <a:endParaRPr lang="en-US"/>
+          </a:p>
+        </p:txBody>
+      </p:sp>
+      <p:sp>
+        <p:nvSpPr>
+          <p:cNvPr id="5" name="TextBox 4"/>
+          <p:cNvSpPr txBox="1"/>
+          <p:nvPr/>
+        </p:nvSpPr>
+        <p:spPr>
+          <a:xfrm>
+            <a:off x="520861" y="393539"/>
+            <a:ext cx="10324617" cy="1107996"/>
+          </a:xfrm>
+          <a:prstGeom prst="rect">
+            <a:avLst/>
+          </a:prstGeom>
+          <a:noFill/>
+        </p:spPr>
+        <p:txBody>
+          <a:bodyPr wrap="square" rtlCol="0">
+            <a:spAutoFit/>
+          </a:bodyPr>
+          <a:lstStyle/>
+          <a:p>
+            <a:r>
+              <a:rPr lang="en-US" sz="6600" b="1" dirty="0">
+                <a:solidFill>
+                  <a:schemeClr val="bg1"/>
+                </a:solidFill>
+                <a:latin typeface="Pragmatica" pitchFamily="2" charset="0"/>
+              </a:rPr>
+              <a:t>Conclusion/Next steps</a:t>
+            </a:r>
+          </a:p>
+        </p:txBody>
+      </p:sp>
+    </p:spTree>
+    <p:extLst>
+      <p:ext uri="{BB962C8B-B14F-4D97-AF65-F5344CB8AC3E}">
+        <p14:creationId xmlns:p14="http://schemas.microsoft.com/office/powerpoint/2010/main" val="1922980201"/>
       </p:ext>
     </p:extLst>
   </p:cSld>

--- a/aina-getting-started.pptx
+++ b/aina-getting-started.pptx
@@ -5,23 +5,24 @@
     <p:sldMasterId id="2147483648" r:id="rId1"/>
   </p:sldMasterIdLst>
   <p:notesMasterIdLst>
-    <p:notesMasterId r:id="rId16"/>
+    <p:notesMasterId r:id="rId17"/>
   </p:notesMasterIdLst>
   <p:sldIdLst>
-    <p:sldId id="256" r:id="rId2"/>
-    <p:sldId id="435" r:id="rId3"/>
-    <p:sldId id="393" r:id="rId4"/>
-    <p:sldId id="392" r:id="rId5"/>
-    <p:sldId id="436" r:id="rId6"/>
-    <p:sldId id="332" r:id="rId7"/>
-    <p:sldId id="411" r:id="rId8"/>
-    <p:sldId id="426" r:id="rId9"/>
-    <p:sldId id="431" r:id="rId10"/>
-    <p:sldId id="338" r:id="rId11"/>
-    <p:sldId id="433" r:id="rId12"/>
-    <p:sldId id="336" r:id="rId13"/>
-    <p:sldId id="434" r:id="rId14"/>
-    <p:sldId id="432" r:id="rId15"/>
+    <p:sldId id="437" r:id="rId2"/>
+    <p:sldId id="256" r:id="rId3"/>
+    <p:sldId id="435" r:id="rId4"/>
+    <p:sldId id="393" r:id="rId5"/>
+    <p:sldId id="392" r:id="rId6"/>
+    <p:sldId id="436" r:id="rId7"/>
+    <p:sldId id="332" r:id="rId8"/>
+    <p:sldId id="411" r:id="rId9"/>
+    <p:sldId id="426" r:id="rId10"/>
+    <p:sldId id="431" r:id="rId11"/>
+    <p:sldId id="338" r:id="rId12"/>
+    <p:sldId id="433" r:id="rId13"/>
+    <p:sldId id="336" r:id="rId14"/>
+    <p:sldId id="434" r:id="rId15"/>
+    <p:sldId id="432" r:id="rId16"/>
   </p:sldIdLst>
   <p:sldSz cx="12192000" cy="6858000"/>
   <p:notesSz cx="6858000" cy="9144000"/>
@@ -1840,7 +1841,7 @@
           <a:p>
             <a:fld id="{503F064B-41F2-4661-BDF0-BFD135E9A557}" type="datetimeFigureOut">
               <a:rPr lang="en-US" smtClean="0"/>
-              <a:t>8/25/2021</a:t>
+              <a:t>9/2/2021</a:t>
             </a:fld>
             <a:endParaRPr lang="en-US"/>
           </a:p>
@@ -2184,7 +2185,7 @@
           <a:p>
             <a:fld id="{3BB66621-ADCC-4EF8-8003-B9D3E881DCD2}" type="slidenum">
               <a:rPr lang="en-US" smtClean="0"/>
-              <a:t>4</a:t>
+              <a:t>5</a:t>
             </a:fld>
             <a:endParaRPr lang="en-US"/>
           </a:p>
@@ -2277,7 +2278,7 @@
           <a:p>
             <a:fld id="{3BB66621-ADCC-4EF8-8003-B9D3E881DCD2}" type="slidenum">
               <a:rPr lang="en-US" smtClean="0"/>
-              <a:t>6</a:t>
+              <a:t>7</a:t>
             </a:fld>
             <a:endParaRPr lang="en-US"/>
           </a:p>
@@ -2364,7 +2365,7 @@
           <a:p>
             <a:fld id="{3BB66621-ADCC-4EF8-8003-B9D3E881DCD2}" type="slidenum">
               <a:rPr lang="en-US" smtClean="0"/>
-              <a:t>7</a:t>
+              <a:t>8</a:t>
             </a:fld>
             <a:endParaRPr lang="en-US"/>
           </a:p>
@@ -2480,7 +2481,7 @@
           <a:p>
             <a:fld id="{3BB66621-ADCC-4EF8-8003-B9D3E881DCD2}" type="slidenum">
               <a:rPr lang="en-US" smtClean="0"/>
-              <a:t>10</a:t>
+              <a:t>11</a:t>
             </a:fld>
             <a:endParaRPr lang="en-US"/>
           </a:p>
@@ -2596,7 +2597,7 @@
           <a:p>
             <a:fld id="{3BB66621-ADCC-4EF8-8003-B9D3E881DCD2}" type="slidenum">
               <a:rPr lang="en-US" smtClean="0"/>
-              <a:t>11</a:t>
+              <a:t>12</a:t>
             </a:fld>
             <a:endParaRPr lang="en-US"/>
           </a:p>
@@ -2744,7 +2745,7 @@
           <a:p>
             <a:fld id="{0138B082-EFC2-46C1-B47C-51736C670379}" type="datetimeFigureOut">
               <a:rPr lang="en-US" smtClean="0"/>
-              <a:t>8/25/2021</a:t>
+              <a:t>9/2/2021</a:t>
             </a:fld>
             <a:endParaRPr lang="en-US"/>
           </a:p>
@@ -2912,7 +2913,7 @@
           <a:p>
             <a:fld id="{0138B082-EFC2-46C1-B47C-51736C670379}" type="datetimeFigureOut">
               <a:rPr lang="en-US" smtClean="0"/>
-              <a:t>8/25/2021</a:t>
+              <a:t>9/2/2021</a:t>
             </a:fld>
             <a:endParaRPr lang="en-US"/>
           </a:p>
@@ -3090,7 +3091,7 @@
           <a:p>
             <a:fld id="{0138B082-EFC2-46C1-B47C-51736C670379}" type="datetimeFigureOut">
               <a:rPr lang="en-US" smtClean="0"/>
-              <a:t>8/25/2021</a:t>
+              <a:t>9/2/2021</a:t>
             </a:fld>
             <a:endParaRPr lang="en-US"/>
           </a:p>
@@ -3258,7 +3259,7 @@
           <a:p>
             <a:fld id="{0138B082-EFC2-46C1-B47C-51736C670379}" type="datetimeFigureOut">
               <a:rPr lang="en-US" smtClean="0"/>
-              <a:t>8/25/2021</a:t>
+              <a:t>9/2/2021</a:t>
             </a:fld>
             <a:endParaRPr lang="en-US"/>
           </a:p>
@@ -3503,7 +3504,7 @@
           <a:p>
             <a:fld id="{0138B082-EFC2-46C1-B47C-51736C670379}" type="datetimeFigureOut">
               <a:rPr lang="en-US" smtClean="0"/>
-              <a:t>8/25/2021</a:t>
+              <a:t>9/2/2021</a:t>
             </a:fld>
             <a:endParaRPr lang="en-US"/>
           </a:p>
@@ -3732,7 +3733,7 @@
           <a:p>
             <a:fld id="{0138B082-EFC2-46C1-B47C-51736C670379}" type="datetimeFigureOut">
               <a:rPr lang="en-US" smtClean="0"/>
-              <a:t>8/25/2021</a:t>
+              <a:t>9/2/2021</a:t>
             </a:fld>
             <a:endParaRPr lang="en-US"/>
           </a:p>
@@ -4096,7 +4097,7 @@
           <a:p>
             <a:fld id="{0138B082-EFC2-46C1-B47C-51736C670379}" type="datetimeFigureOut">
               <a:rPr lang="en-US" smtClean="0"/>
-              <a:t>8/25/2021</a:t>
+              <a:t>9/2/2021</a:t>
             </a:fld>
             <a:endParaRPr lang="en-US"/>
           </a:p>
@@ -4213,7 +4214,7 @@
           <a:p>
             <a:fld id="{0138B082-EFC2-46C1-B47C-51736C670379}" type="datetimeFigureOut">
               <a:rPr lang="en-US" smtClean="0"/>
-              <a:t>8/25/2021</a:t>
+              <a:t>9/2/2021</a:t>
             </a:fld>
             <a:endParaRPr lang="en-US"/>
           </a:p>
@@ -4308,7 +4309,7 @@
           <a:p>
             <a:fld id="{0138B082-EFC2-46C1-B47C-51736C670379}" type="datetimeFigureOut">
               <a:rPr lang="en-US" smtClean="0"/>
-              <a:t>8/25/2021</a:t>
+              <a:t>9/2/2021</a:t>
             </a:fld>
             <a:endParaRPr lang="en-US"/>
           </a:p>
@@ -4583,7 +4584,7 @@
           <a:p>
             <a:fld id="{0138B082-EFC2-46C1-B47C-51736C670379}" type="datetimeFigureOut">
               <a:rPr lang="en-US" smtClean="0"/>
-              <a:t>8/25/2021</a:t>
+              <a:t>9/2/2021</a:t>
             </a:fld>
             <a:endParaRPr lang="en-US"/>
           </a:p>
@@ -4835,7 +4836,7 @@
           <a:p>
             <a:fld id="{0138B082-EFC2-46C1-B47C-51736C670379}" type="datetimeFigureOut">
               <a:rPr lang="en-US" smtClean="0"/>
-              <a:t>8/25/2021</a:t>
+              <a:t>9/2/2021</a:t>
             </a:fld>
             <a:endParaRPr lang="en-US"/>
           </a:p>
@@ -5046,7 +5047,7 @@
           <a:p>
             <a:fld id="{0138B082-EFC2-46C1-B47C-51736C670379}" type="datetimeFigureOut">
               <a:rPr lang="en-US" smtClean="0"/>
-              <a:t>8/25/2021</a:t>
+              <a:t>9/2/2021</a:t>
             </a:fld>
             <a:endParaRPr lang="en-US"/>
           </a:p>
@@ -5451,6 +5452,1575 @@
           <a:chExt cx="0" cy="0"/>
         </a:xfrm>
       </p:grpSpPr>
+      <p:sp>
+        <p:nvSpPr>
+          <p:cNvPr id="4" name="Rectangle 3"/>
+          <p:cNvSpPr/>
+          <p:nvPr/>
+        </p:nvSpPr>
+        <p:spPr>
+          <a:xfrm>
+            <a:off x="0" y="0"/>
+            <a:ext cx="12192000" cy="6858000"/>
+          </a:xfrm>
+          <a:prstGeom prst="rect">
+            <a:avLst/>
+          </a:prstGeom>
+          <a:solidFill>
+            <a:srgbClr val="CF3338"/>
+          </a:solidFill>
+        </p:spPr>
+        <p:style>
+          <a:lnRef idx="2">
+            <a:schemeClr val="accent1">
+              <a:shade val="50000"/>
+            </a:schemeClr>
+          </a:lnRef>
+          <a:fillRef idx="1">
+            <a:schemeClr val="accent1"/>
+          </a:fillRef>
+          <a:effectRef idx="0">
+            <a:schemeClr val="accent1"/>
+          </a:effectRef>
+          <a:fontRef idx="minor">
+            <a:schemeClr val="lt1"/>
+          </a:fontRef>
+        </p:style>
+        <p:txBody>
+          <a:bodyPr rtlCol="0" anchor="ctr"/>
+          <a:lstStyle/>
+          <a:p>
+            <a:pPr algn="ctr"/>
+            <a:endParaRPr lang="en-US"/>
+          </a:p>
+        </p:txBody>
+      </p:sp>
+      <p:sp>
+        <p:nvSpPr>
+          <p:cNvPr id="5" name="TextBox 4"/>
+          <p:cNvSpPr txBox="1"/>
+          <p:nvPr/>
+        </p:nvSpPr>
+        <p:spPr>
+          <a:xfrm>
+            <a:off x="520861" y="393539"/>
+            <a:ext cx="10324617" cy="6863417"/>
+          </a:xfrm>
+          <a:prstGeom prst="rect">
+            <a:avLst/>
+          </a:prstGeom>
+          <a:noFill/>
+        </p:spPr>
+        <p:txBody>
+          <a:bodyPr wrap="square" rtlCol="0">
+            <a:spAutoFit/>
+          </a:bodyPr>
+          <a:lstStyle/>
+          <a:p>
+            <a:r>
+              <a:rPr lang="en-US" sz="8800" b="1" i="0" dirty="0">
+                <a:solidFill>
+                  <a:schemeClr val="bg1"/>
+                </a:solidFill>
+                <a:effectLst/>
+                <a:latin typeface="u2400"/>
+              </a:rPr>
+              <a:t>✓</a:t>
+            </a:r>
+            <a:r>
+              <a:rPr lang="en-US" sz="8800" b="1" dirty="0">
+                <a:solidFill>
+                  <a:schemeClr val="bg1"/>
+                </a:solidFill>
+                <a:latin typeface="Pragmatica" pitchFamily="2" charset="0"/>
+              </a:rPr>
+              <a:t> Microphone off?</a:t>
+            </a:r>
+            <a:endParaRPr lang="en-US" sz="8800" b="1" i="0" dirty="0">
+              <a:solidFill>
+                <a:schemeClr val="bg1"/>
+              </a:solidFill>
+              <a:effectLst/>
+              <a:latin typeface="u2400"/>
+            </a:endParaRPr>
+          </a:p>
+          <a:p>
+            <a:r>
+              <a:rPr lang="en-US" sz="8800" b="1" i="0" dirty="0">
+                <a:solidFill>
+                  <a:schemeClr val="bg1"/>
+                </a:solidFill>
+                <a:effectLst/>
+                <a:latin typeface="u2400"/>
+              </a:rPr>
+              <a:t>✓</a:t>
+            </a:r>
+            <a:r>
+              <a:rPr lang="en-US" sz="8800" b="1" dirty="0">
+                <a:solidFill>
+                  <a:schemeClr val="bg1"/>
+                </a:solidFill>
+                <a:latin typeface="Pragmatica" pitchFamily="2" charset="0"/>
+              </a:rPr>
+              <a:t> Camera off?</a:t>
+            </a:r>
+          </a:p>
+          <a:p>
+            <a:r>
+              <a:rPr lang="en-US" sz="8800" b="1" i="0" dirty="0">
+                <a:solidFill>
+                  <a:schemeClr val="bg1"/>
+                </a:solidFill>
+                <a:effectLst/>
+                <a:latin typeface="u2400"/>
+              </a:rPr>
+              <a:t>✓</a:t>
+            </a:r>
+            <a:r>
+              <a:rPr lang="en-US" sz="8800" b="1" dirty="0">
+                <a:solidFill>
+                  <a:schemeClr val="bg1"/>
+                </a:solidFill>
+                <a:latin typeface="Pragmatica" pitchFamily="2" charset="0"/>
+              </a:rPr>
+              <a:t> Fun on? </a:t>
+            </a:r>
+          </a:p>
+          <a:p>
+            <a:endParaRPr lang="en-US" sz="8800" b="1" dirty="0">
+              <a:solidFill>
+                <a:schemeClr val="bg1"/>
+              </a:solidFill>
+              <a:latin typeface="Pragmatica" pitchFamily="2" charset="0"/>
+            </a:endParaRPr>
+          </a:p>
+          <a:p>
+            <a:endParaRPr lang="en-US" sz="8800" b="1" dirty="0">
+              <a:solidFill>
+                <a:schemeClr val="bg1"/>
+              </a:solidFill>
+              <a:latin typeface="Pragmatica" pitchFamily="2" charset="0"/>
+            </a:endParaRPr>
+          </a:p>
+        </p:txBody>
+      </p:sp>
+    </p:spTree>
+    <p:extLst>
+      <p:ext uri="{BB962C8B-B14F-4D97-AF65-F5344CB8AC3E}">
+        <p14:creationId xmlns:p14="http://schemas.microsoft.com/office/powerpoint/2010/main" val="1194113444"/>
+      </p:ext>
+    </p:extLst>
+  </p:cSld>
+  <p:clrMapOvr>
+    <a:masterClrMapping/>
+  </p:clrMapOvr>
+</p:sld>
+</file>
+
+<file path=ppt/slides/slide10.xml><?xml version="1.0" encoding="utf-8"?>
+<p:sld xmlns:a="http://schemas.openxmlformats.org/drawingml/2006/main" xmlns:r="http://schemas.openxmlformats.org/officeDocument/2006/relationships" xmlns:p="http://schemas.openxmlformats.org/presentationml/2006/main">
+  <p:cSld>
+    <p:spTree>
+      <p:nvGrpSpPr>
+        <p:cNvPr id="1" name=""/>
+        <p:cNvGrpSpPr/>
+        <p:nvPr/>
+      </p:nvGrpSpPr>
+      <p:grpSpPr>
+        <a:xfrm>
+          <a:off x="0" y="0"/>
+          <a:ext cx="0" cy="0"/>
+          <a:chOff x="0" y="0"/>
+          <a:chExt cx="0" cy="0"/>
+        </a:xfrm>
+      </p:grpSpPr>
+      <p:sp>
+        <p:nvSpPr>
+          <p:cNvPr id="4" name="Rectangle 3"/>
+          <p:cNvSpPr/>
+          <p:nvPr/>
+        </p:nvSpPr>
+        <p:spPr>
+          <a:xfrm>
+            <a:off x="0" y="0"/>
+            <a:ext cx="12192000" cy="6858000"/>
+          </a:xfrm>
+          <a:prstGeom prst="rect">
+            <a:avLst/>
+          </a:prstGeom>
+          <a:solidFill>
+            <a:srgbClr val="CF3338"/>
+          </a:solidFill>
+        </p:spPr>
+        <p:style>
+          <a:lnRef idx="2">
+            <a:schemeClr val="accent1">
+              <a:shade val="50000"/>
+            </a:schemeClr>
+          </a:lnRef>
+          <a:fillRef idx="1">
+            <a:schemeClr val="accent1"/>
+          </a:fillRef>
+          <a:effectRef idx="0">
+            <a:schemeClr val="accent1"/>
+          </a:effectRef>
+          <a:fontRef idx="minor">
+            <a:schemeClr val="lt1"/>
+          </a:fontRef>
+        </p:style>
+        <p:txBody>
+          <a:bodyPr rtlCol="0" anchor="ctr"/>
+          <a:lstStyle/>
+          <a:p>
+            <a:pPr algn="ctr"/>
+            <a:endParaRPr lang="en-US"/>
+          </a:p>
+        </p:txBody>
+      </p:sp>
+      <p:sp>
+        <p:nvSpPr>
+          <p:cNvPr id="5" name="TextBox 4"/>
+          <p:cNvSpPr txBox="1"/>
+          <p:nvPr/>
+        </p:nvSpPr>
+        <p:spPr>
+          <a:xfrm>
+            <a:off x="520861" y="393539"/>
+            <a:ext cx="10324617" cy="1107996"/>
+          </a:xfrm>
+          <a:prstGeom prst="rect">
+            <a:avLst/>
+          </a:prstGeom>
+          <a:noFill/>
+        </p:spPr>
+        <p:txBody>
+          <a:bodyPr wrap="square" rtlCol="0">
+            <a:spAutoFit/>
+          </a:bodyPr>
+          <a:lstStyle/>
+          <a:p>
+            <a:r>
+              <a:rPr lang="en-US" sz="6600" b="1" dirty="0">
+                <a:solidFill>
+                  <a:schemeClr val="bg1"/>
+                </a:solidFill>
+                <a:latin typeface="Pragmatica" pitchFamily="2" charset="0"/>
+              </a:rPr>
+              <a:t>Conclusion/Next steps</a:t>
+            </a:r>
+          </a:p>
+        </p:txBody>
+      </p:sp>
+    </p:spTree>
+    <p:extLst>
+      <p:ext uri="{BB962C8B-B14F-4D97-AF65-F5344CB8AC3E}">
+        <p14:creationId xmlns:p14="http://schemas.microsoft.com/office/powerpoint/2010/main" val="1922980201"/>
+      </p:ext>
+    </p:extLst>
+  </p:cSld>
+  <p:clrMapOvr>
+    <a:masterClrMapping/>
+  </p:clrMapOvr>
+</p:sld>
+</file>
+
+<file path=ppt/slides/slide11.xml><?xml version="1.0" encoding="utf-8"?>
+<p:sld xmlns:a="http://schemas.openxmlformats.org/drawingml/2006/main" xmlns:r="http://schemas.openxmlformats.org/officeDocument/2006/relationships" xmlns:p="http://schemas.openxmlformats.org/presentationml/2006/main">
+  <p:cSld>
+    <p:spTree>
+      <p:nvGrpSpPr>
+        <p:cNvPr id="1" name=""/>
+        <p:cNvGrpSpPr/>
+        <p:nvPr/>
+      </p:nvGrpSpPr>
+      <p:grpSpPr>
+        <a:xfrm>
+          <a:off x="0" y="0"/>
+          <a:ext cx="0" cy="0"/>
+          <a:chOff x="0" y="0"/>
+          <a:chExt cx="0" cy="0"/>
+        </a:xfrm>
+      </p:grpSpPr>
+      <p:pic>
+        <p:nvPicPr>
+          <p:cNvPr id="10" name="Picture 9"/>
+          <p:cNvPicPr>
+            <a:picLocks noChangeAspect="1"/>
+          </p:cNvPicPr>
+          <p:nvPr/>
+        </p:nvPicPr>
+        <p:blipFill rotWithShape="1">
+          <a:blip r:embed="rId3">
+            <a:extLst>
+              <a:ext uri="{28A0092B-C50C-407E-A947-70E740481C1C}">
+                <a14:useLocalDpi xmlns:a14="http://schemas.microsoft.com/office/drawing/2010/main" val="0"/>
+              </a:ext>
+            </a:extLst>
+          </a:blip>
+          <a:srcRect l="50728" t="56371"/>
+          <a:stretch/>
+        </p:blipFill>
+        <p:spPr>
+          <a:xfrm>
+            <a:off x="10894024" y="5370653"/>
+            <a:ext cx="1297975" cy="1487348"/>
+          </a:xfrm>
+          <a:prstGeom prst="rect">
+            <a:avLst/>
+          </a:prstGeom>
+        </p:spPr>
+      </p:pic>
+      <p:sp>
+        <p:nvSpPr>
+          <p:cNvPr id="11" name="TextBox 10"/>
+          <p:cNvSpPr txBox="1"/>
+          <p:nvPr/>
+        </p:nvSpPr>
+        <p:spPr>
+          <a:xfrm>
+            <a:off x="347240" y="113388"/>
+            <a:ext cx="10861534" cy="1015663"/>
+          </a:xfrm>
+          <a:prstGeom prst="rect">
+            <a:avLst/>
+          </a:prstGeom>
+          <a:noFill/>
+        </p:spPr>
+        <p:txBody>
+          <a:bodyPr wrap="square" rtlCol="0">
+            <a:spAutoFit/>
+          </a:bodyPr>
+          <a:lstStyle/>
+          <a:p>
+            <a:r>
+              <a:rPr lang="en-US" sz="6000" dirty="0">
+                <a:latin typeface="Aliens &amp; cows" panose="00000500000000000000" pitchFamily="2" charset="0"/>
+              </a:rPr>
+              <a:t>Take-home activity</a:t>
+            </a:r>
+          </a:p>
+        </p:txBody>
+      </p:sp>
+      <p:sp>
+        <p:nvSpPr>
+          <p:cNvPr id="4" name="TextBox 3">
+            <a:extLst>
+              <a:ext uri="{FF2B5EF4-FFF2-40B4-BE49-F238E27FC236}">
+                <a16:creationId xmlns:a16="http://schemas.microsoft.com/office/drawing/2014/main" id="{5A4F6C64-3E8D-4255-95B8-CF64265213DA}"/>
+              </a:ext>
+            </a:extLst>
+          </p:cNvPr>
+          <p:cNvSpPr txBox="1"/>
+          <p:nvPr/>
+        </p:nvSpPr>
+        <p:spPr>
+          <a:xfrm>
+            <a:off x="347240" y="1479233"/>
+            <a:ext cx="11318287" cy="4832092"/>
+          </a:xfrm>
+          <a:prstGeom prst="rect">
+            <a:avLst/>
+          </a:prstGeom>
+          <a:noFill/>
+        </p:spPr>
+        <p:txBody>
+          <a:bodyPr wrap="square" rtlCol="0">
+            <a:spAutoFit/>
+          </a:bodyPr>
+          <a:lstStyle/>
+          <a:p>
+            <a:pPr marL="457200" indent="-457200">
+              <a:buClr>
+                <a:srgbClr val="CF3338"/>
+              </a:buClr>
+              <a:buFont typeface="Arial" panose="020B0604020202020204" pitchFamily="34" charset="0"/>
+              <a:buChar char="•"/>
+            </a:pPr>
+            <a:r>
+              <a:rPr lang="en-US" sz="2800" dirty="0">
+                <a:solidFill>
+                  <a:srgbClr val="707070"/>
+                </a:solidFill>
+                <a:latin typeface="Pragmatica" panose="020B0403040502020204" pitchFamily="34" charset="0"/>
+              </a:rPr>
+              <a:t>Folder: </a:t>
+            </a:r>
+            <a:r>
+              <a:rPr lang="en-US" sz="2800" dirty="0">
+                <a:solidFill>
+                  <a:srgbClr val="707070"/>
+                </a:solidFill>
+                <a:latin typeface="Consolas" panose="020B0609020204030204" pitchFamily="49" charset="0"/>
+              </a:rPr>
+              <a:t>take-home</a:t>
+            </a:r>
+          </a:p>
+          <a:p>
+            <a:pPr marL="457200" indent="-457200">
+              <a:buClr>
+                <a:srgbClr val="CF3338"/>
+              </a:buClr>
+              <a:buFont typeface="Arial" panose="020B0604020202020204" pitchFamily="34" charset="0"/>
+              <a:buChar char="•"/>
+            </a:pPr>
+            <a:r>
+              <a:rPr lang="en-US" sz="2800" dirty="0">
+                <a:solidFill>
+                  <a:srgbClr val="707070"/>
+                </a:solidFill>
+                <a:latin typeface="Pragmatica" panose="020B0403040502020204"/>
+              </a:rPr>
+              <a:t>Dataset: </a:t>
+            </a:r>
+            <a:r>
+              <a:rPr lang="en-US" sz="2800" dirty="0">
+                <a:solidFill>
+                  <a:srgbClr val="707070"/>
+                </a:solidFill>
+                <a:latin typeface="Consolas" panose="020B0609020204030204" pitchFamily="49" charset="0"/>
+              </a:rPr>
+              <a:t>tips.xlsx… </a:t>
+            </a:r>
+            <a:r>
+              <a:rPr lang="en-US" sz="2800" dirty="0">
+                <a:solidFill>
+                  <a:srgbClr val="707070"/>
+                </a:solidFill>
+                <a:latin typeface="Pragmatica" panose="020B0403040502020204"/>
+              </a:rPr>
+              <a:t>load and print summary statistics, then…</a:t>
+            </a:r>
+          </a:p>
+          <a:p>
+            <a:pPr marL="457200" indent="-457200">
+              <a:buClr>
+                <a:srgbClr val="CF3338"/>
+              </a:buClr>
+              <a:buFont typeface="Arial" panose="020B0604020202020204" pitchFamily="34" charset="0"/>
+              <a:buChar char="•"/>
+            </a:pPr>
+            <a:endParaRPr lang="en-US" sz="2800" dirty="0">
+              <a:solidFill>
+                <a:srgbClr val="707070"/>
+              </a:solidFill>
+              <a:latin typeface="Consolas" panose="020B0609020204030204" pitchFamily="49" charset="0"/>
+            </a:endParaRPr>
+          </a:p>
+          <a:p>
+            <a:pPr marL="457200" indent="-457200">
+              <a:buClr>
+                <a:srgbClr val="CF3338"/>
+              </a:buClr>
+              <a:buFont typeface="Arial" panose="020B0604020202020204" pitchFamily="34" charset="0"/>
+              <a:buChar char="•"/>
+            </a:pPr>
+            <a:endParaRPr lang="en-US" sz="2800" dirty="0">
+              <a:solidFill>
+                <a:srgbClr val="707070"/>
+              </a:solidFill>
+              <a:latin typeface="Consolas" panose="020B0609020204030204" pitchFamily="49" charset="0"/>
+            </a:endParaRPr>
+          </a:p>
+          <a:p>
+            <a:pPr marL="457200" indent="-457200">
+              <a:buClr>
+                <a:srgbClr val="CF3338"/>
+              </a:buClr>
+              <a:buFont typeface="Arial" panose="020B0604020202020204" pitchFamily="34" charset="0"/>
+              <a:buChar char="•"/>
+            </a:pPr>
+            <a:endParaRPr lang="en-US" sz="2800" dirty="0">
+              <a:solidFill>
+                <a:srgbClr val="707070"/>
+              </a:solidFill>
+              <a:latin typeface="Consolas" panose="020B0609020204030204" pitchFamily="49" charset="0"/>
+            </a:endParaRPr>
+          </a:p>
+          <a:p>
+            <a:pPr marL="457200" indent="-457200">
+              <a:buClr>
+                <a:srgbClr val="CF3338"/>
+              </a:buClr>
+              <a:buFont typeface="Arial" panose="020B0604020202020204" pitchFamily="34" charset="0"/>
+              <a:buChar char="•"/>
+            </a:pPr>
+            <a:endParaRPr lang="en-US" sz="2800" dirty="0">
+              <a:solidFill>
+                <a:srgbClr val="707070"/>
+              </a:solidFill>
+              <a:latin typeface="Consolas" panose="020B0609020204030204" pitchFamily="49" charset="0"/>
+            </a:endParaRPr>
+          </a:p>
+          <a:p>
+            <a:pPr marL="457200" indent="-457200">
+              <a:buClr>
+                <a:srgbClr val="CF3338"/>
+              </a:buClr>
+              <a:buFont typeface="Arial" panose="020B0604020202020204" pitchFamily="34" charset="0"/>
+              <a:buChar char="•"/>
+            </a:pPr>
+            <a:endParaRPr lang="en-US" sz="2800" dirty="0">
+              <a:solidFill>
+                <a:srgbClr val="707070"/>
+              </a:solidFill>
+              <a:latin typeface="Consolas" panose="020B0609020204030204" pitchFamily="49" charset="0"/>
+            </a:endParaRPr>
+          </a:p>
+          <a:p>
+            <a:pPr marL="457200" indent="-457200">
+              <a:buClr>
+                <a:srgbClr val="CF3338"/>
+              </a:buClr>
+              <a:buFont typeface="Arial" panose="020B0604020202020204" pitchFamily="34" charset="0"/>
+              <a:buChar char="•"/>
+            </a:pPr>
+            <a:endParaRPr lang="en-US" sz="2800" dirty="0">
+              <a:solidFill>
+                <a:srgbClr val="707070"/>
+              </a:solidFill>
+              <a:latin typeface="Consolas" panose="020B0609020204030204" pitchFamily="49" charset="0"/>
+            </a:endParaRPr>
+          </a:p>
+          <a:p>
+            <a:pPr marL="457200" indent="-457200">
+              <a:buClr>
+                <a:srgbClr val="CF3338"/>
+              </a:buClr>
+              <a:buFont typeface="Arial" panose="020B0604020202020204" pitchFamily="34" charset="0"/>
+              <a:buChar char="•"/>
+            </a:pPr>
+            <a:endParaRPr lang="en-US" sz="2800" dirty="0">
+              <a:solidFill>
+                <a:srgbClr val="707070"/>
+              </a:solidFill>
+              <a:latin typeface="Consolas" panose="020B0609020204030204" pitchFamily="49" charset="0"/>
+            </a:endParaRPr>
+          </a:p>
+          <a:p>
+            <a:pPr>
+              <a:buClr>
+                <a:srgbClr val="CF3338"/>
+              </a:buClr>
+            </a:pPr>
+            <a:endParaRPr lang="en-US" sz="2800" dirty="0">
+              <a:solidFill>
+                <a:srgbClr val="707070"/>
+              </a:solidFill>
+              <a:latin typeface="Consolas" panose="020B0609020204030204" pitchFamily="49" charset="0"/>
+            </a:endParaRPr>
+          </a:p>
+          <a:p>
+            <a:pPr marL="457200" indent="-457200">
+              <a:buClr>
+                <a:srgbClr val="CF3338"/>
+              </a:buClr>
+              <a:buFont typeface="Arial" panose="020B0604020202020204" pitchFamily="34" charset="0"/>
+              <a:buChar char="•"/>
+            </a:pPr>
+            <a:r>
+              <a:rPr lang="en-US" sz="2800" b="1" dirty="0">
+                <a:solidFill>
+                  <a:srgbClr val="707070"/>
+                </a:solidFill>
+                <a:latin typeface="Pragmatica" panose="020B0403040502020204"/>
+              </a:rPr>
+              <a:t>Notes &amp; solutions included</a:t>
+            </a:r>
+          </a:p>
+        </p:txBody>
+      </p:sp>
+      <p:sp>
+        <p:nvSpPr>
+          <p:cNvPr id="6" name="TextBox 5">
+            <a:extLst>
+              <a:ext uri="{FF2B5EF4-FFF2-40B4-BE49-F238E27FC236}">
+                <a16:creationId xmlns:a16="http://schemas.microsoft.com/office/drawing/2014/main" id="{BAC08A4C-309F-46C0-A426-1504D021630A}"/>
+              </a:ext>
+            </a:extLst>
+          </p:cNvPr>
+          <p:cNvSpPr txBox="1"/>
+          <p:nvPr/>
+        </p:nvSpPr>
+        <p:spPr>
+          <a:xfrm>
+            <a:off x="780942" y="2889223"/>
+            <a:ext cx="5679887" cy="2677656"/>
+          </a:xfrm>
+          <a:prstGeom prst="rect">
+            <a:avLst/>
+          </a:prstGeom>
+          <a:noFill/>
+        </p:spPr>
+        <p:txBody>
+          <a:bodyPr wrap="square" rtlCol="0">
+            <a:spAutoFit/>
+          </a:bodyPr>
+          <a:lstStyle/>
+          <a:p>
+            <a:pPr>
+              <a:buClr>
+                <a:srgbClr val="CF3338"/>
+              </a:buClr>
+            </a:pPr>
+            <a:r>
+              <a:rPr lang="en-US" sz="2800" b="1" dirty="0">
+                <a:solidFill>
+                  <a:srgbClr val="707070"/>
+                </a:solidFill>
+                <a:latin typeface="Pragmatica" panose="020B0403040502020204" pitchFamily="34" charset="0"/>
+              </a:rPr>
+              <a:t>R: </a:t>
+            </a:r>
+          </a:p>
+          <a:p>
+            <a:pPr>
+              <a:buClr>
+                <a:srgbClr val="CF3338"/>
+              </a:buClr>
+            </a:pPr>
+            <a:endParaRPr lang="en-US" sz="2800" b="1" dirty="0">
+              <a:solidFill>
+                <a:srgbClr val="707070"/>
+              </a:solidFill>
+              <a:latin typeface="Pragmatica" panose="020B0403040502020204" pitchFamily="34" charset="0"/>
+            </a:endParaRPr>
+          </a:p>
+          <a:p>
+            <a:pPr marL="457200" indent="-457200">
+              <a:buClr>
+                <a:srgbClr val="CF3338"/>
+              </a:buClr>
+              <a:buFont typeface="Arial" panose="020B0604020202020204" pitchFamily="34" charset="0"/>
+              <a:buChar char="•"/>
+            </a:pPr>
+            <a:r>
+              <a:rPr lang="en-US" sz="2800" dirty="0">
+                <a:solidFill>
+                  <a:srgbClr val="707070"/>
+                </a:solidFill>
+                <a:latin typeface="Pragmatica" panose="020B0403040502020204" pitchFamily="34" charset="0"/>
+              </a:rPr>
+              <a:t>File &gt; New File &gt; R Script</a:t>
+            </a:r>
+          </a:p>
+          <a:p>
+            <a:pPr marL="457200" indent="-457200">
+              <a:buClr>
+                <a:srgbClr val="CF3338"/>
+              </a:buClr>
+              <a:buFont typeface="Arial" panose="020B0604020202020204" pitchFamily="34" charset="0"/>
+              <a:buChar char="•"/>
+            </a:pPr>
+            <a:r>
+              <a:rPr lang="en-US" sz="2800" dirty="0">
+                <a:solidFill>
+                  <a:srgbClr val="707070"/>
+                </a:solidFill>
+                <a:latin typeface="Pragmatica" panose="020B0403040502020204" pitchFamily="34" charset="0"/>
+              </a:rPr>
+              <a:t>Place code to run summary statistics in script</a:t>
+            </a:r>
+          </a:p>
+          <a:p>
+            <a:pPr marL="457200" indent="-457200">
+              <a:buClr>
+                <a:srgbClr val="CF3338"/>
+              </a:buClr>
+              <a:buFont typeface="Arial" panose="020B0604020202020204" pitchFamily="34" charset="0"/>
+              <a:buChar char="•"/>
+            </a:pPr>
+            <a:r>
+              <a:rPr lang="en-US" sz="2800" dirty="0">
+                <a:solidFill>
+                  <a:srgbClr val="707070"/>
+                </a:solidFill>
+                <a:latin typeface="Pragmatica" panose="020B0403040502020204" pitchFamily="34" charset="0"/>
+              </a:rPr>
+              <a:t>Run code &amp; save</a:t>
+            </a:r>
+            <a:endParaRPr lang="en-US" sz="2800" dirty="0">
+              <a:solidFill>
+                <a:srgbClr val="707070"/>
+              </a:solidFill>
+              <a:latin typeface="Consolas" panose="020B0609020204030204" pitchFamily="49" charset="0"/>
+            </a:endParaRPr>
+          </a:p>
+        </p:txBody>
+      </p:sp>
+      <p:sp>
+        <p:nvSpPr>
+          <p:cNvPr id="7" name="TextBox 6">
+            <a:extLst>
+              <a:ext uri="{FF2B5EF4-FFF2-40B4-BE49-F238E27FC236}">
+                <a16:creationId xmlns:a16="http://schemas.microsoft.com/office/drawing/2014/main" id="{78C4E1D0-2D28-4208-AF52-49EEB84C3FC5}"/>
+              </a:ext>
+            </a:extLst>
+          </p:cNvPr>
+          <p:cNvSpPr txBox="1"/>
+          <p:nvPr/>
+        </p:nvSpPr>
+        <p:spPr>
+          <a:xfrm>
+            <a:off x="6387614" y="2897683"/>
+            <a:ext cx="5679887" cy="3539430"/>
+          </a:xfrm>
+          <a:prstGeom prst="rect">
+            <a:avLst/>
+          </a:prstGeom>
+          <a:noFill/>
+        </p:spPr>
+        <p:txBody>
+          <a:bodyPr wrap="square" rtlCol="0">
+            <a:spAutoFit/>
+          </a:bodyPr>
+          <a:lstStyle/>
+          <a:p>
+            <a:pPr>
+              <a:buClr>
+                <a:srgbClr val="CF3338"/>
+              </a:buClr>
+            </a:pPr>
+            <a:r>
+              <a:rPr lang="en-US" sz="2800" b="1" dirty="0">
+                <a:solidFill>
+                  <a:srgbClr val="707070"/>
+                </a:solidFill>
+                <a:latin typeface="Pragmatica" panose="020B0403040502020204" pitchFamily="34" charset="0"/>
+              </a:rPr>
+              <a:t>Python: </a:t>
+            </a:r>
+          </a:p>
+          <a:p>
+            <a:pPr>
+              <a:buClr>
+                <a:srgbClr val="CF3338"/>
+              </a:buClr>
+            </a:pPr>
+            <a:endParaRPr lang="en-US" sz="2800" b="1" dirty="0">
+              <a:solidFill>
+                <a:srgbClr val="707070"/>
+              </a:solidFill>
+              <a:latin typeface="Pragmatica" panose="020B0403040502020204" pitchFamily="34" charset="0"/>
+            </a:endParaRPr>
+          </a:p>
+          <a:p>
+            <a:pPr marL="457200" indent="-457200">
+              <a:buClr>
+                <a:srgbClr val="CF3338"/>
+              </a:buClr>
+              <a:buFont typeface="Arial" panose="020B0604020202020204" pitchFamily="34" charset="0"/>
+              <a:buChar char="•"/>
+            </a:pPr>
+            <a:r>
+              <a:rPr lang="en-US" sz="2800" dirty="0">
+                <a:solidFill>
+                  <a:srgbClr val="707070"/>
+                </a:solidFill>
+                <a:latin typeface="Pragmatica" panose="020B0403040502020204"/>
+              </a:rPr>
+              <a:t>Print the first few rows with the </a:t>
+            </a:r>
+            <a:r>
+              <a:rPr lang="en-US" sz="2800" dirty="0">
+                <a:solidFill>
+                  <a:srgbClr val="707070"/>
+                </a:solidFill>
+                <a:latin typeface="Consolas" panose="020B0609020204030204" pitchFamily="49" charset="0"/>
+              </a:rPr>
+              <a:t>head()</a:t>
+            </a:r>
+            <a:r>
+              <a:rPr lang="en-US" sz="2800" dirty="0">
+                <a:solidFill>
+                  <a:srgbClr val="707070"/>
+                </a:solidFill>
+                <a:latin typeface="Pragmatica" panose="020B0403040502020204"/>
+              </a:rPr>
+              <a:t> method (works the same as </a:t>
+            </a:r>
+            <a:r>
+              <a:rPr lang="en-US" sz="2800" dirty="0">
+                <a:solidFill>
+                  <a:srgbClr val="707070"/>
+                </a:solidFill>
+                <a:latin typeface="Consolas" panose="020B0609020204030204" pitchFamily="49" charset="0"/>
+              </a:rPr>
+              <a:t>describe()</a:t>
+            </a:r>
+            <a:r>
+              <a:rPr lang="en-US" sz="2800" dirty="0">
+                <a:solidFill>
+                  <a:srgbClr val="707070"/>
+                </a:solidFill>
+                <a:latin typeface="Pragmatica" panose="020B0403040502020204"/>
+              </a:rPr>
+              <a:t>)</a:t>
+            </a:r>
+          </a:p>
+          <a:p>
+            <a:pPr marL="457200" indent="-457200">
+              <a:buClr>
+                <a:srgbClr val="CF3338"/>
+              </a:buClr>
+              <a:buFont typeface="Arial" panose="020B0604020202020204" pitchFamily="34" charset="0"/>
+              <a:buChar char="•"/>
+            </a:pPr>
+            <a:r>
+              <a:rPr lang="en-US" sz="2800" dirty="0">
+                <a:solidFill>
+                  <a:srgbClr val="707070"/>
+                </a:solidFill>
+                <a:latin typeface="Pragmatica" panose="020B0403040502020204"/>
+              </a:rPr>
+              <a:t>Give the notebook a name (click and write over </a:t>
+            </a:r>
+            <a:r>
+              <a:rPr lang="en-US" sz="2800" i="1" dirty="0">
+                <a:solidFill>
+                  <a:srgbClr val="707070"/>
+                </a:solidFill>
+                <a:latin typeface="Pragmatica" panose="020B0403040502020204"/>
+              </a:rPr>
+              <a:t>Untitled</a:t>
+            </a:r>
+            <a:r>
+              <a:rPr lang="en-US" sz="2800" dirty="0">
+                <a:solidFill>
+                  <a:srgbClr val="707070"/>
+                </a:solidFill>
+                <a:latin typeface="Pragmatica" panose="020B0403040502020204"/>
+              </a:rPr>
+              <a:t>)</a:t>
+            </a:r>
+          </a:p>
+        </p:txBody>
+      </p:sp>
+      <p:pic>
+        <p:nvPicPr>
+          <p:cNvPr id="3" name="Picture 2">
+            <a:extLst>
+              <a:ext uri="{FF2B5EF4-FFF2-40B4-BE49-F238E27FC236}">
+                <a16:creationId xmlns:a16="http://schemas.microsoft.com/office/drawing/2014/main" id="{9BDD9B39-F45B-4AC7-AF2D-F769368112BC}"/>
+              </a:ext>
+            </a:extLst>
+          </p:cNvPr>
+          <p:cNvPicPr>
+            <a:picLocks noChangeAspect="1"/>
+          </p:cNvPicPr>
+          <p:nvPr/>
+        </p:nvPicPr>
+        <p:blipFill>
+          <a:blip r:embed="rId4"/>
+          <a:stretch>
+            <a:fillRect/>
+          </a:stretch>
+        </p:blipFill>
+        <p:spPr>
+          <a:xfrm>
+            <a:off x="4092064" y="5115676"/>
+            <a:ext cx="1441228" cy="635573"/>
+          </a:xfrm>
+          <a:prstGeom prst="rect">
+            <a:avLst/>
+          </a:prstGeom>
+        </p:spPr>
+      </p:pic>
+    </p:spTree>
+    <p:extLst>
+      <p:ext uri="{BB962C8B-B14F-4D97-AF65-F5344CB8AC3E}">
+        <p14:creationId xmlns:p14="http://schemas.microsoft.com/office/powerpoint/2010/main" val="3327978876"/>
+      </p:ext>
+    </p:extLst>
+  </p:cSld>
+  <p:clrMapOvr>
+    <a:masterClrMapping/>
+  </p:clrMapOvr>
+</p:sld>
+</file>
+
+<file path=ppt/slides/slide12.xml><?xml version="1.0" encoding="utf-8"?>
+<p:sld xmlns:a="http://schemas.openxmlformats.org/drawingml/2006/main" xmlns:r="http://schemas.openxmlformats.org/officeDocument/2006/relationships" xmlns:p="http://schemas.openxmlformats.org/presentationml/2006/main">
+  <p:cSld>
+    <p:spTree>
+      <p:nvGrpSpPr>
+        <p:cNvPr id="1" name=""/>
+        <p:cNvGrpSpPr/>
+        <p:nvPr/>
+      </p:nvGrpSpPr>
+      <p:grpSpPr>
+        <a:xfrm>
+          <a:off x="0" y="0"/>
+          <a:ext cx="0" cy="0"/>
+          <a:chOff x="0" y="0"/>
+          <a:chExt cx="0" cy="0"/>
+        </a:xfrm>
+      </p:grpSpPr>
+      <p:pic>
+        <p:nvPicPr>
+          <p:cNvPr id="10" name="Picture 9"/>
+          <p:cNvPicPr>
+            <a:picLocks noChangeAspect="1"/>
+          </p:cNvPicPr>
+          <p:nvPr/>
+        </p:nvPicPr>
+        <p:blipFill rotWithShape="1">
+          <a:blip r:embed="rId3">
+            <a:extLst>
+              <a:ext uri="{28A0092B-C50C-407E-A947-70E740481C1C}">
+                <a14:useLocalDpi xmlns:a14="http://schemas.microsoft.com/office/drawing/2010/main" val="0"/>
+              </a:ext>
+            </a:extLst>
+          </a:blip>
+          <a:srcRect l="50728" t="56371"/>
+          <a:stretch/>
+        </p:blipFill>
+        <p:spPr>
+          <a:xfrm>
+            <a:off x="10894024" y="5370653"/>
+            <a:ext cx="1297975" cy="1487348"/>
+          </a:xfrm>
+          <a:prstGeom prst="rect">
+            <a:avLst/>
+          </a:prstGeom>
+        </p:spPr>
+      </p:pic>
+      <p:sp>
+        <p:nvSpPr>
+          <p:cNvPr id="11" name="TextBox 10"/>
+          <p:cNvSpPr txBox="1"/>
+          <p:nvPr/>
+        </p:nvSpPr>
+        <p:spPr>
+          <a:xfrm>
+            <a:off x="347240" y="113388"/>
+            <a:ext cx="10861534" cy="1015663"/>
+          </a:xfrm>
+          <a:prstGeom prst="rect">
+            <a:avLst/>
+          </a:prstGeom>
+          <a:noFill/>
+        </p:spPr>
+        <p:txBody>
+          <a:bodyPr wrap="square" rtlCol="0">
+            <a:spAutoFit/>
+          </a:bodyPr>
+          <a:lstStyle/>
+          <a:p>
+            <a:r>
+              <a:rPr lang="en-US" sz="6000" dirty="0">
+                <a:latin typeface="Aliens &amp; cows" panose="00000500000000000000" pitchFamily="2" charset="0"/>
+              </a:rPr>
+              <a:t>Want more? </a:t>
+            </a:r>
+          </a:p>
+        </p:txBody>
+      </p:sp>
+      <p:sp>
+        <p:nvSpPr>
+          <p:cNvPr id="4" name="TextBox 3">
+            <a:extLst>
+              <a:ext uri="{FF2B5EF4-FFF2-40B4-BE49-F238E27FC236}">
+                <a16:creationId xmlns:a16="http://schemas.microsoft.com/office/drawing/2014/main" id="{5A4F6C64-3E8D-4255-95B8-CF64265213DA}"/>
+              </a:ext>
+            </a:extLst>
+          </p:cNvPr>
+          <p:cNvSpPr txBox="1"/>
+          <p:nvPr/>
+        </p:nvSpPr>
+        <p:spPr>
+          <a:xfrm>
+            <a:off x="347240" y="1465093"/>
+            <a:ext cx="9688858" cy="954107"/>
+          </a:xfrm>
+          <a:prstGeom prst="rect">
+            <a:avLst/>
+          </a:prstGeom>
+          <a:noFill/>
+        </p:spPr>
+        <p:txBody>
+          <a:bodyPr wrap="square" rtlCol="0">
+            <a:spAutoFit/>
+          </a:bodyPr>
+          <a:lstStyle/>
+          <a:p>
+            <a:pPr marL="457200" indent="-457200">
+              <a:buClr>
+                <a:srgbClr val="CF3338"/>
+              </a:buClr>
+              <a:buFont typeface="Arial" panose="020B0604020202020204" pitchFamily="34" charset="0"/>
+              <a:buChar char="•"/>
+            </a:pPr>
+            <a:r>
+              <a:rPr lang="en-US" sz="2800" dirty="0">
+                <a:solidFill>
+                  <a:srgbClr val="707070"/>
+                </a:solidFill>
+                <a:latin typeface="Pragmatica" panose="020B0403040502020204" pitchFamily="34" charset="0"/>
+              </a:rPr>
+              <a:t>Sign up for course waiting list: </a:t>
+            </a:r>
+            <a:r>
+              <a:rPr lang="en-US" sz="2800" b="1" dirty="0">
+                <a:solidFill>
+                  <a:srgbClr val="707070"/>
+                </a:solidFill>
+                <a:latin typeface="Pragmatica" panose="020B0403040502020204" pitchFamily="34" charset="0"/>
+                <a:hlinkClick r:id="rId4"/>
+              </a:rPr>
+              <a:t>https://stringfestanalytics.com/aina-waiting</a:t>
+            </a:r>
+            <a:r>
+              <a:rPr lang="en-US" sz="2800" dirty="0">
+                <a:solidFill>
+                  <a:srgbClr val="707070"/>
+                </a:solidFill>
+                <a:latin typeface="Pragmatica" panose="020B0403040502020204" pitchFamily="34" charset="0"/>
+                <a:hlinkClick r:id="rId4"/>
+              </a:rPr>
+              <a:t>/</a:t>
+            </a:r>
+            <a:r>
+              <a:rPr lang="en-US" sz="2800" dirty="0">
+                <a:solidFill>
+                  <a:srgbClr val="707070"/>
+                </a:solidFill>
+                <a:latin typeface="Pragmatica" panose="020B0403040502020204" pitchFamily="34" charset="0"/>
+              </a:rPr>
+              <a:t>    </a:t>
+            </a:r>
+          </a:p>
+        </p:txBody>
+      </p:sp>
+      <p:pic>
+        <p:nvPicPr>
+          <p:cNvPr id="3" name="Picture 2" descr="A bird standing on a white surface&#10;&#10;Description automatically generated with low confidence">
+            <a:hlinkClick r:id="rId4"/>
+            <a:extLst>
+              <a:ext uri="{FF2B5EF4-FFF2-40B4-BE49-F238E27FC236}">
+                <a16:creationId xmlns:a16="http://schemas.microsoft.com/office/drawing/2014/main" id="{2BD72895-0339-43FE-8F98-905E02F0E9E7}"/>
+              </a:ext>
+            </a:extLst>
+          </p:cNvPr>
+          <p:cNvPicPr>
+            <a:picLocks noChangeAspect="1"/>
+          </p:cNvPicPr>
+          <p:nvPr/>
+        </p:nvPicPr>
+        <p:blipFill>
+          <a:blip r:embed="rId5">
+            <a:extLst>
+              <a:ext uri="{28A0092B-C50C-407E-A947-70E740481C1C}">
+                <a14:useLocalDpi xmlns:a14="http://schemas.microsoft.com/office/drawing/2010/main" val="0"/>
+              </a:ext>
+            </a:extLst>
+          </a:blip>
+          <a:stretch>
+            <a:fillRect/>
+          </a:stretch>
+        </p:blipFill>
+        <p:spPr>
+          <a:xfrm>
+            <a:off x="2095512" y="2491739"/>
+            <a:ext cx="7364990" cy="4142807"/>
+          </a:xfrm>
+          <a:prstGeom prst="rect">
+            <a:avLst/>
+          </a:prstGeom>
+        </p:spPr>
+      </p:pic>
+    </p:spTree>
+    <p:extLst>
+      <p:ext uri="{BB962C8B-B14F-4D97-AF65-F5344CB8AC3E}">
+        <p14:creationId xmlns:p14="http://schemas.microsoft.com/office/powerpoint/2010/main" val="1574051232"/>
+      </p:ext>
+    </p:extLst>
+  </p:cSld>
+  <p:clrMapOvr>
+    <a:masterClrMapping/>
+  </p:clrMapOvr>
+</p:sld>
+</file>
+
+<file path=ppt/slides/slide13.xml><?xml version="1.0" encoding="utf-8"?>
+<p:sld xmlns:a="http://schemas.openxmlformats.org/drawingml/2006/main" xmlns:r="http://schemas.openxmlformats.org/officeDocument/2006/relationships" xmlns:p="http://schemas.openxmlformats.org/presentationml/2006/main">
+  <p:cSld>
+    <p:spTree>
+      <p:nvGrpSpPr>
+        <p:cNvPr id="1" name=""/>
+        <p:cNvGrpSpPr/>
+        <p:nvPr/>
+      </p:nvGrpSpPr>
+      <p:grpSpPr>
+        <a:xfrm>
+          <a:off x="0" y="0"/>
+          <a:ext cx="0" cy="0"/>
+          <a:chOff x="0" y="0"/>
+          <a:chExt cx="0" cy="0"/>
+        </a:xfrm>
+      </p:grpSpPr>
+      <p:pic>
+        <p:nvPicPr>
+          <p:cNvPr id="10" name="Picture 9"/>
+          <p:cNvPicPr>
+            <a:picLocks noChangeAspect="1"/>
+          </p:cNvPicPr>
+          <p:nvPr/>
+        </p:nvPicPr>
+        <p:blipFill rotWithShape="1">
+          <a:blip r:embed="rId2">
+            <a:extLst>
+              <a:ext uri="{28A0092B-C50C-407E-A947-70E740481C1C}">
+                <a14:useLocalDpi xmlns:a14="http://schemas.microsoft.com/office/drawing/2010/main" val="0"/>
+              </a:ext>
+            </a:extLst>
+          </a:blip>
+          <a:srcRect l="50728" t="56371"/>
+          <a:stretch/>
+        </p:blipFill>
+        <p:spPr>
+          <a:xfrm>
+            <a:off x="8136460" y="2210765"/>
+            <a:ext cx="4055539" cy="4647236"/>
+          </a:xfrm>
+          <a:prstGeom prst="rect">
+            <a:avLst/>
+          </a:prstGeom>
+        </p:spPr>
+      </p:pic>
+      <p:pic>
+        <p:nvPicPr>
+          <p:cNvPr id="4" name="Picture 3"/>
+          <p:cNvPicPr>
+            <a:picLocks noChangeAspect="1"/>
+          </p:cNvPicPr>
+          <p:nvPr/>
+        </p:nvPicPr>
+        <p:blipFill>
+          <a:blip r:embed="rId3">
+            <a:extLst>
+              <a:ext uri="{28A0092B-C50C-407E-A947-70E740481C1C}">
+                <a14:useLocalDpi xmlns:a14="http://schemas.microsoft.com/office/drawing/2010/main" val="0"/>
+              </a:ext>
+            </a:extLst>
+          </a:blip>
+          <a:stretch>
+            <a:fillRect/>
+          </a:stretch>
+        </p:blipFill>
+        <p:spPr>
+          <a:xfrm>
+            <a:off x="-538496" y="-2482770"/>
+            <a:ext cx="10171472" cy="7459883"/>
+          </a:xfrm>
+          <a:prstGeom prst="rect">
+            <a:avLst/>
+          </a:prstGeom>
+        </p:spPr>
+      </p:pic>
+      <p:sp>
+        <p:nvSpPr>
+          <p:cNvPr id="11" name="TextBox 10"/>
+          <p:cNvSpPr txBox="1"/>
+          <p:nvPr/>
+        </p:nvSpPr>
+        <p:spPr>
+          <a:xfrm>
+            <a:off x="324091" y="1687545"/>
+            <a:ext cx="7986531" cy="1384995"/>
+          </a:xfrm>
+          <a:prstGeom prst="rect">
+            <a:avLst/>
+          </a:prstGeom>
+          <a:noFill/>
+        </p:spPr>
+        <p:txBody>
+          <a:bodyPr wrap="square" rtlCol="0">
+            <a:spAutoFit/>
+          </a:bodyPr>
+          <a:lstStyle/>
+          <a:p>
+            <a:r>
+              <a:rPr lang="en-US" sz="2800" b="1" dirty="0">
+                <a:solidFill>
+                  <a:srgbClr val="707070"/>
+                </a:solidFill>
+                <a:latin typeface="Pragmatica" panose="020B0403040502020204" pitchFamily="34" charset="0"/>
+              </a:rPr>
+              <a:t>Event survey: </a:t>
+            </a:r>
+            <a:r>
+              <a:rPr lang="en-US" sz="2800" b="1" dirty="0">
+                <a:solidFill>
+                  <a:srgbClr val="707070"/>
+                </a:solidFill>
+                <a:latin typeface="Pragmatica" panose="020B0403040502020204" pitchFamily="34" charset="0"/>
+                <a:hlinkClick r:id="rId4"/>
+              </a:rPr>
+              <a:t>https://forms.office.com/r/0ZnD0LxpZy</a:t>
+            </a:r>
+            <a:endParaRPr lang="en-US" sz="2800" b="1" dirty="0">
+              <a:solidFill>
+                <a:srgbClr val="707070"/>
+              </a:solidFill>
+              <a:latin typeface="Pragmatica" panose="020B0403040502020204" pitchFamily="34" charset="0"/>
+            </a:endParaRPr>
+          </a:p>
+          <a:p>
+            <a:endParaRPr lang="en-US" sz="2800" b="1" dirty="0">
+              <a:solidFill>
+                <a:srgbClr val="707070"/>
+              </a:solidFill>
+              <a:latin typeface="Pragmatica" panose="020B0403040502020204" pitchFamily="34" charset="0"/>
+            </a:endParaRPr>
+          </a:p>
+        </p:txBody>
+      </p:sp>
+    </p:spTree>
+    <p:extLst>
+      <p:ext uri="{BB962C8B-B14F-4D97-AF65-F5344CB8AC3E}">
+        <p14:creationId xmlns:p14="http://schemas.microsoft.com/office/powerpoint/2010/main" val="2312071835"/>
+      </p:ext>
+    </p:extLst>
+  </p:cSld>
+  <p:clrMapOvr>
+    <a:masterClrMapping/>
+  </p:clrMapOvr>
+</p:sld>
+</file>
+
+<file path=ppt/slides/slide14.xml><?xml version="1.0" encoding="utf-8"?>
+<p:sld xmlns:a="http://schemas.openxmlformats.org/drawingml/2006/main" xmlns:r="http://schemas.openxmlformats.org/officeDocument/2006/relationships" xmlns:p="http://schemas.openxmlformats.org/presentationml/2006/main">
+  <p:cSld>
+    <p:spTree>
+      <p:nvGrpSpPr>
+        <p:cNvPr id="1" name=""/>
+        <p:cNvGrpSpPr/>
+        <p:nvPr/>
+      </p:nvGrpSpPr>
+      <p:grpSpPr>
+        <a:xfrm>
+          <a:off x="0" y="0"/>
+          <a:ext cx="0" cy="0"/>
+          <a:chOff x="0" y="0"/>
+          <a:chExt cx="0" cy="0"/>
+        </a:xfrm>
+      </p:grpSpPr>
+      <p:pic>
+        <p:nvPicPr>
+          <p:cNvPr id="10" name="Picture 9"/>
+          <p:cNvPicPr>
+            <a:picLocks noChangeAspect="1"/>
+          </p:cNvPicPr>
+          <p:nvPr/>
+        </p:nvPicPr>
+        <p:blipFill rotWithShape="1">
+          <a:blip r:embed="rId2">
+            <a:extLst>
+              <a:ext uri="{28A0092B-C50C-407E-A947-70E740481C1C}">
+                <a14:useLocalDpi xmlns:a14="http://schemas.microsoft.com/office/drawing/2010/main" val="0"/>
+              </a:ext>
+            </a:extLst>
+          </a:blip>
+          <a:srcRect l="50728" t="56371"/>
+          <a:stretch/>
+        </p:blipFill>
+        <p:spPr>
+          <a:xfrm>
+            <a:off x="8136460" y="2210765"/>
+            <a:ext cx="4055539" cy="4647236"/>
+          </a:xfrm>
+          <a:prstGeom prst="rect">
+            <a:avLst/>
+          </a:prstGeom>
+        </p:spPr>
+      </p:pic>
+      <p:pic>
+        <p:nvPicPr>
+          <p:cNvPr id="4" name="Picture 3"/>
+          <p:cNvPicPr>
+            <a:picLocks noChangeAspect="1"/>
+          </p:cNvPicPr>
+          <p:nvPr/>
+        </p:nvPicPr>
+        <p:blipFill>
+          <a:blip r:embed="rId3">
+            <a:extLst>
+              <a:ext uri="{28A0092B-C50C-407E-A947-70E740481C1C}">
+                <a14:useLocalDpi xmlns:a14="http://schemas.microsoft.com/office/drawing/2010/main" val="0"/>
+              </a:ext>
+            </a:extLst>
+          </a:blip>
+          <a:stretch>
+            <a:fillRect/>
+          </a:stretch>
+        </p:blipFill>
+        <p:spPr>
+          <a:xfrm>
+            <a:off x="-538496" y="-2482770"/>
+            <a:ext cx="10171472" cy="7459883"/>
+          </a:xfrm>
+          <a:prstGeom prst="rect">
+            <a:avLst/>
+          </a:prstGeom>
+        </p:spPr>
+      </p:pic>
+      <p:sp>
+        <p:nvSpPr>
+          <p:cNvPr id="11" name="TextBox 10"/>
+          <p:cNvSpPr txBox="1"/>
+          <p:nvPr/>
+        </p:nvSpPr>
+        <p:spPr>
+          <a:xfrm>
+            <a:off x="324091" y="1687545"/>
+            <a:ext cx="7986531" cy="1077218"/>
+          </a:xfrm>
+          <a:prstGeom prst="rect">
+            <a:avLst/>
+          </a:prstGeom>
+          <a:noFill/>
+        </p:spPr>
+        <p:txBody>
+          <a:bodyPr wrap="square" rtlCol="0">
+            <a:spAutoFit/>
+          </a:bodyPr>
+          <a:lstStyle/>
+          <a:p>
+            <a:r>
+              <a:rPr lang="en-US" sz="4400" b="1" dirty="0">
+                <a:solidFill>
+                  <a:srgbClr val="707070"/>
+                </a:solidFill>
+                <a:latin typeface="Pragmatica" panose="020B0403040502020204" pitchFamily="34" charset="0"/>
+              </a:rPr>
+              <a:t>Questions?</a:t>
+            </a:r>
+          </a:p>
+          <a:p>
+            <a:endParaRPr lang="en-US" sz="2000" b="1" i="1" dirty="0">
+              <a:solidFill>
+                <a:srgbClr val="707070"/>
+              </a:solidFill>
+              <a:latin typeface="Pragmatica" panose="020B0403040502020204" pitchFamily="34" charset="0"/>
+            </a:endParaRPr>
+          </a:p>
+        </p:txBody>
+      </p:sp>
+    </p:spTree>
+    <p:extLst>
+      <p:ext uri="{BB962C8B-B14F-4D97-AF65-F5344CB8AC3E}">
+        <p14:creationId xmlns:p14="http://schemas.microsoft.com/office/powerpoint/2010/main" val="2792158884"/>
+      </p:ext>
+    </p:extLst>
+  </p:cSld>
+  <p:clrMapOvr>
+    <a:masterClrMapping/>
+  </p:clrMapOvr>
+</p:sld>
+</file>
+
+<file path=ppt/slides/slide15.xml><?xml version="1.0" encoding="utf-8"?>
+<p:sld xmlns:a="http://schemas.openxmlformats.org/drawingml/2006/main" xmlns:r="http://schemas.openxmlformats.org/officeDocument/2006/relationships" xmlns:p="http://schemas.openxmlformats.org/presentationml/2006/main">
+  <p:cSld>
+    <p:spTree>
+      <p:nvGrpSpPr>
+        <p:cNvPr id="1" name=""/>
+        <p:cNvGrpSpPr/>
+        <p:nvPr/>
+      </p:nvGrpSpPr>
+      <p:grpSpPr>
+        <a:xfrm>
+          <a:off x="0" y="0"/>
+          <a:ext cx="0" cy="0"/>
+          <a:chOff x="0" y="0"/>
+          <a:chExt cx="0" cy="0"/>
+        </a:xfrm>
+      </p:grpSpPr>
+      <p:pic>
+        <p:nvPicPr>
+          <p:cNvPr id="10" name="Picture 9"/>
+          <p:cNvPicPr>
+            <a:picLocks noChangeAspect="1"/>
+          </p:cNvPicPr>
+          <p:nvPr/>
+        </p:nvPicPr>
+        <p:blipFill rotWithShape="1">
+          <a:blip r:embed="rId2">
+            <a:extLst>
+              <a:ext uri="{28A0092B-C50C-407E-A947-70E740481C1C}">
+                <a14:useLocalDpi xmlns:a14="http://schemas.microsoft.com/office/drawing/2010/main" val="0"/>
+              </a:ext>
+            </a:extLst>
+          </a:blip>
+          <a:srcRect l="50728" t="56371"/>
+          <a:stretch/>
+        </p:blipFill>
+        <p:spPr>
+          <a:xfrm>
+            <a:off x="8136460" y="2210765"/>
+            <a:ext cx="4055539" cy="4647236"/>
+          </a:xfrm>
+          <a:prstGeom prst="rect">
+            <a:avLst/>
+          </a:prstGeom>
+        </p:spPr>
+      </p:pic>
+      <p:pic>
+        <p:nvPicPr>
+          <p:cNvPr id="4" name="Picture 3"/>
+          <p:cNvPicPr>
+            <a:picLocks noChangeAspect="1"/>
+          </p:cNvPicPr>
+          <p:nvPr/>
+        </p:nvPicPr>
+        <p:blipFill>
+          <a:blip r:embed="rId3">
+            <a:extLst>
+              <a:ext uri="{28A0092B-C50C-407E-A947-70E740481C1C}">
+                <a14:useLocalDpi xmlns:a14="http://schemas.microsoft.com/office/drawing/2010/main" val="0"/>
+              </a:ext>
+            </a:extLst>
+          </a:blip>
+          <a:stretch>
+            <a:fillRect/>
+          </a:stretch>
+        </p:blipFill>
+        <p:spPr>
+          <a:xfrm>
+            <a:off x="-538496" y="-2482770"/>
+            <a:ext cx="10171472" cy="7459883"/>
+          </a:xfrm>
+          <a:prstGeom prst="rect">
+            <a:avLst/>
+          </a:prstGeom>
+        </p:spPr>
+      </p:pic>
+      <p:sp>
+        <p:nvSpPr>
+          <p:cNvPr id="11" name="TextBox 10"/>
+          <p:cNvSpPr txBox="1"/>
+          <p:nvPr/>
+        </p:nvSpPr>
+        <p:spPr>
+          <a:xfrm>
+            <a:off x="324091" y="1687545"/>
+            <a:ext cx="7986531" cy="2369880"/>
+          </a:xfrm>
+          <a:prstGeom prst="rect">
+            <a:avLst/>
+          </a:prstGeom>
+          <a:noFill/>
+        </p:spPr>
+        <p:txBody>
+          <a:bodyPr wrap="square" rtlCol="0">
+            <a:spAutoFit/>
+          </a:bodyPr>
+          <a:lstStyle/>
+          <a:p>
+            <a:r>
+              <a:rPr lang="en-US" sz="3600" b="1" dirty="0">
+                <a:solidFill>
+                  <a:srgbClr val="707070"/>
+                </a:solidFill>
+                <a:latin typeface="Pragmatica" panose="020B0403040502020204" pitchFamily="34" charset="0"/>
+              </a:rPr>
+              <a:t>THANK YOU</a:t>
+            </a:r>
+          </a:p>
+          <a:p>
+            <a:endParaRPr lang="en-US" sz="2800" b="1" dirty="0">
+              <a:solidFill>
+                <a:srgbClr val="707070"/>
+              </a:solidFill>
+              <a:latin typeface="Pragmatica" panose="020B0403040502020204" pitchFamily="34" charset="0"/>
+            </a:endParaRPr>
+          </a:p>
+          <a:p>
+            <a:r>
+              <a:rPr lang="en-US" sz="2800" b="1" dirty="0">
+                <a:solidFill>
+                  <a:srgbClr val="707070"/>
+                </a:solidFill>
+                <a:latin typeface="Pragmatica" panose="020B0403040502020204" pitchFamily="34" charset="0"/>
+                <a:hlinkClick r:id="rId4"/>
+              </a:rPr>
+              <a:t>george@stringfestanalytics.com</a:t>
+            </a:r>
+            <a:endParaRPr lang="en-US" sz="2800" b="1" dirty="0">
+              <a:solidFill>
+                <a:srgbClr val="707070"/>
+              </a:solidFill>
+              <a:latin typeface="Pragmatica" panose="020B0403040502020204" pitchFamily="34" charset="0"/>
+            </a:endParaRPr>
+          </a:p>
+          <a:p>
+            <a:r>
+              <a:rPr lang="en-US" sz="2800" b="1" dirty="0">
+                <a:solidFill>
+                  <a:srgbClr val="707070"/>
+                </a:solidFill>
+                <a:latin typeface="Pragmatica" panose="020B0403040502020204" pitchFamily="34" charset="0"/>
+                <a:hlinkClick r:id="rId5"/>
+              </a:rPr>
+              <a:t>linkedin.com/in/gjmount</a:t>
+            </a:r>
+            <a:endParaRPr lang="en-US" sz="2800" b="1" dirty="0">
+              <a:solidFill>
+                <a:srgbClr val="707070"/>
+              </a:solidFill>
+              <a:latin typeface="Pragmatica" panose="020B0403040502020204" pitchFamily="34" charset="0"/>
+            </a:endParaRPr>
+          </a:p>
+          <a:p>
+            <a:r>
+              <a:rPr lang="en-US" sz="2800" b="1" dirty="0">
+                <a:solidFill>
+                  <a:srgbClr val="707070"/>
+                </a:solidFill>
+                <a:latin typeface="Pragmatica" panose="020B0403040502020204" pitchFamily="34" charset="0"/>
+                <a:hlinkClick r:id="rId6"/>
+              </a:rPr>
+              <a:t>stringfestanalytics.com/contact  </a:t>
+            </a:r>
+            <a:endParaRPr lang="en-US" sz="2800" b="1" dirty="0">
+              <a:solidFill>
+                <a:srgbClr val="707070"/>
+              </a:solidFill>
+              <a:latin typeface="Pragmatica" panose="020B0403040502020204" pitchFamily="34" charset="0"/>
+            </a:endParaRPr>
+          </a:p>
+        </p:txBody>
+      </p:sp>
+    </p:spTree>
+    <p:extLst>
+      <p:ext uri="{BB962C8B-B14F-4D97-AF65-F5344CB8AC3E}">
+        <p14:creationId xmlns:p14="http://schemas.microsoft.com/office/powerpoint/2010/main" val="3712320391"/>
+      </p:ext>
+    </p:extLst>
+  </p:cSld>
+  <p:clrMapOvr>
+    <a:masterClrMapping/>
+  </p:clrMapOvr>
+</p:sld>
+</file>
+
+<file path=ppt/slides/slide2.xml><?xml version="1.0" encoding="utf-8"?>
+<p:sld xmlns:a="http://schemas.openxmlformats.org/drawingml/2006/main" xmlns:r="http://schemas.openxmlformats.org/officeDocument/2006/relationships" xmlns:p="http://schemas.openxmlformats.org/presentationml/2006/main">
+  <p:cSld>
+    <p:spTree>
+      <p:nvGrpSpPr>
+        <p:cNvPr id="1" name=""/>
+        <p:cNvGrpSpPr/>
+        <p:nvPr/>
+      </p:nvGrpSpPr>
+      <p:grpSpPr>
+        <a:xfrm>
+          <a:off x="0" y="0"/>
+          <a:ext cx="0" cy="0"/>
+          <a:chOff x="0" y="0"/>
+          <a:chExt cx="0" cy="0"/>
+        </a:xfrm>
+      </p:grpSpPr>
       <p:pic>
         <p:nvPicPr>
           <p:cNvPr id="10" name="Picture 9"/>
@@ -5646,7 +7216,348 @@
 </p:sld>
 </file>
 
-<file path=ppt/slides/slide10.xml><?xml version="1.0" encoding="utf-8"?>
+<file path=ppt/slides/slide3.xml><?xml version="1.0" encoding="utf-8"?>
+<p:sld xmlns:a="http://schemas.openxmlformats.org/drawingml/2006/main" xmlns:r="http://schemas.openxmlformats.org/officeDocument/2006/relationships" xmlns:p="http://schemas.openxmlformats.org/presentationml/2006/main">
+  <p:cSld>
+    <p:spTree>
+      <p:nvGrpSpPr>
+        <p:cNvPr id="1" name=""/>
+        <p:cNvGrpSpPr/>
+        <p:nvPr/>
+      </p:nvGrpSpPr>
+      <p:grpSpPr>
+        <a:xfrm>
+          <a:off x="0" y="0"/>
+          <a:ext cx="0" cy="0"/>
+          <a:chOff x="0" y="0"/>
+          <a:chExt cx="0" cy="0"/>
+        </a:xfrm>
+      </p:grpSpPr>
+      <p:pic>
+        <p:nvPicPr>
+          <p:cNvPr id="10" name="Picture 9"/>
+          <p:cNvPicPr>
+            <a:picLocks noChangeAspect="1"/>
+          </p:cNvPicPr>
+          <p:nvPr/>
+        </p:nvPicPr>
+        <p:blipFill rotWithShape="1">
+          <a:blip r:embed="rId2">
+            <a:extLst>
+              <a:ext uri="{28A0092B-C50C-407E-A947-70E740481C1C}">
+                <a14:useLocalDpi xmlns:a14="http://schemas.microsoft.com/office/drawing/2010/main" val="0"/>
+              </a:ext>
+            </a:extLst>
+          </a:blip>
+          <a:srcRect l="50728" t="56371"/>
+          <a:stretch/>
+        </p:blipFill>
+        <p:spPr>
+          <a:xfrm>
+            <a:off x="10894024" y="5370653"/>
+            <a:ext cx="1297975" cy="1487348"/>
+          </a:xfrm>
+          <a:prstGeom prst="rect">
+            <a:avLst/>
+          </a:prstGeom>
+        </p:spPr>
+      </p:pic>
+      <p:sp>
+        <p:nvSpPr>
+          <p:cNvPr id="11" name="TextBox 10"/>
+          <p:cNvSpPr txBox="1"/>
+          <p:nvPr/>
+        </p:nvSpPr>
+        <p:spPr>
+          <a:xfrm>
+            <a:off x="347240" y="113388"/>
+            <a:ext cx="9799937" cy="1015663"/>
+          </a:xfrm>
+          <a:prstGeom prst="rect">
+            <a:avLst/>
+          </a:prstGeom>
+          <a:noFill/>
+        </p:spPr>
+        <p:txBody>
+          <a:bodyPr wrap="square" rtlCol="0">
+            <a:spAutoFit/>
+          </a:bodyPr>
+          <a:lstStyle/>
+          <a:p>
+            <a:r>
+              <a:rPr lang="en-US" sz="6000" dirty="0">
+                <a:latin typeface="Aliens &amp; cows" panose="00000500000000000000" pitchFamily="2" charset="0"/>
+              </a:rPr>
+              <a:t>Chat me up…</a:t>
+            </a:r>
+          </a:p>
+        </p:txBody>
+      </p:sp>
+      <p:sp>
+        <p:nvSpPr>
+          <p:cNvPr id="3" name="TextBox 2"/>
+          <p:cNvSpPr txBox="1"/>
+          <p:nvPr/>
+        </p:nvSpPr>
+        <p:spPr>
+          <a:xfrm>
+            <a:off x="462987" y="1365813"/>
+            <a:ext cx="9595413" cy="1815882"/>
+          </a:xfrm>
+          <a:prstGeom prst="rect">
+            <a:avLst/>
+          </a:prstGeom>
+          <a:noFill/>
+        </p:spPr>
+        <p:txBody>
+          <a:bodyPr wrap="square" rtlCol="0">
+            <a:spAutoFit/>
+          </a:bodyPr>
+          <a:lstStyle/>
+          <a:p>
+            <a:pPr marL="285750" indent="-285750">
+              <a:buFont typeface="Arial" panose="020B0604020202020204" pitchFamily="34" charset="0"/>
+              <a:buChar char="•"/>
+            </a:pPr>
+            <a:r>
+              <a:rPr lang="en-US" sz="2800" dirty="0">
+                <a:solidFill>
+                  <a:srgbClr val="707070"/>
+                </a:solidFill>
+                <a:latin typeface="Pragmatica" panose="020B0403040502020204" pitchFamily="34" charset="0"/>
+              </a:rPr>
+              <a:t>What excites you about these topics? What scares you?</a:t>
+            </a:r>
+          </a:p>
+          <a:p>
+            <a:pPr marL="285750" indent="-285750">
+              <a:buFont typeface="Arial" panose="020B0604020202020204" pitchFamily="34" charset="0"/>
+              <a:buChar char="•"/>
+            </a:pPr>
+            <a:r>
+              <a:rPr lang="en-US" sz="2800" dirty="0">
+                <a:solidFill>
+                  <a:srgbClr val="707070"/>
+                </a:solidFill>
+                <a:latin typeface="Pragmatica" panose="020B0403040502020204" pitchFamily="34" charset="0"/>
+              </a:rPr>
+              <a:t>What has blocked you? </a:t>
+            </a:r>
+          </a:p>
+          <a:p>
+            <a:pPr marL="285750" indent="-285750">
+              <a:buFont typeface="Arial" panose="020B0604020202020204" pitchFamily="34" charset="0"/>
+              <a:buChar char="•"/>
+            </a:pPr>
+            <a:endParaRPr lang="en-US" sz="2800" dirty="0">
+              <a:solidFill>
+                <a:srgbClr val="707070"/>
+              </a:solidFill>
+              <a:latin typeface="Pragmatica" panose="020B0403040502020204" pitchFamily="34" charset="0"/>
+            </a:endParaRPr>
+          </a:p>
+          <a:p>
+            <a:endParaRPr lang="en-US" sz="2800" dirty="0">
+              <a:solidFill>
+                <a:srgbClr val="707070"/>
+              </a:solidFill>
+              <a:latin typeface="Pragmatica" panose="020B0403040502020204" pitchFamily="34" charset="0"/>
+            </a:endParaRPr>
+          </a:p>
+        </p:txBody>
+      </p:sp>
+    </p:spTree>
+    <p:extLst>
+      <p:ext uri="{BB962C8B-B14F-4D97-AF65-F5344CB8AC3E}">
+        <p14:creationId xmlns:p14="http://schemas.microsoft.com/office/powerpoint/2010/main" val="648952694"/>
+      </p:ext>
+    </p:extLst>
+  </p:cSld>
+  <p:clrMapOvr>
+    <a:masterClrMapping/>
+  </p:clrMapOvr>
+</p:sld>
+</file>
+
+<file path=ppt/slides/slide4.xml><?xml version="1.0" encoding="utf-8"?>
+<p:sld xmlns:a="http://schemas.openxmlformats.org/drawingml/2006/main" xmlns:r="http://schemas.openxmlformats.org/officeDocument/2006/relationships" xmlns:p="http://schemas.openxmlformats.org/presentationml/2006/main">
+  <p:cSld>
+    <p:spTree>
+      <p:nvGrpSpPr>
+        <p:cNvPr id="1" name=""/>
+        <p:cNvGrpSpPr/>
+        <p:nvPr/>
+      </p:nvGrpSpPr>
+      <p:grpSpPr>
+        <a:xfrm>
+          <a:off x="0" y="0"/>
+          <a:ext cx="0" cy="0"/>
+          <a:chOff x="0" y="0"/>
+          <a:chExt cx="0" cy="0"/>
+        </a:xfrm>
+      </p:grpSpPr>
+      <p:pic>
+        <p:nvPicPr>
+          <p:cNvPr id="10" name="Picture 9"/>
+          <p:cNvPicPr>
+            <a:picLocks noChangeAspect="1"/>
+          </p:cNvPicPr>
+          <p:nvPr/>
+        </p:nvPicPr>
+        <p:blipFill rotWithShape="1">
+          <a:blip r:embed="rId2">
+            <a:extLst>
+              <a:ext uri="{28A0092B-C50C-407E-A947-70E740481C1C}">
+                <a14:useLocalDpi xmlns:a14="http://schemas.microsoft.com/office/drawing/2010/main" val="0"/>
+              </a:ext>
+            </a:extLst>
+          </a:blip>
+          <a:srcRect l="50728" t="56371"/>
+          <a:stretch/>
+        </p:blipFill>
+        <p:spPr>
+          <a:xfrm>
+            <a:off x="10894024" y="5370653"/>
+            <a:ext cx="1297975" cy="1487348"/>
+          </a:xfrm>
+          <a:prstGeom prst="rect">
+            <a:avLst/>
+          </a:prstGeom>
+        </p:spPr>
+      </p:pic>
+      <p:sp>
+        <p:nvSpPr>
+          <p:cNvPr id="11" name="TextBox 10"/>
+          <p:cNvSpPr txBox="1"/>
+          <p:nvPr/>
+        </p:nvSpPr>
+        <p:spPr>
+          <a:xfrm>
+            <a:off x="347240" y="113388"/>
+            <a:ext cx="9799937" cy="1015663"/>
+          </a:xfrm>
+          <a:prstGeom prst="rect">
+            <a:avLst/>
+          </a:prstGeom>
+          <a:noFill/>
+        </p:spPr>
+        <p:txBody>
+          <a:bodyPr wrap="square" rtlCol="0">
+            <a:spAutoFit/>
+          </a:bodyPr>
+          <a:lstStyle/>
+          <a:p>
+            <a:r>
+              <a:rPr lang="en-US" sz="6000" dirty="0">
+                <a:latin typeface="Aliens &amp; cows" panose="00000500000000000000" pitchFamily="2" charset="0"/>
+              </a:rPr>
+              <a:t>Learning objectives</a:t>
+            </a:r>
+          </a:p>
+        </p:txBody>
+      </p:sp>
+      <p:sp>
+        <p:nvSpPr>
+          <p:cNvPr id="3" name="TextBox 2"/>
+          <p:cNvSpPr txBox="1"/>
+          <p:nvPr/>
+        </p:nvSpPr>
+        <p:spPr>
+          <a:xfrm>
+            <a:off x="462987" y="1365813"/>
+            <a:ext cx="9595413" cy="2246769"/>
+          </a:xfrm>
+          <a:prstGeom prst="rect">
+            <a:avLst/>
+          </a:prstGeom>
+          <a:noFill/>
+        </p:spPr>
+        <p:txBody>
+          <a:bodyPr wrap="square" rtlCol="0">
+            <a:spAutoFit/>
+          </a:bodyPr>
+          <a:lstStyle/>
+          <a:p>
+            <a:pPr marL="285750" indent="-285750">
+              <a:buFont typeface="Arial" panose="020B0604020202020204" pitchFamily="34" charset="0"/>
+              <a:buChar char="•"/>
+            </a:pPr>
+            <a:r>
+              <a:rPr lang="en-US" sz="2800" dirty="0">
+                <a:solidFill>
+                  <a:srgbClr val="707070"/>
+                </a:solidFill>
+                <a:latin typeface="Pragmatica" panose="020B0403040502020204" pitchFamily="34" charset="0"/>
+              </a:rPr>
+              <a:t>Situate Excel, R and Python in the data analytics stack</a:t>
+            </a:r>
+          </a:p>
+          <a:p>
+            <a:pPr marL="285750" indent="-285750">
+              <a:buFont typeface="Arial" panose="020B0604020202020204" pitchFamily="34" charset="0"/>
+              <a:buChar char="•"/>
+            </a:pPr>
+            <a:r>
+              <a:rPr lang="en-US" sz="2800" dirty="0">
+                <a:solidFill>
+                  <a:srgbClr val="707070"/>
+                </a:solidFill>
+                <a:latin typeface="Pragmatica" panose="020B0403040502020204" pitchFamily="34" charset="0"/>
+              </a:rPr>
+              <a:t>Prepare a Windows computer to work in all three</a:t>
+            </a:r>
+          </a:p>
+          <a:p>
+            <a:pPr marL="285750" indent="-285750">
+              <a:buFont typeface="Arial" panose="020B0604020202020204" pitchFamily="34" charset="0"/>
+              <a:buChar char="•"/>
+            </a:pPr>
+            <a:r>
+              <a:rPr lang="en-US" sz="2800" dirty="0">
+                <a:solidFill>
+                  <a:srgbClr val="707070"/>
+                </a:solidFill>
+                <a:latin typeface="Pragmatica" panose="020B0403040502020204" pitchFamily="34" charset="0"/>
+              </a:rPr>
+              <a:t>Run summary statistics on a dataset in all three</a:t>
+            </a:r>
+          </a:p>
+          <a:p>
+            <a:pPr marL="285750" indent="-285750">
+              <a:buFont typeface="Arial" panose="020B0604020202020204" pitchFamily="34" charset="0"/>
+              <a:buChar char="•"/>
+            </a:pPr>
+            <a:endParaRPr lang="en-US" sz="2800" dirty="0">
+              <a:solidFill>
+                <a:srgbClr val="707070"/>
+              </a:solidFill>
+              <a:latin typeface="Pragmatica" panose="020B0403040502020204" pitchFamily="34" charset="0"/>
+            </a:endParaRPr>
+          </a:p>
+          <a:p>
+            <a:endParaRPr lang="en-US" sz="2800" dirty="0">
+              <a:solidFill>
+                <a:srgbClr val="707070"/>
+              </a:solidFill>
+              <a:latin typeface="Pragmatica" panose="020B0403040502020204" pitchFamily="34" charset="0"/>
+            </a:endParaRPr>
+          </a:p>
+        </p:txBody>
+      </p:sp>
+    </p:spTree>
+    <p:extLst>
+      <p:ext uri="{BB962C8B-B14F-4D97-AF65-F5344CB8AC3E}">
+        <p14:creationId xmlns:p14="http://schemas.microsoft.com/office/powerpoint/2010/main" val="3245169404"/>
+      </p:ext>
+    </p:extLst>
+  </p:cSld>
+  <p:clrMapOvr>
+    <a:masterClrMapping/>
+  </p:clrMapOvr>
+</p:sld>
+</file>
+
+<file path=ppt/slides/slide5.xml><?xml version="1.0" encoding="utf-8"?>
 <p:sld xmlns:a="http://schemas.openxmlformats.org/drawingml/2006/main" xmlns:r="http://schemas.openxmlformats.org/officeDocument/2006/relationships" xmlns:p="http://schemas.openxmlformats.org/presentationml/2006/main">
   <p:cSld>
     <p:spTree>
@@ -5701,7 +7612,7 @@
         <p:spPr>
           <a:xfrm>
             <a:off x="347240" y="113388"/>
-            <a:ext cx="10861534" cy="1015663"/>
+            <a:ext cx="9799937" cy="1015663"/>
           </a:xfrm>
           <a:prstGeom prst="rect">
             <a:avLst/>
@@ -5718,27 +7629,21 @@
               <a:rPr lang="en-US" sz="6000" dirty="0">
                 <a:latin typeface="Aliens &amp; cows" panose="00000500000000000000" pitchFamily="2" charset="0"/>
               </a:rPr>
-              <a:t>Take-home activity</a:t>
-            </a:r>
-          </a:p>
-        </p:txBody>
-      </p:sp>
-      <p:sp>
-        <p:nvSpPr>
-          <p:cNvPr id="4" name="TextBox 3">
-            <a:extLst>
-              <a:ext uri="{FF2B5EF4-FFF2-40B4-BE49-F238E27FC236}">
-                <a16:creationId xmlns:a16="http://schemas.microsoft.com/office/drawing/2014/main" id="{5A4F6C64-3E8D-4255-95B8-CF64265213DA}"/>
-              </a:ext>
-            </a:extLst>
-          </p:cNvPr>
+              <a:t>Follow along</a:t>
+            </a:r>
+          </a:p>
+        </p:txBody>
+      </p:sp>
+      <p:sp>
+        <p:nvSpPr>
+          <p:cNvPr id="3" name="TextBox 2"/>
           <p:cNvSpPr txBox="1"/>
           <p:nvPr/>
         </p:nvSpPr>
         <p:spPr>
           <a:xfrm>
-            <a:off x="347240" y="1479233"/>
-            <a:ext cx="11318287" cy="4832092"/>
+            <a:off x="462987" y="1365813"/>
+            <a:ext cx="8387397" cy="1384995"/>
           </a:xfrm>
           <a:prstGeom prst="rect">
             <a:avLst/>
@@ -5751,10 +7656,7 @@
           </a:bodyPr>
           <a:lstStyle/>
           <a:p>
-            <a:pPr marL="457200" indent="-457200">
-              <a:buClr>
-                <a:srgbClr val="CF3338"/>
-              </a:buClr>
+            <a:pPr marL="285750" indent="-285750">
               <a:buFont typeface="Arial" panose="020B0604020202020204" pitchFamily="34" charset="0"/>
               <a:buChar char="•"/>
             </a:pPr>
@@ -5765,256 +7667,18 @@
                 </a:solidFill>
                 <a:latin typeface="Pragmatica" panose="020B0403040502020204" pitchFamily="34" charset="0"/>
               </a:rPr>
-              <a:t>Folder: </a:t>
+              <a:t>Download resources: </a:t>
             </a:r>
             <a:r>
               <a:rPr lang="en-US" sz="2800" dirty="0">
                 <a:solidFill>
                   <a:srgbClr val="707070"/>
                 </a:solidFill>
-                <a:latin typeface="Consolas" panose="020B0609020204030204" pitchFamily="49" charset="0"/>
+                <a:latin typeface="Pragmatica" panose="020B0403040502020204" pitchFamily="34" charset="0"/>
+                <a:hlinkClick r:id="rId4"/>
               </a:rPr>
-              <a:t>take-home</a:t>
-            </a:r>
-          </a:p>
-          <a:p>
-            <a:pPr marL="457200" indent="-457200">
-              <a:buClr>
-                <a:srgbClr val="CF3338"/>
-              </a:buClr>
-              <a:buFont typeface="Arial" panose="020B0604020202020204" pitchFamily="34" charset="0"/>
-              <a:buChar char="•"/>
-            </a:pPr>
-            <a:r>
-              <a:rPr lang="en-US" sz="2800" dirty="0">
-                <a:solidFill>
-                  <a:srgbClr val="707070"/>
-                </a:solidFill>
-                <a:latin typeface="Pragmatica" panose="020B0403040502020204"/>
-              </a:rPr>
-              <a:t>Dataset: </a:t>
-            </a:r>
-            <a:r>
-              <a:rPr lang="en-US" sz="2800" dirty="0">
-                <a:solidFill>
-                  <a:srgbClr val="707070"/>
-                </a:solidFill>
-                <a:latin typeface="Consolas" panose="020B0609020204030204" pitchFamily="49" charset="0"/>
-              </a:rPr>
-              <a:t>tips.xlsx… </a:t>
-            </a:r>
-            <a:r>
-              <a:rPr lang="en-US" sz="2800" dirty="0">
-                <a:solidFill>
-                  <a:srgbClr val="707070"/>
-                </a:solidFill>
-                <a:latin typeface="Pragmatica" panose="020B0403040502020204"/>
-              </a:rPr>
-              <a:t>load and print summary statistics, then…</a:t>
-            </a:r>
-          </a:p>
-          <a:p>
-            <a:pPr marL="457200" indent="-457200">
-              <a:buClr>
-                <a:srgbClr val="CF3338"/>
-              </a:buClr>
-              <a:buFont typeface="Arial" panose="020B0604020202020204" pitchFamily="34" charset="0"/>
-              <a:buChar char="•"/>
-            </a:pPr>
-            <a:endParaRPr lang="en-US" sz="2800" dirty="0">
-              <a:solidFill>
-                <a:srgbClr val="707070"/>
-              </a:solidFill>
-              <a:latin typeface="Consolas" panose="020B0609020204030204" pitchFamily="49" charset="0"/>
-            </a:endParaRPr>
-          </a:p>
-          <a:p>
-            <a:pPr marL="457200" indent="-457200">
-              <a:buClr>
-                <a:srgbClr val="CF3338"/>
-              </a:buClr>
-              <a:buFont typeface="Arial" panose="020B0604020202020204" pitchFamily="34" charset="0"/>
-              <a:buChar char="•"/>
-            </a:pPr>
-            <a:endParaRPr lang="en-US" sz="2800" dirty="0">
-              <a:solidFill>
-                <a:srgbClr val="707070"/>
-              </a:solidFill>
-              <a:latin typeface="Consolas" panose="020B0609020204030204" pitchFamily="49" charset="0"/>
-            </a:endParaRPr>
-          </a:p>
-          <a:p>
-            <a:pPr marL="457200" indent="-457200">
-              <a:buClr>
-                <a:srgbClr val="CF3338"/>
-              </a:buClr>
-              <a:buFont typeface="Arial" panose="020B0604020202020204" pitchFamily="34" charset="0"/>
-              <a:buChar char="•"/>
-            </a:pPr>
-            <a:endParaRPr lang="en-US" sz="2800" dirty="0">
-              <a:solidFill>
-                <a:srgbClr val="707070"/>
-              </a:solidFill>
-              <a:latin typeface="Consolas" panose="020B0609020204030204" pitchFamily="49" charset="0"/>
-            </a:endParaRPr>
-          </a:p>
-          <a:p>
-            <a:pPr marL="457200" indent="-457200">
-              <a:buClr>
-                <a:srgbClr val="CF3338"/>
-              </a:buClr>
-              <a:buFont typeface="Arial" panose="020B0604020202020204" pitchFamily="34" charset="0"/>
-              <a:buChar char="•"/>
-            </a:pPr>
-            <a:endParaRPr lang="en-US" sz="2800" dirty="0">
-              <a:solidFill>
-                <a:srgbClr val="707070"/>
-              </a:solidFill>
-              <a:latin typeface="Consolas" panose="020B0609020204030204" pitchFamily="49" charset="0"/>
-            </a:endParaRPr>
-          </a:p>
-          <a:p>
-            <a:pPr marL="457200" indent="-457200">
-              <a:buClr>
-                <a:srgbClr val="CF3338"/>
-              </a:buClr>
-              <a:buFont typeface="Arial" panose="020B0604020202020204" pitchFamily="34" charset="0"/>
-              <a:buChar char="•"/>
-            </a:pPr>
-            <a:endParaRPr lang="en-US" sz="2800" dirty="0">
-              <a:solidFill>
-                <a:srgbClr val="707070"/>
-              </a:solidFill>
-              <a:latin typeface="Consolas" panose="020B0609020204030204" pitchFamily="49" charset="0"/>
-            </a:endParaRPr>
-          </a:p>
-          <a:p>
-            <a:pPr marL="457200" indent="-457200">
-              <a:buClr>
-                <a:srgbClr val="CF3338"/>
-              </a:buClr>
-              <a:buFont typeface="Arial" panose="020B0604020202020204" pitchFamily="34" charset="0"/>
-              <a:buChar char="•"/>
-            </a:pPr>
-            <a:endParaRPr lang="en-US" sz="2800" dirty="0">
-              <a:solidFill>
-                <a:srgbClr val="707070"/>
-              </a:solidFill>
-              <a:latin typeface="Consolas" panose="020B0609020204030204" pitchFamily="49" charset="0"/>
-            </a:endParaRPr>
-          </a:p>
-          <a:p>
-            <a:pPr marL="457200" indent="-457200">
-              <a:buClr>
-                <a:srgbClr val="CF3338"/>
-              </a:buClr>
-              <a:buFont typeface="Arial" panose="020B0604020202020204" pitchFamily="34" charset="0"/>
-              <a:buChar char="•"/>
-            </a:pPr>
-            <a:endParaRPr lang="en-US" sz="2800" dirty="0">
-              <a:solidFill>
-                <a:srgbClr val="707070"/>
-              </a:solidFill>
-              <a:latin typeface="Consolas" panose="020B0609020204030204" pitchFamily="49" charset="0"/>
-            </a:endParaRPr>
-          </a:p>
-          <a:p>
-            <a:pPr>
-              <a:buClr>
-                <a:srgbClr val="CF3338"/>
-              </a:buClr>
-            </a:pPr>
-            <a:endParaRPr lang="en-US" sz="2800" dirty="0">
-              <a:solidFill>
-                <a:srgbClr val="707070"/>
-              </a:solidFill>
-              <a:latin typeface="Consolas" panose="020B0609020204030204" pitchFamily="49" charset="0"/>
-            </a:endParaRPr>
-          </a:p>
-          <a:p>
-            <a:pPr marL="457200" indent="-457200">
-              <a:buClr>
-                <a:srgbClr val="CF3338"/>
-              </a:buClr>
-              <a:buFont typeface="Arial" panose="020B0604020202020204" pitchFamily="34" charset="0"/>
-              <a:buChar char="•"/>
-            </a:pPr>
-            <a:r>
-              <a:rPr lang="en-US" sz="2800" b="1" dirty="0">
-                <a:solidFill>
-                  <a:srgbClr val="707070"/>
-                </a:solidFill>
-                <a:latin typeface="Pragmatica" panose="020B0403040502020204"/>
-              </a:rPr>
-              <a:t>Notes &amp; solutions included</a:t>
-            </a:r>
-          </a:p>
-        </p:txBody>
-      </p:sp>
-      <p:sp>
-        <p:nvSpPr>
-          <p:cNvPr id="6" name="TextBox 5">
-            <a:extLst>
-              <a:ext uri="{FF2B5EF4-FFF2-40B4-BE49-F238E27FC236}">
-                <a16:creationId xmlns:a16="http://schemas.microsoft.com/office/drawing/2014/main" id="{BAC08A4C-309F-46C0-A426-1504D021630A}"/>
-              </a:ext>
-            </a:extLst>
-          </p:cNvPr>
-          <p:cNvSpPr txBox="1"/>
-          <p:nvPr/>
-        </p:nvSpPr>
-        <p:spPr>
-          <a:xfrm>
-            <a:off x="780942" y="2889223"/>
-            <a:ext cx="5679887" cy="2677656"/>
-          </a:xfrm>
-          <a:prstGeom prst="rect">
-            <a:avLst/>
-          </a:prstGeom>
-          <a:noFill/>
-        </p:spPr>
-        <p:txBody>
-          <a:bodyPr wrap="square" rtlCol="0">
-            <a:spAutoFit/>
-          </a:bodyPr>
-          <a:lstStyle/>
-          <a:p>
-            <a:pPr>
-              <a:buClr>
-                <a:srgbClr val="CF3338"/>
-              </a:buClr>
-            </a:pPr>
-            <a:r>
-              <a:rPr lang="en-US" sz="2800" b="1" dirty="0">
-                <a:solidFill>
-                  <a:srgbClr val="707070"/>
-                </a:solidFill>
-                <a:latin typeface="Pragmatica" panose="020B0403040502020204" pitchFamily="34" charset="0"/>
-              </a:rPr>
-              <a:t>R: </a:t>
-            </a:r>
-          </a:p>
-          <a:p>
-            <a:pPr>
-              <a:buClr>
-                <a:srgbClr val="CF3338"/>
-              </a:buClr>
-            </a:pPr>
-            <a:endParaRPr lang="en-US" sz="2800" b="1" dirty="0">
-              <a:solidFill>
-                <a:srgbClr val="707070"/>
-              </a:solidFill>
-              <a:latin typeface="Pragmatica" panose="020B0403040502020204" pitchFamily="34" charset="0"/>
-            </a:endParaRPr>
-          </a:p>
-          <a:p>
-            <a:pPr marL="457200" indent="-457200">
-              <a:buClr>
-                <a:srgbClr val="CF3338"/>
-              </a:buClr>
-              <a:buFont typeface="Arial" panose="020B0604020202020204" pitchFamily="34" charset="0"/>
-              <a:buChar char="•"/>
-            </a:pPr>
+              <a:t>https://github.com/stringfestdata/aina-getting-started</a:t>
+            </a:r>
             <a:r>
               <a:rPr lang="en-US" sz="2800" dirty="0">
                 <a:solidFill>
@@ -6022,207 +7686,17 @@
                 </a:solidFill>
                 <a:latin typeface="Pragmatica" panose="020B0403040502020204" pitchFamily="34" charset="0"/>
               </a:rPr>
-              <a:t>File &gt; New File &gt; R Script</a:t>
-            </a:r>
-          </a:p>
-          <a:p>
-            <a:pPr marL="457200" indent="-457200">
-              <a:buClr>
-                <a:srgbClr val="CF3338"/>
-              </a:buClr>
-              <a:buFont typeface="Arial" panose="020B0604020202020204" pitchFamily="34" charset="0"/>
-              <a:buChar char="•"/>
-            </a:pPr>
-            <a:r>
-              <a:rPr lang="en-US" sz="2800" dirty="0">
-                <a:solidFill>
-                  <a:srgbClr val="707070"/>
-                </a:solidFill>
-                <a:latin typeface="Pragmatica" panose="020B0403040502020204" pitchFamily="34" charset="0"/>
-              </a:rPr>
-              <a:t>Place code to run summary statistics in script</a:t>
-            </a:r>
-          </a:p>
-          <a:p>
-            <a:pPr marL="457200" indent="-457200">
-              <a:buClr>
-                <a:srgbClr val="CF3338"/>
-              </a:buClr>
-              <a:buFont typeface="Arial" panose="020B0604020202020204" pitchFamily="34" charset="0"/>
-              <a:buChar char="•"/>
-            </a:pPr>
-            <a:r>
-              <a:rPr lang="en-US" sz="2800" dirty="0">
-                <a:solidFill>
-                  <a:srgbClr val="707070"/>
-                </a:solidFill>
-                <a:latin typeface="Pragmatica" panose="020B0403040502020204" pitchFamily="34" charset="0"/>
-              </a:rPr>
-              <a:t>Run code &amp; save</a:t>
-            </a:r>
-            <a:endParaRPr lang="en-US" sz="2800" dirty="0">
-              <a:solidFill>
-                <a:srgbClr val="707070"/>
-              </a:solidFill>
-              <a:latin typeface="Consolas" panose="020B0609020204030204" pitchFamily="49" charset="0"/>
-            </a:endParaRPr>
-          </a:p>
-        </p:txBody>
-      </p:sp>
-      <p:sp>
-        <p:nvSpPr>
-          <p:cNvPr id="7" name="TextBox 6">
+              <a:t>  </a:t>
+            </a:r>
+          </a:p>
+        </p:txBody>
+      </p:sp>
+      <p:pic>
+        <p:nvPicPr>
+          <p:cNvPr id="5" name="Picture 4">
             <a:extLst>
               <a:ext uri="{FF2B5EF4-FFF2-40B4-BE49-F238E27FC236}">
-                <a16:creationId xmlns:a16="http://schemas.microsoft.com/office/drawing/2014/main" id="{78C4E1D0-2D28-4208-AF52-49EEB84C3FC5}"/>
-              </a:ext>
-            </a:extLst>
-          </p:cNvPr>
-          <p:cNvSpPr txBox="1"/>
-          <p:nvPr/>
-        </p:nvSpPr>
-        <p:spPr>
-          <a:xfrm>
-            <a:off x="6387614" y="2897683"/>
-            <a:ext cx="5679887" cy="3539430"/>
-          </a:xfrm>
-          <a:prstGeom prst="rect">
-            <a:avLst/>
-          </a:prstGeom>
-          <a:noFill/>
-        </p:spPr>
-        <p:txBody>
-          <a:bodyPr wrap="square" rtlCol="0">
-            <a:spAutoFit/>
-          </a:bodyPr>
-          <a:lstStyle/>
-          <a:p>
-            <a:pPr>
-              <a:buClr>
-                <a:srgbClr val="CF3338"/>
-              </a:buClr>
-            </a:pPr>
-            <a:r>
-              <a:rPr lang="en-US" sz="2800" b="1" dirty="0">
-                <a:solidFill>
-                  <a:srgbClr val="707070"/>
-                </a:solidFill>
-                <a:latin typeface="Pragmatica" panose="020B0403040502020204" pitchFamily="34" charset="0"/>
-              </a:rPr>
-              <a:t>Python: </a:t>
-            </a:r>
-          </a:p>
-          <a:p>
-            <a:pPr>
-              <a:buClr>
-                <a:srgbClr val="CF3338"/>
-              </a:buClr>
-            </a:pPr>
-            <a:endParaRPr lang="en-US" sz="2800" b="1" dirty="0">
-              <a:solidFill>
-                <a:srgbClr val="707070"/>
-              </a:solidFill>
-              <a:latin typeface="Pragmatica" panose="020B0403040502020204" pitchFamily="34" charset="0"/>
-            </a:endParaRPr>
-          </a:p>
-          <a:p>
-            <a:pPr marL="457200" indent="-457200">
-              <a:buClr>
-                <a:srgbClr val="CF3338"/>
-              </a:buClr>
-              <a:buFont typeface="Arial" panose="020B0604020202020204" pitchFamily="34" charset="0"/>
-              <a:buChar char="•"/>
-            </a:pPr>
-            <a:r>
-              <a:rPr lang="en-US" sz="2800" dirty="0">
-                <a:solidFill>
-                  <a:srgbClr val="707070"/>
-                </a:solidFill>
-                <a:latin typeface="Pragmatica" panose="020B0403040502020204"/>
-              </a:rPr>
-              <a:t>Print the first few rows with the </a:t>
-            </a:r>
-            <a:r>
-              <a:rPr lang="en-US" sz="2800" dirty="0">
-                <a:solidFill>
-                  <a:srgbClr val="707070"/>
-                </a:solidFill>
-                <a:latin typeface="Consolas" panose="020B0609020204030204" pitchFamily="49" charset="0"/>
-              </a:rPr>
-              <a:t>head()</a:t>
-            </a:r>
-            <a:r>
-              <a:rPr lang="en-US" sz="2800" dirty="0">
-                <a:solidFill>
-                  <a:srgbClr val="707070"/>
-                </a:solidFill>
-                <a:latin typeface="Pragmatica" panose="020B0403040502020204"/>
-              </a:rPr>
-              <a:t> method (works the same as </a:t>
-            </a:r>
-            <a:r>
-              <a:rPr lang="en-US" sz="2800" dirty="0">
-                <a:solidFill>
-                  <a:srgbClr val="707070"/>
-                </a:solidFill>
-                <a:latin typeface="Consolas" panose="020B0609020204030204" pitchFamily="49" charset="0"/>
-              </a:rPr>
-              <a:t>describe()</a:t>
-            </a:r>
-            <a:r>
-              <a:rPr lang="en-US" sz="2800" dirty="0">
-                <a:solidFill>
-                  <a:srgbClr val="707070"/>
-                </a:solidFill>
-                <a:latin typeface="Pragmatica" panose="020B0403040502020204"/>
-              </a:rPr>
-              <a:t>)</a:t>
-            </a:r>
-          </a:p>
-          <a:p>
-            <a:pPr marL="457200" indent="-457200">
-              <a:buClr>
-                <a:srgbClr val="CF3338"/>
-              </a:buClr>
-              <a:buFont typeface="Arial" panose="020B0604020202020204" pitchFamily="34" charset="0"/>
-              <a:buChar char="•"/>
-            </a:pPr>
-            <a:r>
-              <a:rPr lang="en-US" sz="2800" dirty="0">
-                <a:solidFill>
-                  <a:srgbClr val="707070"/>
-                </a:solidFill>
-                <a:latin typeface="Pragmatica" panose="020B0403040502020204"/>
-              </a:rPr>
-              <a:t>Give the notebook a name (click and write over </a:t>
-            </a:r>
-            <a:r>
-              <a:rPr lang="en-US" sz="2800" i="1" dirty="0">
-                <a:solidFill>
-                  <a:srgbClr val="707070"/>
-                </a:solidFill>
-                <a:latin typeface="Pragmatica" panose="020B0403040502020204"/>
-              </a:rPr>
-              <a:t>Untitled</a:t>
-            </a:r>
-            <a:r>
-              <a:rPr lang="en-US" sz="2800" dirty="0">
-                <a:solidFill>
-                  <a:srgbClr val="707070"/>
-                </a:solidFill>
-                <a:latin typeface="Pragmatica" panose="020B0403040502020204"/>
-              </a:rPr>
-              <a:t>)</a:t>
-            </a:r>
-          </a:p>
-        </p:txBody>
-      </p:sp>
-      <p:pic>
-        <p:nvPicPr>
-          <p:cNvPr id="3" name="Picture 2">
-            <a:extLst>
-              <a:ext uri="{FF2B5EF4-FFF2-40B4-BE49-F238E27FC236}">
-                <a16:creationId xmlns:a16="http://schemas.microsoft.com/office/drawing/2014/main" id="{9BDD9B39-F45B-4AC7-AF2D-F769368112BC}"/>
+                <a16:creationId xmlns:a16="http://schemas.microsoft.com/office/drawing/2014/main" id="{F4BFB83D-D2B3-4340-A5CC-669A243BAA7D}"/>
               </a:ext>
             </a:extLst>
           </p:cNvPr>
@@ -6232,15 +7706,15 @@
           <p:nvPr/>
         </p:nvPicPr>
         <p:blipFill>
-          <a:blip r:embed="rId4"/>
+          <a:blip r:embed="rId5"/>
           <a:stretch>
             <a:fillRect/>
           </a:stretch>
         </p:blipFill>
         <p:spPr>
           <a:xfrm>
-            <a:off x="4092064" y="5115676"/>
-            <a:ext cx="1441228" cy="635573"/>
+            <a:off x="3697861" y="2610170"/>
+            <a:ext cx="8494139" cy="4106258"/>
           </a:xfrm>
           <a:prstGeom prst="rect">
             <a:avLst/>
@@ -6250,7 +7724,7 @@
     </p:spTree>
     <p:extLst>
       <p:ext uri="{BB962C8B-B14F-4D97-AF65-F5344CB8AC3E}">
-        <p14:creationId xmlns:p14="http://schemas.microsoft.com/office/powerpoint/2010/main" val="3327978876"/>
+        <p14:creationId xmlns:p14="http://schemas.microsoft.com/office/powerpoint/2010/main" val="4141627579"/>
       </p:ext>
     </p:extLst>
   </p:cSld>
@@ -6260,210 +7734,7 @@
 </p:sld>
 </file>
 
-<file path=ppt/slides/slide11.xml><?xml version="1.0" encoding="utf-8"?>
-<p:sld xmlns:a="http://schemas.openxmlformats.org/drawingml/2006/main" xmlns:r="http://schemas.openxmlformats.org/officeDocument/2006/relationships" xmlns:p="http://schemas.openxmlformats.org/presentationml/2006/main">
-  <p:cSld>
-    <p:spTree>
-      <p:nvGrpSpPr>
-        <p:cNvPr id="1" name=""/>
-        <p:cNvGrpSpPr/>
-        <p:nvPr/>
-      </p:nvGrpSpPr>
-      <p:grpSpPr>
-        <a:xfrm>
-          <a:off x="0" y="0"/>
-          <a:ext cx="0" cy="0"/>
-          <a:chOff x="0" y="0"/>
-          <a:chExt cx="0" cy="0"/>
-        </a:xfrm>
-      </p:grpSpPr>
-      <p:pic>
-        <p:nvPicPr>
-          <p:cNvPr id="10" name="Picture 9"/>
-          <p:cNvPicPr>
-            <a:picLocks noChangeAspect="1"/>
-          </p:cNvPicPr>
-          <p:nvPr/>
-        </p:nvPicPr>
-        <p:blipFill rotWithShape="1">
-          <a:blip r:embed="rId3">
-            <a:extLst>
-              <a:ext uri="{28A0092B-C50C-407E-A947-70E740481C1C}">
-                <a14:useLocalDpi xmlns:a14="http://schemas.microsoft.com/office/drawing/2010/main" val="0"/>
-              </a:ext>
-            </a:extLst>
-          </a:blip>
-          <a:srcRect l="50728" t="56371"/>
-          <a:stretch/>
-        </p:blipFill>
-        <p:spPr>
-          <a:xfrm>
-            <a:off x="10894024" y="5370653"/>
-            <a:ext cx="1297975" cy="1487348"/>
-          </a:xfrm>
-          <a:prstGeom prst="rect">
-            <a:avLst/>
-          </a:prstGeom>
-        </p:spPr>
-      </p:pic>
-      <p:sp>
-        <p:nvSpPr>
-          <p:cNvPr id="11" name="TextBox 10"/>
-          <p:cNvSpPr txBox="1"/>
-          <p:nvPr/>
-        </p:nvSpPr>
-        <p:spPr>
-          <a:xfrm>
-            <a:off x="347240" y="113388"/>
-            <a:ext cx="10861534" cy="1015663"/>
-          </a:xfrm>
-          <a:prstGeom prst="rect">
-            <a:avLst/>
-          </a:prstGeom>
-          <a:noFill/>
-        </p:spPr>
-        <p:txBody>
-          <a:bodyPr wrap="square" rtlCol="0">
-            <a:spAutoFit/>
-          </a:bodyPr>
-          <a:lstStyle/>
-          <a:p>
-            <a:r>
-              <a:rPr lang="en-US" sz="6000" dirty="0">
-                <a:latin typeface="Aliens &amp; cows" panose="00000500000000000000" pitchFamily="2" charset="0"/>
-              </a:rPr>
-              <a:t>Want more? </a:t>
-            </a:r>
-          </a:p>
-        </p:txBody>
-      </p:sp>
-      <p:sp>
-        <p:nvSpPr>
-          <p:cNvPr id="4" name="TextBox 3">
-            <a:extLst>
-              <a:ext uri="{FF2B5EF4-FFF2-40B4-BE49-F238E27FC236}">
-                <a16:creationId xmlns:a16="http://schemas.microsoft.com/office/drawing/2014/main" id="{5A4F6C64-3E8D-4255-95B8-CF64265213DA}"/>
-              </a:ext>
-            </a:extLst>
-          </p:cNvPr>
-          <p:cNvSpPr txBox="1"/>
-          <p:nvPr/>
-        </p:nvSpPr>
-        <p:spPr>
-          <a:xfrm>
-            <a:off x="347240" y="1465093"/>
-            <a:ext cx="9688858" cy="954107"/>
-          </a:xfrm>
-          <a:prstGeom prst="rect">
-            <a:avLst/>
-          </a:prstGeom>
-          <a:noFill/>
-        </p:spPr>
-        <p:txBody>
-          <a:bodyPr wrap="square" rtlCol="0">
-            <a:spAutoFit/>
-          </a:bodyPr>
-          <a:lstStyle/>
-          <a:p>
-            <a:pPr marL="457200" indent="-457200">
-              <a:buClr>
-                <a:srgbClr val="CF3338"/>
-              </a:buClr>
-              <a:buFont typeface="Arial" panose="020B0604020202020204" pitchFamily="34" charset="0"/>
-              <a:buChar char="•"/>
-            </a:pPr>
-            <a:r>
-              <a:rPr lang="en-US" sz="2800" dirty="0">
-                <a:solidFill>
-                  <a:srgbClr val="707070"/>
-                </a:solidFill>
-                <a:latin typeface="Pragmatica" panose="020B0403040502020204" pitchFamily="34" charset="0"/>
-              </a:rPr>
-              <a:t>Sign up for course waiting list: </a:t>
-            </a:r>
-            <a:r>
-              <a:rPr lang="en-US" sz="2800" b="1" dirty="0">
-                <a:solidFill>
-                  <a:srgbClr val="707070"/>
-                </a:solidFill>
-                <a:latin typeface="Pragmatica" panose="020B0403040502020204" pitchFamily="34" charset="0"/>
-                <a:hlinkClick r:id="rId4"/>
-              </a:rPr>
-              <a:t>https://stringfestanalytics.com/aina-waiting</a:t>
-            </a:r>
-            <a:r>
-              <a:rPr lang="en-US" sz="2800" dirty="0">
-                <a:solidFill>
-                  <a:srgbClr val="707070"/>
-                </a:solidFill>
-                <a:latin typeface="Pragmatica" panose="020B0403040502020204" pitchFamily="34" charset="0"/>
-                <a:hlinkClick r:id="rId4"/>
-              </a:rPr>
-              <a:t>/</a:t>
-            </a:r>
-            <a:r>
-              <a:rPr lang="en-US" sz="2800" dirty="0">
-                <a:solidFill>
-                  <a:srgbClr val="707070"/>
-                </a:solidFill>
-                <a:latin typeface="Pragmatica" panose="020B0403040502020204" pitchFamily="34" charset="0"/>
-              </a:rPr>
-              <a:t>    </a:t>
-            </a:r>
-          </a:p>
-        </p:txBody>
-      </p:sp>
-      <p:pic>
-        <p:nvPicPr>
-          <p:cNvPr id="3" name="Picture 2" descr="A bird standing on a white surface&#10;&#10;Description automatically generated with low confidence">
-            <a:hlinkClick r:id="rId4"/>
-            <a:extLst>
-              <a:ext uri="{FF2B5EF4-FFF2-40B4-BE49-F238E27FC236}">
-                <a16:creationId xmlns:a16="http://schemas.microsoft.com/office/drawing/2014/main" id="{2BD72895-0339-43FE-8F98-905E02F0E9E7}"/>
-              </a:ext>
-            </a:extLst>
-          </p:cNvPr>
-          <p:cNvPicPr>
-            <a:picLocks noChangeAspect="1"/>
-          </p:cNvPicPr>
-          <p:nvPr/>
-        </p:nvPicPr>
-        <p:blipFill>
-          <a:blip r:embed="rId5">
-            <a:extLst>
-              <a:ext uri="{28A0092B-C50C-407E-A947-70E740481C1C}">
-                <a14:useLocalDpi xmlns:a14="http://schemas.microsoft.com/office/drawing/2010/main" val="0"/>
-              </a:ext>
-            </a:extLst>
-          </a:blip>
-          <a:stretch>
-            <a:fillRect/>
-          </a:stretch>
-        </p:blipFill>
-        <p:spPr>
-          <a:xfrm>
-            <a:off x="2095512" y="2491739"/>
-            <a:ext cx="7364990" cy="4142807"/>
-          </a:xfrm>
-          <a:prstGeom prst="rect">
-            <a:avLst/>
-          </a:prstGeom>
-        </p:spPr>
-      </p:pic>
-    </p:spTree>
-    <p:extLst>
-      <p:ext uri="{BB962C8B-B14F-4D97-AF65-F5344CB8AC3E}">
-        <p14:creationId xmlns:p14="http://schemas.microsoft.com/office/powerpoint/2010/main" val="1574051232"/>
-      </p:ext>
-    </p:extLst>
-  </p:cSld>
-  <p:clrMapOvr>
-    <a:masterClrMapping/>
-  </p:clrMapOvr>
-</p:sld>
-</file>
-
-<file path=ppt/slides/slide12.xml><?xml version="1.0" encoding="utf-8"?>
+<file path=ppt/slides/slide6.xml><?xml version="1.0" encoding="utf-8"?>
 <p:sld xmlns:a="http://schemas.openxmlformats.org/drawingml/2006/main" xmlns:r="http://schemas.openxmlformats.org/officeDocument/2006/relationships" xmlns:p="http://schemas.openxmlformats.org/presentationml/2006/main">
   <p:cSld>
     <p:spTree>
@@ -6548,7 +7819,7 @@
         <p:spPr>
           <a:xfrm>
             <a:off x="324091" y="1687545"/>
-            <a:ext cx="7986531" cy="1384995"/>
+            <a:ext cx="7986531" cy="769441"/>
           </a:xfrm>
           <a:prstGeom prst="rect">
             <a:avLst/>
@@ -6562,45 +7833,21 @@
           <a:lstStyle/>
           <a:p>
             <a:r>
-              <a:rPr lang="en-US" sz="2800" b="1" dirty="0">
+              <a:rPr lang="en-US" sz="4400" b="1" dirty="0">
                 <a:solidFill>
                   <a:srgbClr val="707070"/>
                 </a:solidFill>
                 <a:latin typeface="Pragmatica" panose="020B0403040502020204" pitchFamily="34" charset="0"/>
               </a:rPr>
-              <a:t>Event survey: </a:t>
-            </a:r>
-            <a:r>
-              <a:rPr lang="en-US" sz="2800" b="1" dirty="0">
-                <a:solidFill>
-                  <a:srgbClr val="707070"/>
-                </a:solidFill>
-                <a:latin typeface="Pragmatica" panose="020B0403040502020204" pitchFamily="34" charset="0"/>
-                <a:hlinkClick r:id="rId4"/>
-              </a:rPr>
-              <a:t>https://forms.office.com/r/0ZnD0LxpZy</a:t>
-            </a:r>
-            <a:endParaRPr lang="en-US" sz="2800" b="1" dirty="0">
-              <a:solidFill>
-                <a:srgbClr val="707070"/>
-              </a:solidFill>
-              <a:latin typeface="Pragmatica" panose="020B0403040502020204" pitchFamily="34" charset="0"/>
-            </a:endParaRPr>
-          </a:p>
-          <a:p>
-            <a:endParaRPr lang="en-US" sz="2800" b="1" dirty="0">
-              <a:solidFill>
-                <a:srgbClr val="707070"/>
-              </a:solidFill>
-              <a:latin typeface="Pragmatica" panose="020B0403040502020204" pitchFamily="34" charset="0"/>
-            </a:endParaRPr>
+              <a:t>Questions?</a:t>
+            </a:r>
           </a:p>
         </p:txBody>
       </p:sp>
     </p:spTree>
     <p:extLst>
       <p:ext uri="{BB962C8B-B14F-4D97-AF65-F5344CB8AC3E}">
-        <p14:creationId xmlns:p14="http://schemas.microsoft.com/office/powerpoint/2010/main" val="2312071835"/>
+        <p14:creationId xmlns:p14="http://schemas.microsoft.com/office/powerpoint/2010/main" val="883313013"/>
       </p:ext>
     </p:extLst>
   </p:cSld>
@@ -6610,7 +7857,494 @@
 </p:sld>
 </file>
 
-<file path=ppt/slides/slide13.xml><?xml version="1.0" encoding="utf-8"?>
+<file path=ppt/slides/slide7.xml><?xml version="1.0" encoding="utf-8"?>
+<p:sld xmlns:a="http://schemas.openxmlformats.org/drawingml/2006/main" xmlns:r="http://schemas.openxmlformats.org/officeDocument/2006/relationships" xmlns:p="http://schemas.openxmlformats.org/presentationml/2006/main">
+  <p:cSld>
+    <p:spTree>
+      <p:nvGrpSpPr>
+        <p:cNvPr id="1" name=""/>
+        <p:cNvGrpSpPr/>
+        <p:nvPr/>
+      </p:nvGrpSpPr>
+      <p:grpSpPr>
+        <a:xfrm>
+          <a:off x="0" y="0"/>
+          <a:ext cx="0" cy="0"/>
+          <a:chOff x="0" y="0"/>
+          <a:chExt cx="0" cy="0"/>
+        </a:xfrm>
+      </p:grpSpPr>
+      <p:pic>
+        <p:nvPicPr>
+          <p:cNvPr id="10" name="Picture 9"/>
+          <p:cNvPicPr>
+            <a:picLocks noChangeAspect="1"/>
+          </p:cNvPicPr>
+          <p:nvPr/>
+        </p:nvPicPr>
+        <p:blipFill rotWithShape="1">
+          <a:blip r:embed="rId3">
+            <a:extLst>
+              <a:ext uri="{28A0092B-C50C-407E-A947-70E740481C1C}">
+                <a14:useLocalDpi xmlns:a14="http://schemas.microsoft.com/office/drawing/2010/main" val="0"/>
+              </a:ext>
+            </a:extLst>
+          </a:blip>
+          <a:srcRect l="50728" t="56371"/>
+          <a:stretch/>
+        </p:blipFill>
+        <p:spPr>
+          <a:xfrm>
+            <a:off x="10894024" y="5370653"/>
+            <a:ext cx="1297975" cy="1487348"/>
+          </a:xfrm>
+          <a:prstGeom prst="rect">
+            <a:avLst/>
+          </a:prstGeom>
+        </p:spPr>
+      </p:pic>
+      <p:sp>
+        <p:nvSpPr>
+          <p:cNvPr id="11" name="TextBox 10"/>
+          <p:cNvSpPr txBox="1"/>
+          <p:nvPr/>
+        </p:nvSpPr>
+        <p:spPr>
+          <a:xfrm>
+            <a:off x="347240" y="113388"/>
+            <a:ext cx="9799937" cy="1015663"/>
+          </a:xfrm>
+          <a:prstGeom prst="rect">
+            <a:avLst/>
+          </a:prstGeom>
+          <a:noFill/>
+        </p:spPr>
+        <p:txBody>
+          <a:bodyPr wrap="square" rtlCol="0">
+            <a:spAutoFit/>
+          </a:bodyPr>
+          <a:lstStyle/>
+          <a:p>
+            <a:r>
+              <a:rPr lang="en-US" sz="6000" dirty="0">
+                <a:latin typeface="Aliens &amp; cows" panose="00000500000000000000" pitchFamily="2" charset="0"/>
+              </a:rPr>
+              <a:t>Become a full-stack analyst</a:t>
+            </a:r>
+          </a:p>
+        </p:txBody>
+      </p:sp>
+      <p:pic>
+        <p:nvPicPr>
+          <p:cNvPr id="4" name="Picture 3" descr="Diagram, text&#10;&#10;Description automatically generated">
+            <a:extLst>
+              <a:ext uri="{FF2B5EF4-FFF2-40B4-BE49-F238E27FC236}">
+                <a16:creationId xmlns:a16="http://schemas.microsoft.com/office/drawing/2014/main" id="{69888AE4-E6A5-42EE-8C41-9647CFF76E35}"/>
+              </a:ext>
+            </a:extLst>
+          </p:cNvPr>
+          <p:cNvPicPr>
+            <a:picLocks noChangeAspect="1"/>
+          </p:cNvPicPr>
+          <p:nvPr/>
+        </p:nvPicPr>
+        <p:blipFill>
+          <a:blip r:embed="rId4">
+            <a:extLst>
+              <a:ext uri="{28A0092B-C50C-407E-A947-70E740481C1C}">
+                <a14:useLocalDpi xmlns:a14="http://schemas.microsoft.com/office/drawing/2010/main" val="0"/>
+              </a:ext>
+            </a:extLst>
+          </a:blip>
+          <a:stretch>
+            <a:fillRect/>
+          </a:stretch>
+        </p:blipFill>
+        <p:spPr>
+          <a:xfrm>
+            <a:off x="1929935" y="1777154"/>
+            <a:ext cx="8555449" cy="4024138"/>
+          </a:xfrm>
+          <a:prstGeom prst="rect">
+            <a:avLst/>
+          </a:prstGeom>
+        </p:spPr>
+      </p:pic>
+      <p:sp>
+        <p:nvSpPr>
+          <p:cNvPr id="7" name="TextBox 6">
+            <a:extLst>
+              <a:ext uri="{FF2B5EF4-FFF2-40B4-BE49-F238E27FC236}">
+                <a16:creationId xmlns:a16="http://schemas.microsoft.com/office/drawing/2014/main" id="{CFAB272F-EC83-45BA-935F-DFBF5407D2B6}"/>
+              </a:ext>
+            </a:extLst>
+          </p:cNvPr>
+          <p:cNvSpPr txBox="1"/>
+          <p:nvPr/>
+        </p:nvSpPr>
+        <p:spPr>
+          <a:xfrm>
+            <a:off x="261704" y="6114327"/>
+            <a:ext cx="9493446" cy="369332"/>
+          </a:xfrm>
+          <a:prstGeom prst="rect">
+            <a:avLst/>
+          </a:prstGeom>
+          <a:noFill/>
+        </p:spPr>
+        <p:txBody>
+          <a:bodyPr wrap="square" rtlCol="0">
+            <a:spAutoFit/>
+          </a:bodyPr>
+          <a:lstStyle/>
+          <a:p>
+            <a:r>
+              <a:rPr lang="en-US" dirty="0">
+                <a:solidFill>
+                  <a:schemeClr val="bg1">
+                    <a:lumMod val="50000"/>
+                  </a:schemeClr>
+                </a:solidFill>
+                <a:latin typeface="Pragmatica" pitchFamily="2" charset="0"/>
+              </a:rPr>
+              <a:t>Mount, George. </a:t>
+            </a:r>
+            <a:r>
+              <a:rPr lang="en-US" i="1" dirty="0">
+                <a:solidFill>
+                  <a:schemeClr val="bg1">
+                    <a:lumMod val="50000"/>
+                  </a:schemeClr>
+                </a:solidFill>
+                <a:latin typeface="Pragmatica" pitchFamily="2" charset="0"/>
+              </a:rPr>
+              <a:t>Advancing into Analytics: From Excel to Python and R</a:t>
+            </a:r>
+            <a:r>
+              <a:rPr lang="en-US" dirty="0">
+                <a:solidFill>
+                  <a:schemeClr val="bg1">
+                    <a:lumMod val="50000"/>
+                  </a:schemeClr>
+                </a:solidFill>
+                <a:latin typeface="Pragmatica" pitchFamily="2" charset="0"/>
+              </a:rPr>
+              <a:t>. O’Reilly Media, 2021</a:t>
+            </a:r>
+            <a:endParaRPr lang="en-US" i="1" dirty="0">
+              <a:solidFill>
+                <a:schemeClr val="bg1">
+                  <a:lumMod val="50000"/>
+                </a:schemeClr>
+              </a:solidFill>
+              <a:latin typeface="Pragmatica" pitchFamily="2" charset="0"/>
+            </a:endParaRPr>
+          </a:p>
+        </p:txBody>
+      </p:sp>
+    </p:spTree>
+    <p:extLst>
+      <p:ext uri="{BB962C8B-B14F-4D97-AF65-F5344CB8AC3E}">
+        <p14:creationId xmlns:p14="http://schemas.microsoft.com/office/powerpoint/2010/main" val="3729633991"/>
+      </p:ext>
+    </p:extLst>
+  </p:cSld>
+  <p:clrMapOvr>
+    <a:masterClrMapping/>
+  </p:clrMapOvr>
+</p:sld>
+</file>
+
+<file path=ppt/slides/slide8.xml><?xml version="1.0" encoding="utf-8"?>
+<p:sld xmlns:a="http://schemas.openxmlformats.org/drawingml/2006/main" xmlns:r="http://schemas.openxmlformats.org/officeDocument/2006/relationships" xmlns:p="http://schemas.openxmlformats.org/presentationml/2006/main">
+  <p:cSld>
+    <p:spTree>
+      <p:nvGrpSpPr>
+        <p:cNvPr id="1" name=""/>
+        <p:cNvGrpSpPr/>
+        <p:nvPr/>
+      </p:nvGrpSpPr>
+      <p:grpSpPr>
+        <a:xfrm>
+          <a:off x="0" y="0"/>
+          <a:ext cx="0" cy="0"/>
+          <a:chOff x="0" y="0"/>
+          <a:chExt cx="0" cy="0"/>
+        </a:xfrm>
+      </p:grpSpPr>
+      <p:sp>
+        <p:nvSpPr>
+          <p:cNvPr id="4" name="Rectangle 3"/>
+          <p:cNvSpPr/>
+          <p:nvPr/>
+        </p:nvSpPr>
+        <p:spPr>
+          <a:xfrm>
+            <a:off x="6574420" y="0"/>
+            <a:ext cx="5617580" cy="6858000"/>
+          </a:xfrm>
+          <a:prstGeom prst="rect">
+            <a:avLst/>
+          </a:prstGeom>
+          <a:solidFill>
+            <a:srgbClr val="CF3338"/>
+          </a:solidFill>
+        </p:spPr>
+        <p:style>
+          <a:lnRef idx="2">
+            <a:schemeClr val="accent1">
+              <a:shade val="50000"/>
+            </a:schemeClr>
+          </a:lnRef>
+          <a:fillRef idx="1">
+            <a:schemeClr val="accent1"/>
+          </a:fillRef>
+          <a:effectRef idx="0">
+            <a:schemeClr val="accent1"/>
+          </a:effectRef>
+          <a:fontRef idx="minor">
+            <a:schemeClr val="lt1"/>
+          </a:fontRef>
+        </p:style>
+        <p:txBody>
+          <a:bodyPr rtlCol="0" anchor="ctr"/>
+          <a:lstStyle/>
+          <a:p>
+            <a:pPr algn="ctr"/>
+            <a:endParaRPr lang="en-US"/>
+          </a:p>
+        </p:txBody>
+      </p:sp>
+      <p:sp>
+        <p:nvSpPr>
+          <p:cNvPr id="5" name="TextBox 4"/>
+          <p:cNvSpPr txBox="1"/>
+          <p:nvPr/>
+        </p:nvSpPr>
+        <p:spPr>
+          <a:xfrm>
+            <a:off x="6817489" y="0"/>
+            <a:ext cx="4120587" cy="1446550"/>
+          </a:xfrm>
+          <a:prstGeom prst="rect">
+            <a:avLst/>
+          </a:prstGeom>
+          <a:noFill/>
+        </p:spPr>
+        <p:txBody>
+          <a:bodyPr wrap="square" rtlCol="0">
+            <a:spAutoFit/>
+          </a:bodyPr>
+          <a:lstStyle/>
+          <a:p>
+            <a:r>
+              <a:rPr lang="en-US" sz="8800" dirty="0">
+                <a:solidFill>
+                  <a:schemeClr val="bg1"/>
+                </a:solidFill>
+                <a:latin typeface="Aliens &amp; cows" panose="00000500000000000000" pitchFamily="2" charset="0"/>
+              </a:rPr>
+              <a:t>Demos</a:t>
+            </a:r>
+          </a:p>
+        </p:txBody>
+      </p:sp>
+      <p:pic>
+        <p:nvPicPr>
+          <p:cNvPr id="2" name="Picture 1"/>
+          <p:cNvPicPr>
+            <a:picLocks noChangeAspect="1"/>
+          </p:cNvPicPr>
+          <p:nvPr/>
+        </p:nvPicPr>
+        <p:blipFill rotWithShape="1">
+          <a:blip r:embed="rId3">
+            <a:extLst>
+              <a:ext uri="{28A0092B-C50C-407E-A947-70E740481C1C}">
+                <a14:useLocalDpi xmlns:a14="http://schemas.microsoft.com/office/drawing/2010/main" val="0"/>
+              </a:ext>
+            </a:extLst>
+          </a:blip>
+          <a:srcRect l="69227" t="33418" r="20112" b="50548"/>
+          <a:stretch/>
+        </p:blipFill>
+        <p:spPr>
+          <a:xfrm>
+            <a:off x="10386349" y="5029795"/>
+            <a:ext cx="1805651" cy="1991719"/>
+          </a:xfrm>
+          <a:prstGeom prst="rect">
+            <a:avLst/>
+          </a:prstGeom>
+        </p:spPr>
+      </p:pic>
+      <p:sp>
+        <p:nvSpPr>
+          <p:cNvPr id="3" name="TextBox 2"/>
+          <p:cNvSpPr txBox="1"/>
+          <p:nvPr/>
+        </p:nvSpPr>
+        <p:spPr>
+          <a:xfrm>
+            <a:off x="173620" y="219919"/>
+            <a:ext cx="5937813" cy="4832092"/>
+          </a:xfrm>
+          <a:prstGeom prst="rect">
+            <a:avLst/>
+          </a:prstGeom>
+          <a:noFill/>
+        </p:spPr>
+        <p:txBody>
+          <a:bodyPr wrap="square" rtlCol="0">
+            <a:spAutoFit/>
+          </a:bodyPr>
+          <a:lstStyle/>
+          <a:p>
+            <a:endParaRPr lang="en-US" sz="2800" b="1" dirty="0">
+              <a:solidFill>
+                <a:srgbClr val="CF3338"/>
+              </a:solidFill>
+              <a:latin typeface="Pragmatica" pitchFamily="2" charset="0"/>
+            </a:endParaRPr>
+          </a:p>
+          <a:p>
+            <a:pPr marL="514350" indent="-514350">
+              <a:buFont typeface="Arial" panose="020B0604020202020204" pitchFamily="34" charset="0"/>
+              <a:buChar char="•"/>
+            </a:pPr>
+            <a:r>
+              <a:rPr lang="en-US" sz="2800" b="1" dirty="0">
+                <a:solidFill>
+                  <a:srgbClr val="CF3338"/>
+                </a:solidFill>
+                <a:latin typeface="Pragmatica" pitchFamily="2" charset="0"/>
+              </a:rPr>
+              <a:t>Downloads and summary statistics:</a:t>
+            </a:r>
+          </a:p>
+          <a:p>
+            <a:pPr marL="971550" lvl="1" indent="-514350">
+              <a:buFont typeface="Arial" panose="020B0604020202020204" pitchFamily="34" charset="0"/>
+              <a:buChar char="•"/>
+            </a:pPr>
+            <a:r>
+              <a:rPr lang="en-US" sz="2800" b="1" dirty="0">
+                <a:solidFill>
+                  <a:srgbClr val="CF3338"/>
+                </a:solidFill>
+                <a:latin typeface="Pragmatica" pitchFamily="2" charset="0"/>
+              </a:rPr>
+              <a:t>Excel</a:t>
+            </a:r>
+          </a:p>
+          <a:p>
+            <a:pPr marL="971550" lvl="1" indent="-514350">
+              <a:buFont typeface="Arial" panose="020B0604020202020204" pitchFamily="34" charset="0"/>
+              <a:buChar char="•"/>
+            </a:pPr>
+            <a:r>
+              <a:rPr lang="en-US" sz="2800" b="1" dirty="0">
+                <a:solidFill>
+                  <a:srgbClr val="CF3338"/>
+                </a:solidFill>
+                <a:latin typeface="Pragmatica" pitchFamily="2" charset="0"/>
+              </a:rPr>
+              <a:t>R</a:t>
+            </a:r>
+          </a:p>
+          <a:p>
+            <a:pPr marL="971550" lvl="1" indent="-514350">
+              <a:buFont typeface="Arial" panose="020B0604020202020204" pitchFamily="34" charset="0"/>
+              <a:buChar char="•"/>
+            </a:pPr>
+            <a:r>
+              <a:rPr lang="en-US" sz="2800" b="1" dirty="0">
+                <a:solidFill>
+                  <a:srgbClr val="CF3338"/>
+                </a:solidFill>
+                <a:latin typeface="Pragmatica" pitchFamily="2" charset="0"/>
+              </a:rPr>
+              <a:t>Python</a:t>
+            </a:r>
+          </a:p>
+          <a:p>
+            <a:pPr marL="514350" indent="-514350">
+              <a:buFont typeface="Arial" panose="020B0604020202020204" pitchFamily="34" charset="0"/>
+              <a:buChar char="•"/>
+            </a:pPr>
+            <a:r>
+              <a:rPr lang="en-US" sz="2800" b="1" dirty="0">
+                <a:solidFill>
+                  <a:srgbClr val="CF3338"/>
+                </a:solidFill>
+                <a:latin typeface="Pragmatica" pitchFamily="2" charset="0"/>
+              </a:rPr>
+              <a:t>Follow along with demo notes for each</a:t>
+            </a:r>
+          </a:p>
+          <a:p>
+            <a:endParaRPr lang="en-US" sz="2800" b="1" dirty="0">
+              <a:solidFill>
+                <a:srgbClr val="CF3338"/>
+              </a:solidFill>
+              <a:latin typeface="Pragmatica" pitchFamily="2" charset="0"/>
+            </a:endParaRPr>
+          </a:p>
+          <a:p>
+            <a:pPr marL="514350" indent="-514350">
+              <a:buFont typeface="Arial" panose="020B0604020202020204" pitchFamily="34" charset="0"/>
+              <a:buChar char="•"/>
+            </a:pPr>
+            <a:r>
+              <a:rPr lang="en-US" sz="2800" b="1" dirty="0">
+                <a:solidFill>
+                  <a:srgbClr val="CF3338"/>
+                </a:solidFill>
+                <a:latin typeface="Pragmatica" pitchFamily="2" charset="0"/>
+              </a:rPr>
+              <a:t>Let’s get situated… </a:t>
+            </a:r>
+          </a:p>
+          <a:p>
+            <a:pPr marL="971550" lvl="1" indent="-514350">
+              <a:buFont typeface="Arial" panose="020B0604020202020204" pitchFamily="34" charset="0"/>
+              <a:buChar char="•"/>
+            </a:pPr>
+            <a:r>
+              <a:rPr lang="en-US" sz="2800" b="1" dirty="0">
+                <a:solidFill>
+                  <a:srgbClr val="CF3338"/>
+                </a:solidFill>
+                <a:latin typeface="Pragmatica" pitchFamily="2" charset="0"/>
+              </a:rPr>
+              <a:t>File to summarize: </a:t>
+            </a:r>
+            <a:r>
+              <a:rPr lang="en-US" sz="2800" b="1" dirty="0">
+                <a:solidFill>
+                  <a:srgbClr val="CF3338"/>
+                </a:solidFill>
+                <a:latin typeface="Consolas" panose="020B0609020204030204" pitchFamily="49" charset="0"/>
+              </a:rPr>
+              <a:t>plantgrowth.xlsx</a:t>
+            </a:r>
+          </a:p>
+        </p:txBody>
+      </p:sp>
+    </p:spTree>
+    <p:extLst>
+      <p:ext uri="{BB962C8B-B14F-4D97-AF65-F5344CB8AC3E}">
+        <p14:creationId xmlns:p14="http://schemas.microsoft.com/office/powerpoint/2010/main" val="3088895096"/>
+      </p:ext>
+    </p:extLst>
+  </p:cSld>
+  <p:clrMapOvr>
+    <a:masterClrMapping/>
+  </p:clrMapOvr>
+</p:sld>
+</file>
+
+<file path=ppt/slides/slide9.xml><?xml version="1.0" encoding="utf-8"?>
 <p:sld xmlns:a="http://schemas.openxmlformats.org/drawingml/2006/main" xmlns:r="http://schemas.openxmlformats.org/officeDocument/2006/relationships" xmlns:p="http://schemas.openxmlformats.org/presentationml/2006/main">
   <p:cSld>
     <p:spTree>
@@ -6695,7 +8429,7 @@
         <p:spPr>
           <a:xfrm>
             <a:off x="324091" y="1687545"/>
-            <a:ext cx="7986531" cy="1077218"/>
+            <a:ext cx="7986531" cy="769441"/>
           </a:xfrm>
           <a:prstGeom prst="rect">
             <a:avLst/>
@@ -6718,1563 +8452,12 @@
               <a:t>Questions?</a:t>
             </a:r>
           </a:p>
-          <a:p>
-            <a:endParaRPr lang="en-US" sz="2000" b="1" i="1" dirty="0">
-              <a:solidFill>
-                <a:srgbClr val="707070"/>
-              </a:solidFill>
-              <a:latin typeface="Pragmatica" panose="020B0403040502020204" pitchFamily="34" charset="0"/>
-            </a:endParaRPr>
-          </a:p>
-        </p:txBody>
-      </p:sp>
-    </p:spTree>
-    <p:extLst>
-      <p:ext uri="{BB962C8B-B14F-4D97-AF65-F5344CB8AC3E}">
-        <p14:creationId xmlns:p14="http://schemas.microsoft.com/office/powerpoint/2010/main" val="2792158884"/>
-      </p:ext>
-    </p:extLst>
-  </p:cSld>
-  <p:clrMapOvr>
-    <a:masterClrMapping/>
-  </p:clrMapOvr>
-</p:sld>
-</file>
-
-<file path=ppt/slides/slide14.xml><?xml version="1.0" encoding="utf-8"?>
-<p:sld xmlns:a="http://schemas.openxmlformats.org/drawingml/2006/main" xmlns:r="http://schemas.openxmlformats.org/officeDocument/2006/relationships" xmlns:p="http://schemas.openxmlformats.org/presentationml/2006/main">
-  <p:cSld>
-    <p:spTree>
-      <p:nvGrpSpPr>
-        <p:cNvPr id="1" name=""/>
-        <p:cNvGrpSpPr/>
-        <p:nvPr/>
-      </p:nvGrpSpPr>
-      <p:grpSpPr>
-        <a:xfrm>
-          <a:off x="0" y="0"/>
-          <a:ext cx="0" cy="0"/>
-          <a:chOff x="0" y="0"/>
-          <a:chExt cx="0" cy="0"/>
-        </a:xfrm>
-      </p:grpSpPr>
-      <p:pic>
-        <p:nvPicPr>
-          <p:cNvPr id="10" name="Picture 9"/>
-          <p:cNvPicPr>
-            <a:picLocks noChangeAspect="1"/>
-          </p:cNvPicPr>
-          <p:nvPr/>
-        </p:nvPicPr>
-        <p:blipFill rotWithShape="1">
-          <a:blip r:embed="rId2">
-            <a:extLst>
-              <a:ext uri="{28A0092B-C50C-407E-A947-70E740481C1C}">
-                <a14:useLocalDpi xmlns:a14="http://schemas.microsoft.com/office/drawing/2010/main" val="0"/>
-              </a:ext>
-            </a:extLst>
-          </a:blip>
-          <a:srcRect l="50728" t="56371"/>
-          <a:stretch/>
-        </p:blipFill>
-        <p:spPr>
-          <a:xfrm>
-            <a:off x="8136460" y="2210765"/>
-            <a:ext cx="4055539" cy="4647236"/>
-          </a:xfrm>
-          <a:prstGeom prst="rect">
-            <a:avLst/>
-          </a:prstGeom>
-        </p:spPr>
-      </p:pic>
-      <p:pic>
-        <p:nvPicPr>
-          <p:cNvPr id="4" name="Picture 3"/>
-          <p:cNvPicPr>
-            <a:picLocks noChangeAspect="1"/>
-          </p:cNvPicPr>
-          <p:nvPr/>
-        </p:nvPicPr>
-        <p:blipFill>
-          <a:blip r:embed="rId3">
-            <a:extLst>
-              <a:ext uri="{28A0092B-C50C-407E-A947-70E740481C1C}">
-                <a14:useLocalDpi xmlns:a14="http://schemas.microsoft.com/office/drawing/2010/main" val="0"/>
-              </a:ext>
-            </a:extLst>
-          </a:blip>
-          <a:stretch>
-            <a:fillRect/>
-          </a:stretch>
-        </p:blipFill>
-        <p:spPr>
-          <a:xfrm>
-            <a:off x="-538496" y="-2482770"/>
-            <a:ext cx="10171472" cy="7459883"/>
-          </a:xfrm>
-          <a:prstGeom prst="rect">
-            <a:avLst/>
-          </a:prstGeom>
-        </p:spPr>
-      </p:pic>
-      <p:sp>
-        <p:nvSpPr>
-          <p:cNvPr id="11" name="TextBox 10"/>
-          <p:cNvSpPr txBox="1"/>
-          <p:nvPr/>
-        </p:nvSpPr>
-        <p:spPr>
-          <a:xfrm>
-            <a:off x="324091" y="1687545"/>
-            <a:ext cx="7986531" cy="2369880"/>
-          </a:xfrm>
-          <a:prstGeom prst="rect">
-            <a:avLst/>
-          </a:prstGeom>
-          <a:noFill/>
-        </p:spPr>
-        <p:txBody>
-          <a:bodyPr wrap="square" rtlCol="0">
-            <a:spAutoFit/>
-          </a:bodyPr>
-          <a:lstStyle/>
-          <a:p>
-            <a:r>
-              <a:rPr lang="en-US" sz="3600" b="1" dirty="0">
-                <a:solidFill>
-                  <a:srgbClr val="707070"/>
-                </a:solidFill>
-                <a:latin typeface="Pragmatica" panose="020B0403040502020204" pitchFamily="34" charset="0"/>
-              </a:rPr>
-              <a:t>THANK YOU</a:t>
-            </a:r>
-          </a:p>
-          <a:p>
-            <a:endParaRPr lang="en-US" sz="2800" b="1" dirty="0">
-              <a:solidFill>
-                <a:srgbClr val="707070"/>
-              </a:solidFill>
-              <a:latin typeface="Pragmatica" panose="020B0403040502020204" pitchFamily="34" charset="0"/>
-            </a:endParaRPr>
-          </a:p>
-          <a:p>
-            <a:r>
-              <a:rPr lang="en-US" sz="2800" b="1" dirty="0">
-                <a:solidFill>
-                  <a:srgbClr val="707070"/>
-                </a:solidFill>
-                <a:latin typeface="Pragmatica" panose="020B0403040502020204" pitchFamily="34" charset="0"/>
-                <a:hlinkClick r:id="rId4"/>
-              </a:rPr>
-              <a:t>george@stringfestanalytics.com</a:t>
-            </a:r>
-            <a:endParaRPr lang="en-US" sz="2800" b="1" dirty="0">
-              <a:solidFill>
-                <a:srgbClr val="707070"/>
-              </a:solidFill>
-              <a:latin typeface="Pragmatica" panose="020B0403040502020204" pitchFamily="34" charset="0"/>
-            </a:endParaRPr>
-          </a:p>
-          <a:p>
-            <a:r>
-              <a:rPr lang="en-US" sz="2800" b="1" dirty="0">
-                <a:solidFill>
-                  <a:srgbClr val="707070"/>
-                </a:solidFill>
-                <a:latin typeface="Pragmatica" panose="020B0403040502020204" pitchFamily="34" charset="0"/>
-                <a:hlinkClick r:id="rId5"/>
-              </a:rPr>
-              <a:t>linkedin.com/in/gjmount</a:t>
-            </a:r>
-            <a:endParaRPr lang="en-US" sz="2800" b="1" dirty="0">
-              <a:solidFill>
-                <a:srgbClr val="707070"/>
-              </a:solidFill>
-              <a:latin typeface="Pragmatica" panose="020B0403040502020204" pitchFamily="34" charset="0"/>
-            </a:endParaRPr>
-          </a:p>
-          <a:p>
-            <a:r>
-              <a:rPr lang="en-US" sz="2800" b="1" dirty="0">
-                <a:solidFill>
-                  <a:srgbClr val="707070"/>
-                </a:solidFill>
-                <a:latin typeface="Pragmatica" panose="020B0403040502020204" pitchFamily="34" charset="0"/>
-                <a:hlinkClick r:id="rId6"/>
-              </a:rPr>
-              <a:t>stringfestanalytics.com/contact  </a:t>
-            </a:r>
-            <a:endParaRPr lang="en-US" sz="2800" b="1" dirty="0">
-              <a:solidFill>
-                <a:srgbClr val="707070"/>
-              </a:solidFill>
-              <a:latin typeface="Pragmatica" panose="020B0403040502020204" pitchFamily="34" charset="0"/>
-            </a:endParaRPr>
-          </a:p>
-        </p:txBody>
-      </p:sp>
-    </p:spTree>
-    <p:extLst>
-      <p:ext uri="{BB962C8B-B14F-4D97-AF65-F5344CB8AC3E}">
-        <p14:creationId xmlns:p14="http://schemas.microsoft.com/office/powerpoint/2010/main" val="3712320391"/>
-      </p:ext>
-    </p:extLst>
-  </p:cSld>
-  <p:clrMapOvr>
-    <a:masterClrMapping/>
-  </p:clrMapOvr>
-</p:sld>
-</file>
-
-<file path=ppt/slides/slide2.xml><?xml version="1.0" encoding="utf-8"?>
-<p:sld xmlns:a="http://schemas.openxmlformats.org/drawingml/2006/main" xmlns:r="http://schemas.openxmlformats.org/officeDocument/2006/relationships" xmlns:p="http://schemas.openxmlformats.org/presentationml/2006/main">
-  <p:cSld>
-    <p:spTree>
-      <p:nvGrpSpPr>
-        <p:cNvPr id="1" name=""/>
-        <p:cNvGrpSpPr/>
-        <p:nvPr/>
-      </p:nvGrpSpPr>
-      <p:grpSpPr>
-        <a:xfrm>
-          <a:off x="0" y="0"/>
-          <a:ext cx="0" cy="0"/>
-          <a:chOff x="0" y="0"/>
-          <a:chExt cx="0" cy="0"/>
-        </a:xfrm>
-      </p:grpSpPr>
-      <p:pic>
-        <p:nvPicPr>
-          <p:cNvPr id="10" name="Picture 9"/>
-          <p:cNvPicPr>
-            <a:picLocks noChangeAspect="1"/>
-          </p:cNvPicPr>
-          <p:nvPr/>
-        </p:nvPicPr>
-        <p:blipFill rotWithShape="1">
-          <a:blip r:embed="rId2">
-            <a:extLst>
-              <a:ext uri="{28A0092B-C50C-407E-A947-70E740481C1C}">
-                <a14:useLocalDpi xmlns:a14="http://schemas.microsoft.com/office/drawing/2010/main" val="0"/>
-              </a:ext>
-            </a:extLst>
-          </a:blip>
-          <a:srcRect l="50728" t="56371"/>
-          <a:stretch/>
-        </p:blipFill>
-        <p:spPr>
-          <a:xfrm>
-            <a:off x="10894024" y="5370653"/>
-            <a:ext cx="1297975" cy="1487348"/>
-          </a:xfrm>
-          <a:prstGeom prst="rect">
-            <a:avLst/>
-          </a:prstGeom>
-        </p:spPr>
-      </p:pic>
-      <p:sp>
-        <p:nvSpPr>
-          <p:cNvPr id="11" name="TextBox 10"/>
-          <p:cNvSpPr txBox="1"/>
-          <p:nvPr/>
-        </p:nvSpPr>
-        <p:spPr>
-          <a:xfrm>
-            <a:off x="347240" y="113388"/>
-            <a:ext cx="9799937" cy="1015663"/>
-          </a:xfrm>
-          <a:prstGeom prst="rect">
-            <a:avLst/>
-          </a:prstGeom>
-          <a:noFill/>
-        </p:spPr>
-        <p:txBody>
-          <a:bodyPr wrap="square" rtlCol="0">
-            <a:spAutoFit/>
-          </a:bodyPr>
-          <a:lstStyle/>
-          <a:p>
-            <a:r>
-              <a:rPr lang="en-US" sz="6000" dirty="0">
-                <a:latin typeface="Aliens &amp; cows" panose="00000500000000000000" pitchFamily="2" charset="0"/>
-              </a:rPr>
-              <a:t>Chat me up…</a:t>
-            </a:r>
-          </a:p>
-        </p:txBody>
-      </p:sp>
-      <p:sp>
-        <p:nvSpPr>
-          <p:cNvPr id="3" name="TextBox 2"/>
-          <p:cNvSpPr txBox="1"/>
-          <p:nvPr/>
-        </p:nvSpPr>
-        <p:spPr>
-          <a:xfrm>
-            <a:off x="462987" y="1365813"/>
-            <a:ext cx="9595413" cy="1815882"/>
-          </a:xfrm>
-          <a:prstGeom prst="rect">
-            <a:avLst/>
-          </a:prstGeom>
-          <a:noFill/>
-        </p:spPr>
-        <p:txBody>
-          <a:bodyPr wrap="square" rtlCol="0">
-            <a:spAutoFit/>
-          </a:bodyPr>
-          <a:lstStyle/>
-          <a:p>
-            <a:pPr marL="285750" indent="-285750">
-              <a:buFont typeface="Arial" panose="020B0604020202020204" pitchFamily="34" charset="0"/>
-              <a:buChar char="•"/>
-            </a:pPr>
-            <a:r>
-              <a:rPr lang="en-US" sz="2800" dirty="0">
-                <a:solidFill>
-                  <a:srgbClr val="707070"/>
-                </a:solidFill>
-                <a:latin typeface="Pragmatica" panose="020B0403040502020204" pitchFamily="34" charset="0"/>
-              </a:rPr>
-              <a:t>What excites you about these topics? What scares you?</a:t>
-            </a:r>
-          </a:p>
-          <a:p>
-            <a:pPr marL="285750" indent="-285750">
-              <a:buFont typeface="Arial" panose="020B0604020202020204" pitchFamily="34" charset="0"/>
-              <a:buChar char="•"/>
-            </a:pPr>
-            <a:r>
-              <a:rPr lang="en-US" sz="2800" dirty="0">
-                <a:solidFill>
-                  <a:srgbClr val="707070"/>
-                </a:solidFill>
-                <a:latin typeface="Pragmatica" panose="020B0403040502020204" pitchFamily="34" charset="0"/>
-              </a:rPr>
-              <a:t>What has blocked you? </a:t>
-            </a:r>
-          </a:p>
-          <a:p>
-            <a:pPr marL="285750" indent="-285750">
-              <a:buFont typeface="Arial" panose="020B0604020202020204" pitchFamily="34" charset="0"/>
-              <a:buChar char="•"/>
-            </a:pPr>
-            <a:endParaRPr lang="en-US" sz="2800" dirty="0">
-              <a:solidFill>
-                <a:srgbClr val="707070"/>
-              </a:solidFill>
-              <a:latin typeface="Pragmatica" panose="020B0403040502020204" pitchFamily="34" charset="0"/>
-            </a:endParaRPr>
-          </a:p>
-          <a:p>
-            <a:endParaRPr lang="en-US" sz="2800" dirty="0">
-              <a:solidFill>
-                <a:srgbClr val="707070"/>
-              </a:solidFill>
-              <a:latin typeface="Pragmatica" panose="020B0403040502020204" pitchFamily="34" charset="0"/>
-            </a:endParaRPr>
-          </a:p>
-        </p:txBody>
-      </p:sp>
-    </p:spTree>
-    <p:extLst>
-      <p:ext uri="{BB962C8B-B14F-4D97-AF65-F5344CB8AC3E}">
-        <p14:creationId xmlns:p14="http://schemas.microsoft.com/office/powerpoint/2010/main" val="648952694"/>
-      </p:ext>
-    </p:extLst>
-  </p:cSld>
-  <p:clrMapOvr>
-    <a:masterClrMapping/>
-  </p:clrMapOvr>
-</p:sld>
-</file>
-
-<file path=ppt/slides/slide3.xml><?xml version="1.0" encoding="utf-8"?>
-<p:sld xmlns:a="http://schemas.openxmlformats.org/drawingml/2006/main" xmlns:r="http://schemas.openxmlformats.org/officeDocument/2006/relationships" xmlns:p="http://schemas.openxmlformats.org/presentationml/2006/main">
-  <p:cSld>
-    <p:spTree>
-      <p:nvGrpSpPr>
-        <p:cNvPr id="1" name=""/>
-        <p:cNvGrpSpPr/>
-        <p:nvPr/>
-      </p:nvGrpSpPr>
-      <p:grpSpPr>
-        <a:xfrm>
-          <a:off x="0" y="0"/>
-          <a:ext cx="0" cy="0"/>
-          <a:chOff x="0" y="0"/>
-          <a:chExt cx="0" cy="0"/>
-        </a:xfrm>
-      </p:grpSpPr>
-      <p:pic>
-        <p:nvPicPr>
-          <p:cNvPr id="10" name="Picture 9"/>
-          <p:cNvPicPr>
-            <a:picLocks noChangeAspect="1"/>
-          </p:cNvPicPr>
-          <p:nvPr/>
-        </p:nvPicPr>
-        <p:blipFill rotWithShape="1">
-          <a:blip r:embed="rId2">
-            <a:extLst>
-              <a:ext uri="{28A0092B-C50C-407E-A947-70E740481C1C}">
-                <a14:useLocalDpi xmlns:a14="http://schemas.microsoft.com/office/drawing/2010/main" val="0"/>
-              </a:ext>
-            </a:extLst>
-          </a:blip>
-          <a:srcRect l="50728" t="56371"/>
-          <a:stretch/>
-        </p:blipFill>
-        <p:spPr>
-          <a:xfrm>
-            <a:off x="10894024" y="5370653"/>
-            <a:ext cx="1297975" cy="1487348"/>
-          </a:xfrm>
-          <a:prstGeom prst="rect">
-            <a:avLst/>
-          </a:prstGeom>
-        </p:spPr>
-      </p:pic>
-      <p:sp>
-        <p:nvSpPr>
-          <p:cNvPr id="11" name="TextBox 10"/>
-          <p:cNvSpPr txBox="1"/>
-          <p:nvPr/>
-        </p:nvSpPr>
-        <p:spPr>
-          <a:xfrm>
-            <a:off x="347240" y="113388"/>
-            <a:ext cx="9799937" cy="1015663"/>
-          </a:xfrm>
-          <a:prstGeom prst="rect">
-            <a:avLst/>
-          </a:prstGeom>
-          <a:noFill/>
-        </p:spPr>
-        <p:txBody>
-          <a:bodyPr wrap="square" rtlCol="0">
-            <a:spAutoFit/>
-          </a:bodyPr>
-          <a:lstStyle/>
-          <a:p>
-            <a:r>
-              <a:rPr lang="en-US" sz="6000" dirty="0">
-                <a:latin typeface="Aliens &amp; cows" panose="00000500000000000000" pitchFamily="2" charset="0"/>
-              </a:rPr>
-              <a:t>Learning objectives</a:t>
-            </a:r>
-          </a:p>
-        </p:txBody>
-      </p:sp>
-      <p:sp>
-        <p:nvSpPr>
-          <p:cNvPr id="3" name="TextBox 2"/>
-          <p:cNvSpPr txBox="1"/>
-          <p:nvPr/>
-        </p:nvSpPr>
-        <p:spPr>
-          <a:xfrm>
-            <a:off x="462987" y="1365813"/>
-            <a:ext cx="9595413" cy="2246769"/>
-          </a:xfrm>
-          <a:prstGeom prst="rect">
-            <a:avLst/>
-          </a:prstGeom>
-          <a:noFill/>
-        </p:spPr>
-        <p:txBody>
-          <a:bodyPr wrap="square" rtlCol="0">
-            <a:spAutoFit/>
-          </a:bodyPr>
-          <a:lstStyle/>
-          <a:p>
-            <a:pPr marL="285750" indent="-285750">
-              <a:buFont typeface="Arial" panose="020B0604020202020204" pitchFamily="34" charset="0"/>
-              <a:buChar char="•"/>
-            </a:pPr>
-            <a:r>
-              <a:rPr lang="en-US" sz="2800" dirty="0">
-                <a:solidFill>
-                  <a:srgbClr val="707070"/>
-                </a:solidFill>
-                <a:latin typeface="Pragmatica" panose="020B0403040502020204" pitchFamily="34" charset="0"/>
-              </a:rPr>
-              <a:t>Situate Excel, R and Python in the data analytics stack</a:t>
-            </a:r>
-          </a:p>
-          <a:p>
-            <a:pPr marL="285750" indent="-285750">
-              <a:buFont typeface="Arial" panose="020B0604020202020204" pitchFamily="34" charset="0"/>
-              <a:buChar char="•"/>
-            </a:pPr>
-            <a:r>
-              <a:rPr lang="en-US" sz="2800" dirty="0">
-                <a:solidFill>
-                  <a:srgbClr val="707070"/>
-                </a:solidFill>
-                <a:latin typeface="Pragmatica" panose="020B0403040502020204" pitchFamily="34" charset="0"/>
-              </a:rPr>
-              <a:t>Prepare a Windows computer to work in all three</a:t>
-            </a:r>
-          </a:p>
-          <a:p>
-            <a:pPr marL="285750" indent="-285750">
-              <a:buFont typeface="Arial" panose="020B0604020202020204" pitchFamily="34" charset="0"/>
-              <a:buChar char="•"/>
-            </a:pPr>
-            <a:r>
-              <a:rPr lang="en-US" sz="2800" dirty="0">
-                <a:solidFill>
-                  <a:srgbClr val="707070"/>
-                </a:solidFill>
-                <a:latin typeface="Pragmatica" panose="020B0403040502020204" pitchFamily="34" charset="0"/>
-              </a:rPr>
-              <a:t>Run summary statistics on a dataset in all three</a:t>
-            </a:r>
-          </a:p>
-          <a:p>
-            <a:pPr marL="285750" indent="-285750">
-              <a:buFont typeface="Arial" panose="020B0604020202020204" pitchFamily="34" charset="0"/>
-              <a:buChar char="•"/>
-            </a:pPr>
-            <a:endParaRPr lang="en-US" sz="2800" dirty="0">
-              <a:solidFill>
-                <a:srgbClr val="707070"/>
-              </a:solidFill>
-              <a:latin typeface="Pragmatica" panose="020B0403040502020204" pitchFamily="34" charset="0"/>
-            </a:endParaRPr>
-          </a:p>
-          <a:p>
-            <a:endParaRPr lang="en-US" sz="2800" dirty="0">
-              <a:solidFill>
-                <a:srgbClr val="707070"/>
-              </a:solidFill>
-              <a:latin typeface="Pragmatica" panose="020B0403040502020204" pitchFamily="34" charset="0"/>
-            </a:endParaRPr>
-          </a:p>
-        </p:txBody>
-      </p:sp>
-    </p:spTree>
-    <p:extLst>
-      <p:ext uri="{BB962C8B-B14F-4D97-AF65-F5344CB8AC3E}">
-        <p14:creationId xmlns:p14="http://schemas.microsoft.com/office/powerpoint/2010/main" val="3245169404"/>
-      </p:ext>
-    </p:extLst>
-  </p:cSld>
-  <p:clrMapOvr>
-    <a:masterClrMapping/>
-  </p:clrMapOvr>
-</p:sld>
-</file>
-
-<file path=ppt/slides/slide4.xml><?xml version="1.0" encoding="utf-8"?>
-<p:sld xmlns:a="http://schemas.openxmlformats.org/drawingml/2006/main" xmlns:r="http://schemas.openxmlformats.org/officeDocument/2006/relationships" xmlns:p="http://schemas.openxmlformats.org/presentationml/2006/main">
-  <p:cSld>
-    <p:spTree>
-      <p:nvGrpSpPr>
-        <p:cNvPr id="1" name=""/>
-        <p:cNvGrpSpPr/>
-        <p:nvPr/>
-      </p:nvGrpSpPr>
-      <p:grpSpPr>
-        <a:xfrm>
-          <a:off x="0" y="0"/>
-          <a:ext cx="0" cy="0"/>
-          <a:chOff x="0" y="0"/>
-          <a:chExt cx="0" cy="0"/>
-        </a:xfrm>
-      </p:grpSpPr>
-      <p:pic>
-        <p:nvPicPr>
-          <p:cNvPr id="10" name="Picture 9"/>
-          <p:cNvPicPr>
-            <a:picLocks noChangeAspect="1"/>
-          </p:cNvPicPr>
-          <p:nvPr/>
-        </p:nvPicPr>
-        <p:blipFill rotWithShape="1">
-          <a:blip r:embed="rId3">
-            <a:extLst>
-              <a:ext uri="{28A0092B-C50C-407E-A947-70E740481C1C}">
-                <a14:useLocalDpi xmlns:a14="http://schemas.microsoft.com/office/drawing/2010/main" val="0"/>
-              </a:ext>
-            </a:extLst>
-          </a:blip>
-          <a:srcRect l="50728" t="56371"/>
-          <a:stretch/>
-        </p:blipFill>
-        <p:spPr>
-          <a:xfrm>
-            <a:off x="10894024" y="5370653"/>
-            <a:ext cx="1297975" cy="1487348"/>
-          </a:xfrm>
-          <a:prstGeom prst="rect">
-            <a:avLst/>
-          </a:prstGeom>
-        </p:spPr>
-      </p:pic>
-      <p:sp>
-        <p:nvSpPr>
-          <p:cNvPr id="11" name="TextBox 10"/>
-          <p:cNvSpPr txBox="1"/>
-          <p:nvPr/>
-        </p:nvSpPr>
-        <p:spPr>
-          <a:xfrm>
-            <a:off x="347240" y="113388"/>
-            <a:ext cx="9799937" cy="1015663"/>
-          </a:xfrm>
-          <a:prstGeom prst="rect">
-            <a:avLst/>
-          </a:prstGeom>
-          <a:noFill/>
-        </p:spPr>
-        <p:txBody>
-          <a:bodyPr wrap="square" rtlCol="0">
-            <a:spAutoFit/>
-          </a:bodyPr>
-          <a:lstStyle/>
-          <a:p>
-            <a:r>
-              <a:rPr lang="en-US" sz="6000" dirty="0">
-                <a:latin typeface="Aliens &amp; cows" panose="00000500000000000000" pitchFamily="2" charset="0"/>
-              </a:rPr>
-              <a:t>Follow along</a:t>
-            </a:r>
-          </a:p>
-        </p:txBody>
-      </p:sp>
-      <p:sp>
-        <p:nvSpPr>
-          <p:cNvPr id="3" name="TextBox 2"/>
-          <p:cNvSpPr txBox="1"/>
-          <p:nvPr/>
-        </p:nvSpPr>
-        <p:spPr>
-          <a:xfrm>
-            <a:off x="462987" y="1365813"/>
-            <a:ext cx="8387397" cy="1384995"/>
-          </a:xfrm>
-          <a:prstGeom prst="rect">
-            <a:avLst/>
-          </a:prstGeom>
-          <a:noFill/>
-        </p:spPr>
-        <p:txBody>
-          <a:bodyPr wrap="square" rtlCol="0">
-            <a:spAutoFit/>
-          </a:bodyPr>
-          <a:lstStyle/>
-          <a:p>
-            <a:pPr marL="285750" indent="-285750">
-              <a:buFont typeface="Arial" panose="020B0604020202020204" pitchFamily="34" charset="0"/>
-              <a:buChar char="•"/>
-            </a:pPr>
-            <a:r>
-              <a:rPr lang="en-US" sz="2800" dirty="0">
-                <a:solidFill>
-                  <a:srgbClr val="707070"/>
-                </a:solidFill>
-                <a:latin typeface="Pragmatica" panose="020B0403040502020204" pitchFamily="34" charset="0"/>
-              </a:rPr>
-              <a:t>Download resources: </a:t>
-            </a:r>
-            <a:r>
-              <a:rPr lang="en-US" sz="2800" dirty="0">
-                <a:solidFill>
-                  <a:srgbClr val="707070"/>
-                </a:solidFill>
-                <a:latin typeface="Pragmatica" panose="020B0403040502020204" pitchFamily="34" charset="0"/>
-                <a:hlinkClick r:id="rId4"/>
-              </a:rPr>
-              <a:t>https://github.com/stringfestdata/aina-getting-started</a:t>
-            </a:r>
-            <a:r>
-              <a:rPr lang="en-US" sz="2800" dirty="0">
-                <a:solidFill>
-                  <a:srgbClr val="707070"/>
-                </a:solidFill>
-                <a:latin typeface="Pragmatica" panose="020B0403040502020204" pitchFamily="34" charset="0"/>
-              </a:rPr>
-              <a:t>  </a:t>
-            </a:r>
-          </a:p>
-        </p:txBody>
-      </p:sp>
-      <p:pic>
-        <p:nvPicPr>
-          <p:cNvPr id="5" name="Picture 4">
-            <a:extLst>
-              <a:ext uri="{FF2B5EF4-FFF2-40B4-BE49-F238E27FC236}">
-                <a16:creationId xmlns:a16="http://schemas.microsoft.com/office/drawing/2014/main" id="{F4BFB83D-D2B3-4340-A5CC-669A243BAA7D}"/>
-              </a:ext>
-            </a:extLst>
-          </p:cNvPr>
-          <p:cNvPicPr>
-            <a:picLocks noChangeAspect="1"/>
-          </p:cNvPicPr>
-          <p:nvPr/>
-        </p:nvPicPr>
-        <p:blipFill>
-          <a:blip r:embed="rId5"/>
-          <a:stretch>
-            <a:fillRect/>
-          </a:stretch>
-        </p:blipFill>
-        <p:spPr>
-          <a:xfrm>
-            <a:off x="3697861" y="2610170"/>
-            <a:ext cx="8494139" cy="4106258"/>
-          </a:xfrm>
-          <a:prstGeom prst="rect">
-            <a:avLst/>
-          </a:prstGeom>
-        </p:spPr>
-      </p:pic>
-    </p:spTree>
-    <p:extLst>
-      <p:ext uri="{BB962C8B-B14F-4D97-AF65-F5344CB8AC3E}">
-        <p14:creationId xmlns:p14="http://schemas.microsoft.com/office/powerpoint/2010/main" val="4141627579"/>
-      </p:ext>
-    </p:extLst>
-  </p:cSld>
-  <p:clrMapOvr>
-    <a:masterClrMapping/>
-  </p:clrMapOvr>
-</p:sld>
-</file>
-
-<file path=ppt/slides/slide5.xml><?xml version="1.0" encoding="utf-8"?>
-<p:sld xmlns:a="http://schemas.openxmlformats.org/drawingml/2006/main" xmlns:r="http://schemas.openxmlformats.org/officeDocument/2006/relationships" xmlns:p="http://schemas.openxmlformats.org/presentationml/2006/main">
-  <p:cSld>
-    <p:spTree>
-      <p:nvGrpSpPr>
-        <p:cNvPr id="1" name=""/>
-        <p:cNvGrpSpPr/>
-        <p:nvPr/>
-      </p:nvGrpSpPr>
-      <p:grpSpPr>
-        <a:xfrm>
-          <a:off x="0" y="0"/>
-          <a:ext cx="0" cy="0"/>
-          <a:chOff x="0" y="0"/>
-          <a:chExt cx="0" cy="0"/>
-        </a:xfrm>
-      </p:grpSpPr>
-      <p:pic>
-        <p:nvPicPr>
-          <p:cNvPr id="10" name="Picture 9"/>
-          <p:cNvPicPr>
-            <a:picLocks noChangeAspect="1"/>
-          </p:cNvPicPr>
-          <p:nvPr/>
-        </p:nvPicPr>
-        <p:blipFill rotWithShape="1">
-          <a:blip r:embed="rId2">
-            <a:extLst>
-              <a:ext uri="{28A0092B-C50C-407E-A947-70E740481C1C}">
-                <a14:useLocalDpi xmlns:a14="http://schemas.microsoft.com/office/drawing/2010/main" val="0"/>
-              </a:ext>
-            </a:extLst>
-          </a:blip>
-          <a:srcRect l="50728" t="56371"/>
-          <a:stretch/>
-        </p:blipFill>
-        <p:spPr>
-          <a:xfrm>
-            <a:off x="8136460" y="2210765"/>
-            <a:ext cx="4055539" cy="4647236"/>
-          </a:xfrm>
-          <a:prstGeom prst="rect">
-            <a:avLst/>
-          </a:prstGeom>
-        </p:spPr>
-      </p:pic>
-      <p:pic>
-        <p:nvPicPr>
-          <p:cNvPr id="4" name="Picture 3"/>
-          <p:cNvPicPr>
-            <a:picLocks noChangeAspect="1"/>
-          </p:cNvPicPr>
-          <p:nvPr/>
-        </p:nvPicPr>
-        <p:blipFill>
-          <a:blip r:embed="rId3">
-            <a:extLst>
-              <a:ext uri="{28A0092B-C50C-407E-A947-70E740481C1C}">
-                <a14:useLocalDpi xmlns:a14="http://schemas.microsoft.com/office/drawing/2010/main" val="0"/>
-              </a:ext>
-            </a:extLst>
-          </a:blip>
-          <a:stretch>
-            <a:fillRect/>
-          </a:stretch>
-        </p:blipFill>
-        <p:spPr>
-          <a:xfrm>
-            <a:off x="-538496" y="-2482770"/>
-            <a:ext cx="10171472" cy="7459883"/>
-          </a:xfrm>
-          <a:prstGeom prst="rect">
-            <a:avLst/>
-          </a:prstGeom>
-        </p:spPr>
-      </p:pic>
-      <p:sp>
-        <p:nvSpPr>
-          <p:cNvPr id="11" name="TextBox 10"/>
-          <p:cNvSpPr txBox="1"/>
-          <p:nvPr/>
-        </p:nvSpPr>
-        <p:spPr>
-          <a:xfrm>
-            <a:off x="324091" y="1687545"/>
-            <a:ext cx="7986531" cy="769441"/>
-          </a:xfrm>
-          <a:prstGeom prst="rect">
-            <a:avLst/>
-          </a:prstGeom>
-          <a:noFill/>
-        </p:spPr>
-        <p:txBody>
-          <a:bodyPr wrap="square" rtlCol="0">
-            <a:spAutoFit/>
-          </a:bodyPr>
-          <a:lstStyle/>
-          <a:p>
-            <a:r>
-              <a:rPr lang="en-US" sz="4400" b="1" dirty="0">
-                <a:solidFill>
-                  <a:srgbClr val="707070"/>
-                </a:solidFill>
-                <a:latin typeface="Pragmatica" panose="020B0403040502020204" pitchFamily="34" charset="0"/>
-              </a:rPr>
-              <a:t>Questions?</a:t>
-            </a:r>
-          </a:p>
-        </p:txBody>
-      </p:sp>
-    </p:spTree>
-    <p:extLst>
-      <p:ext uri="{BB962C8B-B14F-4D97-AF65-F5344CB8AC3E}">
-        <p14:creationId xmlns:p14="http://schemas.microsoft.com/office/powerpoint/2010/main" val="883313013"/>
-      </p:ext>
-    </p:extLst>
-  </p:cSld>
-  <p:clrMapOvr>
-    <a:masterClrMapping/>
-  </p:clrMapOvr>
-</p:sld>
-</file>
-
-<file path=ppt/slides/slide6.xml><?xml version="1.0" encoding="utf-8"?>
-<p:sld xmlns:a="http://schemas.openxmlformats.org/drawingml/2006/main" xmlns:r="http://schemas.openxmlformats.org/officeDocument/2006/relationships" xmlns:p="http://schemas.openxmlformats.org/presentationml/2006/main">
-  <p:cSld>
-    <p:spTree>
-      <p:nvGrpSpPr>
-        <p:cNvPr id="1" name=""/>
-        <p:cNvGrpSpPr/>
-        <p:nvPr/>
-      </p:nvGrpSpPr>
-      <p:grpSpPr>
-        <a:xfrm>
-          <a:off x="0" y="0"/>
-          <a:ext cx="0" cy="0"/>
-          <a:chOff x="0" y="0"/>
-          <a:chExt cx="0" cy="0"/>
-        </a:xfrm>
-      </p:grpSpPr>
-      <p:pic>
-        <p:nvPicPr>
-          <p:cNvPr id="10" name="Picture 9"/>
-          <p:cNvPicPr>
-            <a:picLocks noChangeAspect="1"/>
-          </p:cNvPicPr>
-          <p:nvPr/>
-        </p:nvPicPr>
-        <p:blipFill rotWithShape="1">
-          <a:blip r:embed="rId3">
-            <a:extLst>
-              <a:ext uri="{28A0092B-C50C-407E-A947-70E740481C1C}">
-                <a14:useLocalDpi xmlns:a14="http://schemas.microsoft.com/office/drawing/2010/main" val="0"/>
-              </a:ext>
-            </a:extLst>
-          </a:blip>
-          <a:srcRect l="50728" t="56371"/>
-          <a:stretch/>
-        </p:blipFill>
-        <p:spPr>
-          <a:xfrm>
-            <a:off x="10894024" y="5370653"/>
-            <a:ext cx="1297975" cy="1487348"/>
-          </a:xfrm>
-          <a:prstGeom prst="rect">
-            <a:avLst/>
-          </a:prstGeom>
-        </p:spPr>
-      </p:pic>
-      <p:sp>
-        <p:nvSpPr>
-          <p:cNvPr id="11" name="TextBox 10"/>
-          <p:cNvSpPr txBox="1"/>
-          <p:nvPr/>
-        </p:nvSpPr>
-        <p:spPr>
-          <a:xfrm>
-            <a:off x="347240" y="113388"/>
-            <a:ext cx="9799937" cy="1015663"/>
-          </a:xfrm>
-          <a:prstGeom prst="rect">
-            <a:avLst/>
-          </a:prstGeom>
-          <a:noFill/>
-        </p:spPr>
-        <p:txBody>
-          <a:bodyPr wrap="square" rtlCol="0">
-            <a:spAutoFit/>
-          </a:bodyPr>
-          <a:lstStyle/>
-          <a:p>
-            <a:r>
-              <a:rPr lang="en-US" sz="6000" dirty="0">
-                <a:latin typeface="Aliens &amp; cows" panose="00000500000000000000" pitchFamily="2" charset="0"/>
-              </a:rPr>
-              <a:t>Become a full-stack analyst</a:t>
-            </a:r>
-          </a:p>
-        </p:txBody>
-      </p:sp>
-      <p:pic>
-        <p:nvPicPr>
-          <p:cNvPr id="4" name="Picture 3" descr="Diagram, text&#10;&#10;Description automatically generated">
-            <a:extLst>
-              <a:ext uri="{FF2B5EF4-FFF2-40B4-BE49-F238E27FC236}">
-                <a16:creationId xmlns:a16="http://schemas.microsoft.com/office/drawing/2014/main" id="{69888AE4-E6A5-42EE-8C41-9647CFF76E35}"/>
-              </a:ext>
-            </a:extLst>
-          </p:cNvPr>
-          <p:cNvPicPr>
-            <a:picLocks noChangeAspect="1"/>
-          </p:cNvPicPr>
-          <p:nvPr/>
-        </p:nvPicPr>
-        <p:blipFill>
-          <a:blip r:embed="rId4">
-            <a:extLst>
-              <a:ext uri="{28A0092B-C50C-407E-A947-70E740481C1C}">
-                <a14:useLocalDpi xmlns:a14="http://schemas.microsoft.com/office/drawing/2010/main" val="0"/>
-              </a:ext>
-            </a:extLst>
-          </a:blip>
-          <a:stretch>
-            <a:fillRect/>
-          </a:stretch>
-        </p:blipFill>
-        <p:spPr>
-          <a:xfrm>
-            <a:off x="1929935" y="1777154"/>
-            <a:ext cx="8555449" cy="4024138"/>
-          </a:xfrm>
-          <a:prstGeom prst="rect">
-            <a:avLst/>
-          </a:prstGeom>
-        </p:spPr>
-      </p:pic>
-      <p:sp>
-        <p:nvSpPr>
-          <p:cNvPr id="7" name="TextBox 6">
-            <a:extLst>
-              <a:ext uri="{FF2B5EF4-FFF2-40B4-BE49-F238E27FC236}">
-                <a16:creationId xmlns:a16="http://schemas.microsoft.com/office/drawing/2014/main" id="{CFAB272F-EC83-45BA-935F-DFBF5407D2B6}"/>
-              </a:ext>
-            </a:extLst>
-          </p:cNvPr>
-          <p:cNvSpPr txBox="1"/>
-          <p:nvPr/>
-        </p:nvSpPr>
-        <p:spPr>
-          <a:xfrm>
-            <a:off x="261704" y="6114327"/>
-            <a:ext cx="9493446" cy="369332"/>
-          </a:xfrm>
-          <a:prstGeom prst="rect">
-            <a:avLst/>
-          </a:prstGeom>
-          <a:noFill/>
-        </p:spPr>
-        <p:txBody>
-          <a:bodyPr wrap="square" rtlCol="0">
-            <a:spAutoFit/>
-          </a:bodyPr>
-          <a:lstStyle/>
-          <a:p>
-            <a:r>
-              <a:rPr lang="en-US" dirty="0">
-                <a:solidFill>
-                  <a:schemeClr val="bg1">
-                    <a:lumMod val="50000"/>
-                  </a:schemeClr>
-                </a:solidFill>
-                <a:latin typeface="Pragmatica" pitchFamily="2" charset="0"/>
-              </a:rPr>
-              <a:t>Mount, George. </a:t>
-            </a:r>
-            <a:r>
-              <a:rPr lang="en-US" i="1" dirty="0">
-                <a:solidFill>
-                  <a:schemeClr val="bg1">
-                    <a:lumMod val="50000"/>
-                  </a:schemeClr>
-                </a:solidFill>
-                <a:latin typeface="Pragmatica" pitchFamily="2" charset="0"/>
-              </a:rPr>
-              <a:t>Advancing into Analytics: From Excel to Python and R</a:t>
-            </a:r>
-            <a:r>
-              <a:rPr lang="en-US" dirty="0">
-                <a:solidFill>
-                  <a:schemeClr val="bg1">
-                    <a:lumMod val="50000"/>
-                  </a:schemeClr>
-                </a:solidFill>
-                <a:latin typeface="Pragmatica" pitchFamily="2" charset="0"/>
-              </a:rPr>
-              <a:t>. O’Reilly Media, 2021</a:t>
-            </a:r>
-            <a:endParaRPr lang="en-US" i="1" dirty="0">
-              <a:solidFill>
-                <a:schemeClr val="bg1">
-                  <a:lumMod val="50000"/>
-                </a:schemeClr>
-              </a:solidFill>
-              <a:latin typeface="Pragmatica" pitchFamily="2" charset="0"/>
-            </a:endParaRPr>
-          </a:p>
-        </p:txBody>
-      </p:sp>
-    </p:spTree>
-    <p:extLst>
-      <p:ext uri="{BB962C8B-B14F-4D97-AF65-F5344CB8AC3E}">
-        <p14:creationId xmlns:p14="http://schemas.microsoft.com/office/powerpoint/2010/main" val="3729633991"/>
-      </p:ext>
-    </p:extLst>
-  </p:cSld>
-  <p:clrMapOvr>
-    <a:masterClrMapping/>
-  </p:clrMapOvr>
-</p:sld>
-</file>
-
-<file path=ppt/slides/slide7.xml><?xml version="1.0" encoding="utf-8"?>
-<p:sld xmlns:a="http://schemas.openxmlformats.org/drawingml/2006/main" xmlns:r="http://schemas.openxmlformats.org/officeDocument/2006/relationships" xmlns:p="http://schemas.openxmlformats.org/presentationml/2006/main">
-  <p:cSld>
-    <p:spTree>
-      <p:nvGrpSpPr>
-        <p:cNvPr id="1" name=""/>
-        <p:cNvGrpSpPr/>
-        <p:nvPr/>
-      </p:nvGrpSpPr>
-      <p:grpSpPr>
-        <a:xfrm>
-          <a:off x="0" y="0"/>
-          <a:ext cx="0" cy="0"/>
-          <a:chOff x="0" y="0"/>
-          <a:chExt cx="0" cy="0"/>
-        </a:xfrm>
-      </p:grpSpPr>
-      <p:sp>
-        <p:nvSpPr>
-          <p:cNvPr id="4" name="Rectangle 3"/>
-          <p:cNvSpPr/>
-          <p:nvPr/>
-        </p:nvSpPr>
-        <p:spPr>
-          <a:xfrm>
-            <a:off x="6574420" y="0"/>
-            <a:ext cx="5617580" cy="6858000"/>
-          </a:xfrm>
-          <a:prstGeom prst="rect">
-            <a:avLst/>
-          </a:prstGeom>
-          <a:solidFill>
-            <a:srgbClr val="CF3338"/>
-          </a:solidFill>
-        </p:spPr>
-        <p:style>
-          <a:lnRef idx="2">
-            <a:schemeClr val="accent1">
-              <a:shade val="50000"/>
-            </a:schemeClr>
-          </a:lnRef>
-          <a:fillRef idx="1">
-            <a:schemeClr val="accent1"/>
-          </a:fillRef>
-          <a:effectRef idx="0">
-            <a:schemeClr val="accent1"/>
-          </a:effectRef>
-          <a:fontRef idx="minor">
-            <a:schemeClr val="lt1"/>
-          </a:fontRef>
-        </p:style>
-        <p:txBody>
-          <a:bodyPr rtlCol="0" anchor="ctr"/>
-          <a:lstStyle/>
-          <a:p>
-            <a:pPr algn="ctr"/>
-            <a:endParaRPr lang="en-US"/>
-          </a:p>
-        </p:txBody>
-      </p:sp>
-      <p:sp>
-        <p:nvSpPr>
-          <p:cNvPr id="5" name="TextBox 4"/>
-          <p:cNvSpPr txBox="1"/>
-          <p:nvPr/>
-        </p:nvSpPr>
-        <p:spPr>
-          <a:xfrm>
-            <a:off x="6817489" y="0"/>
-            <a:ext cx="4120587" cy="1446550"/>
-          </a:xfrm>
-          <a:prstGeom prst="rect">
-            <a:avLst/>
-          </a:prstGeom>
-          <a:noFill/>
-        </p:spPr>
-        <p:txBody>
-          <a:bodyPr wrap="square" rtlCol="0">
-            <a:spAutoFit/>
-          </a:bodyPr>
-          <a:lstStyle/>
-          <a:p>
-            <a:r>
-              <a:rPr lang="en-US" sz="8800" dirty="0">
-                <a:solidFill>
-                  <a:schemeClr val="bg1"/>
-                </a:solidFill>
-                <a:latin typeface="Aliens &amp; cows" panose="00000500000000000000" pitchFamily="2" charset="0"/>
-              </a:rPr>
-              <a:t>Demos</a:t>
-            </a:r>
-          </a:p>
-        </p:txBody>
-      </p:sp>
-      <p:pic>
-        <p:nvPicPr>
-          <p:cNvPr id="2" name="Picture 1"/>
-          <p:cNvPicPr>
-            <a:picLocks noChangeAspect="1"/>
-          </p:cNvPicPr>
-          <p:nvPr/>
-        </p:nvPicPr>
-        <p:blipFill rotWithShape="1">
-          <a:blip r:embed="rId3">
-            <a:extLst>
-              <a:ext uri="{28A0092B-C50C-407E-A947-70E740481C1C}">
-                <a14:useLocalDpi xmlns:a14="http://schemas.microsoft.com/office/drawing/2010/main" val="0"/>
-              </a:ext>
-            </a:extLst>
-          </a:blip>
-          <a:srcRect l="69227" t="33418" r="20112" b="50548"/>
-          <a:stretch/>
-        </p:blipFill>
-        <p:spPr>
-          <a:xfrm>
-            <a:off x="10386349" y="5029795"/>
-            <a:ext cx="1805651" cy="1991719"/>
-          </a:xfrm>
-          <a:prstGeom prst="rect">
-            <a:avLst/>
-          </a:prstGeom>
-        </p:spPr>
-      </p:pic>
-      <p:sp>
-        <p:nvSpPr>
-          <p:cNvPr id="3" name="TextBox 2"/>
-          <p:cNvSpPr txBox="1"/>
-          <p:nvPr/>
-        </p:nvSpPr>
-        <p:spPr>
-          <a:xfrm>
-            <a:off x="173620" y="219919"/>
-            <a:ext cx="5937813" cy="4832092"/>
-          </a:xfrm>
-          <a:prstGeom prst="rect">
-            <a:avLst/>
-          </a:prstGeom>
-          <a:noFill/>
-        </p:spPr>
-        <p:txBody>
-          <a:bodyPr wrap="square" rtlCol="0">
-            <a:spAutoFit/>
-          </a:bodyPr>
-          <a:lstStyle/>
-          <a:p>
-            <a:endParaRPr lang="en-US" sz="2800" b="1" dirty="0">
-              <a:solidFill>
-                <a:srgbClr val="CF3338"/>
-              </a:solidFill>
-              <a:latin typeface="Pragmatica" pitchFamily="2" charset="0"/>
-            </a:endParaRPr>
-          </a:p>
-          <a:p>
-            <a:pPr marL="514350" indent="-514350">
-              <a:buFont typeface="Arial" panose="020B0604020202020204" pitchFamily="34" charset="0"/>
-              <a:buChar char="•"/>
-            </a:pPr>
-            <a:r>
-              <a:rPr lang="en-US" sz="2800" b="1" dirty="0">
-                <a:solidFill>
-                  <a:srgbClr val="CF3338"/>
-                </a:solidFill>
-                <a:latin typeface="Pragmatica" pitchFamily="2" charset="0"/>
-              </a:rPr>
-              <a:t>Downloads and summary statistics:</a:t>
-            </a:r>
-          </a:p>
-          <a:p>
-            <a:pPr marL="971550" lvl="1" indent="-514350">
-              <a:buFont typeface="Arial" panose="020B0604020202020204" pitchFamily="34" charset="0"/>
-              <a:buChar char="•"/>
-            </a:pPr>
-            <a:r>
-              <a:rPr lang="en-US" sz="2800" b="1" dirty="0">
-                <a:solidFill>
-                  <a:srgbClr val="CF3338"/>
-                </a:solidFill>
-                <a:latin typeface="Pragmatica" pitchFamily="2" charset="0"/>
-              </a:rPr>
-              <a:t>Excel</a:t>
-            </a:r>
-          </a:p>
-          <a:p>
-            <a:pPr marL="971550" lvl="1" indent="-514350">
-              <a:buFont typeface="Arial" panose="020B0604020202020204" pitchFamily="34" charset="0"/>
-              <a:buChar char="•"/>
-            </a:pPr>
-            <a:r>
-              <a:rPr lang="en-US" sz="2800" b="1" dirty="0">
-                <a:solidFill>
-                  <a:srgbClr val="CF3338"/>
-                </a:solidFill>
-                <a:latin typeface="Pragmatica" pitchFamily="2" charset="0"/>
-              </a:rPr>
-              <a:t>R</a:t>
-            </a:r>
-          </a:p>
-          <a:p>
-            <a:pPr marL="971550" lvl="1" indent="-514350">
-              <a:buFont typeface="Arial" panose="020B0604020202020204" pitchFamily="34" charset="0"/>
-              <a:buChar char="•"/>
-            </a:pPr>
-            <a:r>
-              <a:rPr lang="en-US" sz="2800" b="1" dirty="0">
-                <a:solidFill>
-                  <a:srgbClr val="CF3338"/>
-                </a:solidFill>
-                <a:latin typeface="Pragmatica" pitchFamily="2" charset="0"/>
-              </a:rPr>
-              <a:t>Python</a:t>
-            </a:r>
-          </a:p>
-          <a:p>
-            <a:pPr marL="514350" indent="-514350">
-              <a:buFont typeface="Arial" panose="020B0604020202020204" pitchFamily="34" charset="0"/>
-              <a:buChar char="•"/>
-            </a:pPr>
-            <a:r>
-              <a:rPr lang="en-US" sz="2800" b="1" dirty="0">
-                <a:solidFill>
-                  <a:srgbClr val="CF3338"/>
-                </a:solidFill>
-                <a:latin typeface="Pragmatica" pitchFamily="2" charset="0"/>
-              </a:rPr>
-              <a:t>Follow along with demo notes for each</a:t>
-            </a:r>
-          </a:p>
-          <a:p>
-            <a:endParaRPr lang="en-US" sz="2800" b="1" dirty="0">
-              <a:solidFill>
-                <a:srgbClr val="CF3338"/>
-              </a:solidFill>
-              <a:latin typeface="Pragmatica" pitchFamily="2" charset="0"/>
-            </a:endParaRPr>
-          </a:p>
-          <a:p>
-            <a:pPr marL="514350" indent="-514350">
-              <a:buFont typeface="Arial" panose="020B0604020202020204" pitchFamily="34" charset="0"/>
-              <a:buChar char="•"/>
-            </a:pPr>
-            <a:r>
-              <a:rPr lang="en-US" sz="2800" b="1" dirty="0">
-                <a:solidFill>
-                  <a:srgbClr val="CF3338"/>
-                </a:solidFill>
-                <a:latin typeface="Pragmatica" pitchFamily="2" charset="0"/>
-              </a:rPr>
-              <a:t>Let’s get situated… </a:t>
-            </a:r>
-          </a:p>
-          <a:p>
-            <a:pPr marL="971550" lvl="1" indent="-514350">
-              <a:buFont typeface="Arial" panose="020B0604020202020204" pitchFamily="34" charset="0"/>
-              <a:buChar char="•"/>
-            </a:pPr>
-            <a:r>
-              <a:rPr lang="en-US" sz="2800" b="1" dirty="0">
-                <a:solidFill>
-                  <a:srgbClr val="CF3338"/>
-                </a:solidFill>
-                <a:latin typeface="Pragmatica" pitchFamily="2" charset="0"/>
-              </a:rPr>
-              <a:t>File to summarize: </a:t>
-            </a:r>
-            <a:r>
-              <a:rPr lang="en-US" sz="2800" b="1" dirty="0">
-                <a:solidFill>
-                  <a:srgbClr val="CF3338"/>
-                </a:solidFill>
-                <a:latin typeface="Consolas" panose="020B0609020204030204" pitchFamily="49" charset="0"/>
-              </a:rPr>
-              <a:t>plantgrowth.xlsx</a:t>
-            </a:r>
-          </a:p>
-        </p:txBody>
-      </p:sp>
-    </p:spTree>
-    <p:extLst>
-      <p:ext uri="{BB962C8B-B14F-4D97-AF65-F5344CB8AC3E}">
-        <p14:creationId xmlns:p14="http://schemas.microsoft.com/office/powerpoint/2010/main" val="3088895096"/>
-      </p:ext>
-    </p:extLst>
-  </p:cSld>
-  <p:clrMapOvr>
-    <a:masterClrMapping/>
-  </p:clrMapOvr>
-</p:sld>
-</file>
-
-<file path=ppt/slides/slide8.xml><?xml version="1.0" encoding="utf-8"?>
-<p:sld xmlns:a="http://schemas.openxmlformats.org/drawingml/2006/main" xmlns:r="http://schemas.openxmlformats.org/officeDocument/2006/relationships" xmlns:p="http://schemas.openxmlformats.org/presentationml/2006/main">
-  <p:cSld>
-    <p:spTree>
-      <p:nvGrpSpPr>
-        <p:cNvPr id="1" name=""/>
-        <p:cNvGrpSpPr/>
-        <p:nvPr/>
-      </p:nvGrpSpPr>
-      <p:grpSpPr>
-        <a:xfrm>
-          <a:off x="0" y="0"/>
-          <a:ext cx="0" cy="0"/>
-          <a:chOff x="0" y="0"/>
-          <a:chExt cx="0" cy="0"/>
-        </a:xfrm>
-      </p:grpSpPr>
-      <p:pic>
-        <p:nvPicPr>
-          <p:cNvPr id="10" name="Picture 9"/>
-          <p:cNvPicPr>
-            <a:picLocks noChangeAspect="1"/>
-          </p:cNvPicPr>
-          <p:nvPr/>
-        </p:nvPicPr>
-        <p:blipFill rotWithShape="1">
-          <a:blip r:embed="rId2">
-            <a:extLst>
-              <a:ext uri="{28A0092B-C50C-407E-A947-70E740481C1C}">
-                <a14:useLocalDpi xmlns:a14="http://schemas.microsoft.com/office/drawing/2010/main" val="0"/>
-              </a:ext>
-            </a:extLst>
-          </a:blip>
-          <a:srcRect l="50728" t="56371"/>
-          <a:stretch/>
-        </p:blipFill>
-        <p:spPr>
-          <a:xfrm>
-            <a:off x="8136460" y="2210765"/>
-            <a:ext cx="4055539" cy="4647236"/>
-          </a:xfrm>
-          <a:prstGeom prst="rect">
-            <a:avLst/>
-          </a:prstGeom>
-        </p:spPr>
-      </p:pic>
-      <p:pic>
-        <p:nvPicPr>
-          <p:cNvPr id="4" name="Picture 3"/>
-          <p:cNvPicPr>
-            <a:picLocks noChangeAspect="1"/>
-          </p:cNvPicPr>
-          <p:nvPr/>
-        </p:nvPicPr>
-        <p:blipFill>
-          <a:blip r:embed="rId3">
-            <a:extLst>
-              <a:ext uri="{28A0092B-C50C-407E-A947-70E740481C1C}">
-                <a14:useLocalDpi xmlns:a14="http://schemas.microsoft.com/office/drawing/2010/main" val="0"/>
-              </a:ext>
-            </a:extLst>
-          </a:blip>
-          <a:stretch>
-            <a:fillRect/>
-          </a:stretch>
-        </p:blipFill>
-        <p:spPr>
-          <a:xfrm>
-            <a:off x="-538496" y="-2482770"/>
-            <a:ext cx="10171472" cy="7459883"/>
-          </a:xfrm>
-          <a:prstGeom prst="rect">
-            <a:avLst/>
-          </a:prstGeom>
-        </p:spPr>
-      </p:pic>
-      <p:sp>
-        <p:nvSpPr>
-          <p:cNvPr id="11" name="TextBox 10"/>
-          <p:cNvSpPr txBox="1"/>
-          <p:nvPr/>
-        </p:nvSpPr>
-        <p:spPr>
-          <a:xfrm>
-            <a:off x="324091" y="1687545"/>
-            <a:ext cx="7986531" cy="769441"/>
-          </a:xfrm>
-          <a:prstGeom prst="rect">
-            <a:avLst/>
-          </a:prstGeom>
-          <a:noFill/>
-        </p:spPr>
-        <p:txBody>
-          <a:bodyPr wrap="square" rtlCol="0">
-            <a:spAutoFit/>
-          </a:bodyPr>
-          <a:lstStyle/>
-          <a:p>
-            <a:r>
-              <a:rPr lang="en-US" sz="4400" b="1" dirty="0">
-                <a:solidFill>
-                  <a:srgbClr val="707070"/>
-                </a:solidFill>
-                <a:latin typeface="Pragmatica" panose="020B0403040502020204" pitchFamily="34" charset="0"/>
-              </a:rPr>
-              <a:t>Questions?</a:t>
-            </a:r>
-          </a:p>
         </p:txBody>
       </p:sp>
     </p:spTree>
     <p:extLst>
       <p:ext uri="{BB962C8B-B14F-4D97-AF65-F5344CB8AC3E}">
         <p14:creationId xmlns:p14="http://schemas.microsoft.com/office/powerpoint/2010/main" val="4081097533"/>
-      </p:ext>
-    </p:extLst>
-  </p:cSld>
-  <p:clrMapOvr>
-    <a:masterClrMapping/>
-  </p:clrMapOvr>
-</p:sld>
-</file>
-
-<file path=ppt/slides/slide9.xml><?xml version="1.0" encoding="utf-8"?>
-<p:sld xmlns:a="http://schemas.openxmlformats.org/drawingml/2006/main" xmlns:r="http://schemas.openxmlformats.org/officeDocument/2006/relationships" xmlns:p="http://schemas.openxmlformats.org/presentationml/2006/main">
-  <p:cSld>
-    <p:spTree>
-      <p:nvGrpSpPr>
-        <p:cNvPr id="1" name=""/>
-        <p:cNvGrpSpPr/>
-        <p:nvPr/>
-      </p:nvGrpSpPr>
-      <p:grpSpPr>
-        <a:xfrm>
-          <a:off x="0" y="0"/>
-          <a:ext cx="0" cy="0"/>
-          <a:chOff x="0" y="0"/>
-          <a:chExt cx="0" cy="0"/>
-        </a:xfrm>
-      </p:grpSpPr>
-      <p:sp>
-        <p:nvSpPr>
-          <p:cNvPr id="4" name="Rectangle 3"/>
-          <p:cNvSpPr/>
-          <p:nvPr/>
-        </p:nvSpPr>
-        <p:spPr>
-          <a:xfrm>
-            <a:off x="0" y="0"/>
-            <a:ext cx="12192000" cy="6858000"/>
-          </a:xfrm>
-          <a:prstGeom prst="rect">
-            <a:avLst/>
-          </a:prstGeom>
-          <a:solidFill>
-            <a:srgbClr val="CF3338"/>
-          </a:solidFill>
-        </p:spPr>
-        <p:style>
-          <a:lnRef idx="2">
-            <a:schemeClr val="accent1">
-              <a:shade val="50000"/>
-            </a:schemeClr>
-          </a:lnRef>
-          <a:fillRef idx="1">
-            <a:schemeClr val="accent1"/>
-          </a:fillRef>
-          <a:effectRef idx="0">
-            <a:schemeClr val="accent1"/>
-          </a:effectRef>
-          <a:fontRef idx="minor">
-            <a:schemeClr val="lt1"/>
-          </a:fontRef>
-        </p:style>
-        <p:txBody>
-          <a:bodyPr rtlCol="0" anchor="ctr"/>
-          <a:lstStyle/>
-          <a:p>
-            <a:pPr algn="ctr"/>
-            <a:endParaRPr lang="en-US"/>
-          </a:p>
-        </p:txBody>
-      </p:sp>
-      <p:sp>
-        <p:nvSpPr>
-          <p:cNvPr id="5" name="TextBox 4"/>
-          <p:cNvSpPr txBox="1"/>
-          <p:nvPr/>
-        </p:nvSpPr>
-        <p:spPr>
-          <a:xfrm>
-            <a:off x="520861" y="393539"/>
-            <a:ext cx="10324617" cy="1107996"/>
-          </a:xfrm>
-          <a:prstGeom prst="rect">
-            <a:avLst/>
-          </a:prstGeom>
-          <a:noFill/>
-        </p:spPr>
-        <p:txBody>
-          <a:bodyPr wrap="square" rtlCol="0">
-            <a:spAutoFit/>
-          </a:bodyPr>
-          <a:lstStyle/>
-          <a:p>
-            <a:r>
-              <a:rPr lang="en-US" sz="6600" b="1" dirty="0">
-                <a:solidFill>
-                  <a:schemeClr val="bg1"/>
-                </a:solidFill>
-                <a:latin typeface="Pragmatica" pitchFamily="2" charset="0"/>
-              </a:rPr>
-              <a:t>Conclusion/Next steps</a:t>
-            </a:r>
-          </a:p>
-        </p:txBody>
-      </p:sp>
-    </p:spTree>
-    <p:extLst>
-      <p:ext uri="{BB962C8B-B14F-4D97-AF65-F5344CB8AC3E}">
-        <p14:creationId xmlns:p14="http://schemas.microsoft.com/office/powerpoint/2010/main" val="1922980201"/>
       </p:ext>
     </p:extLst>
   </p:cSld>
